--- a/kvukic-seminar-presentation-2018.pptx
+++ b/kvukic-seminar-presentation-2018.pptx
@@ -6,15 +6,30 @@
   </p:sldMasterIdLst>
   <p:sldIdLst>
     <p:sldId id="256" r:id="rId2"/>
-    <p:sldId id="262" r:id="rId3"/>
-    <p:sldId id="263" r:id="rId4"/>
-    <p:sldId id="257" r:id="rId5"/>
-    <p:sldId id="265" r:id="rId6"/>
-    <p:sldId id="258" r:id="rId7"/>
-    <p:sldId id="259" r:id="rId8"/>
-    <p:sldId id="264" r:id="rId9"/>
-    <p:sldId id="260" r:id="rId10"/>
-    <p:sldId id="261" r:id="rId11"/>
+    <p:sldId id="263" r:id="rId3"/>
+    <p:sldId id="257" r:id="rId4"/>
+    <p:sldId id="265" r:id="rId5"/>
+    <p:sldId id="266" r:id="rId6"/>
+    <p:sldId id="267" r:id="rId7"/>
+    <p:sldId id="268" r:id="rId8"/>
+    <p:sldId id="269" r:id="rId9"/>
+    <p:sldId id="270" r:id="rId10"/>
+    <p:sldId id="271" r:id="rId11"/>
+    <p:sldId id="258" r:id="rId12"/>
+    <p:sldId id="272" r:id="rId13"/>
+    <p:sldId id="259" r:id="rId14"/>
+    <p:sldId id="273" r:id="rId15"/>
+    <p:sldId id="264" r:id="rId16"/>
+    <p:sldId id="274" r:id="rId17"/>
+    <p:sldId id="275" r:id="rId18"/>
+    <p:sldId id="276" r:id="rId19"/>
+    <p:sldId id="277" r:id="rId20"/>
+    <p:sldId id="278" r:id="rId21"/>
+    <p:sldId id="279" r:id="rId22"/>
+    <p:sldId id="280" r:id="rId23"/>
+    <p:sldId id="261" r:id="rId24"/>
+    <p:sldId id="281" r:id="rId25"/>
+    <p:sldId id="282" r:id="rId26"/>
   </p:sldIdLst>
   <p:sldSz cx="12192000" cy="6858000"/>
   <p:notesSz cx="6858000" cy="9144000"/>
@@ -304,7 +319,7 @@
           <a:p>
             <a:fld id="{4E6B89DE-2E6D-7646-A583-92A7E558AB0E}" type="datetimeFigureOut">
               <a:rPr lang="en-US" smtClean="0"/>
-              <a:t>5/21/18</a:t>
+              <a:t>6/4/18</a:t>
             </a:fld>
             <a:endParaRPr lang="en-US"/>
           </a:p>
@@ -579,7 +594,7 @@
           <a:p>
             <a:fld id="{4E6B89DE-2E6D-7646-A583-92A7E558AB0E}" type="datetimeFigureOut">
               <a:rPr lang="en-US" smtClean="0"/>
-              <a:t>5/21/18</a:t>
+              <a:t>6/4/18</a:t>
             </a:fld>
             <a:endParaRPr lang="en-US"/>
           </a:p>
@@ -773,7 +788,7 @@
           <a:p>
             <a:fld id="{4E6B89DE-2E6D-7646-A583-92A7E558AB0E}" type="datetimeFigureOut">
               <a:rPr lang="en-US" smtClean="0"/>
-              <a:t>5/21/18</a:t>
+              <a:t>6/4/18</a:t>
             </a:fld>
             <a:endParaRPr lang="en-US"/>
           </a:p>
@@ -1041,7 +1056,7 @@
           <a:p>
             <a:fld id="{4E6B89DE-2E6D-7646-A583-92A7E558AB0E}" type="datetimeFigureOut">
               <a:rPr lang="en-US" smtClean="0"/>
-              <a:t>5/21/18</a:t>
+              <a:t>6/4/18</a:t>
             </a:fld>
             <a:endParaRPr lang="en-US"/>
           </a:p>
@@ -1373,7 +1388,7 @@
           <a:p>
             <a:fld id="{4E6B89DE-2E6D-7646-A583-92A7E558AB0E}" type="datetimeFigureOut">
               <a:rPr lang="en-US" smtClean="0"/>
-              <a:t>5/21/18</a:t>
+              <a:t>6/4/18</a:t>
             </a:fld>
             <a:endParaRPr lang="en-US"/>
           </a:p>
@@ -1983,7 +1998,7 @@
           <a:p>
             <a:fld id="{4E6B89DE-2E6D-7646-A583-92A7E558AB0E}" type="datetimeFigureOut">
               <a:rPr lang="en-US" smtClean="0"/>
-              <a:t>5/21/18</a:t>
+              <a:t>6/4/18</a:t>
             </a:fld>
             <a:endParaRPr lang="en-US"/>
           </a:p>
@@ -2830,7 +2845,7 @@
           <a:p>
             <a:fld id="{4E6B89DE-2E6D-7646-A583-92A7E558AB0E}" type="datetimeFigureOut">
               <a:rPr lang="en-US" smtClean="0"/>
-              <a:t>5/21/18</a:t>
+              <a:t>6/4/18</a:t>
             </a:fld>
             <a:endParaRPr lang="en-US"/>
           </a:p>
@@ -3000,7 +3015,7 @@
           <a:p>
             <a:fld id="{4E6B89DE-2E6D-7646-A583-92A7E558AB0E}" type="datetimeFigureOut">
               <a:rPr lang="en-US" smtClean="0"/>
-              <a:t>5/21/18</a:t>
+              <a:t>6/4/18</a:t>
             </a:fld>
             <a:endParaRPr lang="en-US"/>
           </a:p>
@@ -3180,7 +3195,7 @@
           <a:p>
             <a:fld id="{4E6B89DE-2E6D-7646-A583-92A7E558AB0E}" type="datetimeFigureOut">
               <a:rPr lang="en-US" smtClean="0"/>
-              <a:t>5/21/18</a:t>
+              <a:t>6/4/18</a:t>
             </a:fld>
             <a:endParaRPr lang="en-US"/>
           </a:p>
@@ -3350,7 +3365,7 @@
           <a:p>
             <a:fld id="{4E6B89DE-2E6D-7646-A583-92A7E558AB0E}" type="datetimeFigureOut">
               <a:rPr lang="en-US" smtClean="0"/>
-              <a:t>5/21/18</a:t>
+              <a:t>6/4/18</a:t>
             </a:fld>
             <a:endParaRPr lang="en-US"/>
           </a:p>
@@ -3594,7 +3609,7 @@
           <a:p>
             <a:fld id="{4E6B89DE-2E6D-7646-A583-92A7E558AB0E}" type="datetimeFigureOut">
               <a:rPr lang="en-US" smtClean="0"/>
-              <a:t>5/21/18</a:t>
+              <a:t>6/4/18</a:t>
             </a:fld>
             <a:endParaRPr lang="en-US"/>
           </a:p>
@@ -3886,7 +3901,7 @@
           <a:p>
             <a:fld id="{4E6B89DE-2E6D-7646-A583-92A7E558AB0E}" type="datetimeFigureOut">
               <a:rPr lang="en-US" smtClean="0"/>
-              <a:t>5/21/18</a:t>
+              <a:t>6/4/18</a:t>
             </a:fld>
             <a:endParaRPr lang="en-US"/>
           </a:p>
@@ -4324,7 +4339,7 @@
           <a:p>
             <a:fld id="{4E6B89DE-2E6D-7646-A583-92A7E558AB0E}" type="datetimeFigureOut">
               <a:rPr lang="en-US" smtClean="0"/>
-              <a:t>5/21/18</a:t>
+              <a:t>6/4/18</a:t>
             </a:fld>
             <a:endParaRPr lang="en-US"/>
           </a:p>
@@ -4442,7 +4457,7 @@
           <a:p>
             <a:fld id="{4E6B89DE-2E6D-7646-A583-92A7E558AB0E}" type="datetimeFigureOut">
               <a:rPr lang="en-US" smtClean="0"/>
-              <a:t>5/21/18</a:t>
+              <a:t>6/4/18</a:t>
             </a:fld>
             <a:endParaRPr lang="en-US"/>
           </a:p>
@@ -4537,7 +4552,7 @@
           <a:p>
             <a:fld id="{4E6B89DE-2E6D-7646-A583-92A7E558AB0E}" type="datetimeFigureOut">
               <a:rPr lang="en-US" smtClean="0"/>
-              <a:t>5/21/18</a:t>
+              <a:t>6/4/18</a:t>
             </a:fld>
             <a:endParaRPr lang="en-US"/>
           </a:p>
@@ -4816,7 +4831,7 @@
           <a:p>
             <a:fld id="{4E6B89DE-2E6D-7646-A583-92A7E558AB0E}" type="datetimeFigureOut">
               <a:rPr lang="en-US" smtClean="0"/>
-              <a:t>5/21/18</a:t>
+              <a:t>6/4/18</a:t>
             </a:fld>
             <a:endParaRPr lang="en-US"/>
           </a:p>
@@ -5091,7 +5106,7 @@
           <a:p>
             <a:fld id="{4E6B89DE-2E6D-7646-A583-92A7E558AB0E}" type="datetimeFigureOut">
               <a:rPr lang="en-US" smtClean="0"/>
-              <a:t>5/21/18</a:t>
+              <a:t>6/4/18</a:t>
             </a:fld>
             <a:endParaRPr lang="en-US"/>
           </a:p>
@@ -5520,7 +5535,7 @@
           <a:p>
             <a:fld id="{4E6B89DE-2E6D-7646-A583-92A7E558AB0E}" type="datetimeFigureOut">
               <a:rPr lang="en-US" smtClean="0"/>
-              <a:t>5/21/18</a:t>
+              <a:t>6/4/18</a:t>
             </a:fld>
             <a:endParaRPr lang="en-US"/>
           </a:p>
@@ -6226,16 +6241,29 @@
             <p:ph type="title"/>
           </p:nvPr>
         </p:nvSpPr>
-        <p:spPr/>
+        <p:spPr>
+          <a:xfrm>
+            <a:off x="667883" y="821094"/>
+            <a:ext cx="7415538" cy="778740"/>
+          </a:xfrm>
+        </p:spPr>
         <p:txBody>
           <a:bodyPr/>
           <a:lstStyle/>
           <a:p>
             <a:r>
-              <a:rPr lang="en-US" dirty="0" err="1" smtClean="0"/>
-              <a:t>Zaključak</a:t>
-            </a:r>
-            <a:endParaRPr lang="en-US" dirty="0"/>
+              <a:rPr lang="en-US" sz="3200" dirty="0" err="1" smtClean="0"/>
+              <a:t>Varijacijski</a:t>
+            </a:r>
+            <a:r>
+              <a:rPr lang="en-US" sz="3200" dirty="0" smtClean="0"/>
+              <a:t> </a:t>
+            </a:r>
+            <a:r>
+              <a:rPr lang="en-US" sz="3200" dirty="0" err="1" smtClean="0"/>
+              <a:t>autoenkoderi</a:t>
+            </a:r>
+            <a:endParaRPr lang="en-US" sz="3200" dirty="0"/>
           </a:p>
         </p:txBody>
       </p:sp>
@@ -6254,14 +6282,1872 @@
           <a:bodyPr/>
           <a:lstStyle/>
           <a:p>
-            <a:endParaRPr lang="en-US"/>
+            <a:r>
+              <a:rPr lang="hr-HR" dirty="0" smtClean="0"/>
+              <a:t>Prednosti:</a:t>
+            </a:r>
+          </a:p>
+          <a:p>
+            <a:pPr lvl="1"/>
+            <a:r>
+              <a:rPr lang="en-US" dirty="0" err="1"/>
+              <a:t>Velika</a:t>
+            </a:r>
+            <a:r>
+              <a:rPr lang="en-US" dirty="0"/>
+              <a:t> </a:t>
+            </a:r>
+            <a:r>
+              <a:rPr lang="en-US" dirty="0" err="1"/>
+              <a:t>kontrola</a:t>
+            </a:r>
+            <a:r>
+              <a:rPr lang="en-US" dirty="0"/>
+              <a:t> </a:t>
+            </a:r>
+            <a:r>
+              <a:rPr lang="en-US" dirty="0" err="1"/>
+              <a:t>nad</a:t>
+            </a:r>
+            <a:r>
+              <a:rPr lang="en-US" dirty="0"/>
+              <a:t> </a:t>
+            </a:r>
+            <a:r>
+              <a:rPr lang="en-US" dirty="0" err="1"/>
+              <a:t>generiranim</a:t>
+            </a:r>
+            <a:r>
+              <a:rPr lang="en-US" dirty="0"/>
+              <a:t> </a:t>
+            </a:r>
+            <a:r>
+              <a:rPr lang="en-US" dirty="0" err="1"/>
+              <a:t>podatcima</a:t>
+            </a:r>
+            <a:endParaRPr lang="en-US" dirty="0"/>
+          </a:p>
+          <a:p>
+            <a:pPr lvl="1"/>
+            <a:endParaRPr lang="hr-HR" dirty="0" smtClean="0"/>
+          </a:p>
+          <a:p>
+            <a:r>
+              <a:rPr lang="hr-HR" dirty="0" smtClean="0"/>
+              <a:t>Nedostatci:</a:t>
+            </a:r>
+          </a:p>
+          <a:p>
+            <a:pPr lvl="1"/>
+            <a:r>
+              <a:rPr lang="hr-HR" dirty="0" smtClean="0"/>
+              <a:t>Uzorkovani podatci puni anomalija</a:t>
+            </a:r>
+          </a:p>
+          <a:p>
+            <a:pPr lvl="1"/>
+            <a:endParaRPr lang="hr-HR" dirty="0"/>
+          </a:p>
+          <a:p>
+            <a:r>
+              <a:rPr lang="hr-HR" dirty="0" smtClean="0"/>
+              <a:t>Primjena:</a:t>
+            </a:r>
+          </a:p>
+          <a:p>
+            <a:pPr lvl="1"/>
+            <a:r>
+              <a:rPr lang="hr-HR" dirty="0" smtClean="0"/>
+              <a:t>Kompresija podataka, video igre</a:t>
+            </a:r>
+          </a:p>
+        </p:txBody>
+      </p:sp>
+      <p:sp>
+        <p:nvSpPr>
+          <p:cNvPr id="4" name="Title 1"/>
+          <p:cNvSpPr txBox="1">
+            <a:spLocks/>
+          </p:cNvSpPr>
+          <p:nvPr/>
+        </p:nvSpPr>
+        <p:spPr>
+          <a:xfrm>
+            <a:off x="667883" y="408672"/>
+            <a:ext cx="5042452" cy="412422"/>
+          </a:xfrm>
+          <a:prstGeom prst="rect">
+            <a:avLst/>
+          </a:prstGeom>
+        </p:spPr>
+        <p:txBody>
+          <a:bodyPr vert="horz" lIns="91440" tIns="45720" rIns="91440" bIns="45720" rtlCol="0" anchor="t">
+            <a:noAutofit/>
+          </a:bodyPr>
+          <a:lstStyle>
+            <a:lvl1pPr algn="l" defTabSz="457200" rtl="0" eaLnBrk="1" latinLnBrk="0" hangingPunct="1">
+              <a:spcBef>
+                <a:spcPct val="0"/>
+              </a:spcBef>
+              <a:buNone/>
+              <a:defRPr sz="4200" b="0" i="0" kern="1200">
+                <a:solidFill>
+                  <a:schemeClr val="tx2"/>
+                </a:solidFill>
+                <a:latin typeface="+mj-lt"/>
+                <a:ea typeface="+mj-ea"/>
+                <a:cs typeface="+mj-cs"/>
+              </a:defRPr>
+            </a:lvl1pPr>
+            <a:lvl2pPr eaLnBrk="1" hangingPunct="1">
+              <a:defRPr>
+                <a:solidFill>
+                  <a:schemeClr val="tx2"/>
+                </a:solidFill>
+              </a:defRPr>
+            </a:lvl2pPr>
+            <a:lvl3pPr eaLnBrk="1" hangingPunct="1">
+              <a:defRPr>
+                <a:solidFill>
+                  <a:schemeClr val="tx2"/>
+                </a:solidFill>
+              </a:defRPr>
+            </a:lvl3pPr>
+            <a:lvl4pPr eaLnBrk="1" hangingPunct="1">
+              <a:defRPr>
+                <a:solidFill>
+                  <a:schemeClr val="tx2"/>
+                </a:solidFill>
+              </a:defRPr>
+            </a:lvl4pPr>
+            <a:lvl5pPr eaLnBrk="1" hangingPunct="1">
+              <a:defRPr>
+                <a:solidFill>
+                  <a:schemeClr val="tx2"/>
+                </a:solidFill>
+              </a:defRPr>
+            </a:lvl5pPr>
+            <a:lvl6pPr eaLnBrk="1" hangingPunct="1">
+              <a:defRPr>
+                <a:solidFill>
+                  <a:schemeClr val="tx2"/>
+                </a:solidFill>
+              </a:defRPr>
+            </a:lvl6pPr>
+            <a:lvl7pPr eaLnBrk="1" hangingPunct="1">
+              <a:defRPr>
+                <a:solidFill>
+                  <a:schemeClr val="tx2"/>
+                </a:solidFill>
+              </a:defRPr>
+            </a:lvl7pPr>
+            <a:lvl8pPr eaLnBrk="1" hangingPunct="1">
+              <a:defRPr>
+                <a:solidFill>
+                  <a:schemeClr val="tx2"/>
+                </a:solidFill>
+              </a:defRPr>
+            </a:lvl8pPr>
+            <a:lvl9pPr eaLnBrk="1" hangingPunct="1">
+              <a:defRPr>
+                <a:solidFill>
+                  <a:schemeClr val="tx2"/>
+                </a:solidFill>
+              </a:defRPr>
+            </a:lvl9pPr>
+          </a:lstStyle>
+          <a:p>
+            <a:r>
+              <a:rPr lang="en-US" sz="1800" i="1" dirty="0" err="1" smtClean="0">
+                <a:ea typeface="Apple Braille" charset="0"/>
+                <a:cs typeface="Apple Braille" charset="0"/>
+              </a:rPr>
+              <a:t>Generativno</a:t>
+            </a:r>
+            <a:r>
+              <a:rPr lang="en-US" sz="1800" i="1" dirty="0" smtClean="0">
+                <a:ea typeface="Apple Braille" charset="0"/>
+                <a:cs typeface="Apple Braille" charset="0"/>
+              </a:rPr>
+              <a:t> </a:t>
+            </a:r>
+            <a:r>
+              <a:rPr lang="en-US" sz="1800" i="1" dirty="0" err="1" smtClean="0">
+                <a:ea typeface="Apple Braille" charset="0"/>
+                <a:cs typeface="Apple Braille" charset="0"/>
+              </a:rPr>
+              <a:t>modeliranje</a:t>
+            </a:r>
+            <a:endParaRPr lang="en-US" sz="1800" i="1" dirty="0">
+              <a:ea typeface="Apple Braille" charset="0"/>
+              <a:cs typeface="Apple Braille" charset="0"/>
+            </a:endParaRPr>
           </a:p>
         </p:txBody>
       </p:sp>
     </p:spTree>
     <p:extLst>
       <p:ext uri="{BB962C8B-B14F-4D97-AF65-F5344CB8AC3E}">
-        <p14:creationId xmlns:p14="http://schemas.microsoft.com/office/powerpoint/2010/main" val="1343267494"/>
+        <p14:creationId xmlns:p14="http://schemas.microsoft.com/office/powerpoint/2010/main" val="464793620"/>
+      </p:ext>
+    </p:extLst>
+  </p:cSld>
+  <p:clrMapOvr>
+    <a:masterClrMapping/>
+  </p:clrMapOvr>
+</p:sld>
+</file>
+
+<file path=ppt/slides/slide11.xml><?xml version="1.0" encoding="utf-8"?>
+<p:sld xmlns:a="http://schemas.openxmlformats.org/drawingml/2006/main" xmlns:r="http://schemas.openxmlformats.org/officeDocument/2006/relationships" xmlns:p="http://schemas.openxmlformats.org/presentationml/2006/main">
+  <p:cSld>
+    <p:spTree>
+      <p:nvGrpSpPr>
+        <p:cNvPr id="1" name=""/>
+        <p:cNvGrpSpPr/>
+        <p:nvPr/>
+      </p:nvGrpSpPr>
+      <p:grpSpPr>
+        <a:xfrm>
+          <a:off x="0" y="0"/>
+          <a:ext cx="0" cy="0"/>
+          <a:chOff x="0" y="0"/>
+          <a:chExt cx="0" cy="0"/>
+        </a:xfrm>
+      </p:grpSpPr>
+      <p:sp>
+        <p:nvSpPr>
+          <p:cNvPr id="2" name="Title 1"/>
+          <p:cNvSpPr>
+            <a:spLocks noGrp="1"/>
+          </p:cNvSpPr>
+          <p:nvPr>
+            <p:ph type="title"/>
+          </p:nvPr>
+        </p:nvSpPr>
+        <p:spPr/>
+        <p:txBody>
+          <a:bodyPr/>
+          <a:lstStyle/>
+          <a:p>
+            <a:r>
+              <a:rPr lang="en-US" dirty="0" err="1" smtClean="0"/>
+              <a:t>Uvjetne</a:t>
+            </a:r>
+            <a:r>
+              <a:rPr lang="en-US" dirty="0" smtClean="0"/>
+              <a:t> </a:t>
+            </a:r>
+            <a:r>
+              <a:rPr lang="en-US" dirty="0" err="1" smtClean="0"/>
+              <a:t>generativne</a:t>
+            </a:r>
+            <a:r>
+              <a:rPr lang="en-US" dirty="0" smtClean="0"/>
+              <a:t> </a:t>
+            </a:r>
+            <a:r>
+              <a:rPr lang="en-US" dirty="0" err="1" smtClean="0"/>
+              <a:t>mreže</a:t>
+            </a:r>
+            <a:endParaRPr lang="en-US" dirty="0"/>
+          </a:p>
+        </p:txBody>
+      </p:sp>
+      <p:sp>
+        <p:nvSpPr>
+          <p:cNvPr id="3" name="Content Placeholder 2"/>
+          <p:cNvSpPr>
+            <a:spLocks noGrp="1"/>
+          </p:cNvSpPr>
+          <p:nvPr>
+            <p:ph idx="1"/>
+          </p:nvPr>
+        </p:nvSpPr>
+        <p:spPr>
+          <a:xfrm>
+            <a:off x="1103312" y="2052918"/>
+            <a:ext cx="8946541" cy="1380747"/>
+          </a:xfrm>
+        </p:spPr>
+        <p:txBody>
+          <a:bodyPr/>
+          <a:lstStyle/>
+          <a:p>
+            <a:r>
+              <a:rPr lang="en-US" dirty="0" err="1" smtClean="0"/>
+              <a:t>Nastale</a:t>
+            </a:r>
+            <a:r>
+              <a:rPr lang="en-US" dirty="0" smtClean="0"/>
+              <a:t> </a:t>
+            </a:r>
+            <a:r>
+              <a:rPr lang="en-US" dirty="0" err="1" smtClean="0"/>
+              <a:t>iz</a:t>
+            </a:r>
+            <a:r>
+              <a:rPr lang="en-US" dirty="0" smtClean="0"/>
+              <a:t> </a:t>
+            </a:r>
+            <a:r>
+              <a:rPr lang="en-US" dirty="0" err="1" smtClean="0"/>
+              <a:t>potrebe</a:t>
+            </a:r>
+            <a:r>
+              <a:rPr lang="en-US" dirty="0" smtClean="0"/>
+              <a:t> </a:t>
+            </a:r>
+            <a:r>
+              <a:rPr lang="en-US" dirty="0" err="1" smtClean="0"/>
+              <a:t>za</a:t>
+            </a:r>
+            <a:r>
+              <a:rPr lang="en-US" dirty="0" smtClean="0"/>
+              <a:t> </a:t>
+            </a:r>
+            <a:r>
+              <a:rPr lang="en-US" dirty="0" err="1" smtClean="0"/>
+              <a:t>većom</a:t>
+            </a:r>
+            <a:r>
+              <a:rPr lang="en-US" dirty="0" smtClean="0"/>
+              <a:t> </a:t>
+            </a:r>
+            <a:r>
+              <a:rPr lang="en-US" dirty="0" err="1" smtClean="0"/>
+              <a:t>kontrolom</a:t>
+            </a:r>
+            <a:r>
+              <a:rPr lang="en-US" dirty="0" smtClean="0"/>
+              <a:t> </a:t>
+            </a:r>
+            <a:r>
+              <a:rPr lang="en-US" dirty="0" err="1" smtClean="0"/>
+              <a:t>generativnog</a:t>
+            </a:r>
+            <a:r>
+              <a:rPr lang="en-US" dirty="0" smtClean="0"/>
+              <a:t> </a:t>
+            </a:r>
+            <a:r>
+              <a:rPr lang="en-US" dirty="0" err="1" smtClean="0"/>
+              <a:t>procesa</a:t>
+            </a:r>
+            <a:endParaRPr lang="en-US" dirty="0" smtClean="0"/>
+          </a:p>
+          <a:p>
+            <a:r>
+              <a:rPr lang="en-US" dirty="0" err="1" smtClean="0"/>
+              <a:t>Ideja</a:t>
+            </a:r>
+            <a:r>
+              <a:rPr lang="en-US" dirty="0" smtClean="0"/>
+              <a:t>: </a:t>
+            </a:r>
+            <a:r>
+              <a:rPr lang="en-US" dirty="0" err="1" smtClean="0"/>
+              <a:t>postavljanje</a:t>
+            </a:r>
+            <a:r>
+              <a:rPr lang="en-US" dirty="0" smtClean="0"/>
+              <a:t> </a:t>
+            </a:r>
+            <a:r>
+              <a:rPr lang="en-US" dirty="0" err="1" smtClean="0"/>
+              <a:t>uvjeta</a:t>
+            </a:r>
+            <a:r>
+              <a:rPr lang="en-US" dirty="0" smtClean="0"/>
+              <a:t> </a:t>
+            </a:r>
+            <a:r>
+              <a:rPr lang="en-US" dirty="0" err="1" smtClean="0"/>
+              <a:t>na</a:t>
+            </a:r>
+            <a:r>
+              <a:rPr lang="en-US" dirty="0" smtClean="0"/>
+              <a:t> </a:t>
+            </a:r>
+            <a:r>
+              <a:rPr lang="en-US" dirty="0" err="1" smtClean="0"/>
+              <a:t>ulaz</a:t>
+            </a:r>
+            <a:r>
+              <a:rPr lang="en-US" dirty="0" smtClean="0"/>
+              <a:t> </a:t>
+            </a:r>
+            <a:r>
+              <a:rPr lang="en-US" dirty="0" err="1" smtClean="0"/>
+              <a:t>modela</a:t>
+            </a:r>
+            <a:endParaRPr lang="en-US" dirty="0" smtClean="0"/>
+          </a:p>
+          <a:p>
+            <a:pPr lvl="1"/>
+            <a:r>
+              <a:rPr lang="en-US" dirty="0" err="1" smtClean="0"/>
+              <a:t>Oznake</a:t>
+            </a:r>
+            <a:r>
+              <a:rPr lang="en-US" dirty="0" smtClean="0"/>
+              <a:t> </a:t>
+            </a:r>
+            <a:r>
+              <a:rPr lang="en-US" dirty="0" err="1" smtClean="0"/>
+              <a:t>klasa</a:t>
+            </a:r>
+            <a:r>
+              <a:rPr lang="en-US" dirty="0" smtClean="0"/>
+              <a:t>, </a:t>
+            </a:r>
+            <a:r>
+              <a:rPr lang="en-US" dirty="0" err="1" smtClean="0"/>
+              <a:t>skice</a:t>
+            </a:r>
+            <a:r>
+              <a:rPr lang="en-US" dirty="0" smtClean="0"/>
+              <a:t>, </a:t>
+            </a:r>
+            <a:r>
+              <a:rPr lang="en-US" dirty="0" err="1" smtClean="0"/>
+              <a:t>dubinske</a:t>
+            </a:r>
+            <a:r>
+              <a:rPr lang="en-US" dirty="0" smtClean="0"/>
+              <a:t> </a:t>
+            </a:r>
+            <a:r>
+              <a:rPr lang="en-US" dirty="0" err="1" smtClean="0"/>
+              <a:t>mape</a:t>
+            </a:r>
+            <a:r>
+              <a:rPr lang="mr-IN" dirty="0" smtClean="0"/>
+              <a:t>…</a:t>
+            </a:r>
+            <a:endParaRPr lang="hr-HR" dirty="0" smtClean="0"/>
+          </a:p>
+          <a:p>
+            <a:endParaRPr lang="en-US" dirty="0"/>
+          </a:p>
+        </p:txBody>
+      </p:sp>
+      <p:pic>
+        <p:nvPicPr>
+          <p:cNvPr id="4" name="Picture 3"/>
+          <p:cNvPicPr>
+            <a:picLocks noChangeAspect="1"/>
+          </p:cNvPicPr>
+          <p:nvPr/>
+        </p:nvPicPr>
+        <p:blipFill>
+          <a:blip r:embed="rId2">
+            <a:extLst>
+              <a:ext uri="{28A0092B-C50C-407E-A947-70E740481C1C}">
+                <a14:useLocalDpi xmlns:a14="http://schemas.microsoft.com/office/drawing/2010/main" val="0"/>
+              </a:ext>
+            </a:extLst>
+          </a:blip>
+          <a:stretch>
+            <a:fillRect/>
+          </a:stretch>
+        </p:blipFill>
+        <p:spPr>
+          <a:xfrm>
+            <a:off x="1103312" y="3433665"/>
+            <a:ext cx="9403742" cy="3452717"/>
+          </a:xfrm>
+          <a:prstGeom prst="rect">
+            <a:avLst/>
+          </a:prstGeom>
+        </p:spPr>
+      </p:pic>
+    </p:spTree>
+    <p:extLst>
+      <p:ext uri="{BB962C8B-B14F-4D97-AF65-F5344CB8AC3E}">
+        <p14:creationId xmlns:p14="http://schemas.microsoft.com/office/powerpoint/2010/main" val="1743734005"/>
+      </p:ext>
+    </p:extLst>
+  </p:cSld>
+  <p:clrMapOvr>
+    <a:masterClrMapping/>
+  </p:clrMapOvr>
+</p:sld>
+</file>
+
+<file path=ppt/slides/slide12.xml><?xml version="1.0" encoding="utf-8"?>
+<p:sld xmlns:a="http://schemas.openxmlformats.org/drawingml/2006/main" xmlns:r="http://schemas.openxmlformats.org/officeDocument/2006/relationships" xmlns:p="http://schemas.openxmlformats.org/presentationml/2006/main">
+  <p:cSld>
+    <p:spTree>
+      <p:nvGrpSpPr>
+        <p:cNvPr id="1" name=""/>
+        <p:cNvGrpSpPr/>
+        <p:nvPr/>
+      </p:nvGrpSpPr>
+      <p:grpSpPr>
+        <a:xfrm>
+          <a:off x="0" y="0"/>
+          <a:ext cx="0" cy="0"/>
+          <a:chOff x="0" y="0"/>
+          <a:chExt cx="0" cy="0"/>
+        </a:xfrm>
+      </p:grpSpPr>
+      <p:sp>
+        <p:nvSpPr>
+          <p:cNvPr id="2" name="Title 1"/>
+          <p:cNvSpPr>
+            <a:spLocks noGrp="1"/>
+          </p:cNvSpPr>
+          <p:nvPr>
+            <p:ph type="title"/>
+          </p:nvPr>
+        </p:nvSpPr>
+        <p:spPr/>
+        <p:txBody>
+          <a:bodyPr/>
+          <a:lstStyle/>
+          <a:p>
+            <a:r>
+              <a:rPr lang="en-US" dirty="0" err="1" smtClean="0"/>
+              <a:t>Uvjetne</a:t>
+            </a:r>
+            <a:r>
+              <a:rPr lang="en-US" dirty="0" smtClean="0"/>
+              <a:t> </a:t>
+            </a:r>
+            <a:r>
+              <a:rPr lang="en-US" dirty="0" err="1" smtClean="0"/>
+              <a:t>generativne</a:t>
+            </a:r>
+            <a:r>
+              <a:rPr lang="en-US" dirty="0" smtClean="0"/>
+              <a:t> </a:t>
+            </a:r>
+            <a:r>
+              <a:rPr lang="en-US" dirty="0" err="1" smtClean="0"/>
+              <a:t>mreže</a:t>
+            </a:r>
+            <a:endParaRPr lang="en-US" dirty="0"/>
+          </a:p>
+        </p:txBody>
+      </p:sp>
+      <p:sp>
+        <p:nvSpPr>
+          <p:cNvPr id="3" name="Content Placeholder 2"/>
+          <p:cNvSpPr>
+            <a:spLocks noGrp="1"/>
+          </p:cNvSpPr>
+          <p:nvPr>
+            <p:ph idx="1"/>
+          </p:nvPr>
+        </p:nvSpPr>
+        <p:spPr>
+          <a:xfrm>
+            <a:off x="1103312" y="2052918"/>
+            <a:ext cx="8946541" cy="3694739"/>
+          </a:xfrm>
+        </p:spPr>
+        <p:txBody>
+          <a:bodyPr/>
+          <a:lstStyle/>
+          <a:p>
+            <a:r>
+              <a:rPr lang="hr-HR" dirty="0" smtClean="0"/>
+              <a:t>Funkcija gubitka</a:t>
+            </a:r>
+          </a:p>
+          <a:p>
+            <a:pPr lvl="1"/>
+            <a:r>
+              <a:rPr lang="hr-HR" dirty="0" smtClean="0"/>
+              <a:t>Obični GAN - jesu li generirani podatci različiti od stvarnih</a:t>
+            </a:r>
+          </a:p>
+          <a:p>
+            <a:pPr lvl="1"/>
+            <a:r>
+              <a:rPr lang="hr-HR" dirty="0" smtClean="0"/>
+              <a:t>Uvjetovani GAN - </a:t>
+            </a:r>
+            <a:endParaRPr lang="en-US" dirty="0"/>
+          </a:p>
+        </p:txBody>
+      </p:sp>
+    </p:spTree>
+    <p:extLst>
+      <p:ext uri="{BB962C8B-B14F-4D97-AF65-F5344CB8AC3E}">
+        <p14:creationId xmlns:p14="http://schemas.microsoft.com/office/powerpoint/2010/main" val="2139513934"/>
+      </p:ext>
+    </p:extLst>
+  </p:cSld>
+  <p:clrMapOvr>
+    <a:masterClrMapping/>
+  </p:clrMapOvr>
+</p:sld>
+</file>
+
+<file path=ppt/slides/slide13.xml><?xml version="1.0" encoding="utf-8"?>
+<p:sld xmlns:a="http://schemas.openxmlformats.org/drawingml/2006/main" xmlns:r="http://schemas.openxmlformats.org/officeDocument/2006/relationships" xmlns:p="http://schemas.openxmlformats.org/presentationml/2006/main">
+  <p:cSld>
+    <p:spTree>
+      <p:nvGrpSpPr>
+        <p:cNvPr id="1" name=""/>
+        <p:cNvGrpSpPr/>
+        <p:nvPr/>
+      </p:nvGrpSpPr>
+      <p:grpSpPr>
+        <a:xfrm>
+          <a:off x="0" y="0"/>
+          <a:ext cx="0" cy="0"/>
+          <a:chOff x="0" y="0"/>
+          <a:chExt cx="0" cy="0"/>
+        </a:xfrm>
+      </p:grpSpPr>
+      <p:sp>
+        <p:nvSpPr>
+          <p:cNvPr id="2" name="Title 1"/>
+          <p:cNvSpPr>
+            <a:spLocks noGrp="1"/>
+          </p:cNvSpPr>
+          <p:nvPr>
+            <p:ph type="title"/>
+          </p:nvPr>
+        </p:nvSpPr>
+        <p:spPr/>
+        <p:txBody>
+          <a:bodyPr/>
+          <a:lstStyle/>
+          <a:p>
+            <a:r>
+              <a:rPr lang="en-US" dirty="0" err="1" smtClean="0"/>
+              <a:t>Translacija</a:t>
+            </a:r>
+            <a:r>
+              <a:rPr lang="en-US" dirty="0" smtClean="0"/>
+              <a:t> bez </a:t>
+            </a:r>
+            <a:r>
+              <a:rPr lang="en-US" dirty="0" err="1" smtClean="0"/>
+              <a:t>uparenih</a:t>
+            </a:r>
+            <a:r>
+              <a:rPr lang="en-US" dirty="0" smtClean="0"/>
+              <a:t> </a:t>
+            </a:r>
+            <a:r>
+              <a:rPr lang="en-US" dirty="0" err="1" smtClean="0"/>
+              <a:t>primjera</a:t>
+            </a:r>
+            <a:r>
+              <a:rPr lang="en-US" dirty="0" smtClean="0"/>
+              <a:t> </a:t>
+            </a:r>
+            <a:r>
+              <a:rPr lang="en-US" dirty="0" err="1" smtClean="0"/>
+              <a:t>za</a:t>
+            </a:r>
+            <a:r>
+              <a:rPr lang="en-US" dirty="0" smtClean="0"/>
+              <a:t> </a:t>
+            </a:r>
+            <a:r>
+              <a:rPr lang="en-US" dirty="0" err="1" smtClean="0"/>
+              <a:t>učenje</a:t>
+            </a:r>
+            <a:endParaRPr lang="en-US" dirty="0"/>
+          </a:p>
+        </p:txBody>
+      </p:sp>
+      <p:sp>
+        <p:nvSpPr>
+          <p:cNvPr id="3" name="Content Placeholder 2"/>
+          <p:cNvSpPr>
+            <a:spLocks noGrp="1"/>
+          </p:cNvSpPr>
+          <p:nvPr>
+            <p:ph idx="1"/>
+          </p:nvPr>
+        </p:nvSpPr>
+        <p:spPr/>
+        <p:txBody>
+          <a:bodyPr/>
+          <a:lstStyle/>
+          <a:p>
+            <a:r>
+              <a:rPr lang="en-US" dirty="0" err="1" smtClean="0"/>
+              <a:t>GANovi</a:t>
+            </a:r>
+            <a:r>
+              <a:rPr lang="en-US" dirty="0" smtClean="0"/>
+              <a:t> </a:t>
+            </a:r>
+            <a:r>
+              <a:rPr lang="en-US" dirty="0" err="1" smtClean="0"/>
+              <a:t>ovise</a:t>
+            </a:r>
+            <a:r>
+              <a:rPr lang="en-US" dirty="0" smtClean="0"/>
+              <a:t> o </a:t>
+            </a:r>
+            <a:r>
+              <a:rPr lang="en-US" dirty="0" err="1" smtClean="0"/>
+              <a:t>velikim</a:t>
+            </a:r>
+            <a:r>
+              <a:rPr lang="en-US" dirty="0" smtClean="0"/>
+              <a:t> </a:t>
+            </a:r>
+            <a:r>
+              <a:rPr lang="en-US" dirty="0" err="1" smtClean="0"/>
+              <a:t>količinama</a:t>
+            </a:r>
+            <a:r>
+              <a:rPr lang="en-US" dirty="0" smtClean="0"/>
+              <a:t> </a:t>
+            </a:r>
+            <a:r>
+              <a:rPr lang="en-US" dirty="0" err="1" smtClean="0"/>
+              <a:t>podataka</a:t>
+            </a:r>
+            <a:endParaRPr lang="en-US" dirty="0" smtClean="0"/>
+          </a:p>
+          <a:p>
+            <a:endParaRPr lang="en-US" dirty="0" smtClean="0"/>
+          </a:p>
+          <a:p>
+            <a:r>
+              <a:rPr lang="en-US" dirty="0" err="1" smtClean="0"/>
+              <a:t>Izrada</a:t>
+            </a:r>
+            <a:r>
+              <a:rPr lang="en-US" dirty="0" smtClean="0"/>
+              <a:t> </a:t>
+            </a:r>
+            <a:r>
+              <a:rPr lang="en-US" dirty="0" err="1" smtClean="0"/>
+              <a:t>takvih</a:t>
+            </a:r>
+            <a:r>
+              <a:rPr lang="en-US" dirty="0" smtClean="0"/>
+              <a:t> </a:t>
+            </a:r>
+            <a:r>
+              <a:rPr lang="en-US" dirty="0" err="1" smtClean="0"/>
+              <a:t>skupova</a:t>
+            </a:r>
+            <a:endParaRPr lang="en-US" dirty="0"/>
+          </a:p>
+          <a:p>
+            <a:pPr lvl="1"/>
+            <a:r>
+              <a:rPr lang="en-US" dirty="0" err="1" smtClean="0"/>
+              <a:t>Izuzetno</a:t>
+            </a:r>
+            <a:r>
+              <a:rPr lang="en-US" dirty="0" smtClean="0"/>
+              <a:t> </a:t>
+            </a:r>
+            <a:r>
+              <a:rPr lang="en-US" dirty="0" err="1" smtClean="0"/>
+              <a:t>skupa</a:t>
+            </a:r>
+            <a:endParaRPr lang="en-US" dirty="0" smtClean="0"/>
+          </a:p>
+          <a:p>
+            <a:pPr lvl="1"/>
+            <a:r>
+              <a:rPr lang="en-US" dirty="0" err="1" smtClean="0"/>
+              <a:t>Iznimno</a:t>
+            </a:r>
+            <a:r>
+              <a:rPr lang="en-US" dirty="0" smtClean="0"/>
+              <a:t> </a:t>
+            </a:r>
+            <a:r>
+              <a:rPr lang="en-US" dirty="0" err="1" smtClean="0"/>
+              <a:t>dugotrajna</a:t>
+            </a:r>
+            <a:endParaRPr lang="en-US" dirty="0" smtClean="0"/>
+          </a:p>
+          <a:p>
+            <a:pPr lvl="1"/>
+            <a:r>
+              <a:rPr lang="en-US" dirty="0" err="1" smtClean="0"/>
+              <a:t>Često</a:t>
+            </a:r>
+            <a:r>
+              <a:rPr lang="en-US" dirty="0" smtClean="0"/>
+              <a:t> </a:t>
+            </a:r>
+            <a:r>
+              <a:rPr lang="en-US" dirty="0" err="1" smtClean="0"/>
+              <a:t>neizvediva</a:t>
+            </a:r>
+            <a:endParaRPr lang="en-US" dirty="0" smtClean="0"/>
+          </a:p>
+        </p:txBody>
+      </p:sp>
+    </p:spTree>
+    <p:extLst>
+      <p:ext uri="{BB962C8B-B14F-4D97-AF65-F5344CB8AC3E}">
+        <p14:creationId xmlns:p14="http://schemas.microsoft.com/office/powerpoint/2010/main" val="274286887"/>
+      </p:ext>
+    </p:extLst>
+  </p:cSld>
+  <p:clrMapOvr>
+    <a:masterClrMapping/>
+  </p:clrMapOvr>
+</p:sld>
+</file>
+
+<file path=ppt/slides/slide14.xml><?xml version="1.0" encoding="utf-8"?>
+<p:sld xmlns:a="http://schemas.openxmlformats.org/drawingml/2006/main" xmlns:r="http://schemas.openxmlformats.org/officeDocument/2006/relationships" xmlns:p="http://schemas.openxmlformats.org/presentationml/2006/main">
+  <p:cSld>
+    <p:spTree>
+      <p:nvGrpSpPr>
+        <p:cNvPr id="1" name=""/>
+        <p:cNvGrpSpPr/>
+        <p:nvPr/>
+      </p:nvGrpSpPr>
+      <p:grpSpPr>
+        <a:xfrm>
+          <a:off x="0" y="0"/>
+          <a:ext cx="0" cy="0"/>
+          <a:chOff x="0" y="0"/>
+          <a:chExt cx="0" cy="0"/>
+        </a:xfrm>
+      </p:grpSpPr>
+      <p:sp>
+        <p:nvSpPr>
+          <p:cNvPr id="2" name="Title 1"/>
+          <p:cNvSpPr>
+            <a:spLocks noGrp="1"/>
+          </p:cNvSpPr>
+          <p:nvPr>
+            <p:ph type="title"/>
+          </p:nvPr>
+        </p:nvSpPr>
+        <p:spPr/>
+        <p:txBody>
+          <a:bodyPr/>
+          <a:lstStyle/>
+          <a:p>
+            <a:r>
+              <a:rPr lang="en-US" dirty="0" err="1" smtClean="0"/>
+              <a:t>Translacija</a:t>
+            </a:r>
+            <a:r>
+              <a:rPr lang="en-US" dirty="0" smtClean="0"/>
+              <a:t> bez </a:t>
+            </a:r>
+            <a:r>
+              <a:rPr lang="en-US" dirty="0" err="1" smtClean="0"/>
+              <a:t>uparenih</a:t>
+            </a:r>
+            <a:r>
+              <a:rPr lang="en-US" dirty="0" smtClean="0"/>
+              <a:t> </a:t>
+            </a:r>
+            <a:r>
+              <a:rPr lang="en-US" dirty="0" err="1" smtClean="0"/>
+              <a:t>primjera</a:t>
+            </a:r>
+            <a:r>
+              <a:rPr lang="en-US" dirty="0" smtClean="0"/>
+              <a:t> </a:t>
+            </a:r>
+            <a:r>
+              <a:rPr lang="en-US" dirty="0" err="1" smtClean="0"/>
+              <a:t>za</a:t>
+            </a:r>
+            <a:r>
+              <a:rPr lang="en-US" dirty="0" smtClean="0"/>
+              <a:t> </a:t>
+            </a:r>
+            <a:r>
+              <a:rPr lang="en-US" dirty="0" err="1" smtClean="0"/>
+              <a:t>učenje</a:t>
+            </a:r>
+            <a:endParaRPr lang="en-US" dirty="0"/>
+          </a:p>
+        </p:txBody>
+      </p:sp>
+      <p:sp>
+        <p:nvSpPr>
+          <p:cNvPr id="3" name="Content Placeholder 2"/>
+          <p:cNvSpPr>
+            <a:spLocks noGrp="1"/>
+          </p:cNvSpPr>
+          <p:nvPr>
+            <p:ph idx="1"/>
+          </p:nvPr>
+        </p:nvSpPr>
+        <p:spPr/>
+        <p:txBody>
+          <a:bodyPr/>
+          <a:lstStyle/>
+          <a:p>
+            <a:r>
+              <a:rPr lang="en-US" dirty="0" err="1" smtClean="0"/>
+              <a:t>Pri</a:t>
+            </a:r>
+            <a:r>
+              <a:rPr lang="en-US" dirty="0" smtClean="0"/>
+              <a:t> </a:t>
+            </a:r>
+            <a:r>
+              <a:rPr lang="en-US" dirty="0" err="1" smtClean="0"/>
+              <a:t>učenju</a:t>
+            </a:r>
+            <a:r>
+              <a:rPr lang="en-US" dirty="0" smtClean="0"/>
+              <a:t> bez </a:t>
+            </a:r>
+            <a:r>
+              <a:rPr lang="en-US" dirty="0" err="1" smtClean="0"/>
+              <a:t>označenih</a:t>
+            </a:r>
+            <a:r>
+              <a:rPr lang="en-US" dirty="0" smtClean="0"/>
+              <a:t> </a:t>
+            </a:r>
+            <a:r>
+              <a:rPr lang="en-US" dirty="0" err="1" smtClean="0"/>
+              <a:t>primjera</a:t>
+            </a:r>
+            <a:r>
+              <a:rPr lang="en-US" dirty="0" smtClean="0"/>
+              <a:t> </a:t>
+            </a:r>
+            <a:r>
+              <a:rPr lang="en-US" dirty="0" err="1" smtClean="0"/>
+              <a:t>cilj</a:t>
+            </a:r>
+            <a:r>
+              <a:rPr lang="en-US" dirty="0" smtClean="0"/>
+              <a:t> u </a:t>
+            </a:r>
+            <a:r>
+              <a:rPr lang="en-US" dirty="0" err="1" smtClean="0"/>
+              <a:t>biti</a:t>
+            </a:r>
+            <a:r>
+              <a:rPr lang="en-US" dirty="0" smtClean="0"/>
+              <a:t> </a:t>
+            </a:r>
+            <a:r>
+              <a:rPr lang="en-US" dirty="0" err="1" smtClean="0"/>
+              <a:t>ostaje</a:t>
+            </a:r>
+            <a:r>
+              <a:rPr lang="en-US" dirty="0" smtClean="0"/>
+              <a:t> </a:t>
+            </a:r>
+            <a:r>
+              <a:rPr lang="en-US" dirty="0" err="1" smtClean="0"/>
+              <a:t>isti</a:t>
+            </a:r>
+            <a:endParaRPr lang="en-US" dirty="0" smtClean="0"/>
+          </a:p>
+          <a:p>
+            <a:pPr lvl="1"/>
+            <a:r>
+              <a:rPr lang="en-US" dirty="0" err="1"/>
+              <a:t>Naučiti</a:t>
+            </a:r>
+            <a:r>
+              <a:rPr lang="en-US" dirty="0"/>
+              <a:t> </a:t>
+            </a:r>
+            <a:r>
+              <a:rPr lang="en-US" dirty="0" err="1"/>
+              <a:t>preslikavanje</a:t>
+            </a:r>
+            <a:r>
+              <a:rPr lang="en-US" dirty="0"/>
+              <a:t> s </a:t>
+            </a:r>
+            <a:r>
+              <a:rPr lang="en-US" dirty="0" err="1"/>
+              <a:t>izvorišne</a:t>
+            </a:r>
+            <a:r>
+              <a:rPr lang="en-US" dirty="0"/>
+              <a:t> </a:t>
+            </a:r>
+            <a:r>
+              <a:rPr lang="en-US" dirty="0" err="1"/>
+              <a:t>domene</a:t>
+            </a:r>
+            <a:r>
+              <a:rPr lang="en-US" dirty="0"/>
+              <a:t> X </a:t>
+            </a:r>
+            <a:r>
+              <a:rPr lang="en-US" dirty="0" err="1"/>
+              <a:t>na</a:t>
+            </a:r>
+            <a:r>
+              <a:rPr lang="en-US" dirty="0"/>
+              <a:t> </a:t>
+            </a:r>
+            <a:r>
+              <a:rPr lang="en-US" dirty="0" err="1"/>
+              <a:t>ciljnu</a:t>
+            </a:r>
+            <a:r>
+              <a:rPr lang="en-US" dirty="0"/>
+              <a:t> Y: G:X-&gt;Y</a:t>
+            </a:r>
+          </a:p>
+          <a:p>
+            <a:pPr marL="457200" lvl="1" indent="0">
+              <a:buNone/>
+            </a:pPr>
+            <a:r>
+              <a:rPr lang="en-US" dirty="0" err="1"/>
+              <a:t>takvo</a:t>
+            </a:r>
+            <a:r>
+              <a:rPr lang="en-US" dirty="0"/>
+              <a:t> da </a:t>
+            </a:r>
+            <a:r>
+              <a:rPr lang="en-US" dirty="0" err="1"/>
+              <a:t>nije</a:t>
+            </a:r>
+            <a:r>
+              <a:rPr lang="en-US" dirty="0"/>
+              <a:t> </a:t>
+            </a:r>
+            <a:r>
+              <a:rPr lang="en-US" dirty="0" err="1"/>
+              <a:t>moguće</a:t>
+            </a:r>
+            <a:r>
+              <a:rPr lang="en-US" dirty="0"/>
+              <a:t> </a:t>
+            </a:r>
+            <a:r>
+              <a:rPr lang="en-US" dirty="0" err="1"/>
+              <a:t>razlikovati</a:t>
+            </a:r>
+            <a:r>
+              <a:rPr lang="en-US" dirty="0"/>
+              <a:t> </a:t>
+            </a:r>
+            <a:r>
+              <a:rPr lang="en-US" dirty="0" err="1"/>
+              <a:t>distribuciju</a:t>
+            </a:r>
+            <a:r>
+              <a:rPr lang="en-US" dirty="0"/>
+              <a:t> G(X) od </a:t>
+            </a:r>
+            <a:r>
+              <a:rPr lang="en-US" dirty="0" err="1"/>
+              <a:t>distribucije</a:t>
+            </a:r>
+            <a:r>
+              <a:rPr lang="en-US" dirty="0"/>
+              <a:t> </a:t>
+            </a:r>
+            <a:r>
+              <a:rPr lang="en-US" dirty="0" smtClean="0"/>
+              <a:t>Y</a:t>
+            </a:r>
+          </a:p>
+          <a:p>
+            <a:pPr marL="457200" lvl="1" indent="0">
+              <a:buNone/>
+            </a:pPr>
+            <a:endParaRPr lang="en-US" dirty="0"/>
+          </a:p>
+          <a:p>
+            <a:r>
+              <a:rPr lang="en-US" dirty="0" smtClean="0"/>
+              <a:t>Problem</a:t>
+            </a:r>
+          </a:p>
+          <a:p>
+            <a:pPr lvl="1"/>
+            <a:r>
+              <a:rPr lang="en-US" dirty="0" err="1" smtClean="0"/>
+              <a:t>cilj</a:t>
+            </a:r>
+            <a:r>
+              <a:rPr lang="en-US" dirty="0" smtClean="0"/>
+              <a:t> je </a:t>
+            </a:r>
+            <a:r>
+              <a:rPr lang="en-US" dirty="0" err="1" smtClean="0"/>
+              <a:t>vrlo</a:t>
+            </a:r>
+            <a:r>
+              <a:rPr lang="en-US" dirty="0" smtClean="0"/>
+              <a:t> </a:t>
+            </a:r>
+            <a:r>
+              <a:rPr lang="en-US" dirty="0" err="1" smtClean="0"/>
+              <a:t>nespecifičan</a:t>
+            </a:r>
+            <a:endParaRPr lang="en-US" dirty="0" smtClean="0"/>
+          </a:p>
+          <a:p>
+            <a:pPr lvl="1"/>
+            <a:r>
+              <a:rPr lang="en-US" dirty="0" err="1" smtClean="0"/>
+              <a:t>Rezultati</a:t>
+            </a:r>
+            <a:r>
+              <a:rPr lang="en-US" dirty="0" smtClean="0"/>
+              <a:t> </a:t>
+            </a:r>
+            <a:r>
+              <a:rPr lang="en-US" dirty="0" err="1" smtClean="0"/>
+              <a:t>su</a:t>
+            </a:r>
+            <a:r>
+              <a:rPr lang="en-US" dirty="0" smtClean="0"/>
+              <a:t> </a:t>
+            </a:r>
+            <a:r>
+              <a:rPr lang="en-US" dirty="0" err="1" smtClean="0"/>
+              <a:t>nekonzistentni</a:t>
+            </a:r>
+            <a:endParaRPr lang="en-US" dirty="0" smtClean="0"/>
+          </a:p>
+          <a:p>
+            <a:endParaRPr lang="en-US" dirty="0" smtClean="0"/>
+          </a:p>
+          <a:p>
+            <a:endParaRPr lang="en-US" dirty="0" smtClean="0"/>
+          </a:p>
+        </p:txBody>
+      </p:sp>
+    </p:spTree>
+    <p:extLst>
+      <p:ext uri="{BB962C8B-B14F-4D97-AF65-F5344CB8AC3E}">
+        <p14:creationId xmlns:p14="http://schemas.microsoft.com/office/powerpoint/2010/main" val="1112506289"/>
+      </p:ext>
+    </p:extLst>
+  </p:cSld>
+  <p:clrMapOvr>
+    <a:masterClrMapping/>
+  </p:clrMapOvr>
+</p:sld>
+</file>
+
+<file path=ppt/slides/slide15.xml><?xml version="1.0" encoding="utf-8"?>
+<p:sld xmlns:a="http://schemas.openxmlformats.org/drawingml/2006/main" xmlns:r="http://schemas.openxmlformats.org/officeDocument/2006/relationships" xmlns:p="http://schemas.openxmlformats.org/presentationml/2006/main">
+  <p:cSld>
+    <p:spTree>
+      <p:nvGrpSpPr>
+        <p:cNvPr id="1" name=""/>
+        <p:cNvGrpSpPr/>
+        <p:nvPr/>
+      </p:nvGrpSpPr>
+      <p:grpSpPr>
+        <a:xfrm>
+          <a:off x="0" y="0"/>
+          <a:ext cx="0" cy="0"/>
+          <a:chOff x="0" y="0"/>
+          <a:chExt cx="0" cy="0"/>
+        </a:xfrm>
+      </p:grpSpPr>
+      <p:sp>
+        <p:nvSpPr>
+          <p:cNvPr id="2" name="Title 1"/>
+          <p:cNvSpPr>
+            <a:spLocks noGrp="1"/>
+          </p:cNvSpPr>
+          <p:nvPr>
+            <p:ph type="title"/>
+          </p:nvPr>
+        </p:nvSpPr>
+        <p:spPr/>
+        <p:txBody>
+          <a:bodyPr/>
+          <a:lstStyle/>
+          <a:p>
+            <a:r>
+              <a:rPr lang="en-US" dirty="0" err="1" smtClean="0"/>
+              <a:t>Kružni</a:t>
+            </a:r>
+            <a:r>
+              <a:rPr lang="en-US" dirty="0" smtClean="0"/>
+              <a:t> GAN (</a:t>
+            </a:r>
+            <a:r>
+              <a:rPr lang="en-US" dirty="0" err="1" smtClean="0"/>
+              <a:t>CycleGAN</a:t>
+            </a:r>
+            <a:r>
+              <a:rPr lang="en-US" dirty="0" smtClean="0"/>
+              <a:t>)</a:t>
+            </a:r>
+            <a:endParaRPr lang="en-US" dirty="0"/>
+          </a:p>
+        </p:txBody>
+      </p:sp>
+      <p:sp>
+        <p:nvSpPr>
+          <p:cNvPr id="3" name="Content Placeholder 2"/>
+          <p:cNvSpPr>
+            <a:spLocks noGrp="1"/>
+          </p:cNvSpPr>
+          <p:nvPr>
+            <p:ph idx="1"/>
+          </p:nvPr>
+        </p:nvSpPr>
+        <p:spPr/>
+        <p:txBody>
+          <a:bodyPr/>
+          <a:lstStyle/>
+          <a:p>
+            <a:r>
+              <a:rPr lang="en-US" dirty="0" err="1" smtClean="0"/>
+              <a:t>Uvode</a:t>
+            </a:r>
+            <a:r>
+              <a:rPr lang="en-US" dirty="0" smtClean="0"/>
+              <a:t> </a:t>
+            </a:r>
+            <a:r>
+              <a:rPr lang="en-US" dirty="0" err="1" smtClean="0"/>
+              <a:t>uvjet</a:t>
+            </a:r>
+            <a:r>
+              <a:rPr lang="en-US" dirty="0" smtClean="0"/>
+              <a:t> </a:t>
+            </a:r>
+            <a:r>
+              <a:rPr lang="en-US" dirty="0" err="1" smtClean="0"/>
+              <a:t>tranzitivnosti</a:t>
+            </a:r>
+            <a:r>
+              <a:rPr lang="en-US" dirty="0" smtClean="0"/>
+              <a:t> </a:t>
+            </a:r>
+            <a:r>
+              <a:rPr lang="en-US" dirty="0" err="1" smtClean="0"/>
+              <a:t>nad</a:t>
+            </a:r>
+            <a:r>
+              <a:rPr lang="en-US" dirty="0" smtClean="0"/>
+              <a:t> </a:t>
+            </a:r>
+            <a:r>
+              <a:rPr lang="en-US" dirty="0" err="1" smtClean="0"/>
+              <a:t>ciljnom</a:t>
+            </a:r>
+            <a:r>
+              <a:rPr lang="en-US" dirty="0" smtClean="0"/>
+              <a:t> </a:t>
+            </a:r>
+            <a:r>
+              <a:rPr lang="en-US" dirty="0" err="1" smtClean="0"/>
+              <a:t>funkcijom</a:t>
+            </a:r>
+            <a:endParaRPr lang="en-US" dirty="0" smtClean="0"/>
+          </a:p>
+          <a:p>
+            <a:endParaRPr lang="en-US" dirty="0" smtClean="0"/>
+          </a:p>
+          <a:p>
+            <a:r>
+              <a:rPr lang="en-US" dirty="0" err="1" smtClean="0"/>
+              <a:t>Efektivno</a:t>
+            </a:r>
+            <a:r>
+              <a:rPr lang="en-US" dirty="0" smtClean="0"/>
+              <a:t> </a:t>
+            </a:r>
+            <a:r>
+              <a:rPr lang="en-US" dirty="0" err="1" smtClean="0"/>
+              <a:t>vrše</a:t>
+            </a:r>
+            <a:r>
+              <a:rPr lang="en-US" dirty="0" smtClean="0"/>
+              <a:t> </a:t>
+            </a:r>
+            <a:r>
+              <a:rPr lang="en-US" dirty="0" err="1" smtClean="0"/>
+              <a:t>regularizaciju</a:t>
+            </a:r>
+            <a:endParaRPr lang="en-US" dirty="0" smtClean="0"/>
+          </a:p>
+          <a:p>
+            <a:endParaRPr lang="en-US" dirty="0" smtClean="0"/>
+          </a:p>
+          <a:p>
+            <a:r>
+              <a:rPr lang="en-US" dirty="0" err="1" smtClean="0"/>
+              <a:t>Uz</a:t>
+            </a:r>
+            <a:r>
+              <a:rPr lang="en-US" dirty="0" smtClean="0"/>
+              <a:t> </a:t>
+            </a:r>
+            <a:r>
+              <a:rPr lang="en-US" dirty="0" err="1" smtClean="0"/>
+              <a:t>inverz</a:t>
+            </a:r>
+            <a:r>
+              <a:rPr lang="en-US" dirty="0" smtClean="0"/>
+              <a:t> G-a =&gt; F : Y </a:t>
+            </a:r>
+            <a:r>
+              <a:rPr lang="mr-IN" dirty="0" smtClean="0"/>
+              <a:t>–</a:t>
+            </a:r>
+            <a:r>
+              <a:rPr lang="en-US" dirty="0" smtClean="0"/>
+              <a:t>&gt; X</a:t>
+            </a:r>
+          </a:p>
+          <a:p>
+            <a:pPr lvl="1"/>
+            <a:r>
+              <a:rPr lang="en-US" dirty="0" err="1" smtClean="0"/>
+              <a:t>Funkciju</a:t>
+            </a:r>
+            <a:r>
+              <a:rPr lang="en-US" dirty="0" smtClean="0"/>
+              <a:t> </a:t>
+            </a:r>
+            <a:r>
+              <a:rPr lang="en-US" dirty="0" err="1" smtClean="0"/>
+              <a:t>gubitka</a:t>
+            </a:r>
+            <a:r>
+              <a:rPr lang="en-US" dirty="0" smtClean="0"/>
+              <a:t> </a:t>
+            </a:r>
+            <a:r>
+              <a:rPr lang="en-US" dirty="0" err="1" smtClean="0"/>
+              <a:t>proširuju</a:t>
+            </a:r>
+            <a:r>
+              <a:rPr lang="en-US" dirty="0" smtClean="0"/>
+              <a:t> </a:t>
+            </a:r>
+            <a:r>
+              <a:rPr lang="en-US" dirty="0" err="1" smtClean="0"/>
+              <a:t>gubitkom</a:t>
+            </a:r>
+            <a:r>
+              <a:rPr lang="en-US" dirty="0" smtClean="0"/>
+              <a:t> </a:t>
+            </a:r>
+            <a:r>
+              <a:rPr lang="en-US" dirty="0" err="1" smtClean="0"/>
+              <a:t>cikličke</a:t>
+            </a:r>
+            <a:r>
+              <a:rPr lang="en-US" dirty="0" smtClean="0"/>
+              <a:t> </a:t>
+            </a:r>
+            <a:r>
+              <a:rPr lang="en-US" dirty="0" err="1" smtClean="0"/>
+              <a:t>dosljednosti</a:t>
+            </a:r>
+            <a:r>
+              <a:rPr lang="en-US" dirty="0" smtClean="0"/>
+              <a:t>:</a:t>
+            </a:r>
+          </a:p>
+          <a:p>
+            <a:pPr marL="457200" lvl="1" indent="0">
+              <a:buNone/>
+            </a:pPr>
+            <a:r>
+              <a:rPr lang="en-US" dirty="0" smtClean="0"/>
+              <a:t>	F(G(X)) = </a:t>
+            </a:r>
+            <a:r>
+              <a:rPr lang="en-US" dirty="0" err="1" smtClean="0"/>
+              <a:t>cca</a:t>
+            </a:r>
+            <a:r>
+              <a:rPr lang="en-US" dirty="0" smtClean="0"/>
+              <a:t> X</a:t>
+            </a:r>
+          </a:p>
+        </p:txBody>
+      </p:sp>
+    </p:spTree>
+    <p:extLst>
+      <p:ext uri="{BB962C8B-B14F-4D97-AF65-F5344CB8AC3E}">
+        <p14:creationId xmlns:p14="http://schemas.microsoft.com/office/powerpoint/2010/main" val="472435133"/>
+      </p:ext>
+    </p:extLst>
+  </p:cSld>
+  <p:clrMapOvr>
+    <a:masterClrMapping/>
+  </p:clrMapOvr>
+</p:sld>
+</file>
+
+<file path=ppt/slides/slide16.xml><?xml version="1.0" encoding="utf-8"?>
+<p:sld xmlns:a="http://schemas.openxmlformats.org/drawingml/2006/main" xmlns:r="http://schemas.openxmlformats.org/officeDocument/2006/relationships" xmlns:p="http://schemas.openxmlformats.org/presentationml/2006/main">
+  <p:cSld>
+    <p:spTree>
+      <p:nvGrpSpPr>
+        <p:cNvPr id="1" name=""/>
+        <p:cNvGrpSpPr/>
+        <p:nvPr/>
+      </p:nvGrpSpPr>
+      <p:grpSpPr>
+        <a:xfrm>
+          <a:off x="0" y="0"/>
+          <a:ext cx="0" cy="0"/>
+          <a:chOff x="0" y="0"/>
+          <a:chExt cx="0" cy="0"/>
+        </a:xfrm>
+      </p:grpSpPr>
+      <p:pic>
+        <p:nvPicPr>
+          <p:cNvPr id="4" name="Content Placeholder 3"/>
+          <p:cNvPicPr>
+            <a:picLocks noGrp="1" noChangeAspect="1"/>
+          </p:cNvPicPr>
+          <p:nvPr>
+            <p:ph idx="1"/>
+          </p:nvPr>
+        </p:nvPicPr>
+        <p:blipFill>
+          <a:blip r:embed="rId2">
+            <a:extLst>
+              <a:ext uri="{28A0092B-C50C-407E-A947-70E740481C1C}">
+                <a14:useLocalDpi xmlns:a14="http://schemas.microsoft.com/office/drawing/2010/main" val="0"/>
+              </a:ext>
+            </a:extLst>
+          </a:blip>
+          <a:stretch>
+            <a:fillRect/>
+          </a:stretch>
+        </p:blipFill>
+        <p:spPr>
+          <a:xfrm>
+            <a:off x="2873829" y="31772"/>
+            <a:ext cx="6083559" cy="6826228"/>
+          </a:xfrm>
+        </p:spPr>
+      </p:pic>
+    </p:spTree>
+    <p:extLst>
+      <p:ext uri="{BB962C8B-B14F-4D97-AF65-F5344CB8AC3E}">
+        <p14:creationId xmlns:p14="http://schemas.microsoft.com/office/powerpoint/2010/main" val="19375219"/>
+      </p:ext>
+    </p:extLst>
+  </p:cSld>
+  <p:clrMapOvr>
+    <a:masterClrMapping/>
+  </p:clrMapOvr>
+</p:sld>
+</file>
+
+<file path=ppt/slides/slide17.xml><?xml version="1.0" encoding="utf-8"?>
+<p:sld xmlns:a="http://schemas.openxmlformats.org/drawingml/2006/main" xmlns:r="http://schemas.openxmlformats.org/officeDocument/2006/relationships" xmlns:p="http://schemas.openxmlformats.org/presentationml/2006/main">
+  <p:cSld>
+    <p:spTree>
+      <p:nvGrpSpPr>
+        <p:cNvPr id="1" name=""/>
+        <p:cNvGrpSpPr/>
+        <p:nvPr/>
+      </p:nvGrpSpPr>
+      <p:grpSpPr>
+        <a:xfrm>
+          <a:off x="0" y="0"/>
+          <a:ext cx="0" cy="0"/>
+          <a:chOff x="0" y="0"/>
+          <a:chExt cx="0" cy="0"/>
+        </a:xfrm>
+      </p:grpSpPr>
+      <p:sp>
+        <p:nvSpPr>
+          <p:cNvPr id="2" name="Title 1"/>
+          <p:cNvSpPr>
+            <a:spLocks noGrp="1"/>
+          </p:cNvSpPr>
+          <p:nvPr>
+            <p:ph type="title"/>
+          </p:nvPr>
+        </p:nvSpPr>
+        <p:spPr/>
+        <p:txBody>
+          <a:bodyPr/>
+          <a:lstStyle/>
+          <a:p>
+            <a:r>
+              <a:rPr lang="en-US" dirty="0" err="1" smtClean="0"/>
+              <a:t>Kružni</a:t>
+            </a:r>
+            <a:r>
+              <a:rPr lang="en-US" dirty="0" smtClean="0"/>
+              <a:t> GAN (</a:t>
+            </a:r>
+            <a:r>
+              <a:rPr lang="en-US" dirty="0" err="1" smtClean="0"/>
+              <a:t>CycleGAN</a:t>
+            </a:r>
+            <a:r>
+              <a:rPr lang="en-US" dirty="0" smtClean="0"/>
+              <a:t>)</a:t>
+            </a:r>
+            <a:endParaRPr lang="en-US" dirty="0"/>
+          </a:p>
+        </p:txBody>
+      </p:sp>
+      <p:sp>
+        <p:nvSpPr>
+          <p:cNvPr id="3" name="Content Placeholder 2"/>
+          <p:cNvSpPr>
+            <a:spLocks noGrp="1"/>
+          </p:cNvSpPr>
+          <p:nvPr>
+            <p:ph idx="1"/>
+          </p:nvPr>
+        </p:nvSpPr>
+        <p:spPr/>
+        <p:txBody>
+          <a:bodyPr/>
+          <a:lstStyle/>
+          <a:p>
+            <a:r>
+              <a:rPr lang="hr-HR" dirty="0" smtClean="0"/>
+              <a:t>Pretvaraju problem u nadzirano učenje</a:t>
+            </a:r>
+          </a:p>
+          <a:p>
+            <a:endParaRPr lang="hr-HR" dirty="0" smtClean="0"/>
+          </a:p>
+          <a:p>
+            <a:r>
+              <a:rPr lang="hr-HR" dirty="0" smtClean="0"/>
+              <a:t>Umjesto parova primjera </a:t>
+            </a:r>
+            <a:r>
+              <a:rPr lang="mr-IN" dirty="0" smtClean="0"/>
+              <a:t>–</a:t>
+            </a:r>
+            <a:r>
+              <a:rPr lang="hr-HR" dirty="0" smtClean="0"/>
+              <a:t> nadziranje zajedničkim značajkama cijelih setova</a:t>
+            </a:r>
+          </a:p>
+        </p:txBody>
+      </p:sp>
+    </p:spTree>
+    <p:extLst>
+      <p:ext uri="{BB962C8B-B14F-4D97-AF65-F5344CB8AC3E}">
+        <p14:creationId xmlns:p14="http://schemas.microsoft.com/office/powerpoint/2010/main" val="537324278"/>
+      </p:ext>
+    </p:extLst>
+  </p:cSld>
+  <p:clrMapOvr>
+    <a:masterClrMapping/>
+  </p:clrMapOvr>
+</p:sld>
+</file>
+
+<file path=ppt/slides/slide18.xml><?xml version="1.0" encoding="utf-8"?>
+<p:sld xmlns:a="http://schemas.openxmlformats.org/drawingml/2006/main" xmlns:r="http://schemas.openxmlformats.org/officeDocument/2006/relationships" xmlns:p="http://schemas.openxmlformats.org/presentationml/2006/main">
+  <p:cSld>
+    <p:spTree>
+      <p:nvGrpSpPr>
+        <p:cNvPr id="1" name=""/>
+        <p:cNvGrpSpPr/>
+        <p:nvPr/>
+      </p:nvGrpSpPr>
+      <p:grpSpPr>
+        <a:xfrm>
+          <a:off x="0" y="0"/>
+          <a:ext cx="0" cy="0"/>
+          <a:chOff x="0" y="0"/>
+          <a:chExt cx="0" cy="0"/>
+        </a:xfrm>
+      </p:grpSpPr>
+      <p:sp>
+        <p:nvSpPr>
+          <p:cNvPr id="2" name="Title 1"/>
+          <p:cNvSpPr>
+            <a:spLocks noGrp="1"/>
+          </p:cNvSpPr>
+          <p:nvPr>
+            <p:ph type="title"/>
+          </p:nvPr>
+        </p:nvSpPr>
+        <p:spPr/>
+        <p:txBody>
+          <a:bodyPr/>
+          <a:lstStyle/>
+          <a:p>
+            <a:r>
+              <a:rPr lang="en-US" dirty="0" err="1" smtClean="0"/>
+              <a:t>Unimodalna</a:t>
+            </a:r>
+            <a:r>
+              <a:rPr lang="en-US" dirty="0" smtClean="0"/>
+              <a:t> </a:t>
+            </a:r>
+            <a:r>
+              <a:rPr lang="en-US" dirty="0" err="1" smtClean="0"/>
+              <a:t>nenadzirana</a:t>
+            </a:r>
+            <a:r>
+              <a:rPr lang="en-US" dirty="0" smtClean="0"/>
+              <a:t> </a:t>
+            </a:r>
+            <a:r>
+              <a:rPr lang="en-US" dirty="0" err="1" smtClean="0"/>
+              <a:t>translacija</a:t>
+            </a:r>
+            <a:r>
+              <a:rPr lang="en-US" dirty="0" smtClean="0"/>
+              <a:t> (UNIT)</a:t>
+            </a:r>
+            <a:endParaRPr lang="en-US" dirty="0"/>
+          </a:p>
+        </p:txBody>
+      </p:sp>
+      <p:sp>
+        <p:nvSpPr>
+          <p:cNvPr id="3" name="Content Placeholder 2"/>
+          <p:cNvSpPr>
+            <a:spLocks noGrp="1"/>
+          </p:cNvSpPr>
+          <p:nvPr>
+            <p:ph idx="1"/>
+          </p:nvPr>
+        </p:nvSpPr>
+        <p:spPr/>
+        <p:txBody>
+          <a:bodyPr/>
+          <a:lstStyle/>
+          <a:p>
+            <a:r>
+              <a:rPr lang="hr-HR" dirty="0" smtClean="0"/>
+              <a:t>Cilj translacije slike s gledišta modeliranja vjerojatnosti</a:t>
+            </a:r>
+          </a:p>
+          <a:p>
+            <a:pPr lvl="1"/>
+            <a:r>
+              <a:rPr lang="en-US" dirty="0" smtClean="0"/>
+              <a:t>O</a:t>
+            </a:r>
+            <a:r>
+              <a:rPr lang="hr-HR" dirty="0" err="1" smtClean="0"/>
+              <a:t>drediti</a:t>
+            </a:r>
+            <a:r>
+              <a:rPr lang="hr-HR" dirty="0" smtClean="0"/>
+              <a:t> združenu distribuciju više različitih domena</a:t>
+            </a:r>
+          </a:p>
+          <a:p>
+            <a:endParaRPr lang="hr-HR" dirty="0"/>
+          </a:p>
+          <a:p>
+            <a:r>
+              <a:rPr lang="hr-HR" dirty="0" smtClean="0"/>
+              <a:t>Kod nenadziranog učenja</a:t>
+            </a:r>
+          </a:p>
+          <a:p>
+            <a:pPr lvl="1"/>
+            <a:r>
+              <a:rPr lang="en-US" dirty="0" smtClean="0"/>
+              <a:t>I</a:t>
+            </a:r>
+            <a:r>
+              <a:rPr lang="hr-HR" dirty="0" err="1" smtClean="0"/>
+              <a:t>zvorni</a:t>
+            </a:r>
+            <a:r>
+              <a:rPr lang="hr-HR" dirty="0" smtClean="0"/>
+              <a:t> i ciljni skupovi uzorkovani iz marginalnih distribucija</a:t>
+            </a:r>
+          </a:p>
+          <a:p>
+            <a:pPr lvl="1"/>
+            <a:r>
+              <a:rPr lang="hr-HR" dirty="0" smtClean="0"/>
+              <a:t>Združenih distribucija ima beskonačno mnogo</a:t>
+            </a:r>
+            <a:endParaRPr lang="hr-HR" dirty="0"/>
+          </a:p>
+          <a:p>
+            <a:pPr lvl="1"/>
+            <a:endParaRPr lang="hr-HR" dirty="0" smtClean="0"/>
+          </a:p>
+          <a:p>
+            <a:r>
+              <a:rPr lang="hr-HR" dirty="0"/>
+              <a:t>Preslikavanje obje domene na prostor zajedničkih latentnih varijabli</a:t>
+            </a:r>
+          </a:p>
+          <a:p>
+            <a:endParaRPr lang="hr-HR" dirty="0" smtClean="0"/>
+          </a:p>
+        </p:txBody>
+      </p:sp>
+    </p:spTree>
+    <p:extLst>
+      <p:ext uri="{BB962C8B-B14F-4D97-AF65-F5344CB8AC3E}">
+        <p14:creationId xmlns:p14="http://schemas.microsoft.com/office/powerpoint/2010/main" val="1369755222"/>
+      </p:ext>
+    </p:extLst>
+  </p:cSld>
+  <p:clrMapOvr>
+    <a:masterClrMapping/>
+  </p:clrMapOvr>
+</p:sld>
+</file>
+
+<file path=ppt/slides/slide19.xml><?xml version="1.0" encoding="utf-8"?>
+<p:sld xmlns:a="http://schemas.openxmlformats.org/drawingml/2006/main" xmlns:r="http://schemas.openxmlformats.org/officeDocument/2006/relationships" xmlns:p="http://schemas.openxmlformats.org/presentationml/2006/main">
+  <p:cSld>
+    <p:spTree>
+      <p:nvGrpSpPr>
+        <p:cNvPr id="1" name=""/>
+        <p:cNvGrpSpPr/>
+        <p:nvPr/>
+      </p:nvGrpSpPr>
+      <p:grpSpPr>
+        <a:xfrm>
+          <a:off x="0" y="0"/>
+          <a:ext cx="0" cy="0"/>
+          <a:chOff x="0" y="0"/>
+          <a:chExt cx="0" cy="0"/>
+        </a:xfrm>
+      </p:grpSpPr>
+      <p:sp>
+        <p:nvSpPr>
+          <p:cNvPr id="2" name="Title 1"/>
+          <p:cNvSpPr>
+            <a:spLocks noGrp="1"/>
+          </p:cNvSpPr>
+          <p:nvPr>
+            <p:ph type="title"/>
+          </p:nvPr>
+        </p:nvSpPr>
+        <p:spPr/>
+        <p:txBody>
+          <a:bodyPr/>
+          <a:lstStyle/>
+          <a:p>
+            <a:r>
+              <a:rPr lang="en-US" dirty="0" err="1" smtClean="0"/>
+              <a:t>Unimodalna</a:t>
+            </a:r>
+            <a:r>
+              <a:rPr lang="en-US" dirty="0" smtClean="0"/>
+              <a:t> </a:t>
+            </a:r>
+            <a:r>
+              <a:rPr lang="en-US" dirty="0" err="1" smtClean="0"/>
+              <a:t>nenadzirana</a:t>
+            </a:r>
+            <a:r>
+              <a:rPr lang="en-US" dirty="0" smtClean="0"/>
+              <a:t> </a:t>
+            </a:r>
+            <a:r>
+              <a:rPr lang="en-US" dirty="0" err="1" smtClean="0"/>
+              <a:t>translacija</a:t>
+            </a:r>
+            <a:r>
+              <a:rPr lang="en-US" dirty="0" smtClean="0"/>
+              <a:t> (UNIT)</a:t>
+            </a:r>
+            <a:endParaRPr lang="en-US" dirty="0"/>
+          </a:p>
+        </p:txBody>
+      </p:sp>
+      <p:sp>
+        <p:nvSpPr>
+          <p:cNvPr id="3" name="Content Placeholder 2"/>
+          <p:cNvSpPr>
+            <a:spLocks noGrp="1"/>
+          </p:cNvSpPr>
+          <p:nvPr>
+            <p:ph idx="1"/>
+          </p:nvPr>
+        </p:nvSpPr>
+        <p:spPr/>
+        <p:txBody>
+          <a:bodyPr/>
+          <a:lstStyle/>
+          <a:p>
+            <a:r>
+              <a:rPr lang="hr-HR" dirty="0" smtClean="0"/>
+              <a:t>Ostvarenje umreženim GAN-om i varijacijskim </a:t>
+            </a:r>
+            <a:r>
+              <a:rPr lang="hr-HR" dirty="0" err="1" smtClean="0"/>
+              <a:t>autoenkoderom</a:t>
+            </a:r>
+            <a:endParaRPr lang="hr-HR" dirty="0" smtClean="0"/>
+          </a:p>
+          <a:p>
+            <a:pPr lvl="1"/>
+            <a:r>
+              <a:rPr lang="hr-HR" dirty="0" smtClean="0"/>
+              <a:t>GAN stvara latentni prostor</a:t>
+            </a:r>
+          </a:p>
+          <a:p>
+            <a:pPr lvl="1"/>
+            <a:r>
+              <a:rPr lang="hr-HR" dirty="0" smtClean="0"/>
+              <a:t>VAE određuje relacije između domena</a:t>
+            </a:r>
+          </a:p>
+          <a:p>
+            <a:pPr marL="457200" lvl="1" indent="0">
+              <a:buNone/>
+            </a:pPr>
+            <a:endParaRPr lang="hr-HR" dirty="0" smtClean="0"/>
+          </a:p>
+        </p:txBody>
+      </p:sp>
+      <p:pic>
+        <p:nvPicPr>
+          <p:cNvPr id="4" name="Picture 3"/>
+          <p:cNvPicPr>
+            <a:picLocks noChangeAspect="1"/>
+          </p:cNvPicPr>
+          <p:nvPr/>
+        </p:nvPicPr>
+        <p:blipFill>
+          <a:blip r:embed="rId2">
+            <a:extLst>
+              <a:ext uri="{28A0092B-C50C-407E-A947-70E740481C1C}">
+                <a14:useLocalDpi xmlns:a14="http://schemas.microsoft.com/office/drawing/2010/main" val="0"/>
+              </a:ext>
+            </a:extLst>
+          </a:blip>
+          <a:stretch>
+            <a:fillRect/>
+          </a:stretch>
+        </p:blipFill>
+        <p:spPr>
+          <a:xfrm>
+            <a:off x="1103312" y="3694922"/>
+            <a:ext cx="9945353" cy="3163078"/>
+          </a:xfrm>
+          <a:prstGeom prst="rect">
+            <a:avLst/>
+          </a:prstGeom>
+        </p:spPr>
+      </p:pic>
+    </p:spTree>
+    <p:extLst>
+      <p:ext uri="{BB962C8B-B14F-4D97-AF65-F5344CB8AC3E}">
+        <p14:creationId xmlns:p14="http://schemas.microsoft.com/office/powerpoint/2010/main" val="1446841711"/>
       </p:ext>
     </p:extLst>
   </p:cSld>
@@ -6305,15 +8191,7 @@
           <a:p>
             <a:r>
               <a:rPr lang="en-US" dirty="0" err="1" smtClean="0"/>
-              <a:t>Svrha</a:t>
-            </a:r>
-            <a:r>
-              <a:rPr lang="en-US" dirty="0" smtClean="0"/>
-              <a:t> </a:t>
-            </a:r>
-            <a:r>
-              <a:rPr lang="en-US" dirty="0" err="1" smtClean="0"/>
-              <a:t>rada</a:t>
+              <a:t>Sadržaj</a:t>
             </a:r>
             <a:endParaRPr lang="en-US" dirty="0"/>
           </a:p>
@@ -6334,6 +8212,121 @@
           <a:bodyPr/>
           <a:lstStyle/>
           <a:p>
+            <a:r>
+              <a:rPr lang="en-US" dirty="0" err="1" smtClean="0"/>
+              <a:t>Generativno</a:t>
+            </a:r>
+            <a:r>
+              <a:rPr lang="en-US" dirty="0" smtClean="0"/>
+              <a:t> </a:t>
+            </a:r>
+            <a:r>
+              <a:rPr lang="en-US" dirty="0" err="1" smtClean="0"/>
+              <a:t>modeliranje</a:t>
+            </a:r>
+            <a:endParaRPr lang="en-US" dirty="0" smtClean="0"/>
+          </a:p>
+          <a:p>
+            <a:r>
+              <a:rPr lang="en-US" dirty="0" err="1" smtClean="0"/>
+              <a:t>Suparnički</a:t>
+            </a:r>
+            <a:r>
+              <a:rPr lang="en-US" dirty="0" smtClean="0"/>
+              <a:t> </a:t>
+            </a:r>
+            <a:r>
+              <a:rPr lang="en-US" dirty="0" err="1" smtClean="0"/>
+              <a:t>modeli</a:t>
+            </a:r>
+            <a:endParaRPr lang="en-US" dirty="0" smtClean="0"/>
+          </a:p>
+          <a:p>
+            <a:r>
+              <a:rPr lang="en-US" dirty="0" err="1" smtClean="0"/>
+              <a:t>Autoenkoderi</a:t>
+            </a:r>
+            <a:endParaRPr lang="en-US" dirty="0" smtClean="0"/>
+          </a:p>
+          <a:p>
+            <a:r>
+              <a:rPr lang="en-US" dirty="0" err="1" smtClean="0"/>
+              <a:t>Uvjetne</a:t>
+            </a:r>
+            <a:r>
+              <a:rPr lang="en-US" dirty="0" smtClean="0"/>
+              <a:t> </a:t>
+            </a:r>
+            <a:r>
+              <a:rPr lang="en-US" dirty="0" err="1" smtClean="0"/>
+              <a:t>generativne</a:t>
+            </a:r>
+            <a:r>
+              <a:rPr lang="en-US" dirty="0" smtClean="0"/>
+              <a:t> </a:t>
+            </a:r>
+            <a:r>
+              <a:rPr lang="en-US" dirty="0" err="1" smtClean="0"/>
+              <a:t>mreže</a:t>
+            </a:r>
+            <a:endParaRPr lang="en-US" dirty="0"/>
+          </a:p>
+          <a:p>
+            <a:r>
+              <a:rPr lang="en-US" dirty="0" err="1" smtClean="0"/>
+              <a:t>Translacija</a:t>
+            </a:r>
+            <a:r>
+              <a:rPr lang="en-US" dirty="0" smtClean="0"/>
+              <a:t> bez </a:t>
+            </a:r>
+            <a:r>
+              <a:rPr lang="en-US" dirty="0" err="1" smtClean="0"/>
+              <a:t>uparenih</a:t>
+            </a:r>
+            <a:r>
+              <a:rPr lang="en-US" dirty="0" smtClean="0"/>
+              <a:t> </a:t>
+            </a:r>
+            <a:r>
+              <a:rPr lang="en-US" dirty="0" err="1" smtClean="0"/>
+              <a:t>primjera</a:t>
+            </a:r>
+            <a:r>
+              <a:rPr lang="en-US" dirty="0" smtClean="0"/>
+              <a:t> </a:t>
+            </a:r>
+            <a:r>
+              <a:rPr lang="en-US" dirty="0" err="1" smtClean="0"/>
+              <a:t>za</a:t>
+            </a:r>
+            <a:r>
+              <a:rPr lang="en-US" dirty="0" smtClean="0"/>
+              <a:t> </a:t>
+            </a:r>
+            <a:r>
+              <a:rPr lang="en-US" dirty="0" err="1" smtClean="0"/>
+              <a:t>učenje</a:t>
+            </a:r>
+            <a:endParaRPr lang="en-US" dirty="0" smtClean="0"/>
+          </a:p>
+          <a:p>
+            <a:pPr lvl="1"/>
+            <a:r>
+              <a:rPr lang="en-US" dirty="0" err="1" smtClean="0"/>
+              <a:t>Kružni</a:t>
+            </a:r>
+            <a:r>
+              <a:rPr lang="en-US" dirty="0" smtClean="0"/>
+              <a:t> GAN, UNIT, MUNIT</a:t>
+            </a:r>
+            <a:endParaRPr lang="en-US" dirty="0" smtClean="0"/>
+          </a:p>
+          <a:p>
+            <a:r>
+              <a:rPr lang="en-US" dirty="0" err="1" smtClean="0"/>
+              <a:t>Zaključak</a:t>
+            </a:r>
             <a:endParaRPr lang="en-US" dirty="0"/>
           </a:p>
         </p:txBody>
@@ -6341,7 +8334,1055 @@
     </p:spTree>
     <p:extLst>
       <p:ext uri="{BB962C8B-B14F-4D97-AF65-F5344CB8AC3E}">
-        <p14:creationId xmlns:p14="http://schemas.microsoft.com/office/powerpoint/2010/main" val="214219847"/>
+        <p14:creationId xmlns:p14="http://schemas.microsoft.com/office/powerpoint/2010/main" val="1776948365"/>
+      </p:ext>
+    </p:extLst>
+  </p:cSld>
+  <p:clrMapOvr>
+    <a:masterClrMapping/>
+  </p:clrMapOvr>
+</p:sld>
+</file>
+
+<file path=ppt/slides/slide20.xml><?xml version="1.0" encoding="utf-8"?>
+<p:sld xmlns:a="http://schemas.openxmlformats.org/drawingml/2006/main" xmlns:r="http://schemas.openxmlformats.org/officeDocument/2006/relationships" xmlns:p="http://schemas.openxmlformats.org/presentationml/2006/main">
+  <p:cSld>
+    <p:spTree>
+      <p:nvGrpSpPr>
+        <p:cNvPr id="1" name=""/>
+        <p:cNvGrpSpPr/>
+        <p:nvPr/>
+      </p:nvGrpSpPr>
+      <p:grpSpPr>
+        <a:xfrm>
+          <a:off x="0" y="0"/>
+          <a:ext cx="0" cy="0"/>
+          <a:chOff x="0" y="0"/>
+          <a:chExt cx="0" cy="0"/>
+        </a:xfrm>
+      </p:grpSpPr>
+      <p:sp>
+        <p:nvSpPr>
+          <p:cNvPr id="2" name="Title 1"/>
+          <p:cNvSpPr>
+            <a:spLocks noGrp="1"/>
+          </p:cNvSpPr>
+          <p:nvPr>
+            <p:ph type="title"/>
+          </p:nvPr>
+        </p:nvSpPr>
+        <p:spPr/>
+        <p:txBody>
+          <a:bodyPr/>
+          <a:lstStyle/>
+          <a:p>
+            <a:r>
+              <a:rPr lang="en-US" dirty="0" err="1" smtClean="0"/>
+              <a:t>Multimodalna</a:t>
+            </a:r>
+            <a:r>
+              <a:rPr lang="en-US" dirty="0" smtClean="0"/>
+              <a:t> </a:t>
+            </a:r>
+            <a:r>
+              <a:rPr lang="en-US" dirty="0" err="1" smtClean="0"/>
+              <a:t>nenadzirana</a:t>
+            </a:r>
+            <a:r>
+              <a:rPr lang="en-US" dirty="0" smtClean="0"/>
+              <a:t> </a:t>
+            </a:r>
+            <a:r>
+              <a:rPr lang="en-US" dirty="0" err="1" smtClean="0"/>
+              <a:t>translacija</a:t>
+            </a:r>
+            <a:r>
+              <a:rPr lang="en-US" dirty="0" smtClean="0"/>
+              <a:t> </a:t>
+            </a:r>
+            <a:r>
+              <a:rPr lang="en-US" dirty="0" smtClean="0"/>
+              <a:t>(MUNIT</a:t>
+            </a:r>
+            <a:r>
+              <a:rPr lang="en-US" dirty="0" smtClean="0"/>
+              <a:t>)</a:t>
+            </a:r>
+            <a:endParaRPr lang="en-US" dirty="0"/>
+          </a:p>
+        </p:txBody>
+      </p:sp>
+      <p:sp>
+        <p:nvSpPr>
+          <p:cNvPr id="3" name="Content Placeholder 2"/>
+          <p:cNvSpPr>
+            <a:spLocks noGrp="1"/>
+          </p:cNvSpPr>
+          <p:nvPr>
+            <p:ph idx="1"/>
+          </p:nvPr>
+        </p:nvSpPr>
+        <p:spPr/>
+        <p:txBody>
+          <a:bodyPr/>
+          <a:lstStyle/>
+          <a:p>
+            <a:r>
+              <a:rPr lang="hr-HR" dirty="0" smtClean="0"/>
+              <a:t>Modeli prethodnih poglavlja nisu generičko rješenje</a:t>
+            </a:r>
+          </a:p>
+          <a:p>
+            <a:endParaRPr lang="hr-HR" dirty="0" smtClean="0"/>
+          </a:p>
+          <a:p>
+            <a:r>
+              <a:rPr lang="hr-HR" dirty="0" smtClean="0"/>
+              <a:t>Kružni GAN-ovi vrše determinističko preslikavanje</a:t>
+            </a:r>
+          </a:p>
+          <a:p>
+            <a:endParaRPr lang="hr-HR" dirty="0" smtClean="0"/>
+          </a:p>
+          <a:p>
+            <a:r>
+              <a:rPr lang="hr-HR" dirty="0" smtClean="0"/>
+              <a:t>UNIT uče </a:t>
+            </a:r>
+            <a:r>
+              <a:rPr lang="hr-HR" dirty="0" err="1" smtClean="0"/>
+              <a:t>unimodalno</a:t>
+            </a:r>
+            <a:r>
+              <a:rPr lang="hr-HR" dirty="0" smtClean="0"/>
+              <a:t> preslikavanje</a:t>
+            </a:r>
+          </a:p>
+          <a:p>
+            <a:endParaRPr lang="en-US" dirty="0" smtClean="0"/>
+          </a:p>
+          <a:p>
+            <a:r>
+              <a:rPr lang="en-US" dirty="0" smtClean="0"/>
+              <a:t>V</a:t>
+            </a:r>
+            <a:r>
+              <a:rPr lang="hr-HR" dirty="0" err="1" smtClean="0"/>
+              <a:t>rlo</a:t>
+            </a:r>
+            <a:r>
+              <a:rPr lang="hr-HR" dirty="0" smtClean="0"/>
+              <a:t> teško ostvaruju raznolikost</a:t>
+            </a:r>
+          </a:p>
+          <a:p>
+            <a:endParaRPr lang="hr-HR" dirty="0"/>
+          </a:p>
+        </p:txBody>
+      </p:sp>
+    </p:spTree>
+    <p:extLst>
+      <p:ext uri="{BB962C8B-B14F-4D97-AF65-F5344CB8AC3E}">
+        <p14:creationId xmlns:p14="http://schemas.microsoft.com/office/powerpoint/2010/main" val="984007413"/>
+      </p:ext>
+    </p:extLst>
+  </p:cSld>
+  <p:clrMapOvr>
+    <a:masterClrMapping/>
+  </p:clrMapOvr>
+</p:sld>
+</file>
+
+<file path=ppt/slides/slide21.xml><?xml version="1.0" encoding="utf-8"?>
+<p:sld xmlns:a="http://schemas.openxmlformats.org/drawingml/2006/main" xmlns:r="http://schemas.openxmlformats.org/officeDocument/2006/relationships" xmlns:p="http://schemas.openxmlformats.org/presentationml/2006/main">
+  <p:cSld>
+    <p:spTree>
+      <p:nvGrpSpPr>
+        <p:cNvPr id="1" name=""/>
+        <p:cNvGrpSpPr/>
+        <p:nvPr/>
+      </p:nvGrpSpPr>
+      <p:grpSpPr>
+        <a:xfrm>
+          <a:off x="0" y="0"/>
+          <a:ext cx="0" cy="0"/>
+          <a:chOff x="0" y="0"/>
+          <a:chExt cx="0" cy="0"/>
+        </a:xfrm>
+      </p:grpSpPr>
+      <p:sp>
+        <p:nvSpPr>
+          <p:cNvPr id="2" name="Title 1"/>
+          <p:cNvSpPr>
+            <a:spLocks noGrp="1"/>
+          </p:cNvSpPr>
+          <p:nvPr>
+            <p:ph type="title"/>
+          </p:nvPr>
+        </p:nvSpPr>
+        <p:spPr/>
+        <p:txBody>
+          <a:bodyPr/>
+          <a:lstStyle/>
+          <a:p>
+            <a:r>
+              <a:rPr lang="en-US" dirty="0" err="1" smtClean="0"/>
+              <a:t>Multimodalna</a:t>
+            </a:r>
+            <a:r>
+              <a:rPr lang="en-US" dirty="0" smtClean="0"/>
+              <a:t> </a:t>
+            </a:r>
+            <a:r>
+              <a:rPr lang="en-US" dirty="0" err="1" smtClean="0"/>
+              <a:t>nenadzirana</a:t>
+            </a:r>
+            <a:r>
+              <a:rPr lang="en-US" dirty="0" smtClean="0"/>
+              <a:t> </a:t>
+            </a:r>
+            <a:r>
+              <a:rPr lang="en-US" dirty="0" err="1" smtClean="0"/>
+              <a:t>translacija</a:t>
+            </a:r>
+            <a:r>
+              <a:rPr lang="en-US" dirty="0" smtClean="0"/>
+              <a:t> </a:t>
+            </a:r>
+            <a:r>
+              <a:rPr lang="en-US" dirty="0" smtClean="0"/>
+              <a:t>(MUNIT</a:t>
+            </a:r>
+            <a:r>
+              <a:rPr lang="en-US" dirty="0" smtClean="0"/>
+              <a:t>)</a:t>
+            </a:r>
+            <a:endParaRPr lang="en-US" dirty="0"/>
+          </a:p>
+        </p:txBody>
+      </p:sp>
+      <p:sp>
+        <p:nvSpPr>
+          <p:cNvPr id="3" name="Content Placeholder 2"/>
+          <p:cNvSpPr>
+            <a:spLocks noGrp="1"/>
+          </p:cNvSpPr>
+          <p:nvPr>
+            <p:ph idx="1"/>
+          </p:nvPr>
+        </p:nvSpPr>
+        <p:spPr/>
+        <p:txBody>
+          <a:bodyPr/>
+          <a:lstStyle/>
+          <a:p>
+            <a:r>
+              <a:rPr lang="hr-HR" dirty="0" smtClean="0"/>
+              <a:t>Rastavljanje slike na</a:t>
+            </a:r>
+          </a:p>
+          <a:p>
+            <a:pPr lvl="1"/>
+            <a:r>
+              <a:rPr lang="en-US" dirty="0" smtClean="0"/>
+              <a:t>D</a:t>
+            </a:r>
+            <a:r>
+              <a:rPr lang="hr-HR" dirty="0" err="1" smtClean="0"/>
+              <a:t>omenski</a:t>
+            </a:r>
+            <a:r>
+              <a:rPr lang="hr-HR" dirty="0" smtClean="0"/>
+              <a:t> </a:t>
+            </a:r>
+            <a:r>
+              <a:rPr lang="hr-HR" dirty="0" err="1" smtClean="0"/>
+              <a:t>invarijantne</a:t>
+            </a:r>
+            <a:r>
+              <a:rPr lang="hr-HR" dirty="0" smtClean="0"/>
+              <a:t> značajke</a:t>
+            </a:r>
+          </a:p>
+          <a:p>
+            <a:pPr lvl="1"/>
+            <a:r>
+              <a:rPr lang="en-US" dirty="0" err="1" smtClean="0"/>
+              <a:t>Značajke</a:t>
+            </a:r>
+            <a:r>
+              <a:rPr lang="en-US" dirty="0" smtClean="0"/>
+              <a:t> </a:t>
+            </a:r>
+            <a:r>
+              <a:rPr lang="en-US" dirty="0" err="1" smtClean="0"/>
+              <a:t>koje</a:t>
+            </a:r>
+            <a:r>
+              <a:rPr lang="en-US" dirty="0" smtClean="0"/>
+              <a:t> </a:t>
+            </a:r>
+            <a:r>
+              <a:rPr lang="en-US" dirty="0" err="1" smtClean="0"/>
+              <a:t>sadrže</a:t>
+            </a:r>
+            <a:r>
+              <a:rPr lang="en-US" dirty="0" smtClean="0"/>
+              <a:t> </a:t>
+            </a:r>
+            <a:r>
+              <a:rPr lang="en-US" dirty="0" err="1" smtClean="0"/>
+              <a:t>specifična</a:t>
+            </a:r>
+            <a:r>
+              <a:rPr lang="en-US" dirty="0" smtClean="0"/>
+              <a:t> </a:t>
+            </a:r>
+            <a:r>
+              <a:rPr lang="en-US" dirty="0" err="1" smtClean="0"/>
+              <a:t>svojstva</a:t>
+            </a:r>
+            <a:endParaRPr lang="en-US" dirty="0" smtClean="0"/>
+          </a:p>
+          <a:p>
+            <a:endParaRPr lang="hr-HR" dirty="0"/>
+          </a:p>
+          <a:p>
+            <a:r>
+              <a:rPr lang="hr-HR" dirty="0" smtClean="0"/>
+              <a:t>Sadržaj slike </a:t>
+            </a:r>
+            <a:r>
+              <a:rPr lang="mr-IN" dirty="0" smtClean="0"/>
+              <a:t>–</a:t>
+            </a:r>
+            <a:r>
+              <a:rPr lang="hr-HR" dirty="0" smtClean="0"/>
+              <a:t> prostorna struktura</a:t>
+            </a:r>
+          </a:p>
+          <a:p>
+            <a:endParaRPr lang="hr-HR" dirty="0"/>
+          </a:p>
+          <a:p>
+            <a:r>
+              <a:rPr lang="hr-HR" dirty="0" smtClean="0"/>
+              <a:t>Stil slike </a:t>
+            </a:r>
+            <a:r>
+              <a:rPr lang="mr-IN" dirty="0" smtClean="0"/>
+              <a:t>–</a:t>
+            </a:r>
+            <a:r>
+              <a:rPr lang="hr-HR" dirty="0" smtClean="0"/>
+              <a:t> </a:t>
+            </a:r>
+            <a:r>
+              <a:rPr lang="hr-HR" dirty="0" err="1" smtClean="0"/>
+              <a:t>rendering</a:t>
+            </a:r>
+            <a:r>
+              <a:rPr lang="hr-HR" dirty="0" smtClean="0"/>
+              <a:t> sadržaja slike</a:t>
+            </a:r>
+            <a:endParaRPr lang="hr-HR" dirty="0"/>
+          </a:p>
+        </p:txBody>
+      </p:sp>
+    </p:spTree>
+    <p:extLst>
+      <p:ext uri="{BB962C8B-B14F-4D97-AF65-F5344CB8AC3E}">
+        <p14:creationId xmlns:p14="http://schemas.microsoft.com/office/powerpoint/2010/main" val="1738961816"/>
+      </p:ext>
+    </p:extLst>
+  </p:cSld>
+  <p:clrMapOvr>
+    <a:masterClrMapping/>
+  </p:clrMapOvr>
+</p:sld>
+</file>
+
+<file path=ppt/slides/slide22.xml><?xml version="1.0" encoding="utf-8"?>
+<p:sld xmlns:a="http://schemas.openxmlformats.org/drawingml/2006/main" xmlns:r="http://schemas.openxmlformats.org/officeDocument/2006/relationships" xmlns:p="http://schemas.openxmlformats.org/presentationml/2006/main">
+  <p:cSld>
+    <p:spTree>
+      <p:nvGrpSpPr>
+        <p:cNvPr id="1" name=""/>
+        <p:cNvGrpSpPr/>
+        <p:nvPr/>
+      </p:nvGrpSpPr>
+      <p:grpSpPr>
+        <a:xfrm>
+          <a:off x="0" y="0"/>
+          <a:ext cx="0" cy="0"/>
+          <a:chOff x="0" y="0"/>
+          <a:chExt cx="0" cy="0"/>
+        </a:xfrm>
+      </p:grpSpPr>
+      <p:sp>
+        <p:nvSpPr>
+          <p:cNvPr id="2" name="Title 1"/>
+          <p:cNvSpPr>
+            <a:spLocks noGrp="1"/>
+          </p:cNvSpPr>
+          <p:nvPr>
+            <p:ph type="title"/>
+          </p:nvPr>
+        </p:nvSpPr>
+        <p:spPr/>
+        <p:txBody>
+          <a:bodyPr/>
+          <a:lstStyle/>
+          <a:p>
+            <a:r>
+              <a:rPr lang="en-US" dirty="0" err="1" smtClean="0"/>
+              <a:t>Multimodalna</a:t>
+            </a:r>
+            <a:r>
+              <a:rPr lang="en-US" dirty="0" smtClean="0"/>
+              <a:t> </a:t>
+            </a:r>
+            <a:r>
+              <a:rPr lang="en-US" dirty="0" err="1" smtClean="0"/>
+              <a:t>nenadzirana</a:t>
+            </a:r>
+            <a:r>
+              <a:rPr lang="en-US" dirty="0" smtClean="0"/>
+              <a:t> </a:t>
+            </a:r>
+            <a:r>
+              <a:rPr lang="en-US" dirty="0" err="1" smtClean="0"/>
+              <a:t>translacija</a:t>
+            </a:r>
+            <a:r>
+              <a:rPr lang="en-US" dirty="0" smtClean="0"/>
+              <a:t> </a:t>
+            </a:r>
+            <a:r>
+              <a:rPr lang="en-US" dirty="0" smtClean="0"/>
+              <a:t>(MUNIT</a:t>
+            </a:r>
+            <a:r>
+              <a:rPr lang="en-US" dirty="0" smtClean="0"/>
+              <a:t>)</a:t>
+            </a:r>
+            <a:endParaRPr lang="en-US" dirty="0"/>
+          </a:p>
+        </p:txBody>
+      </p:sp>
+      <p:pic>
+        <p:nvPicPr>
+          <p:cNvPr id="4" name="Content Placeholder 3"/>
+          <p:cNvPicPr>
+            <a:picLocks noGrp="1" noChangeAspect="1"/>
+          </p:cNvPicPr>
+          <p:nvPr>
+            <p:ph idx="1"/>
+          </p:nvPr>
+        </p:nvPicPr>
+        <p:blipFill>
+          <a:blip r:embed="rId2">
+            <a:extLst>
+              <a:ext uri="{28A0092B-C50C-407E-A947-70E740481C1C}">
+                <a14:useLocalDpi xmlns:a14="http://schemas.microsoft.com/office/drawing/2010/main" val="0"/>
+              </a:ext>
+            </a:extLst>
+          </a:blip>
+          <a:stretch>
+            <a:fillRect/>
+          </a:stretch>
+        </p:blipFill>
+        <p:spPr>
+          <a:xfrm>
+            <a:off x="1264720" y="1996751"/>
+            <a:ext cx="9745402" cy="4867467"/>
+          </a:xfrm>
+        </p:spPr>
+      </p:pic>
+    </p:spTree>
+    <p:extLst>
+      <p:ext uri="{BB962C8B-B14F-4D97-AF65-F5344CB8AC3E}">
+        <p14:creationId xmlns:p14="http://schemas.microsoft.com/office/powerpoint/2010/main" val="1785648072"/>
+      </p:ext>
+    </p:extLst>
+  </p:cSld>
+  <p:clrMapOvr>
+    <a:masterClrMapping/>
+  </p:clrMapOvr>
+</p:sld>
+</file>
+
+<file path=ppt/slides/slide23.xml><?xml version="1.0" encoding="utf-8"?>
+<p:sld xmlns:a="http://schemas.openxmlformats.org/drawingml/2006/main" xmlns:r="http://schemas.openxmlformats.org/officeDocument/2006/relationships" xmlns:p="http://schemas.openxmlformats.org/presentationml/2006/main">
+  <p:cSld>
+    <p:spTree>
+      <p:nvGrpSpPr>
+        <p:cNvPr id="1" name=""/>
+        <p:cNvGrpSpPr/>
+        <p:nvPr/>
+      </p:nvGrpSpPr>
+      <p:grpSpPr>
+        <a:xfrm>
+          <a:off x="0" y="0"/>
+          <a:ext cx="0" cy="0"/>
+          <a:chOff x="0" y="0"/>
+          <a:chExt cx="0" cy="0"/>
+        </a:xfrm>
+      </p:grpSpPr>
+      <p:sp>
+        <p:nvSpPr>
+          <p:cNvPr id="2" name="Title 1"/>
+          <p:cNvSpPr>
+            <a:spLocks noGrp="1"/>
+          </p:cNvSpPr>
+          <p:nvPr>
+            <p:ph type="title"/>
+          </p:nvPr>
+        </p:nvSpPr>
+        <p:spPr/>
+        <p:txBody>
+          <a:bodyPr/>
+          <a:lstStyle/>
+          <a:p>
+            <a:r>
+              <a:rPr lang="en-US" dirty="0" err="1" smtClean="0"/>
+              <a:t>Zaključak</a:t>
+            </a:r>
+            <a:endParaRPr lang="en-US" dirty="0"/>
+          </a:p>
+        </p:txBody>
+      </p:sp>
+      <p:sp>
+        <p:nvSpPr>
+          <p:cNvPr id="3" name="Content Placeholder 2"/>
+          <p:cNvSpPr>
+            <a:spLocks noGrp="1"/>
+          </p:cNvSpPr>
+          <p:nvPr>
+            <p:ph idx="1"/>
+          </p:nvPr>
+        </p:nvSpPr>
+        <p:spPr/>
+        <p:txBody>
+          <a:bodyPr/>
+          <a:lstStyle/>
+          <a:p>
+            <a:r>
+              <a:rPr lang="en-US" dirty="0" smtClean="0"/>
+              <a:t>GAN-</a:t>
+            </a:r>
+            <a:r>
+              <a:rPr lang="en-US" dirty="0" err="1" smtClean="0"/>
+              <a:t>ovi</a:t>
+            </a:r>
+            <a:endParaRPr lang="en-US" dirty="0" smtClean="0"/>
+          </a:p>
+          <a:p>
+            <a:pPr lvl="1"/>
+            <a:r>
+              <a:rPr lang="en-US" dirty="0" err="1" smtClean="0"/>
+              <a:t>Učenje</a:t>
+            </a:r>
+            <a:r>
+              <a:rPr lang="en-US" dirty="0" smtClean="0"/>
+              <a:t> </a:t>
+            </a:r>
+            <a:r>
+              <a:rPr lang="en-US" dirty="0" err="1" smtClean="0"/>
+              <a:t>prirodnih</a:t>
+            </a:r>
+            <a:r>
+              <a:rPr lang="en-US" dirty="0" smtClean="0"/>
+              <a:t> </a:t>
+            </a:r>
+            <a:r>
+              <a:rPr lang="en-US" dirty="0" err="1" smtClean="0"/>
+              <a:t>značajki</a:t>
+            </a:r>
+            <a:endParaRPr lang="en-US" dirty="0"/>
+          </a:p>
+          <a:p>
+            <a:pPr lvl="1"/>
+            <a:r>
+              <a:rPr lang="en-US" dirty="0" err="1" smtClean="0"/>
+              <a:t>Vrlo</a:t>
+            </a:r>
+            <a:r>
+              <a:rPr lang="en-US" dirty="0" smtClean="0"/>
+              <a:t> </a:t>
+            </a:r>
+            <a:r>
+              <a:rPr lang="en-US" dirty="0" err="1" smtClean="0"/>
+              <a:t>samostalni</a:t>
+            </a:r>
+            <a:r>
+              <a:rPr lang="en-US" dirty="0" smtClean="0"/>
+              <a:t> </a:t>
+            </a:r>
+            <a:r>
+              <a:rPr lang="en-US" dirty="0" err="1" smtClean="0"/>
+              <a:t>tokom</a:t>
+            </a:r>
+            <a:r>
+              <a:rPr lang="en-US" dirty="0" smtClean="0"/>
+              <a:t> </a:t>
+            </a:r>
+            <a:r>
+              <a:rPr lang="en-US" dirty="0" err="1" smtClean="0"/>
+              <a:t>generacije</a:t>
+            </a:r>
+            <a:endParaRPr lang="en-US" dirty="0" smtClean="0"/>
+          </a:p>
+          <a:p>
+            <a:pPr lvl="1"/>
+            <a:endParaRPr lang="en-US" dirty="0"/>
+          </a:p>
+          <a:p>
+            <a:r>
+              <a:rPr lang="en-US" dirty="0" err="1" smtClean="0"/>
+              <a:t>Uvjetovani</a:t>
+            </a:r>
+            <a:r>
+              <a:rPr lang="en-US" dirty="0" smtClean="0"/>
+              <a:t> GAN-</a:t>
+            </a:r>
+            <a:r>
+              <a:rPr lang="en-US" dirty="0" err="1" smtClean="0"/>
+              <a:t>ovi</a:t>
+            </a:r>
+            <a:endParaRPr lang="en-US" dirty="0" smtClean="0"/>
+          </a:p>
+          <a:p>
+            <a:pPr lvl="1"/>
+            <a:r>
+              <a:rPr lang="en-US" dirty="0" err="1" smtClean="0"/>
+              <a:t>Mreža</a:t>
+            </a:r>
+            <a:r>
+              <a:rPr lang="en-US" dirty="0" smtClean="0"/>
+              <a:t> </a:t>
+            </a:r>
+            <a:r>
+              <a:rPr lang="en-US" dirty="0" err="1" smtClean="0"/>
+              <a:t>samostalno</a:t>
+            </a:r>
+            <a:r>
+              <a:rPr lang="en-US" dirty="0" smtClean="0"/>
+              <a:t> </a:t>
+            </a:r>
+            <a:r>
+              <a:rPr lang="en-US" dirty="0" err="1" smtClean="0"/>
+              <a:t>može</a:t>
+            </a:r>
+            <a:r>
+              <a:rPr lang="en-US" dirty="0" smtClean="0"/>
+              <a:t> </a:t>
+            </a:r>
+            <a:r>
+              <a:rPr lang="en-US" dirty="0" err="1" smtClean="0"/>
+              <a:t>naučiti</a:t>
+            </a:r>
+            <a:r>
+              <a:rPr lang="en-US" dirty="0" smtClean="0"/>
+              <a:t> </a:t>
+            </a:r>
+            <a:r>
+              <a:rPr lang="en-US" dirty="0" err="1" smtClean="0"/>
+              <a:t>funkciju</a:t>
+            </a:r>
+            <a:r>
+              <a:rPr lang="en-US" dirty="0" smtClean="0"/>
+              <a:t> </a:t>
+            </a:r>
+            <a:r>
+              <a:rPr lang="en-US" dirty="0" err="1" smtClean="0"/>
+              <a:t>gubitka</a:t>
+            </a:r>
+            <a:endParaRPr lang="en-US" dirty="0" smtClean="0"/>
+          </a:p>
+          <a:p>
+            <a:pPr lvl="1"/>
+            <a:r>
+              <a:rPr lang="en-US" dirty="0" err="1" smtClean="0"/>
+              <a:t>Uklanja</a:t>
+            </a:r>
+            <a:r>
+              <a:rPr lang="en-US" dirty="0" smtClean="0"/>
+              <a:t> </a:t>
+            </a:r>
+            <a:r>
+              <a:rPr lang="en-US" dirty="0" err="1" smtClean="0"/>
+              <a:t>potrebu</a:t>
+            </a:r>
+            <a:r>
+              <a:rPr lang="en-US" dirty="0" smtClean="0"/>
+              <a:t> </a:t>
+            </a:r>
+            <a:r>
+              <a:rPr lang="en-US" dirty="0" err="1" smtClean="0"/>
+              <a:t>za</a:t>
+            </a:r>
+            <a:r>
+              <a:rPr lang="en-US" dirty="0" smtClean="0"/>
+              <a:t> </a:t>
+            </a:r>
+            <a:r>
+              <a:rPr lang="en-US" dirty="0" err="1" smtClean="0"/>
+              <a:t>inženjerskim</a:t>
+            </a:r>
+            <a:r>
+              <a:rPr lang="en-US" dirty="0" smtClean="0"/>
+              <a:t> </a:t>
+            </a:r>
+            <a:r>
+              <a:rPr lang="en-US" dirty="0" err="1" smtClean="0"/>
+              <a:t>radom</a:t>
+            </a:r>
+            <a:r>
+              <a:rPr lang="en-US" dirty="0" smtClean="0"/>
+              <a:t> </a:t>
+            </a:r>
+            <a:r>
+              <a:rPr lang="mr-IN" dirty="0" smtClean="0"/>
+              <a:t>–</a:t>
+            </a:r>
+            <a:r>
+              <a:rPr lang="en-US" dirty="0" smtClean="0"/>
+              <a:t> </a:t>
+            </a:r>
+            <a:r>
+              <a:rPr lang="en-US" dirty="0" err="1" smtClean="0"/>
+              <a:t>korak</a:t>
+            </a:r>
+            <a:r>
+              <a:rPr lang="en-US" dirty="0" smtClean="0"/>
+              <a:t> </a:t>
+            </a:r>
+            <a:r>
+              <a:rPr lang="en-US" dirty="0" err="1" smtClean="0"/>
+              <a:t>prema</a:t>
+            </a:r>
+            <a:r>
+              <a:rPr lang="en-US" dirty="0" smtClean="0"/>
+              <a:t> </a:t>
+            </a:r>
+            <a:r>
+              <a:rPr lang="en-US" dirty="0" err="1" smtClean="0"/>
+              <a:t>široj</a:t>
+            </a:r>
+            <a:r>
+              <a:rPr lang="en-US" dirty="0" smtClean="0"/>
+              <a:t> </a:t>
+            </a:r>
+            <a:r>
+              <a:rPr lang="en-US" dirty="0" err="1" smtClean="0"/>
+              <a:t>adaptaciji</a:t>
+            </a:r>
+            <a:endParaRPr lang="en-US" dirty="0" smtClean="0"/>
+          </a:p>
+        </p:txBody>
+      </p:sp>
+    </p:spTree>
+    <p:extLst>
+      <p:ext uri="{BB962C8B-B14F-4D97-AF65-F5344CB8AC3E}">
+        <p14:creationId xmlns:p14="http://schemas.microsoft.com/office/powerpoint/2010/main" val="1343267494"/>
+      </p:ext>
+    </p:extLst>
+  </p:cSld>
+  <p:clrMapOvr>
+    <a:masterClrMapping/>
+  </p:clrMapOvr>
+</p:sld>
+</file>
+
+<file path=ppt/slides/slide24.xml><?xml version="1.0" encoding="utf-8"?>
+<p:sld xmlns:a="http://schemas.openxmlformats.org/drawingml/2006/main" xmlns:r="http://schemas.openxmlformats.org/officeDocument/2006/relationships" xmlns:p="http://schemas.openxmlformats.org/presentationml/2006/main">
+  <p:cSld>
+    <p:spTree>
+      <p:nvGrpSpPr>
+        <p:cNvPr id="1" name=""/>
+        <p:cNvGrpSpPr/>
+        <p:nvPr/>
+      </p:nvGrpSpPr>
+      <p:grpSpPr>
+        <a:xfrm>
+          <a:off x="0" y="0"/>
+          <a:ext cx="0" cy="0"/>
+          <a:chOff x="0" y="0"/>
+          <a:chExt cx="0" cy="0"/>
+        </a:xfrm>
+      </p:grpSpPr>
+      <p:sp>
+        <p:nvSpPr>
+          <p:cNvPr id="2" name="Title 1"/>
+          <p:cNvSpPr>
+            <a:spLocks noGrp="1"/>
+          </p:cNvSpPr>
+          <p:nvPr>
+            <p:ph type="title"/>
+          </p:nvPr>
+        </p:nvSpPr>
+        <p:spPr/>
+        <p:txBody>
+          <a:bodyPr/>
+          <a:lstStyle/>
+          <a:p>
+            <a:r>
+              <a:rPr lang="en-US" dirty="0" err="1" smtClean="0"/>
+              <a:t>Zaključak</a:t>
+            </a:r>
+            <a:endParaRPr lang="en-US" dirty="0"/>
+          </a:p>
+        </p:txBody>
+      </p:sp>
+      <p:sp>
+        <p:nvSpPr>
+          <p:cNvPr id="3" name="Content Placeholder 2"/>
+          <p:cNvSpPr>
+            <a:spLocks noGrp="1"/>
+          </p:cNvSpPr>
+          <p:nvPr>
+            <p:ph idx="1"/>
+          </p:nvPr>
+        </p:nvSpPr>
+        <p:spPr/>
+        <p:txBody>
+          <a:bodyPr/>
+          <a:lstStyle/>
+          <a:p>
+            <a:r>
+              <a:rPr lang="hr-HR" dirty="0" smtClean="0"/>
+              <a:t>Kružni GAN-ovi</a:t>
+            </a:r>
+          </a:p>
+          <a:p>
+            <a:pPr lvl="1"/>
+            <a:r>
+              <a:rPr lang="en-US" dirty="0" smtClean="0"/>
+              <a:t>R</a:t>
+            </a:r>
+            <a:r>
+              <a:rPr lang="hr-HR" dirty="0" err="1" smtClean="0"/>
+              <a:t>ezultati</a:t>
+            </a:r>
+            <a:r>
+              <a:rPr lang="hr-HR" dirty="0" smtClean="0"/>
+              <a:t> usporedni s nadziranim modelima</a:t>
+            </a:r>
+          </a:p>
+          <a:p>
+            <a:pPr lvl="1"/>
+            <a:r>
+              <a:rPr lang="en-US" dirty="0" smtClean="0"/>
+              <a:t>V</a:t>
+            </a:r>
+            <a:r>
+              <a:rPr lang="hr-HR" dirty="0" err="1" smtClean="0"/>
+              <a:t>rlo</a:t>
+            </a:r>
+            <a:r>
+              <a:rPr lang="hr-HR" dirty="0" smtClean="0"/>
+              <a:t> svestrani</a:t>
+            </a:r>
+          </a:p>
+          <a:p>
+            <a:pPr lvl="1"/>
+            <a:r>
+              <a:rPr lang="en-US" dirty="0" err="1" smtClean="0"/>
+              <a:t>Moguć</a:t>
+            </a:r>
+            <a:r>
+              <a:rPr lang="en-US" dirty="0" smtClean="0"/>
+              <a:t> </a:t>
+            </a:r>
+            <a:r>
+              <a:rPr lang="en-US" dirty="0" err="1" smtClean="0"/>
+              <a:t>prijenos</a:t>
+            </a:r>
+            <a:r>
+              <a:rPr lang="en-US" dirty="0" smtClean="0"/>
+              <a:t> </a:t>
+            </a:r>
+            <a:r>
+              <a:rPr lang="en-US" dirty="0" err="1" smtClean="0"/>
+              <a:t>stila</a:t>
+            </a:r>
+            <a:r>
+              <a:rPr lang="en-US" dirty="0" smtClean="0"/>
+              <a:t> </a:t>
+            </a:r>
+            <a:r>
+              <a:rPr lang="en-US" dirty="0" err="1" smtClean="0"/>
+              <a:t>cijelih</a:t>
+            </a:r>
+            <a:r>
+              <a:rPr lang="en-US" dirty="0" smtClean="0"/>
+              <a:t> </a:t>
+            </a:r>
+            <a:r>
+              <a:rPr lang="en-US" dirty="0" err="1" smtClean="0"/>
+              <a:t>kolekcija</a:t>
+            </a:r>
+            <a:endParaRPr lang="en-US" dirty="0" smtClean="0"/>
+          </a:p>
+          <a:p>
+            <a:pPr lvl="1"/>
+            <a:r>
+              <a:rPr lang="hr-HR" dirty="0" smtClean="0"/>
+              <a:t>Zakazuju kod nestrukturiranih podataka</a:t>
+            </a:r>
+          </a:p>
+          <a:p>
+            <a:pPr marL="457200" lvl="1" indent="0">
+              <a:buNone/>
+            </a:pPr>
+            <a:endParaRPr lang="hr-HR" dirty="0"/>
+          </a:p>
+        </p:txBody>
+      </p:sp>
+    </p:spTree>
+    <p:extLst>
+      <p:ext uri="{BB962C8B-B14F-4D97-AF65-F5344CB8AC3E}">
+        <p14:creationId xmlns:p14="http://schemas.microsoft.com/office/powerpoint/2010/main" val="1866133652"/>
+      </p:ext>
+    </p:extLst>
+  </p:cSld>
+  <p:clrMapOvr>
+    <a:masterClrMapping/>
+  </p:clrMapOvr>
+</p:sld>
+</file>
+
+<file path=ppt/slides/slide25.xml><?xml version="1.0" encoding="utf-8"?>
+<p:sld xmlns:a="http://schemas.openxmlformats.org/drawingml/2006/main" xmlns:r="http://schemas.openxmlformats.org/officeDocument/2006/relationships" xmlns:p="http://schemas.openxmlformats.org/presentationml/2006/main">
+  <p:cSld>
+    <p:spTree>
+      <p:nvGrpSpPr>
+        <p:cNvPr id="1" name=""/>
+        <p:cNvGrpSpPr/>
+        <p:nvPr/>
+      </p:nvGrpSpPr>
+      <p:grpSpPr>
+        <a:xfrm>
+          <a:off x="0" y="0"/>
+          <a:ext cx="0" cy="0"/>
+          <a:chOff x="0" y="0"/>
+          <a:chExt cx="0" cy="0"/>
+        </a:xfrm>
+      </p:grpSpPr>
+      <p:sp>
+        <p:nvSpPr>
+          <p:cNvPr id="2" name="Title 1"/>
+          <p:cNvSpPr>
+            <a:spLocks noGrp="1"/>
+          </p:cNvSpPr>
+          <p:nvPr>
+            <p:ph type="title"/>
+          </p:nvPr>
+        </p:nvSpPr>
+        <p:spPr/>
+        <p:txBody>
+          <a:bodyPr/>
+          <a:lstStyle/>
+          <a:p>
+            <a:r>
+              <a:rPr lang="en-US" dirty="0" err="1" smtClean="0"/>
+              <a:t>Zaključak</a:t>
+            </a:r>
+            <a:endParaRPr lang="en-US" dirty="0"/>
+          </a:p>
+        </p:txBody>
+      </p:sp>
+      <p:sp>
+        <p:nvSpPr>
+          <p:cNvPr id="3" name="Content Placeholder 2"/>
+          <p:cNvSpPr>
+            <a:spLocks noGrp="1"/>
+          </p:cNvSpPr>
+          <p:nvPr>
+            <p:ph idx="1"/>
+          </p:nvPr>
+        </p:nvSpPr>
+        <p:spPr/>
+        <p:txBody>
+          <a:bodyPr/>
+          <a:lstStyle/>
+          <a:p>
+            <a:r>
+              <a:rPr lang="hr-HR" dirty="0" smtClean="0"/>
+              <a:t>MUNIT</a:t>
+            </a:r>
+          </a:p>
+          <a:p>
+            <a:pPr lvl="1"/>
+            <a:r>
+              <a:rPr lang="en-US" dirty="0" smtClean="0"/>
+              <a:t>N</a:t>
+            </a:r>
+            <a:r>
+              <a:rPr lang="hr-HR" dirty="0" err="1" smtClean="0"/>
+              <a:t>adogradnja</a:t>
+            </a:r>
+            <a:r>
+              <a:rPr lang="hr-HR" dirty="0" smtClean="0"/>
+              <a:t> na ideje kružnih </a:t>
+            </a:r>
+            <a:r>
+              <a:rPr lang="hr-HR" dirty="0" err="1" smtClean="0"/>
+              <a:t>GANova</a:t>
+            </a:r>
+            <a:r>
+              <a:rPr lang="hr-HR" dirty="0" smtClean="0"/>
+              <a:t> i UNIT modela</a:t>
+            </a:r>
+          </a:p>
+          <a:p>
+            <a:pPr lvl="1"/>
+            <a:r>
+              <a:rPr lang="en-US" dirty="0" smtClean="0"/>
+              <a:t>P</a:t>
+            </a:r>
+            <a:r>
+              <a:rPr lang="hr-HR" dirty="0" smtClean="0"/>
+              <a:t>okušaj obuhvaćanja potpune distribucije podataka</a:t>
+            </a:r>
+          </a:p>
+          <a:p>
+            <a:pPr lvl="1"/>
+            <a:r>
+              <a:rPr lang="hr-HR" dirty="0" smtClean="0"/>
+              <a:t>Odbacivanje smetnji cikličkom konzistencijom</a:t>
+            </a:r>
+          </a:p>
+          <a:p>
+            <a:pPr lvl="1"/>
+            <a:r>
+              <a:rPr lang="en-US" dirty="0" smtClean="0"/>
+              <a:t>R</a:t>
+            </a:r>
+            <a:r>
+              <a:rPr lang="hr-HR" dirty="0" err="1" smtClean="0"/>
+              <a:t>astavljanje</a:t>
+            </a:r>
+            <a:r>
+              <a:rPr lang="hr-HR" dirty="0" smtClean="0"/>
+              <a:t> latentnog prostora na sadržajni i stilistički omogućuje visoku preciznost</a:t>
+            </a:r>
+          </a:p>
+          <a:p>
+            <a:pPr lvl="1"/>
+            <a:r>
+              <a:rPr lang="hr-HR" dirty="0" smtClean="0"/>
+              <a:t>Od predstavljenih modela daje najbolje rezultate</a:t>
+            </a:r>
+            <a:endParaRPr lang="hr-HR" dirty="0"/>
+          </a:p>
+        </p:txBody>
+      </p:sp>
+    </p:spTree>
+    <p:extLst>
+      <p:ext uri="{BB962C8B-B14F-4D97-AF65-F5344CB8AC3E}">
+        <p14:creationId xmlns:p14="http://schemas.microsoft.com/office/powerpoint/2010/main" val="2081468629"/>
       </p:ext>
     </p:extLst>
   </p:cSld>
@@ -6378,16 +9419,45 @@
             <p:ph type="title"/>
           </p:nvPr>
         </p:nvSpPr>
-        <p:spPr/>
+        <p:spPr>
+          <a:xfrm>
+            <a:off x="667883" y="821094"/>
+            <a:ext cx="7415538" cy="778740"/>
+          </a:xfrm>
+        </p:spPr>
         <p:txBody>
           <a:bodyPr/>
           <a:lstStyle/>
           <a:p>
             <a:r>
-              <a:rPr lang="en-US" dirty="0" err="1" smtClean="0"/>
-              <a:t>Sadržaj</a:t>
-            </a:r>
-            <a:endParaRPr lang="en-US" dirty="0"/>
+              <a:rPr lang="en-US" sz="3200" dirty="0" err="1"/>
+              <a:t>Generativni</a:t>
+            </a:r>
+            <a:r>
+              <a:rPr lang="en-US" sz="3200" dirty="0"/>
+              <a:t> </a:t>
+            </a:r>
+            <a:r>
+              <a:rPr lang="en-US" sz="3200" dirty="0" err="1"/>
+              <a:t>naspram</a:t>
+            </a:r>
+            <a:r>
+              <a:rPr lang="en-US" sz="3200" dirty="0"/>
+              <a:t> </a:t>
+            </a:r>
+            <a:r>
+              <a:rPr lang="en-US" sz="3200" dirty="0" err="1"/>
+              <a:t>diskriminativnih</a:t>
+            </a:r>
+            <a:r>
+              <a:rPr lang="en-US" sz="3200" dirty="0"/>
+              <a:t> </a:t>
+            </a:r>
+            <a:r>
+              <a:rPr lang="en-US" sz="3200" dirty="0" err="1"/>
+              <a:t>algoritama</a:t>
+            </a:r>
+            <a:endParaRPr lang="en-US" sz="3200" dirty="0"/>
           </a:p>
         </p:txBody>
       </p:sp>
@@ -6408,123 +9478,380 @@
           <a:p>
             <a:r>
               <a:rPr lang="en-US" dirty="0" err="1" smtClean="0"/>
+              <a:t>Diskriminativni</a:t>
+            </a:r>
+            <a:endParaRPr lang="en-US" dirty="0" smtClean="0"/>
+          </a:p>
+          <a:p>
+            <a:pPr lvl="1"/>
+            <a:r>
+              <a:rPr lang="en-US" dirty="0" err="1" smtClean="0"/>
+              <a:t>Modeliranje</a:t>
+            </a:r>
+            <a:r>
+              <a:rPr lang="en-US" dirty="0" smtClean="0"/>
+              <a:t> </a:t>
+            </a:r>
+            <a:r>
+              <a:rPr lang="en-US" dirty="0" err="1" smtClean="0"/>
+              <a:t>pomoću</a:t>
+            </a:r>
+            <a:r>
+              <a:rPr lang="en-US" dirty="0" smtClean="0"/>
+              <a:t> </a:t>
+            </a:r>
+            <a:r>
+              <a:rPr lang="en-US" dirty="0" err="1" smtClean="0"/>
+              <a:t>ulaznih</a:t>
+            </a:r>
+            <a:r>
+              <a:rPr lang="en-US" dirty="0" smtClean="0"/>
+              <a:t> </a:t>
+            </a:r>
+            <a:r>
+              <a:rPr lang="en-US" dirty="0" err="1" smtClean="0"/>
+              <a:t>varijabli</a:t>
+            </a:r>
+            <a:endParaRPr lang="en-US" dirty="0" smtClean="0"/>
+          </a:p>
+          <a:p>
+            <a:pPr lvl="1"/>
+            <a:r>
+              <a:rPr lang="en-US" dirty="0" err="1" smtClean="0"/>
+              <a:t>Učenje</a:t>
+            </a:r>
+            <a:r>
+              <a:rPr lang="en-US" dirty="0" smtClean="0"/>
+              <a:t> </a:t>
+            </a:r>
+            <a:r>
+              <a:rPr lang="en-US" dirty="0" err="1" smtClean="0"/>
+              <a:t>uvjetne</a:t>
+            </a:r>
+            <a:r>
+              <a:rPr lang="en-US" dirty="0" smtClean="0"/>
+              <a:t> </a:t>
+            </a:r>
+            <a:r>
+              <a:rPr lang="en-US" dirty="0" err="1" smtClean="0"/>
+              <a:t>vjerojatnosti</a:t>
+            </a:r>
+            <a:r>
+              <a:rPr lang="en-US" dirty="0" smtClean="0"/>
+              <a:t> p(Y|X)</a:t>
+            </a:r>
+            <a:endParaRPr lang="en-US" dirty="0"/>
+          </a:p>
+          <a:p>
+            <a:pPr lvl="1"/>
+            <a:r>
+              <a:rPr lang="en-US" dirty="0" smtClean="0"/>
+              <a:t>Ne </a:t>
+            </a:r>
+            <a:r>
+              <a:rPr lang="en-US" dirty="0" err="1" smtClean="0"/>
+              <a:t>stvaraju</a:t>
+            </a:r>
+            <a:r>
+              <a:rPr lang="en-US" dirty="0" smtClean="0"/>
+              <a:t> </a:t>
+            </a:r>
+            <a:r>
+              <a:rPr lang="en-US" dirty="0" err="1" smtClean="0"/>
+              <a:t>puno</a:t>
+            </a:r>
+            <a:r>
+              <a:rPr lang="en-US" dirty="0" smtClean="0"/>
+              <a:t> </a:t>
+            </a:r>
+            <a:r>
+              <a:rPr lang="en-US" dirty="0" err="1" smtClean="0"/>
+              <a:t>pretpostavki</a:t>
+            </a:r>
+            <a:r>
+              <a:rPr lang="en-US" dirty="0" smtClean="0"/>
+              <a:t> o </a:t>
+            </a:r>
+            <a:r>
+              <a:rPr lang="en-US" dirty="0" err="1" smtClean="0"/>
+              <a:t>distribuciji</a:t>
+            </a:r>
+            <a:endParaRPr lang="en-US" dirty="0" smtClean="0"/>
+          </a:p>
+          <a:p>
+            <a:pPr lvl="1"/>
+            <a:r>
+              <a:rPr lang="en-US" dirty="0" err="1" smtClean="0"/>
+              <a:t>Znaju</a:t>
+            </a:r>
+            <a:r>
+              <a:rPr lang="en-US" dirty="0" smtClean="0"/>
+              <a:t> </a:t>
+            </a:r>
+            <a:r>
+              <a:rPr lang="en-US" dirty="0" err="1" smtClean="0"/>
+              <a:t>klasificirati</a:t>
+            </a:r>
+            <a:r>
+              <a:rPr lang="en-US" dirty="0" smtClean="0"/>
+              <a:t> </a:t>
+            </a:r>
+            <a:r>
+              <a:rPr lang="en-US" dirty="0" err="1" smtClean="0"/>
+              <a:t>nove</a:t>
+            </a:r>
+            <a:r>
+              <a:rPr lang="en-US" dirty="0" smtClean="0"/>
+              <a:t> </a:t>
+            </a:r>
+            <a:r>
+              <a:rPr lang="en-US" dirty="0" err="1" smtClean="0"/>
+              <a:t>primjere</a:t>
+            </a:r>
+            <a:endParaRPr lang="en-US" dirty="0"/>
+          </a:p>
+          <a:p>
+            <a:r>
+              <a:rPr lang="en-US" dirty="0" err="1" smtClean="0"/>
+              <a:t>Generativni</a:t>
+            </a:r>
+            <a:endParaRPr lang="en-US" dirty="0" smtClean="0"/>
+          </a:p>
+          <a:p>
+            <a:pPr lvl="1"/>
+            <a:r>
+              <a:rPr lang="en-US" dirty="0" err="1" smtClean="0"/>
+              <a:t>Uče</a:t>
+            </a:r>
+            <a:r>
+              <a:rPr lang="en-US" dirty="0" smtClean="0"/>
+              <a:t> </a:t>
+            </a:r>
+            <a:r>
+              <a:rPr lang="en-US" dirty="0" err="1" smtClean="0"/>
+              <a:t>distribuciju</a:t>
+            </a:r>
+            <a:r>
+              <a:rPr lang="en-US" dirty="0" smtClean="0"/>
+              <a:t> </a:t>
+            </a:r>
+            <a:r>
+              <a:rPr lang="en-US" dirty="0" err="1" smtClean="0"/>
+              <a:t>pojedinih</a:t>
+            </a:r>
+            <a:r>
+              <a:rPr lang="en-US" dirty="0" smtClean="0"/>
+              <a:t> </a:t>
+            </a:r>
+            <a:r>
+              <a:rPr lang="en-US" dirty="0" err="1" smtClean="0"/>
+              <a:t>klasa</a:t>
+            </a:r>
+            <a:r>
+              <a:rPr lang="en-US" dirty="0" smtClean="0"/>
+              <a:t> p(X|Y)</a:t>
+            </a:r>
+            <a:endParaRPr lang="en-US" dirty="0"/>
+          </a:p>
+          <a:p>
+            <a:pPr lvl="1"/>
+            <a:r>
+              <a:rPr lang="en-US" dirty="0" err="1" smtClean="0"/>
+              <a:t>Mogu</a:t>
+            </a:r>
+            <a:r>
+              <a:rPr lang="en-US" dirty="0" smtClean="0"/>
+              <a:t> </a:t>
+            </a:r>
+            <a:r>
+              <a:rPr lang="en-US" dirty="0" err="1" smtClean="0"/>
+              <a:t>uzorkovati</a:t>
+            </a:r>
+            <a:r>
+              <a:rPr lang="en-US" dirty="0" smtClean="0"/>
+              <a:t> </a:t>
+            </a:r>
+            <a:r>
+              <a:rPr lang="en-US" dirty="0" err="1" smtClean="0"/>
+              <a:t>nove</a:t>
+            </a:r>
+            <a:r>
+              <a:rPr lang="en-US" dirty="0" smtClean="0"/>
+              <a:t> </a:t>
+            </a:r>
+            <a:r>
+              <a:rPr lang="en-US" dirty="0" err="1" smtClean="0"/>
+              <a:t>primjere</a:t>
+            </a:r>
+            <a:endParaRPr lang="en-US" dirty="0"/>
+          </a:p>
+          <a:p>
+            <a:r>
+              <a:rPr lang="en-US" dirty="0" err="1" smtClean="0"/>
+              <a:t>Generativni</a:t>
+            </a:r>
+            <a:r>
+              <a:rPr lang="en-US" dirty="0" smtClean="0"/>
+              <a:t> </a:t>
+            </a:r>
+            <a:r>
+              <a:rPr lang="en-US" dirty="0" err="1" smtClean="0"/>
+              <a:t>modeli</a:t>
+            </a:r>
+            <a:r>
+              <a:rPr lang="en-US" dirty="0" smtClean="0"/>
+              <a:t> </a:t>
+            </a:r>
+            <a:r>
+              <a:rPr lang="en-US" dirty="0" err="1" smtClean="0"/>
+              <a:t>su</a:t>
+            </a:r>
+            <a:r>
+              <a:rPr lang="en-US" dirty="0" smtClean="0"/>
+              <a:t> </a:t>
+            </a:r>
+            <a:r>
+              <a:rPr lang="en-US" dirty="0" err="1" smtClean="0"/>
+              <a:t>puno</a:t>
+            </a:r>
+            <a:r>
+              <a:rPr lang="en-US" dirty="0" smtClean="0"/>
+              <a:t> </a:t>
+            </a:r>
+            <a:r>
+              <a:rPr lang="en-US" dirty="0" err="1" smtClean="0"/>
+              <a:t>složeniji</a:t>
+            </a:r>
+            <a:endParaRPr lang="en-US" dirty="0" smtClean="0"/>
+          </a:p>
+        </p:txBody>
+      </p:sp>
+      <p:sp>
+        <p:nvSpPr>
+          <p:cNvPr id="4" name="Title 1"/>
+          <p:cNvSpPr txBox="1">
+            <a:spLocks/>
+          </p:cNvSpPr>
+          <p:nvPr/>
+        </p:nvSpPr>
+        <p:spPr>
+          <a:xfrm>
+            <a:off x="667883" y="408672"/>
+            <a:ext cx="5042452" cy="412422"/>
+          </a:xfrm>
+          <a:prstGeom prst="rect">
+            <a:avLst/>
+          </a:prstGeom>
+        </p:spPr>
+        <p:txBody>
+          <a:bodyPr vert="horz" lIns="91440" tIns="45720" rIns="91440" bIns="45720" rtlCol="0" anchor="t">
+            <a:noAutofit/>
+          </a:bodyPr>
+          <a:lstStyle>
+            <a:lvl1pPr algn="l" defTabSz="457200" rtl="0" eaLnBrk="1" latinLnBrk="0" hangingPunct="1">
+              <a:spcBef>
+                <a:spcPct val="0"/>
+              </a:spcBef>
+              <a:buNone/>
+              <a:defRPr sz="4200" b="0" i="0" kern="1200">
+                <a:solidFill>
+                  <a:schemeClr val="tx2"/>
+                </a:solidFill>
+                <a:latin typeface="+mj-lt"/>
+                <a:ea typeface="+mj-ea"/>
+                <a:cs typeface="+mj-cs"/>
+              </a:defRPr>
+            </a:lvl1pPr>
+            <a:lvl2pPr eaLnBrk="1" hangingPunct="1">
+              <a:defRPr>
+                <a:solidFill>
+                  <a:schemeClr val="tx2"/>
+                </a:solidFill>
+              </a:defRPr>
+            </a:lvl2pPr>
+            <a:lvl3pPr eaLnBrk="1" hangingPunct="1">
+              <a:defRPr>
+                <a:solidFill>
+                  <a:schemeClr val="tx2"/>
+                </a:solidFill>
+              </a:defRPr>
+            </a:lvl3pPr>
+            <a:lvl4pPr eaLnBrk="1" hangingPunct="1">
+              <a:defRPr>
+                <a:solidFill>
+                  <a:schemeClr val="tx2"/>
+                </a:solidFill>
+              </a:defRPr>
+            </a:lvl4pPr>
+            <a:lvl5pPr eaLnBrk="1" hangingPunct="1">
+              <a:defRPr>
+                <a:solidFill>
+                  <a:schemeClr val="tx2"/>
+                </a:solidFill>
+              </a:defRPr>
+            </a:lvl5pPr>
+            <a:lvl6pPr eaLnBrk="1" hangingPunct="1">
+              <a:defRPr>
+                <a:solidFill>
+                  <a:schemeClr val="tx2"/>
+                </a:solidFill>
+              </a:defRPr>
+            </a:lvl6pPr>
+            <a:lvl7pPr eaLnBrk="1" hangingPunct="1">
+              <a:defRPr>
+                <a:solidFill>
+                  <a:schemeClr val="tx2"/>
+                </a:solidFill>
+              </a:defRPr>
+            </a:lvl7pPr>
+            <a:lvl8pPr eaLnBrk="1" hangingPunct="1">
+              <a:defRPr>
+                <a:solidFill>
+                  <a:schemeClr val="tx2"/>
+                </a:solidFill>
+              </a:defRPr>
+            </a:lvl8pPr>
+            <a:lvl9pPr eaLnBrk="1" hangingPunct="1">
+              <a:defRPr>
+                <a:solidFill>
+                  <a:schemeClr val="tx2"/>
+                </a:solidFill>
+              </a:defRPr>
+            </a:lvl9pPr>
+          </a:lstStyle>
+          <a:p>
+            <a:r>
+              <a:rPr lang="en-US" sz="1800" i="1" dirty="0" err="1" smtClean="0">
+                <a:ea typeface="Apple Braille" charset="0"/>
+                <a:cs typeface="Apple Braille" charset="0"/>
+              </a:rPr>
               <a:t>Generativno</a:t>
             </a:r>
             <a:r>
-              <a:rPr lang="en-US" dirty="0" smtClean="0"/>
-              <a:t> </a:t>
-            </a:r>
-            <a:r>
-              <a:rPr lang="en-US" dirty="0" err="1" smtClean="0"/>
+              <a:rPr lang="en-US" sz="1800" i="1" dirty="0" smtClean="0">
+                <a:ea typeface="Apple Braille" charset="0"/>
+                <a:cs typeface="Apple Braille" charset="0"/>
+              </a:rPr>
+              <a:t> </a:t>
+            </a:r>
+            <a:r>
+              <a:rPr lang="en-US" sz="1800" i="1" dirty="0" err="1" smtClean="0">
+                <a:ea typeface="Apple Braille" charset="0"/>
+                <a:cs typeface="Apple Braille" charset="0"/>
+              </a:rPr>
               <a:t>modeliranje</a:t>
             </a:r>
-            <a:endParaRPr lang="en-US" dirty="0" smtClean="0"/>
-          </a:p>
-          <a:p>
-            <a:r>
-              <a:rPr lang="en-US" dirty="0" err="1" smtClean="0"/>
-              <a:t>Suparnički</a:t>
-            </a:r>
-            <a:r>
-              <a:rPr lang="en-US" dirty="0" smtClean="0"/>
-              <a:t> </a:t>
-            </a:r>
-            <a:r>
-              <a:rPr lang="en-US" dirty="0" err="1" smtClean="0"/>
-              <a:t>modeli</a:t>
-            </a:r>
-            <a:endParaRPr lang="en-US" dirty="0" smtClean="0"/>
-          </a:p>
-          <a:p>
-            <a:r>
-              <a:rPr lang="en-US" dirty="0" err="1" smtClean="0"/>
-              <a:t>Uvjetne</a:t>
-            </a:r>
-            <a:r>
-              <a:rPr lang="en-US" dirty="0" smtClean="0"/>
-              <a:t> </a:t>
-            </a:r>
-            <a:r>
-              <a:rPr lang="en-US" dirty="0" err="1" smtClean="0"/>
-              <a:t>generativne</a:t>
-            </a:r>
-            <a:r>
-              <a:rPr lang="en-US" dirty="0" smtClean="0"/>
-              <a:t> </a:t>
-            </a:r>
-            <a:r>
-              <a:rPr lang="en-US" dirty="0" err="1" smtClean="0"/>
-              <a:t>mreže</a:t>
-            </a:r>
-            <a:endParaRPr lang="en-US" dirty="0"/>
-          </a:p>
-          <a:p>
-            <a:r>
-              <a:rPr lang="en-US" dirty="0" err="1" smtClean="0"/>
-              <a:t>Translacija</a:t>
-            </a:r>
-            <a:r>
-              <a:rPr lang="en-US" dirty="0" smtClean="0"/>
-              <a:t> bez </a:t>
-            </a:r>
-            <a:r>
-              <a:rPr lang="en-US" dirty="0" err="1" smtClean="0"/>
-              <a:t>uparenih</a:t>
-            </a:r>
-            <a:r>
-              <a:rPr lang="en-US" dirty="0" smtClean="0"/>
-              <a:t> </a:t>
-            </a:r>
-            <a:r>
-              <a:rPr lang="en-US" dirty="0" err="1" smtClean="0"/>
-              <a:t>primjera</a:t>
-            </a:r>
-            <a:r>
-              <a:rPr lang="en-US" dirty="0" smtClean="0"/>
-              <a:t> </a:t>
-            </a:r>
-            <a:r>
-              <a:rPr lang="en-US" dirty="0" err="1" smtClean="0"/>
-              <a:t>za</a:t>
-            </a:r>
-            <a:r>
-              <a:rPr lang="en-US" dirty="0" smtClean="0"/>
-              <a:t> </a:t>
-            </a:r>
-            <a:r>
-              <a:rPr lang="en-US" dirty="0" err="1" smtClean="0"/>
-              <a:t>učenje</a:t>
-            </a:r>
-            <a:endParaRPr lang="en-US" dirty="0" smtClean="0"/>
-          </a:p>
-          <a:p>
-            <a:r>
-              <a:rPr lang="en-US" dirty="0" err="1" smtClean="0"/>
-              <a:t>Prijenos</a:t>
-            </a:r>
-            <a:r>
-              <a:rPr lang="en-US" dirty="0" smtClean="0"/>
-              <a:t> </a:t>
-            </a:r>
-            <a:r>
-              <a:rPr lang="en-US" dirty="0" err="1" smtClean="0"/>
-              <a:t>stila</a:t>
-            </a:r>
-            <a:endParaRPr lang="en-US" dirty="0" smtClean="0"/>
-          </a:p>
-          <a:p>
-            <a:r>
-              <a:rPr lang="en-US" dirty="0" err="1" smtClean="0"/>
-              <a:t>Zaključak</a:t>
-            </a:r>
-            <a:endParaRPr lang="en-US" dirty="0"/>
+            <a:endParaRPr lang="en-US" sz="1800" i="1" dirty="0">
+              <a:ea typeface="Apple Braille" charset="0"/>
+              <a:cs typeface="Apple Braille" charset="0"/>
+            </a:endParaRPr>
           </a:p>
         </p:txBody>
       </p:sp>
     </p:spTree>
     <p:extLst>
       <p:ext uri="{BB962C8B-B14F-4D97-AF65-F5344CB8AC3E}">
-        <p14:creationId xmlns:p14="http://schemas.microsoft.com/office/powerpoint/2010/main" val="1776948365"/>
+        <p14:creationId xmlns:p14="http://schemas.microsoft.com/office/powerpoint/2010/main" val="1970442148"/>
       </p:ext>
     </p:extLst>
   </p:cSld>
@@ -6572,32 +9899,16 @@
           <a:lstStyle/>
           <a:p>
             <a:r>
-              <a:rPr lang="en-US" sz="3200" dirty="0" err="1"/>
-              <a:t>Generativni</a:t>
-            </a:r>
-            <a:r>
-              <a:rPr lang="en-US" sz="3200" dirty="0"/>
-              <a:t> </a:t>
-            </a:r>
-            <a:r>
-              <a:rPr lang="en-US" sz="3200" dirty="0" err="1"/>
-              <a:t>naspram</a:t>
-            </a:r>
-            <a:r>
-              <a:rPr lang="en-US" sz="3200" dirty="0"/>
-              <a:t> </a:t>
-            </a:r>
-            <a:r>
-              <a:rPr lang="en-US" sz="3200" dirty="0" err="1"/>
-              <a:t>diskriminativnih</a:t>
-            </a:r>
-            <a:r>
-              <a:rPr lang="en-US" sz="3200" dirty="0"/>
-              <a:t> </a:t>
-            </a:r>
-            <a:r>
-              <a:rPr lang="en-US" sz="3200" dirty="0" err="1"/>
-              <a:t>algoritama</a:t>
+              <a:rPr lang="en-US" sz="3200" dirty="0" err="1" smtClean="0"/>
+              <a:t>Suparnički</a:t>
+            </a:r>
+            <a:r>
+              <a:rPr lang="en-US" sz="3200" dirty="0" smtClean="0"/>
+              <a:t> </a:t>
+            </a:r>
+            <a:r>
+              <a:rPr lang="en-US" sz="3200" dirty="0" err="1" smtClean="0"/>
+              <a:t>modeli</a:t>
             </a:r>
             <a:endParaRPr lang="en-US" sz="3200" dirty="0"/>
           </a:p>
@@ -6619,213 +9930,159 @@
           <a:lstStyle/>
           <a:p>
             <a:r>
-              <a:rPr lang="en-US" dirty="0" err="1" smtClean="0"/>
-              <a:t>Diskriminativni</a:t>
+              <a:rPr lang="en-US" dirty="0" smtClean="0"/>
+              <a:t>Problem: </a:t>
+            </a:r>
+            <a:r>
+              <a:rPr lang="en-US" dirty="0" err="1" smtClean="0"/>
+              <a:t>pronalazak</a:t>
+            </a:r>
+            <a:r>
+              <a:rPr lang="en-US" dirty="0" smtClean="0"/>
+              <a:t> </a:t>
+            </a:r>
+            <a:r>
+              <a:rPr lang="en-US" dirty="0" err="1" smtClean="0"/>
+              <a:t>ciljne</a:t>
+            </a:r>
+            <a:r>
+              <a:rPr lang="en-US" dirty="0" smtClean="0"/>
+              <a:t> </a:t>
+            </a:r>
+            <a:r>
+              <a:rPr lang="en-US" dirty="0" err="1" smtClean="0"/>
+              <a:t>distribucije</a:t>
+            </a:r>
+            <a:r>
+              <a:rPr lang="en-US" dirty="0" smtClean="0"/>
+              <a:t> u </a:t>
+            </a:r>
+            <a:r>
+              <a:rPr lang="en-US" dirty="0" err="1" smtClean="0"/>
+              <a:t>dubokim</a:t>
+            </a:r>
+            <a:r>
+              <a:rPr lang="en-US" dirty="0" smtClean="0"/>
+              <a:t> </a:t>
+            </a:r>
+            <a:r>
+              <a:rPr lang="en-US" dirty="0" err="1" smtClean="0"/>
+              <a:t>hijerarhijskim</a:t>
+            </a:r>
+            <a:r>
+              <a:rPr lang="en-US" dirty="0" smtClean="0"/>
+              <a:t> </a:t>
+            </a:r>
+            <a:r>
+              <a:rPr lang="en-US" dirty="0" err="1" smtClean="0"/>
+              <a:t>podatcima</a:t>
             </a:r>
             <a:endParaRPr lang="en-US" dirty="0" smtClean="0"/>
           </a:p>
           <a:p>
-            <a:pPr lvl="1"/>
-            <a:r>
-              <a:rPr lang="en-US" dirty="0" err="1" smtClean="0"/>
-              <a:t>Modeliranje</a:t>
-            </a:r>
-            <a:r>
-              <a:rPr lang="en-US" dirty="0" smtClean="0"/>
-              <a:t> </a:t>
-            </a:r>
-            <a:r>
-              <a:rPr lang="en-US" dirty="0" err="1" smtClean="0"/>
-              <a:t>pomoću</a:t>
-            </a:r>
-            <a:r>
-              <a:rPr lang="en-US" dirty="0" smtClean="0"/>
-              <a:t> </a:t>
-            </a:r>
-            <a:r>
-              <a:rPr lang="en-US" dirty="0" err="1" smtClean="0"/>
-              <a:t>ulaznih</a:t>
-            </a:r>
-            <a:r>
-              <a:rPr lang="en-US" dirty="0" smtClean="0"/>
-              <a:t> </a:t>
-            </a:r>
-            <a:r>
-              <a:rPr lang="en-US" dirty="0" err="1" smtClean="0"/>
-              <a:t>varijabli</a:t>
+            <a:r>
+              <a:rPr lang="en-US" dirty="0"/>
+              <a:t>M</a:t>
+            </a:r>
+            <a:r>
+              <a:rPr lang="en-US" dirty="0" smtClean="0"/>
+              <a:t>ini-max </a:t>
+            </a:r>
+            <a:r>
+              <a:rPr lang="en-US" dirty="0" err="1" smtClean="0"/>
+              <a:t>igra</a:t>
+            </a:r>
+            <a:r>
+              <a:rPr lang="en-US" dirty="0" smtClean="0"/>
+              <a:t> </a:t>
+            </a:r>
+            <a:r>
+              <a:rPr lang="en-US" dirty="0" err="1" smtClean="0"/>
+              <a:t>dvije</a:t>
+            </a:r>
+            <a:r>
+              <a:rPr lang="en-US" dirty="0" smtClean="0"/>
+              <a:t> </a:t>
+            </a:r>
+            <a:r>
+              <a:rPr lang="en-US" dirty="0" err="1" smtClean="0"/>
+              <a:t>mreže</a:t>
             </a:r>
             <a:endParaRPr lang="en-US" dirty="0" smtClean="0"/>
           </a:p>
           <a:p>
-            <a:pPr lvl="1"/>
-            <a:r>
-              <a:rPr lang="en-US" dirty="0" err="1" smtClean="0"/>
-              <a:t>Učenje</a:t>
-            </a:r>
-            <a:r>
-              <a:rPr lang="en-US" dirty="0" smtClean="0"/>
-              <a:t> </a:t>
-            </a:r>
-            <a:r>
-              <a:rPr lang="en-US" dirty="0" err="1" smtClean="0"/>
-              <a:t>uvjetne</a:t>
-            </a:r>
-            <a:r>
-              <a:rPr lang="en-US" dirty="0" smtClean="0"/>
-              <a:t> </a:t>
-            </a:r>
-            <a:r>
-              <a:rPr lang="en-US" dirty="0" err="1" smtClean="0"/>
-              <a:t>vjerojatnosti</a:t>
-            </a:r>
-            <a:r>
-              <a:rPr lang="en-US" dirty="0" smtClean="0"/>
-              <a:t> p(Y|X)</a:t>
+            <a:r>
+              <a:rPr lang="en-US" dirty="0" smtClean="0"/>
+              <a:t>Generator (G) </a:t>
+            </a:r>
+            <a:r>
+              <a:rPr lang="en-US" dirty="0" err="1" smtClean="0"/>
+              <a:t>stvara</a:t>
+            </a:r>
+            <a:r>
+              <a:rPr lang="en-US" dirty="0" smtClean="0"/>
+              <a:t> </a:t>
+            </a:r>
+            <a:r>
+              <a:rPr lang="en-US" dirty="0" err="1" smtClean="0"/>
+              <a:t>nove</a:t>
+            </a:r>
+            <a:r>
+              <a:rPr lang="en-US" dirty="0" smtClean="0"/>
+              <a:t> </a:t>
+            </a:r>
+            <a:r>
+              <a:rPr lang="en-US" dirty="0" err="1" smtClean="0"/>
+              <a:t>podatke</a:t>
+            </a:r>
+            <a:r>
+              <a:rPr lang="en-US" dirty="0" smtClean="0"/>
+              <a:t> </a:t>
+            </a:r>
+            <a:r>
+              <a:rPr lang="en-US" dirty="0" err="1" smtClean="0"/>
+              <a:t>slične</a:t>
+            </a:r>
+            <a:r>
+              <a:rPr lang="en-US" dirty="0" smtClean="0"/>
+              <a:t> </a:t>
+            </a:r>
+            <a:r>
+              <a:rPr lang="en-US" dirty="0" err="1" smtClean="0"/>
+              <a:t>stvarnima</a:t>
+            </a:r>
+            <a:endParaRPr lang="en-US" dirty="0" smtClean="0"/>
+          </a:p>
+          <a:p>
+            <a:r>
+              <a:rPr lang="en-US" dirty="0" err="1" smtClean="0"/>
+              <a:t>Diskriminator</a:t>
+            </a:r>
+            <a:r>
+              <a:rPr lang="en-US" dirty="0" smtClean="0"/>
+              <a:t> (D) </a:t>
+            </a:r>
+            <a:r>
+              <a:rPr lang="en-US" dirty="0" err="1" smtClean="0"/>
+              <a:t>provjerava</a:t>
+            </a:r>
+            <a:r>
+              <a:rPr lang="en-US" dirty="0" smtClean="0"/>
+              <a:t> </a:t>
+            </a:r>
+            <a:r>
+              <a:rPr lang="en-US" dirty="0" err="1" smtClean="0"/>
+              <a:t>njihovu</a:t>
+            </a:r>
+            <a:r>
+              <a:rPr lang="en-US" dirty="0" smtClean="0"/>
+              <a:t> </a:t>
+            </a:r>
+            <a:r>
+              <a:rPr lang="en-US" dirty="0" err="1" smtClean="0"/>
+              <a:t>autentičnost</a:t>
             </a:r>
             <a:endParaRPr lang="en-US" dirty="0"/>
-          </a:p>
-          <a:p>
-            <a:pPr lvl="1"/>
-            <a:r>
-              <a:rPr lang="en-US" dirty="0" smtClean="0"/>
-              <a:t>Ne </a:t>
-            </a:r>
-            <a:r>
-              <a:rPr lang="en-US" dirty="0" err="1" smtClean="0"/>
-              <a:t>stvaraju</a:t>
-            </a:r>
-            <a:r>
-              <a:rPr lang="en-US" dirty="0" smtClean="0"/>
-              <a:t> </a:t>
-            </a:r>
-            <a:r>
-              <a:rPr lang="en-US" dirty="0" err="1" smtClean="0"/>
-              <a:t>puno</a:t>
-            </a:r>
-            <a:r>
-              <a:rPr lang="en-US" dirty="0" smtClean="0"/>
-              <a:t> </a:t>
-            </a:r>
-            <a:r>
-              <a:rPr lang="en-US" dirty="0" err="1" smtClean="0"/>
-              <a:t>pretpostavki</a:t>
-            </a:r>
-            <a:r>
-              <a:rPr lang="en-US" dirty="0" smtClean="0"/>
-              <a:t> o </a:t>
-            </a:r>
-            <a:r>
-              <a:rPr lang="en-US" dirty="0" err="1" smtClean="0"/>
-              <a:t>distribuciji</a:t>
-            </a:r>
-            <a:endParaRPr lang="en-US" dirty="0" smtClean="0"/>
-          </a:p>
-          <a:p>
-            <a:pPr lvl="1"/>
-            <a:r>
-              <a:rPr lang="en-US" dirty="0" err="1" smtClean="0"/>
-              <a:t>Znaju</a:t>
-            </a:r>
-            <a:r>
-              <a:rPr lang="en-US" dirty="0" smtClean="0"/>
-              <a:t> </a:t>
-            </a:r>
-            <a:r>
-              <a:rPr lang="en-US" dirty="0" err="1" smtClean="0"/>
-              <a:t>klasificirati</a:t>
-            </a:r>
-            <a:r>
-              <a:rPr lang="en-US" dirty="0" smtClean="0"/>
-              <a:t> </a:t>
-            </a:r>
-            <a:r>
-              <a:rPr lang="en-US" dirty="0" err="1" smtClean="0"/>
-              <a:t>nove</a:t>
-            </a:r>
-            <a:r>
-              <a:rPr lang="en-US" dirty="0" smtClean="0"/>
-              <a:t> </a:t>
-            </a:r>
-            <a:r>
-              <a:rPr lang="en-US" dirty="0" err="1" smtClean="0"/>
-              <a:t>primjere</a:t>
-            </a:r>
-            <a:endParaRPr lang="en-US" dirty="0"/>
-          </a:p>
-          <a:p>
-            <a:r>
-              <a:rPr lang="en-US" dirty="0" err="1" smtClean="0"/>
-              <a:t>Generativni</a:t>
-            </a:r>
-            <a:endParaRPr lang="en-US" dirty="0" smtClean="0"/>
-          </a:p>
-          <a:p>
-            <a:pPr lvl="1"/>
-            <a:r>
-              <a:rPr lang="en-US" dirty="0" err="1" smtClean="0"/>
-              <a:t>Uče</a:t>
-            </a:r>
-            <a:r>
-              <a:rPr lang="en-US" dirty="0" smtClean="0"/>
-              <a:t> </a:t>
-            </a:r>
-            <a:r>
-              <a:rPr lang="en-US" dirty="0" err="1" smtClean="0"/>
-              <a:t>distribuciju</a:t>
-            </a:r>
-            <a:r>
-              <a:rPr lang="en-US" dirty="0" smtClean="0"/>
-              <a:t> </a:t>
-            </a:r>
-            <a:r>
-              <a:rPr lang="en-US" dirty="0" err="1" smtClean="0"/>
-              <a:t>pojedinih</a:t>
-            </a:r>
-            <a:r>
-              <a:rPr lang="en-US" dirty="0" smtClean="0"/>
-              <a:t> </a:t>
-            </a:r>
-            <a:r>
-              <a:rPr lang="en-US" dirty="0" err="1" smtClean="0"/>
-              <a:t>klasa</a:t>
-            </a:r>
-            <a:r>
-              <a:rPr lang="en-US" dirty="0" smtClean="0"/>
-              <a:t> p(X|Y)</a:t>
-            </a:r>
-            <a:endParaRPr lang="en-US" dirty="0"/>
-          </a:p>
-          <a:p>
-            <a:pPr lvl="1"/>
-            <a:r>
-              <a:rPr lang="en-US" dirty="0" err="1" smtClean="0"/>
-              <a:t>Mogu</a:t>
-            </a:r>
-            <a:r>
-              <a:rPr lang="en-US" dirty="0" smtClean="0"/>
-              <a:t> </a:t>
-            </a:r>
-            <a:r>
-              <a:rPr lang="en-US" dirty="0" err="1" smtClean="0"/>
-              <a:t>uzorkovati</a:t>
-            </a:r>
-            <a:r>
-              <a:rPr lang="en-US" dirty="0" smtClean="0"/>
-              <a:t> </a:t>
-            </a:r>
-            <a:r>
-              <a:rPr lang="en-US" dirty="0" err="1" smtClean="0"/>
-              <a:t>nove</a:t>
-            </a:r>
-            <a:r>
-              <a:rPr lang="en-US" dirty="0" smtClean="0"/>
-              <a:t> </a:t>
-            </a:r>
-            <a:r>
-              <a:rPr lang="en-US" dirty="0" err="1" smtClean="0"/>
-              <a:t>primjere</a:t>
-            </a:r>
-            <a:endParaRPr lang="en-US" dirty="0" smtClean="0"/>
           </a:p>
         </p:txBody>
       </p:sp>
@@ -6954,7 +10211,7 @@
     </p:spTree>
     <p:extLst>
       <p:ext uri="{BB962C8B-B14F-4D97-AF65-F5344CB8AC3E}">
-        <p14:creationId xmlns:p14="http://schemas.microsoft.com/office/powerpoint/2010/main" val="1970442148"/>
+        <p14:creationId xmlns:p14="http://schemas.microsoft.com/office/powerpoint/2010/main" val="1087827137"/>
       </p:ext>
     </p:extLst>
   </p:cSld>
@@ -7017,25 +10274,35 @@
           </a:p>
         </p:txBody>
       </p:sp>
-      <p:sp>
-        <p:nvSpPr>
-          <p:cNvPr id="3" name="Content Placeholder 2"/>
-          <p:cNvSpPr>
-            <a:spLocks noGrp="1"/>
-          </p:cNvSpPr>
+      <p:pic>
+        <p:nvPicPr>
+          <p:cNvPr id="5" name="Content Placeholder 4"/>
+          <p:cNvPicPr>
+            <a:picLocks noGrp="1" noChangeAspect="1"/>
+          </p:cNvPicPr>
           <p:nvPr>
             <p:ph idx="1"/>
           </p:nvPr>
-        </p:nvSpPr>
-        <p:spPr/>
-        <p:txBody>
-          <a:bodyPr/>
-          <a:lstStyle/>
-          <a:p>
-            <a:endParaRPr lang="en-US" dirty="0"/>
-          </a:p>
-        </p:txBody>
-      </p:sp>
+        </p:nvPicPr>
+        <p:blipFill>
+          <a:blip r:embed="rId2">
+            <a:extLst>
+              <a:ext uri="{28A0092B-C50C-407E-A947-70E740481C1C}">
+                <a14:useLocalDpi xmlns:a14="http://schemas.microsoft.com/office/drawing/2010/main" val="0"/>
+              </a:ext>
+            </a:extLst>
+          </a:blip>
+          <a:stretch>
+            <a:fillRect/>
+          </a:stretch>
+        </p:blipFill>
+        <p:spPr>
+          <a:xfrm>
+            <a:off x="0" y="2012256"/>
+            <a:ext cx="12192000" cy="4465774"/>
+          </a:xfrm>
+        </p:spPr>
+      </p:pic>
       <p:sp>
         <p:nvSpPr>
           <p:cNvPr id="4" name="Title 1"/>
@@ -7161,7 +10428,7 @@
     </p:spTree>
     <p:extLst>
       <p:ext uri="{BB962C8B-B14F-4D97-AF65-F5344CB8AC3E}">
-        <p14:creationId xmlns:p14="http://schemas.microsoft.com/office/powerpoint/2010/main" val="1087827137"/>
+        <p14:creationId xmlns:p14="http://schemas.microsoft.com/office/powerpoint/2010/main" val="1011479014"/>
       </p:ext>
     </p:extLst>
   </p:cSld>
@@ -7198,32 +10465,21 @@
             <p:ph type="title"/>
           </p:nvPr>
         </p:nvSpPr>
-        <p:spPr/>
+        <p:spPr>
+          <a:xfrm>
+            <a:off x="667883" y="821094"/>
+            <a:ext cx="7415538" cy="778740"/>
+          </a:xfrm>
+        </p:spPr>
         <p:txBody>
           <a:bodyPr/>
           <a:lstStyle/>
           <a:p>
             <a:r>
-              <a:rPr lang="en-US" dirty="0" err="1" smtClean="0"/>
-              <a:t>Uvjetne</a:t>
-            </a:r>
-            <a:r>
-              <a:rPr lang="en-US" dirty="0" smtClean="0"/>
-              <a:t> </a:t>
-            </a:r>
-            <a:r>
-              <a:rPr lang="en-US" dirty="0" err="1" smtClean="0"/>
-              <a:t>generativne</a:t>
-            </a:r>
-            <a:r>
-              <a:rPr lang="en-US" dirty="0" smtClean="0"/>
-              <a:t> </a:t>
-            </a:r>
-            <a:r>
-              <a:rPr lang="en-US" dirty="0" err="1" smtClean="0"/>
-              <a:t>mreže</a:t>
-            </a:r>
-            <a:endParaRPr lang="en-US" dirty="0"/>
+              <a:rPr lang="en-US" sz="3200" dirty="0" err="1" smtClean="0"/>
+              <a:t>Autoenkoderi</a:t>
+            </a:r>
+            <a:endParaRPr lang="en-US" sz="3200" dirty="0"/>
           </a:p>
         </p:txBody>
       </p:sp>
@@ -7242,14 +10498,315 @@
           <a:bodyPr/>
           <a:lstStyle/>
           <a:p>
-            <a:endParaRPr lang="en-US"/>
+            <a:r>
+              <a:rPr lang="en-US" dirty="0" err="1" smtClean="0"/>
+              <a:t>Dvodjela</a:t>
+            </a:r>
+            <a:r>
+              <a:rPr lang="en-US" dirty="0" smtClean="0"/>
+              <a:t> </a:t>
+            </a:r>
+            <a:r>
+              <a:rPr lang="en-US" dirty="0" err="1" smtClean="0"/>
+              <a:t>arhitektura</a:t>
+            </a:r>
+            <a:endParaRPr lang="en-US" dirty="0"/>
+          </a:p>
+          <a:p>
+            <a:pPr lvl="1"/>
+            <a:r>
+              <a:rPr lang="en-US" dirty="0" err="1" smtClean="0"/>
+              <a:t>Enkoder</a:t>
+            </a:r>
+            <a:r>
+              <a:rPr lang="en-US" dirty="0" smtClean="0"/>
+              <a:t> </a:t>
+            </a:r>
+            <a:r>
+              <a:rPr lang="mr-IN" dirty="0" smtClean="0"/>
+              <a:t>–</a:t>
+            </a:r>
+            <a:r>
+              <a:rPr lang="en-US" dirty="0" smtClean="0"/>
+              <a:t> </a:t>
+            </a:r>
+            <a:r>
+              <a:rPr lang="en-US" dirty="0" err="1" smtClean="0"/>
+              <a:t>kompresija</a:t>
+            </a:r>
+            <a:r>
+              <a:rPr lang="en-US" dirty="0" smtClean="0"/>
+              <a:t> </a:t>
+            </a:r>
+            <a:r>
+              <a:rPr lang="en-US" dirty="0" err="1" smtClean="0"/>
+              <a:t>podataka</a:t>
+            </a:r>
+            <a:r>
+              <a:rPr lang="en-US" dirty="0" smtClean="0"/>
+              <a:t> u </a:t>
+            </a:r>
+            <a:r>
+              <a:rPr lang="en-US" dirty="0" err="1" smtClean="0"/>
+              <a:t>latentne</a:t>
+            </a:r>
+            <a:r>
+              <a:rPr lang="en-US" dirty="0" smtClean="0"/>
+              <a:t> </a:t>
+            </a:r>
+            <a:r>
+              <a:rPr lang="en-US" dirty="0" err="1" smtClean="0"/>
+              <a:t>varijable</a:t>
+            </a:r>
+            <a:endParaRPr lang="en-US" dirty="0" smtClean="0"/>
+          </a:p>
+          <a:p>
+            <a:pPr lvl="1"/>
+            <a:r>
+              <a:rPr lang="en-US" dirty="0" err="1" smtClean="0"/>
+              <a:t>Dekoder</a:t>
+            </a:r>
+            <a:r>
+              <a:rPr lang="en-US" dirty="0" smtClean="0"/>
+              <a:t> </a:t>
+            </a:r>
+            <a:r>
+              <a:rPr lang="mr-IN" dirty="0" smtClean="0"/>
+              <a:t>–</a:t>
+            </a:r>
+            <a:r>
+              <a:rPr lang="en-US" dirty="0" smtClean="0"/>
+              <a:t> </a:t>
+            </a:r>
+            <a:r>
+              <a:rPr lang="en-US" dirty="0" err="1" smtClean="0"/>
+              <a:t>rekonstrukcija</a:t>
+            </a:r>
+            <a:r>
+              <a:rPr lang="en-US" dirty="0" smtClean="0"/>
+              <a:t> </a:t>
+            </a:r>
+            <a:r>
+              <a:rPr lang="en-US" dirty="0" err="1" smtClean="0"/>
+              <a:t>izvornih</a:t>
+            </a:r>
+            <a:r>
+              <a:rPr lang="en-US" dirty="0" smtClean="0"/>
+              <a:t> </a:t>
+            </a:r>
+            <a:r>
+              <a:rPr lang="en-US" dirty="0" err="1" smtClean="0"/>
+              <a:t>podataka</a:t>
+            </a:r>
+            <a:endParaRPr lang="en-US" dirty="0"/>
+          </a:p>
+          <a:p>
+            <a:endParaRPr lang="en-US" dirty="0" smtClean="0"/>
+          </a:p>
+          <a:p>
+            <a:r>
+              <a:rPr lang="en-US" dirty="0" err="1" smtClean="0"/>
+              <a:t>Cilj</a:t>
+            </a:r>
+            <a:r>
+              <a:rPr lang="en-US" dirty="0" smtClean="0"/>
+              <a:t>: </a:t>
+            </a:r>
+            <a:r>
+              <a:rPr lang="en-US" dirty="0" err="1" smtClean="0"/>
+              <a:t>postići</a:t>
+            </a:r>
+            <a:r>
+              <a:rPr lang="en-US" dirty="0" smtClean="0"/>
+              <a:t> </a:t>
+            </a:r>
+            <a:r>
+              <a:rPr lang="en-US" dirty="0" err="1" smtClean="0"/>
+              <a:t>ćim</a:t>
+            </a:r>
+            <a:r>
+              <a:rPr lang="en-US" dirty="0" smtClean="0"/>
+              <a:t> </a:t>
+            </a:r>
+            <a:r>
+              <a:rPr lang="en-US" dirty="0" err="1" smtClean="0"/>
+              <a:t>veću</a:t>
+            </a:r>
+            <a:r>
+              <a:rPr lang="en-US" dirty="0" smtClean="0"/>
+              <a:t> </a:t>
+            </a:r>
+            <a:r>
+              <a:rPr lang="en-US" dirty="0" err="1" smtClean="0"/>
+              <a:t>sličnost</a:t>
+            </a:r>
+            <a:r>
+              <a:rPr lang="en-US" dirty="0" smtClean="0"/>
+              <a:t> </a:t>
+            </a:r>
+            <a:r>
+              <a:rPr lang="en-US" dirty="0" err="1" smtClean="0"/>
+              <a:t>ulaza</a:t>
+            </a:r>
+            <a:r>
+              <a:rPr lang="en-US" dirty="0" smtClean="0"/>
+              <a:t> </a:t>
+            </a:r>
+            <a:r>
+              <a:rPr lang="en-US" dirty="0" err="1" smtClean="0"/>
+              <a:t>i</a:t>
+            </a:r>
+            <a:r>
+              <a:rPr lang="en-US" dirty="0" smtClean="0"/>
+              <a:t> </a:t>
+            </a:r>
+            <a:r>
+              <a:rPr lang="en-US" dirty="0" err="1" smtClean="0"/>
+              <a:t>izlaza</a:t>
+            </a:r>
+            <a:endParaRPr lang="en-US" dirty="0" smtClean="0"/>
+          </a:p>
+          <a:p>
+            <a:endParaRPr lang="en-US" dirty="0" smtClean="0"/>
+          </a:p>
+          <a:p>
+            <a:r>
+              <a:rPr lang="en-US" dirty="0" err="1" smtClean="0"/>
+              <a:t>Nenadzirani</a:t>
+            </a:r>
+            <a:endParaRPr lang="en-US" dirty="0" smtClean="0"/>
+          </a:p>
+          <a:p>
+            <a:endParaRPr lang="en-US" dirty="0" smtClean="0"/>
+          </a:p>
+        </p:txBody>
+      </p:sp>
+      <p:sp>
+        <p:nvSpPr>
+          <p:cNvPr id="4" name="Title 1"/>
+          <p:cNvSpPr txBox="1">
+            <a:spLocks/>
+          </p:cNvSpPr>
+          <p:nvPr/>
+        </p:nvSpPr>
+        <p:spPr>
+          <a:xfrm>
+            <a:off x="667883" y="408672"/>
+            <a:ext cx="5042452" cy="412422"/>
+          </a:xfrm>
+          <a:prstGeom prst="rect">
+            <a:avLst/>
+          </a:prstGeom>
+        </p:spPr>
+        <p:txBody>
+          <a:bodyPr vert="horz" lIns="91440" tIns="45720" rIns="91440" bIns="45720" rtlCol="0" anchor="t">
+            <a:noAutofit/>
+          </a:bodyPr>
+          <a:lstStyle>
+            <a:lvl1pPr algn="l" defTabSz="457200" rtl="0" eaLnBrk="1" latinLnBrk="0" hangingPunct="1">
+              <a:spcBef>
+                <a:spcPct val="0"/>
+              </a:spcBef>
+              <a:buNone/>
+              <a:defRPr sz="4200" b="0" i="0" kern="1200">
+                <a:solidFill>
+                  <a:schemeClr val="tx2"/>
+                </a:solidFill>
+                <a:latin typeface="+mj-lt"/>
+                <a:ea typeface="+mj-ea"/>
+                <a:cs typeface="+mj-cs"/>
+              </a:defRPr>
+            </a:lvl1pPr>
+            <a:lvl2pPr eaLnBrk="1" hangingPunct="1">
+              <a:defRPr>
+                <a:solidFill>
+                  <a:schemeClr val="tx2"/>
+                </a:solidFill>
+              </a:defRPr>
+            </a:lvl2pPr>
+            <a:lvl3pPr eaLnBrk="1" hangingPunct="1">
+              <a:defRPr>
+                <a:solidFill>
+                  <a:schemeClr val="tx2"/>
+                </a:solidFill>
+              </a:defRPr>
+            </a:lvl3pPr>
+            <a:lvl4pPr eaLnBrk="1" hangingPunct="1">
+              <a:defRPr>
+                <a:solidFill>
+                  <a:schemeClr val="tx2"/>
+                </a:solidFill>
+              </a:defRPr>
+            </a:lvl4pPr>
+            <a:lvl5pPr eaLnBrk="1" hangingPunct="1">
+              <a:defRPr>
+                <a:solidFill>
+                  <a:schemeClr val="tx2"/>
+                </a:solidFill>
+              </a:defRPr>
+            </a:lvl5pPr>
+            <a:lvl6pPr eaLnBrk="1" hangingPunct="1">
+              <a:defRPr>
+                <a:solidFill>
+                  <a:schemeClr val="tx2"/>
+                </a:solidFill>
+              </a:defRPr>
+            </a:lvl6pPr>
+            <a:lvl7pPr eaLnBrk="1" hangingPunct="1">
+              <a:defRPr>
+                <a:solidFill>
+                  <a:schemeClr val="tx2"/>
+                </a:solidFill>
+              </a:defRPr>
+            </a:lvl7pPr>
+            <a:lvl8pPr eaLnBrk="1" hangingPunct="1">
+              <a:defRPr>
+                <a:solidFill>
+                  <a:schemeClr val="tx2"/>
+                </a:solidFill>
+              </a:defRPr>
+            </a:lvl8pPr>
+            <a:lvl9pPr eaLnBrk="1" hangingPunct="1">
+              <a:defRPr>
+                <a:solidFill>
+                  <a:schemeClr val="tx2"/>
+                </a:solidFill>
+              </a:defRPr>
+            </a:lvl9pPr>
+          </a:lstStyle>
+          <a:p>
+            <a:r>
+              <a:rPr lang="en-US" sz="1800" i="1" dirty="0" err="1" smtClean="0">
+                <a:ea typeface="Apple Braille" charset="0"/>
+                <a:cs typeface="Apple Braille" charset="0"/>
+              </a:rPr>
+              <a:t>Generativno</a:t>
+            </a:r>
+            <a:r>
+              <a:rPr lang="en-US" sz="1800" i="1" dirty="0" smtClean="0">
+                <a:ea typeface="Apple Braille" charset="0"/>
+                <a:cs typeface="Apple Braille" charset="0"/>
+              </a:rPr>
+              <a:t> </a:t>
+            </a:r>
+            <a:r>
+              <a:rPr lang="en-US" sz="1800" i="1" dirty="0" err="1" smtClean="0">
+                <a:ea typeface="Apple Braille" charset="0"/>
+                <a:cs typeface="Apple Braille" charset="0"/>
+              </a:rPr>
+              <a:t>modeliranje</a:t>
+            </a:r>
+            <a:endParaRPr lang="en-US" sz="1800" i="1" dirty="0">
+              <a:ea typeface="Apple Braille" charset="0"/>
+              <a:cs typeface="Apple Braille" charset="0"/>
+            </a:endParaRPr>
           </a:p>
         </p:txBody>
       </p:sp>
     </p:spTree>
     <p:extLst>
       <p:ext uri="{BB962C8B-B14F-4D97-AF65-F5344CB8AC3E}">
-        <p14:creationId xmlns:p14="http://schemas.microsoft.com/office/powerpoint/2010/main" val="1743734005"/>
+        <p14:creationId xmlns:p14="http://schemas.microsoft.com/office/powerpoint/2010/main" val="1672335704"/>
       </p:ext>
     </p:extLst>
   </p:cSld>
@@ -7286,74 +10843,180 @@
             <p:ph type="title"/>
           </p:nvPr>
         </p:nvSpPr>
-        <p:spPr/>
+        <p:spPr>
+          <a:xfrm>
+            <a:off x="667883" y="821094"/>
+            <a:ext cx="7415538" cy="778740"/>
+          </a:xfrm>
+        </p:spPr>
         <p:txBody>
           <a:bodyPr/>
           <a:lstStyle/>
           <a:p>
             <a:r>
-              <a:rPr lang="en-US" dirty="0" err="1" smtClean="0"/>
-              <a:t>Translacija</a:t>
-            </a:r>
-            <a:r>
-              <a:rPr lang="en-US" dirty="0" smtClean="0"/>
-              <a:t> bez </a:t>
-            </a:r>
-            <a:r>
-              <a:rPr lang="en-US" dirty="0" err="1" smtClean="0"/>
-              <a:t>uparenih</a:t>
-            </a:r>
-            <a:r>
-              <a:rPr lang="en-US" dirty="0" smtClean="0"/>
-              <a:t> </a:t>
-            </a:r>
-            <a:r>
-              <a:rPr lang="en-US" dirty="0" err="1" smtClean="0"/>
-              <a:t>primjera</a:t>
-            </a:r>
-            <a:r>
-              <a:rPr lang="en-US" dirty="0" smtClean="0"/>
-              <a:t> </a:t>
-            </a:r>
-            <a:r>
-              <a:rPr lang="en-US" dirty="0" err="1" smtClean="0"/>
-              <a:t>za</a:t>
-            </a:r>
-            <a:r>
-              <a:rPr lang="en-US" dirty="0" smtClean="0"/>
-              <a:t> </a:t>
-            </a:r>
-            <a:r>
-              <a:rPr lang="en-US" dirty="0" err="1" smtClean="0"/>
-              <a:t>učenje</a:t>
-            </a:r>
-            <a:endParaRPr lang="en-US" dirty="0"/>
-          </a:p>
-        </p:txBody>
-      </p:sp>
-      <p:sp>
-        <p:nvSpPr>
-          <p:cNvPr id="3" name="Content Placeholder 2"/>
-          <p:cNvSpPr>
-            <a:spLocks noGrp="1"/>
-          </p:cNvSpPr>
-          <p:nvPr>
-            <p:ph idx="1"/>
-          </p:nvPr>
-        </p:nvSpPr>
-        <p:spPr/>
-        <p:txBody>
-          <a:bodyPr/>
-          <a:lstStyle/>
-          <a:p>
-            <a:endParaRPr lang="en-US"/>
-          </a:p>
-        </p:txBody>
-      </p:sp>
+              <a:rPr lang="en-US" sz="3200" dirty="0" err="1" smtClean="0"/>
+              <a:t>Autoenkoderi</a:t>
+            </a:r>
+            <a:endParaRPr lang="en-US" sz="3200" dirty="0"/>
+          </a:p>
+        </p:txBody>
+      </p:sp>
+      <p:sp>
+        <p:nvSpPr>
+          <p:cNvPr id="4" name="Title 1"/>
+          <p:cNvSpPr txBox="1">
+            <a:spLocks/>
+          </p:cNvSpPr>
+          <p:nvPr/>
+        </p:nvSpPr>
+        <p:spPr>
+          <a:xfrm>
+            <a:off x="667883" y="408672"/>
+            <a:ext cx="5042452" cy="412422"/>
+          </a:xfrm>
+          <a:prstGeom prst="rect">
+            <a:avLst/>
+          </a:prstGeom>
+        </p:spPr>
+        <p:txBody>
+          <a:bodyPr vert="horz" lIns="91440" tIns="45720" rIns="91440" bIns="45720" rtlCol="0" anchor="t">
+            <a:noAutofit/>
+          </a:bodyPr>
+          <a:lstStyle>
+            <a:lvl1pPr algn="l" defTabSz="457200" rtl="0" eaLnBrk="1" latinLnBrk="0" hangingPunct="1">
+              <a:spcBef>
+                <a:spcPct val="0"/>
+              </a:spcBef>
+              <a:buNone/>
+              <a:defRPr sz="4200" b="0" i="0" kern="1200">
+                <a:solidFill>
+                  <a:schemeClr val="tx2"/>
+                </a:solidFill>
+                <a:latin typeface="+mj-lt"/>
+                <a:ea typeface="+mj-ea"/>
+                <a:cs typeface="+mj-cs"/>
+              </a:defRPr>
+            </a:lvl1pPr>
+            <a:lvl2pPr eaLnBrk="1" hangingPunct="1">
+              <a:defRPr>
+                <a:solidFill>
+                  <a:schemeClr val="tx2"/>
+                </a:solidFill>
+              </a:defRPr>
+            </a:lvl2pPr>
+            <a:lvl3pPr eaLnBrk="1" hangingPunct="1">
+              <a:defRPr>
+                <a:solidFill>
+                  <a:schemeClr val="tx2"/>
+                </a:solidFill>
+              </a:defRPr>
+            </a:lvl3pPr>
+            <a:lvl4pPr eaLnBrk="1" hangingPunct="1">
+              <a:defRPr>
+                <a:solidFill>
+                  <a:schemeClr val="tx2"/>
+                </a:solidFill>
+              </a:defRPr>
+            </a:lvl4pPr>
+            <a:lvl5pPr eaLnBrk="1" hangingPunct="1">
+              <a:defRPr>
+                <a:solidFill>
+                  <a:schemeClr val="tx2"/>
+                </a:solidFill>
+              </a:defRPr>
+            </a:lvl5pPr>
+            <a:lvl6pPr eaLnBrk="1" hangingPunct="1">
+              <a:defRPr>
+                <a:solidFill>
+                  <a:schemeClr val="tx2"/>
+                </a:solidFill>
+              </a:defRPr>
+            </a:lvl6pPr>
+            <a:lvl7pPr eaLnBrk="1" hangingPunct="1">
+              <a:defRPr>
+                <a:solidFill>
+                  <a:schemeClr val="tx2"/>
+                </a:solidFill>
+              </a:defRPr>
+            </a:lvl7pPr>
+            <a:lvl8pPr eaLnBrk="1" hangingPunct="1">
+              <a:defRPr>
+                <a:solidFill>
+                  <a:schemeClr val="tx2"/>
+                </a:solidFill>
+              </a:defRPr>
+            </a:lvl8pPr>
+            <a:lvl9pPr eaLnBrk="1" hangingPunct="1">
+              <a:defRPr>
+                <a:solidFill>
+                  <a:schemeClr val="tx2"/>
+                </a:solidFill>
+              </a:defRPr>
+            </a:lvl9pPr>
+          </a:lstStyle>
+          <a:p>
+            <a:r>
+              <a:rPr lang="en-US" sz="1800" i="1" dirty="0" err="1" smtClean="0">
+                <a:ea typeface="Apple Braille" charset="0"/>
+                <a:cs typeface="Apple Braille" charset="0"/>
+              </a:rPr>
+              <a:t>Generativno</a:t>
+            </a:r>
+            <a:r>
+              <a:rPr lang="en-US" sz="1800" i="1" dirty="0" smtClean="0">
+                <a:ea typeface="Apple Braille" charset="0"/>
+                <a:cs typeface="Apple Braille" charset="0"/>
+              </a:rPr>
+              <a:t> </a:t>
+            </a:r>
+            <a:r>
+              <a:rPr lang="en-US" sz="1800" i="1" dirty="0" err="1" smtClean="0">
+                <a:ea typeface="Apple Braille" charset="0"/>
+                <a:cs typeface="Apple Braille" charset="0"/>
+              </a:rPr>
+              <a:t>modeliranje</a:t>
+            </a:r>
+            <a:endParaRPr lang="en-US" sz="1800" i="1" dirty="0">
+              <a:ea typeface="Apple Braille" charset="0"/>
+              <a:cs typeface="Apple Braille" charset="0"/>
+            </a:endParaRPr>
+          </a:p>
+        </p:txBody>
+      </p:sp>
+      <p:pic>
+        <p:nvPicPr>
+          <p:cNvPr id="5" name="Picture 4"/>
+          <p:cNvPicPr>
+            <a:picLocks noChangeAspect="1"/>
+          </p:cNvPicPr>
+          <p:nvPr/>
+        </p:nvPicPr>
+        <p:blipFill>
+          <a:blip r:embed="rId2">
+            <a:extLst>
+              <a:ext uri="{28A0092B-C50C-407E-A947-70E740481C1C}">
+                <a14:useLocalDpi xmlns:a14="http://schemas.microsoft.com/office/drawing/2010/main" val="0"/>
+              </a:ext>
+            </a:extLst>
+          </a:blip>
+          <a:stretch>
+            <a:fillRect/>
+          </a:stretch>
+        </p:blipFill>
+        <p:spPr>
+          <a:xfrm>
+            <a:off x="0" y="2052918"/>
+            <a:ext cx="12192000" cy="4064000"/>
+          </a:xfrm>
+          <a:prstGeom prst="rect">
+            <a:avLst/>
+          </a:prstGeom>
+        </p:spPr>
+      </p:pic>
     </p:spTree>
     <p:extLst>
       <p:ext uri="{BB962C8B-B14F-4D97-AF65-F5344CB8AC3E}">
-        <p14:creationId xmlns:p14="http://schemas.microsoft.com/office/powerpoint/2010/main" val="274286887"/>
+        <p14:creationId xmlns:p14="http://schemas.microsoft.com/office/powerpoint/2010/main" val="1114676070"/>
       </p:ext>
     </p:extLst>
   </p:cSld>
@@ -7390,12 +11053,29 @@
             <p:ph type="title"/>
           </p:nvPr>
         </p:nvSpPr>
-        <p:spPr/>
+        <p:spPr>
+          <a:xfrm>
+            <a:off x="667883" y="821094"/>
+            <a:ext cx="7415538" cy="778740"/>
+          </a:xfrm>
+        </p:spPr>
         <p:txBody>
           <a:bodyPr/>
           <a:lstStyle/>
           <a:p>
-            <a:endParaRPr lang="en-US"/>
+            <a:r>
+              <a:rPr lang="en-US" sz="3200" dirty="0" err="1" smtClean="0"/>
+              <a:t>Varijacijski</a:t>
+            </a:r>
+            <a:r>
+              <a:rPr lang="en-US" sz="3200" dirty="0" smtClean="0"/>
+              <a:t> </a:t>
+            </a:r>
+            <a:r>
+              <a:rPr lang="en-US" sz="3200" dirty="0" err="1" smtClean="0"/>
+              <a:t>autoenkoderi</a:t>
+            </a:r>
+            <a:endParaRPr lang="en-US" sz="3200" dirty="0"/>
           </a:p>
         </p:txBody>
       </p:sp>
@@ -7414,14 +11094,238 @@
           <a:bodyPr/>
           <a:lstStyle/>
           <a:p>
-            <a:endParaRPr lang="en-US"/>
+            <a:r>
+              <a:rPr lang="hr-HR" dirty="0" smtClean="0"/>
+              <a:t>Ograničenje: latentni vektor mora ličiti </a:t>
+            </a:r>
+            <a:r>
+              <a:rPr lang="hr-HR" dirty="0" err="1" smtClean="0"/>
+              <a:t>gausovoj</a:t>
+            </a:r>
+            <a:r>
+              <a:rPr lang="hr-HR" dirty="0" smtClean="0"/>
+              <a:t> distribuciji</a:t>
+            </a:r>
+          </a:p>
+          <a:p>
+            <a:endParaRPr lang="en-US" dirty="0" smtClean="0"/>
+          </a:p>
+          <a:p>
+            <a:r>
+              <a:rPr lang="en-US" dirty="0" err="1" smtClean="0"/>
+              <a:t>Latentni</a:t>
+            </a:r>
+            <a:r>
+              <a:rPr lang="en-US" dirty="0" smtClean="0"/>
+              <a:t> </a:t>
+            </a:r>
+            <a:r>
+              <a:rPr lang="en-US" dirty="0" err="1" smtClean="0"/>
+              <a:t>vektor</a:t>
+            </a:r>
+            <a:r>
+              <a:rPr lang="en-US" dirty="0" smtClean="0"/>
+              <a:t> </a:t>
+            </a:r>
+            <a:r>
+              <a:rPr lang="en-US" dirty="0" err="1" smtClean="0"/>
+              <a:t>mijenjamo</a:t>
+            </a:r>
+            <a:r>
+              <a:rPr lang="en-US" dirty="0" smtClean="0"/>
+              <a:t> </a:t>
+            </a:r>
+            <a:r>
+              <a:rPr lang="en-US" dirty="0" err="1" smtClean="0"/>
+              <a:t>sa</a:t>
+            </a:r>
+            <a:r>
+              <a:rPr lang="en-US" dirty="0" smtClean="0"/>
+              <a:t>:</a:t>
+            </a:r>
+          </a:p>
+          <a:p>
+            <a:pPr lvl="1"/>
+            <a:r>
+              <a:rPr lang="en-US" dirty="0" err="1" smtClean="0"/>
+              <a:t>Paramterima</a:t>
+            </a:r>
+            <a:r>
+              <a:rPr lang="en-US" dirty="0" smtClean="0"/>
+              <a:t> </a:t>
+            </a:r>
+            <a:r>
+              <a:rPr lang="en-US" dirty="0" err="1" smtClean="0"/>
+              <a:t>normalne</a:t>
+            </a:r>
+            <a:r>
+              <a:rPr lang="en-US" dirty="0" smtClean="0"/>
+              <a:t> </a:t>
+            </a:r>
+            <a:r>
+              <a:rPr lang="en-US" dirty="0" err="1" smtClean="0"/>
+              <a:t>distribucije</a:t>
+            </a:r>
+            <a:endParaRPr lang="en-US" dirty="0" smtClean="0"/>
+          </a:p>
+          <a:p>
+            <a:pPr lvl="1"/>
+            <a:r>
+              <a:rPr lang="en-US" dirty="0" err="1" smtClean="0"/>
+              <a:t>Parametrima</a:t>
+            </a:r>
+            <a:r>
+              <a:rPr lang="en-US" dirty="0" smtClean="0"/>
+              <a:t> </a:t>
+            </a:r>
+            <a:r>
+              <a:rPr lang="en-US" dirty="0" err="1" smtClean="0"/>
+              <a:t>standardne</a:t>
+            </a:r>
+            <a:r>
+              <a:rPr lang="en-US" dirty="0" smtClean="0"/>
+              <a:t> </a:t>
+            </a:r>
+            <a:r>
+              <a:rPr lang="en-US" dirty="0" err="1" smtClean="0"/>
+              <a:t>devijacije</a:t>
+            </a:r>
+            <a:endParaRPr lang="en-US" dirty="0" smtClean="0"/>
+          </a:p>
+          <a:p>
+            <a:pPr marL="0" indent="0">
+              <a:buNone/>
+            </a:pPr>
+            <a:endParaRPr lang="en-US" dirty="0" smtClean="0"/>
+          </a:p>
+        </p:txBody>
+      </p:sp>
+      <p:sp>
+        <p:nvSpPr>
+          <p:cNvPr id="4" name="Title 1"/>
+          <p:cNvSpPr txBox="1">
+            <a:spLocks/>
+          </p:cNvSpPr>
+          <p:nvPr/>
+        </p:nvSpPr>
+        <p:spPr>
+          <a:xfrm>
+            <a:off x="667883" y="408672"/>
+            <a:ext cx="5042452" cy="412422"/>
+          </a:xfrm>
+          <a:prstGeom prst="rect">
+            <a:avLst/>
+          </a:prstGeom>
+        </p:spPr>
+        <p:txBody>
+          <a:bodyPr vert="horz" lIns="91440" tIns="45720" rIns="91440" bIns="45720" rtlCol="0" anchor="t">
+            <a:noAutofit/>
+          </a:bodyPr>
+          <a:lstStyle>
+            <a:lvl1pPr algn="l" defTabSz="457200" rtl="0" eaLnBrk="1" latinLnBrk="0" hangingPunct="1">
+              <a:spcBef>
+                <a:spcPct val="0"/>
+              </a:spcBef>
+              <a:buNone/>
+              <a:defRPr sz="4200" b="0" i="0" kern="1200">
+                <a:solidFill>
+                  <a:schemeClr val="tx2"/>
+                </a:solidFill>
+                <a:latin typeface="+mj-lt"/>
+                <a:ea typeface="+mj-ea"/>
+                <a:cs typeface="+mj-cs"/>
+              </a:defRPr>
+            </a:lvl1pPr>
+            <a:lvl2pPr eaLnBrk="1" hangingPunct="1">
+              <a:defRPr>
+                <a:solidFill>
+                  <a:schemeClr val="tx2"/>
+                </a:solidFill>
+              </a:defRPr>
+            </a:lvl2pPr>
+            <a:lvl3pPr eaLnBrk="1" hangingPunct="1">
+              <a:defRPr>
+                <a:solidFill>
+                  <a:schemeClr val="tx2"/>
+                </a:solidFill>
+              </a:defRPr>
+            </a:lvl3pPr>
+            <a:lvl4pPr eaLnBrk="1" hangingPunct="1">
+              <a:defRPr>
+                <a:solidFill>
+                  <a:schemeClr val="tx2"/>
+                </a:solidFill>
+              </a:defRPr>
+            </a:lvl4pPr>
+            <a:lvl5pPr eaLnBrk="1" hangingPunct="1">
+              <a:defRPr>
+                <a:solidFill>
+                  <a:schemeClr val="tx2"/>
+                </a:solidFill>
+              </a:defRPr>
+            </a:lvl5pPr>
+            <a:lvl6pPr eaLnBrk="1" hangingPunct="1">
+              <a:defRPr>
+                <a:solidFill>
+                  <a:schemeClr val="tx2"/>
+                </a:solidFill>
+              </a:defRPr>
+            </a:lvl6pPr>
+            <a:lvl7pPr eaLnBrk="1" hangingPunct="1">
+              <a:defRPr>
+                <a:solidFill>
+                  <a:schemeClr val="tx2"/>
+                </a:solidFill>
+              </a:defRPr>
+            </a:lvl7pPr>
+            <a:lvl8pPr eaLnBrk="1" hangingPunct="1">
+              <a:defRPr>
+                <a:solidFill>
+                  <a:schemeClr val="tx2"/>
+                </a:solidFill>
+              </a:defRPr>
+            </a:lvl8pPr>
+            <a:lvl9pPr eaLnBrk="1" hangingPunct="1">
+              <a:defRPr>
+                <a:solidFill>
+                  <a:schemeClr val="tx2"/>
+                </a:solidFill>
+              </a:defRPr>
+            </a:lvl9pPr>
+          </a:lstStyle>
+          <a:p>
+            <a:r>
+              <a:rPr lang="en-US" sz="1800" i="1" dirty="0" err="1" smtClean="0">
+                <a:ea typeface="Apple Braille" charset="0"/>
+                <a:cs typeface="Apple Braille" charset="0"/>
+              </a:rPr>
+              <a:t>Generativno</a:t>
+            </a:r>
+            <a:r>
+              <a:rPr lang="en-US" sz="1800" i="1" dirty="0" smtClean="0">
+                <a:ea typeface="Apple Braille" charset="0"/>
+                <a:cs typeface="Apple Braille" charset="0"/>
+              </a:rPr>
+              <a:t> </a:t>
+            </a:r>
+            <a:r>
+              <a:rPr lang="en-US" sz="1800" i="1" dirty="0" err="1" smtClean="0">
+                <a:ea typeface="Apple Braille" charset="0"/>
+                <a:cs typeface="Apple Braille" charset="0"/>
+              </a:rPr>
+              <a:t>modeliranje</a:t>
+            </a:r>
+            <a:endParaRPr lang="en-US" sz="1800" i="1" dirty="0">
+              <a:ea typeface="Apple Braille" charset="0"/>
+              <a:cs typeface="Apple Braille" charset="0"/>
+            </a:endParaRPr>
           </a:p>
         </p:txBody>
       </p:sp>
     </p:spTree>
     <p:extLst>
       <p:ext uri="{BB962C8B-B14F-4D97-AF65-F5344CB8AC3E}">
-        <p14:creationId xmlns:p14="http://schemas.microsoft.com/office/powerpoint/2010/main" val="472435133"/>
+        <p14:creationId xmlns:p14="http://schemas.microsoft.com/office/powerpoint/2010/main" val="477051771"/>
       </p:ext>
     </p:extLst>
   </p:cSld>
@@ -7458,50 +11362,187 @@
             <p:ph type="title"/>
           </p:nvPr>
         </p:nvSpPr>
-        <p:spPr/>
+        <p:spPr>
+          <a:xfrm>
+            <a:off x="667883" y="821094"/>
+            <a:ext cx="7415538" cy="778740"/>
+          </a:xfrm>
+        </p:spPr>
         <p:txBody>
           <a:bodyPr/>
           <a:lstStyle/>
           <a:p>
             <a:r>
-              <a:rPr lang="en-US" dirty="0" err="1" smtClean="0"/>
-              <a:t>Prijenos</a:t>
-            </a:r>
-            <a:r>
-              <a:rPr lang="en-US" dirty="0" smtClean="0"/>
-              <a:t> </a:t>
-            </a:r>
-            <a:r>
-              <a:rPr lang="en-US" dirty="0" err="1" smtClean="0"/>
-              <a:t>stila</a:t>
-            </a:r>
-            <a:endParaRPr lang="en-US" dirty="0"/>
-          </a:p>
-        </p:txBody>
-      </p:sp>
-      <p:sp>
-        <p:nvSpPr>
-          <p:cNvPr id="3" name="Content Placeholder 2"/>
-          <p:cNvSpPr>
-            <a:spLocks noGrp="1"/>
-          </p:cNvSpPr>
+              <a:rPr lang="en-US" sz="3200" dirty="0" err="1" smtClean="0"/>
+              <a:t>Varijacijski</a:t>
+            </a:r>
+            <a:r>
+              <a:rPr lang="en-US" sz="3200" dirty="0" smtClean="0"/>
+              <a:t> </a:t>
+            </a:r>
+            <a:r>
+              <a:rPr lang="en-US" sz="3200" dirty="0" err="1" smtClean="0"/>
+              <a:t>autoenkoderi</a:t>
+            </a:r>
+            <a:endParaRPr lang="en-US" sz="3200" dirty="0"/>
+          </a:p>
+        </p:txBody>
+      </p:sp>
+      <p:pic>
+        <p:nvPicPr>
+          <p:cNvPr id="5" name="Content Placeholder 4"/>
+          <p:cNvPicPr>
+            <a:picLocks noGrp="1" noChangeAspect="1"/>
+          </p:cNvPicPr>
           <p:nvPr>
             <p:ph idx="1"/>
           </p:nvPr>
-        </p:nvSpPr>
-        <p:spPr/>
-        <p:txBody>
-          <a:bodyPr/>
-          <a:lstStyle/>
-          <a:p>
-            <a:endParaRPr lang="en-US"/>
+        </p:nvPicPr>
+        <p:blipFill>
+          <a:blip r:embed="rId2">
+            <a:extLst>
+              <a:ext uri="{28A0092B-C50C-407E-A947-70E740481C1C}">
+                <a14:useLocalDpi xmlns:a14="http://schemas.microsoft.com/office/drawing/2010/main" val="0"/>
+              </a:ext>
+            </a:extLst>
+          </a:blip>
+          <a:stretch>
+            <a:fillRect/>
+          </a:stretch>
+        </p:blipFill>
+        <p:spPr>
+          <a:xfrm>
+            <a:off x="447154" y="1862966"/>
+            <a:ext cx="11272214" cy="5260365"/>
+          </a:xfrm>
+        </p:spPr>
+      </p:pic>
+      <p:sp>
+        <p:nvSpPr>
+          <p:cNvPr id="4" name="Title 1"/>
+          <p:cNvSpPr txBox="1">
+            <a:spLocks/>
+          </p:cNvSpPr>
+          <p:nvPr/>
+        </p:nvSpPr>
+        <p:spPr>
+          <a:xfrm>
+            <a:off x="667883" y="408672"/>
+            <a:ext cx="5042452" cy="412422"/>
+          </a:xfrm>
+          <a:prstGeom prst="rect">
+            <a:avLst/>
+          </a:prstGeom>
+        </p:spPr>
+        <p:txBody>
+          <a:bodyPr vert="horz" lIns="91440" tIns="45720" rIns="91440" bIns="45720" rtlCol="0" anchor="t">
+            <a:noAutofit/>
+          </a:bodyPr>
+          <a:lstStyle>
+            <a:lvl1pPr algn="l" defTabSz="457200" rtl="0" eaLnBrk="1" latinLnBrk="0" hangingPunct="1">
+              <a:spcBef>
+                <a:spcPct val="0"/>
+              </a:spcBef>
+              <a:buNone/>
+              <a:defRPr sz="4200" b="0" i="0" kern="1200">
+                <a:solidFill>
+                  <a:schemeClr val="tx2"/>
+                </a:solidFill>
+                <a:latin typeface="+mj-lt"/>
+                <a:ea typeface="+mj-ea"/>
+                <a:cs typeface="+mj-cs"/>
+              </a:defRPr>
+            </a:lvl1pPr>
+            <a:lvl2pPr eaLnBrk="1" hangingPunct="1">
+              <a:defRPr>
+                <a:solidFill>
+                  <a:schemeClr val="tx2"/>
+                </a:solidFill>
+              </a:defRPr>
+            </a:lvl2pPr>
+            <a:lvl3pPr eaLnBrk="1" hangingPunct="1">
+              <a:defRPr>
+                <a:solidFill>
+                  <a:schemeClr val="tx2"/>
+                </a:solidFill>
+              </a:defRPr>
+            </a:lvl3pPr>
+            <a:lvl4pPr eaLnBrk="1" hangingPunct="1">
+              <a:defRPr>
+                <a:solidFill>
+                  <a:schemeClr val="tx2"/>
+                </a:solidFill>
+              </a:defRPr>
+            </a:lvl4pPr>
+            <a:lvl5pPr eaLnBrk="1" hangingPunct="1">
+              <a:defRPr>
+                <a:solidFill>
+                  <a:schemeClr val="tx2"/>
+                </a:solidFill>
+              </a:defRPr>
+            </a:lvl5pPr>
+            <a:lvl6pPr eaLnBrk="1" hangingPunct="1">
+              <a:defRPr>
+                <a:solidFill>
+                  <a:schemeClr val="tx2"/>
+                </a:solidFill>
+              </a:defRPr>
+            </a:lvl6pPr>
+            <a:lvl7pPr eaLnBrk="1" hangingPunct="1">
+              <a:defRPr>
+                <a:solidFill>
+                  <a:schemeClr val="tx2"/>
+                </a:solidFill>
+              </a:defRPr>
+            </a:lvl7pPr>
+            <a:lvl8pPr eaLnBrk="1" hangingPunct="1">
+              <a:defRPr>
+                <a:solidFill>
+                  <a:schemeClr val="tx2"/>
+                </a:solidFill>
+              </a:defRPr>
+            </a:lvl8pPr>
+            <a:lvl9pPr eaLnBrk="1" hangingPunct="1">
+              <a:defRPr>
+                <a:solidFill>
+                  <a:schemeClr val="tx2"/>
+                </a:solidFill>
+              </a:defRPr>
+            </a:lvl9pPr>
+          </a:lstStyle>
+          <a:p>
+            <a:r>
+              <a:rPr lang="en-US" sz="1800" i="1" dirty="0" err="1" smtClean="0">
+                <a:ea typeface="Apple Braille" charset="0"/>
+                <a:cs typeface="Apple Braille" charset="0"/>
+              </a:rPr>
+              <a:t>Generativno</a:t>
+            </a:r>
+            <a:r>
+              <a:rPr lang="en-US" sz="1800" i="1" dirty="0" smtClean="0">
+                <a:ea typeface="Apple Braille" charset="0"/>
+                <a:cs typeface="Apple Braille" charset="0"/>
+              </a:rPr>
+              <a:t> </a:t>
+            </a:r>
+            <a:r>
+              <a:rPr lang="en-US" sz="1800" i="1" dirty="0" err="1" smtClean="0">
+                <a:ea typeface="Apple Braille" charset="0"/>
+                <a:cs typeface="Apple Braille" charset="0"/>
+              </a:rPr>
+              <a:t>modeliranje</a:t>
+            </a:r>
+            <a:endParaRPr lang="en-US" sz="1800" i="1" dirty="0">
+              <a:ea typeface="Apple Braille" charset="0"/>
+              <a:cs typeface="Apple Braille" charset="0"/>
+            </a:endParaRPr>
           </a:p>
         </p:txBody>
       </p:sp>
     </p:spTree>
     <p:extLst>
       <p:ext uri="{BB962C8B-B14F-4D97-AF65-F5344CB8AC3E}">
-        <p14:creationId xmlns:p14="http://schemas.microsoft.com/office/powerpoint/2010/main" val="929118633"/>
+        <p14:creationId xmlns:p14="http://schemas.microsoft.com/office/powerpoint/2010/main" val="1498963727"/>
       </p:ext>
     </p:extLst>
   </p:cSld>

--- a/kvukic-seminar-presentation-2018.pptx
+++ b/kvukic-seminar-presentation-2018.pptx
@@ -11,25 +11,23 @@
     <p:sldId id="265" r:id="rId5"/>
     <p:sldId id="266" r:id="rId6"/>
     <p:sldId id="267" r:id="rId7"/>
-    <p:sldId id="268" r:id="rId8"/>
-    <p:sldId id="269" r:id="rId9"/>
-    <p:sldId id="270" r:id="rId10"/>
-    <p:sldId id="271" r:id="rId11"/>
-    <p:sldId id="258" r:id="rId12"/>
-    <p:sldId id="272" r:id="rId13"/>
-    <p:sldId id="259" r:id="rId14"/>
-    <p:sldId id="273" r:id="rId15"/>
-    <p:sldId id="264" r:id="rId16"/>
-    <p:sldId id="274" r:id="rId17"/>
-    <p:sldId id="275" r:id="rId18"/>
-    <p:sldId id="276" r:id="rId19"/>
-    <p:sldId id="277" r:id="rId20"/>
-    <p:sldId id="278" r:id="rId21"/>
-    <p:sldId id="279" r:id="rId22"/>
-    <p:sldId id="280" r:id="rId23"/>
-    <p:sldId id="261" r:id="rId24"/>
-    <p:sldId id="281" r:id="rId25"/>
-    <p:sldId id="282" r:id="rId26"/>
+    <p:sldId id="269" r:id="rId8"/>
+    <p:sldId id="271" r:id="rId9"/>
+    <p:sldId id="258" r:id="rId10"/>
+    <p:sldId id="272" r:id="rId11"/>
+    <p:sldId id="259" r:id="rId12"/>
+    <p:sldId id="273" r:id="rId13"/>
+    <p:sldId id="264" r:id="rId14"/>
+    <p:sldId id="274" r:id="rId15"/>
+    <p:sldId id="275" r:id="rId16"/>
+    <p:sldId id="276" r:id="rId17"/>
+    <p:sldId id="277" r:id="rId18"/>
+    <p:sldId id="278" r:id="rId19"/>
+    <p:sldId id="279" r:id="rId20"/>
+    <p:sldId id="280" r:id="rId21"/>
+    <p:sldId id="261" r:id="rId22"/>
+    <p:sldId id="281" r:id="rId23"/>
+    <p:sldId id="282" r:id="rId24"/>
   </p:sldIdLst>
   <p:sldSz cx="12192000" cy="6858000"/>
   <p:notesSz cx="6858000" cy="9144000"/>
@@ -319,7 +317,7 @@
           <a:p>
             <a:fld id="{4E6B89DE-2E6D-7646-A583-92A7E558AB0E}" type="datetimeFigureOut">
               <a:rPr lang="en-US" smtClean="0"/>
-              <a:t>6/4/18</a:t>
+              <a:t>6/5/18</a:t>
             </a:fld>
             <a:endParaRPr lang="en-US"/>
           </a:p>
@@ -594,7 +592,7 @@
           <a:p>
             <a:fld id="{4E6B89DE-2E6D-7646-A583-92A7E558AB0E}" type="datetimeFigureOut">
               <a:rPr lang="en-US" smtClean="0"/>
-              <a:t>6/4/18</a:t>
+              <a:t>6/5/18</a:t>
             </a:fld>
             <a:endParaRPr lang="en-US"/>
           </a:p>
@@ -788,7 +786,7 @@
           <a:p>
             <a:fld id="{4E6B89DE-2E6D-7646-A583-92A7E558AB0E}" type="datetimeFigureOut">
               <a:rPr lang="en-US" smtClean="0"/>
-              <a:t>6/4/18</a:t>
+              <a:t>6/5/18</a:t>
             </a:fld>
             <a:endParaRPr lang="en-US"/>
           </a:p>
@@ -1056,7 +1054,7 @@
           <a:p>
             <a:fld id="{4E6B89DE-2E6D-7646-A583-92A7E558AB0E}" type="datetimeFigureOut">
               <a:rPr lang="en-US" smtClean="0"/>
-              <a:t>6/4/18</a:t>
+              <a:t>6/5/18</a:t>
             </a:fld>
             <a:endParaRPr lang="en-US"/>
           </a:p>
@@ -1388,7 +1386,7 @@
           <a:p>
             <a:fld id="{4E6B89DE-2E6D-7646-A583-92A7E558AB0E}" type="datetimeFigureOut">
               <a:rPr lang="en-US" smtClean="0"/>
-              <a:t>6/4/18</a:t>
+              <a:t>6/5/18</a:t>
             </a:fld>
             <a:endParaRPr lang="en-US"/>
           </a:p>
@@ -1998,7 +1996,7 @@
           <a:p>
             <a:fld id="{4E6B89DE-2E6D-7646-A583-92A7E558AB0E}" type="datetimeFigureOut">
               <a:rPr lang="en-US" smtClean="0"/>
-              <a:t>6/4/18</a:t>
+              <a:t>6/5/18</a:t>
             </a:fld>
             <a:endParaRPr lang="en-US"/>
           </a:p>
@@ -2845,7 +2843,7 @@
           <a:p>
             <a:fld id="{4E6B89DE-2E6D-7646-A583-92A7E558AB0E}" type="datetimeFigureOut">
               <a:rPr lang="en-US" smtClean="0"/>
-              <a:t>6/4/18</a:t>
+              <a:t>6/5/18</a:t>
             </a:fld>
             <a:endParaRPr lang="en-US"/>
           </a:p>
@@ -3015,7 +3013,7 @@
           <a:p>
             <a:fld id="{4E6B89DE-2E6D-7646-A583-92A7E558AB0E}" type="datetimeFigureOut">
               <a:rPr lang="en-US" smtClean="0"/>
-              <a:t>6/4/18</a:t>
+              <a:t>6/5/18</a:t>
             </a:fld>
             <a:endParaRPr lang="en-US"/>
           </a:p>
@@ -3195,7 +3193,7 @@
           <a:p>
             <a:fld id="{4E6B89DE-2E6D-7646-A583-92A7E558AB0E}" type="datetimeFigureOut">
               <a:rPr lang="en-US" smtClean="0"/>
-              <a:t>6/4/18</a:t>
+              <a:t>6/5/18</a:t>
             </a:fld>
             <a:endParaRPr lang="en-US"/>
           </a:p>
@@ -3365,7 +3363,7 @@
           <a:p>
             <a:fld id="{4E6B89DE-2E6D-7646-A583-92A7E558AB0E}" type="datetimeFigureOut">
               <a:rPr lang="en-US" smtClean="0"/>
-              <a:t>6/4/18</a:t>
+              <a:t>6/5/18</a:t>
             </a:fld>
             <a:endParaRPr lang="en-US"/>
           </a:p>
@@ -3609,7 +3607,7 @@
           <a:p>
             <a:fld id="{4E6B89DE-2E6D-7646-A583-92A7E558AB0E}" type="datetimeFigureOut">
               <a:rPr lang="en-US" smtClean="0"/>
-              <a:t>6/4/18</a:t>
+              <a:t>6/5/18</a:t>
             </a:fld>
             <a:endParaRPr lang="en-US"/>
           </a:p>
@@ -3901,7 +3899,7 @@
           <a:p>
             <a:fld id="{4E6B89DE-2E6D-7646-A583-92A7E558AB0E}" type="datetimeFigureOut">
               <a:rPr lang="en-US" smtClean="0"/>
-              <a:t>6/4/18</a:t>
+              <a:t>6/5/18</a:t>
             </a:fld>
             <a:endParaRPr lang="en-US"/>
           </a:p>
@@ -4339,7 +4337,7 @@
           <a:p>
             <a:fld id="{4E6B89DE-2E6D-7646-A583-92A7E558AB0E}" type="datetimeFigureOut">
               <a:rPr lang="en-US" smtClean="0"/>
-              <a:t>6/4/18</a:t>
+              <a:t>6/5/18</a:t>
             </a:fld>
             <a:endParaRPr lang="en-US"/>
           </a:p>
@@ -4457,7 +4455,7 @@
           <a:p>
             <a:fld id="{4E6B89DE-2E6D-7646-A583-92A7E558AB0E}" type="datetimeFigureOut">
               <a:rPr lang="en-US" smtClean="0"/>
-              <a:t>6/4/18</a:t>
+              <a:t>6/5/18</a:t>
             </a:fld>
             <a:endParaRPr lang="en-US"/>
           </a:p>
@@ -4552,7 +4550,7 @@
           <a:p>
             <a:fld id="{4E6B89DE-2E6D-7646-A583-92A7E558AB0E}" type="datetimeFigureOut">
               <a:rPr lang="en-US" smtClean="0"/>
-              <a:t>6/4/18</a:t>
+              <a:t>6/5/18</a:t>
             </a:fld>
             <a:endParaRPr lang="en-US"/>
           </a:p>
@@ -4831,7 +4829,7 @@
           <a:p>
             <a:fld id="{4E6B89DE-2E6D-7646-A583-92A7E558AB0E}" type="datetimeFigureOut">
               <a:rPr lang="en-US" smtClean="0"/>
-              <a:t>6/4/18</a:t>
+              <a:t>6/5/18</a:t>
             </a:fld>
             <a:endParaRPr lang="en-US"/>
           </a:p>
@@ -5106,7 +5104,7 @@
           <a:p>
             <a:fld id="{4E6B89DE-2E6D-7646-A583-92A7E558AB0E}" type="datetimeFigureOut">
               <a:rPr lang="en-US" smtClean="0"/>
-              <a:t>6/4/18</a:t>
+              <a:t>6/5/18</a:t>
             </a:fld>
             <a:endParaRPr lang="en-US"/>
           </a:p>
@@ -5535,7 +5533,7 @@
           <a:p>
             <a:fld id="{4E6B89DE-2E6D-7646-A583-92A7E558AB0E}" type="datetimeFigureOut">
               <a:rPr lang="en-US" smtClean="0"/>
-              <a:t>6/4/18</a:t>
+              <a:t>6/5/18</a:t>
             </a:fld>
             <a:endParaRPr lang="en-US"/>
           </a:p>
@@ -6211,6 +6209,13 @@
   <p:clrMapOvr>
     <a:masterClrMapping/>
   </p:clrMapOvr>
+  <p:timing>
+    <p:tnLst>
+      <p:par>
+        <p:cTn id="1" dur="indefinite" restart="never" nodeType="tmRoot"/>
+      </p:par>
+    </p:tnLst>
+  </p:timing>
 </p:sld>
 </file>
 
@@ -6241,10 +6246,49 @@
             <p:ph type="title"/>
           </p:nvPr>
         </p:nvSpPr>
+        <p:spPr/>
+        <p:txBody>
+          <a:bodyPr/>
+          <a:lstStyle/>
+          <a:p>
+            <a:r>
+              <a:rPr lang="en-US" dirty="0" err="1" smtClean="0"/>
+              <a:t>Uvjetne</a:t>
+            </a:r>
+            <a:r>
+              <a:rPr lang="en-US" dirty="0" smtClean="0"/>
+              <a:t> </a:t>
+            </a:r>
+            <a:r>
+              <a:rPr lang="en-US" dirty="0" err="1" smtClean="0"/>
+              <a:t>generativne</a:t>
+            </a:r>
+            <a:r>
+              <a:rPr lang="en-US" dirty="0" smtClean="0"/>
+              <a:t> </a:t>
+            </a:r>
+            <a:r>
+              <a:rPr lang="en-US" dirty="0" err="1" smtClean="0"/>
+              <a:t>mreže</a:t>
+            </a:r>
+            <a:endParaRPr lang="en-US" dirty="0"/>
+          </a:p>
+        </p:txBody>
+      </p:sp>
+      <p:sp>
+        <p:nvSpPr>
+          <p:cNvPr id="3" name="Content Placeholder 2"/>
+          <p:cNvSpPr>
+            <a:spLocks noGrp="1"/>
+          </p:cNvSpPr>
+          <p:nvPr>
+            <p:ph idx="1"/>
+          </p:nvPr>
+        </p:nvSpPr>
         <p:spPr>
           <a:xfrm>
-            <a:off x="667883" y="821094"/>
-            <a:ext cx="7415538" cy="778740"/>
+            <a:off x="1103312" y="2052918"/>
+            <a:ext cx="8946541" cy="3694739"/>
           </a:xfrm>
         </p:spPr>
         <p:txBody>
@@ -6252,249 +6296,52 @@
           <a:lstStyle/>
           <a:p>
             <a:r>
-              <a:rPr lang="en-US" sz="3200" dirty="0" err="1" smtClean="0"/>
-              <a:t>Varijacijski</a:t>
-            </a:r>
-            <a:r>
-              <a:rPr lang="en-US" sz="3200" dirty="0" smtClean="0"/>
-              <a:t> </a:t>
-            </a:r>
-            <a:r>
-              <a:rPr lang="en-US" sz="3200" dirty="0" err="1" smtClean="0"/>
-              <a:t>autoenkoderi</a:t>
-            </a:r>
-            <a:endParaRPr lang="en-US" sz="3200" dirty="0"/>
-          </a:p>
-        </p:txBody>
-      </p:sp>
-      <p:sp>
-        <p:nvSpPr>
-          <p:cNvPr id="3" name="Content Placeholder 2"/>
-          <p:cNvSpPr>
-            <a:spLocks noGrp="1"/>
-          </p:cNvSpPr>
-          <p:nvPr>
-            <p:ph idx="1"/>
-          </p:nvPr>
-        </p:nvSpPr>
-        <p:spPr/>
-        <p:txBody>
-          <a:bodyPr/>
-          <a:lstStyle/>
-          <a:p>
-            <a:r>
               <a:rPr lang="hr-HR" dirty="0" smtClean="0"/>
-              <a:t>Prednosti:</a:t>
+              <a:t>Funkcija gubitka</a:t>
             </a:r>
           </a:p>
           <a:p>
             <a:pPr lvl="1"/>
             <a:r>
-              <a:rPr lang="en-US" dirty="0" err="1"/>
-              <a:t>Velika</a:t>
-            </a:r>
-            <a:r>
-              <a:rPr lang="en-US" dirty="0"/>
-              <a:t> </a:t>
-            </a:r>
-            <a:r>
-              <a:rPr lang="en-US" dirty="0" err="1"/>
-              <a:t>kontrola</a:t>
-            </a:r>
-            <a:r>
-              <a:rPr lang="en-US" dirty="0"/>
-              <a:t> </a:t>
-            </a:r>
-            <a:r>
-              <a:rPr lang="en-US" dirty="0" err="1"/>
-              <a:t>nad</a:t>
-            </a:r>
-            <a:r>
-              <a:rPr lang="en-US" dirty="0"/>
-              <a:t> </a:t>
-            </a:r>
-            <a:r>
-              <a:rPr lang="en-US" dirty="0" err="1"/>
-              <a:t>generiranim</a:t>
-            </a:r>
-            <a:r>
-              <a:rPr lang="en-US" dirty="0"/>
-              <a:t> </a:t>
-            </a:r>
-            <a:r>
-              <a:rPr lang="en-US" dirty="0" err="1"/>
-              <a:t>podatcima</a:t>
+              <a:rPr lang="hr-HR" dirty="0" smtClean="0"/>
+              <a:t>Obični GAN - jesu li generirani podatci različiti od stvarnih</a:t>
+            </a:r>
+          </a:p>
+          <a:p>
+            <a:pPr lvl="1"/>
+            <a:r>
+              <a:rPr lang="hr-HR" dirty="0" smtClean="0"/>
+              <a:t>Uvjetovani GAN </a:t>
+            </a:r>
+            <a:r>
+              <a:rPr lang="mr-IN" dirty="0" smtClean="0"/>
+              <a:t>–</a:t>
+            </a:r>
+            <a:r>
+              <a:rPr lang="hr-HR" dirty="0" smtClean="0"/>
+              <a:t> dodatno pokušavaju svrstati podatke u klase</a:t>
             </a:r>
             <a:endParaRPr lang="en-US" dirty="0"/>
-          </a:p>
-          <a:p>
-            <a:pPr lvl="1"/>
-            <a:endParaRPr lang="hr-HR" dirty="0" smtClean="0"/>
-          </a:p>
-          <a:p>
-            <a:r>
-              <a:rPr lang="hr-HR" dirty="0" smtClean="0"/>
-              <a:t>Nedostatci:</a:t>
-            </a:r>
-          </a:p>
-          <a:p>
-            <a:pPr lvl="1"/>
-            <a:r>
-              <a:rPr lang="hr-HR" dirty="0" smtClean="0"/>
-              <a:t>Uzorkovani podatci puni anomalija</a:t>
-            </a:r>
-          </a:p>
-          <a:p>
-            <a:pPr lvl="1"/>
-            <a:endParaRPr lang="hr-HR" dirty="0"/>
-          </a:p>
-          <a:p>
-            <a:r>
-              <a:rPr lang="hr-HR" dirty="0" smtClean="0"/>
-              <a:t>Primjena:</a:t>
-            </a:r>
-          </a:p>
-          <a:p>
-            <a:pPr lvl="1"/>
-            <a:r>
-              <a:rPr lang="hr-HR" dirty="0" smtClean="0"/>
-              <a:t>Kompresija podataka, video igre</a:t>
-            </a:r>
-          </a:p>
-        </p:txBody>
-      </p:sp>
-      <p:sp>
-        <p:nvSpPr>
-          <p:cNvPr id="4" name="Title 1"/>
-          <p:cNvSpPr txBox="1">
-            <a:spLocks/>
-          </p:cNvSpPr>
-          <p:nvPr/>
-        </p:nvSpPr>
-        <p:spPr>
-          <a:xfrm>
-            <a:off x="667883" y="408672"/>
-            <a:ext cx="5042452" cy="412422"/>
-          </a:xfrm>
-          <a:prstGeom prst="rect">
-            <a:avLst/>
-          </a:prstGeom>
-        </p:spPr>
-        <p:txBody>
-          <a:bodyPr vert="horz" lIns="91440" tIns="45720" rIns="91440" bIns="45720" rtlCol="0" anchor="t">
-            <a:noAutofit/>
-          </a:bodyPr>
-          <a:lstStyle>
-            <a:lvl1pPr algn="l" defTabSz="457200" rtl="0" eaLnBrk="1" latinLnBrk="0" hangingPunct="1">
-              <a:spcBef>
-                <a:spcPct val="0"/>
-              </a:spcBef>
-              <a:buNone/>
-              <a:defRPr sz="4200" b="0" i="0" kern="1200">
-                <a:solidFill>
-                  <a:schemeClr val="tx2"/>
-                </a:solidFill>
-                <a:latin typeface="+mj-lt"/>
-                <a:ea typeface="+mj-ea"/>
-                <a:cs typeface="+mj-cs"/>
-              </a:defRPr>
-            </a:lvl1pPr>
-            <a:lvl2pPr eaLnBrk="1" hangingPunct="1">
-              <a:defRPr>
-                <a:solidFill>
-                  <a:schemeClr val="tx2"/>
-                </a:solidFill>
-              </a:defRPr>
-            </a:lvl2pPr>
-            <a:lvl3pPr eaLnBrk="1" hangingPunct="1">
-              <a:defRPr>
-                <a:solidFill>
-                  <a:schemeClr val="tx2"/>
-                </a:solidFill>
-              </a:defRPr>
-            </a:lvl3pPr>
-            <a:lvl4pPr eaLnBrk="1" hangingPunct="1">
-              <a:defRPr>
-                <a:solidFill>
-                  <a:schemeClr val="tx2"/>
-                </a:solidFill>
-              </a:defRPr>
-            </a:lvl4pPr>
-            <a:lvl5pPr eaLnBrk="1" hangingPunct="1">
-              <a:defRPr>
-                <a:solidFill>
-                  <a:schemeClr val="tx2"/>
-                </a:solidFill>
-              </a:defRPr>
-            </a:lvl5pPr>
-            <a:lvl6pPr eaLnBrk="1" hangingPunct="1">
-              <a:defRPr>
-                <a:solidFill>
-                  <a:schemeClr val="tx2"/>
-                </a:solidFill>
-              </a:defRPr>
-            </a:lvl6pPr>
-            <a:lvl7pPr eaLnBrk="1" hangingPunct="1">
-              <a:defRPr>
-                <a:solidFill>
-                  <a:schemeClr val="tx2"/>
-                </a:solidFill>
-              </a:defRPr>
-            </a:lvl7pPr>
-            <a:lvl8pPr eaLnBrk="1" hangingPunct="1">
-              <a:defRPr>
-                <a:solidFill>
-                  <a:schemeClr val="tx2"/>
-                </a:solidFill>
-              </a:defRPr>
-            </a:lvl8pPr>
-            <a:lvl9pPr eaLnBrk="1" hangingPunct="1">
-              <a:defRPr>
-                <a:solidFill>
-                  <a:schemeClr val="tx2"/>
-                </a:solidFill>
-              </a:defRPr>
-            </a:lvl9pPr>
-          </a:lstStyle>
-          <a:p>
-            <a:r>
-              <a:rPr lang="en-US" sz="1800" i="1" dirty="0" err="1" smtClean="0">
-                <a:ea typeface="Apple Braille" charset="0"/>
-                <a:cs typeface="Apple Braille" charset="0"/>
-              </a:rPr>
-              <a:t>Generativno</a:t>
-            </a:r>
-            <a:r>
-              <a:rPr lang="en-US" sz="1800" i="1" dirty="0" smtClean="0">
-                <a:ea typeface="Apple Braille" charset="0"/>
-                <a:cs typeface="Apple Braille" charset="0"/>
-              </a:rPr>
-              <a:t> </a:t>
-            </a:r>
-            <a:r>
-              <a:rPr lang="en-US" sz="1800" i="1" dirty="0" err="1" smtClean="0">
-                <a:ea typeface="Apple Braille" charset="0"/>
-                <a:cs typeface="Apple Braille" charset="0"/>
-              </a:rPr>
-              <a:t>modeliranje</a:t>
-            </a:r>
-            <a:endParaRPr lang="en-US" sz="1800" i="1" dirty="0">
-              <a:ea typeface="Apple Braille" charset="0"/>
-              <a:cs typeface="Apple Braille" charset="0"/>
-            </a:endParaRPr>
           </a:p>
         </p:txBody>
       </p:sp>
     </p:spTree>
     <p:extLst>
       <p:ext uri="{BB962C8B-B14F-4D97-AF65-F5344CB8AC3E}">
-        <p14:creationId xmlns:p14="http://schemas.microsoft.com/office/powerpoint/2010/main" val="464793620"/>
+        <p14:creationId xmlns:p14="http://schemas.microsoft.com/office/powerpoint/2010/main" val="2139513934"/>
       </p:ext>
     </p:extLst>
   </p:cSld>
   <p:clrMapOvr>
     <a:masterClrMapping/>
   </p:clrMapOvr>
+  <p:timing>
+    <p:tnLst>
+      <p:par>
+        <p:cTn id="1" dur="indefinite" restart="never" nodeType="tmRoot"/>
+      </p:par>
+    </p:tnLst>
+  </p:timing>
 </p:sld>
 </file>
 
@@ -6532,23 +6379,39 @@
           <a:p>
             <a:r>
               <a:rPr lang="en-US" dirty="0" err="1" smtClean="0"/>
-              <a:t>Uvjetne</a:t>
-            </a:r>
-            <a:r>
-              <a:rPr lang="en-US" dirty="0" smtClean="0"/>
-              <a:t> </a:t>
-            </a:r>
-            <a:r>
-              <a:rPr lang="en-US" dirty="0" err="1" smtClean="0"/>
-              <a:t>generativne</a:t>
-            </a:r>
-            <a:r>
-              <a:rPr lang="en-US" dirty="0" smtClean="0"/>
-              <a:t> </a:t>
-            </a:r>
-            <a:r>
-              <a:rPr lang="en-US" dirty="0" err="1" smtClean="0"/>
-              <a:t>mreže</a:t>
+              <a:t>Translacija</a:t>
+            </a:r>
+            <a:r>
+              <a:rPr lang="en-US" dirty="0" smtClean="0"/>
+              <a:t> bez </a:t>
+            </a:r>
+            <a:r>
+              <a:rPr lang="en-US" dirty="0" err="1" smtClean="0"/>
+              <a:t>uparenih</a:t>
+            </a:r>
+            <a:r>
+              <a:rPr lang="en-US" dirty="0" smtClean="0"/>
+              <a:t> </a:t>
+            </a:r>
+            <a:r>
+              <a:rPr lang="en-US" dirty="0" err="1" smtClean="0"/>
+              <a:t>primjera</a:t>
+            </a:r>
+            <a:r>
+              <a:rPr lang="en-US" dirty="0" smtClean="0"/>
+              <a:t> </a:t>
+            </a:r>
+            <a:r>
+              <a:rPr lang="en-US" dirty="0" err="1" smtClean="0"/>
+              <a:t>za</a:t>
+            </a:r>
+            <a:r>
+              <a:rPr lang="en-US" dirty="0" smtClean="0"/>
+              <a:t> </a:t>
+            </a:r>
+            <a:r>
+              <a:rPr lang="en-US" dirty="0" err="1" smtClean="0"/>
+              <a:t>učenje</a:t>
             </a:r>
             <a:endParaRPr lang="en-US" dirty="0"/>
           </a:p>
@@ -6563,172 +6426,1569 @@
           <p:nvPr>
             <p:ph idx="1"/>
           </p:nvPr>
+        </p:nvSpPr>
+        <p:spPr/>
+        <p:txBody>
+          <a:bodyPr/>
+          <a:lstStyle/>
+          <a:p>
+            <a:r>
+              <a:rPr lang="en-US" dirty="0" err="1" smtClean="0"/>
+              <a:t>GANovi</a:t>
+            </a:r>
+            <a:r>
+              <a:rPr lang="en-US" dirty="0" smtClean="0"/>
+              <a:t> </a:t>
+            </a:r>
+            <a:r>
+              <a:rPr lang="en-US" dirty="0" err="1" smtClean="0"/>
+              <a:t>ovise</a:t>
+            </a:r>
+            <a:r>
+              <a:rPr lang="en-US" dirty="0" smtClean="0"/>
+              <a:t> o </a:t>
+            </a:r>
+            <a:r>
+              <a:rPr lang="en-US" dirty="0" err="1" smtClean="0"/>
+              <a:t>velikim</a:t>
+            </a:r>
+            <a:r>
+              <a:rPr lang="en-US" dirty="0" smtClean="0"/>
+              <a:t> </a:t>
+            </a:r>
+            <a:r>
+              <a:rPr lang="en-US" dirty="0" err="1" smtClean="0"/>
+              <a:t>količinama</a:t>
+            </a:r>
+            <a:r>
+              <a:rPr lang="en-US" dirty="0" smtClean="0"/>
+              <a:t> </a:t>
+            </a:r>
+            <a:r>
+              <a:rPr lang="en-US" dirty="0" err="1" smtClean="0"/>
+              <a:t>podataka</a:t>
+            </a:r>
+            <a:endParaRPr lang="en-US" dirty="0" smtClean="0"/>
+          </a:p>
+          <a:p>
+            <a:endParaRPr lang="en-US" dirty="0" smtClean="0"/>
+          </a:p>
+          <a:p>
+            <a:r>
+              <a:rPr lang="en-US" dirty="0" err="1" smtClean="0"/>
+              <a:t>Izrada</a:t>
+            </a:r>
+            <a:r>
+              <a:rPr lang="en-US" dirty="0" smtClean="0"/>
+              <a:t> </a:t>
+            </a:r>
+            <a:r>
+              <a:rPr lang="en-US" dirty="0" err="1" smtClean="0"/>
+              <a:t>takvih</a:t>
+            </a:r>
+            <a:r>
+              <a:rPr lang="en-US" dirty="0" smtClean="0"/>
+              <a:t> </a:t>
+            </a:r>
+            <a:r>
+              <a:rPr lang="en-US" dirty="0" err="1" smtClean="0"/>
+              <a:t>skupova</a:t>
+            </a:r>
+            <a:endParaRPr lang="en-US" dirty="0"/>
+          </a:p>
+          <a:p>
+            <a:pPr lvl="1"/>
+            <a:r>
+              <a:rPr lang="en-US" dirty="0" err="1" smtClean="0"/>
+              <a:t>Izuzetno</a:t>
+            </a:r>
+            <a:r>
+              <a:rPr lang="en-US" dirty="0" smtClean="0"/>
+              <a:t> </a:t>
+            </a:r>
+            <a:r>
+              <a:rPr lang="en-US" dirty="0" err="1" smtClean="0"/>
+              <a:t>skupa</a:t>
+            </a:r>
+            <a:endParaRPr lang="en-US" dirty="0" smtClean="0"/>
+          </a:p>
+          <a:p>
+            <a:pPr lvl="1"/>
+            <a:r>
+              <a:rPr lang="en-US" dirty="0" err="1" smtClean="0"/>
+              <a:t>Iznimno</a:t>
+            </a:r>
+            <a:r>
+              <a:rPr lang="en-US" dirty="0" smtClean="0"/>
+              <a:t> </a:t>
+            </a:r>
+            <a:r>
+              <a:rPr lang="en-US" dirty="0" err="1" smtClean="0"/>
+              <a:t>dugotrajna</a:t>
+            </a:r>
+            <a:endParaRPr lang="en-US" dirty="0" smtClean="0"/>
+          </a:p>
+          <a:p>
+            <a:pPr lvl="1"/>
+            <a:r>
+              <a:rPr lang="en-US" dirty="0" err="1" smtClean="0"/>
+              <a:t>Često</a:t>
+            </a:r>
+            <a:r>
+              <a:rPr lang="en-US" dirty="0" smtClean="0"/>
+              <a:t> </a:t>
+            </a:r>
+            <a:r>
+              <a:rPr lang="en-US" dirty="0" err="1" smtClean="0"/>
+              <a:t>neizvediva</a:t>
+            </a:r>
+            <a:endParaRPr lang="en-US" dirty="0" smtClean="0"/>
+          </a:p>
+        </p:txBody>
+      </p:sp>
+    </p:spTree>
+    <p:extLst>
+      <p:ext uri="{BB962C8B-B14F-4D97-AF65-F5344CB8AC3E}">
+        <p14:creationId xmlns:p14="http://schemas.microsoft.com/office/powerpoint/2010/main" val="274286887"/>
+      </p:ext>
+    </p:extLst>
+  </p:cSld>
+  <p:clrMapOvr>
+    <a:masterClrMapping/>
+  </p:clrMapOvr>
+  <p:timing>
+    <p:tnLst>
+      <p:par>
+        <p:cTn id="1" dur="indefinite" restart="never" nodeType="tmRoot"/>
+      </p:par>
+    </p:tnLst>
+  </p:timing>
+</p:sld>
+</file>
+
+<file path=ppt/slides/slide12.xml><?xml version="1.0" encoding="utf-8"?>
+<p:sld xmlns:a="http://schemas.openxmlformats.org/drawingml/2006/main" xmlns:r="http://schemas.openxmlformats.org/officeDocument/2006/relationships" xmlns:p="http://schemas.openxmlformats.org/presentationml/2006/main">
+  <p:cSld>
+    <p:spTree>
+      <p:nvGrpSpPr>
+        <p:cNvPr id="1" name=""/>
+        <p:cNvGrpSpPr/>
+        <p:nvPr/>
+      </p:nvGrpSpPr>
+      <p:grpSpPr>
+        <a:xfrm>
+          <a:off x="0" y="0"/>
+          <a:ext cx="0" cy="0"/>
+          <a:chOff x="0" y="0"/>
+          <a:chExt cx="0" cy="0"/>
+        </a:xfrm>
+      </p:grpSpPr>
+      <p:sp>
+        <p:nvSpPr>
+          <p:cNvPr id="2" name="Title 1"/>
+          <p:cNvSpPr>
+            <a:spLocks noGrp="1"/>
+          </p:cNvSpPr>
+          <p:nvPr>
+            <p:ph type="title"/>
+          </p:nvPr>
+        </p:nvSpPr>
+        <p:spPr/>
+        <p:txBody>
+          <a:bodyPr/>
+          <a:lstStyle/>
+          <a:p>
+            <a:r>
+              <a:rPr lang="en-US" dirty="0" err="1" smtClean="0"/>
+              <a:t>Translacija</a:t>
+            </a:r>
+            <a:r>
+              <a:rPr lang="en-US" dirty="0" smtClean="0"/>
+              <a:t> bez </a:t>
+            </a:r>
+            <a:r>
+              <a:rPr lang="en-US" dirty="0" err="1" smtClean="0"/>
+              <a:t>uparenih</a:t>
+            </a:r>
+            <a:r>
+              <a:rPr lang="en-US" dirty="0" smtClean="0"/>
+              <a:t> </a:t>
+            </a:r>
+            <a:r>
+              <a:rPr lang="en-US" dirty="0" err="1" smtClean="0"/>
+              <a:t>primjera</a:t>
+            </a:r>
+            <a:r>
+              <a:rPr lang="en-US" dirty="0" smtClean="0"/>
+              <a:t> </a:t>
+            </a:r>
+            <a:r>
+              <a:rPr lang="en-US" dirty="0" err="1" smtClean="0"/>
+              <a:t>za</a:t>
+            </a:r>
+            <a:r>
+              <a:rPr lang="en-US" dirty="0" smtClean="0"/>
+              <a:t> </a:t>
+            </a:r>
+            <a:r>
+              <a:rPr lang="en-US" dirty="0" err="1" smtClean="0"/>
+              <a:t>učenje</a:t>
+            </a:r>
+            <a:endParaRPr lang="en-US" dirty="0"/>
+          </a:p>
+        </p:txBody>
+      </p:sp>
+      <p:sp>
+        <p:nvSpPr>
+          <p:cNvPr id="3" name="Content Placeholder 2"/>
+          <p:cNvSpPr>
+            <a:spLocks noGrp="1"/>
+          </p:cNvSpPr>
+          <p:nvPr>
+            <p:ph idx="1"/>
+          </p:nvPr>
+        </p:nvSpPr>
+        <p:spPr/>
+        <p:txBody>
+          <a:bodyPr/>
+          <a:lstStyle/>
+          <a:p>
+            <a:r>
+              <a:rPr lang="en-US" dirty="0" err="1" smtClean="0"/>
+              <a:t>Pri</a:t>
+            </a:r>
+            <a:r>
+              <a:rPr lang="en-US" dirty="0" smtClean="0"/>
+              <a:t> </a:t>
+            </a:r>
+            <a:r>
+              <a:rPr lang="en-US" dirty="0" err="1" smtClean="0"/>
+              <a:t>učenju</a:t>
+            </a:r>
+            <a:r>
+              <a:rPr lang="en-US" dirty="0" smtClean="0"/>
+              <a:t> bez </a:t>
+            </a:r>
+            <a:r>
+              <a:rPr lang="en-US" dirty="0" err="1" smtClean="0"/>
+              <a:t>označenih</a:t>
+            </a:r>
+            <a:r>
+              <a:rPr lang="en-US" dirty="0" smtClean="0"/>
+              <a:t> </a:t>
+            </a:r>
+            <a:r>
+              <a:rPr lang="en-US" dirty="0" err="1" smtClean="0"/>
+              <a:t>primjera</a:t>
+            </a:r>
+            <a:r>
+              <a:rPr lang="en-US" dirty="0" smtClean="0"/>
+              <a:t> </a:t>
+            </a:r>
+            <a:r>
+              <a:rPr lang="en-US" dirty="0" err="1" smtClean="0"/>
+              <a:t>cilj</a:t>
+            </a:r>
+            <a:r>
+              <a:rPr lang="en-US" dirty="0" smtClean="0"/>
+              <a:t> u </a:t>
+            </a:r>
+            <a:r>
+              <a:rPr lang="en-US" dirty="0" err="1" smtClean="0"/>
+              <a:t>biti</a:t>
+            </a:r>
+            <a:r>
+              <a:rPr lang="en-US" dirty="0" smtClean="0"/>
+              <a:t> </a:t>
+            </a:r>
+            <a:r>
+              <a:rPr lang="en-US" dirty="0" err="1" smtClean="0"/>
+              <a:t>ostaje</a:t>
+            </a:r>
+            <a:r>
+              <a:rPr lang="en-US" dirty="0" smtClean="0"/>
+              <a:t> </a:t>
+            </a:r>
+            <a:r>
+              <a:rPr lang="en-US" dirty="0" err="1" smtClean="0"/>
+              <a:t>isti</a:t>
+            </a:r>
+            <a:endParaRPr lang="en-US" dirty="0" smtClean="0"/>
+          </a:p>
+          <a:p>
+            <a:pPr lvl="1"/>
+            <a:r>
+              <a:rPr lang="en-US" dirty="0" err="1"/>
+              <a:t>Naučiti</a:t>
+            </a:r>
+            <a:r>
+              <a:rPr lang="en-US" dirty="0"/>
+              <a:t> </a:t>
+            </a:r>
+            <a:r>
+              <a:rPr lang="en-US" dirty="0" err="1"/>
+              <a:t>preslikavanje</a:t>
+            </a:r>
+            <a:r>
+              <a:rPr lang="en-US" dirty="0"/>
+              <a:t> s </a:t>
+            </a:r>
+            <a:r>
+              <a:rPr lang="en-US" dirty="0" err="1"/>
+              <a:t>izvorišne</a:t>
+            </a:r>
+            <a:r>
+              <a:rPr lang="en-US" dirty="0"/>
+              <a:t> </a:t>
+            </a:r>
+            <a:r>
+              <a:rPr lang="en-US" dirty="0" err="1"/>
+              <a:t>domene</a:t>
+            </a:r>
+            <a:r>
+              <a:rPr lang="en-US" dirty="0"/>
+              <a:t> X </a:t>
+            </a:r>
+            <a:r>
+              <a:rPr lang="en-US" dirty="0" err="1"/>
+              <a:t>na</a:t>
+            </a:r>
+            <a:r>
+              <a:rPr lang="en-US" dirty="0"/>
+              <a:t> </a:t>
+            </a:r>
+            <a:r>
+              <a:rPr lang="en-US" dirty="0" err="1"/>
+              <a:t>ciljnu</a:t>
+            </a:r>
+            <a:r>
+              <a:rPr lang="en-US" dirty="0"/>
+              <a:t> Y: G:X-&gt;Y</a:t>
+            </a:r>
+          </a:p>
+          <a:p>
+            <a:pPr marL="457200" lvl="1" indent="0">
+              <a:buNone/>
+            </a:pPr>
+            <a:r>
+              <a:rPr lang="en-US" dirty="0" err="1"/>
+              <a:t>takvo</a:t>
+            </a:r>
+            <a:r>
+              <a:rPr lang="en-US" dirty="0"/>
+              <a:t> da </a:t>
+            </a:r>
+            <a:r>
+              <a:rPr lang="en-US" dirty="0" err="1"/>
+              <a:t>nije</a:t>
+            </a:r>
+            <a:r>
+              <a:rPr lang="en-US" dirty="0"/>
+              <a:t> </a:t>
+            </a:r>
+            <a:r>
+              <a:rPr lang="en-US" dirty="0" err="1"/>
+              <a:t>moguće</a:t>
+            </a:r>
+            <a:r>
+              <a:rPr lang="en-US" dirty="0"/>
+              <a:t> </a:t>
+            </a:r>
+            <a:r>
+              <a:rPr lang="en-US" dirty="0" err="1"/>
+              <a:t>razlikovati</a:t>
+            </a:r>
+            <a:r>
+              <a:rPr lang="en-US" dirty="0"/>
+              <a:t> </a:t>
+            </a:r>
+            <a:r>
+              <a:rPr lang="en-US" dirty="0" err="1"/>
+              <a:t>distribuciju</a:t>
+            </a:r>
+            <a:r>
+              <a:rPr lang="en-US" dirty="0"/>
+              <a:t> G(X) od </a:t>
+            </a:r>
+            <a:r>
+              <a:rPr lang="en-US" dirty="0" err="1"/>
+              <a:t>distribucije</a:t>
+            </a:r>
+            <a:r>
+              <a:rPr lang="en-US" dirty="0"/>
+              <a:t> </a:t>
+            </a:r>
+            <a:r>
+              <a:rPr lang="en-US" dirty="0" smtClean="0"/>
+              <a:t>Y</a:t>
+            </a:r>
+          </a:p>
+          <a:p>
+            <a:pPr marL="457200" lvl="1" indent="0">
+              <a:buNone/>
+            </a:pPr>
+            <a:endParaRPr lang="en-US" dirty="0"/>
+          </a:p>
+          <a:p>
+            <a:r>
+              <a:rPr lang="en-US" dirty="0" smtClean="0"/>
+              <a:t>Problem</a:t>
+            </a:r>
+          </a:p>
+          <a:p>
+            <a:pPr lvl="1"/>
+            <a:r>
+              <a:rPr lang="en-US" dirty="0" err="1" smtClean="0"/>
+              <a:t>cilj</a:t>
+            </a:r>
+            <a:r>
+              <a:rPr lang="en-US" dirty="0" smtClean="0"/>
+              <a:t> je </a:t>
+            </a:r>
+            <a:r>
+              <a:rPr lang="en-US" dirty="0" err="1" smtClean="0"/>
+              <a:t>vrlo</a:t>
+            </a:r>
+            <a:r>
+              <a:rPr lang="en-US" dirty="0" smtClean="0"/>
+              <a:t> </a:t>
+            </a:r>
+            <a:r>
+              <a:rPr lang="en-US" dirty="0" err="1" smtClean="0"/>
+              <a:t>nespecifičan</a:t>
+            </a:r>
+            <a:endParaRPr lang="en-US" dirty="0" smtClean="0"/>
+          </a:p>
+          <a:p>
+            <a:pPr lvl="1"/>
+            <a:r>
+              <a:rPr lang="en-US" dirty="0" err="1" smtClean="0"/>
+              <a:t>Rezultati</a:t>
+            </a:r>
+            <a:r>
+              <a:rPr lang="en-US" dirty="0" smtClean="0"/>
+              <a:t> </a:t>
+            </a:r>
+            <a:r>
+              <a:rPr lang="en-US" dirty="0" err="1" smtClean="0"/>
+              <a:t>su</a:t>
+            </a:r>
+            <a:r>
+              <a:rPr lang="en-US" dirty="0" smtClean="0"/>
+              <a:t> </a:t>
+            </a:r>
+            <a:r>
+              <a:rPr lang="en-US" dirty="0" err="1" smtClean="0"/>
+              <a:t>nekonzistentni</a:t>
+            </a:r>
+            <a:r>
+              <a:rPr lang="en-US" dirty="0" smtClean="0"/>
+              <a:t> </a:t>
+            </a:r>
+            <a:r>
+              <a:rPr lang="mr-IN" dirty="0" smtClean="0"/>
+              <a:t>–</a:t>
+            </a:r>
+            <a:r>
+              <a:rPr lang="en-US" dirty="0" smtClean="0"/>
+              <a:t> TODO </a:t>
+            </a:r>
+            <a:r>
+              <a:rPr lang="en-US" dirty="0" err="1" smtClean="0"/>
+              <a:t>sto</a:t>
+            </a:r>
+            <a:r>
+              <a:rPr lang="en-US" dirty="0" smtClean="0"/>
+              <a:t> to </a:t>
+            </a:r>
+            <a:r>
+              <a:rPr lang="en-US" dirty="0" err="1" smtClean="0"/>
+              <a:t>znaci</a:t>
+            </a:r>
+            <a:endParaRPr lang="en-US" dirty="0" smtClean="0"/>
+          </a:p>
+          <a:p>
+            <a:endParaRPr lang="en-US" dirty="0" smtClean="0"/>
+          </a:p>
+          <a:p>
+            <a:endParaRPr lang="en-US" dirty="0" smtClean="0"/>
+          </a:p>
+        </p:txBody>
+      </p:sp>
+    </p:spTree>
+    <p:extLst>
+      <p:ext uri="{BB962C8B-B14F-4D97-AF65-F5344CB8AC3E}">
+        <p14:creationId xmlns:p14="http://schemas.microsoft.com/office/powerpoint/2010/main" val="1112506289"/>
+      </p:ext>
+    </p:extLst>
+  </p:cSld>
+  <p:clrMapOvr>
+    <a:masterClrMapping/>
+  </p:clrMapOvr>
+  <p:timing>
+    <p:tnLst>
+      <p:par>
+        <p:cTn id="1" dur="indefinite" restart="never" nodeType="tmRoot"/>
+      </p:par>
+    </p:tnLst>
+  </p:timing>
+</p:sld>
+</file>
+
+<file path=ppt/slides/slide13.xml><?xml version="1.0" encoding="utf-8"?>
+<p:sld xmlns:a="http://schemas.openxmlformats.org/drawingml/2006/main" xmlns:r="http://schemas.openxmlformats.org/officeDocument/2006/relationships" xmlns:p="http://schemas.openxmlformats.org/presentationml/2006/main">
+  <p:cSld>
+    <p:spTree>
+      <p:nvGrpSpPr>
+        <p:cNvPr id="1" name=""/>
+        <p:cNvGrpSpPr/>
+        <p:nvPr/>
+      </p:nvGrpSpPr>
+      <p:grpSpPr>
+        <a:xfrm>
+          <a:off x="0" y="0"/>
+          <a:ext cx="0" cy="0"/>
+          <a:chOff x="0" y="0"/>
+          <a:chExt cx="0" cy="0"/>
+        </a:xfrm>
+      </p:grpSpPr>
+      <p:sp>
+        <p:nvSpPr>
+          <p:cNvPr id="2" name="Title 1"/>
+          <p:cNvSpPr>
+            <a:spLocks noGrp="1"/>
+          </p:cNvSpPr>
+          <p:nvPr>
+            <p:ph type="title"/>
+          </p:nvPr>
+        </p:nvSpPr>
+        <p:spPr/>
+        <p:txBody>
+          <a:bodyPr/>
+          <a:lstStyle/>
+          <a:p>
+            <a:r>
+              <a:rPr lang="en-US" dirty="0" err="1" smtClean="0"/>
+              <a:t>Kružni</a:t>
+            </a:r>
+            <a:r>
+              <a:rPr lang="en-US" dirty="0" smtClean="0"/>
+              <a:t> GAN (</a:t>
+            </a:r>
+            <a:r>
+              <a:rPr lang="en-US" dirty="0" err="1" smtClean="0"/>
+              <a:t>CycleGAN</a:t>
+            </a:r>
+            <a:r>
+              <a:rPr lang="en-US" dirty="0" smtClean="0"/>
+              <a:t>)</a:t>
+            </a:r>
+            <a:endParaRPr lang="en-US" dirty="0"/>
+          </a:p>
+        </p:txBody>
+      </p:sp>
+      <p:sp>
+        <p:nvSpPr>
+          <p:cNvPr id="3" name="Content Placeholder 2"/>
+          <p:cNvSpPr>
+            <a:spLocks noGrp="1"/>
+          </p:cNvSpPr>
+          <p:nvPr>
+            <p:ph idx="1"/>
+          </p:nvPr>
+        </p:nvSpPr>
+        <p:spPr/>
+        <p:txBody>
+          <a:bodyPr/>
+          <a:lstStyle/>
+          <a:p>
+            <a:r>
+              <a:rPr lang="en-US" dirty="0" err="1" smtClean="0"/>
+              <a:t>Uvode</a:t>
+            </a:r>
+            <a:r>
+              <a:rPr lang="en-US" dirty="0" smtClean="0"/>
+              <a:t> </a:t>
+            </a:r>
+            <a:r>
+              <a:rPr lang="en-US" dirty="0" err="1" smtClean="0"/>
+              <a:t>uvjet</a:t>
+            </a:r>
+            <a:r>
+              <a:rPr lang="en-US" dirty="0" smtClean="0"/>
+              <a:t> </a:t>
+            </a:r>
+            <a:r>
+              <a:rPr lang="en-US" dirty="0" err="1" smtClean="0"/>
+              <a:t>tranzitivnosti</a:t>
+            </a:r>
+            <a:r>
+              <a:rPr lang="en-US" dirty="0" smtClean="0"/>
+              <a:t> </a:t>
+            </a:r>
+            <a:r>
+              <a:rPr lang="en-US" dirty="0" err="1" smtClean="0"/>
+              <a:t>nad</a:t>
+            </a:r>
+            <a:r>
+              <a:rPr lang="en-US" dirty="0" smtClean="0"/>
+              <a:t> </a:t>
+            </a:r>
+            <a:r>
+              <a:rPr lang="en-US" dirty="0" err="1" smtClean="0"/>
+              <a:t>ciljnom</a:t>
+            </a:r>
+            <a:r>
+              <a:rPr lang="en-US" dirty="0" smtClean="0"/>
+              <a:t> </a:t>
+            </a:r>
+            <a:r>
+              <a:rPr lang="en-US" dirty="0" err="1" smtClean="0"/>
+              <a:t>funkcijom</a:t>
+            </a:r>
+            <a:endParaRPr lang="en-US" dirty="0" smtClean="0"/>
+          </a:p>
+          <a:p>
+            <a:endParaRPr lang="en-US" dirty="0" smtClean="0"/>
+          </a:p>
+          <a:p>
+            <a:r>
+              <a:rPr lang="en-US" dirty="0" err="1" smtClean="0"/>
+              <a:t>Efektivno</a:t>
+            </a:r>
+            <a:r>
+              <a:rPr lang="en-US" dirty="0" smtClean="0"/>
+              <a:t> </a:t>
+            </a:r>
+            <a:r>
+              <a:rPr lang="en-US" dirty="0" err="1" smtClean="0"/>
+              <a:t>vrše</a:t>
+            </a:r>
+            <a:r>
+              <a:rPr lang="en-US" dirty="0" smtClean="0"/>
+              <a:t> </a:t>
+            </a:r>
+            <a:r>
+              <a:rPr lang="en-US" dirty="0" err="1" smtClean="0"/>
+              <a:t>regularizaciju</a:t>
+            </a:r>
+            <a:endParaRPr lang="en-US" dirty="0" smtClean="0"/>
+          </a:p>
+          <a:p>
+            <a:endParaRPr lang="en-US" dirty="0" smtClean="0"/>
+          </a:p>
+          <a:p>
+            <a:r>
+              <a:rPr lang="en-US" dirty="0" err="1" smtClean="0"/>
+              <a:t>Uz</a:t>
+            </a:r>
+            <a:r>
+              <a:rPr lang="en-US" dirty="0" smtClean="0"/>
+              <a:t> </a:t>
+            </a:r>
+            <a:r>
+              <a:rPr lang="en-US" dirty="0" err="1" smtClean="0"/>
+              <a:t>inverz</a:t>
+            </a:r>
+            <a:r>
+              <a:rPr lang="en-US" dirty="0" smtClean="0"/>
+              <a:t> G-a =&gt; F : Y </a:t>
+            </a:r>
+            <a:r>
+              <a:rPr lang="mr-IN" dirty="0" smtClean="0"/>
+              <a:t>–</a:t>
+            </a:r>
+            <a:r>
+              <a:rPr lang="en-US" dirty="0" smtClean="0"/>
+              <a:t>&gt; X</a:t>
+            </a:r>
+          </a:p>
+          <a:p>
+            <a:pPr lvl="1"/>
+            <a:r>
+              <a:rPr lang="en-US" dirty="0" err="1" smtClean="0"/>
+              <a:t>Funkciju</a:t>
+            </a:r>
+            <a:r>
+              <a:rPr lang="en-US" dirty="0" smtClean="0"/>
+              <a:t> </a:t>
+            </a:r>
+            <a:r>
+              <a:rPr lang="en-US" dirty="0" err="1" smtClean="0"/>
+              <a:t>gubitka</a:t>
+            </a:r>
+            <a:r>
+              <a:rPr lang="en-US" dirty="0" smtClean="0"/>
+              <a:t> </a:t>
+            </a:r>
+            <a:r>
+              <a:rPr lang="en-US" dirty="0" err="1" smtClean="0"/>
+              <a:t>proširuju</a:t>
+            </a:r>
+            <a:r>
+              <a:rPr lang="en-US" dirty="0" smtClean="0"/>
+              <a:t> </a:t>
+            </a:r>
+            <a:r>
+              <a:rPr lang="en-US" dirty="0" err="1" smtClean="0"/>
+              <a:t>gubitkom</a:t>
+            </a:r>
+            <a:r>
+              <a:rPr lang="en-US" dirty="0" smtClean="0"/>
+              <a:t> </a:t>
+            </a:r>
+            <a:r>
+              <a:rPr lang="en-US" dirty="0" err="1" smtClean="0"/>
+              <a:t>cikličke</a:t>
+            </a:r>
+            <a:r>
+              <a:rPr lang="en-US" dirty="0" smtClean="0"/>
+              <a:t> </a:t>
+            </a:r>
+            <a:r>
+              <a:rPr lang="en-US" dirty="0" err="1" smtClean="0"/>
+              <a:t>dosljednosti</a:t>
+            </a:r>
+            <a:r>
+              <a:rPr lang="en-US" dirty="0" smtClean="0"/>
+              <a:t>:</a:t>
+            </a:r>
+          </a:p>
+          <a:p>
+            <a:pPr marL="457200" lvl="1" indent="0">
+              <a:buNone/>
+            </a:pPr>
+            <a:r>
+              <a:rPr lang="en-US" dirty="0" smtClean="0"/>
+              <a:t>	F(G(X)) = </a:t>
+            </a:r>
+            <a:r>
+              <a:rPr lang="en-US" dirty="0" err="1" smtClean="0"/>
+              <a:t>cca</a:t>
+            </a:r>
+            <a:r>
+              <a:rPr lang="en-US" dirty="0" smtClean="0"/>
+              <a:t> </a:t>
+            </a:r>
+            <a:r>
+              <a:rPr lang="en-US" dirty="0" smtClean="0"/>
+              <a:t>X</a:t>
+            </a:r>
+            <a:endParaRPr lang="en-US" dirty="0" smtClean="0"/>
+          </a:p>
+        </p:txBody>
+      </p:sp>
+      <p:sp>
+        <p:nvSpPr>
+          <p:cNvPr id="4" name="TextBox 3"/>
+          <p:cNvSpPr txBox="1"/>
+          <p:nvPr/>
         </p:nvSpPr>
         <p:spPr>
           <a:xfrm>
-            <a:off x="1103312" y="2052918"/>
-            <a:ext cx="8946541" cy="1380747"/>
+            <a:off x="1103312" y="6155681"/>
+            <a:ext cx="9961123" cy="584775"/>
+          </a:xfrm>
+          <a:prstGeom prst="rect">
+            <a:avLst/>
+          </a:prstGeom>
+          <a:noFill/>
+        </p:spPr>
+        <p:txBody>
+          <a:bodyPr wrap="square" rtlCol="0">
+            <a:spAutoFit/>
+          </a:bodyPr>
+          <a:lstStyle/>
+          <a:p>
+            <a:r>
+              <a:rPr lang="en-US" sz="1600" dirty="0" smtClean="0"/>
+              <a:t>Jun-Yan </a:t>
+            </a:r>
+            <a:r>
+              <a:rPr lang="en-US" sz="1600" dirty="0"/>
+              <a:t>Zhu, </a:t>
+            </a:r>
+            <a:r>
+              <a:rPr lang="en-US" sz="1600" dirty="0" err="1"/>
+              <a:t>Taesung</a:t>
+            </a:r>
+            <a:r>
+              <a:rPr lang="en-US" sz="1600" dirty="0"/>
+              <a:t> Park, Phillip </a:t>
+            </a:r>
+            <a:r>
+              <a:rPr lang="en-US" sz="1600" dirty="0" err="1"/>
+              <a:t>Isola</a:t>
+            </a:r>
+            <a:r>
+              <a:rPr lang="en-US" sz="1600" dirty="0"/>
+              <a:t>, </a:t>
+            </a:r>
+            <a:r>
+              <a:rPr lang="en-US" sz="1600" dirty="0" err="1"/>
+              <a:t>i</a:t>
+            </a:r>
+            <a:r>
+              <a:rPr lang="en-US" sz="1600" dirty="0"/>
+              <a:t> Alexei A </a:t>
+            </a:r>
+            <a:r>
+              <a:rPr lang="en-US" sz="1600" dirty="0" err="1"/>
+              <a:t>Efros</a:t>
+            </a:r>
+            <a:r>
+              <a:rPr lang="en-US" sz="1600" dirty="0"/>
+              <a:t>. Unpaired image-to-image translation using cycle-consistent adversarial networks. </a:t>
+            </a:r>
+            <a:r>
+              <a:rPr lang="en-US" sz="1600" dirty="0" err="1"/>
+              <a:t>arXiv</a:t>
+            </a:r>
+            <a:r>
+              <a:rPr lang="en-US" sz="1600" dirty="0"/>
+              <a:t> pre-print arXiv:1703.10593, 2017.</a:t>
+            </a:r>
+          </a:p>
+        </p:txBody>
+      </p:sp>
+    </p:spTree>
+    <p:extLst>
+      <p:ext uri="{BB962C8B-B14F-4D97-AF65-F5344CB8AC3E}">
+        <p14:creationId xmlns:p14="http://schemas.microsoft.com/office/powerpoint/2010/main" val="472435133"/>
+      </p:ext>
+    </p:extLst>
+  </p:cSld>
+  <p:clrMapOvr>
+    <a:masterClrMapping/>
+  </p:clrMapOvr>
+  <p:timing>
+    <p:tnLst>
+      <p:par>
+        <p:cTn id="1" dur="indefinite" restart="never" nodeType="tmRoot"/>
+      </p:par>
+    </p:tnLst>
+  </p:timing>
+</p:sld>
+</file>
+
+<file path=ppt/slides/slide14.xml><?xml version="1.0" encoding="utf-8"?>
+<p:sld xmlns:a="http://schemas.openxmlformats.org/drawingml/2006/main" xmlns:r="http://schemas.openxmlformats.org/officeDocument/2006/relationships" xmlns:p="http://schemas.openxmlformats.org/presentationml/2006/main">
+  <p:cSld>
+    <p:spTree>
+      <p:nvGrpSpPr>
+        <p:cNvPr id="1" name=""/>
+        <p:cNvGrpSpPr/>
+        <p:nvPr/>
+      </p:nvGrpSpPr>
+      <p:grpSpPr>
+        <a:xfrm>
+          <a:off x="0" y="0"/>
+          <a:ext cx="0" cy="0"/>
+          <a:chOff x="0" y="0"/>
+          <a:chExt cx="0" cy="0"/>
+        </a:xfrm>
+      </p:grpSpPr>
+      <p:pic>
+        <p:nvPicPr>
+          <p:cNvPr id="4" name="Content Placeholder 3"/>
+          <p:cNvPicPr>
+            <a:picLocks noGrp="1" noChangeAspect="1"/>
+          </p:cNvPicPr>
+          <p:nvPr>
+            <p:ph idx="1"/>
+          </p:nvPr>
+        </p:nvPicPr>
+        <p:blipFill>
+          <a:blip r:embed="rId2">
+            <a:extLst>
+              <a:ext uri="{28A0092B-C50C-407E-A947-70E740481C1C}">
+                <a14:useLocalDpi xmlns:a14="http://schemas.microsoft.com/office/drawing/2010/main" val="0"/>
+              </a:ext>
+            </a:extLst>
+          </a:blip>
+          <a:stretch>
+            <a:fillRect/>
+          </a:stretch>
+        </p:blipFill>
+        <p:spPr>
+          <a:xfrm>
+            <a:off x="3679556" y="1396536"/>
+            <a:ext cx="4637618" cy="5203769"/>
           </a:xfrm>
         </p:spPr>
+      </p:pic>
+      <p:sp>
+        <p:nvSpPr>
+          <p:cNvPr id="3" name="Title 1"/>
+          <p:cNvSpPr>
+            <a:spLocks noGrp="1"/>
+          </p:cNvSpPr>
+          <p:nvPr>
+            <p:ph type="title"/>
+          </p:nvPr>
+        </p:nvSpPr>
+        <p:spPr>
+          <a:xfrm>
+            <a:off x="646111" y="452718"/>
+            <a:ext cx="9404723" cy="1400530"/>
+          </a:xfrm>
+        </p:spPr>
         <p:txBody>
           <a:bodyPr/>
           <a:lstStyle/>
           <a:p>
             <a:r>
               <a:rPr lang="en-US" dirty="0" err="1" smtClean="0"/>
-              <a:t>Nastale</a:t>
-            </a:r>
-            <a:r>
-              <a:rPr lang="en-US" dirty="0" smtClean="0"/>
-              <a:t> </a:t>
-            </a:r>
-            <a:r>
-              <a:rPr lang="en-US" dirty="0" err="1" smtClean="0"/>
-              <a:t>iz</a:t>
-            </a:r>
-            <a:r>
-              <a:rPr lang="en-US" dirty="0" smtClean="0"/>
-              <a:t> </a:t>
-            </a:r>
-            <a:r>
-              <a:rPr lang="en-US" dirty="0" err="1" smtClean="0"/>
-              <a:t>potrebe</a:t>
-            </a:r>
-            <a:r>
-              <a:rPr lang="en-US" dirty="0" smtClean="0"/>
-              <a:t> </a:t>
-            </a:r>
-            <a:r>
-              <a:rPr lang="en-US" dirty="0" err="1" smtClean="0"/>
-              <a:t>za</a:t>
-            </a:r>
-            <a:r>
-              <a:rPr lang="en-US" dirty="0" smtClean="0"/>
-              <a:t> </a:t>
-            </a:r>
-            <a:r>
-              <a:rPr lang="en-US" dirty="0" err="1" smtClean="0"/>
-              <a:t>većom</a:t>
-            </a:r>
-            <a:r>
-              <a:rPr lang="en-US" dirty="0" smtClean="0"/>
-              <a:t> </a:t>
-            </a:r>
-            <a:r>
-              <a:rPr lang="en-US" dirty="0" err="1" smtClean="0"/>
-              <a:t>kontrolom</a:t>
-            </a:r>
-            <a:r>
-              <a:rPr lang="en-US" dirty="0" smtClean="0"/>
-              <a:t> </a:t>
-            </a:r>
-            <a:r>
-              <a:rPr lang="en-US" dirty="0" err="1" smtClean="0"/>
-              <a:t>generativnog</a:t>
-            </a:r>
-            <a:r>
-              <a:rPr lang="en-US" dirty="0" smtClean="0"/>
-              <a:t> </a:t>
-            </a:r>
-            <a:r>
-              <a:rPr lang="en-US" dirty="0" err="1" smtClean="0"/>
-              <a:t>procesa</a:t>
-            </a:r>
-            <a:endParaRPr lang="en-US" dirty="0" smtClean="0"/>
-          </a:p>
-          <a:p>
-            <a:r>
-              <a:rPr lang="en-US" dirty="0" err="1" smtClean="0"/>
-              <a:t>Ideja</a:t>
-            </a:r>
-            <a:r>
-              <a:rPr lang="en-US" dirty="0" smtClean="0"/>
-              <a:t>: </a:t>
-            </a:r>
-            <a:r>
-              <a:rPr lang="en-US" dirty="0" err="1" smtClean="0"/>
-              <a:t>postavljanje</a:t>
-            </a:r>
-            <a:r>
-              <a:rPr lang="en-US" dirty="0" smtClean="0"/>
-              <a:t> </a:t>
-            </a:r>
-            <a:r>
-              <a:rPr lang="en-US" dirty="0" err="1" smtClean="0"/>
-              <a:t>uvjeta</a:t>
-            </a:r>
-            <a:r>
-              <a:rPr lang="en-US" dirty="0" smtClean="0"/>
-              <a:t> </a:t>
-            </a:r>
-            <a:r>
-              <a:rPr lang="en-US" dirty="0" err="1" smtClean="0"/>
-              <a:t>na</a:t>
-            </a:r>
-            <a:r>
-              <a:rPr lang="en-US" dirty="0" smtClean="0"/>
-              <a:t> </a:t>
-            </a:r>
-            <a:r>
-              <a:rPr lang="en-US" dirty="0" err="1" smtClean="0"/>
-              <a:t>ulaz</a:t>
-            </a:r>
-            <a:r>
-              <a:rPr lang="en-US" dirty="0" smtClean="0"/>
-              <a:t> </a:t>
-            </a:r>
-            <a:r>
-              <a:rPr lang="en-US" dirty="0" err="1" smtClean="0"/>
-              <a:t>modela</a:t>
-            </a:r>
-            <a:endParaRPr lang="en-US" dirty="0" smtClean="0"/>
+              <a:t>Kružni</a:t>
+            </a:r>
+            <a:r>
+              <a:rPr lang="en-US" dirty="0" smtClean="0"/>
+              <a:t> GAN (</a:t>
+            </a:r>
+            <a:r>
+              <a:rPr lang="en-US" dirty="0" err="1" smtClean="0"/>
+              <a:t>CycleGAN</a:t>
+            </a:r>
+            <a:r>
+              <a:rPr lang="en-US" dirty="0" smtClean="0"/>
+              <a:t>)</a:t>
+            </a:r>
+            <a:endParaRPr lang="en-US" dirty="0"/>
+          </a:p>
+        </p:txBody>
+      </p:sp>
+      <p:sp>
+        <p:nvSpPr>
+          <p:cNvPr id="5" name="TextBox 4"/>
+          <p:cNvSpPr txBox="1"/>
+          <p:nvPr/>
+        </p:nvSpPr>
+        <p:spPr>
+          <a:xfrm>
+            <a:off x="1103312" y="6155681"/>
+            <a:ext cx="9961123" cy="584775"/>
+          </a:xfrm>
+          <a:prstGeom prst="rect">
+            <a:avLst/>
+          </a:prstGeom>
+          <a:noFill/>
+        </p:spPr>
+        <p:txBody>
+          <a:bodyPr wrap="square" rtlCol="0">
+            <a:spAutoFit/>
+          </a:bodyPr>
+          <a:lstStyle/>
+          <a:p>
+            <a:r>
+              <a:rPr lang="en-US" sz="1600" dirty="0" smtClean="0"/>
+              <a:t>Jun-Yan </a:t>
+            </a:r>
+            <a:r>
+              <a:rPr lang="en-US" sz="1600" dirty="0"/>
+              <a:t>Zhu, </a:t>
+            </a:r>
+            <a:r>
+              <a:rPr lang="en-US" sz="1600" dirty="0" err="1"/>
+              <a:t>Taesung</a:t>
+            </a:r>
+            <a:r>
+              <a:rPr lang="en-US" sz="1600" dirty="0"/>
+              <a:t> Park, Phillip </a:t>
+            </a:r>
+            <a:r>
+              <a:rPr lang="en-US" sz="1600" dirty="0" err="1"/>
+              <a:t>Isola</a:t>
+            </a:r>
+            <a:r>
+              <a:rPr lang="en-US" sz="1600" dirty="0"/>
+              <a:t>, </a:t>
+            </a:r>
+            <a:r>
+              <a:rPr lang="en-US" sz="1600" dirty="0" err="1"/>
+              <a:t>i</a:t>
+            </a:r>
+            <a:r>
+              <a:rPr lang="en-US" sz="1600" dirty="0"/>
+              <a:t> Alexei A </a:t>
+            </a:r>
+            <a:r>
+              <a:rPr lang="en-US" sz="1600" dirty="0" err="1"/>
+              <a:t>Efros</a:t>
+            </a:r>
+            <a:r>
+              <a:rPr lang="en-US" sz="1600" dirty="0"/>
+              <a:t>. Unpaired image-to-image translation using cycle-consistent adversarial networks. </a:t>
+            </a:r>
+            <a:r>
+              <a:rPr lang="en-US" sz="1600" dirty="0" err="1"/>
+              <a:t>arXiv</a:t>
+            </a:r>
+            <a:r>
+              <a:rPr lang="en-US" sz="1600" dirty="0"/>
+              <a:t> pre-print arXiv:1703.10593, 2017.</a:t>
+            </a:r>
+          </a:p>
+        </p:txBody>
+      </p:sp>
+    </p:spTree>
+    <p:extLst>
+      <p:ext uri="{BB962C8B-B14F-4D97-AF65-F5344CB8AC3E}">
+        <p14:creationId xmlns:p14="http://schemas.microsoft.com/office/powerpoint/2010/main" val="19375219"/>
+      </p:ext>
+    </p:extLst>
+  </p:cSld>
+  <p:clrMapOvr>
+    <a:masterClrMapping/>
+  </p:clrMapOvr>
+  <p:timing>
+    <p:tnLst>
+      <p:par>
+        <p:cTn id="1" dur="indefinite" restart="never" nodeType="tmRoot"/>
+      </p:par>
+    </p:tnLst>
+  </p:timing>
+</p:sld>
+</file>
+
+<file path=ppt/slides/slide15.xml><?xml version="1.0" encoding="utf-8"?>
+<p:sld xmlns:a="http://schemas.openxmlformats.org/drawingml/2006/main" xmlns:r="http://schemas.openxmlformats.org/officeDocument/2006/relationships" xmlns:p="http://schemas.openxmlformats.org/presentationml/2006/main">
+  <p:cSld>
+    <p:spTree>
+      <p:nvGrpSpPr>
+        <p:cNvPr id="1" name=""/>
+        <p:cNvGrpSpPr/>
+        <p:nvPr/>
+      </p:nvGrpSpPr>
+      <p:grpSpPr>
+        <a:xfrm>
+          <a:off x="0" y="0"/>
+          <a:ext cx="0" cy="0"/>
+          <a:chOff x="0" y="0"/>
+          <a:chExt cx="0" cy="0"/>
+        </a:xfrm>
+      </p:grpSpPr>
+      <p:sp>
+        <p:nvSpPr>
+          <p:cNvPr id="2" name="Title 1"/>
+          <p:cNvSpPr>
+            <a:spLocks noGrp="1"/>
+          </p:cNvSpPr>
+          <p:nvPr>
+            <p:ph type="title"/>
+          </p:nvPr>
+        </p:nvSpPr>
+        <p:spPr/>
+        <p:txBody>
+          <a:bodyPr/>
+          <a:lstStyle/>
+          <a:p>
+            <a:r>
+              <a:rPr lang="en-US" dirty="0" err="1" smtClean="0"/>
+              <a:t>Kružni</a:t>
+            </a:r>
+            <a:r>
+              <a:rPr lang="en-US" dirty="0" smtClean="0"/>
+              <a:t> GAN (</a:t>
+            </a:r>
+            <a:r>
+              <a:rPr lang="en-US" dirty="0" err="1" smtClean="0"/>
+              <a:t>CycleGAN</a:t>
+            </a:r>
+            <a:r>
+              <a:rPr lang="en-US" dirty="0" smtClean="0"/>
+              <a:t>)</a:t>
+            </a:r>
+            <a:endParaRPr lang="en-US" dirty="0"/>
+          </a:p>
+        </p:txBody>
+      </p:sp>
+      <p:sp>
+        <p:nvSpPr>
+          <p:cNvPr id="3" name="Content Placeholder 2"/>
+          <p:cNvSpPr>
+            <a:spLocks noGrp="1"/>
+          </p:cNvSpPr>
+          <p:nvPr>
+            <p:ph idx="1"/>
+          </p:nvPr>
+        </p:nvSpPr>
+        <p:spPr/>
+        <p:txBody>
+          <a:bodyPr/>
+          <a:lstStyle/>
+          <a:p>
+            <a:r>
+              <a:rPr lang="hr-HR" dirty="0" smtClean="0"/>
+              <a:t>Pretvaraju problem u nadzirano </a:t>
+            </a:r>
+            <a:r>
+              <a:rPr lang="hr-HR" dirty="0" smtClean="0"/>
+              <a:t>učenje</a:t>
+            </a:r>
           </a:p>
           <a:p>
             <a:pPr lvl="1"/>
             <a:r>
-              <a:rPr lang="en-US" dirty="0" err="1" smtClean="0"/>
-              <a:t>Oznake</a:t>
-            </a:r>
-            <a:r>
-              <a:rPr lang="en-US" dirty="0" smtClean="0"/>
-              <a:t> </a:t>
-            </a:r>
-            <a:r>
-              <a:rPr lang="en-US" dirty="0" err="1" smtClean="0"/>
-              <a:t>klasa</a:t>
-            </a:r>
-            <a:r>
-              <a:rPr lang="en-US" dirty="0" smtClean="0"/>
+              <a:rPr lang="hr-HR" dirty="0" smtClean="0"/>
+              <a:t>TODO </a:t>
+            </a:r>
+            <a:r>
+              <a:rPr lang="hr-HR" dirty="0" err="1" smtClean="0"/>
+              <a:t>loss</a:t>
+            </a:r>
+            <a:endParaRPr lang="hr-HR" dirty="0" smtClean="0"/>
+          </a:p>
+          <a:p>
+            <a:endParaRPr lang="hr-HR" dirty="0" smtClean="0"/>
+          </a:p>
+          <a:p>
+            <a:r>
+              <a:rPr lang="hr-HR" dirty="0" smtClean="0"/>
+              <a:t>Umjesto parova primjera </a:t>
+            </a:r>
+            <a:r>
+              <a:rPr lang="mr-IN" dirty="0" smtClean="0"/>
+              <a:t>–</a:t>
+            </a:r>
+            <a:r>
+              <a:rPr lang="hr-HR" dirty="0" smtClean="0"/>
+              <a:t> nadziranje zajedničkim značajkama cijelih setova</a:t>
+            </a:r>
+          </a:p>
+        </p:txBody>
+      </p:sp>
+      <p:sp>
+        <p:nvSpPr>
+          <p:cNvPr id="4" name="TextBox 3"/>
+          <p:cNvSpPr txBox="1"/>
+          <p:nvPr/>
+        </p:nvSpPr>
+        <p:spPr>
+          <a:xfrm>
+            <a:off x="1103312" y="6155681"/>
+            <a:ext cx="9961123" cy="584775"/>
+          </a:xfrm>
+          <a:prstGeom prst="rect">
+            <a:avLst/>
+          </a:prstGeom>
+          <a:noFill/>
+        </p:spPr>
+        <p:txBody>
+          <a:bodyPr wrap="square" rtlCol="0">
+            <a:spAutoFit/>
+          </a:bodyPr>
+          <a:lstStyle/>
+          <a:p>
+            <a:r>
+              <a:rPr lang="en-US" sz="1600" dirty="0" smtClean="0"/>
+              <a:t>Jun-Yan </a:t>
+            </a:r>
+            <a:r>
+              <a:rPr lang="en-US" sz="1600" dirty="0"/>
+              <a:t>Zhu, </a:t>
+            </a:r>
+            <a:r>
+              <a:rPr lang="en-US" sz="1600" dirty="0" err="1"/>
+              <a:t>Taesung</a:t>
+            </a:r>
+            <a:r>
+              <a:rPr lang="en-US" sz="1600" dirty="0"/>
+              <a:t> Park, Phillip </a:t>
+            </a:r>
+            <a:r>
+              <a:rPr lang="en-US" sz="1600" dirty="0" err="1"/>
+              <a:t>Isola</a:t>
+            </a:r>
+            <a:r>
+              <a:rPr lang="en-US" sz="1600" dirty="0"/>
               <a:t>, </a:t>
             </a:r>
             <a:r>
-              <a:rPr lang="en-US" dirty="0" err="1" smtClean="0"/>
-              <a:t>skice</a:t>
-            </a:r>
-            <a:r>
-              <a:rPr lang="en-US" dirty="0" smtClean="0"/>
+              <a:rPr lang="en-US" sz="1600" dirty="0" err="1"/>
+              <a:t>i</a:t>
+            </a:r>
+            <a:r>
+              <a:rPr lang="en-US" sz="1600" dirty="0"/>
+              <a:t> Alexei A </a:t>
+            </a:r>
+            <a:r>
+              <a:rPr lang="en-US" sz="1600" dirty="0" err="1"/>
+              <a:t>Efros</a:t>
+            </a:r>
+            <a:r>
+              <a:rPr lang="en-US" sz="1600" dirty="0"/>
+              <a:t>. Unpaired image-to-image translation using cycle-consistent adversarial networks. </a:t>
+            </a:r>
+            <a:r>
+              <a:rPr lang="en-US" sz="1600" dirty="0" err="1"/>
+              <a:t>arXiv</a:t>
+            </a:r>
+            <a:r>
+              <a:rPr lang="en-US" sz="1600" dirty="0"/>
+              <a:t> pre-print arXiv:1703.10593, 2017.</a:t>
+            </a:r>
+          </a:p>
+        </p:txBody>
+      </p:sp>
+    </p:spTree>
+    <p:extLst>
+      <p:ext uri="{BB962C8B-B14F-4D97-AF65-F5344CB8AC3E}">
+        <p14:creationId xmlns:p14="http://schemas.microsoft.com/office/powerpoint/2010/main" val="537324278"/>
+      </p:ext>
+    </p:extLst>
+  </p:cSld>
+  <p:clrMapOvr>
+    <a:masterClrMapping/>
+  </p:clrMapOvr>
+  <p:timing>
+    <p:tnLst>
+      <p:par>
+        <p:cTn id="1" dur="indefinite" restart="never" nodeType="tmRoot"/>
+      </p:par>
+    </p:tnLst>
+  </p:timing>
+</p:sld>
+</file>
+
+<file path=ppt/slides/slide16.xml><?xml version="1.0" encoding="utf-8"?>
+<p:sld xmlns:a="http://schemas.openxmlformats.org/drawingml/2006/main" xmlns:r="http://schemas.openxmlformats.org/officeDocument/2006/relationships" xmlns:p="http://schemas.openxmlformats.org/presentationml/2006/main">
+  <p:cSld>
+    <p:spTree>
+      <p:nvGrpSpPr>
+        <p:cNvPr id="1" name=""/>
+        <p:cNvGrpSpPr/>
+        <p:nvPr/>
+      </p:nvGrpSpPr>
+      <p:grpSpPr>
+        <a:xfrm>
+          <a:off x="0" y="0"/>
+          <a:ext cx="0" cy="0"/>
+          <a:chOff x="0" y="0"/>
+          <a:chExt cx="0" cy="0"/>
+        </a:xfrm>
+      </p:grpSpPr>
+      <p:sp>
+        <p:nvSpPr>
+          <p:cNvPr id="2" name="Title 1"/>
+          <p:cNvSpPr>
+            <a:spLocks noGrp="1"/>
+          </p:cNvSpPr>
+          <p:nvPr>
+            <p:ph type="title"/>
+          </p:nvPr>
+        </p:nvSpPr>
+        <p:spPr/>
+        <p:txBody>
+          <a:bodyPr/>
+          <a:lstStyle/>
+          <a:p>
+            <a:r>
+              <a:rPr lang="en-US" dirty="0" err="1" smtClean="0"/>
+              <a:t>Unimodalna</a:t>
+            </a:r>
+            <a:r>
+              <a:rPr lang="en-US" dirty="0" smtClean="0"/>
+              <a:t> </a:t>
+            </a:r>
+            <a:r>
+              <a:rPr lang="en-US" dirty="0" err="1" smtClean="0"/>
+              <a:t>nenadzirana</a:t>
+            </a:r>
+            <a:r>
+              <a:rPr lang="en-US" dirty="0" smtClean="0"/>
+              <a:t> </a:t>
+            </a:r>
+            <a:r>
+              <a:rPr lang="en-US" dirty="0" err="1" smtClean="0"/>
+              <a:t>translacija</a:t>
+            </a:r>
+            <a:r>
+              <a:rPr lang="en-US" dirty="0" smtClean="0"/>
+              <a:t> (UNIT)</a:t>
+            </a:r>
+            <a:endParaRPr lang="en-US" dirty="0"/>
+          </a:p>
+        </p:txBody>
+      </p:sp>
+      <p:sp>
+        <p:nvSpPr>
+          <p:cNvPr id="3" name="Content Placeholder 2"/>
+          <p:cNvSpPr>
+            <a:spLocks noGrp="1"/>
+          </p:cNvSpPr>
+          <p:nvPr>
+            <p:ph idx="1"/>
+          </p:nvPr>
+        </p:nvSpPr>
+        <p:spPr/>
+        <p:txBody>
+          <a:bodyPr/>
+          <a:lstStyle/>
+          <a:p>
+            <a:r>
+              <a:rPr lang="hr-HR" dirty="0" smtClean="0"/>
+              <a:t>Cilj translacije slike s gledišta modeliranja vjerojatnosti</a:t>
+            </a:r>
+          </a:p>
+          <a:p>
+            <a:pPr lvl="1"/>
+            <a:r>
+              <a:rPr lang="en-US" dirty="0" smtClean="0"/>
+              <a:t>O</a:t>
+            </a:r>
+            <a:r>
+              <a:rPr lang="hr-HR" dirty="0" err="1" smtClean="0"/>
+              <a:t>drediti</a:t>
+            </a:r>
+            <a:r>
+              <a:rPr lang="hr-HR" dirty="0" smtClean="0"/>
+              <a:t> združenu distribuciju više različitih domena</a:t>
+            </a:r>
+          </a:p>
+          <a:p>
+            <a:endParaRPr lang="hr-HR" dirty="0"/>
+          </a:p>
+          <a:p>
+            <a:r>
+              <a:rPr lang="hr-HR" dirty="0" smtClean="0"/>
+              <a:t>Kod nenadziranog učenja</a:t>
+            </a:r>
+          </a:p>
+          <a:p>
+            <a:pPr lvl="1"/>
+            <a:r>
+              <a:rPr lang="en-US" dirty="0" smtClean="0"/>
+              <a:t>I</a:t>
+            </a:r>
+            <a:r>
+              <a:rPr lang="hr-HR" dirty="0" err="1" smtClean="0"/>
+              <a:t>zvorni</a:t>
+            </a:r>
+            <a:r>
+              <a:rPr lang="hr-HR" dirty="0" smtClean="0"/>
+              <a:t> i ciljni skupovi uzorkovani iz marginalnih distribucija</a:t>
+            </a:r>
+          </a:p>
+          <a:p>
+            <a:pPr lvl="1"/>
+            <a:r>
+              <a:rPr lang="hr-HR" dirty="0" smtClean="0"/>
+              <a:t>Združenih distribucija ima beskonačno mnogo</a:t>
+            </a:r>
+            <a:endParaRPr lang="hr-HR" dirty="0"/>
+          </a:p>
+          <a:p>
+            <a:pPr lvl="1"/>
+            <a:endParaRPr lang="hr-HR" dirty="0" smtClean="0"/>
+          </a:p>
+          <a:p>
+            <a:r>
+              <a:rPr lang="hr-HR" dirty="0"/>
+              <a:t>Preslikavanje obje domene na prostor zajedničkih latentnih varijabli</a:t>
+            </a:r>
+          </a:p>
+          <a:p>
+            <a:endParaRPr lang="hr-HR" dirty="0" smtClean="0"/>
+          </a:p>
+        </p:txBody>
+      </p:sp>
+      <p:sp>
+        <p:nvSpPr>
+          <p:cNvPr id="4" name="TextBox 3"/>
+          <p:cNvSpPr txBox="1"/>
+          <p:nvPr/>
+        </p:nvSpPr>
+        <p:spPr>
+          <a:xfrm>
+            <a:off x="1103312" y="6155681"/>
+            <a:ext cx="9961123" cy="584775"/>
+          </a:xfrm>
+          <a:prstGeom prst="rect">
+            <a:avLst/>
+          </a:prstGeom>
+          <a:noFill/>
+        </p:spPr>
+        <p:txBody>
+          <a:bodyPr wrap="square" rtlCol="0">
+            <a:spAutoFit/>
+          </a:bodyPr>
+          <a:lstStyle/>
+          <a:p>
+            <a:r>
+              <a:rPr lang="en-US" sz="1600" smtClean="0"/>
+              <a:t>Ming-Yu </a:t>
+            </a:r>
+            <a:r>
+              <a:rPr lang="en-US" sz="1600" dirty="0"/>
+              <a:t>Liu, Thomas </a:t>
+            </a:r>
+            <a:r>
+              <a:rPr lang="en-US" sz="1600" dirty="0" err="1"/>
+              <a:t>Breuel</a:t>
+            </a:r>
+            <a:r>
+              <a:rPr lang="en-US" sz="1600" dirty="0"/>
               <a:t>, </a:t>
             </a:r>
             <a:r>
-              <a:rPr lang="en-US" dirty="0" err="1" smtClean="0"/>
-              <a:t>dubinske</a:t>
-            </a:r>
-            <a:r>
-              <a:rPr lang="en-US" dirty="0" smtClean="0"/>
-              <a:t> </a:t>
-            </a:r>
-            <a:r>
-              <a:rPr lang="en-US" dirty="0" err="1" smtClean="0"/>
-              <a:t>mape</a:t>
-            </a:r>
-            <a:r>
-              <a:rPr lang="mr-IN" dirty="0" smtClean="0"/>
-              <a:t>…</a:t>
+              <a:rPr lang="en-US" sz="1600" dirty="0" err="1"/>
+              <a:t>i</a:t>
+            </a:r>
+            <a:r>
+              <a:rPr lang="en-US" sz="1600" dirty="0"/>
+              <a:t> Jan </a:t>
+            </a:r>
+            <a:r>
+              <a:rPr lang="en-US" sz="1600" dirty="0" err="1"/>
+              <a:t>Kautz</a:t>
+            </a:r>
+            <a:r>
+              <a:rPr lang="en-US" sz="1600" dirty="0"/>
+              <a:t>. Unsupervised image-to-</a:t>
+            </a:r>
+            <a:r>
+              <a:rPr lang="en-US" sz="1600" dirty="0" err="1"/>
+              <a:t>imagetranslation</a:t>
+            </a:r>
+            <a:r>
+              <a:rPr lang="en-US" sz="1600" dirty="0"/>
+              <a:t> networks. U Advances in Neural Information Processing </a:t>
+            </a:r>
+            <a:r>
+              <a:rPr lang="en-US" sz="1600" dirty="0" err="1"/>
+              <a:t>Systems,stranice</a:t>
+            </a:r>
+            <a:r>
+              <a:rPr lang="en-US" sz="1600" dirty="0"/>
+              <a:t> 700–708, 2017.</a:t>
+            </a:r>
+          </a:p>
+        </p:txBody>
+      </p:sp>
+    </p:spTree>
+    <p:extLst>
+      <p:ext uri="{BB962C8B-B14F-4D97-AF65-F5344CB8AC3E}">
+        <p14:creationId xmlns:p14="http://schemas.microsoft.com/office/powerpoint/2010/main" val="1369755222"/>
+      </p:ext>
+    </p:extLst>
+  </p:cSld>
+  <p:clrMapOvr>
+    <a:masterClrMapping/>
+  </p:clrMapOvr>
+  <p:timing>
+    <p:tnLst>
+      <p:par>
+        <p:cTn id="1" dur="indefinite" restart="never" nodeType="tmRoot"/>
+      </p:par>
+    </p:tnLst>
+  </p:timing>
+</p:sld>
+</file>
+
+<file path=ppt/slides/slide17.xml><?xml version="1.0" encoding="utf-8"?>
+<p:sld xmlns:a="http://schemas.openxmlformats.org/drawingml/2006/main" xmlns:r="http://schemas.openxmlformats.org/officeDocument/2006/relationships" xmlns:p="http://schemas.openxmlformats.org/presentationml/2006/main">
+  <p:cSld>
+    <p:spTree>
+      <p:nvGrpSpPr>
+        <p:cNvPr id="1" name=""/>
+        <p:cNvGrpSpPr/>
+        <p:nvPr/>
+      </p:nvGrpSpPr>
+      <p:grpSpPr>
+        <a:xfrm>
+          <a:off x="0" y="0"/>
+          <a:ext cx="0" cy="0"/>
+          <a:chOff x="0" y="0"/>
+          <a:chExt cx="0" cy="0"/>
+        </a:xfrm>
+      </p:grpSpPr>
+      <p:sp>
+        <p:nvSpPr>
+          <p:cNvPr id="2" name="Title 1"/>
+          <p:cNvSpPr>
+            <a:spLocks noGrp="1"/>
+          </p:cNvSpPr>
+          <p:nvPr>
+            <p:ph type="title"/>
+          </p:nvPr>
+        </p:nvSpPr>
+        <p:spPr/>
+        <p:txBody>
+          <a:bodyPr/>
+          <a:lstStyle/>
+          <a:p>
+            <a:r>
+              <a:rPr lang="en-US" dirty="0" err="1" smtClean="0"/>
+              <a:t>Unimodalna</a:t>
+            </a:r>
+            <a:r>
+              <a:rPr lang="en-US" dirty="0" smtClean="0"/>
+              <a:t> </a:t>
+            </a:r>
+            <a:r>
+              <a:rPr lang="en-US" dirty="0" err="1" smtClean="0"/>
+              <a:t>nenadzirana</a:t>
+            </a:r>
+            <a:r>
+              <a:rPr lang="en-US" dirty="0" smtClean="0"/>
+              <a:t> </a:t>
+            </a:r>
+            <a:r>
+              <a:rPr lang="en-US" dirty="0" err="1" smtClean="0"/>
+              <a:t>translacija</a:t>
+            </a:r>
+            <a:r>
+              <a:rPr lang="en-US" dirty="0" smtClean="0"/>
+              <a:t> (UNIT)</a:t>
+            </a:r>
+            <a:endParaRPr lang="en-US" dirty="0"/>
+          </a:p>
+        </p:txBody>
+      </p:sp>
+      <p:sp>
+        <p:nvSpPr>
+          <p:cNvPr id="3" name="Content Placeholder 2"/>
+          <p:cNvSpPr>
+            <a:spLocks noGrp="1"/>
+          </p:cNvSpPr>
+          <p:nvPr>
+            <p:ph idx="1"/>
+          </p:nvPr>
+        </p:nvSpPr>
+        <p:spPr/>
+        <p:txBody>
+          <a:bodyPr/>
+          <a:lstStyle/>
+          <a:p>
+            <a:r>
+              <a:rPr lang="hr-HR" dirty="0" smtClean="0"/>
+              <a:t>Ostvarenje umreženim GAN-om i varijacijskim </a:t>
+            </a:r>
+            <a:r>
+              <a:rPr lang="hr-HR" dirty="0" err="1" smtClean="0"/>
+              <a:t>autoenkoderom</a:t>
             </a:r>
             <a:endParaRPr lang="hr-HR" dirty="0" smtClean="0"/>
           </a:p>
           <a:p>
-            <a:endParaRPr lang="en-US" dirty="0"/>
+            <a:pPr lvl="1"/>
+            <a:r>
+              <a:rPr lang="hr-HR" dirty="0" smtClean="0"/>
+              <a:t>GAN stvara latentni prostor</a:t>
+            </a:r>
+          </a:p>
+          <a:p>
+            <a:pPr lvl="1"/>
+            <a:r>
+              <a:rPr lang="hr-HR" dirty="0" smtClean="0"/>
+              <a:t>VAE određuje relacije između domena</a:t>
+            </a:r>
+          </a:p>
+          <a:p>
+            <a:pPr marL="457200" lvl="1" indent="0">
+              <a:buNone/>
+            </a:pPr>
+            <a:endParaRPr lang="hr-HR" dirty="0" smtClean="0"/>
           </a:p>
         </p:txBody>
       </p:sp>
@@ -6754,1101 +8014,104 @@
         </p:blipFill>
         <p:spPr>
           <a:xfrm>
-            <a:off x="1103312" y="3433665"/>
-            <a:ext cx="9403742" cy="3452717"/>
+            <a:off x="1303730" y="3440587"/>
+            <a:ext cx="9456128" cy="3007482"/>
           </a:xfrm>
           <a:prstGeom prst="rect">
             <a:avLst/>
           </a:prstGeom>
         </p:spPr>
       </p:pic>
+      <p:sp>
+        <p:nvSpPr>
+          <p:cNvPr id="5" name="TextBox 4"/>
+          <p:cNvSpPr txBox="1"/>
+          <p:nvPr/>
+        </p:nvSpPr>
+        <p:spPr>
+          <a:xfrm>
+            <a:off x="1103312" y="6155681"/>
+            <a:ext cx="9961123" cy="584775"/>
+          </a:xfrm>
+          <a:prstGeom prst="rect">
+            <a:avLst/>
+          </a:prstGeom>
+          <a:noFill/>
+        </p:spPr>
+        <p:txBody>
+          <a:bodyPr wrap="square" rtlCol="0">
+            <a:spAutoFit/>
+          </a:bodyPr>
+          <a:lstStyle/>
+          <a:p>
+            <a:r>
+              <a:rPr lang="en-US" sz="1600" smtClean="0"/>
+              <a:t>Ming-Yu </a:t>
+            </a:r>
+            <a:r>
+              <a:rPr lang="en-US" sz="1600" dirty="0"/>
+              <a:t>Liu, Thomas </a:t>
+            </a:r>
+            <a:r>
+              <a:rPr lang="en-US" sz="1600" dirty="0" err="1"/>
+              <a:t>Breuel</a:t>
+            </a:r>
+            <a:r>
+              <a:rPr lang="en-US" sz="1600" dirty="0"/>
+              <a:t>, </a:t>
+            </a:r>
+            <a:r>
+              <a:rPr lang="en-US" sz="1600" dirty="0" err="1"/>
+              <a:t>i</a:t>
+            </a:r>
+            <a:r>
+              <a:rPr lang="en-US" sz="1600" dirty="0"/>
+              <a:t> Jan </a:t>
+            </a:r>
+            <a:r>
+              <a:rPr lang="en-US" sz="1600" dirty="0" err="1"/>
+              <a:t>Kautz</a:t>
+            </a:r>
+            <a:r>
+              <a:rPr lang="en-US" sz="1600" dirty="0"/>
+              <a:t>. Unsupervised image-to-</a:t>
+            </a:r>
+            <a:r>
+              <a:rPr lang="en-US" sz="1600" dirty="0" err="1"/>
+              <a:t>imagetranslation</a:t>
+            </a:r>
+            <a:r>
+              <a:rPr lang="en-US" sz="1600" dirty="0"/>
+              <a:t> networks. U Advances in Neural Information Processing </a:t>
+            </a:r>
+            <a:r>
+              <a:rPr lang="en-US" sz="1600" dirty="0" err="1"/>
+              <a:t>Systems,stranice</a:t>
+            </a:r>
+            <a:r>
+              <a:rPr lang="en-US" sz="1600" dirty="0"/>
+              <a:t> 700–708, 2017.</a:t>
+            </a:r>
+          </a:p>
+        </p:txBody>
+      </p:sp>
     </p:spTree>
     <p:extLst>
       <p:ext uri="{BB962C8B-B14F-4D97-AF65-F5344CB8AC3E}">
-        <p14:creationId xmlns:p14="http://schemas.microsoft.com/office/powerpoint/2010/main" val="1743734005"/>
+        <p14:creationId xmlns:p14="http://schemas.microsoft.com/office/powerpoint/2010/main" val="1446841711"/>
       </p:ext>
     </p:extLst>
   </p:cSld>
   <p:clrMapOvr>
     <a:masterClrMapping/>
   </p:clrMapOvr>
-</p:sld>
-</file>
-
-<file path=ppt/slides/slide12.xml><?xml version="1.0" encoding="utf-8"?>
-<p:sld xmlns:a="http://schemas.openxmlformats.org/drawingml/2006/main" xmlns:r="http://schemas.openxmlformats.org/officeDocument/2006/relationships" xmlns:p="http://schemas.openxmlformats.org/presentationml/2006/main">
-  <p:cSld>
-    <p:spTree>
-      <p:nvGrpSpPr>
-        <p:cNvPr id="1" name=""/>
-        <p:cNvGrpSpPr/>
-        <p:nvPr/>
-      </p:nvGrpSpPr>
-      <p:grpSpPr>
-        <a:xfrm>
-          <a:off x="0" y="0"/>
-          <a:ext cx="0" cy="0"/>
-          <a:chOff x="0" y="0"/>
-          <a:chExt cx="0" cy="0"/>
-        </a:xfrm>
-      </p:grpSpPr>
-      <p:sp>
-        <p:nvSpPr>
-          <p:cNvPr id="2" name="Title 1"/>
-          <p:cNvSpPr>
-            <a:spLocks noGrp="1"/>
-          </p:cNvSpPr>
-          <p:nvPr>
-            <p:ph type="title"/>
-          </p:nvPr>
-        </p:nvSpPr>
-        <p:spPr/>
-        <p:txBody>
-          <a:bodyPr/>
-          <a:lstStyle/>
-          <a:p>
-            <a:r>
-              <a:rPr lang="en-US" dirty="0" err="1" smtClean="0"/>
-              <a:t>Uvjetne</a:t>
-            </a:r>
-            <a:r>
-              <a:rPr lang="en-US" dirty="0" smtClean="0"/>
-              <a:t> </a:t>
-            </a:r>
-            <a:r>
-              <a:rPr lang="en-US" dirty="0" err="1" smtClean="0"/>
-              <a:t>generativne</a:t>
-            </a:r>
-            <a:r>
-              <a:rPr lang="en-US" dirty="0" smtClean="0"/>
-              <a:t> </a:t>
-            </a:r>
-            <a:r>
-              <a:rPr lang="en-US" dirty="0" err="1" smtClean="0"/>
-              <a:t>mreže</a:t>
-            </a:r>
-            <a:endParaRPr lang="en-US" dirty="0"/>
-          </a:p>
-        </p:txBody>
-      </p:sp>
-      <p:sp>
-        <p:nvSpPr>
-          <p:cNvPr id="3" name="Content Placeholder 2"/>
-          <p:cNvSpPr>
-            <a:spLocks noGrp="1"/>
-          </p:cNvSpPr>
-          <p:nvPr>
-            <p:ph idx="1"/>
-          </p:nvPr>
-        </p:nvSpPr>
-        <p:spPr>
-          <a:xfrm>
-            <a:off x="1103312" y="2052918"/>
-            <a:ext cx="8946541" cy="3694739"/>
-          </a:xfrm>
-        </p:spPr>
-        <p:txBody>
-          <a:bodyPr/>
-          <a:lstStyle/>
-          <a:p>
-            <a:r>
-              <a:rPr lang="hr-HR" dirty="0" smtClean="0"/>
-              <a:t>Funkcija gubitka</a:t>
-            </a:r>
-          </a:p>
-          <a:p>
-            <a:pPr lvl="1"/>
-            <a:r>
-              <a:rPr lang="hr-HR" dirty="0" smtClean="0"/>
-              <a:t>Obični GAN - jesu li generirani podatci različiti od stvarnih</a:t>
-            </a:r>
-          </a:p>
-          <a:p>
-            <a:pPr lvl="1"/>
-            <a:r>
-              <a:rPr lang="hr-HR" dirty="0" smtClean="0"/>
-              <a:t>Uvjetovani GAN - </a:t>
-            </a:r>
-            <a:endParaRPr lang="en-US" dirty="0"/>
-          </a:p>
-        </p:txBody>
-      </p:sp>
-    </p:spTree>
-    <p:extLst>
-      <p:ext uri="{BB962C8B-B14F-4D97-AF65-F5344CB8AC3E}">
-        <p14:creationId xmlns:p14="http://schemas.microsoft.com/office/powerpoint/2010/main" val="2139513934"/>
-      </p:ext>
-    </p:extLst>
-  </p:cSld>
-  <p:clrMapOvr>
-    <a:masterClrMapping/>
-  </p:clrMapOvr>
-</p:sld>
-</file>
-
-<file path=ppt/slides/slide13.xml><?xml version="1.0" encoding="utf-8"?>
-<p:sld xmlns:a="http://schemas.openxmlformats.org/drawingml/2006/main" xmlns:r="http://schemas.openxmlformats.org/officeDocument/2006/relationships" xmlns:p="http://schemas.openxmlformats.org/presentationml/2006/main">
-  <p:cSld>
-    <p:spTree>
-      <p:nvGrpSpPr>
-        <p:cNvPr id="1" name=""/>
-        <p:cNvGrpSpPr/>
-        <p:nvPr/>
-      </p:nvGrpSpPr>
-      <p:grpSpPr>
-        <a:xfrm>
-          <a:off x="0" y="0"/>
-          <a:ext cx="0" cy="0"/>
-          <a:chOff x="0" y="0"/>
-          <a:chExt cx="0" cy="0"/>
-        </a:xfrm>
-      </p:grpSpPr>
-      <p:sp>
-        <p:nvSpPr>
-          <p:cNvPr id="2" name="Title 1"/>
-          <p:cNvSpPr>
-            <a:spLocks noGrp="1"/>
-          </p:cNvSpPr>
-          <p:nvPr>
-            <p:ph type="title"/>
-          </p:nvPr>
-        </p:nvSpPr>
-        <p:spPr/>
-        <p:txBody>
-          <a:bodyPr/>
-          <a:lstStyle/>
-          <a:p>
-            <a:r>
-              <a:rPr lang="en-US" dirty="0" err="1" smtClean="0"/>
-              <a:t>Translacija</a:t>
-            </a:r>
-            <a:r>
-              <a:rPr lang="en-US" dirty="0" smtClean="0"/>
-              <a:t> bez </a:t>
-            </a:r>
-            <a:r>
-              <a:rPr lang="en-US" dirty="0" err="1" smtClean="0"/>
-              <a:t>uparenih</a:t>
-            </a:r>
-            <a:r>
-              <a:rPr lang="en-US" dirty="0" smtClean="0"/>
-              <a:t> </a:t>
-            </a:r>
-            <a:r>
-              <a:rPr lang="en-US" dirty="0" err="1" smtClean="0"/>
-              <a:t>primjera</a:t>
-            </a:r>
-            <a:r>
-              <a:rPr lang="en-US" dirty="0" smtClean="0"/>
-              <a:t> </a:t>
-            </a:r>
-            <a:r>
-              <a:rPr lang="en-US" dirty="0" err="1" smtClean="0"/>
-              <a:t>za</a:t>
-            </a:r>
-            <a:r>
-              <a:rPr lang="en-US" dirty="0" smtClean="0"/>
-              <a:t> </a:t>
-            </a:r>
-            <a:r>
-              <a:rPr lang="en-US" dirty="0" err="1" smtClean="0"/>
-              <a:t>učenje</a:t>
-            </a:r>
-            <a:endParaRPr lang="en-US" dirty="0"/>
-          </a:p>
-        </p:txBody>
-      </p:sp>
-      <p:sp>
-        <p:nvSpPr>
-          <p:cNvPr id="3" name="Content Placeholder 2"/>
-          <p:cNvSpPr>
-            <a:spLocks noGrp="1"/>
-          </p:cNvSpPr>
-          <p:nvPr>
-            <p:ph idx="1"/>
-          </p:nvPr>
-        </p:nvSpPr>
-        <p:spPr/>
-        <p:txBody>
-          <a:bodyPr/>
-          <a:lstStyle/>
-          <a:p>
-            <a:r>
-              <a:rPr lang="en-US" dirty="0" err="1" smtClean="0"/>
-              <a:t>GANovi</a:t>
-            </a:r>
-            <a:r>
-              <a:rPr lang="en-US" dirty="0" smtClean="0"/>
-              <a:t> </a:t>
-            </a:r>
-            <a:r>
-              <a:rPr lang="en-US" dirty="0" err="1" smtClean="0"/>
-              <a:t>ovise</a:t>
-            </a:r>
-            <a:r>
-              <a:rPr lang="en-US" dirty="0" smtClean="0"/>
-              <a:t> o </a:t>
-            </a:r>
-            <a:r>
-              <a:rPr lang="en-US" dirty="0" err="1" smtClean="0"/>
-              <a:t>velikim</a:t>
-            </a:r>
-            <a:r>
-              <a:rPr lang="en-US" dirty="0" smtClean="0"/>
-              <a:t> </a:t>
-            </a:r>
-            <a:r>
-              <a:rPr lang="en-US" dirty="0" err="1" smtClean="0"/>
-              <a:t>količinama</a:t>
-            </a:r>
-            <a:r>
-              <a:rPr lang="en-US" dirty="0" smtClean="0"/>
-              <a:t> </a:t>
-            </a:r>
-            <a:r>
-              <a:rPr lang="en-US" dirty="0" err="1" smtClean="0"/>
-              <a:t>podataka</a:t>
-            </a:r>
-            <a:endParaRPr lang="en-US" dirty="0" smtClean="0"/>
-          </a:p>
-          <a:p>
-            <a:endParaRPr lang="en-US" dirty="0" smtClean="0"/>
-          </a:p>
-          <a:p>
-            <a:r>
-              <a:rPr lang="en-US" dirty="0" err="1" smtClean="0"/>
-              <a:t>Izrada</a:t>
-            </a:r>
-            <a:r>
-              <a:rPr lang="en-US" dirty="0" smtClean="0"/>
-              <a:t> </a:t>
-            </a:r>
-            <a:r>
-              <a:rPr lang="en-US" dirty="0" err="1" smtClean="0"/>
-              <a:t>takvih</a:t>
-            </a:r>
-            <a:r>
-              <a:rPr lang="en-US" dirty="0" smtClean="0"/>
-              <a:t> </a:t>
-            </a:r>
-            <a:r>
-              <a:rPr lang="en-US" dirty="0" err="1" smtClean="0"/>
-              <a:t>skupova</a:t>
-            </a:r>
-            <a:endParaRPr lang="en-US" dirty="0"/>
-          </a:p>
-          <a:p>
-            <a:pPr lvl="1"/>
-            <a:r>
-              <a:rPr lang="en-US" dirty="0" err="1" smtClean="0"/>
-              <a:t>Izuzetno</a:t>
-            </a:r>
-            <a:r>
-              <a:rPr lang="en-US" dirty="0" smtClean="0"/>
-              <a:t> </a:t>
-            </a:r>
-            <a:r>
-              <a:rPr lang="en-US" dirty="0" err="1" smtClean="0"/>
-              <a:t>skupa</a:t>
-            </a:r>
-            <a:endParaRPr lang="en-US" dirty="0" smtClean="0"/>
-          </a:p>
-          <a:p>
-            <a:pPr lvl="1"/>
-            <a:r>
-              <a:rPr lang="en-US" dirty="0" err="1" smtClean="0"/>
-              <a:t>Iznimno</a:t>
-            </a:r>
-            <a:r>
-              <a:rPr lang="en-US" dirty="0" smtClean="0"/>
-              <a:t> </a:t>
-            </a:r>
-            <a:r>
-              <a:rPr lang="en-US" dirty="0" err="1" smtClean="0"/>
-              <a:t>dugotrajna</a:t>
-            </a:r>
-            <a:endParaRPr lang="en-US" dirty="0" smtClean="0"/>
-          </a:p>
-          <a:p>
-            <a:pPr lvl="1"/>
-            <a:r>
-              <a:rPr lang="en-US" dirty="0" err="1" smtClean="0"/>
-              <a:t>Često</a:t>
-            </a:r>
-            <a:r>
-              <a:rPr lang="en-US" dirty="0" smtClean="0"/>
-              <a:t> </a:t>
-            </a:r>
-            <a:r>
-              <a:rPr lang="en-US" dirty="0" err="1" smtClean="0"/>
-              <a:t>neizvediva</a:t>
-            </a:r>
-            <a:endParaRPr lang="en-US" dirty="0" smtClean="0"/>
-          </a:p>
-        </p:txBody>
-      </p:sp>
-    </p:spTree>
-    <p:extLst>
-      <p:ext uri="{BB962C8B-B14F-4D97-AF65-F5344CB8AC3E}">
-        <p14:creationId xmlns:p14="http://schemas.microsoft.com/office/powerpoint/2010/main" val="274286887"/>
-      </p:ext>
-    </p:extLst>
-  </p:cSld>
-  <p:clrMapOvr>
-    <a:masterClrMapping/>
-  </p:clrMapOvr>
-</p:sld>
-</file>
-
-<file path=ppt/slides/slide14.xml><?xml version="1.0" encoding="utf-8"?>
-<p:sld xmlns:a="http://schemas.openxmlformats.org/drawingml/2006/main" xmlns:r="http://schemas.openxmlformats.org/officeDocument/2006/relationships" xmlns:p="http://schemas.openxmlformats.org/presentationml/2006/main">
-  <p:cSld>
-    <p:spTree>
-      <p:nvGrpSpPr>
-        <p:cNvPr id="1" name=""/>
-        <p:cNvGrpSpPr/>
-        <p:nvPr/>
-      </p:nvGrpSpPr>
-      <p:grpSpPr>
-        <a:xfrm>
-          <a:off x="0" y="0"/>
-          <a:ext cx="0" cy="0"/>
-          <a:chOff x="0" y="0"/>
-          <a:chExt cx="0" cy="0"/>
-        </a:xfrm>
-      </p:grpSpPr>
-      <p:sp>
-        <p:nvSpPr>
-          <p:cNvPr id="2" name="Title 1"/>
-          <p:cNvSpPr>
-            <a:spLocks noGrp="1"/>
-          </p:cNvSpPr>
-          <p:nvPr>
-            <p:ph type="title"/>
-          </p:nvPr>
-        </p:nvSpPr>
-        <p:spPr/>
-        <p:txBody>
-          <a:bodyPr/>
-          <a:lstStyle/>
-          <a:p>
-            <a:r>
-              <a:rPr lang="en-US" dirty="0" err="1" smtClean="0"/>
-              <a:t>Translacija</a:t>
-            </a:r>
-            <a:r>
-              <a:rPr lang="en-US" dirty="0" smtClean="0"/>
-              <a:t> bez </a:t>
-            </a:r>
-            <a:r>
-              <a:rPr lang="en-US" dirty="0" err="1" smtClean="0"/>
-              <a:t>uparenih</a:t>
-            </a:r>
-            <a:r>
-              <a:rPr lang="en-US" dirty="0" smtClean="0"/>
-              <a:t> </a:t>
-            </a:r>
-            <a:r>
-              <a:rPr lang="en-US" dirty="0" err="1" smtClean="0"/>
-              <a:t>primjera</a:t>
-            </a:r>
-            <a:r>
-              <a:rPr lang="en-US" dirty="0" smtClean="0"/>
-              <a:t> </a:t>
-            </a:r>
-            <a:r>
-              <a:rPr lang="en-US" dirty="0" err="1" smtClean="0"/>
-              <a:t>za</a:t>
-            </a:r>
-            <a:r>
-              <a:rPr lang="en-US" dirty="0" smtClean="0"/>
-              <a:t> </a:t>
-            </a:r>
-            <a:r>
-              <a:rPr lang="en-US" dirty="0" err="1" smtClean="0"/>
-              <a:t>učenje</a:t>
-            </a:r>
-            <a:endParaRPr lang="en-US" dirty="0"/>
-          </a:p>
-        </p:txBody>
-      </p:sp>
-      <p:sp>
-        <p:nvSpPr>
-          <p:cNvPr id="3" name="Content Placeholder 2"/>
-          <p:cNvSpPr>
-            <a:spLocks noGrp="1"/>
-          </p:cNvSpPr>
-          <p:nvPr>
-            <p:ph idx="1"/>
-          </p:nvPr>
-        </p:nvSpPr>
-        <p:spPr/>
-        <p:txBody>
-          <a:bodyPr/>
-          <a:lstStyle/>
-          <a:p>
-            <a:r>
-              <a:rPr lang="en-US" dirty="0" err="1" smtClean="0"/>
-              <a:t>Pri</a:t>
-            </a:r>
-            <a:r>
-              <a:rPr lang="en-US" dirty="0" smtClean="0"/>
-              <a:t> </a:t>
-            </a:r>
-            <a:r>
-              <a:rPr lang="en-US" dirty="0" err="1" smtClean="0"/>
-              <a:t>učenju</a:t>
-            </a:r>
-            <a:r>
-              <a:rPr lang="en-US" dirty="0" smtClean="0"/>
-              <a:t> bez </a:t>
-            </a:r>
-            <a:r>
-              <a:rPr lang="en-US" dirty="0" err="1" smtClean="0"/>
-              <a:t>označenih</a:t>
-            </a:r>
-            <a:r>
-              <a:rPr lang="en-US" dirty="0" smtClean="0"/>
-              <a:t> </a:t>
-            </a:r>
-            <a:r>
-              <a:rPr lang="en-US" dirty="0" err="1" smtClean="0"/>
-              <a:t>primjera</a:t>
-            </a:r>
-            <a:r>
-              <a:rPr lang="en-US" dirty="0" smtClean="0"/>
-              <a:t> </a:t>
-            </a:r>
-            <a:r>
-              <a:rPr lang="en-US" dirty="0" err="1" smtClean="0"/>
-              <a:t>cilj</a:t>
-            </a:r>
-            <a:r>
-              <a:rPr lang="en-US" dirty="0" smtClean="0"/>
-              <a:t> u </a:t>
-            </a:r>
-            <a:r>
-              <a:rPr lang="en-US" dirty="0" err="1" smtClean="0"/>
-              <a:t>biti</a:t>
-            </a:r>
-            <a:r>
-              <a:rPr lang="en-US" dirty="0" smtClean="0"/>
-              <a:t> </a:t>
-            </a:r>
-            <a:r>
-              <a:rPr lang="en-US" dirty="0" err="1" smtClean="0"/>
-              <a:t>ostaje</a:t>
-            </a:r>
-            <a:r>
-              <a:rPr lang="en-US" dirty="0" smtClean="0"/>
-              <a:t> </a:t>
-            </a:r>
-            <a:r>
-              <a:rPr lang="en-US" dirty="0" err="1" smtClean="0"/>
-              <a:t>isti</a:t>
-            </a:r>
-            <a:endParaRPr lang="en-US" dirty="0" smtClean="0"/>
-          </a:p>
-          <a:p>
-            <a:pPr lvl="1"/>
-            <a:r>
-              <a:rPr lang="en-US" dirty="0" err="1"/>
-              <a:t>Naučiti</a:t>
-            </a:r>
-            <a:r>
-              <a:rPr lang="en-US" dirty="0"/>
-              <a:t> </a:t>
-            </a:r>
-            <a:r>
-              <a:rPr lang="en-US" dirty="0" err="1"/>
-              <a:t>preslikavanje</a:t>
-            </a:r>
-            <a:r>
-              <a:rPr lang="en-US" dirty="0"/>
-              <a:t> s </a:t>
-            </a:r>
-            <a:r>
-              <a:rPr lang="en-US" dirty="0" err="1"/>
-              <a:t>izvorišne</a:t>
-            </a:r>
-            <a:r>
-              <a:rPr lang="en-US" dirty="0"/>
-              <a:t> </a:t>
-            </a:r>
-            <a:r>
-              <a:rPr lang="en-US" dirty="0" err="1"/>
-              <a:t>domene</a:t>
-            </a:r>
-            <a:r>
-              <a:rPr lang="en-US" dirty="0"/>
-              <a:t> X </a:t>
-            </a:r>
-            <a:r>
-              <a:rPr lang="en-US" dirty="0" err="1"/>
-              <a:t>na</a:t>
-            </a:r>
-            <a:r>
-              <a:rPr lang="en-US" dirty="0"/>
-              <a:t> </a:t>
-            </a:r>
-            <a:r>
-              <a:rPr lang="en-US" dirty="0" err="1"/>
-              <a:t>ciljnu</a:t>
-            </a:r>
-            <a:r>
-              <a:rPr lang="en-US" dirty="0"/>
-              <a:t> Y: G:X-&gt;Y</a:t>
-            </a:r>
-          </a:p>
-          <a:p>
-            <a:pPr marL="457200" lvl="1" indent="0">
-              <a:buNone/>
-            </a:pPr>
-            <a:r>
-              <a:rPr lang="en-US" dirty="0" err="1"/>
-              <a:t>takvo</a:t>
-            </a:r>
-            <a:r>
-              <a:rPr lang="en-US" dirty="0"/>
-              <a:t> da </a:t>
-            </a:r>
-            <a:r>
-              <a:rPr lang="en-US" dirty="0" err="1"/>
-              <a:t>nije</a:t>
-            </a:r>
-            <a:r>
-              <a:rPr lang="en-US" dirty="0"/>
-              <a:t> </a:t>
-            </a:r>
-            <a:r>
-              <a:rPr lang="en-US" dirty="0" err="1"/>
-              <a:t>moguće</a:t>
-            </a:r>
-            <a:r>
-              <a:rPr lang="en-US" dirty="0"/>
-              <a:t> </a:t>
-            </a:r>
-            <a:r>
-              <a:rPr lang="en-US" dirty="0" err="1"/>
-              <a:t>razlikovati</a:t>
-            </a:r>
-            <a:r>
-              <a:rPr lang="en-US" dirty="0"/>
-              <a:t> </a:t>
-            </a:r>
-            <a:r>
-              <a:rPr lang="en-US" dirty="0" err="1"/>
-              <a:t>distribuciju</a:t>
-            </a:r>
-            <a:r>
-              <a:rPr lang="en-US" dirty="0"/>
-              <a:t> G(X) od </a:t>
-            </a:r>
-            <a:r>
-              <a:rPr lang="en-US" dirty="0" err="1"/>
-              <a:t>distribucije</a:t>
-            </a:r>
-            <a:r>
-              <a:rPr lang="en-US" dirty="0"/>
-              <a:t> </a:t>
-            </a:r>
-            <a:r>
-              <a:rPr lang="en-US" dirty="0" smtClean="0"/>
-              <a:t>Y</a:t>
-            </a:r>
-          </a:p>
-          <a:p>
-            <a:pPr marL="457200" lvl="1" indent="0">
-              <a:buNone/>
-            </a:pPr>
-            <a:endParaRPr lang="en-US" dirty="0"/>
-          </a:p>
-          <a:p>
-            <a:r>
-              <a:rPr lang="en-US" dirty="0" smtClean="0"/>
-              <a:t>Problem</a:t>
-            </a:r>
-          </a:p>
-          <a:p>
-            <a:pPr lvl="1"/>
-            <a:r>
-              <a:rPr lang="en-US" dirty="0" err="1" smtClean="0"/>
-              <a:t>cilj</a:t>
-            </a:r>
-            <a:r>
-              <a:rPr lang="en-US" dirty="0" smtClean="0"/>
-              <a:t> je </a:t>
-            </a:r>
-            <a:r>
-              <a:rPr lang="en-US" dirty="0" err="1" smtClean="0"/>
-              <a:t>vrlo</a:t>
-            </a:r>
-            <a:r>
-              <a:rPr lang="en-US" dirty="0" smtClean="0"/>
-              <a:t> </a:t>
-            </a:r>
-            <a:r>
-              <a:rPr lang="en-US" dirty="0" err="1" smtClean="0"/>
-              <a:t>nespecifičan</a:t>
-            </a:r>
-            <a:endParaRPr lang="en-US" dirty="0" smtClean="0"/>
-          </a:p>
-          <a:p>
-            <a:pPr lvl="1"/>
-            <a:r>
-              <a:rPr lang="en-US" dirty="0" err="1" smtClean="0"/>
-              <a:t>Rezultati</a:t>
-            </a:r>
-            <a:r>
-              <a:rPr lang="en-US" dirty="0" smtClean="0"/>
-              <a:t> </a:t>
-            </a:r>
-            <a:r>
-              <a:rPr lang="en-US" dirty="0" err="1" smtClean="0"/>
-              <a:t>su</a:t>
-            </a:r>
-            <a:r>
-              <a:rPr lang="en-US" dirty="0" smtClean="0"/>
-              <a:t> </a:t>
-            </a:r>
-            <a:r>
-              <a:rPr lang="en-US" dirty="0" err="1" smtClean="0"/>
-              <a:t>nekonzistentni</a:t>
-            </a:r>
-            <a:endParaRPr lang="en-US" dirty="0" smtClean="0"/>
-          </a:p>
-          <a:p>
-            <a:endParaRPr lang="en-US" dirty="0" smtClean="0"/>
-          </a:p>
-          <a:p>
-            <a:endParaRPr lang="en-US" dirty="0" smtClean="0"/>
-          </a:p>
-        </p:txBody>
-      </p:sp>
-    </p:spTree>
-    <p:extLst>
-      <p:ext uri="{BB962C8B-B14F-4D97-AF65-F5344CB8AC3E}">
-        <p14:creationId xmlns:p14="http://schemas.microsoft.com/office/powerpoint/2010/main" val="1112506289"/>
-      </p:ext>
-    </p:extLst>
-  </p:cSld>
-  <p:clrMapOvr>
-    <a:masterClrMapping/>
-  </p:clrMapOvr>
-</p:sld>
-</file>
-
-<file path=ppt/slides/slide15.xml><?xml version="1.0" encoding="utf-8"?>
-<p:sld xmlns:a="http://schemas.openxmlformats.org/drawingml/2006/main" xmlns:r="http://schemas.openxmlformats.org/officeDocument/2006/relationships" xmlns:p="http://schemas.openxmlformats.org/presentationml/2006/main">
-  <p:cSld>
-    <p:spTree>
-      <p:nvGrpSpPr>
-        <p:cNvPr id="1" name=""/>
-        <p:cNvGrpSpPr/>
-        <p:nvPr/>
-      </p:nvGrpSpPr>
-      <p:grpSpPr>
-        <a:xfrm>
-          <a:off x="0" y="0"/>
-          <a:ext cx="0" cy="0"/>
-          <a:chOff x="0" y="0"/>
-          <a:chExt cx="0" cy="0"/>
-        </a:xfrm>
-      </p:grpSpPr>
-      <p:sp>
-        <p:nvSpPr>
-          <p:cNvPr id="2" name="Title 1"/>
-          <p:cNvSpPr>
-            <a:spLocks noGrp="1"/>
-          </p:cNvSpPr>
-          <p:nvPr>
-            <p:ph type="title"/>
-          </p:nvPr>
-        </p:nvSpPr>
-        <p:spPr/>
-        <p:txBody>
-          <a:bodyPr/>
-          <a:lstStyle/>
-          <a:p>
-            <a:r>
-              <a:rPr lang="en-US" dirty="0" err="1" smtClean="0"/>
-              <a:t>Kružni</a:t>
-            </a:r>
-            <a:r>
-              <a:rPr lang="en-US" dirty="0" smtClean="0"/>
-              <a:t> GAN (</a:t>
-            </a:r>
-            <a:r>
-              <a:rPr lang="en-US" dirty="0" err="1" smtClean="0"/>
-              <a:t>CycleGAN</a:t>
-            </a:r>
-            <a:r>
-              <a:rPr lang="en-US" dirty="0" smtClean="0"/>
-              <a:t>)</a:t>
-            </a:r>
-            <a:endParaRPr lang="en-US" dirty="0"/>
-          </a:p>
-        </p:txBody>
-      </p:sp>
-      <p:sp>
-        <p:nvSpPr>
-          <p:cNvPr id="3" name="Content Placeholder 2"/>
-          <p:cNvSpPr>
-            <a:spLocks noGrp="1"/>
-          </p:cNvSpPr>
-          <p:nvPr>
-            <p:ph idx="1"/>
-          </p:nvPr>
-        </p:nvSpPr>
-        <p:spPr/>
-        <p:txBody>
-          <a:bodyPr/>
-          <a:lstStyle/>
-          <a:p>
-            <a:r>
-              <a:rPr lang="en-US" dirty="0" err="1" smtClean="0"/>
-              <a:t>Uvode</a:t>
-            </a:r>
-            <a:r>
-              <a:rPr lang="en-US" dirty="0" smtClean="0"/>
-              <a:t> </a:t>
-            </a:r>
-            <a:r>
-              <a:rPr lang="en-US" dirty="0" err="1" smtClean="0"/>
-              <a:t>uvjet</a:t>
-            </a:r>
-            <a:r>
-              <a:rPr lang="en-US" dirty="0" smtClean="0"/>
-              <a:t> </a:t>
-            </a:r>
-            <a:r>
-              <a:rPr lang="en-US" dirty="0" err="1" smtClean="0"/>
-              <a:t>tranzitivnosti</a:t>
-            </a:r>
-            <a:r>
-              <a:rPr lang="en-US" dirty="0" smtClean="0"/>
-              <a:t> </a:t>
-            </a:r>
-            <a:r>
-              <a:rPr lang="en-US" dirty="0" err="1" smtClean="0"/>
-              <a:t>nad</a:t>
-            </a:r>
-            <a:r>
-              <a:rPr lang="en-US" dirty="0" smtClean="0"/>
-              <a:t> </a:t>
-            </a:r>
-            <a:r>
-              <a:rPr lang="en-US" dirty="0" err="1" smtClean="0"/>
-              <a:t>ciljnom</a:t>
-            </a:r>
-            <a:r>
-              <a:rPr lang="en-US" dirty="0" smtClean="0"/>
-              <a:t> </a:t>
-            </a:r>
-            <a:r>
-              <a:rPr lang="en-US" dirty="0" err="1" smtClean="0"/>
-              <a:t>funkcijom</a:t>
-            </a:r>
-            <a:endParaRPr lang="en-US" dirty="0" smtClean="0"/>
-          </a:p>
-          <a:p>
-            <a:endParaRPr lang="en-US" dirty="0" smtClean="0"/>
-          </a:p>
-          <a:p>
-            <a:r>
-              <a:rPr lang="en-US" dirty="0" err="1" smtClean="0"/>
-              <a:t>Efektivno</a:t>
-            </a:r>
-            <a:r>
-              <a:rPr lang="en-US" dirty="0" smtClean="0"/>
-              <a:t> </a:t>
-            </a:r>
-            <a:r>
-              <a:rPr lang="en-US" dirty="0" err="1" smtClean="0"/>
-              <a:t>vrše</a:t>
-            </a:r>
-            <a:r>
-              <a:rPr lang="en-US" dirty="0" smtClean="0"/>
-              <a:t> </a:t>
-            </a:r>
-            <a:r>
-              <a:rPr lang="en-US" dirty="0" err="1" smtClean="0"/>
-              <a:t>regularizaciju</a:t>
-            </a:r>
-            <a:endParaRPr lang="en-US" dirty="0" smtClean="0"/>
-          </a:p>
-          <a:p>
-            <a:endParaRPr lang="en-US" dirty="0" smtClean="0"/>
-          </a:p>
-          <a:p>
-            <a:r>
-              <a:rPr lang="en-US" dirty="0" err="1" smtClean="0"/>
-              <a:t>Uz</a:t>
-            </a:r>
-            <a:r>
-              <a:rPr lang="en-US" dirty="0" smtClean="0"/>
-              <a:t> </a:t>
-            </a:r>
-            <a:r>
-              <a:rPr lang="en-US" dirty="0" err="1" smtClean="0"/>
-              <a:t>inverz</a:t>
-            </a:r>
-            <a:r>
-              <a:rPr lang="en-US" dirty="0" smtClean="0"/>
-              <a:t> G-a =&gt; F : Y </a:t>
-            </a:r>
-            <a:r>
-              <a:rPr lang="mr-IN" dirty="0" smtClean="0"/>
-              <a:t>–</a:t>
-            </a:r>
-            <a:r>
-              <a:rPr lang="en-US" dirty="0" smtClean="0"/>
-              <a:t>&gt; X</a:t>
-            </a:r>
-          </a:p>
-          <a:p>
-            <a:pPr lvl="1"/>
-            <a:r>
-              <a:rPr lang="en-US" dirty="0" err="1" smtClean="0"/>
-              <a:t>Funkciju</a:t>
-            </a:r>
-            <a:r>
-              <a:rPr lang="en-US" dirty="0" smtClean="0"/>
-              <a:t> </a:t>
-            </a:r>
-            <a:r>
-              <a:rPr lang="en-US" dirty="0" err="1" smtClean="0"/>
-              <a:t>gubitka</a:t>
-            </a:r>
-            <a:r>
-              <a:rPr lang="en-US" dirty="0" smtClean="0"/>
-              <a:t> </a:t>
-            </a:r>
-            <a:r>
-              <a:rPr lang="en-US" dirty="0" err="1" smtClean="0"/>
-              <a:t>proširuju</a:t>
-            </a:r>
-            <a:r>
-              <a:rPr lang="en-US" dirty="0" smtClean="0"/>
-              <a:t> </a:t>
-            </a:r>
-            <a:r>
-              <a:rPr lang="en-US" dirty="0" err="1" smtClean="0"/>
-              <a:t>gubitkom</a:t>
-            </a:r>
-            <a:r>
-              <a:rPr lang="en-US" dirty="0" smtClean="0"/>
-              <a:t> </a:t>
-            </a:r>
-            <a:r>
-              <a:rPr lang="en-US" dirty="0" err="1" smtClean="0"/>
-              <a:t>cikličke</a:t>
-            </a:r>
-            <a:r>
-              <a:rPr lang="en-US" dirty="0" smtClean="0"/>
-              <a:t> </a:t>
-            </a:r>
-            <a:r>
-              <a:rPr lang="en-US" dirty="0" err="1" smtClean="0"/>
-              <a:t>dosljednosti</a:t>
-            </a:r>
-            <a:r>
-              <a:rPr lang="en-US" dirty="0" smtClean="0"/>
-              <a:t>:</a:t>
-            </a:r>
-          </a:p>
-          <a:p>
-            <a:pPr marL="457200" lvl="1" indent="0">
-              <a:buNone/>
-            </a:pPr>
-            <a:r>
-              <a:rPr lang="en-US" dirty="0" smtClean="0"/>
-              <a:t>	F(G(X)) = </a:t>
-            </a:r>
-            <a:r>
-              <a:rPr lang="en-US" dirty="0" err="1" smtClean="0"/>
-              <a:t>cca</a:t>
-            </a:r>
-            <a:r>
-              <a:rPr lang="en-US" dirty="0" smtClean="0"/>
-              <a:t> X</a:t>
-            </a:r>
-          </a:p>
-        </p:txBody>
-      </p:sp>
-    </p:spTree>
-    <p:extLst>
-      <p:ext uri="{BB962C8B-B14F-4D97-AF65-F5344CB8AC3E}">
-        <p14:creationId xmlns:p14="http://schemas.microsoft.com/office/powerpoint/2010/main" val="472435133"/>
-      </p:ext>
-    </p:extLst>
-  </p:cSld>
-  <p:clrMapOvr>
-    <a:masterClrMapping/>
-  </p:clrMapOvr>
-</p:sld>
-</file>
-
-<file path=ppt/slides/slide16.xml><?xml version="1.0" encoding="utf-8"?>
-<p:sld xmlns:a="http://schemas.openxmlformats.org/drawingml/2006/main" xmlns:r="http://schemas.openxmlformats.org/officeDocument/2006/relationships" xmlns:p="http://schemas.openxmlformats.org/presentationml/2006/main">
-  <p:cSld>
-    <p:spTree>
-      <p:nvGrpSpPr>
-        <p:cNvPr id="1" name=""/>
-        <p:cNvGrpSpPr/>
-        <p:nvPr/>
-      </p:nvGrpSpPr>
-      <p:grpSpPr>
-        <a:xfrm>
-          <a:off x="0" y="0"/>
-          <a:ext cx="0" cy="0"/>
-          <a:chOff x="0" y="0"/>
-          <a:chExt cx="0" cy="0"/>
-        </a:xfrm>
-      </p:grpSpPr>
-      <p:pic>
-        <p:nvPicPr>
-          <p:cNvPr id="4" name="Content Placeholder 3"/>
-          <p:cNvPicPr>
-            <a:picLocks noGrp="1" noChangeAspect="1"/>
-          </p:cNvPicPr>
-          <p:nvPr>
-            <p:ph idx="1"/>
-          </p:nvPr>
-        </p:nvPicPr>
-        <p:blipFill>
-          <a:blip r:embed="rId2">
-            <a:extLst>
-              <a:ext uri="{28A0092B-C50C-407E-A947-70E740481C1C}">
-                <a14:useLocalDpi xmlns:a14="http://schemas.microsoft.com/office/drawing/2010/main" val="0"/>
-              </a:ext>
-            </a:extLst>
-          </a:blip>
-          <a:stretch>
-            <a:fillRect/>
-          </a:stretch>
-        </p:blipFill>
-        <p:spPr>
-          <a:xfrm>
-            <a:off x="2873829" y="31772"/>
-            <a:ext cx="6083559" cy="6826228"/>
-          </a:xfrm>
-        </p:spPr>
-      </p:pic>
-    </p:spTree>
-    <p:extLst>
-      <p:ext uri="{BB962C8B-B14F-4D97-AF65-F5344CB8AC3E}">
-        <p14:creationId xmlns:p14="http://schemas.microsoft.com/office/powerpoint/2010/main" val="19375219"/>
-      </p:ext>
-    </p:extLst>
-  </p:cSld>
-  <p:clrMapOvr>
-    <a:masterClrMapping/>
-  </p:clrMapOvr>
-</p:sld>
-</file>
-
-<file path=ppt/slides/slide17.xml><?xml version="1.0" encoding="utf-8"?>
-<p:sld xmlns:a="http://schemas.openxmlformats.org/drawingml/2006/main" xmlns:r="http://schemas.openxmlformats.org/officeDocument/2006/relationships" xmlns:p="http://schemas.openxmlformats.org/presentationml/2006/main">
-  <p:cSld>
-    <p:spTree>
-      <p:nvGrpSpPr>
-        <p:cNvPr id="1" name=""/>
-        <p:cNvGrpSpPr/>
-        <p:nvPr/>
-      </p:nvGrpSpPr>
-      <p:grpSpPr>
-        <a:xfrm>
-          <a:off x="0" y="0"/>
-          <a:ext cx="0" cy="0"/>
-          <a:chOff x="0" y="0"/>
-          <a:chExt cx="0" cy="0"/>
-        </a:xfrm>
-      </p:grpSpPr>
-      <p:sp>
-        <p:nvSpPr>
-          <p:cNvPr id="2" name="Title 1"/>
-          <p:cNvSpPr>
-            <a:spLocks noGrp="1"/>
-          </p:cNvSpPr>
-          <p:nvPr>
-            <p:ph type="title"/>
-          </p:nvPr>
-        </p:nvSpPr>
-        <p:spPr/>
-        <p:txBody>
-          <a:bodyPr/>
-          <a:lstStyle/>
-          <a:p>
-            <a:r>
-              <a:rPr lang="en-US" dirty="0" err="1" smtClean="0"/>
-              <a:t>Kružni</a:t>
-            </a:r>
-            <a:r>
-              <a:rPr lang="en-US" dirty="0" smtClean="0"/>
-              <a:t> GAN (</a:t>
-            </a:r>
-            <a:r>
-              <a:rPr lang="en-US" dirty="0" err="1" smtClean="0"/>
-              <a:t>CycleGAN</a:t>
-            </a:r>
-            <a:r>
-              <a:rPr lang="en-US" dirty="0" smtClean="0"/>
-              <a:t>)</a:t>
-            </a:r>
-            <a:endParaRPr lang="en-US" dirty="0"/>
-          </a:p>
-        </p:txBody>
-      </p:sp>
-      <p:sp>
-        <p:nvSpPr>
-          <p:cNvPr id="3" name="Content Placeholder 2"/>
-          <p:cNvSpPr>
-            <a:spLocks noGrp="1"/>
-          </p:cNvSpPr>
-          <p:nvPr>
-            <p:ph idx="1"/>
-          </p:nvPr>
-        </p:nvSpPr>
-        <p:spPr/>
-        <p:txBody>
-          <a:bodyPr/>
-          <a:lstStyle/>
-          <a:p>
-            <a:r>
-              <a:rPr lang="hr-HR" dirty="0" smtClean="0"/>
-              <a:t>Pretvaraju problem u nadzirano učenje</a:t>
-            </a:r>
-          </a:p>
-          <a:p>
-            <a:endParaRPr lang="hr-HR" dirty="0" smtClean="0"/>
-          </a:p>
-          <a:p>
-            <a:r>
-              <a:rPr lang="hr-HR" dirty="0" smtClean="0"/>
-              <a:t>Umjesto parova primjera </a:t>
-            </a:r>
-            <a:r>
-              <a:rPr lang="mr-IN" dirty="0" smtClean="0"/>
-              <a:t>–</a:t>
-            </a:r>
-            <a:r>
-              <a:rPr lang="hr-HR" dirty="0" smtClean="0"/>
-              <a:t> nadziranje zajedničkim značajkama cijelih setova</a:t>
-            </a:r>
-          </a:p>
-        </p:txBody>
-      </p:sp>
-    </p:spTree>
-    <p:extLst>
-      <p:ext uri="{BB962C8B-B14F-4D97-AF65-F5344CB8AC3E}">
-        <p14:creationId xmlns:p14="http://schemas.microsoft.com/office/powerpoint/2010/main" val="537324278"/>
-      </p:ext>
-    </p:extLst>
-  </p:cSld>
-  <p:clrMapOvr>
-    <a:masterClrMapping/>
-  </p:clrMapOvr>
+  <p:timing>
+    <p:tnLst>
+      <p:par>
+        <p:cTn id="1" dur="indefinite" restart="never" nodeType="tmRoot"/>
+      </p:par>
+    </p:tnLst>
+  </p:timing>
 </p:sld>
 </file>
 
@@ -7886,7 +8149,7 @@
           <a:p>
             <a:r>
               <a:rPr lang="en-US" dirty="0" err="1" smtClean="0"/>
-              <a:t>Unimodalna</a:t>
+              <a:t>Multimodalna</a:t>
             </a:r>
             <a:r>
               <a:rPr lang="en-US" dirty="0" smtClean="0"/>
@@ -7906,7 +8169,7 @@
             </a:r>
             <a:r>
               <a:rPr lang="en-US" dirty="0" smtClean="0"/>
-              <a:t> (UNIT)</a:t>
+              <a:t> (MUNIT)</a:t>
             </a:r>
             <a:endParaRPr lang="en-US" dirty="0"/>
           </a:p>
@@ -7929,81 +8192,155 @@
           <a:p>
             <a:r>
               <a:rPr lang="hr-HR" dirty="0" smtClean="0"/>
-              <a:t>Cilj translacije slike s gledišta modeliranja vjerojatnosti</a:t>
-            </a:r>
-          </a:p>
-          <a:p>
-            <a:pPr lvl="1"/>
-            <a:r>
-              <a:rPr lang="en-US" dirty="0" smtClean="0"/>
-              <a:t>O</a:t>
+              <a:t>Modeli prethodnih poglavlja nisu generičko rješenje</a:t>
+            </a:r>
+          </a:p>
+          <a:p>
+            <a:endParaRPr lang="hr-HR" dirty="0" smtClean="0"/>
+          </a:p>
+          <a:p>
+            <a:r>
+              <a:rPr lang="hr-HR" dirty="0" smtClean="0"/>
+              <a:t>Kružni GAN-ovi vrše determinističko preslikavanje</a:t>
+            </a:r>
+          </a:p>
+          <a:p>
+            <a:endParaRPr lang="hr-HR" dirty="0" smtClean="0"/>
+          </a:p>
+          <a:p>
+            <a:r>
+              <a:rPr lang="hr-HR" dirty="0" smtClean="0"/>
+              <a:t>UNIT uče </a:t>
             </a:r>
             <a:r>
               <a:rPr lang="hr-HR" dirty="0" err="1" smtClean="0"/>
-              <a:t>drediti</a:t>
+              <a:t>unimodalno</a:t>
             </a:r>
             <a:r>
               <a:rPr lang="hr-HR" dirty="0" smtClean="0"/>
-              <a:t> združenu distribuciju više različitih domena</a:t>
+              <a:t> preslikavanje</a:t>
+            </a:r>
+          </a:p>
+          <a:p>
+            <a:endParaRPr lang="en-US" dirty="0" smtClean="0"/>
+          </a:p>
+          <a:p>
+            <a:r>
+              <a:rPr lang="en-US" dirty="0" smtClean="0"/>
+              <a:t>V</a:t>
+            </a:r>
+            <a:r>
+              <a:rPr lang="hr-HR" dirty="0" err="1" smtClean="0"/>
+              <a:t>rlo</a:t>
+            </a:r>
+            <a:r>
+              <a:rPr lang="hr-HR" dirty="0" smtClean="0"/>
+              <a:t> teško ostvaruju raznolikost</a:t>
             </a:r>
           </a:p>
           <a:p>
             <a:endParaRPr lang="hr-HR" dirty="0"/>
           </a:p>
-          <a:p>
-            <a:r>
-              <a:rPr lang="hr-HR" dirty="0" smtClean="0"/>
-              <a:t>Kod nenadziranog učenja</a:t>
-            </a:r>
-          </a:p>
-          <a:p>
-            <a:pPr lvl="1"/>
-            <a:r>
-              <a:rPr lang="en-US" dirty="0" smtClean="0"/>
-              <a:t>I</a:t>
-            </a:r>
-            <a:r>
-              <a:rPr lang="hr-HR" dirty="0" err="1" smtClean="0"/>
-              <a:t>zvorni</a:t>
-            </a:r>
-            <a:r>
-              <a:rPr lang="hr-HR" dirty="0" smtClean="0"/>
-              <a:t> i ciljni skupovi uzorkovani iz marginalnih distribucija</a:t>
-            </a:r>
-          </a:p>
-          <a:p>
-            <a:pPr lvl="1"/>
-            <a:r>
-              <a:rPr lang="hr-HR" dirty="0" smtClean="0"/>
-              <a:t>Združenih distribucija ima beskonačno mnogo</a:t>
-            </a:r>
-            <a:endParaRPr lang="hr-HR" dirty="0"/>
-          </a:p>
-          <a:p>
-            <a:pPr lvl="1"/>
-            <a:endParaRPr lang="hr-HR" dirty="0" smtClean="0"/>
-          </a:p>
-          <a:p>
-            <a:r>
-              <a:rPr lang="hr-HR" dirty="0"/>
-              <a:t>Preslikavanje obje domene na prostor zajedničkih latentnih varijabli</a:t>
-            </a:r>
-          </a:p>
-          <a:p>
-            <a:endParaRPr lang="hr-HR" dirty="0" smtClean="0"/>
+        </p:txBody>
+      </p:sp>
+      <p:sp>
+        <p:nvSpPr>
+          <p:cNvPr id="4" name="TextBox 3"/>
+          <p:cNvSpPr txBox="1"/>
+          <p:nvPr/>
+        </p:nvSpPr>
+        <p:spPr>
+          <a:xfrm>
+            <a:off x="1103312" y="6155681"/>
+            <a:ext cx="9961123" cy="584775"/>
+          </a:xfrm>
+          <a:prstGeom prst="rect">
+            <a:avLst/>
+          </a:prstGeom>
+          <a:noFill/>
+        </p:spPr>
+        <p:txBody>
+          <a:bodyPr wrap="square" rtlCol="0">
+            <a:spAutoFit/>
+          </a:bodyPr>
+          <a:lstStyle/>
+          <a:p>
+            <a:r>
+              <a:rPr lang="en-US" sz="1600" smtClean="0"/>
+              <a:t>X</a:t>
+            </a:r>
+            <a:r>
+              <a:rPr lang="en-US" sz="1600" smtClean="0"/>
+              <a:t>un</a:t>
+            </a:r>
+            <a:r>
+              <a:rPr lang="en-US" sz="1600" dirty="0" smtClean="0"/>
+              <a:t> </a:t>
+            </a:r>
+            <a:r>
+              <a:rPr lang="en-US" sz="1600" dirty="0"/>
+              <a:t>Huang, Ming-Yu Liu, Serge </a:t>
+            </a:r>
+            <a:r>
+              <a:rPr lang="en-US" sz="1600" dirty="0" err="1"/>
+              <a:t>Belongie</a:t>
+            </a:r>
+            <a:r>
+              <a:rPr lang="en-US" sz="1600" dirty="0"/>
+              <a:t>, </a:t>
+            </a:r>
+            <a:r>
+              <a:rPr lang="en-US" sz="1600" dirty="0" err="1"/>
+              <a:t>i</a:t>
+            </a:r>
+            <a:r>
+              <a:rPr lang="en-US" sz="1600" dirty="0"/>
+              <a:t> Jan </a:t>
+            </a:r>
+            <a:r>
+              <a:rPr lang="en-US" sz="1600" dirty="0" err="1"/>
+              <a:t>Kautz</a:t>
+            </a:r>
+            <a:r>
+              <a:rPr lang="en-US" sz="1600" dirty="0"/>
+              <a:t>. Multimodal </a:t>
+            </a:r>
+            <a:r>
+              <a:rPr lang="en-US" sz="1600" dirty="0" err="1"/>
+              <a:t>unsu-pervised</a:t>
+            </a:r>
+            <a:r>
+              <a:rPr lang="en-US" sz="1600" dirty="0"/>
+              <a:t> image-to-image translation. </a:t>
+            </a:r>
+            <a:r>
+              <a:rPr lang="en-US" sz="1600" dirty="0" err="1"/>
+              <a:t>arXiv</a:t>
+            </a:r>
+            <a:r>
+              <a:rPr lang="en-US" sz="1600" dirty="0"/>
+              <a:t> preprint arXiv:1804.04732, 2018.</a:t>
+            </a:r>
           </a:p>
         </p:txBody>
       </p:sp>
     </p:spTree>
     <p:extLst>
       <p:ext uri="{BB962C8B-B14F-4D97-AF65-F5344CB8AC3E}">
-        <p14:creationId xmlns:p14="http://schemas.microsoft.com/office/powerpoint/2010/main" val="1369755222"/>
+        <p14:creationId xmlns:p14="http://schemas.microsoft.com/office/powerpoint/2010/main" val="984007413"/>
       </p:ext>
     </p:extLst>
   </p:cSld>
   <p:clrMapOvr>
     <a:masterClrMapping/>
   </p:clrMapOvr>
+  <p:timing>
+    <p:tnLst>
+      <p:par>
+        <p:cTn id="1" dur="indefinite" restart="never" nodeType="tmRoot"/>
+      </p:par>
+    </p:tnLst>
+  </p:timing>
 </p:sld>
 </file>
 
@@ -8041,7 +8378,7 @@
           <a:p>
             <a:r>
               <a:rPr lang="en-US" dirty="0" err="1" smtClean="0"/>
-              <a:t>Unimodalna</a:t>
+              <a:t>Multimodalna</a:t>
             </a:r>
             <a:r>
               <a:rPr lang="en-US" dirty="0" smtClean="0"/>
@@ -8061,7 +8398,7 @@
             </a:r>
             <a:r>
               <a:rPr lang="en-US" dirty="0" smtClean="0"/>
-              <a:t> (UNIT)</a:t>
+              <a:t> (MUNIT)</a:t>
             </a:r>
             <a:endParaRPr lang="en-US" dirty="0"/>
           </a:p>
@@ -8084,33 +8421,2274 @@
           <a:p>
             <a:r>
               <a:rPr lang="hr-HR" dirty="0" smtClean="0"/>
-              <a:t>Ostvarenje umreženim GAN-om i varijacijskim </a:t>
+              <a:t>Rastavljanje slike na</a:t>
+            </a:r>
+          </a:p>
+          <a:p>
+            <a:pPr lvl="1"/>
+            <a:r>
+              <a:rPr lang="en-US" dirty="0" smtClean="0"/>
+              <a:t>D</a:t>
             </a:r>
             <a:r>
               <a:rPr lang="hr-HR" dirty="0" err="1" smtClean="0"/>
-              <a:t>autoenkoderom</a:t>
-            </a:r>
-            <a:endParaRPr lang="hr-HR" dirty="0" smtClean="0"/>
+              <a:t>omenski</a:t>
+            </a:r>
+            <a:r>
+              <a:rPr lang="hr-HR" dirty="0" smtClean="0"/>
+              <a:t> </a:t>
+            </a:r>
+            <a:r>
+              <a:rPr lang="hr-HR" dirty="0" err="1" smtClean="0"/>
+              <a:t>invarijantne</a:t>
+            </a:r>
+            <a:r>
+              <a:rPr lang="hr-HR" dirty="0" smtClean="0"/>
+              <a:t> značajke</a:t>
+            </a:r>
           </a:p>
           <a:p>
             <a:pPr lvl="1"/>
             <a:r>
+              <a:rPr lang="en-US" dirty="0" err="1" smtClean="0"/>
+              <a:t>Značajke</a:t>
+            </a:r>
+            <a:r>
+              <a:rPr lang="en-US" dirty="0" smtClean="0"/>
+              <a:t> </a:t>
+            </a:r>
+            <a:r>
+              <a:rPr lang="en-US" dirty="0" err="1" smtClean="0"/>
+              <a:t>koje</a:t>
+            </a:r>
+            <a:r>
+              <a:rPr lang="en-US" dirty="0" smtClean="0"/>
+              <a:t> </a:t>
+            </a:r>
+            <a:r>
+              <a:rPr lang="en-US" dirty="0" err="1" smtClean="0"/>
+              <a:t>sadrže</a:t>
+            </a:r>
+            <a:r>
+              <a:rPr lang="en-US" dirty="0" smtClean="0"/>
+              <a:t> </a:t>
+            </a:r>
+            <a:r>
+              <a:rPr lang="en-US" dirty="0" err="1" smtClean="0"/>
+              <a:t>specifična</a:t>
+            </a:r>
+            <a:r>
+              <a:rPr lang="en-US" dirty="0" smtClean="0"/>
+              <a:t> </a:t>
+            </a:r>
+            <a:r>
+              <a:rPr lang="en-US" dirty="0" err="1" smtClean="0"/>
+              <a:t>svojstva</a:t>
+            </a:r>
+            <a:endParaRPr lang="en-US" dirty="0" smtClean="0"/>
+          </a:p>
+          <a:p>
+            <a:endParaRPr lang="hr-HR" dirty="0"/>
+          </a:p>
+          <a:p>
+            <a:r>
               <a:rPr lang="hr-HR" dirty="0" smtClean="0"/>
-              <a:t>GAN stvara latentni prostor</a:t>
-            </a:r>
+              <a:t>Sadržaj slike </a:t>
+            </a:r>
+            <a:r>
+              <a:rPr lang="mr-IN" dirty="0" smtClean="0"/>
+              <a:t>–</a:t>
+            </a:r>
+            <a:r>
+              <a:rPr lang="hr-HR" dirty="0" smtClean="0"/>
+              <a:t> prostorna struktura</a:t>
+            </a:r>
+          </a:p>
+          <a:p>
+            <a:endParaRPr lang="hr-HR" dirty="0"/>
+          </a:p>
+          <a:p>
+            <a:r>
+              <a:rPr lang="hr-HR" dirty="0" smtClean="0"/>
+              <a:t>Stil slike </a:t>
+            </a:r>
+            <a:r>
+              <a:rPr lang="mr-IN" dirty="0" smtClean="0"/>
+              <a:t>–</a:t>
+            </a:r>
+            <a:r>
+              <a:rPr lang="hr-HR" dirty="0" smtClean="0"/>
+              <a:t> </a:t>
+            </a:r>
+            <a:r>
+              <a:rPr lang="hr-HR" dirty="0" err="1" smtClean="0"/>
+              <a:t>rendering</a:t>
+            </a:r>
+            <a:r>
+              <a:rPr lang="hr-HR" dirty="0" smtClean="0"/>
+              <a:t> sadržaja slike</a:t>
+            </a:r>
+            <a:endParaRPr lang="hr-HR" dirty="0"/>
+          </a:p>
+        </p:txBody>
+      </p:sp>
+      <p:sp>
+        <p:nvSpPr>
+          <p:cNvPr id="4" name="TextBox 3"/>
+          <p:cNvSpPr txBox="1"/>
+          <p:nvPr/>
+        </p:nvSpPr>
+        <p:spPr>
+          <a:xfrm>
+            <a:off x="1103312" y="6155681"/>
+            <a:ext cx="9961123" cy="584775"/>
+          </a:xfrm>
+          <a:prstGeom prst="rect">
+            <a:avLst/>
+          </a:prstGeom>
+          <a:noFill/>
+        </p:spPr>
+        <p:txBody>
+          <a:bodyPr wrap="square" rtlCol="0">
+            <a:spAutoFit/>
+          </a:bodyPr>
+          <a:lstStyle/>
+          <a:p>
+            <a:r>
+              <a:rPr lang="en-US" sz="1600" smtClean="0"/>
+              <a:t>X</a:t>
+            </a:r>
+            <a:r>
+              <a:rPr lang="en-US" sz="1600" smtClean="0"/>
+              <a:t>un</a:t>
+            </a:r>
+            <a:r>
+              <a:rPr lang="en-US" sz="1600" dirty="0" smtClean="0"/>
+              <a:t> </a:t>
+            </a:r>
+            <a:r>
+              <a:rPr lang="en-US" sz="1600" dirty="0"/>
+              <a:t>Huang, Ming-Yu Liu, Serge </a:t>
+            </a:r>
+            <a:r>
+              <a:rPr lang="en-US" sz="1600" dirty="0" err="1"/>
+              <a:t>Belongie</a:t>
+            </a:r>
+            <a:r>
+              <a:rPr lang="en-US" sz="1600" dirty="0"/>
+              <a:t>, </a:t>
+            </a:r>
+            <a:r>
+              <a:rPr lang="en-US" sz="1600" dirty="0" err="1"/>
+              <a:t>i</a:t>
+            </a:r>
+            <a:r>
+              <a:rPr lang="en-US" sz="1600" dirty="0"/>
+              <a:t> Jan </a:t>
+            </a:r>
+            <a:r>
+              <a:rPr lang="en-US" sz="1600" dirty="0" err="1"/>
+              <a:t>Kautz</a:t>
+            </a:r>
+            <a:r>
+              <a:rPr lang="en-US" sz="1600" dirty="0"/>
+              <a:t>. Multimodal </a:t>
+            </a:r>
+            <a:r>
+              <a:rPr lang="en-US" sz="1600" dirty="0" err="1"/>
+              <a:t>unsu-pervised</a:t>
+            </a:r>
+            <a:r>
+              <a:rPr lang="en-US" sz="1600" dirty="0"/>
+              <a:t> image-to-image translation. </a:t>
+            </a:r>
+            <a:r>
+              <a:rPr lang="en-US" sz="1600" dirty="0" err="1"/>
+              <a:t>arXiv</a:t>
+            </a:r>
+            <a:r>
+              <a:rPr lang="en-US" sz="1600" dirty="0"/>
+              <a:t> preprint arXiv:1804.04732, 2018.</a:t>
+            </a:r>
+          </a:p>
+        </p:txBody>
+      </p:sp>
+    </p:spTree>
+    <p:extLst>
+      <p:ext uri="{BB962C8B-B14F-4D97-AF65-F5344CB8AC3E}">
+        <p14:creationId xmlns:p14="http://schemas.microsoft.com/office/powerpoint/2010/main" val="1738961816"/>
+      </p:ext>
+    </p:extLst>
+  </p:cSld>
+  <p:clrMapOvr>
+    <a:masterClrMapping/>
+  </p:clrMapOvr>
+  <p:timing>
+    <p:tnLst>
+      <p:par>
+        <p:cTn id="1" dur="indefinite" restart="never" nodeType="tmRoot"/>
+      </p:par>
+    </p:tnLst>
+  </p:timing>
+</p:sld>
+</file>
+
+<file path=ppt/slides/slide2.xml><?xml version="1.0" encoding="utf-8"?>
+<p:sld xmlns:a="http://schemas.openxmlformats.org/drawingml/2006/main" xmlns:r="http://schemas.openxmlformats.org/officeDocument/2006/relationships" xmlns:p="http://schemas.openxmlformats.org/presentationml/2006/main">
+  <p:cSld>
+    <p:spTree>
+      <p:nvGrpSpPr>
+        <p:cNvPr id="1" name=""/>
+        <p:cNvGrpSpPr/>
+        <p:nvPr/>
+      </p:nvGrpSpPr>
+      <p:grpSpPr>
+        <a:xfrm>
+          <a:off x="0" y="0"/>
+          <a:ext cx="0" cy="0"/>
+          <a:chOff x="0" y="0"/>
+          <a:chExt cx="0" cy="0"/>
+        </a:xfrm>
+      </p:grpSpPr>
+      <p:sp>
+        <p:nvSpPr>
+          <p:cNvPr id="2" name="Title 1"/>
+          <p:cNvSpPr>
+            <a:spLocks noGrp="1"/>
+          </p:cNvSpPr>
+          <p:nvPr>
+            <p:ph type="title"/>
+          </p:nvPr>
+        </p:nvSpPr>
+        <p:spPr/>
+        <p:txBody>
+          <a:bodyPr/>
+          <a:lstStyle/>
+          <a:p>
+            <a:r>
+              <a:rPr lang="en-US" dirty="0" err="1" smtClean="0"/>
+              <a:t>Sadržaj</a:t>
+            </a:r>
+            <a:endParaRPr lang="en-US" dirty="0"/>
+          </a:p>
+        </p:txBody>
+      </p:sp>
+      <p:sp>
+        <p:nvSpPr>
+          <p:cNvPr id="3" name="Content Placeholder 2"/>
+          <p:cNvSpPr>
+            <a:spLocks noGrp="1"/>
+          </p:cNvSpPr>
+          <p:nvPr>
+            <p:ph idx="1"/>
+          </p:nvPr>
+        </p:nvSpPr>
+        <p:spPr/>
+        <p:txBody>
+          <a:bodyPr/>
+          <a:lstStyle/>
+          <a:p>
+            <a:r>
+              <a:rPr lang="en-US" dirty="0" err="1" smtClean="0"/>
+              <a:t>Generativno</a:t>
+            </a:r>
+            <a:r>
+              <a:rPr lang="en-US" dirty="0" smtClean="0"/>
+              <a:t> </a:t>
+            </a:r>
+            <a:r>
+              <a:rPr lang="en-US" dirty="0" err="1" smtClean="0"/>
+              <a:t>modeliranje</a:t>
+            </a:r>
+            <a:endParaRPr lang="en-US" dirty="0" smtClean="0"/>
+          </a:p>
+          <a:p>
+            <a:r>
+              <a:rPr lang="en-US" dirty="0" err="1" smtClean="0"/>
+              <a:t>Suparnički</a:t>
+            </a:r>
+            <a:r>
+              <a:rPr lang="en-US" dirty="0" smtClean="0"/>
+              <a:t> </a:t>
+            </a:r>
+            <a:r>
+              <a:rPr lang="en-US" dirty="0" err="1" smtClean="0"/>
+              <a:t>modeli</a:t>
+            </a:r>
+            <a:endParaRPr lang="en-US" dirty="0" smtClean="0"/>
+          </a:p>
+          <a:p>
+            <a:r>
+              <a:rPr lang="en-US" dirty="0" err="1" smtClean="0"/>
+              <a:t>Autoenkoderi</a:t>
+            </a:r>
+            <a:endParaRPr lang="en-US" dirty="0" smtClean="0"/>
+          </a:p>
+          <a:p>
+            <a:r>
+              <a:rPr lang="en-US" dirty="0" err="1" smtClean="0"/>
+              <a:t>Uvjetne</a:t>
+            </a:r>
+            <a:r>
+              <a:rPr lang="en-US" dirty="0" smtClean="0"/>
+              <a:t> </a:t>
+            </a:r>
+            <a:r>
+              <a:rPr lang="en-US" dirty="0" err="1" smtClean="0"/>
+              <a:t>generativne</a:t>
+            </a:r>
+            <a:r>
+              <a:rPr lang="en-US" dirty="0" smtClean="0"/>
+              <a:t> </a:t>
+            </a:r>
+            <a:r>
+              <a:rPr lang="en-US" dirty="0" err="1" smtClean="0"/>
+              <a:t>mreže</a:t>
+            </a:r>
+            <a:endParaRPr lang="en-US" dirty="0"/>
+          </a:p>
+          <a:p>
+            <a:r>
+              <a:rPr lang="en-US" dirty="0" err="1" smtClean="0"/>
+              <a:t>Translacija</a:t>
+            </a:r>
+            <a:r>
+              <a:rPr lang="en-US" dirty="0" smtClean="0"/>
+              <a:t> bez </a:t>
+            </a:r>
+            <a:r>
+              <a:rPr lang="en-US" dirty="0" err="1" smtClean="0"/>
+              <a:t>uparenih</a:t>
+            </a:r>
+            <a:r>
+              <a:rPr lang="en-US" dirty="0" smtClean="0"/>
+              <a:t> </a:t>
+            </a:r>
+            <a:r>
+              <a:rPr lang="en-US" dirty="0" err="1" smtClean="0"/>
+              <a:t>primjera</a:t>
+            </a:r>
+            <a:r>
+              <a:rPr lang="en-US" dirty="0" smtClean="0"/>
+              <a:t> </a:t>
+            </a:r>
+            <a:r>
+              <a:rPr lang="en-US" dirty="0" err="1" smtClean="0"/>
+              <a:t>za</a:t>
+            </a:r>
+            <a:r>
+              <a:rPr lang="en-US" dirty="0" smtClean="0"/>
+              <a:t> </a:t>
+            </a:r>
+            <a:r>
+              <a:rPr lang="en-US" dirty="0" err="1" smtClean="0"/>
+              <a:t>učenje</a:t>
+            </a:r>
+            <a:endParaRPr lang="en-US" dirty="0" smtClean="0"/>
           </a:p>
           <a:p>
             <a:pPr lvl="1"/>
             <a:r>
+              <a:rPr lang="en-US" dirty="0" err="1" smtClean="0"/>
+              <a:t>Kružni</a:t>
+            </a:r>
+            <a:r>
+              <a:rPr lang="en-US" dirty="0" smtClean="0"/>
+              <a:t> GAN, UNIT, MUNIT</a:t>
+            </a:r>
+          </a:p>
+          <a:p>
+            <a:r>
+              <a:rPr lang="en-US" dirty="0" err="1" smtClean="0"/>
+              <a:t>Zaključak</a:t>
+            </a:r>
+            <a:endParaRPr lang="en-US" dirty="0"/>
+          </a:p>
+        </p:txBody>
+      </p:sp>
+    </p:spTree>
+    <p:extLst>
+      <p:ext uri="{BB962C8B-B14F-4D97-AF65-F5344CB8AC3E}">
+        <p14:creationId xmlns:p14="http://schemas.microsoft.com/office/powerpoint/2010/main" val="1776948365"/>
+      </p:ext>
+    </p:extLst>
+  </p:cSld>
+  <p:clrMapOvr>
+    <a:masterClrMapping/>
+  </p:clrMapOvr>
+  <p:timing>
+    <p:tnLst>
+      <p:par>
+        <p:cTn id="1" dur="indefinite" restart="never" nodeType="tmRoot"/>
+      </p:par>
+    </p:tnLst>
+  </p:timing>
+</p:sld>
+</file>
+
+<file path=ppt/slides/slide20.xml><?xml version="1.0" encoding="utf-8"?>
+<p:sld xmlns:a="http://schemas.openxmlformats.org/drawingml/2006/main" xmlns:r="http://schemas.openxmlformats.org/officeDocument/2006/relationships" xmlns:p="http://schemas.openxmlformats.org/presentationml/2006/main">
+  <p:cSld>
+    <p:spTree>
+      <p:nvGrpSpPr>
+        <p:cNvPr id="1" name=""/>
+        <p:cNvGrpSpPr/>
+        <p:nvPr/>
+      </p:nvGrpSpPr>
+      <p:grpSpPr>
+        <a:xfrm>
+          <a:off x="0" y="0"/>
+          <a:ext cx="0" cy="0"/>
+          <a:chOff x="0" y="0"/>
+          <a:chExt cx="0" cy="0"/>
+        </a:xfrm>
+      </p:grpSpPr>
+      <p:sp>
+        <p:nvSpPr>
+          <p:cNvPr id="2" name="Title 1"/>
+          <p:cNvSpPr>
+            <a:spLocks noGrp="1"/>
+          </p:cNvSpPr>
+          <p:nvPr>
+            <p:ph type="title"/>
+          </p:nvPr>
+        </p:nvSpPr>
+        <p:spPr/>
+        <p:txBody>
+          <a:bodyPr/>
+          <a:lstStyle/>
+          <a:p>
+            <a:r>
+              <a:rPr lang="en-US" dirty="0" err="1" smtClean="0"/>
+              <a:t>Multimodalna</a:t>
+            </a:r>
+            <a:r>
+              <a:rPr lang="en-US" dirty="0" smtClean="0"/>
+              <a:t> </a:t>
+            </a:r>
+            <a:r>
+              <a:rPr lang="en-US" dirty="0" err="1" smtClean="0"/>
+              <a:t>nenadzirana</a:t>
+            </a:r>
+            <a:r>
+              <a:rPr lang="en-US" dirty="0" smtClean="0"/>
+              <a:t> </a:t>
+            </a:r>
+            <a:r>
+              <a:rPr lang="en-US" dirty="0" err="1" smtClean="0"/>
+              <a:t>translacija</a:t>
+            </a:r>
+            <a:r>
+              <a:rPr lang="en-US" dirty="0" smtClean="0"/>
+              <a:t> (MUNIT)</a:t>
+            </a:r>
+            <a:endParaRPr lang="en-US" dirty="0"/>
+          </a:p>
+        </p:txBody>
+      </p:sp>
+      <p:pic>
+        <p:nvPicPr>
+          <p:cNvPr id="4" name="Content Placeholder 3"/>
+          <p:cNvPicPr>
+            <a:picLocks noGrp="1" noChangeAspect="1"/>
+          </p:cNvPicPr>
+          <p:nvPr>
+            <p:ph idx="1"/>
+          </p:nvPr>
+        </p:nvPicPr>
+        <p:blipFill>
+          <a:blip r:embed="rId2">
+            <a:extLst>
+              <a:ext uri="{28A0092B-C50C-407E-A947-70E740481C1C}">
+                <a14:useLocalDpi xmlns:a14="http://schemas.microsoft.com/office/drawing/2010/main" val="0"/>
+              </a:ext>
+            </a:extLst>
+          </a:blip>
+          <a:stretch>
+            <a:fillRect/>
+          </a:stretch>
+        </p:blipFill>
+        <p:spPr>
+          <a:xfrm>
+            <a:off x="1264720" y="1996752"/>
+            <a:ext cx="9076313" cy="4533282"/>
+          </a:xfrm>
+        </p:spPr>
+      </p:pic>
+      <p:sp>
+        <p:nvSpPr>
+          <p:cNvPr id="5" name="TextBox 4"/>
+          <p:cNvSpPr txBox="1"/>
+          <p:nvPr/>
+        </p:nvSpPr>
+        <p:spPr>
+          <a:xfrm>
+            <a:off x="1103312" y="6155681"/>
+            <a:ext cx="9961123" cy="584775"/>
+          </a:xfrm>
+          <a:prstGeom prst="rect">
+            <a:avLst/>
+          </a:prstGeom>
+          <a:noFill/>
+        </p:spPr>
+        <p:txBody>
+          <a:bodyPr wrap="square" rtlCol="0">
+            <a:spAutoFit/>
+          </a:bodyPr>
+          <a:lstStyle/>
+          <a:p>
+            <a:r>
+              <a:rPr lang="en-US" sz="1600" smtClean="0"/>
+              <a:t>X</a:t>
+            </a:r>
+            <a:r>
+              <a:rPr lang="en-US" sz="1600" smtClean="0"/>
+              <a:t>un</a:t>
+            </a:r>
+            <a:r>
+              <a:rPr lang="en-US" sz="1600" dirty="0" smtClean="0"/>
+              <a:t> </a:t>
+            </a:r>
+            <a:r>
+              <a:rPr lang="en-US" sz="1600" dirty="0"/>
+              <a:t>Huang, Ming-Yu Liu, Serge </a:t>
+            </a:r>
+            <a:r>
+              <a:rPr lang="en-US" sz="1600" dirty="0" err="1"/>
+              <a:t>Belongie</a:t>
+            </a:r>
+            <a:r>
+              <a:rPr lang="en-US" sz="1600" dirty="0"/>
+              <a:t>, </a:t>
+            </a:r>
+            <a:r>
+              <a:rPr lang="en-US" sz="1600" dirty="0" err="1"/>
+              <a:t>i</a:t>
+            </a:r>
+            <a:r>
+              <a:rPr lang="en-US" sz="1600" dirty="0"/>
+              <a:t> Jan </a:t>
+            </a:r>
+            <a:r>
+              <a:rPr lang="en-US" sz="1600" dirty="0" err="1"/>
+              <a:t>Kautz</a:t>
+            </a:r>
+            <a:r>
+              <a:rPr lang="en-US" sz="1600" dirty="0"/>
+              <a:t>. Multimodal </a:t>
+            </a:r>
+            <a:r>
+              <a:rPr lang="en-US" sz="1600" dirty="0" err="1"/>
+              <a:t>unsu-pervised</a:t>
+            </a:r>
+            <a:r>
+              <a:rPr lang="en-US" sz="1600" dirty="0"/>
+              <a:t> image-to-image translation. </a:t>
+            </a:r>
+            <a:r>
+              <a:rPr lang="en-US" sz="1600" dirty="0" err="1"/>
+              <a:t>arXiv</a:t>
+            </a:r>
+            <a:r>
+              <a:rPr lang="en-US" sz="1600" dirty="0"/>
+              <a:t> preprint arXiv:1804.04732, 2018.</a:t>
+            </a:r>
+          </a:p>
+        </p:txBody>
+      </p:sp>
+    </p:spTree>
+    <p:extLst>
+      <p:ext uri="{BB962C8B-B14F-4D97-AF65-F5344CB8AC3E}">
+        <p14:creationId xmlns:p14="http://schemas.microsoft.com/office/powerpoint/2010/main" val="1785648072"/>
+      </p:ext>
+    </p:extLst>
+  </p:cSld>
+  <p:clrMapOvr>
+    <a:masterClrMapping/>
+  </p:clrMapOvr>
+  <p:timing>
+    <p:tnLst>
+      <p:par>
+        <p:cTn id="1" dur="indefinite" restart="never" nodeType="tmRoot"/>
+      </p:par>
+    </p:tnLst>
+  </p:timing>
+</p:sld>
+</file>
+
+<file path=ppt/slides/slide21.xml><?xml version="1.0" encoding="utf-8"?>
+<p:sld xmlns:a="http://schemas.openxmlformats.org/drawingml/2006/main" xmlns:r="http://schemas.openxmlformats.org/officeDocument/2006/relationships" xmlns:p="http://schemas.openxmlformats.org/presentationml/2006/main">
+  <p:cSld>
+    <p:spTree>
+      <p:nvGrpSpPr>
+        <p:cNvPr id="1" name=""/>
+        <p:cNvGrpSpPr/>
+        <p:nvPr/>
+      </p:nvGrpSpPr>
+      <p:grpSpPr>
+        <a:xfrm>
+          <a:off x="0" y="0"/>
+          <a:ext cx="0" cy="0"/>
+          <a:chOff x="0" y="0"/>
+          <a:chExt cx="0" cy="0"/>
+        </a:xfrm>
+      </p:grpSpPr>
+      <p:sp>
+        <p:nvSpPr>
+          <p:cNvPr id="2" name="Title 1"/>
+          <p:cNvSpPr>
+            <a:spLocks noGrp="1"/>
+          </p:cNvSpPr>
+          <p:nvPr>
+            <p:ph type="title"/>
+          </p:nvPr>
+        </p:nvSpPr>
+        <p:spPr/>
+        <p:txBody>
+          <a:bodyPr/>
+          <a:lstStyle/>
+          <a:p>
+            <a:r>
+              <a:rPr lang="en-US" dirty="0" err="1" smtClean="0"/>
+              <a:t>Zaključak</a:t>
+            </a:r>
+            <a:endParaRPr lang="en-US" dirty="0"/>
+          </a:p>
+        </p:txBody>
+      </p:sp>
+      <p:sp>
+        <p:nvSpPr>
+          <p:cNvPr id="3" name="Content Placeholder 2"/>
+          <p:cNvSpPr>
+            <a:spLocks noGrp="1"/>
+          </p:cNvSpPr>
+          <p:nvPr>
+            <p:ph idx="1"/>
+          </p:nvPr>
+        </p:nvSpPr>
+        <p:spPr/>
+        <p:txBody>
+          <a:bodyPr/>
+          <a:lstStyle/>
+          <a:p>
+            <a:r>
+              <a:rPr lang="en-US" dirty="0" smtClean="0"/>
+              <a:t>GAN-</a:t>
+            </a:r>
+            <a:r>
+              <a:rPr lang="en-US" dirty="0" err="1" smtClean="0"/>
+              <a:t>ovi</a:t>
+            </a:r>
+            <a:endParaRPr lang="en-US" dirty="0" smtClean="0"/>
+          </a:p>
+          <a:p>
+            <a:pPr lvl="1"/>
+            <a:r>
+              <a:rPr lang="en-US" dirty="0" err="1" smtClean="0"/>
+              <a:t>Učenje</a:t>
+            </a:r>
+            <a:r>
+              <a:rPr lang="en-US" dirty="0" smtClean="0"/>
+              <a:t> </a:t>
+            </a:r>
+            <a:r>
+              <a:rPr lang="en-US" dirty="0" err="1" smtClean="0"/>
+              <a:t>prirodnih</a:t>
+            </a:r>
+            <a:r>
+              <a:rPr lang="en-US" dirty="0" smtClean="0"/>
+              <a:t> </a:t>
+            </a:r>
+            <a:r>
+              <a:rPr lang="en-US" dirty="0" err="1" smtClean="0"/>
+              <a:t>značajki</a:t>
+            </a:r>
+            <a:endParaRPr lang="en-US" dirty="0"/>
+          </a:p>
+          <a:p>
+            <a:pPr lvl="1"/>
+            <a:r>
+              <a:rPr lang="en-US" dirty="0" err="1" smtClean="0"/>
+              <a:t>Vrlo</a:t>
+            </a:r>
+            <a:r>
+              <a:rPr lang="en-US" dirty="0" smtClean="0"/>
+              <a:t> </a:t>
+            </a:r>
+            <a:r>
+              <a:rPr lang="en-US" dirty="0" err="1" smtClean="0"/>
+              <a:t>samostalni</a:t>
+            </a:r>
+            <a:r>
+              <a:rPr lang="en-US" dirty="0" smtClean="0"/>
+              <a:t> </a:t>
+            </a:r>
+            <a:r>
+              <a:rPr lang="en-US" dirty="0" err="1" smtClean="0"/>
+              <a:t>tokom</a:t>
+            </a:r>
+            <a:r>
+              <a:rPr lang="en-US" dirty="0" smtClean="0"/>
+              <a:t> </a:t>
+            </a:r>
+            <a:r>
+              <a:rPr lang="en-US" dirty="0" err="1" smtClean="0"/>
+              <a:t>generacije</a:t>
+            </a:r>
+            <a:endParaRPr lang="en-US" dirty="0" smtClean="0"/>
+          </a:p>
+          <a:p>
+            <a:pPr lvl="1"/>
+            <a:endParaRPr lang="en-US" dirty="0"/>
+          </a:p>
+          <a:p>
+            <a:r>
+              <a:rPr lang="en-US" dirty="0" err="1" smtClean="0"/>
+              <a:t>Uvjetovani</a:t>
+            </a:r>
+            <a:r>
+              <a:rPr lang="en-US" dirty="0" smtClean="0"/>
+              <a:t> GAN-</a:t>
+            </a:r>
+            <a:r>
+              <a:rPr lang="en-US" dirty="0" err="1" smtClean="0"/>
+              <a:t>ovi</a:t>
+            </a:r>
+            <a:endParaRPr lang="en-US" dirty="0" smtClean="0"/>
+          </a:p>
+          <a:p>
+            <a:pPr lvl="1"/>
+            <a:r>
+              <a:rPr lang="en-US" dirty="0" err="1" smtClean="0"/>
+              <a:t>Mreža</a:t>
+            </a:r>
+            <a:r>
+              <a:rPr lang="en-US" dirty="0" smtClean="0"/>
+              <a:t> </a:t>
+            </a:r>
+            <a:r>
+              <a:rPr lang="en-US" dirty="0" err="1" smtClean="0"/>
+              <a:t>samostalno</a:t>
+            </a:r>
+            <a:r>
+              <a:rPr lang="en-US" dirty="0" smtClean="0"/>
+              <a:t> </a:t>
+            </a:r>
+            <a:r>
+              <a:rPr lang="en-US" dirty="0" err="1" smtClean="0"/>
+              <a:t>može</a:t>
+            </a:r>
+            <a:r>
+              <a:rPr lang="en-US" dirty="0" smtClean="0"/>
+              <a:t> </a:t>
+            </a:r>
+            <a:r>
+              <a:rPr lang="en-US" dirty="0" err="1" smtClean="0"/>
+              <a:t>naučiti</a:t>
+            </a:r>
+            <a:r>
+              <a:rPr lang="en-US" dirty="0" smtClean="0"/>
+              <a:t> </a:t>
+            </a:r>
+            <a:r>
+              <a:rPr lang="en-US" dirty="0" err="1" smtClean="0"/>
+              <a:t>funkciju</a:t>
+            </a:r>
+            <a:r>
+              <a:rPr lang="en-US" dirty="0" smtClean="0"/>
+              <a:t> </a:t>
+            </a:r>
+            <a:r>
+              <a:rPr lang="en-US" dirty="0" err="1" smtClean="0"/>
+              <a:t>gubitka</a:t>
+            </a:r>
+            <a:endParaRPr lang="en-US" dirty="0" smtClean="0"/>
+          </a:p>
+          <a:p>
+            <a:pPr lvl="1"/>
+            <a:r>
+              <a:rPr lang="en-US" dirty="0" err="1" smtClean="0"/>
+              <a:t>Uklanja</a:t>
+            </a:r>
+            <a:r>
+              <a:rPr lang="en-US" dirty="0" smtClean="0"/>
+              <a:t> </a:t>
+            </a:r>
+            <a:r>
+              <a:rPr lang="en-US" dirty="0" err="1" smtClean="0"/>
+              <a:t>potrebu</a:t>
+            </a:r>
+            <a:r>
+              <a:rPr lang="en-US" dirty="0" smtClean="0"/>
+              <a:t> </a:t>
+            </a:r>
+            <a:r>
+              <a:rPr lang="en-US" dirty="0" err="1" smtClean="0"/>
+              <a:t>za</a:t>
+            </a:r>
+            <a:r>
+              <a:rPr lang="en-US" dirty="0" smtClean="0"/>
+              <a:t> </a:t>
+            </a:r>
+            <a:r>
+              <a:rPr lang="en-US" dirty="0" err="1" smtClean="0"/>
+              <a:t>inženjerskim</a:t>
+            </a:r>
+            <a:r>
+              <a:rPr lang="en-US" dirty="0" smtClean="0"/>
+              <a:t> </a:t>
+            </a:r>
+            <a:r>
+              <a:rPr lang="en-US" dirty="0" err="1" smtClean="0"/>
+              <a:t>radom</a:t>
+            </a:r>
+            <a:r>
+              <a:rPr lang="en-US" dirty="0" smtClean="0"/>
+              <a:t> </a:t>
+            </a:r>
+            <a:r>
+              <a:rPr lang="mr-IN" dirty="0" smtClean="0"/>
+              <a:t>–</a:t>
+            </a:r>
+            <a:r>
+              <a:rPr lang="en-US" dirty="0" smtClean="0"/>
+              <a:t> </a:t>
+            </a:r>
+            <a:r>
+              <a:rPr lang="en-US" dirty="0" err="1" smtClean="0"/>
+              <a:t>korak</a:t>
+            </a:r>
+            <a:r>
+              <a:rPr lang="en-US" dirty="0" smtClean="0"/>
+              <a:t> </a:t>
+            </a:r>
+            <a:r>
+              <a:rPr lang="en-US" dirty="0" err="1" smtClean="0"/>
+              <a:t>prema</a:t>
+            </a:r>
+            <a:r>
+              <a:rPr lang="en-US" dirty="0" smtClean="0"/>
+              <a:t> </a:t>
+            </a:r>
+            <a:r>
+              <a:rPr lang="en-US" dirty="0" err="1" smtClean="0"/>
+              <a:t>široj</a:t>
+            </a:r>
+            <a:r>
+              <a:rPr lang="en-US" dirty="0" smtClean="0"/>
+              <a:t> </a:t>
+            </a:r>
+            <a:r>
+              <a:rPr lang="en-US" dirty="0" err="1" smtClean="0"/>
+              <a:t>adaptaciji</a:t>
+            </a:r>
+            <a:endParaRPr lang="en-US" dirty="0" smtClean="0"/>
+          </a:p>
+        </p:txBody>
+      </p:sp>
+    </p:spTree>
+    <p:extLst>
+      <p:ext uri="{BB962C8B-B14F-4D97-AF65-F5344CB8AC3E}">
+        <p14:creationId xmlns:p14="http://schemas.microsoft.com/office/powerpoint/2010/main" val="1343267494"/>
+      </p:ext>
+    </p:extLst>
+  </p:cSld>
+  <p:clrMapOvr>
+    <a:masterClrMapping/>
+  </p:clrMapOvr>
+  <p:timing>
+    <p:tnLst>
+      <p:par>
+        <p:cTn id="1" dur="indefinite" restart="never" nodeType="tmRoot"/>
+      </p:par>
+    </p:tnLst>
+  </p:timing>
+</p:sld>
+</file>
+
+<file path=ppt/slides/slide22.xml><?xml version="1.0" encoding="utf-8"?>
+<p:sld xmlns:a="http://schemas.openxmlformats.org/drawingml/2006/main" xmlns:r="http://schemas.openxmlformats.org/officeDocument/2006/relationships" xmlns:p="http://schemas.openxmlformats.org/presentationml/2006/main">
+  <p:cSld>
+    <p:spTree>
+      <p:nvGrpSpPr>
+        <p:cNvPr id="1" name=""/>
+        <p:cNvGrpSpPr/>
+        <p:nvPr/>
+      </p:nvGrpSpPr>
+      <p:grpSpPr>
+        <a:xfrm>
+          <a:off x="0" y="0"/>
+          <a:ext cx="0" cy="0"/>
+          <a:chOff x="0" y="0"/>
+          <a:chExt cx="0" cy="0"/>
+        </a:xfrm>
+      </p:grpSpPr>
+      <p:sp>
+        <p:nvSpPr>
+          <p:cNvPr id="2" name="Title 1"/>
+          <p:cNvSpPr>
+            <a:spLocks noGrp="1"/>
+          </p:cNvSpPr>
+          <p:nvPr>
+            <p:ph type="title"/>
+          </p:nvPr>
+        </p:nvSpPr>
+        <p:spPr/>
+        <p:txBody>
+          <a:bodyPr/>
+          <a:lstStyle/>
+          <a:p>
+            <a:r>
+              <a:rPr lang="en-US" dirty="0" err="1" smtClean="0"/>
+              <a:t>Zaključak</a:t>
+            </a:r>
+            <a:endParaRPr lang="en-US" dirty="0"/>
+          </a:p>
+        </p:txBody>
+      </p:sp>
+      <p:sp>
+        <p:nvSpPr>
+          <p:cNvPr id="3" name="Content Placeholder 2"/>
+          <p:cNvSpPr>
+            <a:spLocks noGrp="1"/>
+          </p:cNvSpPr>
+          <p:nvPr>
+            <p:ph idx="1"/>
+          </p:nvPr>
+        </p:nvSpPr>
+        <p:spPr/>
+        <p:txBody>
+          <a:bodyPr/>
+          <a:lstStyle/>
+          <a:p>
+            <a:r>
               <a:rPr lang="hr-HR" dirty="0" smtClean="0"/>
-              <a:t>VAE određuje relacije između domena</a:t>
+              <a:t>Kružni GAN-ovi</a:t>
+            </a:r>
+          </a:p>
+          <a:p>
+            <a:pPr lvl="1"/>
+            <a:r>
+              <a:rPr lang="en-US" dirty="0" smtClean="0"/>
+              <a:t>R</a:t>
+            </a:r>
+            <a:r>
+              <a:rPr lang="hr-HR" dirty="0" err="1" smtClean="0"/>
+              <a:t>ezultati</a:t>
+            </a:r>
+            <a:r>
+              <a:rPr lang="hr-HR" dirty="0" smtClean="0"/>
+              <a:t> usporedni s nadziranim modelima</a:t>
+            </a:r>
+          </a:p>
+          <a:p>
+            <a:pPr lvl="1"/>
+            <a:r>
+              <a:rPr lang="en-US" dirty="0" smtClean="0"/>
+              <a:t>V</a:t>
+            </a:r>
+            <a:r>
+              <a:rPr lang="hr-HR" dirty="0" err="1" smtClean="0"/>
+              <a:t>rlo</a:t>
+            </a:r>
+            <a:r>
+              <a:rPr lang="hr-HR" dirty="0" smtClean="0"/>
+              <a:t> svestrani</a:t>
+            </a:r>
+          </a:p>
+          <a:p>
+            <a:pPr lvl="1"/>
+            <a:r>
+              <a:rPr lang="en-US" dirty="0" err="1" smtClean="0"/>
+              <a:t>Moguć</a:t>
+            </a:r>
+            <a:r>
+              <a:rPr lang="en-US" dirty="0" smtClean="0"/>
+              <a:t> </a:t>
+            </a:r>
+            <a:r>
+              <a:rPr lang="en-US" dirty="0" err="1" smtClean="0"/>
+              <a:t>prijenos</a:t>
+            </a:r>
+            <a:r>
+              <a:rPr lang="en-US" dirty="0" smtClean="0"/>
+              <a:t> </a:t>
+            </a:r>
+            <a:r>
+              <a:rPr lang="en-US" dirty="0" err="1" smtClean="0"/>
+              <a:t>stila</a:t>
+            </a:r>
+            <a:r>
+              <a:rPr lang="en-US" dirty="0" smtClean="0"/>
+              <a:t> </a:t>
+            </a:r>
+            <a:r>
+              <a:rPr lang="en-US" dirty="0" err="1" smtClean="0"/>
+              <a:t>cijelih</a:t>
+            </a:r>
+            <a:r>
+              <a:rPr lang="en-US" dirty="0" smtClean="0"/>
+              <a:t> </a:t>
+            </a:r>
+            <a:r>
+              <a:rPr lang="en-US" dirty="0" err="1" smtClean="0"/>
+              <a:t>kolekcija</a:t>
+            </a:r>
+            <a:endParaRPr lang="en-US" dirty="0" smtClean="0"/>
+          </a:p>
+          <a:p>
+            <a:pPr lvl="1"/>
+            <a:r>
+              <a:rPr lang="hr-HR" dirty="0" smtClean="0"/>
+              <a:t>Zakazuju kod nestrukturiranih podataka</a:t>
             </a:r>
           </a:p>
           <a:p>
             <a:pPr marL="457200" lvl="1" indent="0">
               <a:buNone/>
             </a:pPr>
-            <a:endParaRPr lang="hr-HR" dirty="0" smtClean="0"/>
+            <a:endParaRPr lang="hr-HR" dirty="0"/>
+          </a:p>
+        </p:txBody>
+      </p:sp>
+    </p:spTree>
+    <p:extLst>
+      <p:ext uri="{BB962C8B-B14F-4D97-AF65-F5344CB8AC3E}">
+        <p14:creationId xmlns:p14="http://schemas.microsoft.com/office/powerpoint/2010/main" val="1866133652"/>
+      </p:ext>
+    </p:extLst>
+  </p:cSld>
+  <p:clrMapOvr>
+    <a:masterClrMapping/>
+  </p:clrMapOvr>
+  <p:timing>
+    <p:tnLst>
+      <p:par>
+        <p:cTn id="1" dur="indefinite" restart="never" nodeType="tmRoot"/>
+      </p:par>
+    </p:tnLst>
+  </p:timing>
+</p:sld>
+</file>
+
+<file path=ppt/slides/slide23.xml><?xml version="1.0" encoding="utf-8"?>
+<p:sld xmlns:a="http://schemas.openxmlformats.org/drawingml/2006/main" xmlns:r="http://schemas.openxmlformats.org/officeDocument/2006/relationships" xmlns:p="http://schemas.openxmlformats.org/presentationml/2006/main">
+  <p:cSld>
+    <p:spTree>
+      <p:nvGrpSpPr>
+        <p:cNvPr id="1" name=""/>
+        <p:cNvGrpSpPr/>
+        <p:nvPr/>
+      </p:nvGrpSpPr>
+      <p:grpSpPr>
+        <a:xfrm>
+          <a:off x="0" y="0"/>
+          <a:ext cx="0" cy="0"/>
+          <a:chOff x="0" y="0"/>
+          <a:chExt cx="0" cy="0"/>
+        </a:xfrm>
+      </p:grpSpPr>
+      <p:sp>
+        <p:nvSpPr>
+          <p:cNvPr id="2" name="Title 1"/>
+          <p:cNvSpPr>
+            <a:spLocks noGrp="1"/>
+          </p:cNvSpPr>
+          <p:nvPr>
+            <p:ph type="title"/>
+          </p:nvPr>
+        </p:nvSpPr>
+        <p:spPr/>
+        <p:txBody>
+          <a:bodyPr/>
+          <a:lstStyle/>
+          <a:p>
+            <a:r>
+              <a:rPr lang="en-US" dirty="0" err="1" smtClean="0"/>
+              <a:t>Zaključak</a:t>
+            </a:r>
+            <a:endParaRPr lang="en-US" dirty="0"/>
+          </a:p>
+        </p:txBody>
+      </p:sp>
+      <p:sp>
+        <p:nvSpPr>
+          <p:cNvPr id="3" name="Content Placeholder 2"/>
+          <p:cNvSpPr>
+            <a:spLocks noGrp="1"/>
+          </p:cNvSpPr>
+          <p:nvPr>
+            <p:ph idx="1"/>
+          </p:nvPr>
+        </p:nvSpPr>
+        <p:spPr/>
+        <p:txBody>
+          <a:bodyPr/>
+          <a:lstStyle/>
+          <a:p>
+            <a:r>
+              <a:rPr lang="hr-HR" dirty="0" smtClean="0"/>
+              <a:t>MUNIT</a:t>
+            </a:r>
+          </a:p>
+          <a:p>
+            <a:pPr lvl="1"/>
+            <a:r>
+              <a:rPr lang="en-US" dirty="0" smtClean="0"/>
+              <a:t>N</a:t>
+            </a:r>
+            <a:r>
+              <a:rPr lang="hr-HR" dirty="0" err="1" smtClean="0"/>
+              <a:t>adogradnja</a:t>
+            </a:r>
+            <a:r>
+              <a:rPr lang="hr-HR" dirty="0" smtClean="0"/>
+              <a:t> na ideje kružnih </a:t>
+            </a:r>
+            <a:r>
+              <a:rPr lang="hr-HR" dirty="0" err="1" smtClean="0"/>
+              <a:t>GANova</a:t>
+            </a:r>
+            <a:r>
+              <a:rPr lang="hr-HR" dirty="0" smtClean="0"/>
+              <a:t> i UNIT modela</a:t>
+            </a:r>
+          </a:p>
+          <a:p>
+            <a:pPr lvl="1"/>
+            <a:r>
+              <a:rPr lang="en-US" dirty="0" smtClean="0"/>
+              <a:t>P</a:t>
+            </a:r>
+            <a:r>
+              <a:rPr lang="hr-HR" dirty="0" smtClean="0"/>
+              <a:t>okušaj obuhvaćanja potpune distribucije podataka</a:t>
+            </a:r>
+          </a:p>
+          <a:p>
+            <a:pPr lvl="1"/>
+            <a:r>
+              <a:rPr lang="hr-HR" dirty="0" smtClean="0"/>
+              <a:t>Odbacivanje smetnji cikličkom konzistencijom</a:t>
+            </a:r>
+          </a:p>
+          <a:p>
+            <a:pPr lvl="1"/>
+            <a:r>
+              <a:rPr lang="en-US" dirty="0" smtClean="0"/>
+              <a:t>R</a:t>
+            </a:r>
+            <a:r>
+              <a:rPr lang="hr-HR" dirty="0" err="1" smtClean="0"/>
+              <a:t>astavljanje</a:t>
+            </a:r>
+            <a:r>
+              <a:rPr lang="hr-HR" dirty="0" smtClean="0"/>
+              <a:t> latentnog prostora na sadržajni i stilistički omogućuje visoku preciznost</a:t>
+            </a:r>
+          </a:p>
+          <a:p>
+            <a:pPr lvl="1"/>
+            <a:r>
+              <a:rPr lang="hr-HR" dirty="0" smtClean="0"/>
+              <a:t>Od predstavljenih modela daje najbolje rezultate</a:t>
+            </a:r>
+            <a:endParaRPr lang="hr-HR" dirty="0"/>
+          </a:p>
+        </p:txBody>
+      </p:sp>
+    </p:spTree>
+    <p:extLst>
+      <p:ext uri="{BB962C8B-B14F-4D97-AF65-F5344CB8AC3E}">
+        <p14:creationId xmlns:p14="http://schemas.microsoft.com/office/powerpoint/2010/main" val="2081468629"/>
+      </p:ext>
+    </p:extLst>
+  </p:cSld>
+  <p:clrMapOvr>
+    <a:masterClrMapping/>
+  </p:clrMapOvr>
+  <p:timing>
+    <p:tnLst>
+      <p:par>
+        <p:cTn id="1" dur="indefinite" restart="never" nodeType="tmRoot"/>
+      </p:par>
+    </p:tnLst>
+  </p:timing>
+</p:sld>
+</file>
+
+<file path=ppt/slides/slide3.xml><?xml version="1.0" encoding="utf-8"?>
+<p:sld xmlns:a="http://schemas.openxmlformats.org/drawingml/2006/main" xmlns:r="http://schemas.openxmlformats.org/officeDocument/2006/relationships" xmlns:p="http://schemas.openxmlformats.org/presentationml/2006/main">
+  <p:cSld>
+    <p:spTree>
+      <p:nvGrpSpPr>
+        <p:cNvPr id="1" name=""/>
+        <p:cNvGrpSpPr/>
+        <p:nvPr/>
+      </p:nvGrpSpPr>
+      <p:grpSpPr>
+        <a:xfrm>
+          <a:off x="0" y="0"/>
+          <a:ext cx="0" cy="0"/>
+          <a:chOff x="0" y="0"/>
+          <a:chExt cx="0" cy="0"/>
+        </a:xfrm>
+      </p:grpSpPr>
+      <p:sp>
+        <p:nvSpPr>
+          <p:cNvPr id="2" name="Title 1"/>
+          <p:cNvSpPr>
+            <a:spLocks noGrp="1"/>
+          </p:cNvSpPr>
+          <p:nvPr>
+            <p:ph type="title"/>
+          </p:nvPr>
+        </p:nvSpPr>
+        <p:spPr>
+          <a:xfrm>
+            <a:off x="667883" y="821094"/>
+            <a:ext cx="7415538" cy="778740"/>
+          </a:xfrm>
+        </p:spPr>
+        <p:txBody>
+          <a:bodyPr/>
+          <a:lstStyle/>
+          <a:p>
+            <a:r>
+              <a:rPr lang="en-US" sz="3200" dirty="0" err="1"/>
+              <a:t>Generativni</a:t>
+            </a:r>
+            <a:r>
+              <a:rPr lang="en-US" sz="3200" dirty="0"/>
+              <a:t> </a:t>
+            </a:r>
+            <a:r>
+              <a:rPr lang="en-US" sz="3200" dirty="0" err="1"/>
+              <a:t>naspram</a:t>
+            </a:r>
+            <a:r>
+              <a:rPr lang="en-US" sz="3200" dirty="0"/>
+              <a:t> </a:t>
+            </a:r>
+            <a:r>
+              <a:rPr lang="en-US" sz="3200" dirty="0" err="1"/>
+              <a:t>diskriminativnih</a:t>
+            </a:r>
+            <a:r>
+              <a:rPr lang="en-US" sz="3200" dirty="0"/>
+              <a:t> </a:t>
+            </a:r>
+            <a:r>
+              <a:rPr lang="en-US" sz="3200" dirty="0" err="1"/>
+              <a:t>algoritama</a:t>
+            </a:r>
+            <a:endParaRPr lang="en-US" sz="3200" dirty="0"/>
+          </a:p>
+        </p:txBody>
+      </p:sp>
+      <p:sp>
+        <p:nvSpPr>
+          <p:cNvPr id="3" name="Content Placeholder 2"/>
+          <p:cNvSpPr>
+            <a:spLocks noGrp="1"/>
+          </p:cNvSpPr>
+          <p:nvPr>
+            <p:ph idx="1"/>
+          </p:nvPr>
+        </p:nvSpPr>
+        <p:spPr/>
+        <p:txBody>
+          <a:bodyPr>
+            <a:normAutofit fontScale="92500" lnSpcReduction="20000"/>
+          </a:bodyPr>
+          <a:lstStyle/>
+          <a:p>
+            <a:r>
+              <a:rPr lang="en-US" dirty="0" err="1" smtClean="0"/>
+              <a:t>Diskriminativni</a:t>
+            </a:r>
+            <a:endParaRPr lang="en-US" dirty="0" smtClean="0"/>
+          </a:p>
+          <a:p>
+            <a:pPr lvl="1"/>
+            <a:r>
+              <a:rPr lang="en-US" dirty="0" err="1" smtClean="0"/>
+              <a:t>Modeliranje</a:t>
+            </a:r>
+            <a:r>
+              <a:rPr lang="en-US" dirty="0" smtClean="0"/>
+              <a:t> </a:t>
+            </a:r>
+            <a:r>
+              <a:rPr lang="en-US" dirty="0" err="1" smtClean="0"/>
+              <a:t>pomoću</a:t>
+            </a:r>
+            <a:r>
+              <a:rPr lang="en-US" dirty="0" smtClean="0"/>
+              <a:t> </a:t>
+            </a:r>
+            <a:r>
+              <a:rPr lang="en-US" dirty="0" err="1" smtClean="0"/>
+              <a:t>ulaznih</a:t>
+            </a:r>
+            <a:r>
+              <a:rPr lang="en-US" dirty="0" smtClean="0"/>
+              <a:t> </a:t>
+            </a:r>
+            <a:r>
+              <a:rPr lang="en-US" dirty="0" err="1" smtClean="0"/>
+              <a:t>varijabli</a:t>
+            </a:r>
+            <a:endParaRPr lang="en-US" dirty="0" smtClean="0"/>
+          </a:p>
+          <a:p>
+            <a:pPr lvl="1"/>
+            <a:r>
+              <a:rPr lang="en-US" dirty="0" err="1" smtClean="0"/>
+              <a:t>Učenje</a:t>
+            </a:r>
+            <a:r>
+              <a:rPr lang="en-US" dirty="0" smtClean="0"/>
+              <a:t> </a:t>
+            </a:r>
+            <a:r>
+              <a:rPr lang="en-US" dirty="0" err="1" smtClean="0"/>
+              <a:t>uvjetne</a:t>
+            </a:r>
+            <a:r>
+              <a:rPr lang="en-US" dirty="0" smtClean="0"/>
+              <a:t> </a:t>
+            </a:r>
+            <a:r>
+              <a:rPr lang="en-US" dirty="0" err="1" smtClean="0"/>
+              <a:t>vjerojatnosti</a:t>
+            </a:r>
+            <a:r>
+              <a:rPr lang="en-US" dirty="0" smtClean="0"/>
+              <a:t> p(Y|X)</a:t>
+            </a:r>
+            <a:endParaRPr lang="en-US" dirty="0"/>
+          </a:p>
+          <a:p>
+            <a:pPr lvl="1"/>
+            <a:r>
+              <a:rPr lang="en-US" dirty="0" smtClean="0"/>
+              <a:t>Ne </a:t>
+            </a:r>
+            <a:r>
+              <a:rPr lang="en-US" dirty="0" err="1" smtClean="0"/>
+              <a:t>stvaraju</a:t>
+            </a:r>
+            <a:r>
+              <a:rPr lang="en-US" dirty="0" smtClean="0"/>
+              <a:t> </a:t>
+            </a:r>
+            <a:r>
+              <a:rPr lang="en-US" dirty="0" err="1" smtClean="0"/>
+              <a:t>puno</a:t>
+            </a:r>
+            <a:r>
+              <a:rPr lang="en-US" dirty="0" smtClean="0"/>
+              <a:t> </a:t>
+            </a:r>
+            <a:r>
+              <a:rPr lang="en-US" dirty="0" err="1" smtClean="0"/>
+              <a:t>pretpostavki</a:t>
+            </a:r>
+            <a:r>
+              <a:rPr lang="en-US" dirty="0" smtClean="0"/>
+              <a:t> o </a:t>
+            </a:r>
+            <a:r>
+              <a:rPr lang="en-US" dirty="0" err="1" smtClean="0"/>
+              <a:t>distribuciji</a:t>
+            </a:r>
+            <a:endParaRPr lang="en-US" dirty="0" smtClean="0"/>
+          </a:p>
+          <a:p>
+            <a:pPr lvl="1"/>
+            <a:r>
+              <a:rPr lang="en-US" dirty="0" err="1" smtClean="0"/>
+              <a:t>Znaju</a:t>
+            </a:r>
+            <a:r>
+              <a:rPr lang="en-US" dirty="0" smtClean="0"/>
+              <a:t> </a:t>
+            </a:r>
+            <a:r>
+              <a:rPr lang="en-US" dirty="0" err="1" smtClean="0"/>
+              <a:t>klasificirati</a:t>
+            </a:r>
+            <a:r>
+              <a:rPr lang="en-US" dirty="0" smtClean="0"/>
+              <a:t> </a:t>
+            </a:r>
+            <a:r>
+              <a:rPr lang="en-US" dirty="0" err="1" smtClean="0"/>
+              <a:t>nove</a:t>
+            </a:r>
+            <a:r>
+              <a:rPr lang="en-US" dirty="0" smtClean="0"/>
+              <a:t> </a:t>
+            </a:r>
+            <a:r>
+              <a:rPr lang="en-US" dirty="0" err="1" smtClean="0"/>
+              <a:t>primjere</a:t>
+            </a:r>
+            <a:endParaRPr lang="en-US" dirty="0"/>
+          </a:p>
+          <a:p>
+            <a:r>
+              <a:rPr lang="en-US" dirty="0" err="1" smtClean="0"/>
+              <a:t>Generativni</a:t>
+            </a:r>
+            <a:endParaRPr lang="en-US" dirty="0" smtClean="0"/>
+          </a:p>
+          <a:p>
+            <a:pPr lvl="1"/>
+            <a:r>
+              <a:rPr lang="en-US" dirty="0" err="1" smtClean="0"/>
+              <a:t>Uče</a:t>
+            </a:r>
+            <a:r>
+              <a:rPr lang="en-US" dirty="0" smtClean="0"/>
+              <a:t> </a:t>
+            </a:r>
+            <a:r>
+              <a:rPr lang="en-US" dirty="0" err="1" smtClean="0"/>
+              <a:t>distribuciju</a:t>
+            </a:r>
+            <a:r>
+              <a:rPr lang="en-US" dirty="0" smtClean="0"/>
+              <a:t> </a:t>
+            </a:r>
+            <a:r>
+              <a:rPr lang="en-US" dirty="0" err="1" smtClean="0"/>
+              <a:t>podataka</a:t>
+            </a:r>
+            <a:r>
+              <a:rPr lang="en-US" dirty="0" smtClean="0"/>
+              <a:t> </a:t>
+            </a:r>
+            <a:r>
+              <a:rPr lang="en-US" dirty="0" err="1" smtClean="0"/>
+              <a:t>pojedinih</a:t>
+            </a:r>
+            <a:r>
+              <a:rPr lang="en-US" dirty="0" smtClean="0"/>
+              <a:t> </a:t>
+            </a:r>
+            <a:r>
+              <a:rPr lang="en-US" dirty="0" err="1" smtClean="0"/>
+              <a:t>klasa</a:t>
+            </a:r>
+            <a:r>
+              <a:rPr lang="en-US" dirty="0" smtClean="0"/>
+              <a:t> p(X|Y)</a:t>
+            </a:r>
+            <a:endParaRPr lang="en-US" dirty="0"/>
+          </a:p>
+          <a:p>
+            <a:pPr lvl="1"/>
+            <a:r>
+              <a:rPr lang="en-US" dirty="0" err="1" smtClean="0"/>
+              <a:t>Razne</a:t>
+            </a:r>
+            <a:r>
+              <a:rPr lang="en-US" dirty="0" smtClean="0"/>
+              <a:t> </a:t>
+            </a:r>
+            <a:r>
+              <a:rPr lang="en-US" dirty="0" err="1" smtClean="0"/>
+              <a:t>varijante</a:t>
+            </a:r>
+            <a:r>
+              <a:rPr lang="en-US" dirty="0" smtClean="0"/>
+              <a:t> </a:t>
+            </a:r>
+            <a:r>
+              <a:rPr lang="en-US" dirty="0" err="1" smtClean="0"/>
+              <a:t>mogu</a:t>
+            </a:r>
+            <a:endParaRPr lang="en-US" dirty="0" smtClean="0"/>
+          </a:p>
+          <a:p>
+            <a:pPr lvl="2"/>
+            <a:r>
+              <a:rPr lang="en-US" dirty="0" err="1"/>
+              <a:t>U</a:t>
+            </a:r>
+            <a:r>
+              <a:rPr lang="en-US" dirty="0" err="1" smtClean="0"/>
+              <a:t>zorkovati</a:t>
+            </a:r>
+            <a:r>
+              <a:rPr lang="en-US" dirty="0" smtClean="0"/>
+              <a:t> </a:t>
+            </a:r>
+            <a:r>
+              <a:rPr lang="en-US" dirty="0" err="1" smtClean="0"/>
+              <a:t>nove</a:t>
+            </a:r>
+            <a:r>
+              <a:rPr lang="en-US" dirty="0" smtClean="0"/>
+              <a:t> </a:t>
+            </a:r>
+            <a:r>
+              <a:rPr lang="en-US" dirty="0" err="1" smtClean="0"/>
+              <a:t>primjere</a:t>
+            </a:r>
+            <a:endParaRPr lang="en-US" dirty="0"/>
+          </a:p>
+          <a:p>
+            <a:pPr lvl="2"/>
+            <a:r>
+              <a:rPr lang="en-US" dirty="0" err="1" smtClean="0"/>
+              <a:t>Naučiti</a:t>
+            </a:r>
+            <a:r>
+              <a:rPr lang="en-US" dirty="0" smtClean="0"/>
+              <a:t> </a:t>
+            </a:r>
+            <a:r>
+              <a:rPr lang="en-US" dirty="0" err="1" smtClean="0"/>
+              <a:t>distribuciju</a:t>
+            </a:r>
+            <a:r>
+              <a:rPr lang="en-US" dirty="0" smtClean="0"/>
+              <a:t> </a:t>
+            </a:r>
+            <a:r>
+              <a:rPr lang="en-US" dirty="0" err="1" smtClean="0"/>
+              <a:t>podataka</a:t>
+            </a:r>
+            <a:endParaRPr lang="en-US" dirty="0" smtClean="0"/>
+          </a:p>
+          <a:p>
+            <a:pPr lvl="2"/>
+            <a:r>
+              <a:rPr lang="en-US" dirty="0" err="1" smtClean="0"/>
+              <a:t>Identificirati</a:t>
+            </a:r>
+            <a:r>
+              <a:rPr lang="en-US" dirty="0" smtClean="0"/>
+              <a:t> </a:t>
+            </a:r>
+            <a:r>
+              <a:rPr lang="en-US" dirty="0" err="1" smtClean="0"/>
+              <a:t>bitne</a:t>
+            </a:r>
+            <a:r>
+              <a:rPr lang="en-US" dirty="0" smtClean="0"/>
+              <a:t> </a:t>
+            </a:r>
+            <a:r>
+              <a:rPr lang="en-US" dirty="0" err="1" smtClean="0"/>
+              <a:t>značajke</a:t>
+            </a:r>
+            <a:endParaRPr lang="en-US" dirty="0"/>
+          </a:p>
+          <a:p>
+            <a:r>
+              <a:rPr lang="en-US" dirty="0" err="1" smtClean="0"/>
+              <a:t>Generativni</a:t>
+            </a:r>
+            <a:r>
+              <a:rPr lang="en-US" dirty="0" smtClean="0"/>
+              <a:t> </a:t>
+            </a:r>
+            <a:r>
+              <a:rPr lang="en-US" dirty="0" err="1" smtClean="0"/>
+              <a:t>modeli</a:t>
+            </a:r>
+            <a:r>
+              <a:rPr lang="en-US" dirty="0" smtClean="0"/>
+              <a:t> </a:t>
+            </a:r>
+            <a:r>
+              <a:rPr lang="en-US" dirty="0" err="1" smtClean="0"/>
+              <a:t>su</a:t>
+            </a:r>
+            <a:r>
+              <a:rPr lang="en-US" dirty="0" smtClean="0"/>
+              <a:t> </a:t>
+            </a:r>
+            <a:r>
+              <a:rPr lang="en-US" dirty="0" err="1" smtClean="0"/>
+              <a:t>puno</a:t>
+            </a:r>
+            <a:r>
+              <a:rPr lang="en-US" dirty="0" smtClean="0"/>
+              <a:t> </a:t>
+            </a:r>
+            <a:r>
+              <a:rPr lang="en-US" dirty="0" err="1" smtClean="0"/>
+              <a:t>složeniji</a:t>
+            </a:r>
+            <a:endParaRPr lang="en-US" dirty="0" smtClean="0"/>
+          </a:p>
+        </p:txBody>
+      </p:sp>
+    </p:spTree>
+    <p:extLst>
+      <p:ext uri="{BB962C8B-B14F-4D97-AF65-F5344CB8AC3E}">
+        <p14:creationId xmlns:p14="http://schemas.microsoft.com/office/powerpoint/2010/main" val="1970442148"/>
+      </p:ext>
+    </p:extLst>
+  </p:cSld>
+  <p:clrMapOvr>
+    <a:masterClrMapping/>
+  </p:clrMapOvr>
+  <p:timing>
+    <p:tnLst>
+      <p:par>
+        <p:cTn id="1" dur="indefinite" restart="never" nodeType="tmRoot"/>
+      </p:par>
+    </p:tnLst>
+  </p:timing>
+</p:sld>
+</file>
+
+<file path=ppt/slides/slide4.xml><?xml version="1.0" encoding="utf-8"?>
+<p:sld xmlns:a="http://schemas.openxmlformats.org/drawingml/2006/main" xmlns:r="http://schemas.openxmlformats.org/officeDocument/2006/relationships" xmlns:p="http://schemas.openxmlformats.org/presentationml/2006/main">
+  <p:cSld>
+    <p:spTree>
+      <p:nvGrpSpPr>
+        <p:cNvPr id="1" name=""/>
+        <p:cNvGrpSpPr/>
+        <p:nvPr/>
+      </p:nvGrpSpPr>
+      <p:grpSpPr>
+        <a:xfrm>
+          <a:off x="0" y="0"/>
+          <a:ext cx="0" cy="0"/>
+          <a:chOff x="0" y="0"/>
+          <a:chExt cx="0" cy="0"/>
+        </a:xfrm>
+      </p:grpSpPr>
+      <p:sp>
+        <p:nvSpPr>
+          <p:cNvPr id="2" name="Title 1"/>
+          <p:cNvSpPr>
+            <a:spLocks noGrp="1"/>
+          </p:cNvSpPr>
+          <p:nvPr>
+            <p:ph type="title"/>
+          </p:nvPr>
+        </p:nvSpPr>
+        <p:spPr>
+          <a:xfrm>
+            <a:off x="667883" y="821094"/>
+            <a:ext cx="7415538" cy="778740"/>
+          </a:xfrm>
+        </p:spPr>
+        <p:txBody>
+          <a:bodyPr/>
+          <a:lstStyle/>
+          <a:p>
+            <a:r>
+              <a:rPr lang="en-US" sz="3200" dirty="0" err="1" smtClean="0"/>
+              <a:t>Suparnički</a:t>
+            </a:r>
+            <a:r>
+              <a:rPr lang="en-US" sz="3200" dirty="0" smtClean="0"/>
+              <a:t> </a:t>
+            </a:r>
+            <a:r>
+              <a:rPr lang="en-US" sz="3200" dirty="0" err="1" smtClean="0"/>
+              <a:t>modeli</a:t>
+            </a:r>
+            <a:endParaRPr lang="en-US" sz="3200" dirty="0"/>
+          </a:p>
+        </p:txBody>
+      </p:sp>
+      <p:sp>
+        <p:nvSpPr>
+          <p:cNvPr id="3" name="Content Placeholder 2"/>
+          <p:cNvSpPr>
+            <a:spLocks noGrp="1"/>
+          </p:cNvSpPr>
+          <p:nvPr>
+            <p:ph idx="1"/>
+          </p:nvPr>
+        </p:nvSpPr>
+        <p:spPr/>
+        <p:txBody>
+          <a:bodyPr/>
+          <a:lstStyle/>
+          <a:p>
+            <a:r>
+              <a:rPr lang="en-US" dirty="0" smtClean="0"/>
+              <a:t>Mini-max </a:t>
+            </a:r>
+            <a:r>
+              <a:rPr lang="en-US" dirty="0" err="1" smtClean="0"/>
+              <a:t>igra</a:t>
+            </a:r>
+            <a:r>
+              <a:rPr lang="en-US" dirty="0" smtClean="0"/>
+              <a:t> </a:t>
+            </a:r>
+            <a:r>
+              <a:rPr lang="en-US" dirty="0" err="1" smtClean="0"/>
+              <a:t>dvije</a:t>
+            </a:r>
+            <a:r>
+              <a:rPr lang="en-US" dirty="0" smtClean="0"/>
+              <a:t> </a:t>
+            </a:r>
+            <a:r>
+              <a:rPr lang="en-US" dirty="0" err="1" smtClean="0"/>
+              <a:t>mreže</a:t>
+            </a:r>
+            <a:endParaRPr lang="en-US" dirty="0" smtClean="0"/>
+          </a:p>
+          <a:p>
+            <a:pPr lvl="1"/>
+            <a:r>
+              <a:rPr lang="en-US" dirty="0" err="1" smtClean="0"/>
+              <a:t>Pola</a:t>
+            </a:r>
+            <a:r>
+              <a:rPr lang="en-US" dirty="0" smtClean="0"/>
+              <a:t> </a:t>
+            </a:r>
+            <a:r>
+              <a:rPr lang="en-US" dirty="0" err="1" smtClean="0"/>
+              <a:t>mreže</a:t>
+            </a:r>
+            <a:r>
+              <a:rPr lang="en-US" dirty="0" smtClean="0"/>
+              <a:t> </a:t>
+            </a:r>
+            <a:r>
+              <a:rPr lang="en-US" dirty="0" err="1" smtClean="0"/>
+              <a:t>maksimizira</a:t>
+            </a:r>
+            <a:r>
+              <a:rPr lang="en-US" dirty="0" smtClean="0"/>
+              <a:t> </a:t>
+            </a:r>
+            <a:r>
+              <a:rPr lang="en-US" dirty="0" err="1" smtClean="0"/>
+              <a:t>svoj</a:t>
+            </a:r>
+            <a:r>
+              <a:rPr lang="en-US" dirty="0" smtClean="0"/>
+              <a:t> </a:t>
+            </a:r>
+            <a:r>
+              <a:rPr lang="en-US" dirty="0" err="1" smtClean="0"/>
+              <a:t>rezultat</a:t>
+            </a:r>
+            <a:endParaRPr lang="en-US" dirty="0" smtClean="0"/>
+          </a:p>
+          <a:p>
+            <a:pPr lvl="1"/>
+            <a:r>
+              <a:rPr lang="en-US" dirty="0" err="1" smtClean="0"/>
+              <a:t>Druga</a:t>
+            </a:r>
+            <a:r>
+              <a:rPr lang="en-US" dirty="0" smtClean="0"/>
+              <a:t> </a:t>
+            </a:r>
+            <a:r>
+              <a:rPr lang="en-US" dirty="0" err="1" smtClean="0"/>
+              <a:t>polovica</a:t>
+            </a:r>
+            <a:r>
+              <a:rPr lang="en-US" dirty="0" smtClean="0"/>
+              <a:t> </a:t>
+            </a:r>
+            <a:r>
+              <a:rPr lang="en-US" dirty="0" err="1" smtClean="0"/>
+              <a:t>minimizira</a:t>
+            </a:r>
+            <a:r>
+              <a:rPr lang="en-US" dirty="0" smtClean="0"/>
+              <a:t> </a:t>
+            </a:r>
+            <a:r>
+              <a:rPr lang="en-US" dirty="0" err="1" smtClean="0"/>
+              <a:t>rezultat</a:t>
+            </a:r>
+            <a:r>
+              <a:rPr lang="en-US" dirty="0" smtClean="0"/>
+              <a:t> </a:t>
+            </a:r>
+            <a:r>
+              <a:rPr lang="en-US" dirty="0" err="1" smtClean="0"/>
+              <a:t>prve</a:t>
+            </a:r>
+            <a:endParaRPr lang="en-US" dirty="0"/>
+          </a:p>
+          <a:p>
+            <a:pPr marL="0" indent="0">
+              <a:buNone/>
+            </a:pPr>
+            <a:endParaRPr lang="en-US" dirty="0" smtClean="0"/>
+          </a:p>
+          <a:p>
+            <a:r>
+              <a:rPr lang="en-US" dirty="0" smtClean="0"/>
+              <a:t>Generator (G) </a:t>
+            </a:r>
+            <a:r>
+              <a:rPr lang="en-US" dirty="0" err="1" smtClean="0"/>
+              <a:t>stvara</a:t>
+            </a:r>
+            <a:r>
+              <a:rPr lang="en-US" dirty="0" smtClean="0"/>
+              <a:t> </a:t>
+            </a:r>
+            <a:r>
+              <a:rPr lang="en-US" dirty="0" err="1" smtClean="0"/>
+              <a:t>nove</a:t>
+            </a:r>
+            <a:r>
+              <a:rPr lang="en-US" dirty="0" smtClean="0"/>
+              <a:t> </a:t>
+            </a:r>
+            <a:r>
+              <a:rPr lang="en-US" dirty="0" err="1" smtClean="0"/>
+              <a:t>podatke</a:t>
+            </a:r>
+            <a:r>
+              <a:rPr lang="en-US" dirty="0" smtClean="0"/>
+              <a:t> </a:t>
+            </a:r>
+            <a:r>
+              <a:rPr lang="en-US" dirty="0" err="1" smtClean="0"/>
+              <a:t>slične</a:t>
+            </a:r>
+            <a:r>
+              <a:rPr lang="en-US" dirty="0" smtClean="0"/>
+              <a:t> </a:t>
+            </a:r>
+            <a:r>
+              <a:rPr lang="en-US" dirty="0" err="1" smtClean="0"/>
+              <a:t>stvarnima</a:t>
+            </a:r>
+            <a:endParaRPr lang="en-US" dirty="0" smtClean="0"/>
+          </a:p>
+          <a:p>
+            <a:r>
+              <a:rPr lang="en-US" dirty="0" err="1" smtClean="0"/>
+              <a:t>Diskriminator</a:t>
+            </a:r>
+            <a:r>
+              <a:rPr lang="en-US" dirty="0" smtClean="0"/>
+              <a:t> (D) </a:t>
+            </a:r>
+            <a:r>
+              <a:rPr lang="en-US" dirty="0" err="1" smtClean="0"/>
+              <a:t>provjerava</a:t>
+            </a:r>
+            <a:r>
+              <a:rPr lang="en-US" dirty="0" smtClean="0"/>
+              <a:t> </a:t>
+            </a:r>
+            <a:r>
+              <a:rPr lang="en-US" dirty="0" err="1" smtClean="0"/>
+              <a:t>njihovu</a:t>
+            </a:r>
+            <a:r>
+              <a:rPr lang="en-US" dirty="0" smtClean="0"/>
+              <a:t> </a:t>
+            </a:r>
+            <a:r>
+              <a:rPr lang="en-US" dirty="0" err="1" smtClean="0"/>
+              <a:t>autentičnost</a:t>
+            </a:r>
+            <a:endParaRPr lang="en-US" dirty="0" smtClean="0"/>
+          </a:p>
+          <a:p>
+            <a:endParaRPr lang="en-US" dirty="0"/>
+          </a:p>
+          <a:p>
+            <a:r>
+              <a:rPr lang="en-US" dirty="0" err="1"/>
+              <a:t>Nenadzirani</a:t>
+            </a:r>
+            <a:endParaRPr lang="en-US" dirty="0"/>
+          </a:p>
+          <a:p>
+            <a:endParaRPr lang="en-US" dirty="0"/>
+          </a:p>
+        </p:txBody>
+      </p:sp>
+    </p:spTree>
+    <p:extLst>
+      <p:ext uri="{BB962C8B-B14F-4D97-AF65-F5344CB8AC3E}">
+        <p14:creationId xmlns:p14="http://schemas.microsoft.com/office/powerpoint/2010/main" val="1087827137"/>
+      </p:ext>
+    </p:extLst>
+  </p:cSld>
+  <p:clrMapOvr>
+    <a:masterClrMapping/>
+  </p:clrMapOvr>
+  <p:timing>
+    <p:tnLst>
+      <p:par>
+        <p:cTn id="1" dur="indefinite" restart="never" nodeType="tmRoot"/>
+      </p:par>
+    </p:tnLst>
+  </p:timing>
+</p:sld>
+</file>
+
+<file path=ppt/slides/slide5.xml><?xml version="1.0" encoding="utf-8"?>
+<p:sld xmlns:a="http://schemas.openxmlformats.org/drawingml/2006/main" xmlns:r="http://schemas.openxmlformats.org/officeDocument/2006/relationships" xmlns:p="http://schemas.openxmlformats.org/presentationml/2006/main">
+  <p:cSld>
+    <p:spTree>
+      <p:nvGrpSpPr>
+        <p:cNvPr id="1" name=""/>
+        <p:cNvGrpSpPr/>
+        <p:nvPr/>
+      </p:nvGrpSpPr>
+      <p:grpSpPr>
+        <a:xfrm>
+          <a:off x="0" y="0"/>
+          <a:ext cx="0" cy="0"/>
+          <a:chOff x="0" y="0"/>
+          <a:chExt cx="0" cy="0"/>
+        </a:xfrm>
+      </p:grpSpPr>
+      <p:sp>
+        <p:nvSpPr>
+          <p:cNvPr id="2" name="Title 1"/>
+          <p:cNvSpPr>
+            <a:spLocks noGrp="1"/>
+          </p:cNvSpPr>
+          <p:nvPr>
+            <p:ph type="title"/>
+          </p:nvPr>
+        </p:nvSpPr>
+        <p:spPr>
+          <a:xfrm>
+            <a:off x="667883" y="821094"/>
+            <a:ext cx="7415538" cy="778740"/>
+          </a:xfrm>
+        </p:spPr>
+        <p:txBody>
+          <a:bodyPr/>
+          <a:lstStyle/>
+          <a:p>
+            <a:r>
+              <a:rPr lang="en-US" sz="3200" dirty="0" err="1" smtClean="0"/>
+              <a:t>Suparnički</a:t>
+            </a:r>
+            <a:r>
+              <a:rPr lang="en-US" sz="3200" dirty="0" smtClean="0"/>
+              <a:t> </a:t>
+            </a:r>
+            <a:r>
+              <a:rPr lang="en-US" sz="3200" dirty="0" err="1" smtClean="0"/>
+              <a:t>modeli</a:t>
+            </a:r>
+            <a:endParaRPr lang="en-US" sz="3200" dirty="0"/>
+          </a:p>
+        </p:txBody>
+      </p:sp>
+      <p:pic>
+        <p:nvPicPr>
+          <p:cNvPr id="5" name="Content Placeholder 4"/>
+          <p:cNvPicPr>
+            <a:picLocks noGrp="1" noChangeAspect="1"/>
+          </p:cNvPicPr>
+          <p:nvPr>
+            <p:ph idx="1"/>
+          </p:nvPr>
+        </p:nvPicPr>
+        <p:blipFill>
+          <a:blip r:embed="rId2">
+            <a:extLst>
+              <a:ext uri="{28A0092B-C50C-407E-A947-70E740481C1C}">
+                <a14:useLocalDpi xmlns:a14="http://schemas.microsoft.com/office/drawing/2010/main" val="0"/>
+              </a:ext>
+            </a:extLst>
+          </a:blip>
+          <a:stretch>
+            <a:fillRect/>
+          </a:stretch>
+        </p:blipFill>
+        <p:spPr>
+          <a:xfrm>
+            <a:off x="764447" y="2179529"/>
+            <a:ext cx="9607105" cy="3518960"/>
+          </a:xfrm>
+        </p:spPr>
+      </p:pic>
+    </p:spTree>
+    <p:extLst>
+      <p:ext uri="{BB962C8B-B14F-4D97-AF65-F5344CB8AC3E}">
+        <p14:creationId xmlns:p14="http://schemas.microsoft.com/office/powerpoint/2010/main" val="1011479014"/>
+      </p:ext>
+    </p:extLst>
+  </p:cSld>
+  <p:clrMapOvr>
+    <a:masterClrMapping/>
+  </p:clrMapOvr>
+  <p:timing>
+    <p:tnLst>
+      <p:par>
+        <p:cTn id="1" dur="indefinite" restart="never" nodeType="tmRoot"/>
+      </p:par>
+    </p:tnLst>
+  </p:timing>
+</p:sld>
+</file>
+
+<file path=ppt/slides/slide6.xml><?xml version="1.0" encoding="utf-8"?>
+<p:sld xmlns:a="http://schemas.openxmlformats.org/drawingml/2006/main" xmlns:r="http://schemas.openxmlformats.org/officeDocument/2006/relationships" xmlns:p="http://schemas.openxmlformats.org/presentationml/2006/main">
+  <p:cSld>
+    <p:spTree>
+      <p:nvGrpSpPr>
+        <p:cNvPr id="1" name=""/>
+        <p:cNvGrpSpPr/>
+        <p:nvPr/>
+      </p:nvGrpSpPr>
+      <p:grpSpPr>
+        <a:xfrm>
+          <a:off x="0" y="0"/>
+          <a:ext cx="0" cy="0"/>
+          <a:chOff x="0" y="0"/>
+          <a:chExt cx="0" cy="0"/>
+        </a:xfrm>
+      </p:grpSpPr>
+      <p:sp>
+        <p:nvSpPr>
+          <p:cNvPr id="2" name="Title 1"/>
+          <p:cNvSpPr>
+            <a:spLocks noGrp="1"/>
+          </p:cNvSpPr>
+          <p:nvPr>
+            <p:ph type="title"/>
+          </p:nvPr>
+        </p:nvSpPr>
+        <p:spPr>
+          <a:xfrm>
+            <a:off x="667883" y="821094"/>
+            <a:ext cx="7415538" cy="778740"/>
+          </a:xfrm>
+        </p:spPr>
+        <p:txBody>
+          <a:bodyPr/>
+          <a:lstStyle/>
+          <a:p>
+            <a:r>
+              <a:rPr lang="en-US" sz="3200" dirty="0" err="1" smtClean="0"/>
+              <a:t>Autoenkoderi</a:t>
+            </a:r>
+            <a:r>
+              <a:rPr lang="en-US" sz="3200" dirty="0" smtClean="0"/>
+              <a:t> (AE)</a:t>
+            </a:r>
+            <a:endParaRPr lang="en-US" sz="3200" dirty="0"/>
+          </a:p>
+        </p:txBody>
+      </p:sp>
+      <p:sp>
+        <p:nvSpPr>
+          <p:cNvPr id="3" name="Content Placeholder 2"/>
+          <p:cNvSpPr>
+            <a:spLocks noGrp="1"/>
+          </p:cNvSpPr>
+          <p:nvPr>
+            <p:ph idx="1"/>
+          </p:nvPr>
+        </p:nvSpPr>
+        <p:spPr>
+          <a:xfrm>
+            <a:off x="1103312" y="2052918"/>
+            <a:ext cx="8818901" cy="4195481"/>
+          </a:xfrm>
+        </p:spPr>
+        <p:txBody>
+          <a:bodyPr/>
+          <a:lstStyle/>
+          <a:p>
+            <a:r>
+              <a:rPr lang="en-US" dirty="0" err="1" smtClean="0"/>
+              <a:t>Dvodjela</a:t>
+            </a:r>
+            <a:r>
+              <a:rPr lang="en-US" dirty="0" smtClean="0"/>
+              <a:t> </a:t>
+            </a:r>
+            <a:r>
+              <a:rPr lang="en-US" dirty="0" err="1" smtClean="0"/>
+              <a:t>arhitektura</a:t>
+            </a:r>
+            <a:endParaRPr lang="en-US" dirty="0"/>
+          </a:p>
+          <a:p>
+            <a:pPr lvl="1"/>
+            <a:r>
+              <a:rPr lang="en-US" dirty="0" err="1" smtClean="0"/>
+              <a:t>Enkoder</a:t>
+            </a:r>
+            <a:r>
+              <a:rPr lang="en-US" dirty="0" smtClean="0"/>
+              <a:t> </a:t>
+            </a:r>
+            <a:r>
+              <a:rPr lang="mr-IN" dirty="0" smtClean="0"/>
+              <a:t>–</a:t>
+            </a:r>
+            <a:r>
+              <a:rPr lang="en-US" dirty="0" smtClean="0"/>
+              <a:t> </a:t>
+            </a:r>
+            <a:r>
+              <a:rPr lang="en-US" dirty="0" err="1" smtClean="0"/>
+              <a:t>kompresija</a:t>
+            </a:r>
+            <a:r>
+              <a:rPr lang="en-US" dirty="0" smtClean="0"/>
+              <a:t> </a:t>
+            </a:r>
+            <a:r>
+              <a:rPr lang="en-US" dirty="0" err="1" smtClean="0"/>
+              <a:t>podataka</a:t>
+            </a:r>
+            <a:r>
+              <a:rPr lang="en-US" dirty="0" smtClean="0"/>
+              <a:t> u </a:t>
+            </a:r>
+            <a:r>
+              <a:rPr lang="en-US" dirty="0" err="1" smtClean="0"/>
+              <a:t>latentne</a:t>
+            </a:r>
+            <a:r>
+              <a:rPr lang="en-US" dirty="0" smtClean="0"/>
+              <a:t> </a:t>
+            </a:r>
+            <a:r>
+              <a:rPr lang="en-US" dirty="0" err="1" smtClean="0"/>
+              <a:t>varijable</a:t>
+            </a:r>
+            <a:endParaRPr lang="en-US" dirty="0" smtClean="0"/>
+          </a:p>
+          <a:p>
+            <a:pPr lvl="1"/>
+            <a:r>
+              <a:rPr lang="en-US" dirty="0" err="1" smtClean="0"/>
+              <a:t>Dekoder</a:t>
+            </a:r>
+            <a:r>
+              <a:rPr lang="en-US" dirty="0" smtClean="0"/>
+              <a:t> </a:t>
+            </a:r>
+            <a:r>
+              <a:rPr lang="mr-IN" dirty="0" smtClean="0"/>
+              <a:t>–</a:t>
+            </a:r>
+            <a:r>
+              <a:rPr lang="en-US" dirty="0" smtClean="0"/>
+              <a:t> </a:t>
+            </a:r>
+            <a:r>
+              <a:rPr lang="en-US" dirty="0" err="1" smtClean="0"/>
+              <a:t>rekonstrukcija</a:t>
+            </a:r>
+            <a:r>
+              <a:rPr lang="en-US" dirty="0" smtClean="0"/>
+              <a:t> </a:t>
+            </a:r>
+            <a:r>
+              <a:rPr lang="en-US" dirty="0" err="1" smtClean="0"/>
+              <a:t>izvornih</a:t>
+            </a:r>
+            <a:r>
+              <a:rPr lang="en-US" dirty="0" smtClean="0"/>
+              <a:t> </a:t>
+            </a:r>
+            <a:r>
+              <a:rPr lang="en-US" dirty="0" err="1" smtClean="0"/>
+              <a:t>podataka</a:t>
+            </a:r>
+            <a:endParaRPr lang="en-US" dirty="0"/>
+          </a:p>
+          <a:p>
+            <a:endParaRPr lang="en-US" dirty="0" smtClean="0"/>
+          </a:p>
+          <a:p>
+            <a:r>
+              <a:rPr lang="en-US" dirty="0" err="1" smtClean="0"/>
+              <a:t>Cilj</a:t>
+            </a:r>
+            <a:r>
+              <a:rPr lang="en-US" dirty="0" smtClean="0"/>
+              <a:t>: </a:t>
+            </a:r>
+            <a:r>
+              <a:rPr lang="en-US" dirty="0" err="1" smtClean="0"/>
+              <a:t>postići</a:t>
+            </a:r>
+            <a:r>
+              <a:rPr lang="en-US" dirty="0" smtClean="0"/>
+              <a:t> </a:t>
+            </a:r>
+            <a:r>
+              <a:rPr lang="en-US" dirty="0" err="1" smtClean="0"/>
+              <a:t>ćim</a:t>
+            </a:r>
+            <a:r>
+              <a:rPr lang="en-US" dirty="0" smtClean="0"/>
+              <a:t> </a:t>
+            </a:r>
+            <a:r>
+              <a:rPr lang="en-US" dirty="0" err="1" smtClean="0"/>
+              <a:t>veću</a:t>
+            </a:r>
+            <a:r>
+              <a:rPr lang="en-US" dirty="0" smtClean="0"/>
+              <a:t> </a:t>
+            </a:r>
+            <a:r>
+              <a:rPr lang="en-US" dirty="0" err="1" smtClean="0"/>
+              <a:t>sličnost</a:t>
+            </a:r>
+            <a:r>
+              <a:rPr lang="en-US" dirty="0" smtClean="0"/>
+              <a:t> </a:t>
+            </a:r>
+            <a:r>
+              <a:rPr lang="en-US" dirty="0" err="1" smtClean="0"/>
+              <a:t>ulaza</a:t>
+            </a:r>
+            <a:r>
+              <a:rPr lang="en-US" dirty="0" smtClean="0"/>
+              <a:t> </a:t>
+            </a:r>
+            <a:r>
+              <a:rPr lang="en-US" dirty="0" err="1" smtClean="0"/>
+              <a:t>i</a:t>
+            </a:r>
+            <a:r>
+              <a:rPr lang="en-US" dirty="0" smtClean="0"/>
+              <a:t> </a:t>
+            </a:r>
+            <a:r>
+              <a:rPr lang="en-US" dirty="0" err="1" smtClean="0"/>
+              <a:t>izlaza</a:t>
+            </a:r>
+            <a:endParaRPr lang="en-US" dirty="0" smtClean="0"/>
+          </a:p>
+          <a:p>
+            <a:endParaRPr lang="en-US" dirty="0" smtClean="0"/>
+          </a:p>
+          <a:p>
+            <a:r>
+              <a:rPr lang="en-US" dirty="0" err="1" smtClean="0"/>
+              <a:t>Nenadzirani</a:t>
+            </a:r>
+            <a:endParaRPr lang="en-US" dirty="0" smtClean="0"/>
+          </a:p>
+          <a:p>
+            <a:endParaRPr lang="en-US" dirty="0" smtClean="0"/>
           </a:p>
         </p:txBody>
       </p:sp>
@@ -8136,2673 +10714,14 @@
         </p:blipFill>
         <p:spPr>
           <a:xfrm>
-            <a:off x="1103312" y="3694922"/>
-            <a:ext cx="9945353" cy="3163078"/>
+            <a:off x="4020502" y="4474725"/>
+            <a:ext cx="7853464" cy="2012750"/>
           </a:xfrm>
           <a:prstGeom prst="rect">
             <a:avLst/>
           </a:prstGeom>
         </p:spPr>
       </p:pic>
-    </p:spTree>
-    <p:extLst>
-      <p:ext uri="{BB962C8B-B14F-4D97-AF65-F5344CB8AC3E}">
-        <p14:creationId xmlns:p14="http://schemas.microsoft.com/office/powerpoint/2010/main" val="1446841711"/>
-      </p:ext>
-    </p:extLst>
-  </p:cSld>
-  <p:clrMapOvr>
-    <a:masterClrMapping/>
-  </p:clrMapOvr>
-</p:sld>
-</file>
-
-<file path=ppt/slides/slide2.xml><?xml version="1.0" encoding="utf-8"?>
-<p:sld xmlns:a="http://schemas.openxmlformats.org/drawingml/2006/main" xmlns:r="http://schemas.openxmlformats.org/officeDocument/2006/relationships" xmlns:p="http://schemas.openxmlformats.org/presentationml/2006/main">
-  <p:cSld>
-    <p:spTree>
-      <p:nvGrpSpPr>
-        <p:cNvPr id="1" name=""/>
-        <p:cNvGrpSpPr/>
-        <p:nvPr/>
-      </p:nvGrpSpPr>
-      <p:grpSpPr>
-        <a:xfrm>
-          <a:off x="0" y="0"/>
-          <a:ext cx="0" cy="0"/>
-          <a:chOff x="0" y="0"/>
-          <a:chExt cx="0" cy="0"/>
-        </a:xfrm>
-      </p:grpSpPr>
-      <p:sp>
-        <p:nvSpPr>
-          <p:cNvPr id="2" name="Title 1"/>
-          <p:cNvSpPr>
-            <a:spLocks noGrp="1"/>
-          </p:cNvSpPr>
-          <p:nvPr>
-            <p:ph type="title"/>
-          </p:nvPr>
-        </p:nvSpPr>
-        <p:spPr/>
-        <p:txBody>
-          <a:bodyPr/>
-          <a:lstStyle/>
-          <a:p>
-            <a:r>
-              <a:rPr lang="en-US" dirty="0" err="1" smtClean="0"/>
-              <a:t>Sadržaj</a:t>
-            </a:r>
-            <a:endParaRPr lang="en-US" dirty="0"/>
-          </a:p>
-        </p:txBody>
-      </p:sp>
-      <p:sp>
-        <p:nvSpPr>
-          <p:cNvPr id="3" name="Content Placeholder 2"/>
-          <p:cNvSpPr>
-            <a:spLocks noGrp="1"/>
-          </p:cNvSpPr>
-          <p:nvPr>
-            <p:ph idx="1"/>
-          </p:nvPr>
-        </p:nvSpPr>
-        <p:spPr/>
-        <p:txBody>
-          <a:bodyPr/>
-          <a:lstStyle/>
-          <a:p>
-            <a:r>
-              <a:rPr lang="en-US" dirty="0" err="1" smtClean="0"/>
-              <a:t>Generativno</a:t>
-            </a:r>
-            <a:r>
-              <a:rPr lang="en-US" dirty="0" smtClean="0"/>
-              <a:t> </a:t>
-            </a:r>
-            <a:r>
-              <a:rPr lang="en-US" dirty="0" err="1" smtClean="0"/>
-              <a:t>modeliranje</a:t>
-            </a:r>
-            <a:endParaRPr lang="en-US" dirty="0" smtClean="0"/>
-          </a:p>
-          <a:p>
-            <a:r>
-              <a:rPr lang="en-US" dirty="0" err="1" smtClean="0"/>
-              <a:t>Suparnički</a:t>
-            </a:r>
-            <a:r>
-              <a:rPr lang="en-US" dirty="0" smtClean="0"/>
-              <a:t> </a:t>
-            </a:r>
-            <a:r>
-              <a:rPr lang="en-US" dirty="0" err="1" smtClean="0"/>
-              <a:t>modeli</a:t>
-            </a:r>
-            <a:endParaRPr lang="en-US" dirty="0" smtClean="0"/>
-          </a:p>
-          <a:p>
-            <a:r>
-              <a:rPr lang="en-US" dirty="0" err="1" smtClean="0"/>
-              <a:t>Autoenkoderi</a:t>
-            </a:r>
-            <a:endParaRPr lang="en-US" dirty="0" smtClean="0"/>
-          </a:p>
-          <a:p>
-            <a:r>
-              <a:rPr lang="en-US" dirty="0" err="1" smtClean="0"/>
-              <a:t>Uvjetne</a:t>
-            </a:r>
-            <a:r>
-              <a:rPr lang="en-US" dirty="0" smtClean="0"/>
-              <a:t> </a:t>
-            </a:r>
-            <a:r>
-              <a:rPr lang="en-US" dirty="0" err="1" smtClean="0"/>
-              <a:t>generativne</a:t>
-            </a:r>
-            <a:r>
-              <a:rPr lang="en-US" dirty="0" smtClean="0"/>
-              <a:t> </a:t>
-            </a:r>
-            <a:r>
-              <a:rPr lang="en-US" dirty="0" err="1" smtClean="0"/>
-              <a:t>mreže</a:t>
-            </a:r>
-            <a:endParaRPr lang="en-US" dirty="0"/>
-          </a:p>
-          <a:p>
-            <a:r>
-              <a:rPr lang="en-US" dirty="0" err="1" smtClean="0"/>
-              <a:t>Translacija</a:t>
-            </a:r>
-            <a:r>
-              <a:rPr lang="en-US" dirty="0" smtClean="0"/>
-              <a:t> bez </a:t>
-            </a:r>
-            <a:r>
-              <a:rPr lang="en-US" dirty="0" err="1" smtClean="0"/>
-              <a:t>uparenih</a:t>
-            </a:r>
-            <a:r>
-              <a:rPr lang="en-US" dirty="0" smtClean="0"/>
-              <a:t> </a:t>
-            </a:r>
-            <a:r>
-              <a:rPr lang="en-US" dirty="0" err="1" smtClean="0"/>
-              <a:t>primjera</a:t>
-            </a:r>
-            <a:r>
-              <a:rPr lang="en-US" dirty="0" smtClean="0"/>
-              <a:t> </a:t>
-            </a:r>
-            <a:r>
-              <a:rPr lang="en-US" dirty="0" err="1" smtClean="0"/>
-              <a:t>za</a:t>
-            </a:r>
-            <a:r>
-              <a:rPr lang="en-US" dirty="0" smtClean="0"/>
-              <a:t> </a:t>
-            </a:r>
-            <a:r>
-              <a:rPr lang="en-US" dirty="0" err="1" smtClean="0"/>
-              <a:t>učenje</a:t>
-            </a:r>
-            <a:endParaRPr lang="en-US" dirty="0" smtClean="0"/>
-          </a:p>
-          <a:p>
-            <a:pPr lvl="1"/>
-            <a:r>
-              <a:rPr lang="en-US" dirty="0" err="1" smtClean="0"/>
-              <a:t>Kružni</a:t>
-            </a:r>
-            <a:r>
-              <a:rPr lang="en-US" dirty="0" smtClean="0"/>
-              <a:t> GAN, UNIT, MUNIT</a:t>
-            </a:r>
-            <a:endParaRPr lang="en-US" dirty="0" smtClean="0"/>
-          </a:p>
-          <a:p>
-            <a:r>
-              <a:rPr lang="en-US" dirty="0" err="1" smtClean="0"/>
-              <a:t>Zaključak</a:t>
-            </a:r>
-            <a:endParaRPr lang="en-US" dirty="0"/>
-          </a:p>
-        </p:txBody>
-      </p:sp>
-    </p:spTree>
-    <p:extLst>
-      <p:ext uri="{BB962C8B-B14F-4D97-AF65-F5344CB8AC3E}">
-        <p14:creationId xmlns:p14="http://schemas.microsoft.com/office/powerpoint/2010/main" val="1776948365"/>
-      </p:ext>
-    </p:extLst>
-  </p:cSld>
-  <p:clrMapOvr>
-    <a:masterClrMapping/>
-  </p:clrMapOvr>
-</p:sld>
-</file>
-
-<file path=ppt/slides/slide20.xml><?xml version="1.0" encoding="utf-8"?>
-<p:sld xmlns:a="http://schemas.openxmlformats.org/drawingml/2006/main" xmlns:r="http://schemas.openxmlformats.org/officeDocument/2006/relationships" xmlns:p="http://schemas.openxmlformats.org/presentationml/2006/main">
-  <p:cSld>
-    <p:spTree>
-      <p:nvGrpSpPr>
-        <p:cNvPr id="1" name=""/>
-        <p:cNvGrpSpPr/>
-        <p:nvPr/>
-      </p:nvGrpSpPr>
-      <p:grpSpPr>
-        <a:xfrm>
-          <a:off x="0" y="0"/>
-          <a:ext cx="0" cy="0"/>
-          <a:chOff x="0" y="0"/>
-          <a:chExt cx="0" cy="0"/>
-        </a:xfrm>
-      </p:grpSpPr>
-      <p:sp>
-        <p:nvSpPr>
-          <p:cNvPr id="2" name="Title 1"/>
-          <p:cNvSpPr>
-            <a:spLocks noGrp="1"/>
-          </p:cNvSpPr>
-          <p:nvPr>
-            <p:ph type="title"/>
-          </p:nvPr>
-        </p:nvSpPr>
-        <p:spPr/>
-        <p:txBody>
-          <a:bodyPr/>
-          <a:lstStyle/>
-          <a:p>
-            <a:r>
-              <a:rPr lang="en-US" dirty="0" err="1" smtClean="0"/>
-              <a:t>Multimodalna</a:t>
-            </a:r>
-            <a:r>
-              <a:rPr lang="en-US" dirty="0" smtClean="0"/>
-              <a:t> </a:t>
-            </a:r>
-            <a:r>
-              <a:rPr lang="en-US" dirty="0" err="1" smtClean="0"/>
-              <a:t>nenadzirana</a:t>
-            </a:r>
-            <a:r>
-              <a:rPr lang="en-US" dirty="0" smtClean="0"/>
-              <a:t> </a:t>
-            </a:r>
-            <a:r>
-              <a:rPr lang="en-US" dirty="0" err="1" smtClean="0"/>
-              <a:t>translacija</a:t>
-            </a:r>
-            <a:r>
-              <a:rPr lang="en-US" dirty="0" smtClean="0"/>
-              <a:t> </a:t>
-            </a:r>
-            <a:r>
-              <a:rPr lang="en-US" dirty="0" smtClean="0"/>
-              <a:t>(MUNIT</a:t>
-            </a:r>
-            <a:r>
-              <a:rPr lang="en-US" dirty="0" smtClean="0"/>
-              <a:t>)</a:t>
-            </a:r>
-            <a:endParaRPr lang="en-US" dirty="0"/>
-          </a:p>
-        </p:txBody>
-      </p:sp>
-      <p:sp>
-        <p:nvSpPr>
-          <p:cNvPr id="3" name="Content Placeholder 2"/>
-          <p:cNvSpPr>
-            <a:spLocks noGrp="1"/>
-          </p:cNvSpPr>
-          <p:nvPr>
-            <p:ph idx="1"/>
-          </p:nvPr>
-        </p:nvSpPr>
-        <p:spPr/>
-        <p:txBody>
-          <a:bodyPr/>
-          <a:lstStyle/>
-          <a:p>
-            <a:r>
-              <a:rPr lang="hr-HR" dirty="0" smtClean="0"/>
-              <a:t>Modeli prethodnih poglavlja nisu generičko rješenje</a:t>
-            </a:r>
-          </a:p>
-          <a:p>
-            <a:endParaRPr lang="hr-HR" dirty="0" smtClean="0"/>
-          </a:p>
-          <a:p>
-            <a:r>
-              <a:rPr lang="hr-HR" dirty="0" smtClean="0"/>
-              <a:t>Kružni GAN-ovi vrše determinističko preslikavanje</a:t>
-            </a:r>
-          </a:p>
-          <a:p>
-            <a:endParaRPr lang="hr-HR" dirty="0" smtClean="0"/>
-          </a:p>
-          <a:p>
-            <a:r>
-              <a:rPr lang="hr-HR" dirty="0" smtClean="0"/>
-              <a:t>UNIT uče </a:t>
-            </a:r>
-            <a:r>
-              <a:rPr lang="hr-HR" dirty="0" err="1" smtClean="0"/>
-              <a:t>unimodalno</a:t>
-            </a:r>
-            <a:r>
-              <a:rPr lang="hr-HR" dirty="0" smtClean="0"/>
-              <a:t> preslikavanje</a:t>
-            </a:r>
-          </a:p>
-          <a:p>
-            <a:endParaRPr lang="en-US" dirty="0" smtClean="0"/>
-          </a:p>
-          <a:p>
-            <a:r>
-              <a:rPr lang="en-US" dirty="0" smtClean="0"/>
-              <a:t>V</a:t>
-            </a:r>
-            <a:r>
-              <a:rPr lang="hr-HR" dirty="0" err="1" smtClean="0"/>
-              <a:t>rlo</a:t>
-            </a:r>
-            <a:r>
-              <a:rPr lang="hr-HR" dirty="0" smtClean="0"/>
-              <a:t> teško ostvaruju raznolikost</a:t>
-            </a:r>
-          </a:p>
-          <a:p>
-            <a:endParaRPr lang="hr-HR" dirty="0"/>
-          </a:p>
-        </p:txBody>
-      </p:sp>
-    </p:spTree>
-    <p:extLst>
-      <p:ext uri="{BB962C8B-B14F-4D97-AF65-F5344CB8AC3E}">
-        <p14:creationId xmlns:p14="http://schemas.microsoft.com/office/powerpoint/2010/main" val="984007413"/>
-      </p:ext>
-    </p:extLst>
-  </p:cSld>
-  <p:clrMapOvr>
-    <a:masterClrMapping/>
-  </p:clrMapOvr>
-</p:sld>
-</file>
-
-<file path=ppt/slides/slide21.xml><?xml version="1.0" encoding="utf-8"?>
-<p:sld xmlns:a="http://schemas.openxmlformats.org/drawingml/2006/main" xmlns:r="http://schemas.openxmlformats.org/officeDocument/2006/relationships" xmlns:p="http://schemas.openxmlformats.org/presentationml/2006/main">
-  <p:cSld>
-    <p:spTree>
-      <p:nvGrpSpPr>
-        <p:cNvPr id="1" name=""/>
-        <p:cNvGrpSpPr/>
-        <p:nvPr/>
-      </p:nvGrpSpPr>
-      <p:grpSpPr>
-        <a:xfrm>
-          <a:off x="0" y="0"/>
-          <a:ext cx="0" cy="0"/>
-          <a:chOff x="0" y="0"/>
-          <a:chExt cx="0" cy="0"/>
-        </a:xfrm>
-      </p:grpSpPr>
-      <p:sp>
-        <p:nvSpPr>
-          <p:cNvPr id="2" name="Title 1"/>
-          <p:cNvSpPr>
-            <a:spLocks noGrp="1"/>
-          </p:cNvSpPr>
-          <p:nvPr>
-            <p:ph type="title"/>
-          </p:nvPr>
-        </p:nvSpPr>
-        <p:spPr/>
-        <p:txBody>
-          <a:bodyPr/>
-          <a:lstStyle/>
-          <a:p>
-            <a:r>
-              <a:rPr lang="en-US" dirty="0" err="1" smtClean="0"/>
-              <a:t>Multimodalna</a:t>
-            </a:r>
-            <a:r>
-              <a:rPr lang="en-US" dirty="0" smtClean="0"/>
-              <a:t> </a:t>
-            </a:r>
-            <a:r>
-              <a:rPr lang="en-US" dirty="0" err="1" smtClean="0"/>
-              <a:t>nenadzirana</a:t>
-            </a:r>
-            <a:r>
-              <a:rPr lang="en-US" dirty="0" smtClean="0"/>
-              <a:t> </a:t>
-            </a:r>
-            <a:r>
-              <a:rPr lang="en-US" dirty="0" err="1" smtClean="0"/>
-              <a:t>translacija</a:t>
-            </a:r>
-            <a:r>
-              <a:rPr lang="en-US" dirty="0" smtClean="0"/>
-              <a:t> </a:t>
-            </a:r>
-            <a:r>
-              <a:rPr lang="en-US" dirty="0" smtClean="0"/>
-              <a:t>(MUNIT</a:t>
-            </a:r>
-            <a:r>
-              <a:rPr lang="en-US" dirty="0" smtClean="0"/>
-              <a:t>)</a:t>
-            </a:r>
-            <a:endParaRPr lang="en-US" dirty="0"/>
-          </a:p>
-        </p:txBody>
-      </p:sp>
-      <p:sp>
-        <p:nvSpPr>
-          <p:cNvPr id="3" name="Content Placeholder 2"/>
-          <p:cNvSpPr>
-            <a:spLocks noGrp="1"/>
-          </p:cNvSpPr>
-          <p:nvPr>
-            <p:ph idx="1"/>
-          </p:nvPr>
-        </p:nvSpPr>
-        <p:spPr/>
-        <p:txBody>
-          <a:bodyPr/>
-          <a:lstStyle/>
-          <a:p>
-            <a:r>
-              <a:rPr lang="hr-HR" dirty="0" smtClean="0"/>
-              <a:t>Rastavljanje slike na</a:t>
-            </a:r>
-          </a:p>
-          <a:p>
-            <a:pPr lvl="1"/>
-            <a:r>
-              <a:rPr lang="en-US" dirty="0" smtClean="0"/>
-              <a:t>D</a:t>
-            </a:r>
-            <a:r>
-              <a:rPr lang="hr-HR" dirty="0" err="1" smtClean="0"/>
-              <a:t>omenski</a:t>
-            </a:r>
-            <a:r>
-              <a:rPr lang="hr-HR" dirty="0" smtClean="0"/>
-              <a:t> </a:t>
-            </a:r>
-            <a:r>
-              <a:rPr lang="hr-HR" dirty="0" err="1" smtClean="0"/>
-              <a:t>invarijantne</a:t>
-            </a:r>
-            <a:r>
-              <a:rPr lang="hr-HR" dirty="0" smtClean="0"/>
-              <a:t> značajke</a:t>
-            </a:r>
-          </a:p>
-          <a:p>
-            <a:pPr lvl="1"/>
-            <a:r>
-              <a:rPr lang="en-US" dirty="0" err="1" smtClean="0"/>
-              <a:t>Značajke</a:t>
-            </a:r>
-            <a:r>
-              <a:rPr lang="en-US" dirty="0" smtClean="0"/>
-              <a:t> </a:t>
-            </a:r>
-            <a:r>
-              <a:rPr lang="en-US" dirty="0" err="1" smtClean="0"/>
-              <a:t>koje</a:t>
-            </a:r>
-            <a:r>
-              <a:rPr lang="en-US" dirty="0" smtClean="0"/>
-              <a:t> </a:t>
-            </a:r>
-            <a:r>
-              <a:rPr lang="en-US" dirty="0" err="1" smtClean="0"/>
-              <a:t>sadrže</a:t>
-            </a:r>
-            <a:r>
-              <a:rPr lang="en-US" dirty="0" smtClean="0"/>
-              <a:t> </a:t>
-            </a:r>
-            <a:r>
-              <a:rPr lang="en-US" dirty="0" err="1" smtClean="0"/>
-              <a:t>specifična</a:t>
-            </a:r>
-            <a:r>
-              <a:rPr lang="en-US" dirty="0" smtClean="0"/>
-              <a:t> </a:t>
-            </a:r>
-            <a:r>
-              <a:rPr lang="en-US" dirty="0" err="1" smtClean="0"/>
-              <a:t>svojstva</a:t>
-            </a:r>
-            <a:endParaRPr lang="en-US" dirty="0" smtClean="0"/>
-          </a:p>
-          <a:p>
-            <a:endParaRPr lang="hr-HR" dirty="0"/>
-          </a:p>
-          <a:p>
-            <a:r>
-              <a:rPr lang="hr-HR" dirty="0" smtClean="0"/>
-              <a:t>Sadržaj slike </a:t>
-            </a:r>
-            <a:r>
-              <a:rPr lang="mr-IN" dirty="0" smtClean="0"/>
-              <a:t>–</a:t>
-            </a:r>
-            <a:r>
-              <a:rPr lang="hr-HR" dirty="0" smtClean="0"/>
-              <a:t> prostorna struktura</a:t>
-            </a:r>
-          </a:p>
-          <a:p>
-            <a:endParaRPr lang="hr-HR" dirty="0"/>
-          </a:p>
-          <a:p>
-            <a:r>
-              <a:rPr lang="hr-HR" dirty="0" smtClean="0"/>
-              <a:t>Stil slike </a:t>
-            </a:r>
-            <a:r>
-              <a:rPr lang="mr-IN" dirty="0" smtClean="0"/>
-              <a:t>–</a:t>
-            </a:r>
-            <a:r>
-              <a:rPr lang="hr-HR" dirty="0" smtClean="0"/>
-              <a:t> </a:t>
-            </a:r>
-            <a:r>
-              <a:rPr lang="hr-HR" dirty="0" err="1" smtClean="0"/>
-              <a:t>rendering</a:t>
-            </a:r>
-            <a:r>
-              <a:rPr lang="hr-HR" dirty="0" smtClean="0"/>
-              <a:t> sadržaja slike</a:t>
-            </a:r>
-            <a:endParaRPr lang="hr-HR" dirty="0"/>
-          </a:p>
-        </p:txBody>
-      </p:sp>
-    </p:spTree>
-    <p:extLst>
-      <p:ext uri="{BB962C8B-B14F-4D97-AF65-F5344CB8AC3E}">
-        <p14:creationId xmlns:p14="http://schemas.microsoft.com/office/powerpoint/2010/main" val="1738961816"/>
-      </p:ext>
-    </p:extLst>
-  </p:cSld>
-  <p:clrMapOvr>
-    <a:masterClrMapping/>
-  </p:clrMapOvr>
-</p:sld>
-</file>
-
-<file path=ppt/slides/slide22.xml><?xml version="1.0" encoding="utf-8"?>
-<p:sld xmlns:a="http://schemas.openxmlformats.org/drawingml/2006/main" xmlns:r="http://schemas.openxmlformats.org/officeDocument/2006/relationships" xmlns:p="http://schemas.openxmlformats.org/presentationml/2006/main">
-  <p:cSld>
-    <p:spTree>
-      <p:nvGrpSpPr>
-        <p:cNvPr id="1" name=""/>
-        <p:cNvGrpSpPr/>
-        <p:nvPr/>
-      </p:nvGrpSpPr>
-      <p:grpSpPr>
-        <a:xfrm>
-          <a:off x="0" y="0"/>
-          <a:ext cx="0" cy="0"/>
-          <a:chOff x="0" y="0"/>
-          <a:chExt cx="0" cy="0"/>
-        </a:xfrm>
-      </p:grpSpPr>
-      <p:sp>
-        <p:nvSpPr>
-          <p:cNvPr id="2" name="Title 1"/>
-          <p:cNvSpPr>
-            <a:spLocks noGrp="1"/>
-          </p:cNvSpPr>
-          <p:nvPr>
-            <p:ph type="title"/>
-          </p:nvPr>
-        </p:nvSpPr>
-        <p:spPr/>
-        <p:txBody>
-          <a:bodyPr/>
-          <a:lstStyle/>
-          <a:p>
-            <a:r>
-              <a:rPr lang="en-US" dirty="0" err="1" smtClean="0"/>
-              <a:t>Multimodalna</a:t>
-            </a:r>
-            <a:r>
-              <a:rPr lang="en-US" dirty="0" smtClean="0"/>
-              <a:t> </a:t>
-            </a:r>
-            <a:r>
-              <a:rPr lang="en-US" dirty="0" err="1" smtClean="0"/>
-              <a:t>nenadzirana</a:t>
-            </a:r>
-            <a:r>
-              <a:rPr lang="en-US" dirty="0" smtClean="0"/>
-              <a:t> </a:t>
-            </a:r>
-            <a:r>
-              <a:rPr lang="en-US" dirty="0" err="1" smtClean="0"/>
-              <a:t>translacija</a:t>
-            </a:r>
-            <a:r>
-              <a:rPr lang="en-US" dirty="0" smtClean="0"/>
-              <a:t> </a:t>
-            </a:r>
-            <a:r>
-              <a:rPr lang="en-US" dirty="0" smtClean="0"/>
-              <a:t>(MUNIT</a:t>
-            </a:r>
-            <a:r>
-              <a:rPr lang="en-US" dirty="0" smtClean="0"/>
-              <a:t>)</a:t>
-            </a:r>
-            <a:endParaRPr lang="en-US" dirty="0"/>
-          </a:p>
-        </p:txBody>
-      </p:sp>
-      <p:pic>
-        <p:nvPicPr>
-          <p:cNvPr id="4" name="Content Placeholder 3"/>
-          <p:cNvPicPr>
-            <a:picLocks noGrp="1" noChangeAspect="1"/>
-          </p:cNvPicPr>
-          <p:nvPr>
-            <p:ph idx="1"/>
-          </p:nvPr>
-        </p:nvPicPr>
-        <p:blipFill>
-          <a:blip r:embed="rId2">
-            <a:extLst>
-              <a:ext uri="{28A0092B-C50C-407E-A947-70E740481C1C}">
-                <a14:useLocalDpi xmlns:a14="http://schemas.microsoft.com/office/drawing/2010/main" val="0"/>
-              </a:ext>
-            </a:extLst>
-          </a:blip>
-          <a:stretch>
-            <a:fillRect/>
-          </a:stretch>
-        </p:blipFill>
-        <p:spPr>
-          <a:xfrm>
-            <a:off x="1264720" y="1996751"/>
-            <a:ext cx="9745402" cy="4867467"/>
-          </a:xfrm>
-        </p:spPr>
-      </p:pic>
-    </p:spTree>
-    <p:extLst>
-      <p:ext uri="{BB962C8B-B14F-4D97-AF65-F5344CB8AC3E}">
-        <p14:creationId xmlns:p14="http://schemas.microsoft.com/office/powerpoint/2010/main" val="1785648072"/>
-      </p:ext>
-    </p:extLst>
-  </p:cSld>
-  <p:clrMapOvr>
-    <a:masterClrMapping/>
-  </p:clrMapOvr>
-</p:sld>
-</file>
-
-<file path=ppt/slides/slide23.xml><?xml version="1.0" encoding="utf-8"?>
-<p:sld xmlns:a="http://schemas.openxmlformats.org/drawingml/2006/main" xmlns:r="http://schemas.openxmlformats.org/officeDocument/2006/relationships" xmlns:p="http://schemas.openxmlformats.org/presentationml/2006/main">
-  <p:cSld>
-    <p:spTree>
-      <p:nvGrpSpPr>
-        <p:cNvPr id="1" name=""/>
-        <p:cNvGrpSpPr/>
-        <p:nvPr/>
-      </p:nvGrpSpPr>
-      <p:grpSpPr>
-        <a:xfrm>
-          <a:off x="0" y="0"/>
-          <a:ext cx="0" cy="0"/>
-          <a:chOff x="0" y="0"/>
-          <a:chExt cx="0" cy="0"/>
-        </a:xfrm>
-      </p:grpSpPr>
-      <p:sp>
-        <p:nvSpPr>
-          <p:cNvPr id="2" name="Title 1"/>
-          <p:cNvSpPr>
-            <a:spLocks noGrp="1"/>
-          </p:cNvSpPr>
-          <p:nvPr>
-            <p:ph type="title"/>
-          </p:nvPr>
-        </p:nvSpPr>
-        <p:spPr/>
-        <p:txBody>
-          <a:bodyPr/>
-          <a:lstStyle/>
-          <a:p>
-            <a:r>
-              <a:rPr lang="en-US" dirty="0" err="1" smtClean="0"/>
-              <a:t>Zaključak</a:t>
-            </a:r>
-            <a:endParaRPr lang="en-US" dirty="0"/>
-          </a:p>
-        </p:txBody>
-      </p:sp>
-      <p:sp>
-        <p:nvSpPr>
-          <p:cNvPr id="3" name="Content Placeholder 2"/>
-          <p:cNvSpPr>
-            <a:spLocks noGrp="1"/>
-          </p:cNvSpPr>
-          <p:nvPr>
-            <p:ph idx="1"/>
-          </p:nvPr>
-        </p:nvSpPr>
-        <p:spPr/>
-        <p:txBody>
-          <a:bodyPr/>
-          <a:lstStyle/>
-          <a:p>
-            <a:r>
-              <a:rPr lang="en-US" dirty="0" smtClean="0"/>
-              <a:t>GAN-</a:t>
-            </a:r>
-            <a:r>
-              <a:rPr lang="en-US" dirty="0" err="1" smtClean="0"/>
-              <a:t>ovi</a:t>
-            </a:r>
-            <a:endParaRPr lang="en-US" dirty="0" smtClean="0"/>
-          </a:p>
-          <a:p>
-            <a:pPr lvl="1"/>
-            <a:r>
-              <a:rPr lang="en-US" dirty="0" err="1" smtClean="0"/>
-              <a:t>Učenje</a:t>
-            </a:r>
-            <a:r>
-              <a:rPr lang="en-US" dirty="0" smtClean="0"/>
-              <a:t> </a:t>
-            </a:r>
-            <a:r>
-              <a:rPr lang="en-US" dirty="0" err="1" smtClean="0"/>
-              <a:t>prirodnih</a:t>
-            </a:r>
-            <a:r>
-              <a:rPr lang="en-US" dirty="0" smtClean="0"/>
-              <a:t> </a:t>
-            </a:r>
-            <a:r>
-              <a:rPr lang="en-US" dirty="0" err="1" smtClean="0"/>
-              <a:t>značajki</a:t>
-            </a:r>
-            <a:endParaRPr lang="en-US" dirty="0"/>
-          </a:p>
-          <a:p>
-            <a:pPr lvl="1"/>
-            <a:r>
-              <a:rPr lang="en-US" dirty="0" err="1" smtClean="0"/>
-              <a:t>Vrlo</a:t>
-            </a:r>
-            <a:r>
-              <a:rPr lang="en-US" dirty="0" smtClean="0"/>
-              <a:t> </a:t>
-            </a:r>
-            <a:r>
-              <a:rPr lang="en-US" dirty="0" err="1" smtClean="0"/>
-              <a:t>samostalni</a:t>
-            </a:r>
-            <a:r>
-              <a:rPr lang="en-US" dirty="0" smtClean="0"/>
-              <a:t> </a:t>
-            </a:r>
-            <a:r>
-              <a:rPr lang="en-US" dirty="0" err="1" smtClean="0"/>
-              <a:t>tokom</a:t>
-            </a:r>
-            <a:r>
-              <a:rPr lang="en-US" dirty="0" smtClean="0"/>
-              <a:t> </a:t>
-            </a:r>
-            <a:r>
-              <a:rPr lang="en-US" dirty="0" err="1" smtClean="0"/>
-              <a:t>generacije</a:t>
-            </a:r>
-            <a:endParaRPr lang="en-US" dirty="0" smtClean="0"/>
-          </a:p>
-          <a:p>
-            <a:pPr lvl="1"/>
-            <a:endParaRPr lang="en-US" dirty="0"/>
-          </a:p>
-          <a:p>
-            <a:r>
-              <a:rPr lang="en-US" dirty="0" err="1" smtClean="0"/>
-              <a:t>Uvjetovani</a:t>
-            </a:r>
-            <a:r>
-              <a:rPr lang="en-US" dirty="0" smtClean="0"/>
-              <a:t> GAN-</a:t>
-            </a:r>
-            <a:r>
-              <a:rPr lang="en-US" dirty="0" err="1" smtClean="0"/>
-              <a:t>ovi</a:t>
-            </a:r>
-            <a:endParaRPr lang="en-US" dirty="0" smtClean="0"/>
-          </a:p>
-          <a:p>
-            <a:pPr lvl="1"/>
-            <a:r>
-              <a:rPr lang="en-US" dirty="0" err="1" smtClean="0"/>
-              <a:t>Mreža</a:t>
-            </a:r>
-            <a:r>
-              <a:rPr lang="en-US" dirty="0" smtClean="0"/>
-              <a:t> </a:t>
-            </a:r>
-            <a:r>
-              <a:rPr lang="en-US" dirty="0" err="1" smtClean="0"/>
-              <a:t>samostalno</a:t>
-            </a:r>
-            <a:r>
-              <a:rPr lang="en-US" dirty="0" smtClean="0"/>
-              <a:t> </a:t>
-            </a:r>
-            <a:r>
-              <a:rPr lang="en-US" dirty="0" err="1" smtClean="0"/>
-              <a:t>može</a:t>
-            </a:r>
-            <a:r>
-              <a:rPr lang="en-US" dirty="0" smtClean="0"/>
-              <a:t> </a:t>
-            </a:r>
-            <a:r>
-              <a:rPr lang="en-US" dirty="0" err="1" smtClean="0"/>
-              <a:t>naučiti</a:t>
-            </a:r>
-            <a:r>
-              <a:rPr lang="en-US" dirty="0" smtClean="0"/>
-              <a:t> </a:t>
-            </a:r>
-            <a:r>
-              <a:rPr lang="en-US" dirty="0" err="1" smtClean="0"/>
-              <a:t>funkciju</a:t>
-            </a:r>
-            <a:r>
-              <a:rPr lang="en-US" dirty="0" smtClean="0"/>
-              <a:t> </a:t>
-            </a:r>
-            <a:r>
-              <a:rPr lang="en-US" dirty="0" err="1" smtClean="0"/>
-              <a:t>gubitka</a:t>
-            </a:r>
-            <a:endParaRPr lang="en-US" dirty="0" smtClean="0"/>
-          </a:p>
-          <a:p>
-            <a:pPr lvl="1"/>
-            <a:r>
-              <a:rPr lang="en-US" dirty="0" err="1" smtClean="0"/>
-              <a:t>Uklanja</a:t>
-            </a:r>
-            <a:r>
-              <a:rPr lang="en-US" dirty="0" smtClean="0"/>
-              <a:t> </a:t>
-            </a:r>
-            <a:r>
-              <a:rPr lang="en-US" dirty="0" err="1" smtClean="0"/>
-              <a:t>potrebu</a:t>
-            </a:r>
-            <a:r>
-              <a:rPr lang="en-US" dirty="0" smtClean="0"/>
-              <a:t> </a:t>
-            </a:r>
-            <a:r>
-              <a:rPr lang="en-US" dirty="0" err="1" smtClean="0"/>
-              <a:t>za</a:t>
-            </a:r>
-            <a:r>
-              <a:rPr lang="en-US" dirty="0" smtClean="0"/>
-              <a:t> </a:t>
-            </a:r>
-            <a:r>
-              <a:rPr lang="en-US" dirty="0" err="1" smtClean="0"/>
-              <a:t>inženjerskim</a:t>
-            </a:r>
-            <a:r>
-              <a:rPr lang="en-US" dirty="0" smtClean="0"/>
-              <a:t> </a:t>
-            </a:r>
-            <a:r>
-              <a:rPr lang="en-US" dirty="0" err="1" smtClean="0"/>
-              <a:t>radom</a:t>
-            </a:r>
-            <a:r>
-              <a:rPr lang="en-US" dirty="0" smtClean="0"/>
-              <a:t> </a:t>
-            </a:r>
-            <a:r>
-              <a:rPr lang="mr-IN" dirty="0" smtClean="0"/>
-              <a:t>–</a:t>
-            </a:r>
-            <a:r>
-              <a:rPr lang="en-US" dirty="0" smtClean="0"/>
-              <a:t> </a:t>
-            </a:r>
-            <a:r>
-              <a:rPr lang="en-US" dirty="0" err="1" smtClean="0"/>
-              <a:t>korak</a:t>
-            </a:r>
-            <a:r>
-              <a:rPr lang="en-US" dirty="0" smtClean="0"/>
-              <a:t> </a:t>
-            </a:r>
-            <a:r>
-              <a:rPr lang="en-US" dirty="0" err="1" smtClean="0"/>
-              <a:t>prema</a:t>
-            </a:r>
-            <a:r>
-              <a:rPr lang="en-US" dirty="0" smtClean="0"/>
-              <a:t> </a:t>
-            </a:r>
-            <a:r>
-              <a:rPr lang="en-US" dirty="0" err="1" smtClean="0"/>
-              <a:t>široj</a:t>
-            </a:r>
-            <a:r>
-              <a:rPr lang="en-US" dirty="0" smtClean="0"/>
-              <a:t> </a:t>
-            </a:r>
-            <a:r>
-              <a:rPr lang="en-US" dirty="0" err="1" smtClean="0"/>
-              <a:t>adaptaciji</a:t>
-            </a:r>
-            <a:endParaRPr lang="en-US" dirty="0" smtClean="0"/>
-          </a:p>
-        </p:txBody>
-      </p:sp>
-    </p:spTree>
-    <p:extLst>
-      <p:ext uri="{BB962C8B-B14F-4D97-AF65-F5344CB8AC3E}">
-        <p14:creationId xmlns:p14="http://schemas.microsoft.com/office/powerpoint/2010/main" val="1343267494"/>
-      </p:ext>
-    </p:extLst>
-  </p:cSld>
-  <p:clrMapOvr>
-    <a:masterClrMapping/>
-  </p:clrMapOvr>
-</p:sld>
-</file>
-
-<file path=ppt/slides/slide24.xml><?xml version="1.0" encoding="utf-8"?>
-<p:sld xmlns:a="http://schemas.openxmlformats.org/drawingml/2006/main" xmlns:r="http://schemas.openxmlformats.org/officeDocument/2006/relationships" xmlns:p="http://schemas.openxmlformats.org/presentationml/2006/main">
-  <p:cSld>
-    <p:spTree>
-      <p:nvGrpSpPr>
-        <p:cNvPr id="1" name=""/>
-        <p:cNvGrpSpPr/>
-        <p:nvPr/>
-      </p:nvGrpSpPr>
-      <p:grpSpPr>
-        <a:xfrm>
-          <a:off x="0" y="0"/>
-          <a:ext cx="0" cy="0"/>
-          <a:chOff x="0" y="0"/>
-          <a:chExt cx="0" cy="0"/>
-        </a:xfrm>
-      </p:grpSpPr>
-      <p:sp>
-        <p:nvSpPr>
-          <p:cNvPr id="2" name="Title 1"/>
-          <p:cNvSpPr>
-            <a:spLocks noGrp="1"/>
-          </p:cNvSpPr>
-          <p:nvPr>
-            <p:ph type="title"/>
-          </p:nvPr>
-        </p:nvSpPr>
-        <p:spPr/>
-        <p:txBody>
-          <a:bodyPr/>
-          <a:lstStyle/>
-          <a:p>
-            <a:r>
-              <a:rPr lang="en-US" dirty="0" err="1" smtClean="0"/>
-              <a:t>Zaključak</a:t>
-            </a:r>
-            <a:endParaRPr lang="en-US" dirty="0"/>
-          </a:p>
-        </p:txBody>
-      </p:sp>
-      <p:sp>
-        <p:nvSpPr>
-          <p:cNvPr id="3" name="Content Placeholder 2"/>
-          <p:cNvSpPr>
-            <a:spLocks noGrp="1"/>
-          </p:cNvSpPr>
-          <p:nvPr>
-            <p:ph idx="1"/>
-          </p:nvPr>
-        </p:nvSpPr>
-        <p:spPr/>
-        <p:txBody>
-          <a:bodyPr/>
-          <a:lstStyle/>
-          <a:p>
-            <a:r>
-              <a:rPr lang="hr-HR" dirty="0" smtClean="0"/>
-              <a:t>Kružni GAN-ovi</a:t>
-            </a:r>
-          </a:p>
-          <a:p>
-            <a:pPr lvl="1"/>
-            <a:r>
-              <a:rPr lang="en-US" dirty="0" smtClean="0"/>
-              <a:t>R</a:t>
-            </a:r>
-            <a:r>
-              <a:rPr lang="hr-HR" dirty="0" err="1" smtClean="0"/>
-              <a:t>ezultati</a:t>
-            </a:r>
-            <a:r>
-              <a:rPr lang="hr-HR" dirty="0" smtClean="0"/>
-              <a:t> usporedni s nadziranim modelima</a:t>
-            </a:r>
-          </a:p>
-          <a:p>
-            <a:pPr lvl="1"/>
-            <a:r>
-              <a:rPr lang="en-US" dirty="0" smtClean="0"/>
-              <a:t>V</a:t>
-            </a:r>
-            <a:r>
-              <a:rPr lang="hr-HR" dirty="0" err="1" smtClean="0"/>
-              <a:t>rlo</a:t>
-            </a:r>
-            <a:r>
-              <a:rPr lang="hr-HR" dirty="0" smtClean="0"/>
-              <a:t> svestrani</a:t>
-            </a:r>
-          </a:p>
-          <a:p>
-            <a:pPr lvl="1"/>
-            <a:r>
-              <a:rPr lang="en-US" dirty="0" err="1" smtClean="0"/>
-              <a:t>Moguć</a:t>
-            </a:r>
-            <a:r>
-              <a:rPr lang="en-US" dirty="0" smtClean="0"/>
-              <a:t> </a:t>
-            </a:r>
-            <a:r>
-              <a:rPr lang="en-US" dirty="0" err="1" smtClean="0"/>
-              <a:t>prijenos</a:t>
-            </a:r>
-            <a:r>
-              <a:rPr lang="en-US" dirty="0" smtClean="0"/>
-              <a:t> </a:t>
-            </a:r>
-            <a:r>
-              <a:rPr lang="en-US" dirty="0" err="1" smtClean="0"/>
-              <a:t>stila</a:t>
-            </a:r>
-            <a:r>
-              <a:rPr lang="en-US" dirty="0" smtClean="0"/>
-              <a:t> </a:t>
-            </a:r>
-            <a:r>
-              <a:rPr lang="en-US" dirty="0" err="1" smtClean="0"/>
-              <a:t>cijelih</a:t>
-            </a:r>
-            <a:r>
-              <a:rPr lang="en-US" dirty="0" smtClean="0"/>
-              <a:t> </a:t>
-            </a:r>
-            <a:r>
-              <a:rPr lang="en-US" dirty="0" err="1" smtClean="0"/>
-              <a:t>kolekcija</a:t>
-            </a:r>
-            <a:endParaRPr lang="en-US" dirty="0" smtClean="0"/>
-          </a:p>
-          <a:p>
-            <a:pPr lvl="1"/>
-            <a:r>
-              <a:rPr lang="hr-HR" dirty="0" smtClean="0"/>
-              <a:t>Zakazuju kod nestrukturiranih podataka</a:t>
-            </a:r>
-          </a:p>
-          <a:p>
-            <a:pPr marL="457200" lvl="1" indent="0">
-              <a:buNone/>
-            </a:pPr>
-            <a:endParaRPr lang="hr-HR" dirty="0"/>
-          </a:p>
-        </p:txBody>
-      </p:sp>
-    </p:spTree>
-    <p:extLst>
-      <p:ext uri="{BB962C8B-B14F-4D97-AF65-F5344CB8AC3E}">
-        <p14:creationId xmlns:p14="http://schemas.microsoft.com/office/powerpoint/2010/main" val="1866133652"/>
-      </p:ext>
-    </p:extLst>
-  </p:cSld>
-  <p:clrMapOvr>
-    <a:masterClrMapping/>
-  </p:clrMapOvr>
-</p:sld>
-</file>
-
-<file path=ppt/slides/slide25.xml><?xml version="1.0" encoding="utf-8"?>
-<p:sld xmlns:a="http://schemas.openxmlformats.org/drawingml/2006/main" xmlns:r="http://schemas.openxmlformats.org/officeDocument/2006/relationships" xmlns:p="http://schemas.openxmlformats.org/presentationml/2006/main">
-  <p:cSld>
-    <p:spTree>
-      <p:nvGrpSpPr>
-        <p:cNvPr id="1" name=""/>
-        <p:cNvGrpSpPr/>
-        <p:nvPr/>
-      </p:nvGrpSpPr>
-      <p:grpSpPr>
-        <a:xfrm>
-          <a:off x="0" y="0"/>
-          <a:ext cx="0" cy="0"/>
-          <a:chOff x="0" y="0"/>
-          <a:chExt cx="0" cy="0"/>
-        </a:xfrm>
-      </p:grpSpPr>
-      <p:sp>
-        <p:nvSpPr>
-          <p:cNvPr id="2" name="Title 1"/>
-          <p:cNvSpPr>
-            <a:spLocks noGrp="1"/>
-          </p:cNvSpPr>
-          <p:nvPr>
-            <p:ph type="title"/>
-          </p:nvPr>
-        </p:nvSpPr>
-        <p:spPr/>
-        <p:txBody>
-          <a:bodyPr/>
-          <a:lstStyle/>
-          <a:p>
-            <a:r>
-              <a:rPr lang="en-US" dirty="0" err="1" smtClean="0"/>
-              <a:t>Zaključak</a:t>
-            </a:r>
-            <a:endParaRPr lang="en-US" dirty="0"/>
-          </a:p>
-        </p:txBody>
-      </p:sp>
-      <p:sp>
-        <p:nvSpPr>
-          <p:cNvPr id="3" name="Content Placeholder 2"/>
-          <p:cNvSpPr>
-            <a:spLocks noGrp="1"/>
-          </p:cNvSpPr>
-          <p:nvPr>
-            <p:ph idx="1"/>
-          </p:nvPr>
-        </p:nvSpPr>
-        <p:spPr/>
-        <p:txBody>
-          <a:bodyPr/>
-          <a:lstStyle/>
-          <a:p>
-            <a:r>
-              <a:rPr lang="hr-HR" dirty="0" smtClean="0"/>
-              <a:t>MUNIT</a:t>
-            </a:r>
-          </a:p>
-          <a:p>
-            <a:pPr lvl="1"/>
-            <a:r>
-              <a:rPr lang="en-US" dirty="0" smtClean="0"/>
-              <a:t>N</a:t>
-            </a:r>
-            <a:r>
-              <a:rPr lang="hr-HR" dirty="0" err="1" smtClean="0"/>
-              <a:t>adogradnja</a:t>
-            </a:r>
-            <a:r>
-              <a:rPr lang="hr-HR" dirty="0" smtClean="0"/>
-              <a:t> na ideje kružnih </a:t>
-            </a:r>
-            <a:r>
-              <a:rPr lang="hr-HR" dirty="0" err="1" smtClean="0"/>
-              <a:t>GANova</a:t>
-            </a:r>
-            <a:r>
-              <a:rPr lang="hr-HR" dirty="0" smtClean="0"/>
-              <a:t> i UNIT modela</a:t>
-            </a:r>
-          </a:p>
-          <a:p>
-            <a:pPr lvl="1"/>
-            <a:r>
-              <a:rPr lang="en-US" dirty="0" smtClean="0"/>
-              <a:t>P</a:t>
-            </a:r>
-            <a:r>
-              <a:rPr lang="hr-HR" dirty="0" smtClean="0"/>
-              <a:t>okušaj obuhvaćanja potpune distribucije podataka</a:t>
-            </a:r>
-          </a:p>
-          <a:p>
-            <a:pPr lvl="1"/>
-            <a:r>
-              <a:rPr lang="hr-HR" dirty="0" smtClean="0"/>
-              <a:t>Odbacivanje smetnji cikličkom konzistencijom</a:t>
-            </a:r>
-          </a:p>
-          <a:p>
-            <a:pPr lvl="1"/>
-            <a:r>
-              <a:rPr lang="en-US" dirty="0" smtClean="0"/>
-              <a:t>R</a:t>
-            </a:r>
-            <a:r>
-              <a:rPr lang="hr-HR" dirty="0" err="1" smtClean="0"/>
-              <a:t>astavljanje</a:t>
-            </a:r>
-            <a:r>
-              <a:rPr lang="hr-HR" dirty="0" smtClean="0"/>
-              <a:t> latentnog prostora na sadržajni i stilistički omogućuje visoku preciznost</a:t>
-            </a:r>
-          </a:p>
-          <a:p>
-            <a:pPr lvl="1"/>
-            <a:r>
-              <a:rPr lang="hr-HR" dirty="0" smtClean="0"/>
-              <a:t>Od predstavljenih modela daje najbolje rezultate</a:t>
-            </a:r>
-            <a:endParaRPr lang="hr-HR" dirty="0"/>
-          </a:p>
-        </p:txBody>
-      </p:sp>
-    </p:spTree>
-    <p:extLst>
-      <p:ext uri="{BB962C8B-B14F-4D97-AF65-F5344CB8AC3E}">
-        <p14:creationId xmlns:p14="http://schemas.microsoft.com/office/powerpoint/2010/main" val="2081468629"/>
-      </p:ext>
-    </p:extLst>
-  </p:cSld>
-  <p:clrMapOvr>
-    <a:masterClrMapping/>
-  </p:clrMapOvr>
-</p:sld>
-</file>
-
-<file path=ppt/slides/slide3.xml><?xml version="1.0" encoding="utf-8"?>
-<p:sld xmlns:a="http://schemas.openxmlformats.org/drawingml/2006/main" xmlns:r="http://schemas.openxmlformats.org/officeDocument/2006/relationships" xmlns:p="http://schemas.openxmlformats.org/presentationml/2006/main">
-  <p:cSld>
-    <p:spTree>
-      <p:nvGrpSpPr>
-        <p:cNvPr id="1" name=""/>
-        <p:cNvGrpSpPr/>
-        <p:nvPr/>
-      </p:nvGrpSpPr>
-      <p:grpSpPr>
-        <a:xfrm>
-          <a:off x="0" y="0"/>
-          <a:ext cx="0" cy="0"/>
-          <a:chOff x="0" y="0"/>
-          <a:chExt cx="0" cy="0"/>
-        </a:xfrm>
-      </p:grpSpPr>
-      <p:sp>
-        <p:nvSpPr>
-          <p:cNvPr id="2" name="Title 1"/>
-          <p:cNvSpPr>
-            <a:spLocks noGrp="1"/>
-          </p:cNvSpPr>
-          <p:nvPr>
-            <p:ph type="title"/>
-          </p:nvPr>
-        </p:nvSpPr>
-        <p:spPr>
-          <a:xfrm>
-            <a:off x="667883" y="821094"/>
-            <a:ext cx="7415538" cy="778740"/>
-          </a:xfrm>
-        </p:spPr>
-        <p:txBody>
-          <a:bodyPr/>
-          <a:lstStyle/>
-          <a:p>
-            <a:r>
-              <a:rPr lang="en-US" sz="3200" dirty="0" err="1"/>
-              <a:t>Generativni</a:t>
-            </a:r>
-            <a:r>
-              <a:rPr lang="en-US" sz="3200" dirty="0"/>
-              <a:t> </a:t>
-            </a:r>
-            <a:r>
-              <a:rPr lang="en-US" sz="3200" dirty="0" err="1"/>
-              <a:t>naspram</a:t>
-            </a:r>
-            <a:r>
-              <a:rPr lang="en-US" sz="3200" dirty="0"/>
-              <a:t> </a:t>
-            </a:r>
-            <a:r>
-              <a:rPr lang="en-US" sz="3200" dirty="0" err="1"/>
-              <a:t>diskriminativnih</a:t>
-            </a:r>
-            <a:r>
-              <a:rPr lang="en-US" sz="3200" dirty="0"/>
-              <a:t> </a:t>
-            </a:r>
-            <a:r>
-              <a:rPr lang="en-US" sz="3200" dirty="0" err="1"/>
-              <a:t>algoritama</a:t>
-            </a:r>
-            <a:endParaRPr lang="en-US" sz="3200" dirty="0"/>
-          </a:p>
-        </p:txBody>
-      </p:sp>
-      <p:sp>
-        <p:nvSpPr>
-          <p:cNvPr id="3" name="Content Placeholder 2"/>
-          <p:cNvSpPr>
-            <a:spLocks noGrp="1"/>
-          </p:cNvSpPr>
-          <p:nvPr>
-            <p:ph idx="1"/>
-          </p:nvPr>
-        </p:nvSpPr>
-        <p:spPr/>
-        <p:txBody>
-          <a:bodyPr/>
-          <a:lstStyle/>
-          <a:p>
-            <a:r>
-              <a:rPr lang="en-US" dirty="0" err="1" smtClean="0"/>
-              <a:t>Diskriminativni</a:t>
-            </a:r>
-            <a:endParaRPr lang="en-US" dirty="0" smtClean="0"/>
-          </a:p>
-          <a:p>
-            <a:pPr lvl="1"/>
-            <a:r>
-              <a:rPr lang="en-US" dirty="0" err="1" smtClean="0"/>
-              <a:t>Modeliranje</a:t>
-            </a:r>
-            <a:r>
-              <a:rPr lang="en-US" dirty="0" smtClean="0"/>
-              <a:t> </a:t>
-            </a:r>
-            <a:r>
-              <a:rPr lang="en-US" dirty="0" err="1" smtClean="0"/>
-              <a:t>pomoću</a:t>
-            </a:r>
-            <a:r>
-              <a:rPr lang="en-US" dirty="0" smtClean="0"/>
-              <a:t> </a:t>
-            </a:r>
-            <a:r>
-              <a:rPr lang="en-US" dirty="0" err="1" smtClean="0"/>
-              <a:t>ulaznih</a:t>
-            </a:r>
-            <a:r>
-              <a:rPr lang="en-US" dirty="0" smtClean="0"/>
-              <a:t> </a:t>
-            </a:r>
-            <a:r>
-              <a:rPr lang="en-US" dirty="0" err="1" smtClean="0"/>
-              <a:t>varijabli</a:t>
-            </a:r>
-            <a:endParaRPr lang="en-US" dirty="0" smtClean="0"/>
-          </a:p>
-          <a:p>
-            <a:pPr lvl="1"/>
-            <a:r>
-              <a:rPr lang="en-US" dirty="0" err="1" smtClean="0"/>
-              <a:t>Učenje</a:t>
-            </a:r>
-            <a:r>
-              <a:rPr lang="en-US" dirty="0" smtClean="0"/>
-              <a:t> </a:t>
-            </a:r>
-            <a:r>
-              <a:rPr lang="en-US" dirty="0" err="1" smtClean="0"/>
-              <a:t>uvjetne</a:t>
-            </a:r>
-            <a:r>
-              <a:rPr lang="en-US" dirty="0" smtClean="0"/>
-              <a:t> </a:t>
-            </a:r>
-            <a:r>
-              <a:rPr lang="en-US" dirty="0" err="1" smtClean="0"/>
-              <a:t>vjerojatnosti</a:t>
-            </a:r>
-            <a:r>
-              <a:rPr lang="en-US" dirty="0" smtClean="0"/>
-              <a:t> p(Y|X)</a:t>
-            </a:r>
-            <a:endParaRPr lang="en-US" dirty="0"/>
-          </a:p>
-          <a:p>
-            <a:pPr lvl="1"/>
-            <a:r>
-              <a:rPr lang="en-US" dirty="0" smtClean="0"/>
-              <a:t>Ne </a:t>
-            </a:r>
-            <a:r>
-              <a:rPr lang="en-US" dirty="0" err="1" smtClean="0"/>
-              <a:t>stvaraju</a:t>
-            </a:r>
-            <a:r>
-              <a:rPr lang="en-US" dirty="0" smtClean="0"/>
-              <a:t> </a:t>
-            </a:r>
-            <a:r>
-              <a:rPr lang="en-US" dirty="0" err="1" smtClean="0"/>
-              <a:t>puno</a:t>
-            </a:r>
-            <a:r>
-              <a:rPr lang="en-US" dirty="0" smtClean="0"/>
-              <a:t> </a:t>
-            </a:r>
-            <a:r>
-              <a:rPr lang="en-US" dirty="0" err="1" smtClean="0"/>
-              <a:t>pretpostavki</a:t>
-            </a:r>
-            <a:r>
-              <a:rPr lang="en-US" dirty="0" smtClean="0"/>
-              <a:t> o </a:t>
-            </a:r>
-            <a:r>
-              <a:rPr lang="en-US" dirty="0" err="1" smtClean="0"/>
-              <a:t>distribuciji</a:t>
-            </a:r>
-            <a:endParaRPr lang="en-US" dirty="0" smtClean="0"/>
-          </a:p>
-          <a:p>
-            <a:pPr lvl="1"/>
-            <a:r>
-              <a:rPr lang="en-US" dirty="0" err="1" smtClean="0"/>
-              <a:t>Znaju</a:t>
-            </a:r>
-            <a:r>
-              <a:rPr lang="en-US" dirty="0" smtClean="0"/>
-              <a:t> </a:t>
-            </a:r>
-            <a:r>
-              <a:rPr lang="en-US" dirty="0" err="1" smtClean="0"/>
-              <a:t>klasificirati</a:t>
-            </a:r>
-            <a:r>
-              <a:rPr lang="en-US" dirty="0" smtClean="0"/>
-              <a:t> </a:t>
-            </a:r>
-            <a:r>
-              <a:rPr lang="en-US" dirty="0" err="1" smtClean="0"/>
-              <a:t>nove</a:t>
-            </a:r>
-            <a:r>
-              <a:rPr lang="en-US" dirty="0" smtClean="0"/>
-              <a:t> </a:t>
-            </a:r>
-            <a:r>
-              <a:rPr lang="en-US" dirty="0" err="1" smtClean="0"/>
-              <a:t>primjere</a:t>
-            </a:r>
-            <a:endParaRPr lang="en-US" dirty="0"/>
-          </a:p>
-          <a:p>
-            <a:r>
-              <a:rPr lang="en-US" dirty="0" err="1" smtClean="0"/>
-              <a:t>Generativni</a:t>
-            </a:r>
-            <a:endParaRPr lang="en-US" dirty="0" smtClean="0"/>
-          </a:p>
-          <a:p>
-            <a:pPr lvl="1"/>
-            <a:r>
-              <a:rPr lang="en-US" dirty="0" err="1" smtClean="0"/>
-              <a:t>Uče</a:t>
-            </a:r>
-            <a:r>
-              <a:rPr lang="en-US" dirty="0" smtClean="0"/>
-              <a:t> </a:t>
-            </a:r>
-            <a:r>
-              <a:rPr lang="en-US" dirty="0" err="1" smtClean="0"/>
-              <a:t>distribuciju</a:t>
-            </a:r>
-            <a:r>
-              <a:rPr lang="en-US" dirty="0" smtClean="0"/>
-              <a:t> </a:t>
-            </a:r>
-            <a:r>
-              <a:rPr lang="en-US" dirty="0" err="1" smtClean="0"/>
-              <a:t>pojedinih</a:t>
-            </a:r>
-            <a:r>
-              <a:rPr lang="en-US" dirty="0" smtClean="0"/>
-              <a:t> </a:t>
-            </a:r>
-            <a:r>
-              <a:rPr lang="en-US" dirty="0" err="1" smtClean="0"/>
-              <a:t>klasa</a:t>
-            </a:r>
-            <a:r>
-              <a:rPr lang="en-US" dirty="0" smtClean="0"/>
-              <a:t> p(X|Y)</a:t>
-            </a:r>
-            <a:endParaRPr lang="en-US" dirty="0"/>
-          </a:p>
-          <a:p>
-            <a:pPr lvl="1"/>
-            <a:r>
-              <a:rPr lang="en-US" dirty="0" err="1" smtClean="0"/>
-              <a:t>Mogu</a:t>
-            </a:r>
-            <a:r>
-              <a:rPr lang="en-US" dirty="0" smtClean="0"/>
-              <a:t> </a:t>
-            </a:r>
-            <a:r>
-              <a:rPr lang="en-US" dirty="0" err="1" smtClean="0"/>
-              <a:t>uzorkovati</a:t>
-            </a:r>
-            <a:r>
-              <a:rPr lang="en-US" dirty="0" smtClean="0"/>
-              <a:t> </a:t>
-            </a:r>
-            <a:r>
-              <a:rPr lang="en-US" dirty="0" err="1" smtClean="0"/>
-              <a:t>nove</a:t>
-            </a:r>
-            <a:r>
-              <a:rPr lang="en-US" dirty="0" smtClean="0"/>
-              <a:t> </a:t>
-            </a:r>
-            <a:r>
-              <a:rPr lang="en-US" dirty="0" err="1" smtClean="0"/>
-              <a:t>primjere</a:t>
-            </a:r>
-            <a:endParaRPr lang="en-US" dirty="0"/>
-          </a:p>
-          <a:p>
-            <a:r>
-              <a:rPr lang="en-US" dirty="0" err="1" smtClean="0"/>
-              <a:t>Generativni</a:t>
-            </a:r>
-            <a:r>
-              <a:rPr lang="en-US" dirty="0" smtClean="0"/>
-              <a:t> </a:t>
-            </a:r>
-            <a:r>
-              <a:rPr lang="en-US" dirty="0" err="1" smtClean="0"/>
-              <a:t>modeli</a:t>
-            </a:r>
-            <a:r>
-              <a:rPr lang="en-US" dirty="0" smtClean="0"/>
-              <a:t> </a:t>
-            </a:r>
-            <a:r>
-              <a:rPr lang="en-US" dirty="0" err="1" smtClean="0"/>
-              <a:t>su</a:t>
-            </a:r>
-            <a:r>
-              <a:rPr lang="en-US" dirty="0" smtClean="0"/>
-              <a:t> </a:t>
-            </a:r>
-            <a:r>
-              <a:rPr lang="en-US" dirty="0" err="1" smtClean="0"/>
-              <a:t>puno</a:t>
-            </a:r>
-            <a:r>
-              <a:rPr lang="en-US" dirty="0" smtClean="0"/>
-              <a:t> </a:t>
-            </a:r>
-            <a:r>
-              <a:rPr lang="en-US" dirty="0" err="1" smtClean="0"/>
-              <a:t>složeniji</a:t>
-            </a:r>
-            <a:endParaRPr lang="en-US" dirty="0" smtClean="0"/>
-          </a:p>
-        </p:txBody>
-      </p:sp>
-      <p:sp>
-        <p:nvSpPr>
-          <p:cNvPr id="4" name="Title 1"/>
-          <p:cNvSpPr txBox="1">
-            <a:spLocks/>
-          </p:cNvSpPr>
-          <p:nvPr/>
-        </p:nvSpPr>
-        <p:spPr>
-          <a:xfrm>
-            <a:off x="667883" y="408672"/>
-            <a:ext cx="5042452" cy="412422"/>
-          </a:xfrm>
-          <a:prstGeom prst="rect">
-            <a:avLst/>
-          </a:prstGeom>
-        </p:spPr>
-        <p:txBody>
-          <a:bodyPr vert="horz" lIns="91440" tIns="45720" rIns="91440" bIns="45720" rtlCol="0" anchor="t">
-            <a:noAutofit/>
-          </a:bodyPr>
-          <a:lstStyle>
-            <a:lvl1pPr algn="l" defTabSz="457200" rtl="0" eaLnBrk="1" latinLnBrk="0" hangingPunct="1">
-              <a:spcBef>
-                <a:spcPct val="0"/>
-              </a:spcBef>
-              <a:buNone/>
-              <a:defRPr sz="4200" b="0" i="0" kern="1200">
-                <a:solidFill>
-                  <a:schemeClr val="tx2"/>
-                </a:solidFill>
-                <a:latin typeface="+mj-lt"/>
-                <a:ea typeface="+mj-ea"/>
-                <a:cs typeface="+mj-cs"/>
-              </a:defRPr>
-            </a:lvl1pPr>
-            <a:lvl2pPr eaLnBrk="1" hangingPunct="1">
-              <a:defRPr>
-                <a:solidFill>
-                  <a:schemeClr val="tx2"/>
-                </a:solidFill>
-              </a:defRPr>
-            </a:lvl2pPr>
-            <a:lvl3pPr eaLnBrk="1" hangingPunct="1">
-              <a:defRPr>
-                <a:solidFill>
-                  <a:schemeClr val="tx2"/>
-                </a:solidFill>
-              </a:defRPr>
-            </a:lvl3pPr>
-            <a:lvl4pPr eaLnBrk="1" hangingPunct="1">
-              <a:defRPr>
-                <a:solidFill>
-                  <a:schemeClr val="tx2"/>
-                </a:solidFill>
-              </a:defRPr>
-            </a:lvl4pPr>
-            <a:lvl5pPr eaLnBrk="1" hangingPunct="1">
-              <a:defRPr>
-                <a:solidFill>
-                  <a:schemeClr val="tx2"/>
-                </a:solidFill>
-              </a:defRPr>
-            </a:lvl5pPr>
-            <a:lvl6pPr eaLnBrk="1" hangingPunct="1">
-              <a:defRPr>
-                <a:solidFill>
-                  <a:schemeClr val="tx2"/>
-                </a:solidFill>
-              </a:defRPr>
-            </a:lvl6pPr>
-            <a:lvl7pPr eaLnBrk="1" hangingPunct="1">
-              <a:defRPr>
-                <a:solidFill>
-                  <a:schemeClr val="tx2"/>
-                </a:solidFill>
-              </a:defRPr>
-            </a:lvl7pPr>
-            <a:lvl8pPr eaLnBrk="1" hangingPunct="1">
-              <a:defRPr>
-                <a:solidFill>
-                  <a:schemeClr val="tx2"/>
-                </a:solidFill>
-              </a:defRPr>
-            </a:lvl8pPr>
-            <a:lvl9pPr eaLnBrk="1" hangingPunct="1">
-              <a:defRPr>
-                <a:solidFill>
-                  <a:schemeClr val="tx2"/>
-                </a:solidFill>
-              </a:defRPr>
-            </a:lvl9pPr>
-          </a:lstStyle>
-          <a:p>
-            <a:r>
-              <a:rPr lang="en-US" sz="1800" i="1" dirty="0" err="1" smtClean="0">
-                <a:ea typeface="Apple Braille" charset="0"/>
-                <a:cs typeface="Apple Braille" charset="0"/>
-              </a:rPr>
-              <a:t>Generativno</a:t>
-            </a:r>
-            <a:r>
-              <a:rPr lang="en-US" sz="1800" i="1" dirty="0" smtClean="0">
-                <a:ea typeface="Apple Braille" charset="0"/>
-                <a:cs typeface="Apple Braille" charset="0"/>
-              </a:rPr>
-              <a:t> </a:t>
-            </a:r>
-            <a:r>
-              <a:rPr lang="en-US" sz="1800" i="1" dirty="0" err="1" smtClean="0">
-                <a:ea typeface="Apple Braille" charset="0"/>
-                <a:cs typeface="Apple Braille" charset="0"/>
-              </a:rPr>
-              <a:t>modeliranje</a:t>
-            </a:r>
-            <a:endParaRPr lang="en-US" sz="1800" i="1" dirty="0">
-              <a:ea typeface="Apple Braille" charset="0"/>
-              <a:cs typeface="Apple Braille" charset="0"/>
-            </a:endParaRPr>
-          </a:p>
-        </p:txBody>
-      </p:sp>
-    </p:spTree>
-    <p:extLst>
-      <p:ext uri="{BB962C8B-B14F-4D97-AF65-F5344CB8AC3E}">
-        <p14:creationId xmlns:p14="http://schemas.microsoft.com/office/powerpoint/2010/main" val="1970442148"/>
-      </p:ext>
-    </p:extLst>
-  </p:cSld>
-  <p:clrMapOvr>
-    <a:masterClrMapping/>
-  </p:clrMapOvr>
-</p:sld>
-</file>
-
-<file path=ppt/slides/slide4.xml><?xml version="1.0" encoding="utf-8"?>
-<p:sld xmlns:a="http://schemas.openxmlformats.org/drawingml/2006/main" xmlns:r="http://schemas.openxmlformats.org/officeDocument/2006/relationships" xmlns:p="http://schemas.openxmlformats.org/presentationml/2006/main">
-  <p:cSld>
-    <p:spTree>
-      <p:nvGrpSpPr>
-        <p:cNvPr id="1" name=""/>
-        <p:cNvGrpSpPr/>
-        <p:nvPr/>
-      </p:nvGrpSpPr>
-      <p:grpSpPr>
-        <a:xfrm>
-          <a:off x="0" y="0"/>
-          <a:ext cx="0" cy="0"/>
-          <a:chOff x="0" y="0"/>
-          <a:chExt cx="0" cy="0"/>
-        </a:xfrm>
-      </p:grpSpPr>
-      <p:sp>
-        <p:nvSpPr>
-          <p:cNvPr id="2" name="Title 1"/>
-          <p:cNvSpPr>
-            <a:spLocks noGrp="1"/>
-          </p:cNvSpPr>
-          <p:nvPr>
-            <p:ph type="title"/>
-          </p:nvPr>
-        </p:nvSpPr>
-        <p:spPr>
-          <a:xfrm>
-            <a:off x="667883" y="821094"/>
-            <a:ext cx="7415538" cy="778740"/>
-          </a:xfrm>
-        </p:spPr>
-        <p:txBody>
-          <a:bodyPr/>
-          <a:lstStyle/>
-          <a:p>
-            <a:r>
-              <a:rPr lang="en-US" sz="3200" dirty="0" err="1" smtClean="0"/>
-              <a:t>Suparnički</a:t>
-            </a:r>
-            <a:r>
-              <a:rPr lang="en-US" sz="3200" dirty="0" smtClean="0"/>
-              <a:t> </a:t>
-            </a:r>
-            <a:r>
-              <a:rPr lang="en-US" sz="3200" dirty="0" err="1" smtClean="0"/>
-              <a:t>modeli</a:t>
-            </a:r>
-            <a:endParaRPr lang="en-US" sz="3200" dirty="0"/>
-          </a:p>
-        </p:txBody>
-      </p:sp>
-      <p:sp>
-        <p:nvSpPr>
-          <p:cNvPr id="3" name="Content Placeholder 2"/>
-          <p:cNvSpPr>
-            <a:spLocks noGrp="1"/>
-          </p:cNvSpPr>
-          <p:nvPr>
-            <p:ph idx="1"/>
-          </p:nvPr>
-        </p:nvSpPr>
-        <p:spPr/>
-        <p:txBody>
-          <a:bodyPr/>
-          <a:lstStyle/>
-          <a:p>
-            <a:r>
-              <a:rPr lang="en-US" dirty="0" smtClean="0"/>
-              <a:t>Problem: </a:t>
-            </a:r>
-            <a:r>
-              <a:rPr lang="en-US" dirty="0" err="1" smtClean="0"/>
-              <a:t>pronalazak</a:t>
-            </a:r>
-            <a:r>
-              <a:rPr lang="en-US" dirty="0" smtClean="0"/>
-              <a:t> </a:t>
-            </a:r>
-            <a:r>
-              <a:rPr lang="en-US" dirty="0" err="1" smtClean="0"/>
-              <a:t>ciljne</a:t>
-            </a:r>
-            <a:r>
-              <a:rPr lang="en-US" dirty="0" smtClean="0"/>
-              <a:t> </a:t>
-            </a:r>
-            <a:r>
-              <a:rPr lang="en-US" dirty="0" err="1" smtClean="0"/>
-              <a:t>distribucije</a:t>
-            </a:r>
-            <a:r>
-              <a:rPr lang="en-US" dirty="0" smtClean="0"/>
-              <a:t> u </a:t>
-            </a:r>
-            <a:r>
-              <a:rPr lang="en-US" dirty="0" err="1" smtClean="0"/>
-              <a:t>dubokim</a:t>
-            </a:r>
-            <a:r>
-              <a:rPr lang="en-US" dirty="0" smtClean="0"/>
-              <a:t> </a:t>
-            </a:r>
-            <a:r>
-              <a:rPr lang="en-US" dirty="0" err="1" smtClean="0"/>
-              <a:t>hijerarhijskim</a:t>
-            </a:r>
-            <a:r>
-              <a:rPr lang="en-US" dirty="0" smtClean="0"/>
-              <a:t> </a:t>
-            </a:r>
-            <a:r>
-              <a:rPr lang="en-US" dirty="0" err="1" smtClean="0"/>
-              <a:t>podatcima</a:t>
-            </a:r>
-            <a:endParaRPr lang="en-US" dirty="0" smtClean="0"/>
-          </a:p>
-          <a:p>
-            <a:r>
-              <a:rPr lang="en-US" dirty="0"/>
-              <a:t>M</a:t>
-            </a:r>
-            <a:r>
-              <a:rPr lang="en-US" dirty="0" smtClean="0"/>
-              <a:t>ini-max </a:t>
-            </a:r>
-            <a:r>
-              <a:rPr lang="en-US" dirty="0" err="1" smtClean="0"/>
-              <a:t>igra</a:t>
-            </a:r>
-            <a:r>
-              <a:rPr lang="en-US" dirty="0" smtClean="0"/>
-              <a:t> </a:t>
-            </a:r>
-            <a:r>
-              <a:rPr lang="en-US" dirty="0" err="1" smtClean="0"/>
-              <a:t>dvije</a:t>
-            </a:r>
-            <a:r>
-              <a:rPr lang="en-US" dirty="0" smtClean="0"/>
-              <a:t> </a:t>
-            </a:r>
-            <a:r>
-              <a:rPr lang="en-US" dirty="0" err="1" smtClean="0"/>
-              <a:t>mreže</a:t>
-            </a:r>
-            <a:endParaRPr lang="en-US" dirty="0" smtClean="0"/>
-          </a:p>
-          <a:p>
-            <a:r>
-              <a:rPr lang="en-US" dirty="0" smtClean="0"/>
-              <a:t>Generator (G) </a:t>
-            </a:r>
-            <a:r>
-              <a:rPr lang="en-US" dirty="0" err="1" smtClean="0"/>
-              <a:t>stvara</a:t>
-            </a:r>
-            <a:r>
-              <a:rPr lang="en-US" dirty="0" smtClean="0"/>
-              <a:t> </a:t>
-            </a:r>
-            <a:r>
-              <a:rPr lang="en-US" dirty="0" err="1" smtClean="0"/>
-              <a:t>nove</a:t>
-            </a:r>
-            <a:r>
-              <a:rPr lang="en-US" dirty="0" smtClean="0"/>
-              <a:t> </a:t>
-            </a:r>
-            <a:r>
-              <a:rPr lang="en-US" dirty="0" err="1" smtClean="0"/>
-              <a:t>podatke</a:t>
-            </a:r>
-            <a:r>
-              <a:rPr lang="en-US" dirty="0" smtClean="0"/>
-              <a:t> </a:t>
-            </a:r>
-            <a:r>
-              <a:rPr lang="en-US" dirty="0" err="1" smtClean="0"/>
-              <a:t>slične</a:t>
-            </a:r>
-            <a:r>
-              <a:rPr lang="en-US" dirty="0" smtClean="0"/>
-              <a:t> </a:t>
-            </a:r>
-            <a:r>
-              <a:rPr lang="en-US" dirty="0" err="1" smtClean="0"/>
-              <a:t>stvarnima</a:t>
-            </a:r>
-            <a:endParaRPr lang="en-US" dirty="0" smtClean="0"/>
-          </a:p>
-          <a:p>
-            <a:r>
-              <a:rPr lang="en-US" dirty="0" err="1" smtClean="0"/>
-              <a:t>Diskriminator</a:t>
-            </a:r>
-            <a:r>
-              <a:rPr lang="en-US" dirty="0" smtClean="0"/>
-              <a:t> (D) </a:t>
-            </a:r>
-            <a:r>
-              <a:rPr lang="en-US" dirty="0" err="1" smtClean="0"/>
-              <a:t>provjerava</a:t>
-            </a:r>
-            <a:r>
-              <a:rPr lang="en-US" dirty="0" smtClean="0"/>
-              <a:t> </a:t>
-            </a:r>
-            <a:r>
-              <a:rPr lang="en-US" dirty="0" err="1" smtClean="0"/>
-              <a:t>njihovu</a:t>
-            </a:r>
-            <a:r>
-              <a:rPr lang="en-US" dirty="0" smtClean="0"/>
-              <a:t> </a:t>
-            </a:r>
-            <a:r>
-              <a:rPr lang="en-US" dirty="0" err="1" smtClean="0"/>
-              <a:t>autentičnost</a:t>
-            </a:r>
-            <a:endParaRPr lang="en-US" dirty="0"/>
-          </a:p>
-        </p:txBody>
-      </p:sp>
-      <p:sp>
-        <p:nvSpPr>
-          <p:cNvPr id="4" name="Title 1"/>
-          <p:cNvSpPr txBox="1">
-            <a:spLocks/>
-          </p:cNvSpPr>
-          <p:nvPr/>
-        </p:nvSpPr>
-        <p:spPr>
-          <a:xfrm>
-            <a:off x="667883" y="408672"/>
-            <a:ext cx="5042452" cy="412422"/>
-          </a:xfrm>
-          <a:prstGeom prst="rect">
-            <a:avLst/>
-          </a:prstGeom>
-        </p:spPr>
-        <p:txBody>
-          <a:bodyPr vert="horz" lIns="91440" tIns="45720" rIns="91440" bIns="45720" rtlCol="0" anchor="t">
-            <a:noAutofit/>
-          </a:bodyPr>
-          <a:lstStyle>
-            <a:lvl1pPr algn="l" defTabSz="457200" rtl="0" eaLnBrk="1" latinLnBrk="0" hangingPunct="1">
-              <a:spcBef>
-                <a:spcPct val="0"/>
-              </a:spcBef>
-              <a:buNone/>
-              <a:defRPr sz="4200" b="0" i="0" kern="1200">
-                <a:solidFill>
-                  <a:schemeClr val="tx2"/>
-                </a:solidFill>
-                <a:latin typeface="+mj-lt"/>
-                <a:ea typeface="+mj-ea"/>
-                <a:cs typeface="+mj-cs"/>
-              </a:defRPr>
-            </a:lvl1pPr>
-            <a:lvl2pPr eaLnBrk="1" hangingPunct="1">
-              <a:defRPr>
-                <a:solidFill>
-                  <a:schemeClr val="tx2"/>
-                </a:solidFill>
-              </a:defRPr>
-            </a:lvl2pPr>
-            <a:lvl3pPr eaLnBrk="1" hangingPunct="1">
-              <a:defRPr>
-                <a:solidFill>
-                  <a:schemeClr val="tx2"/>
-                </a:solidFill>
-              </a:defRPr>
-            </a:lvl3pPr>
-            <a:lvl4pPr eaLnBrk="1" hangingPunct="1">
-              <a:defRPr>
-                <a:solidFill>
-                  <a:schemeClr val="tx2"/>
-                </a:solidFill>
-              </a:defRPr>
-            </a:lvl4pPr>
-            <a:lvl5pPr eaLnBrk="1" hangingPunct="1">
-              <a:defRPr>
-                <a:solidFill>
-                  <a:schemeClr val="tx2"/>
-                </a:solidFill>
-              </a:defRPr>
-            </a:lvl5pPr>
-            <a:lvl6pPr eaLnBrk="1" hangingPunct="1">
-              <a:defRPr>
-                <a:solidFill>
-                  <a:schemeClr val="tx2"/>
-                </a:solidFill>
-              </a:defRPr>
-            </a:lvl6pPr>
-            <a:lvl7pPr eaLnBrk="1" hangingPunct="1">
-              <a:defRPr>
-                <a:solidFill>
-                  <a:schemeClr val="tx2"/>
-                </a:solidFill>
-              </a:defRPr>
-            </a:lvl7pPr>
-            <a:lvl8pPr eaLnBrk="1" hangingPunct="1">
-              <a:defRPr>
-                <a:solidFill>
-                  <a:schemeClr val="tx2"/>
-                </a:solidFill>
-              </a:defRPr>
-            </a:lvl8pPr>
-            <a:lvl9pPr eaLnBrk="1" hangingPunct="1">
-              <a:defRPr>
-                <a:solidFill>
-                  <a:schemeClr val="tx2"/>
-                </a:solidFill>
-              </a:defRPr>
-            </a:lvl9pPr>
-          </a:lstStyle>
-          <a:p>
-            <a:r>
-              <a:rPr lang="en-US" sz="1800" i="1" dirty="0" err="1" smtClean="0">
-                <a:ea typeface="Apple Braille" charset="0"/>
-                <a:cs typeface="Apple Braille" charset="0"/>
-              </a:rPr>
-              <a:t>Generativno</a:t>
-            </a:r>
-            <a:r>
-              <a:rPr lang="en-US" sz="1800" i="1" dirty="0" smtClean="0">
-                <a:ea typeface="Apple Braille" charset="0"/>
-                <a:cs typeface="Apple Braille" charset="0"/>
-              </a:rPr>
-              <a:t> </a:t>
-            </a:r>
-            <a:r>
-              <a:rPr lang="en-US" sz="1800" i="1" dirty="0" err="1" smtClean="0">
-                <a:ea typeface="Apple Braille" charset="0"/>
-                <a:cs typeface="Apple Braille" charset="0"/>
-              </a:rPr>
-              <a:t>modeliranje</a:t>
-            </a:r>
-            <a:endParaRPr lang="en-US" sz="1800" i="1" dirty="0">
-              <a:ea typeface="Apple Braille" charset="0"/>
-              <a:cs typeface="Apple Braille" charset="0"/>
-            </a:endParaRPr>
-          </a:p>
-        </p:txBody>
-      </p:sp>
-    </p:spTree>
-    <p:extLst>
-      <p:ext uri="{BB962C8B-B14F-4D97-AF65-F5344CB8AC3E}">
-        <p14:creationId xmlns:p14="http://schemas.microsoft.com/office/powerpoint/2010/main" val="1087827137"/>
-      </p:ext>
-    </p:extLst>
-  </p:cSld>
-  <p:clrMapOvr>
-    <a:masterClrMapping/>
-  </p:clrMapOvr>
-</p:sld>
-</file>
-
-<file path=ppt/slides/slide5.xml><?xml version="1.0" encoding="utf-8"?>
-<p:sld xmlns:a="http://schemas.openxmlformats.org/drawingml/2006/main" xmlns:r="http://schemas.openxmlformats.org/officeDocument/2006/relationships" xmlns:p="http://schemas.openxmlformats.org/presentationml/2006/main">
-  <p:cSld>
-    <p:spTree>
-      <p:nvGrpSpPr>
-        <p:cNvPr id="1" name=""/>
-        <p:cNvGrpSpPr/>
-        <p:nvPr/>
-      </p:nvGrpSpPr>
-      <p:grpSpPr>
-        <a:xfrm>
-          <a:off x="0" y="0"/>
-          <a:ext cx="0" cy="0"/>
-          <a:chOff x="0" y="0"/>
-          <a:chExt cx="0" cy="0"/>
-        </a:xfrm>
-      </p:grpSpPr>
-      <p:sp>
-        <p:nvSpPr>
-          <p:cNvPr id="2" name="Title 1"/>
-          <p:cNvSpPr>
-            <a:spLocks noGrp="1"/>
-          </p:cNvSpPr>
-          <p:nvPr>
-            <p:ph type="title"/>
-          </p:nvPr>
-        </p:nvSpPr>
-        <p:spPr>
-          <a:xfrm>
-            <a:off x="667883" y="821094"/>
-            <a:ext cx="7415538" cy="778740"/>
-          </a:xfrm>
-        </p:spPr>
-        <p:txBody>
-          <a:bodyPr/>
-          <a:lstStyle/>
-          <a:p>
-            <a:r>
-              <a:rPr lang="en-US" sz="3200" dirty="0" err="1" smtClean="0"/>
-              <a:t>Suparnički</a:t>
-            </a:r>
-            <a:r>
-              <a:rPr lang="en-US" sz="3200" dirty="0" smtClean="0"/>
-              <a:t> </a:t>
-            </a:r>
-            <a:r>
-              <a:rPr lang="en-US" sz="3200" dirty="0" err="1" smtClean="0"/>
-              <a:t>modeli</a:t>
-            </a:r>
-            <a:endParaRPr lang="en-US" sz="3200" dirty="0"/>
-          </a:p>
-        </p:txBody>
-      </p:sp>
-      <p:pic>
-        <p:nvPicPr>
-          <p:cNvPr id="5" name="Content Placeholder 4"/>
-          <p:cNvPicPr>
-            <a:picLocks noGrp="1" noChangeAspect="1"/>
-          </p:cNvPicPr>
-          <p:nvPr>
-            <p:ph idx="1"/>
-          </p:nvPr>
-        </p:nvPicPr>
-        <p:blipFill>
-          <a:blip r:embed="rId2">
-            <a:extLst>
-              <a:ext uri="{28A0092B-C50C-407E-A947-70E740481C1C}">
-                <a14:useLocalDpi xmlns:a14="http://schemas.microsoft.com/office/drawing/2010/main" val="0"/>
-              </a:ext>
-            </a:extLst>
-          </a:blip>
-          <a:stretch>
-            <a:fillRect/>
-          </a:stretch>
-        </p:blipFill>
-        <p:spPr>
-          <a:xfrm>
-            <a:off x="0" y="2012256"/>
-            <a:ext cx="12192000" cy="4465774"/>
-          </a:xfrm>
-        </p:spPr>
-      </p:pic>
-      <p:sp>
-        <p:nvSpPr>
-          <p:cNvPr id="4" name="Title 1"/>
-          <p:cNvSpPr txBox="1">
-            <a:spLocks/>
-          </p:cNvSpPr>
-          <p:nvPr/>
-        </p:nvSpPr>
-        <p:spPr>
-          <a:xfrm>
-            <a:off x="667883" y="408672"/>
-            <a:ext cx="5042452" cy="412422"/>
-          </a:xfrm>
-          <a:prstGeom prst="rect">
-            <a:avLst/>
-          </a:prstGeom>
-        </p:spPr>
-        <p:txBody>
-          <a:bodyPr vert="horz" lIns="91440" tIns="45720" rIns="91440" bIns="45720" rtlCol="0" anchor="t">
-            <a:noAutofit/>
-          </a:bodyPr>
-          <a:lstStyle>
-            <a:lvl1pPr algn="l" defTabSz="457200" rtl="0" eaLnBrk="1" latinLnBrk="0" hangingPunct="1">
-              <a:spcBef>
-                <a:spcPct val="0"/>
-              </a:spcBef>
-              <a:buNone/>
-              <a:defRPr sz="4200" b="0" i="0" kern="1200">
-                <a:solidFill>
-                  <a:schemeClr val="tx2"/>
-                </a:solidFill>
-                <a:latin typeface="+mj-lt"/>
-                <a:ea typeface="+mj-ea"/>
-                <a:cs typeface="+mj-cs"/>
-              </a:defRPr>
-            </a:lvl1pPr>
-            <a:lvl2pPr eaLnBrk="1" hangingPunct="1">
-              <a:defRPr>
-                <a:solidFill>
-                  <a:schemeClr val="tx2"/>
-                </a:solidFill>
-              </a:defRPr>
-            </a:lvl2pPr>
-            <a:lvl3pPr eaLnBrk="1" hangingPunct="1">
-              <a:defRPr>
-                <a:solidFill>
-                  <a:schemeClr val="tx2"/>
-                </a:solidFill>
-              </a:defRPr>
-            </a:lvl3pPr>
-            <a:lvl4pPr eaLnBrk="1" hangingPunct="1">
-              <a:defRPr>
-                <a:solidFill>
-                  <a:schemeClr val="tx2"/>
-                </a:solidFill>
-              </a:defRPr>
-            </a:lvl4pPr>
-            <a:lvl5pPr eaLnBrk="1" hangingPunct="1">
-              <a:defRPr>
-                <a:solidFill>
-                  <a:schemeClr val="tx2"/>
-                </a:solidFill>
-              </a:defRPr>
-            </a:lvl5pPr>
-            <a:lvl6pPr eaLnBrk="1" hangingPunct="1">
-              <a:defRPr>
-                <a:solidFill>
-                  <a:schemeClr val="tx2"/>
-                </a:solidFill>
-              </a:defRPr>
-            </a:lvl6pPr>
-            <a:lvl7pPr eaLnBrk="1" hangingPunct="1">
-              <a:defRPr>
-                <a:solidFill>
-                  <a:schemeClr val="tx2"/>
-                </a:solidFill>
-              </a:defRPr>
-            </a:lvl7pPr>
-            <a:lvl8pPr eaLnBrk="1" hangingPunct="1">
-              <a:defRPr>
-                <a:solidFill>
-                  <a:schemeClr val="tx2"/>
-                </a:solidFill>
-              </a:defRPr>
-            </a:lvl8pPr>
-            <a:lvl9pPr eaLnBrk="1" hangingPunct="1">
-              <a:defRPr>
-                <a:solidFill>
-                  <a:schemeClr val="tx2"/>
-                </a:solidFill>
-              </a:defRPr>
-            </a:lvl9pPr>
-          </a:lstStyle>
-          <a:p>
-            <a:r>
-              <a:rPr lang="en-US" sz="1800" i="1" dirty="0" err="1" smtClean="0">
-                <a:ea typeface="Apple Braille" charset="0"/>
-                <a:cs typeface="Apple Braille" charset="0"/>
-              </a:rPr>
-              <a:t>Generativno</a:t>
-            </a:r>
-            <a:r>
-              <a:rPr lang="en-US" sz="1800" i="1" dirty="0" smtClean="0">
-                <a:ea typeface="Apple Braille" charset="0"/>
-                <a:cs typeface="Apple Braille" charset="0"/>
-              </a:rPr>
-              <a:t> </a:t>
-            </a:r>
-            <a:r>
-              <a:rPr lang="en-US" sz="1800" i="1" dirty="0" err="1" smtClean="0">
-                <a:ea typeface="Apple Braille" charset="0"/>
-                <a:cs typeface="Apple Braille" charset="0"/>
-              </a:rPr>
-              <a:t>modeliranje</a:t>
-            </a:r>
-            <a:endParaRPr lang="en-US" sz="1800" i="1" dirty="0">
-              <a:ea typeface="Apple Braille" charset="0"/>
-              <a:cs typeface="Apple Braille" charset="0"/>
-            </a:endParaRPr>
-          </a:p>
-        </p:txBody>
-      </p:sp>
-    </p:spTree>
-    <p:extLst>
-      <p:ext uri="{BB962C8B-B14F-4D97-AF65-F5344CB8AC3E}">
-        <p14:creationId xmlns:p14="http://schemas.microsoft.com/office/powerpoint/2010/main" val="1011479014"/>
-      </p:ext>
-    </p:extLst>
-  </p:cSld>
-  <p:clrMapOvr>
-    <a:masterClrMapping/>
-  </p:clrMapOvr>
-</p:sld>
-</file>
-
-<file path=ppt/slides/slide6.xml><?xml version="1.0" encoding="utf-8"?>
-<p:sld xmlns:a="http://schemas.openxmlformats.org/drawingml/2006/main" xmlns:r="http://schemas.openxmlformats.org/officeDocument/2006/relationships" xmlns:p="http://schemas.openxmlformats.org/presentationml/2006/main">
-  <p:cSld>
-    <p:spTree>
-      <p:nvGrpSpPr>
-        <p:cNvPr id="1" name=""/>
-        <p:cNvGrpSpPr/>
-        <p:nvPr/>
-      </p:nvGrpSpPr>
-      <p:grpSpPr>
-        <a:xfrm>
-          <a:off x="0" y="0"/>
-          <a:ext cx="0" cy="0"/>
-          <a:chOff x="0" y="0"/>
-          <a:chExt cx="0" cy="0"/>
-        </a:xfrm>
-      </p:grpSpPr>
-      <p:sp>
-        <p:nvSpPr>
-          <p:cNvPr id="2" name="Title 1"/>
-          <p:cNvSpPr>
-            <a:spLocks noGrp="1"/>
-          </p:cNvSpPr>
-          <p:nvPr>
-            <p:ph type="title"/>
-          </p:nvPr>
-        </p:nvSpPr>
-        <p:spPr>
-          <a:xfrm>
-            <a:off x="667883" y="821094"/>
-            <a:ext cx="7415538" cy="778740"/>
-          </a:xfrm>
-        </p:spPr>
-        <p:txBody>
-          <a:bodyPr/>
-          <a:lstStyle/>
-          <a:p>
-            <a:r>
-              <a:rPr lang="en-US" sz="3200" dirty="0" err="1" smtClean="0"/>
-              <a:t>Autoenkoderi</a:t>
-            </a:r>
-            <a:endParaRPr lang="en-US" sz="3200" dirty="0"/>
-          </a:p>
-        </p:txBody>
-      </p:sp>
-      <p:sp>
-        <p:nvSpPr>
-          <p:cNvPr id="3" name="Content Placeholder 2"/>
-          <p:cNvSpPr>
-            <a:spLocks noGrp="1"/>
-          </p:cNvSpPr>
-          <p:nvPr>
-            <p:ph idx="1"/>
-          </p:nvPr>
-        </p:nvSpPr>
-        <p:spPr/>
-        <p:txBody>
-          <a:bodyPr/>
-          <a:lstStyle/>
-          <a:p>
-            <a:r>
-              <a:rPr lang="en-US" dirty="0" err="1" smtClean="0"/>
-              <a:t>Dvodjela</a:t>
-            </a:r>
-            <a:r>
-              <a:rPr lang="en-US" dirty="0" smtClean="0"/>
-              <a:t> </a:t>
-            </a:r>
-            <a:r>
-              <a:rPr lang="en-US" dirty="0" err="1" smtClean="0"/>
-              <a:t>arhitektura</a:t>
-            </a:r>
-            <a:endParaRPr lang="en-US" dirty="0"/>
-          </a:p>
-          <a:p>
-            <a:pPr lvl="1"/>
-            <a:r>
-              <a:rPr lang="en-US" dirty="0" err="1" smtClean="0"/>
-              <a:t>Enkoder</a:t>
-            </a:r>
-            <a:r>
-              <a:rPr lang="en-US" dirty="0" smtClean="0"/>
-              <a:t> </a:t>
-            </a:r>
-            <a:r>
-              <a:rPr lang="mr-IN" dirty="0" smtClean="0"/>
-              <a:t>–</a:t>
-            </a:r>
-            <a:r>
-              <a:rPr lang="en-US" dirty="0" smtClean="0"/>
-              <a:t> </a:t>
-            </a:r>
-            <a:r>
-              <a:rPr lang="en-US" dirty="0" err="1" smtClean="0"/>
-              <a:t>kompresija</a:t>
-            </a:r>
-            <a:r>
-              <a:rPr lang="en-US" dirty="0" smtClean="0"/>
-              <a:t> </a:t>
-            </a:r>
-            <a:r>
-              <a:rPr lang="en-US" dirty="0" err="1" smtClean="0"/>
-              <a:t>podataka</a:t>
-            </a:r>
-            <a:r>
-              <a:rPr lang="en-US" dirty="0" smtClean="0"/>
-              <a:t> u </a:t>
-            </a:r>
-            <a:r>
-              <a:rPr lang="en-US" dirty="0" err="1" smtClean="0"/>
-              <a:t>latentne</a:t>
-            </a:r>
-            <a:r>
-              <a:rPr lang="en-US" dirty="0" smtClean="0"/>
-              <a:t> </a:t>
-            </a:r>
-            <a:r>
-              <a:rPr lang="en-US" dirty="0" err="1" smtClean="0"/>
-              <a:t>varijable</a:t>
-            </a:r>
-            <a:endParaRPr lang="en-US" dirty="0" smtClean="0"/>
-          </a:p>
-          <a:p>
-            <a:pPr lvl="1"/>
-            <a:r>
-              <a:rPr lang="en-US" dirty="0" err="1" smtClean="0"/>
-              <a:t>Dekoder</a:t>
-            </a:r>
-            <a:r>
-              <a:rPr lang="en-US" dirty="0" smtClean="0"/>
-              <a:t> </a:t>
-            </a:r>
-            <a:r>
-              <a:rPr lang="mr-IN" dirty="0" smtClean="0"/>
-              <a:t>–</a:t>
-            </a:r>
-            <a:r>
-              <a:rPr lang="en-US" dirty="0" smtClean="0"/>
-              <a:t> </a:t>
-            </a:r>
-            <a:r>
-              <a:rPr lang="en-US" dirty="0" err="1" smtClean="0"/>
-              <a:t>rekonstrukcija</a:t>
-            </a:r>
-            <a:r>
-              <a:rPr lang="en-US" dirty="0" smtClean="0"/>
-              <a:t> </a:t>
-            </a:r>
-            <a:r>
-              <a:rPr lang="en-US" dirty="0" err="1" smtClean="0"/>
-              <a:t>izvornih</a:t>
-            </a:r>
-            <a:r>
-              <a:rPr lang="en-US" dirty="0" smtClean="0"/>
-              <a:t> </a:t>
-            </a:r>
-            <a:r>
-              <a:rPr lang="en-US" dirty="0" err="1" smtClean="0"/>
-              <a:t>podataka</a:t>
-            </a:r>
-            <a:endParaRPr lang="en-US" dirty="0"/>
-          </a:p>
-          <a:p>
-            <a:endParaRPr lang="en-US" dirty="0" smtClean="0"/>
-          </a:p>
-          <a:p>
-            <a:r>
-              <a:rPr lang="en-US" dirty="0" err="1" smtClean="0"/>
-              <a:t>Cilj</a:t>
-            </a:r>
-            <a:r>
-              <a:rPr lang="en-US" dirty="0" smtClean="0"/>
-              <a:t>: </a:t>
-            </a:r>
-            <a:r>
-              <a:rPr lang="en-US" dirty="0" err="1" smtClean="0"/>
-              <a:t>postići</a:t>
-            </a:r>
-            <a:r>
-              <a:rPr lang="en-US" dirty="0" smtClean="0"/>
-              <a:t> </a:t>
-            </a:r>
-            <a:r>
-              <a:rPr lang="en-US" dirty="0" err="1" smtClean="0"/>
-              <a:t>ćim</a:t>
-            </a:r>
-            <a:r>
-              <a:rPr lang="en-US" dirty="0" smtClean="0"/>
-              <a:t> </a:t>
-            </a:r>
-            <a:r>
-              <a:rPr lang="en-US" dirty="0" err="1" smtClean="0"/>
-              <a:t>veću</a:t>
-            </a:r>
-            <a:r>
-              <a:rPr lang="en-US" dirty="0" smtClean="0"/>
-              <a:t> </a:t>
-            </a:r>
-            <a:r>
-              <a:rPr lang="en-US" dirty="0" err="1" smtClean="0"/>
-              <a:t>sličnost</a:t>
-            </a:r>
-            <a:r>
-              <a:rPr lang="en-US" dirty="0" smtClean="0"/>
-              <a:t> </a:t>
-            </a:r>
-            <a:r>
-              <a:rPr lang="en-US" dirty="0" err="1" smtClean="0"/>
-              <a:t>ulaza</a:t>
-            </a:r>
-            <a:r>
-              <a:rPr lang="en-US" dirty="0" smtClean="0"/>
-              <a:t> </a:t>
-            </a:r>
-            <a:r>
-              <a:rPr lang="en-US" dirty="0" err="1" smtClean="0"/>
-              <a:t>i</a:t>
-            </a:r>
-            <a:r>
-              <a:rPr lang="en-US" dirty="0" smtClean="0"/>
-              <a:t> </a:t>
-            </a:r>
-            <a:r>
-              <a:rPr lang="en-US" dirty="0" err="1" smtClean="0"/>
-              <a:t>izlaza</a:t>
-            </a:r>
-            <a:endParaRPr lang="en-US" dirty="0" smtClean="0"/>
-          </a:p>
-          <a:p>
-            <a:endParaRPr lang="en-US" dirty="0" smtClean="0"/>
-          </a:p>
-          <a:p>
-            <a:r>
-              <a:rPr lang="en-US" dirty="0" err="1" smtClean="0"/>
-              <a:t>Nenadzirani</a:t>
-            </a:r>
-            <a:endParaRPr lang="en-US" dirty="0" smtClean="0"/>
-          </a:p>
-          <a:p>
-            <a:endParaRPr lang="en-US" dirty="0" smtClean="0"/>
-          </a:p>
-        </p:txBody>
-      </p:sp>
-      <p:sp>
-        <p:nvSpPr>
-          <p:cNvPr id="4" name="Title 1"/>
-          <p:cNvSpPr txBox="1">
-            <a:spLocks/>
-          </p:cNvSpPr>
-          <p:nvPr/>
-        </p:nvSpPr>
-        <p:spPr>
-          <a:xfrm>
-            <a:off x="667883" y="408672"/>
-            <a:ext cx="5042452" cy="412422"/>
-          </a:xfrm>
-          <a:prstGeom prst="rect">
-            <a:avLst/>
-          </a:prstGeom>
-        </p:spPr>
-        <p:txBody>
-          <a:bodyPr vert="horz" lIns="91440" tIns="45720" rIns="91440" bIns="45720" rtlCol="0" anchor="t">
-            <a:noAutofit/>
-          </a:bodyPr>
-          <a:lstStyle>
-            <a:lvl1pPr algn="l" defTabSz="457200" rtl="0" eaLnBrk="1" latinLnBrk="0" hangingPunct="1">
-              <a:spcBef>
-                <a:spcPct val="0"/>
-              </a:spcBef>
-              <a:buNone/>
-              <a:defRPr sz="4200" b="0" i="0" kern="1200">
-                <a:solidFill>
-                  <a:schemeClr val="tx2"/>
-                </a:solidFill>
-                <a:latin typeface="+mj-lt"/>
-                <a:ea typeface="+mj-ea"/>
-                <a:cs typeface="+mj-cs"/>
-              </a:defRPr>
-            </a:lvl1pPr>
-            <a:lvl2pPr eaLnBrk="1" hangingPunct="1">
-              <a:defRPr>
-                <a:solidFill>
-                  <a:schemeClr val="tx2"/>
-                </a:solidFill>
-              </a:defRPr>
-            </a:lvl2pPr>
-            <a:lvl3pPr eaLnBrk="1" hangingPunct="1">
-              <a:defRPr>
-                <a:solidFill>
-                  <a:schemeClr val="tx2"/>
-                </a:solidFill>
-              </a:defRPr>
-            </a:lvl3pPr>
-            <a:lvl4pPr eaLnBrk="1" hangingPunct="1">
-              <a:defRPr>
-                <a:solidFill>
-                  <a:schemeClr val="tx2"/>
-                </a:solidFill>
-              </a:defRPr>
-            </a:lvl4pPr>
-            <a:lvl5pPr eaLnBrk="1" hangingPunct="1">
-              <a:defRPr>
-                <a:solidFill>
-                  <a:schemeClr val="tx2"/>
-                </a:solidFill>
-              </a:defRPr>
-            </a:lvl5pPr>
-            <a:lvl6pPr eaLnBrk="1" hangingPunct="1">
-              <a:defRPr>
-                <a:solidFill>
-                  <a:schemeClr val="tx2"/>
-                </a:solidFill>
-              </a:defRPr>
-            </a:lvl6pPr>
-            <a:lvl7pPr eaLnBrk="1" hangingPunct="1">
-              <a:defRPr>
-                <a:solidFill>
-                  <a:schemeClr val="tx2"/>
-                </a:solidFill>
-              </a:defRPr>
-            </a:lvl7pPr>
-            <a:lvl8pPr eaLnBrk="1" hangingPunct="1">
-              <a:defRPr>
-                <a:solidFill>
-                  <a:schemeClr val="tx2"/>
-                </a:solidFill>
-              </a:defRPr>
-            </a:lvl8pPr>
-            <a:lvl9pPr eaLnBrk="1" hangingPunct="1">
-              <a:defRPr>
-                <a:solidFill>
-                  <a:schemeClr val="tx2"/>
-                </a:solidFill>
-              </a:defRPr>
-            </a:lvl9pPr>
-          </a:lstStyle>
-          <a:p>
-            <a:r>
-              <a:rPr lang="en-US" sz="1800" i="1" dirty="0" err="1" smtClean="0">
-                <a:ea typeface="Apple Braille" charset="0"/>
-                <a:cs typeface="Apple Braille" charset="0"/>
-              </a:rPr>
-              <a:t>Generativno</a:t>
-            </a:r>
-            <a:r>
-              <a:rPr lang="en-US" sz="1800" i="1" dirty="0" smtClean="0">
-                <a:ea typeface="Apple Braille" charset="0"/>
-                <a:cs typeface="Apple Braille" charset="0"/>
-              </a:rPr>
-              <a:t> </a:t>
-            </a:r>
-            <a:r>
-              <a:rPr lang="en-US" sz="1800" i="1" dirty="0" err="1" smtClean="0">
-                <a:ea typeface="Apple Braille" charset="0"/>
-                <a:cs typeface="Apple Braille" charset="0"/>
-              </a:rPr>
-              <a:t>modeliranje</a:t>
-            </a:r>
-            <a:endParaRPr lang="en-US" sz="1800" i="1" dirty="0">
-              <a:ea typeface="Apple Braille" charset="0"/>
-              <a:cs typeface="Apple Braille" charset="0"/>
-            </a:endParaRPr>
-          </a:p>
-        </p:txBody>
-      </p:sp>
     </p:spTree>
     <p:extLst>
       <p:ext uri="{BB962C8B-B14F-4D97-AF65-F5344CB8AC3E}">
@@ -10813,6 +10732,13 @@
   <p:clrMapOvr>
     <a:masterClrMapping/>
   </p:clrMapOvr>
+  <p:timing>
+    <p:tnLst>
+      <p:par>
+        <p:cTn id="1" dur="indefinite" restart="never" nodeType="tmRoot"/>
+      </p:par>
+    </p:tnLst>
+  </p:timing>
 </p:sld>
 </file>
 
@@ -10855,7 +10781,19 @@
           <a:p>
             <a:r>
               <a:rPr lang="en-US" sz="3200" dirty="0" err="1" smtClean="0"/>
-              <a:t>Autoenkoderi</a:t>
+              <a:t>Varijacijski</a:t>
+            </a:r>
+            <a:r>
+              <a:rPr lang="en-US" sz="3200" dirty="0" smtClean="0"/>
+              <a:t> </a:t>
+            </a:r>
+            <a:r>
+              <a:rPr lang="en-US" sz="3200" dirty="0" err="1" smtClean="0"/>
+              <a:t>autoenkoderi</a:t>
+            </a:r>
+            <a:r>
+              <a:rPr lang="en-US" sz="3200" dirty="0" smtClean="0"/>
+              <a:t> (VAE)</a:t>
             </a:r>
             <a:endParaRPr lang="en-US" sz="3200" dirty="0"/>
           </a:p>
@@ -10863,123 +10801,35 @@
       </p:sp>
       <p:sp>
         <p:nvSpPr>
-          <p:cNvPr id="4" name="Title 1"/>
-          <p:cNvSpPr txBox="1">
-            <a:spLocks/>
-          </p:cNvSpPr>
-          <p:nvPr/>
-        </p:nvSpPr>
-        <p:spPr>
-          <a:xfrm>
-            <a:off x="667883" y="408672"/>
-            <a:ext cx="5042452" cy="412422"/>
-          </a:xfrm>
-          <a:prstGeom prst="rect">
-            <a:avLst/>
-          </a:prstGeom>
-        </p:spPr>
-        <p:txBody>
-          <a:bodyPr vert="horz" lIns="91440" tIns="45720" rIns="91440" bIns="45720" rtlCol="0" anchor="t">
-            <a:noAutofit/>
-          </a:bodyPr>
-          <a:lstStyle>
-            <a:lvl1pPr algn="l" defTabSz="457200" rtl="0" eaLnBrk="1" latinLnBrk="0" hangingPunct="1">
-              <a:spcBef>
-                <a:spcPct val="0"/>
-              </a:spcBef>
-              <a:buNone/>
-              <a:defRPr sz="4200" b="0" i="0" kern="1200">
-                <a:solidFill>
-                  <a:schemeClr val="tx2"/>
-                </a:solidFill>
-                <a:latin typeface="+mj-lt"/>
-                <a:ea typeface="+mj-ea"/>
-                <a:cs typeface="+mj-cs"/>
-              </a:defRPr>
-            </a:lvl1pPr>
-            <a:lvl2pPr eaLnBrk="1" hangingPunct="1">
-              <a:defRPr>
-                <a:solidFill>
-                  <a:schemeClr val="tx2"/>
-                </a:solidFill>
-              </a:defRPr>
-            </a:lvl2pPr>
-            <a:lvl3pPr eaLnBrk="1" hangingPunct="1">
-              <a:defRPr>
-                <a:solidFill>
-                  <a:schemeClr val="tx2"/>
-                </a:solidFill>
-              </a:defRPr>
-            </a:lvl3pPr>
-            <a:lvl4pPr eaLnBrk="1" hangingPunct="1">
-              <a:defRPr>
-                <a:solidFill>
-                  <a:schemeClr val="tx2"/>
-                </a:solidFill>
-              </a:defRPr>
-            </a:lvl4pPr>
-            <a:lvl5pPr eaLnBrk="1" hangingPunct="1">
-              <a:defRPr>
-                <a:solidFill>
-                  <a:schemeClr val="tx2"/>
-                </a:solidFill>
-              </a:defRPr>
-            </a:lvl5pPr>
-            <a:lvl6pPr eaLnBrk="1" hangingPunct="1">
-              <a:defRPr>
-                <a:solidFill>
-                  <a:schemeClr val="tx2"/>
-                </a:solidFill>
-              </a:defRPr>
-            </a:lvl6pPr>
-            <a:lvl7pPr eaLnBrk="1" hangingPunct="1">
-              <a:defRPr>
-                <a:solidFill>
-                  <a:schemeClr val="tx2"/>
-                </a:solidFill>
-              </a:defRPr>
-            </a:lvl7pPr>
-            <a:lvl8pPr eaLnBrk="1" hangingPunct="1">
-              <a:defRPr>
-                <a:solidFill>
-                  <a:schemeClr val="tx2"/>
-                </a:solidFill>
-              </a:defRPr>
-            </a:lvl8pPr>
-            <a:lvl9pPr eaLnBrk="1" hangingPunct="1">
-              <a:defRPr>
-                <a:solidFill>
-                  <a:schemeClr val="tx2"/>
-                </a:solidFill>
-              </a:defRPr>
-            </a:lvl9pPr>
-          </a:lstStyle>
-          <a:p>
-            <a:r>
-              <a:rPr lang="en-US" sz="1800" i="1" dirty="0" err="1" smtClean="0">
-                <a:ea typeface="Apple Braille" charset="0"/>
-                <a:cs typeface="Apple Braille" charset="0"/>
-              </a:rPr>
-              <a:t>Generativno</a:t>
-            </a:r>
-            <a:r>
-              <a:rPr lang="en-US" sz="1800" i="1" dirty="0" smtClean="0">
-                <a:ea typeface="Apple Braille" charset="0"/>
-                <a:cs typeface="Apple Braille" charset="0"/>
-              </a:rPr>
-              <a:t> </a:t>
-            </a:r>
-            <a:r>
-              <a:rPr lang="en-US" sz="1800" i="1" dirty="0" err="1" smtClean="0">
-                <a:ea typeface="Apple Braille" charset="0"/>
-                <a:cs typeface="Apple Braille" charset="0"/>
-              </a:rPr>
-              <a:t>modeliranje</a:t>
-            </a:r>
-            <a:endParaRPr lang="en-US" sz="1800" i="1" dirty="0">
-              <a:ea typeface="Apple Braille" charset="0"/>
-              <a:cs typeface="Apple Braille" charset="0"/>
-            </a:endParaRPr>
+          <p:cNvPr id="3" name="Content Placeholder 2"/>
+          <p:cNvSpPr>
+            <a:spLocks noGrp="1"/>
+          </p:cNvSpPr>
+          <p:nvPr>
+            <p:ph idx="1"/>
+          </p:nvPr>
+        </p:nvSpPr>
+        <p:spPr/>
+        <p:txBody>
+          <a:bodyPr/>
+          <a:lstStyle/>
+          <a:p>
+            <a:r>
+              <a:rPr lang="hr-HR" dirty="0" smtClean="0"/>
+              <a:t>Umjesto latentnog vektora uče </a:t>
+            </a:r>
+            <a:r>
+              <a:rPr lang="hr-HR" dirty="0" err="1" smtClean="0"/>
+              <a:t>gausovu</a:t>
+            </a:r>
+            <a:r>
+              <a:rPr lang="hr-HR" dirty="0" smtClean="0"/>
+              <a:t> distribuciju podataka</a:t>
+            </a:r>
+            <a:endParaRPr lang="hr-HR" dirty="0" smtClean="0"/>
+          </a:p>
+          <a:p>
+            <a:endParaRPr lang="en-US" dirty="0" smtClean="0"/>
           </a:p>
         </p:txBody>
       </p:sp>
@@ -11005,8 +10855,8 @@
         </p:blipFill>
         <p:spPr>
           <a:xfrm>
-            <a:off x="0" y="2052918"/>
-            <a:ext cx="12192000" cy="4064000"/>
+            <a:off x="1805492" y="3035856"/>
+            <a:ext cx="8244361" cy="3225810"/>
           </a:xfrm>
           <a:prstGeom prst="rect">
             <a:avLst/>
@@ -11016,13 +10866,20 @@
     </p:spTree>
     <p:extLst>
       <p:ext uri="{BB962C8B-B14F-4D97-AF65-F5344CB8AC3E}">
-        <p14:creationId xmlns:p14="http://schemas.microsoft.com/office/powerpoint/2010/main" val="1114676070"/>
+        <p14:creationId xmlns:p14="http://schemas.microsoft.com/office/powerpoint/2010/main" val="477051771"/>
       </p:ext>
     </p:extLst>
   </p:cSld>
   <p:clrMapOvr>
     <a:masterClrMapping/>
   </p:clrMapOvr>
+  <p:timing>
+    <p:tnLst>
+      <p:par>
+        <p:cTn id="1" dur="indefinite" restart="never" nodeType="tmRoot"/>
+      </p:par>
+    </p:tnLst>
+  </p:timing>
 </p:sld>
 </file>
 
@@ -11075,6 +10932,10 @@
               <a:rPr lang="en-US" sz="3200" dirty="0" err="1" smtClean="0"/>
               <a:t>autoenkoderi</a:t>
             </a:r>
+            <a:r>
+              <a:rPr lang="en-US" sz="3200" dirty="0" smtClean="0"/>
+              <a:t> (VAE)</a:t>
+            </a:r>
             <a:endParaRPr lang="en-US" sz="3200" dirty="0"/>
           </a:p>
         </p:txBody>
@@ -11096,242 +10957,98 @@
           <a:p>
             <a:r>
               <a:rPr lang="hr-HR" dirty="0" smtClean="0"/>
-              <a:t>Ograničenje: latentni vektor mora ličiti </a:t>
-            </a:r>
-            <a:r>
-              <a:rPr lang="hr-HR" dirty="0" err="1" smtClean="0"/>
-              <a:t>gausovoj</a:t>
-            </a:r>
+              <a:t>Prednosti:</a:t>
+            </a:r>
+          </a:p>
+          <a:p>
+            <a:pPr lvl="1"/>
+            <a:r>
+              <a:rPr lang="en-US" dirty="0" err="1"/>
+              <a:t>K</a:t>
+            </a:r>
+            <a:r>
+              <a:rPr lang="en-US" dirty="0" err="1" smtClean="0"/>
+              <a:t>ontrola</a:t>
+            </a:r>
+            <a:r>
+              <a:rPr lang="en-US" dirty="0" smtClean="0"/>
+              <a:t> </a:t>
+            </a:r>
+            <a:r>
+              <a:rPr lang="en-US" dirty="0" err="1"/>
+              <a:t>nad</a:t>
+            </a:r>
+            <a:r>
+              <a:rPr lang="en-US" dirty="0"/>
+              <a:t> </a:t>
+            </a:r>
+            <a:r>
+              <a:rPr lang="en-US" dirty="0" err="1"/>
+              <a:t>generiranim</a:t>
+            </a:r>
+            <a:r>
+              <a:rPr lang="en-US" dirty="0"/>
+              <a:t> </a:t>
+            </a:r>
+            <a:r>
+              <a:rPr lang="en-US" dirty="0" err="1"/>
+              <a:t>podatcima</a:t>
+            </a:r>
+            <a:endParaRPr lang="en-US" dirty="0"/>
+          </a:p>
+          <a:p>
+            <a:pPr lvl="1"/>
+            <a:endParaRPr lang="hr-HR" dirty="0" smtClean="0"/>
+          </a:p>
+          <a:p>
             <a:r>
               <a:rPr lang="hr-HR" dirty="0" smtClean="0"/>
-              <a:t> distribuciji</a:t>
-            </a:r>
-          </a:p>
-          <a:p>
-            <a:endParaRPr lang="en-US" dirty="0" smtClean="0"/>
-          </a:p>
-          <a:p>
-            <a:r>
-              <a:rPr lang="en-US" dirty="0" err="1" smtClean="0"/>
-              <a:t>Latentni</a:t>
-            </a:r>
-            <a:r>
-              <a:rPr lang="en-US" dirty="0" smtClean="0"/>
-              <a:t> </a:t>
-            </a:r>
-            <a:r>
-              <a:rPr lang="en-US" dirty="0" err="1" smtClean="0"/>
-              <a:t>vektor</a:t>
-            </a:r>
-            <a:r>
-              <a:rPr lang="en-US" dirty="0" smtClean="0"/>
-              <a:t> </a:t>
-            </a:r>
-            <a:r>
-              <a:rPr lang="en-US" dirty="0" err="1" smtClean="0"/>
-              <a:t>mijenjamo</a:t>
-            </a:r>
-            <a:r>
-              <a:rPr lang="en-US" dirty="0" smtClean="0"/>
-              <a:t> </a:t>
-            </a:r>
-            <a:r>
-              <a:rPr lang="en-US" dirty="0" err="1" smtClean="0"/>
-              <a:t>sa</a:t>
-            </a:r>
-            <a:r>
-              <a:rPr lang="en-US" dirty="0" smtClean="0"/>
-              <a:t>:</a:t>
+              <a:t>Nedostatci:</a:t>
             </a:r>
           </a:p>
           <a:p>
             <a:pPr lvl="1"/>
             <a:r>
-              <a:rPr lang="en-US" dirty="0" err="1" smtClean="0"/>
-              <a:t>Paramterima</a:t>
-            </a:r>
-            <a:r>
-              <a:rPr lang="en-US" dirty="0" smtClean="0"/>
-              <a:t> </a:t>
-            </a:r>
-            <a:r>
-              <a:rPr lang="en-US" dirty="0" err="1" smtClean="0"/>
-              <a:t>normalne</a:t>
-            </a:r>
-            <a:r>
-              <a:rPr lang="en-US" dirty="0" smtClean="0"/>
-              <a:t> </a:t>
-            </a:r>
-            <a:r>
-              <a:rPr lang="en-US" dirty="0" err="1" smtClean="0"/>
-              <a:t>distribucije</a:t>
-            </a:r>
-            <a:endParaRPr lang="en-US" dirty="0" smtClean="0"/>
+              <a:rPr lang="hr-HR" dirty="0" smtClean="0"/>
+              <a:t>Uzorkovani podatci puni anomalija</a:t>
+            </a:r>
           </a:p>
           <a:p>
             <a:pPr lvl="1"/>
-            <a:r>
-              <a:rPr lang="en-US" dirty="0" err="1" smtClean="0"/>
-              <a:t>Parametrima</a:t>
-            </a:r>
-            <a:r>
-              <a:rPr lang="en-US" dirty="0" smtClean="0"/>
-              <a:t> </a:t>
-            </a:r>
-            <a:r>
-              <a:rPr lang="en-US" dirty="0" err="1" smtClean="0"/>
-              <a:t>standardne</a:t>
-            </a:r>
-            <a:r>
-              <a:rPr lang="en-US" dirty="0" smtClean="0"/>
-              <a:t> </a:t>
-            </a:r>
-            <a:r>
-              <a:rPr lang="en-US" dirty="0" err="1" smtClean="0"/>
-              <a:t>devijacije</a:t>
-            </a:r>
-            <a:endParaRPr lang="en-US" dirty="0" smtClean="0"/>
-          </a:p>
-          <a:p>
-            <a:pPr marL="0" indent="0">
-              <a:buNone/>
-            </a:pPr>
-            <a:endParaRPr lang="en-US" dirty="0" smtClean="0"/>
-          </a:p>
-        </p:txBody>
-      </p:sp>
-      <p:sp>
-        <p:nvSpPr>
-          <p:cNvPr id="4" name="Title 1"/>
-          <p:cNvSpPr txBox="1">
-            <a:spLocks/>
-          </p:cNvSpPr>
-          <p:nvPr/>
-        </p:nvSpPr>
-        <p:spPr>
-          <a:xfrm>
-            <a:off x="667883" y="408672"/>
-            <a:ext cx="5042452" cy="412422"/>
-          </a:xfrm>
-          <a:prstGeom prst="rect">
-            <a:avLst/>
-          </a:prstGeom>
-        </p:spPr>
-        <p:txBody>
-          <a:bodyPr vert="horz" lIns="91440" tIns="45720" rIns="91440" bIns="45720" rtlCol="0" anchor="t">
-            <a:noAutofit/>
-          </a:bodyPr>
-          <a:lstStyle>
-            <a:lvl1pPr algn="l" defTabSz="457200" rtl="0" eaLnBrk="1" latinLnBrk="0" hangingPunct="1">
-              <a:spcBef>
-                <a:spcPct val="0"/>
-              </a:spcBef>
-              <a:buNone/>
-              <a:defRPr sz="4200" b="0" i="0" kern="1200">
-                <a:solidFill>
-                  <a:schemeClr val="tx2"/>
-                </a:solidFill>
-                <a:latin typeface="+mj-lt"/>
-                <a:ea typeface="+mj-ea"/>
-                <a:cs typeface="+mj-cs"/>
-              </a:defRPr>
-            </a:lvl1pPr>
-            <a:lvl2pPr eaLnBrk="1" hangingPunct="1">
-              <a:defRPr>
-                <a:solidFill>
-                  <a:schemeClr val="tx2"/>
-                </a:solidFill>
-              </a:defRPr>
-            </a:lvl2pPr>
-            <a:lvl3pPr eaLnBrk="1" hangingPunct="1">
-              <a:defRPr>
-                <a:solidFill>
-                  <a:schemeClr val="tx2"/>
-                </a:solidFill>
-              </a:defRPr>
-            </a:lvl3pPr>
-            <a:lvl4pPr eaLnBrk="1" hangingPunct="1">
-              <a:defRPr>
-                <a:solidFill>
-                  <a:schemeClr val="tx2"/>
-                </a:solidFill>
-              </a:defRPr>
-            </a:lvl4pPr>
-            <a:lvl5pPr eaLnBrk="1" hangingPunct="1">
-              <a:defRPr>
-                <a:solidFill>
-                  <a:schemeClr val="tx2"/>
-                </a:solidFill>
-              </a:defRPr>
-            </a:lvl5pPr>
-            <a:lvl6pPr eaLnBrk="1" hangingPunct="1">
-              <a:defRPr>
-                <a:solidFill>
-                  <a:schemeClr val="tx2"/>
-                </a:solidFill>
-              </a:defRPr>
-            </a:lvl6pPr>
-            <a:lvl7pPr eaLnBrk="1" hangingPunct="1">
-              <a:defRPr>
-                <a:solidFill>
-                  <a:schemeClr val="tx2"/>
-                </a:solidFill>
-              </a:defRPr>
-            </a:lvl7pPr>
-            <a:lvl8pPr eaLnBrk="1" hangingPunct="1">
-              <a:defRPr>
-                <a:solidFill>
-                  <a:schemeClr val="tx2"/>
-                </a:solidFill>
-              </a:defRPr>
-            </a:lvl8pPr>
-            <a:lvl9pPr eaLnBrk="1" hangingPunct="1">
-              <a:defRPr>
-                <a:solidFill>
-                  <a:schemeClr val="tx2"/>
-                </a:solidFill>
-              </a:defRPr>
-            </a:lvl9pPr>
-          </a:lstStyle>
-          <a:p>
-            <a:r>
-              <a:rPr lang="en-US" sz="1800" i="1" dirty="0" err="1" smtClean="0">
-                <a:ea typeface="Apple Braille" charset="0"/>
-                <a:cs typeface="Apple Braille" charset="0"/>
-              </a:rPr>
-              <a:t>Generativno</a:t>
-            </a:r>
-            <a:r>
-              <a:rPr lang="en-US" sz="1800" i="1" dirty="0" smtClean="0">
-                <a:ea typeface="Apple Braille" charset="0"/>
-                <a:cs typeface="Apple Braille" charset="0"/>
-              </a:rPr>
-              <a:t> </a:t>
-            </a:r>
-            <a:r>
-              <a:rPr lang="en-US" sz="1800" i="1" dirty="0" err="1" smtClean="0">
-                <a:ea typeface="Apple Braille" charset="0"/>
-                <a:cs typeface="Apple Braille" charset="0"/>
-              </a:rPr>
-              <a:t>modeliranje</a:t>
-            </a:r>
-            <a:endParaRPr lang="en-US" sz="1800" i="1" dirty="0">
-              <a:ea typeface="Apple Braille" charset="0"/>
-              <a:cs typeface="Apple Braille" charset="0"/>
-            </a:endParaRPr>
+            <a:endParaRPr lang="hr-HR" dirty="0"/>
+          </a:p>
+          <a:p>
+            <a:r>
+              <a:rPr lang="hr-HR" dirty="0" smtClean="0"/>
+              <a:t>Primjena:</a:t>
+            </a:r>
+          </a:p>
+          <a:p>
+            <a:pPr lvl="1"/>
+            <a:r>
+              <a:rPr lang="hr-HR" dirty="0" smtClean="0"/>
+              <a:t>Kompresija podataka, video igre</a:t>
+            </a:r>
           </a:p>
         </p:txBody>
       </p:sp>
     </p:spTree>
     <p:extLst>
       <p:ext uri="{BB962C8B-B14F-4D97-AF65-F5344CB8AC3E}">
-        <p14:creationId xmlns:p14="http://schemas.microsoft.com/office/powerpoint/2010/main" val="477051771"/>
+        <p14:creationId xmlns:p14="http://schemas.microsoft.com/office/powerpoint/2010/main" val="464793620"/>
       </p:ext>
     </p:extLst>
   </p:cSld>
   <p:clrMapOvr>
     <a:masterClrMapping/>
   </p:clrMapOvr>
+  <p:timing>
+    <p:tnLst>
+      <p:par>
+        <p:cTn id="1" dur="indefinite" restart="never" nodeType="tmRoot"/>
+      </p:par>
+    </p:tnLst>
+  </p:timing>
 </p:sld>
 </file>
 
@@ -11362,10 +11079,49 @@
             <p:ph type="title"/>
           </p:nvPr>
         </p:nvSpPr>
+        <p:spPr/>
+        <p:txBody>
+          <a:bodyPr/>
+          <a:lstStyle/>
+          <a:p>
+            <a:r>
+              <a:rPr lang="en-US" dirty="0" err="1" smtClean="0"/>
+              <a:t>Uvjetne</a:t>
+            </a:r>
+            <a:r>
+              <a:rPr lang="en-US" dirty="0" smtClean="0"/>
+              <a:t> </a:t>
+            </a:r>
+            <a:r>
+              <a:rPr lang="en-US" dirty="0" err="1" smtClean="0"/>
+              <a:t>generativne</a:t>
+            </a:r>
+            <a:r>
+              <a:rPr lang="en-US" dirty="0" smtClean="0"/>
+              <a:t> </a:t>
+            </a:r>
+            <a:r>
+              <a:rPr lang="en-US" dirty="0" err="1" smtClean="0"/>
+              <a:t>mreže</a:t>
+            </a:r>
+            <a:endParaRPr lang="en-US" dirty="0"/>
+          </a:p>
+        </p:txBody>
+      </p:sp>
+      <p:sp>
+        <p:nvSpPr>
+          <p:cNvPr id="3" name="Content Placeholder 2"/>
+          <p:cNvSpPr>
+            <a:spLocks noGrp="1"/>
+          </p:cNvSpPr>
+          <p:nvPr>
+            <p:ph idx="1"/>
+          </p:nvPr>
+        </p:nvSpPr>
         <p:spPr>
           <a:xfrm>
-            <a:off x="667883" y="821094"/>
-            <a:ext cx="7415538" cy="778740"/>
+            <a:off x="1103312" y="1853248"/>
+            <a:ext cx="8946541" cy="1380747"/>
           </a:xfrm>
         </p:spPr>
         <p:txBody>
@@ -11373,30 +11129,170 @@
           <a:lstStyle/>
           <a:p>
             <a:r>
-              <a:rPr lang="en-US" sz="3200" dirty="0" err="1" smtClean="0"/>
-              <a:t>Varijacijski</a:t>
-            </a:r>
-            <a:r>
-              <a:rPr lang="en-US" sz="3200" dirty="0" smtClean="0"/>
-              <a:t> </a:t>
-            </a:r>
-            <a:r>
-              <a:rPr lang="en-US" sz="3200" dirty="0" err="1" smtClean="0"/>
-              <a:t>autoenkoderi</a:t>
-            </a:r>
-            <a:endParaRPr lang="en-US" sz="3200" dirty="0"/>
+              <a:rPr lang="en-US" dirty="0" err="1" smtClean="0"/>
+              <a:t>Nastale</a:t>
+            </a:r>
+            <a:r>
+              <a:rPr lang="en-US" dirty="0" smtClean="0"/>
+              <a:t> </a:t>
+            </a:r>
+            <a:r>
+              <a:rPr lang="en-US" dirty="0" err="1" smtClean="0"/>
+              <a:t>iz</a:t>
+            </a:r>
+            <a:r>
+              <a:rPr lang="en-US" dirty="0" smtClean="0"/>
+              <a:t> </a:t>
+            </a:r>
+            <a:r>
+              <a:rPr lang="en-US" dirty="0" err="1" smtClean="0"/>
+              <a:t>potrebe</a:t>
+            </a:r>
+            <a:r>
+              <a:rPr lang="en-US" dirty="0" smtClean="0"/>
+              <a:t> </a:t>
+            </a:r>
+            <a:r>
+              <a:rPr lang="en-US" dirty="0" err="1" smtClean="0"/>
+              <a:t>za</a:t>
+            </a:r>
+            <a:r>
+              <a:rPr lang="en-US" dirty="0" smtClean="0"/>
+              <a:t> </a:t>
+            </a:r>
+            <a:r>
+              <a:rPr lang="en-US" dirty="0" err="1" smtClean="0"/>
+              <a:t>većom</a:t>
+            </a:r>
+            <a:r>
+              <a:rPr lang="en-US" dirty="0" smtClean="0"/>
+              <a:t> </a:t>
+            </a:r>
+            <a:r>
+              <a:rPr lang="en-US" dirty="0" err="1" smtClean="0"/>
+              <a:t>kontrolom</a:t>
+            </a:r>
+            <a:r>
+              <a:rPr lang="en-US" dirty="0" smtClean="0"/>
+              <a:t> </a:t>
+            </a:r>
+            <a:r>
+              <a:rPr lang="en-US" dirty="0" err="1" smtClean="0"/>
+              <a:t>generativnog</a:t>
+            </a:r>
+            <a:r>
+              <a:rPr lang="en-US" dirty="0" smtClean="0"/>
+              <a:t> </a:t>
+            </a:r>
+            <a:r>
+              <a:rPr lang="en-US" dirty="0" err="1" smtClean="0"/>
+              <a:t>procesa</a:t>
+            </a:r>
+            <a:endParaRPr lang="en-US" dirty="0" smtClean="0"/>
+          </a:p>
+          <a:p>
+            <a:r>
+              <a:rPr lang="en-US" dirty="0" err="1" smtClean="0"/>
+              <a:t>Ideja</a:t>
+            </a:r>
+            <a:r>
+              <a:rPr lang="en-US" dirty="0" smtClean="0"/>
+              <a:t>: </a:t>
+            </a:r>
+            <a:r>
+              <a:rPr lang="en-US" dirty="0" err="1" smtClean="0"/>
+              <a:t>postavljanje</a:t>
+            </a:r>
+            <a:r>
+              <a:rPr lang="en-US" dirty="0" smtClean="0"/>
+              <a:t> </a:t>
+            </a:r>
+            <a:r>
+              <a:rPr lang="en-US" dirty="0" err="1" smtClean="0"/>
+              <a:t>uvjeta</a:t>
+            </a:r>
+            <a:r>
+              <a:rPr lang="en-US" dirty="0" smtClean="0"/>
+              <a:t> </a:t>
+            </a:r>
+            <a:r>
+              <a:rPr lang="en-US" dirty="0" err="1" smtClean="0"/>
+              <a:t>na</a:t>
+            </a:r>
+            <a:r>
+              <a:rPr lang="en-US" dirty="0" smtClean="0"/>
+              <a:t> </a:t>
+            </a:r>
+            <a:r>
+              <a:rPr lang="en-US" dirty="0" err="1" smtClean="0"/>
+              <a:t>ulaz</a:t>
+            </a:r>
+            <a:r>
+              <a:rPr lang="en-US" dirty="0" smtClean="0"/>
+              <a:t> </a:t>
+            </a:r>
+            <a:r>
+              <a:rPr lang="en-US" dirty="0" err="1" smtClean="0"/>
+              <a:t>modela</a:t>
+            </a:r>
+            <a:endParaRPr lang="en-US" dirty="0" smtClean="0"/>
+          </a:p>
+          <a:p>
+            <a:pPr lvl="1"/>
+            <a:r>
+              <a:rPr lang="en-US" dirty="0" err="1" smtClean="0"/>
+              <a:t>Oznake</a:t>
+            </a:r>
+            <a:r>
+              <a:rPr lang="en-US" dirty="0" smtClean="0"/>
+              <a:t> </a:t>
+            </a:r>
+            <a:r>
+              <a:rPr lang="en-US" dirty="0" err="1" smtClean="0"/>
+              <a:t>klasa</a:t>
+            </a:r>
+            <a:r>
+              <a:rPr lang="en-US" dirty="0" smtClean="0"/>
+              <a:t>, </a:t>
+            </a:r>
+            <a:r>
+              <a:rPr lang="en-US" dirty="0" err="1" smtClean="0"/>
+              <a:t>skice</a:t>
+            </a:r>
+            <a:r>
+              <a:rPr lang="en-US" dirty="0" smtClean="0"/>
+              <a:t>, </a:t>
+            </a:r>
+            <a:r>
+              <a:rPr lang="en-US" dirty="0" err="1" smtClean="0"/>
+              <a:t>dubinske</a:t>
+            </a:r>
+            <a:r>
+              <a:rPr lang="en-US" dirty="0" smtClean="0"/>
+              <a:t> </a:t>
+            </a:r>
+            <a:r>
+              <a:rPr lang="en-US" dirty="0" err="1" smtClean="0"/>
+              <a:t>mape</a:t>
+            </a:r>
+            <a:r>
+              <a:rPr lang="mr-IN" dirty="0" smtClean="0"/>
+              <a:t>…</a:t>
+            </a:r>
+            <a:endParaRPr lang="hr-HR" dirty="0" smtClean="0"/>
+          </a:p>
+          <a:p>
+            <a:endParaRPr lang="en-US" dirty="0"/>
           </a:p>
         </p:txBody>
       </p:sp>
       <p:pic>
         <p:nvPicPr>
-          <p:cNvPr id="5" name="Content Placeholder 4"/>
+          <p:cNvPr id="4" name="Picture 3"/>
           <p:cNvPicPr>
-            <a:picLocks noGrp="1" noChangeAspect="1"/>
+            <a:picLocks noChangeAspect="1"/>
           </p:cNvPicPr>
-          <p:nvPr>
-            <p:ph idx="1"/>
-          </p:nvPr>
+          <p:nvPr/>
         </p:nvPicPr>
         <p:blipFill>
           <a:blip r:embed="rId2">
@@ -11412,143 +11308,31 @@
         </p:blipFill>
         <p:spPr>
           <a:xfrm>
-            <a:off x="447154" y="1862966"/>
-            <a:ext cx="11272214" cy="5260365"/>
-          </a:xfrm>
-        </p:spPr>
-      </p:pic>
-      <p:sp>
-        <p:nvSpPr>
-          <p:cNvPr id="4" name="Title 1"/>
-          <p:cNvSpPr txBox="1">
-            <a:spLocks/>
-          </p:cNvSpPr>
-          <p:nvPr/>
-        </p:nvSpPr>
-        <p:spPr>
-          <a:xfrm>
-            <a:off x="667883" y="408672"/>
-            <a:ext cx="5042452" cy="412422"/>
+            <a:off x="1103312" y="3253778"/>
+            <a:ext cx="9403742" cy="3452717"/>
           </a:xfrm>
           <a:prstGeom prst="rect">
             <a:avLst/>
           </a:prstGeom>
         </p:spPr>
-        <p:txBody>
-          <a:bodyPr vert="horz" lIns="91440" tIns="45720" rIns="91440" bIns="45720" rtlCol="0" anchor="t">
-            <a:noAutofit/>
-          </a:bodyPr>
-          <a:lstStyle>
-            <a:lvl1pPr algn="l" defTabSz="457200" rtl="0" eaLnBrk="1" latinLnBrk="0" hangingPunct="1">
-              <a:spcBef>
-                <a:spcPct val="0"/>
-              </a:spcBef>
-              <a:buNone/>
-              <a:defRPr sz="4200" b="0" i="0" kern="1200">
-                <a:solidFill>
-                  <a:schemeClr val="tx2"/>
-                </a:solidFill>
-                <a:latin typeface="+mj-lt"/>
-                <a:ea typeface="+mj-ea"/>
-                <a:cs typeface="+mj-cs"/>
-              </a:defRPr>
-            </a:lvl1pPr>
-            <a:lvl2pPr eaLnBrk="1" hangingPunct="1">
-              <a:defRPr>
-                <a:solidFill>
-                  <a:schemeClr val="tx2"/>
-                </a:solidFill>
-              </a:defRPr>
-            </a:lvl2pPr>
-            <a:lvl3pPr eaLnBrk="1" hangingPunct="1">
-              <a:defRPr>
-                <a:solidFill>
-                  <a:schemeClr val="tx2"/>
-                </a:solidFill>
-              </a:defRPr>
-            </a:lvl3pPr>
-            <a:lvl4pPr eaLnBrk="1" hangingPunct="1">
-              <a:defRPr>
-                <a:solidFill>
-                  <a:schemeClr val="tx2"/>
-                </a:solidFill>
-              </a:defRPr>
-            </a:lvl4pPr>
-            <a:lvl5pPr eaLnBrk="1" hangingPunct="1">
-              <a:defRPr>
-                <a:solidFill>
-                  <a:schemeClr val="tx2"/>
-                </a:solidFill>
-              </a:defRPr>
-            </a:lvl5pPr>
-            <a:lvl6pPr eaLnBrk="1" hangingPunct="1">
-              <a:defRPr>
-                <a:solidFill>
-                  <a:schemeClr val="tx2"/>
-                </a:solidFill>
-              </a:defRPr>
-            </a:lvl6pPr>
-            <a:lvl7pPr eaLnBrk="1" hangingPunct="1">
-              <a:defRPr>
-                <a:solidFill>
-                  <a:schemeClr val="tx2"/>
-                </a:solidFill>
-              </a:defRPr>
-            </a:lvl7pPr>
-            <a:lvl8pPr eaLnBrk="1" hangingPunct="1">
-              <a:defRPr>
-                <a:solidFill>
-                  <a:schemeClr val="tx2"/>
-                </a:solidFill>
-              </a:defRPr>
-            </a:lvl8pPr>
-            <a:lvl9pPr eaLnBrk="1" hangingPunct="1">
-              <a:defRPr>
-                <a:solidFill>
-                  <a:schemeClr val="tx2"/>
-                </a:solidFill>
-              </a:defRPr>
-            </a:lvl9pPr>
-          </a:lstStyle>
-          <a:p>
-            <a:r>
-              <a:rPr lang="en-US" sz="1800" i="1" dirty="0" err="1" smtClean="0">
-                <a:ea typeface="Apple Braille" charset="0"/>
-                <a:cs typeface="Apple Braille" charset="0"/>
-              </a:rPr>
-              <a:t>Generativno</a:t>
-            </a:r>
-            <a:r>
-              <a:rPr lang="en-US" sz="1800" i="1" dirty="0" smtClean="0">
-                <a:ea typeface="Apple Braille" charset="0"/>
-                <a:cs typeface="Apple Braille" charset="0"/>
-              </a:rPr>
-              <a:t> </a:t>
-            </a:r>
-            <a:r>
-              <a:rPr lang="en-US" sz="1800" i="1" dirty="0" err="1" smtClean="0">
-                <a:ea typeface="Apple Braille" charset="0"/>
-                <a:cs typeface="Apple Braille" charset="0"/>
-              </a:rPr>
-              <a:t>modeliranje</a:t>
-            </a:r>
-            <a:endParaRPr lang="en-US" sz="1800" i="1" dirty="0">
-              <a:ea typeface="Apple Braille" charset="0"/>
-              <a:cs typeface="Apple Braille" charset="0"/>
-            </a:endParaRPr>
-          </a:p>
-        </p:txBody>
-      </p:sp>
+      </p:pic>
     </p:spTree>
     <p:extLst>
       <p:ext uri="{BB962C8B-B14F-4D97-AF65-F5344CB8AC3E}">
-        <p14:creationId xmlns:p14="http://schemas.microsoft.com/office/powerpoint/2010/main" val="1498963727"/>
+        <p14:creationId xmlns:p14="http://schemas.microsoft.com/office/powerpoint/2010/main" val="1743734005"/>
       </p:ext>
     </p:extLst>
   </p:cSld>
   <p:clrMapOvr>
     <a:masterClrMapping/>
   </p:clrMapOvr>
+  <p:timing>
+    <p:tnLst>
+      <p:par>
+        <p:cTn id="1" dur="indefinite" restart="never" nodeType="tmRoot"/>
+      </p:par>
+    </p:tnLst>
+  </p:timing>
 </p:sld>
 </file>
 

--- a/kvukic-seminar-presentation-2018.pptx
+++ b/kvukic-seminar-presentation-2018.pptx
@@ -21,13 +21,16 @@
     <p:sldId id="274" r:id="rId15"/>
     <p:sldId id="275" r:id="rId16"/>
     <p:sldId id="276" r:id="rId17"/>
-    <p:sldId id="277" r:id="rId18"/>
-    <p:sldId id="278" r:id="rId19"/>
-    <p:sldId id="279" r:id="rId20"/>
-    <p:sldId id="280" r:id="rId21"/>
-    <p:sldId id="261" r:id="rId22"/>
-    <p:sldId id="281" r:id="rId23"/>
-    <p:sldId id="282" r:id="rId24"/>
+    <p:sldId id="284" r:id="rId18"/>
+    <p:sldId id="283" r:id="rId19"/>
+    <p:sldId id="285" r:id="rId20"/>
+    <p:sldId id="277" r:id="rId21"/>
+    <p:sldId id="278" r:id="rId22"/>
+    <p:sldId id="279" r:id="rId23"/>
+    <p:sldId id="280" r:id="rId24"/>
+    <p:sldId id="261" r:id="rId25"/>
+    <p:sldId id="281" r:id="rId26"/>
+    <p:sldId id="282" r:id="rId27"/>
   </p:sldIdLst>
   <p:sldSz cx="12192000" cy="6858000"/>
   <p:notesSz cx="6858000" cy="9144000"/>
@@ -317,7 +320,7 @@
           <a:p>
             <a:fld id="{4E6B89DE-2E6D-7646-A583-92A7E558AB0E}" type="datetimeFigureOut">
               <a:rPr lang="en-US" smtClean="0"/>
-              <a:t>6/5/18</a:t>
+              <a:t>6/6/2018</a:t>
             </a:fld>
             <a:endParaRPr lang="en-US"/>
           </a:p>
@@ -592,7 +595,7 @@
           <a:p>
             <a:fld id="{4E6B89DE-2E6D-7646-A583-92A7E558AB0E}" type="datetimeFigureOut">
               <a:rPr lang="en-US" smtClean="0"/>
-              <a:t>6/5/18</a:t>
+              <a:t>6/6/2018</a:t>
             </a:fld>
             <a:endParaRPr lang="en-US"/>
           </a:p>
@@ -786,7 +789,7 @@
           <a:p>
             <a:fld id="{4E6B89DE-2E6D-7646-A583-92A7E558AB0E}" type="datetimeFigureOut">
               <a:rPr lang="en-US" smtClean="0"/>
-              <a:t>6/5/18</a:t>
+              <a:t>6/6/2018</a:t>
             </a:fld>
             <a:endParaRPr lang="en-US"/>
           </a:p>
@@ -1054,7 +1057,7 @@
           <a:p>
             <a:fld id="{4E6B89DE-2E6D-7646-A583-92A7E558AB0E}" type="datetimeFigureOut">
               <a:rPr lang="en-US" smtClean="0"/>
-              <a:t>6/5/18</a:t>
+              <a:t>6/6/2018</a:t>
             </a:fld>
             <a:endParaRPr lang="en-US"/>
           </a:p>
@@ -1386,7 +1389,7 @@
           <a:p>
             <a:fld id="{4E6B89DE-2E6D-7646-A583-92A7E558AB0E}" type="datetimeFigureOut">
               <a:rPr lang="en-US" smtClean="0"/>
-              <a:t>6/5/18</a:t>
+              <a:t>6/6/2018</a:t>
             </a:fld>
             <a:endParaRPr lang="en-US"/>
           </a:p>
@@ -1996,7 +1999,7 @@
           <a:p>
             <a:fld id="{4E6B89DE-2E6D-7646-A583-92A7E558AB0E}" type="datetimeFigureOut">
               <a:rPr lang="en-US" smtClean="0"/>
-              <a:t>6/5/18</a:t>
+              <a:t>6/6/2018</a:t>
             </a:fld>
             <a:endParaRPr lang="en-US"/>
           </a:p>
@@ -2843,7 +2846,7 @@
           <a:p>
             <a:fld id="{4E6B89DE-2E6D-7646-A583-92A7E558AB0E}" type="datetimeFigureOut">
               <a:rPr lang="en-US" smtClean="0"/>
-              <a:t>6/5/18</a:t>
+              <a:t>6/6/2018</a:t>
             </a:fld>
             <a:endParaRPr lang="en-US"/>
           </a:p>
@@ -3013,7 +3016,7 @@
           <a:p>
             <a:fld id="{4E6B89DE-2E6D-7646-A583-92A7E558AB0E}" type="datetimeFigureOut">
               <a:rPr lang="en-US" smtClean="0"/>
-              <a:t>6/5/18</a:t>
+              <a:t>6/6/2018</a:t>
             </a:fld>
             <a:endParaRPr lang="en-US"/>
           </a:p>
@@ -3193,7 +3196,7 @@
           <a:p>
             <a:fld id="{4E6B89DE-2E6D-7646-A583-92A7E558AB0E}" type="datetimeFigureOut">
               <a:rPr lang="en-US" smtClean="0"/>
-              <a:t>6/5/18</a:t>
+              <a:t>6/6/2018</a:t>
             </a:fld>
             <a:endParaRPr lang="en-US"/>
           </a:p>
@@ -3363,7 +3366,7 @@
           <a:p>
             <a:fld id="{4E6B89DE-2E6D-7646-A583-92A7E558AB0E}" type="datetimeFigureOut">
               <a:rPr lang="en-US" smtClean="0"/>
-              <a:t>6/5/18</a:t>
+              <a:t>6/6/2018</a:t>
             </a:fld>
             <a:endParaRPr lang="en-US"/>
           </a:p>
@@ -3607,7 +3610,7 @@
           <a:p>
             <a:fld id="{4E6B89DE-2E6D-7646-A583-92A7E558AB0E}" type="datetimeFigureOut">
               <a:rPr lang="en-US" smtClean="0"/>
-              <a:t>6/5/18</a:t>
+              <a:t>6/6/2018</a:t>
             </a:fld>
             <a:endParaRPr lang="en-US"/>
           </a:p>
@@ -3899,7 +3902,7 @@
           <a:p>
             <a:fld id="{4E6B89DE-2E6D-7646-A583-92A7E558AB0E}" type="datetimeFigureOut">
               <a:rPr lang="en-US" smtClean="0"/>
-              <a:t>6/5/18</a:t>
+              <a:t>6/6/2018</a:t>
             </a:fld>
             <a:endParaRPr lang="en-US"/>
           </a:p>
@@ -4337,7 +4340,7 @@
           <a:p>
             <a:fld id="{4E6B89DE-2E6D-7646-A583-92A7E558AB0E}" type="datetimeFigureOut">
               <a:rPr lang="en-US" smtClean="0"/>
-              <a:t>6/5/18</a:t>
+              <a:t>6/6/2018</a:t>
             </a:fld>
             <a:endParaRPr lang="en-US"/>
           </a:p>
@@ -4455,7 +4458,7 @@
           <a:p>
             <a:fld id="{4E6B89DE-2E6D-7646-A583-92A7E558AB0E}" type="datetimeFigureOut">
               <a:rPr lang="en-US" smtClean="0"/>
-              <a:t>6/5/18</a:t>
+              <a:t>6/6/2018</a:t>
             </a:fld>
             <a:endParaRPr lang="en-US"/>
           </a:p>
@@ -4550,7 +4553,7 @@
           <a:p>
             <a:fld id="{4E6B89DE-2E6D-7646-A583-92A7E558AB0E}" type="datetimeFigureOut">
               <a:rPr lang="en-US" smtClean="0"/>
-              <a:t>6/5/18</a:t>
+              <a:t>6/6/2018</a:t>
             </a:fld>
             <a:endParaRPr lang="en-US"/>
           </a:p>
@@ -4829,7 +4832,7 @@
           <a:p>
             <a:fld id="{4E6B89DE-2E6D-7646-A583-92A7E558AB0E}" type="datetimeFigureOut">
               <a:rPr lang="en-US" smtClean="0"/>
-              <a:t>6/5/18</a:t>
+              <a:t>6/6/2018</a:t>
             </a:fld>
             <a:endParaRPr lang="en-US"/>
           </a:p>
@@ -5104,7 +5107,7 @@
           <a:p>
             <a:fld id="{4E6B89DE-2E6D-7646-A583-92A7E558AB0E}" type="datetimeFigureOut">
               <a:rPr lang="en-US" smtClean="0"/>
-              <a:t>6/5/18</a:t>
+              <a:t>6/6/2018</a:t>
             </a:fld>
             <a:endParaRPr lang="en-US"/>
           </a:p>
@@ -5533,7 +5536,7 @@
           <a:p>
             <a:fld id="{4E6B89DE-2E6D-7646-A583-92A7E558AB0E}" type="datetimeFigureOut">
               <a:rPr lang="en-US" smtClean="0"/>
-              <a:t>6/5/18</a:t>
+              <a:t>6/6/2018</a:t>
             </a:fld>
             <a:endParaRPr lang="en-US"/>
           </a:p>
@@ -6638,283 +6641,417 @@
           </a:p>
         </p:txBody>
       </p:sp>
-      <p:sp>
-        <p:nvSpPr>
-          <p:cNvPr id="3" name="Content Placeholder 2"/>
-          <p:cNvSpPr>
-            <a:spLocks noGrp="1"/>
-          </p:cNvSpPr>
-          <p:nvPr>
-            <p:ph idx="1"/>
-          </p:nvPr>
-        </p:nvSpPr>
-        <p:spPr/>
-        <p:txBody>
-          <a:bodyPr/>
-          <a:lstStyle/>
-          <a:p>
-            <a:r>
-              <a:rPr lang="en-US" dirty="0" err="1" smtClean="0"/>
-              <a:t>Pri</a:t>
-            </a:r>
-            <a:r>
-              <a:rPr lang="en-US" dirty="0" smtClean="0"/>
-              <a:t> </a:t>
-            </a:r>
-            <a:r>
-              <a:rPr lang="en-US" dirty="0" err="1" smtClean="0"/>
-              <a:t>učenju</a:t>
-            </a:r>
-            <a:r>
-              <a:rPr lang="en-US" dirty="0" smtClean="0"/>
-              <a:t> bez </a:t>
-            </a:r>
-            <a:r>
-              <a:rPr lang="en-US" dirty="0" err="1" smtClean="0"/>
-              <a:t>označenih</a:t>
-            </a:r>
-            <a:r>
-              <a:rPr lang="en-US" dirty="0" smtClean="0"/>
-              <a:t> </a:t>
-            </a:r>
-            <a:r>
-              <a:rPr lang="en-US" dirty="0" err="1" smtClean="0"/>
-              <a:t>primjera</a:t>
-            </a:r>
-            <a:r>
-              <a:rPr lang="en-US" dirty="0" smtClean="0"/>
-              <a:t> </a:t>
-            </a:r>
-            <a:r>
-              <a:rPr lang="en-US" dirty="0" err="1" smtClean="0"/>
-              <a:t>cilj</a:t>
-            </a:r>
-            <a:r>
-              <a:rPr lang="en-US" dirty="0" smtClean="0"/>
-              <a:t> u </a:t>
-            </a:r>
-            <a:r>
-              <a:rPr lang="en-US" dirty="0" err="1" smtClean="0"/>
-              <a:t>biti</a:t>
-            </a:r>
-            <a:r>
-              <a:rPr lang="en-US" dirty="0" smtClean="0"/>
-              <a:t> </a:t>
-            </a:r>
-            <a:r>
-              <a:rPr lang="en-US" dirty="0" err="1" smtClean="0"/>
-              <a:t>ostaje</a:t>
-            </a:r>
-            <a:r>
-              <a:rPr lang="en-US" dirty="0" smtClean="0"/>
-              <a:t> </a:t>
-            </a:r>
-            <a:r>
-              <a:rPr lang="en-US" dirty="0" err="1" smtClean="0"/>
-              <a:t>isti</a:t>
-            </a:r>
-            <a:endParaRPr lang="en-US" dirty="0" smtClean="0"/>
-          </a:p>
-          <a:p>
-            <a:pPr lvl="1"/>
-            <a:r>
-              <a:rPr lang="en-US" dirty="0" err="1"/>
-              <a:t>Naučiti</a:t>
-            </a:r>
-            <a:r>
-              <a:rPr lang="en-US" dirty="0"/>
-              <a:t> </a:t>
-            </a:r>
-            <a:r>
-              <a:rPr lang="en-US" dirty="0" err="1"/>
-              <a:t>preslikavanje</a:t>
-            </a:r>
-            <a:r>
-              <a:rPr lang="en-US" dirty="0"/>
-              <a:t> s </a:t>
-            </a:r>
-            <a:r>
-              <a:rPr lang="en-US" dirty="0" err="1"/>
-              <a:t>izvorišne</a:t>
-            </a:r>
-            <a:r>
-              <a:rPr lang="en-US" dirty="0"/>
-              <a:t> </a:t>
-            </a:r>
-            <a:r>
-              <a:rPr lang="en-US" dirty="0" err="1"/>
-              <a:t>domene</a:t>
-            </a:r>
-            <a:r>
-              <a:rPr lang="en-US" dirty="0"/>
-              <a:t> X </a:t>
-            </a:r>
-            <a:r>
-              <a:rPr lang="en-US" dirty="0" err="1"/>
-              <a:t>na</a:t>
-            </a:r>
-            <a:r>
-              <a:rPr lang="en-US" dirty="0"/>
-              <a:t> </a:t>
-            </a:r>
-            <a:r>
-              <a:rPr lang="en-US" dirty="0" err="1"/>
-              <a:t>ciljnu</a:t>
-            </a:r>
-            <a:r>
-              <a:rPr lang="en-US" dirty="0"/>
-              <a:t> Y: G:X-&gt;Y</a:t>
-            </a:r>
-          </a:p>
-          <a:p>
-            <a:pPr marL="457200" lvl="1" indent="0">
-              <a:buNone/>
-            </a:pPr>
-            <a:r>
-              <a:rPr lang="en-US" dirty="0" err="1"/>
-              <a:t>takvo</a:t>
-            </a:r>
-            <a:r>
-              <a:rPr lang="en-US" dirty="0"/>
-              <a:t> da </a:t>
-            </a:r>
-            <a:r>
-              <a:rPr lang="en-US" dirty="0" err="1"/>
-              <a:t>nije</a:t>
-            </a:r>
-            <a:r>
-              <a:rPr lang="en-US" dirty="0"/>
-              <a:t> </a:t>
-            </a:r>
-            <a:r>
-              <a:rPr lang="en-US" dirty="0" err="1"/>
-              <a:t>moguće</a:t>
-            </a:r>
-            <a:r>
-              <a:rPr lang="en-US" dirty="0"/>
-              <a:t> </a:t>
-            </a:r>
-            <a:r>
-              <a:rPr lang="en-US" dirty="0" err="1"/>
-              <a:t>razlikovati</a:t>
-            </a:r>
-            <a:r>
-              <a:rPr lang="en-US" dirty="0"/>
-              <a:t> </a:t>
-            </a:r>
-            <a:r>
-              <a:rPr lang="en-US" dirty="0" err="1"/>
-              <a:t>distribuciju</a:t>
-            </a:r>
-            <a:r>
-              <a:rPr lang="en-US" dirty="0"/>
-              <a:t> G(X) od </a:t>
-            </a:r>
-            <a:r>
-              <a:rPr lang="en-US" dirty="0" err="1"/>
-              <a:t>distribucije</a:t>
-            </a:r>
-            <a:r>
-              <a:rPr lang="en-US" dirty="0"/>
-              <a:t> </a:t>
-            </a:r>
-            <a:r>
-              <a:rPr lang="en-US" dirty="0" smtClean="0"/>
-              <a:t>Y</a:t>
-            </a:r>
-          </a:p>
-          <a:p>
-            <a:pPr marL="457200" lvl="1" indent="0">
-              <a:buNone/>
-            </a:pPr>
-            <a:endParaRPr lang="en-US" dirty="0"/>
-          </a:p>
-          <a:p>
-            <a:r>
-              <a:rPr lang="en-US" dirty="0" smtClean="0"/>
-              <a:t>Problem</a:t>
-            </a:r>
-          </a:p>
-          <a:p>
-            <a:pPr lvl="1"/>
-            <a:r>
-              <a:rPr lang="en-US" dirty="0" err="1" smtClean="0"/>
-              <a:t>cilj</a:t>
-            </a:r>
-            <a:r>
-              <a:rPr lang="en-US" dirty="0" smtClean="0"/>
-              <a:t> je </a:t>
-            </a:r>
-            <a:r>
-              <a:rPr lang="en-US" dirty="0" err="1" smtClean="0"/>
-              <a:t>vrlo</a:t>
-            </a:r>
-            <a:r>
-              <a:rPr lang="en-US" dirty="0" smtClean="0"/>
-              <a:t> </a:t>
-            </a:r>
-            <a:r>
-              <a:rPr lang="en-US" dirty="0" err="1" smtClean="0"/>
-              <a:t>nespecifičan</a:t>
-            </a:r>
-            <a:endParaRPr lang="en-US" dirty="0" smtClean="0"/>
-          </a:p>
-          <a:p>
-            <a:pPr lvl="1"/>
-            <a:r>
-              <a:rPr lang="en-US" dirty="0" err="1" smtClean="0"/>
-              <a:t>Rezultati</a:t>
-            </a:r>
-            <a:r>
-              <a:rPr lang="en-US" dirty="0" smtClean="0"/>
-              <a:t> </a:t>
-            </a:r>
-            <a:r>
-              <a:rPr lang="en-US" dirty="0" err="1" smtClean="0"/>
-              <a:t>su</a:t>
-            </a:r>
-            <a:r>
-              <a:rPr lang="en-US" dirty="0" smtClean="0"/>
-              <a:t> </a:t>
-            </a:r>
-            <a:r>
-              <a:rPr lang="en-US" dirty="0" err="1" smtClean="0"/>
-              <a:t>nekonzistentni</a:t>
-            </a:r>
-            <a:r>
-              <a:rPr lang="en-US" dirty="0" smtClean="0"/>
-              <a:t> </a:t>
-            </a:r>
-            <a:r>
-              <a:rPr lang="mr-IN" dirty="0" smtClean="0"/>
-              <a:t>–</a:t>
-            </a:r>
-            <a:r>
-              <a:rPr lang="en-US" dirty="0" smtClean="0"/>
-              <a:t> TODO </a:t>
-            </a:r>
-            <a:r>
-              <a:rPr lang="en-US" dirty="0" err="1" smtClean="0"/>
-              <a:t>sto</a:t>
-            </a:r>
-            <a:r>
-              <a:rPr lang="en-US" dirty="0" smtClean="0"/>
-              <a:t> to </a:t>
-            </a:r>
-            <a:r>
-              <a:rPr lang="en-US" dirty="0" err="1" smtClean="0"/>
-              <a:t>znaci</a:t>
-            </a:r>
-            <a:endParaRPr lang="en-US" dirty="0" smtClean="0"/>
-          </a:p>
-          <a:p>
-            <a:endParaRPr lang="en-US" dirty="0" smtClean="0"/>
-          </a:p>
-          <a:p>
-            <a:endParaRPr lang="en-US" dirty="0" smtClean="0"/>
-          </a:p>
-        </p:txBody>
-      </p:sp>
+      <mc:AlternateContent xmlns:mc="http://schemas.openxmlformats.org/markup-compatibility/2006">
+        <mc:Choice xmlns:a14="http://schemas.microsoft.com/office/drawing/2010/main" Requires="a14">
+          <p:sp>
+            <p:nvSpPr>
+              <p:cNvPr id="3" name="Content Placeholder 2"/>
+              <p:cNvSpPr>
+                <a:spLocks noGrp="1"/>
+              </p:cNvSpPr>
+              <p:nvPr>
+                <p:ph idx="1"/>
+              </p:nvPr>
+            </p:nvSpPr>
+            <p:spPr/>
+            <p:txBody>
+              <a:bodyPr/>
+              <a:lstStyle/>
+              <a:p>
+                <a:r>
+                  <a:rPr lang="en-US" dirty="0" smtClean="0"/>
+                  <a:t>Pri</a:t>
+                </a:r>
+                <a:r>
+                  <a:rPr lang="en-US" dirty="0" smtClean="0"/>
+                  <a:t> </a:t>
+                </a:r>
+                <a:r>
+                  <a:rPr lang="en-US" dirty="0" err="1" smtClean="0"/>
+                  <a:t>učenju</a:t>
+                </a:r>
+                <a:r>
+                  <a:rPr lang="en-US" dirty="0" smtClean="0"/>
+                  <a:t> bez </a:t>
+                </a:r>
+                <a:r>
+                  <a:rPr lang="en-US" dirty="0" err="1" smtClean="0"/>
+                  <a:t>označenih</a:t>
+                </a:r>
+                <a:r>
+                  <a:rPr lang="en-US" dirty="0" smtClean="0"/>
+                  <a:t> </a:t>
+                </a:r>
+                <a:r>
+                  <a:rPr lang="en-US" dirty="0" err="1" smtClean="0"/>
+                  <a:t>primjera</a:t>
+                </a:r>
+                <a:r>
+                  <a:rPr lang="en-US" dirty="0" smtClean="0"/>
+                  <a:t> </a:t>
+                </a:r>
+                <a:r>
+                  <a:rPr lang="en-US" dirty="0" err="1" smtClean="0"/>
+                  <a:t>cilj</a:t>
+                </a:r>
+                <a:r>
+                  <a:rPr lang="en-US" dirty="0" smtClean="0"/>
+                  <a:t> u </a:t>
+                </a:r>
+                <a:r>
+                  <a:rPr lang="en-US" dirty="0" err="1" smtClean="0"/>
+                  <a:t>biti</a:t>
+                </a:r>
+                <a:r>
+                  <a:rPr lang="en-US" dirty="0" smtClean="0"/>
+                  <a:t> </a:t>
+                </a:r>
+                <a:r>
+                  <a:rPr lang="en-US" dirty="0" err="1" smtClean="0"/>
+                  <a:t>ostaje</a:t>
+                </a:r>
+                <a:r>
+                  <a:rPr lang="en-US" dirty="0" smtClean="0"/>
+                  <a:t> </a:t>
+                </a:r>
+                <a:r>
+                  <a:rPr lang="en-US" dirty="0" err="1" smtClean="0"/>
+                  <a:t>isti</a:t>
+                </a:r>
+                <a:endParaRPr lang="en-US" dirty="0" smtClean="0"/>
+              </a:p>
+              <a:p>
+                <a:pPr lvl="1"/>
+                <a:r>
+                  <a:rPr lang="en-US" dirty="0" err="1"/>
+                  <a:t>Naučiti</a:t>
+                </a:r>
+                <a:r>
+                  <a:rPr lang="en-US" dirty="0"/>
+                  <a:t> </a:t>
+                </a:r>
+                <a:r>
+                  <a:rPr lang="en-US" dirty="0" err="1"/>
+                  <a:t>preslikavanje</a:t>
+                </a:r>
+                <a:r>
+                  <a:rPr lang="en-US" dirty="0"/>
+                  <a:t> s </a:t>
+                </a:r>
+                <a:r>
+                  <a:rPr lang="en-US" dirty="0" err="1"/>
+                  <a:t>izvorišne</a:t>
+                </a:r>
+                <a:r>
+                  <a:rPr lang="en-US" dirty="0"/>
+                  <a:t> </a:t>
+                </a:r>
+                <a:r>
+                  <a:rPr lang="en-US" dirty="0" err="1"/>
+                  <a:t>domene</a:t>
+                </a:r>
+                <a:r>
+                  <a:rPr lang="en-US" dirty="0"/>
+                  <a:t> </a:t>
+                </a:r>
+                <a14:m>
+                  <m:oMath xmlns:m="http://schemas.openxmlformats.org/officeDocument/2006/math">
+                    <m:r>
+                      <a:rPr lang="hr-HR" dirty="0">
+                        <a:latin typeface="Cambria Math" panose="02040503050406030204" pitchFamily="18" charset="0"/>
+                      </a:rPr>
+                      <m:t>(</m:t>
+                    </m:r>
+                    <m:r>
+                      <a:rPr lang="en-US" i="1" dirty="0" smtClean="0">
+                        <a:latin typeface="Cambria Math" panose="02040503050406030204" pitchFamily="18" charset="0"/>
+                      </a:rPr>
+                      <m:t>𝑋</m:t>
+                    </m:r>
+                    <m:r>
+                      <a:rPr lang="hr-HR" b="0" i="1" dirty="0" smtClean="0">
+                        <a:latin typeface="Cambria Math" panose="02040503050406030204" pitchFamily="18" charset="0"/>
+                      </a:rPr>
+                      <m:t>)</m:t>
+                    </m:r>
+                  </m:oMath>
+                </a14:m>
+                <a:r>
+                  <a:rPr lang="en-US" dirty="0"/>
+                  <a:t> </a:t>
+                </a:r>
+                <a:r>
+                  <a:rPr lang="en-US" dirty="0" err="1"/>
+                  <a:t>na</a:t>
+                </a:r>
+                <a:r>
+                  <a:rPr lang="en-US" dirty="0"/>
+                  <a:t> </a:t>
+                </a:r>
+                <a:r>
+                  <a:rPr lang="en-US" dirty="0" err="1"/>
+                  <a:t>ciljnu</a:t>
+                </a:r>
+                <a:r>
+                  <a:rPr lang="en-US" dirty="0"/>
+                  <a:t> </a:t>
+                </a:r>
+                <a14:m>
+                  <m:oMath xmlns:m="http://schemas.openxmlformats.org/officeDocument/2006/math">
+                    <m:d>
+                      <m:dPr>
+                        <m:ctrlPr>
+                          <a:rPr lang="hr-HR" b="0" i="0" dirty="0" smtClean="0">
+                            <a:latin typeface="Cambria Math" panose="02040503050406030204" pitchFamily="18" charset="0"/>
+                          </a:rPr>
+                        </m:ctrlPr>
+                      </m:dPr>
+                      <m:e>
+                        <m:r>
+                          <a:rPr lang="en-US" i="1" dirty="0" smtClean="0">
+                            <a:latin typeface="Cambria Math" panose="02040503050406030204" pitchFamily="18" charset="0"/>
+                          </a:rPr>
+                          <m:t>𝑌</m:t>
+                        </m:r>
+                      </m:e>
+                    </m:d>
+                    <m:r>
+                      <a:rPr lang="hr-HR" b="0" i="1" dirty="0" smtClean="0">
+                        <a:latin typeface="Cambria Math" panose="02040503050406030204" pitchFamily="18" charset="0"/>
+                      </a:rPr>
+                      <m:t>⇒</m:t>
+                    </m:r>
+                    <m:r>
+                      <a:rPr lang="en-US" i="1" dirty="0" smtClean="0">
+                        <a:latin typeface="Cambria Math" panose="02040503050406030204" pitchFamily="18" charset="0"/>
+                      </a:rPr>
+                      <m:t> </m:t>
+                    </m:r>
+                    <m:r>
+                      <a:rPr lang="en-US" i="1" dirty="0" smtClean="0">
+                        <a:latin typeface="Cambria Math" panose="02040503050406030204" pitchFamily="18" charset="0"/>
+                      </a:rPr>
+                      <m:t>𝐺</m:t>
+                    </m:r>
+                    <m:r>
+                      <a:rPr lang="en-US" i="1" dirty="0" smtClean="0">
+                        <a:latin typeface="Cambria Math" panose="02040503050406030204" pitchFamily="18" charset="0"/>
+                      </a:rPr>
+                      <m:t>:</m:t>
+                    </m:r>
+                    <m:r>
+                      <a:rPr lang="en-US" i="1" dirty="0" smtClean="0">
+                        <a:latin typeface="Cambria Math" panose="02040503050406030204" pitchFamily="18" charset="0"/>
+                      </a:rPr>
+                      <m:t>𝑋</m:t>
+                    </m:r>
+                    <m:r>
+                      <a:rPr lang="hr-HR" b="0" i="1" dirty="0" smtClean="0">
+                        <a:latin typeface="Cambria Math" panose="02040503050406030204" pitchFamily="18" charset="0"/>
+                      </a:rPr>
+                      <m:t>→</m:t>
+                    </m:r>
+                    <m:r>
+                      <a:rPr lang="en-US" i="1" dirty="0" smtClean="0">
+                        <a:latin typeface="Cambria Math" panose="02040503050406030204" pitchFamily="18" charset="0"/>
+                      </a:rPr>
+                      <m:t>𝑌</m:t>
+                    </m:r>
+                  </m:oMath>
+                </a14:m>
+                <a:endParaRPr lang="en-US" dirty="0"/>
+              </a:p>
+              <a:p>
+                <a:pPr marL="457200" lvl="1" indent="0">
+                  <a:buNone/>
+                </a:pPr>
+                <a:r>
+                  <a:rPr lang="en-US" dirty="0" err="1"/>
+                  <a:t>takvo</a:t>
+                </a:r>
+                <a:r>
+                  <a:rPr lang="en-US" dirty="0"/>
+                  <a:t> da </a:t>
+                </a:r>
+                <a:r>
+                  <a:rPr lang="en-US" dirty="0" err="1"/>
+                  <a:t>nije</a:t>
+                </a:r>
+                <a:r>
+                  <a:rPr lang="en-US" dirty="0"/>
+                  <a:t> </a:t>
+                </a:r>
+                <a:r>
+                  <a:rPr lang="en-US" dirty="0" err="1"/>
+                  <a:t>moguće</a:t>
+                </a:r>
+                <a:r>
+                  <a:rPr lang="en-US" dirty="0"/>
+                  <a:t> </a:t>
+                </a:r>
+                <a:r>
+                  <a:rPr lang="en-US" dirty="0" err="1"/>
+                  <a:t>razlikovati</a:t>
+                </a:r>
+                <a:r>
+                  <a:rPr lang="en-US" dirty="0"/>
+                  <a:t> </a:t>
+                </a:r>
+                <a:r>
+                  <a:rPr lang="en-US" dirty="0" err="1"/>
+                  <a:t>distribuciju</a:t>
+                </a:r>
+                <a:r>
+                  <a:rPr lang="en-US" dirty="0"/>
+                  <a:t> </a:t>
+                </a:r>
+                <a14:m>
+                  <m:oMath xmlns:m="http://schemas.openxmlformats.org/officeDocument/2006/math">
+                    <m:r>
+                      <a:rPr lang="en-US" i="1" dirty="0" smtClean="0">
+                        <a:latin typeface="Cambria Math" panose="02040503050406030204" pitchFamily="18" charset="0"/>
+                      </a:rPr>
+                      <m:t>𝐺</m:t>
+                    </m:r>
+                    <m:r>
+                      <a:rPr lang="en-US" i="1" dirty="0" smtClean="0">
+                        <a:latin typeface="Cambria Math" panose="02040503050406030204" pitchFamily="18" charset="0"/>
+                      </a:rPr>
+                      <m:t>(</m:t>
+                    </m:r>
+                    <m:r>
+                      <a:rPr lang="en-US" i="1" dirty="0" smtClean="0">
+                        <a:latin typeface="Cambria Math" panose="02040503050406030204" pitchFamily="18" charset="0"/>
+                      </a:rPr>
+                      <m:t>𝑋</m:t>
+                    </m:r>
+                    <m:r>
+                      <a:rPr lang="en-US" i="1" dirty="0" smtClean="0">
+                        <a:latin typeface="Cambria Math" panose="02040503050406030204" pitchFamily="18" charset="0"/>
+                      </a:rPr>
+                      <m:t>)</m:t>
+                    </m:r>
+                  </m:oMath>
+                </a14:m>
+                <a:r>
+                  <a:rPr lang="en-US" dirty="0"/>
+                  <a:t> od </a:t>
+                </a:r>
+                <a:r>
+                  <a:rPr lang="en-US" dirty="0" err="1"/>
+                  <a:t>distribucije</a:t>
+                </a:r>
+                <a:r>
+                  <a:rPr lang="en-US" dirty="0"/>
+                  <a:t> </a:t>
+                </a:r>
+                <a14:m>
+                  <m:oMath xmlns:m="http://schemas.openxmlformats.org/officeDocument/2006/math">
+                    <m:r>
+                      <a:rPr lang="en-US" i="1" dirty="0">
+                        <a:latin typeface="Cambria Math" panose="02040503050406030204" pitchFamily="18" charset="0"/>
+                      </a:rPr>
+                      <m:t>𝑌</m:t>
+                    </m:r>
+                  </m:oMath>
+                </a14:m>
+                <a:endParaRPr lang="en-US" dirty="0" smtClean="0"/>
+              </a:p>
+              <a:p>
+                <a:pPr marL="457200" lvl="1" indent="0">
+                  <a:buNone/>
+                </a:pPr>
+                <a:endParaRPr lang="en-US" dirty="0"/>
+              </a:p>
+              <a:p>
+                <a:r>
+                  <a:rPr lang="en-US" dirty="0" smtClean="0"/>
+                  <a:t>Problem</a:t>
+                </a:r>
+              </a:p>
+              <a:p>
+                <a:pPr lvl="1"/>
+                <a:r>
+                  <a:rPr lang="hr-HR" dirty="0" err="1"/>
+                  <a:t>C</a:t>
+                </a:r>
+                <a:r>
+                  <a:rPr lang="en-US" dirty="0" err="1" smtClean="0"/>
+                  <a:t>ilj</a:t>
+                </a:r>
+                <a:r>
+                  <a:rPr lang="en-US" dirty="0" smtClean="0"/>
+                  <a:t> </a:t>
+                </a:r>
+                <a:r>
+                  <a:rPr lang="en-US" dirty="0" smtClean="0"/>
+                  <a:t>je </a:t>
+                </a:r>
+                <a:r>
+                  <a:rPr lang="en-US" dirty="0" err="1" smtClean="0"/>
+                  <a:t>vrlo</a:t>
+                </a:r>
+                <a:r>
+                  <a:rPr lang="en-US" dirty="0" smtClean="0"/>
+                  <a:t> </a:t>
+                </a:r>
+                <a:r>
+                  <a:rPr lang="en-US" dirty="0" err="1" smtClean="0"/>
+                  <a:t>nespecifičan</a:t>
+                </a:r>
+                <a:endParaRPr lang="en-US" dirty="0" smtClean="0"/>
+              </a:p>
+              <a:p>
+                <a:pPr lvl="1"/>
+                <a:r>
+                  <a:rPr lang="hr-HR" dirty="0" smtClean="0"/>
+                  <a:t>Potrebna su nam dodatna ograničenja</a:t>
+                </a:r>
+                <a:endParaRPr lang="en-US" dirty="0" smtClean="0"/>
+              </a:p>
+              <a:p>
+                <a:endParaRPr lang="en-US" dirty="0" smtClean="0"/>
+              </a:p>
+              <a:p>
+                <a:endParaRPr lang="en-US" dirty="0" smtClean="0"/>
+              </a:p>
+            </p:txBody>
+          </p:sp>
+        </mc:Choice>
+        <mc:Fallback>
+          <p:sp>
+            <p:nvSpPr>
+              <p:cNvPr id="3" name="Content Placeholder 2"/>
+              <p:cNvSpPr>
+                <a:spLocks noGrp="1" noRot="1" noChangeAspect="1" noMove="1" noResize="1" noEditPoints="1" noAdjustHandles="1" noChangeArrowheads="1" noChangeShapeType="1" noTextEdit="1"/>
+              </p:cNvSpPr>
+              <p:nvPr>
+                <p:ph idx="1"/>
+              </p:nvPr>
+            </p:nvSpPr>
+            <p:spPr>
+              <a:blipFill>
+                <a:blip r:embed="rId2"/>
+                <a:stretch>
+                  <a:fillRect l="-341" t="-872"/>
+                </a:stretch>
+              </a:blipFill>
+            </p:spPr>
+            <p:txBody>
+              <a:bodyPr/>
+              <a:lstStyle/>
+              <a:p>
+                <a:r>
+                  <a:rPr lang="hr-HR">
+                    <a:noFill/>
+                  </a:rPr>
+                  <a:t> </a:t>
+                </a:r>
+              </a:p>
+            </p:txBody>
+          </p:sp>
+        </mc:Fallback>
+      </mc:AlternateContent>
     </p:spTree>
     <p:extLst>
       <p:ext uri="{BB962C8B-B14F-4D97-AF65-F5344CB8AC3E}">
@@ -6987,197 +7124,256 @@
           </a:p>
         </p:txBody>
       </p:sp>
-      <p:sp>
-        <p:nvSpPr>
-          <p:cNvPr id="3" name="Content Placeholder 2"/>
-          <p:cNvSpPr>
-            <a:spLocks noGrp="1"/>
-          </p:cNvSpPr>
-          <p:nvPr>
-            <p:ph idx="1"/>
-          </p:nvPr>
-        </p:nvSpPr>
-        <p:spPr/>
-        <p:txBody>
-          <a:bodyPr/>
-          <a:lstStyle/>
-          <a:p>
-            <a:r>
-              <a:rPr lang="en-US" dirty="0" err="1" smtClean="0"/>
-              <a:t>Uvode</a:t>
-            </a:r>
-            <a:r>
-              <a:rPr lang="en-US" dirty="0" smtClean="0"/>
-              <a:t> </a:t>
-            </a:r>
-            <a:r>
-              <a:rPr lang="en-US" dirty="0" err="1" smtClean="0"/>
-              <a:t>uvjet</a:t>
-            </a:r>
-            <a:r>
-              <a:rPr lang="en-US" dirty="0" smtClean="0"/>
-              <a:t> </a:t>
-            </a:r>
-            <a:r>
-              <a:rPr lang="en-US" dirty="0" err="1" smtClean="0"/>
-              <a:t>tranzitivnosti</a:t>
-            </a:r>
-            <a:r>
-              <a:rPr lang="en-US" dirty="0" smtClean="0"/>
-              <a:t> </a:t>
-            </a:r>
-            <a:r>
-              <a:rPr lang="en-US" dirty="0" err="1" smtClean="0"/>
-              <a:t>nad</a:t>
-            </a:r>
-            <a:r>
-              <a:rPr lang="en-US" dirty="0" smtClean="0"/>
-              <a:t> </a:t>
-            </a:r>
-            <a:r>
-              <a:rPr lang="en-US" dirty="0" err="1" smtClean="0"/>
-              <a:t>ciljnom</a:t>
-            </a:r>
-            <a:r>
-              <a:rPr lang="en-US" dirty="0" smtClean="0"/>
-              <a:t> </a:t>
-            </a:r>
-            <a:r>
-              <a:rPr lang="en-US" dirty="0" err="1" smtClean="0"/>
-              <a:t>funkcijom</a:t>
-            </a:r>
-            <a:endParaRPr lang="en-US" dirty="0" smtClean="0"/>
-          </a:p>
-          <a:p>
-            <a:endParaRPr lang="en-US" dirty="0" smtClean="0"/>
-          </a:p>
-          <a:p>
-            <a:r>
-              <a:rPr lang="en-US" dirty="0" err="1" smtClean="0"/>
-              <a:t>Efektivno</a:t>
-            </a:r>
-            <a:r>
-              <a:rPr lang="en-US" dirty="0" smtClean="0"/>
-              <a:t> </a:t>
-            </a:r>
-            <a:r>
-              <a:rPr lang="en-US" dirty="0" err="1" smtClean="0"/>
-              <a:t>vrše</a:t>
-            </a:r>
-            <a:r>
-              <a:rPr lang="en-US" dirty="0" smtClean="0"/>
-              <a:t> </a:t>
-            </a:r>
-            <a:r>
-              <a:rPr lang="en-US" dirty="0" err="1" smtClean="0"/>
-              <a:t>regularizaciju</a:t>
-            </a:r>
-            <a:endParaRPr lang="en-US" dirty="0" smtClean="0"/>
-          </a:p>
-          <a:p>
-            <a:endParaRPr lang="en-US" dirty="0" smtClean="0"/>
-          </a:p>
-          <a:p>
-            <a:r>
-              <a:rPr lang="en-US" dirty="0" err="1" smtClean="0"/>
-              <a:t>Uz</a:t>
-            </a:r>
-            <a:r>
-              <a:rPr lang="en-US" dirty="0" smtClean="0"/>
-              <a:t> </a:t>
-            </a:r>
-            <a:r>
-              <a:rPr lang="en-US" dirty="0" err="1" smtClean="0"/>
-              <a:t>inverz</a:t>
-            </a:r>
-            <a:r>
-              <a:rPr lang="en-US" dirty="0" smtClean="0"/>
-              <a:t> G-a =&gt; F : Y </a:t>
-            </a:r>
-            <a:r>
-              <a:rPr lang="mr-IN" dirty="0" smtClean="0"/>
-              <a:t>–</a:t>
-            </a:r>
-            <a:r>
-              <a:rPr lang="en-US" dirty="0" smtClean="0"/>
-              <a:t>&gt; X</a:t>
-            </a:r>
-          </a:p>
-          <a:p>
-            <a:pPr lvl="1"/>
-            <a:r>
-              <a:rPr lang="en-US" dirty="0" err="1" smtClean="0"/>
-              <a:t>Funkciju</a:t>
-            </a:r>
-            <a:r>
-              <a:rPr lang="en-US" dirty="0" smtClean="0"/>
-              <a:t> </a:t>
-            </a:r>
-            <a:r>
-              <a:rPr lang="en-US" dirty="0" err="1" smtClean="0"/>
-              <a:t>gubitka</a:t>
-            </a:r>
-            <a:r>
-              <a:rPr lang="en-US" dirty="0" smtClean="0"/>
-              <a:t> </a:t>
-            </a:r>
-            <a:r>
-              <a:rPr lang="en-US" dirty="0" err="1" smtClean="0"/>
-              <a:t>proširuju</a:t>
-            </a:r>
-            <a:r>
-              <a:rPr lang="en-US" dirty="0" smtClean="0"/>
-              <a:t> </a:t>
-            </a:r>
-            <a:r>
-              <a:rPr lang="en-US" dirty="0" err="1" smtClean="0"/>
-              <a:t>gubitkom</a:t>
-            </a:r>
-            <a:r>
-              <a:rPr lang="en-US" dirty="0" smtClean="0"/>
-              <a:t> </a:t>
-            </a:r>
-            <a:r>
-              <a:rPr lang="en-US" dirty="0" err="1" smtClean="0"/>
-              <a:t>cikličke</a:t>
-            </a:r>
-            <a:r>
-              <a:rPr lang="en-US" dirty="0" smtClean="0"/>
-              <a:t> </a:t>
-            </a:r>
-            <a:r>
-              <a:rPr lang="en-US" dirty="0" err="1" smtClean="0"/>
-              <a:t>dosljednosti</a:t>
-            </a:r>
-            <a:r>
-              <a:rPr lang="en-US" dirty="0" smtClean="0"/>
-              <a:t>:</a:t>
-            </a:r>
-          </a:p>
-          <a:p>
-            <a:pPr marL="457200" lvl="1" indent="0">
-              <a:buNone/>
-            </a:pPr>
-            <a:r>
-              <a:rPr lang="en-US" dirty="0" smtClean="0"/>
-              <a:t>	F(G(X)) = </a:t>
-            </a:r>
-            <a:r>
-              <a:rPr lang="en-US" dirty="0" err="1" smtClean="0"/>
-              <a:t>cca</a:t>
-            </a:r>
-            <a:r>
-              <a:rPr lang="en-US" dirty="0" smtClean="0"/>
-              <a:t> </a:t>
-            </a:r>
-            <a:r>
-              <a:rPr lang="en-US" dirty="0" smtClean="0"/>
-              <a:t>X</a:t>
-            </a:r>
-            <a:endParaRPr lang="en-US" dirty="0" smtClean="0"/>
-          </a:p>
-        </p:txBody>
-      </p:sp>
+      <mc:AlternateContent xmlns:mc="http://schemas.openxmlformats.org/markup-compatibility/2006">
+        <mc:Choice xmlns:a14="http://schemas.microsoft.com/office/drawing/2010/main" Requires="a14">
+          <p:sp>
+            <p:nvSpPr>
+              <p:cNvPr id="3" name="Content Placeholder 2"/>
+              <p:cNvSpPr>
+                <a:spLocks noGrp="1"/>
+              </p:cNvSpPr>
+              <p:nvPr>
+                <p:ph idx="1"/>
+              </p:nvPr>
+            </p:nvSpPr>
+            <p:spPr/>
+            <p:txBody>
+              <a:bodyPr>
+                <a:normAutofit/>
+              </a:bodyPr>
+              <a:lstStyle/>
+              <a:p>
+                <a:r>
+                  <a:rPr lang="hr-HR" dirty="0" smtClean="0"/>
+                  <a:t>Uz preslikavanje </a:t>
+                </a:r>
+                <a14:m>
+                  <m:oMath xmlns:m="http://schemas.openxmlformats.org/officeDocument/2006/math">
+                    <m:r>
+                      <a:rPr lang="en-US" i="1" dirty="0">
+                        <a:latin typeface="Cambria Math" panose="02040503050406030204" pitchFamily="18" charset="0"/>
+                      </a:rPr>
+                      <m:t>𝐺</m:t>
+                    </m:r>
+                    <m:r>
+                      <a:rPr lang="en-US" i="1" dirty="0">
+                        <a:latin typeface="Cambria Math" panose="02040503050406030204" pitchFamily="18" charset="0"/>
+                      </a:rPr>
+                      <m:t>:</m:t>
+                    </m:r>
+                    <m:r>
+                      <a:rPr lang="en-US" i="1" dirty="0">
+                        <a:latin typeface="Cambria Math" panose="02040503050406030204" pitchFamily="18" charset="0"/>
+                      </a:rPr>
+                      <m:t>𝑋</m:t>
+                    </m:r>
+                    <m:r>
+                      <a:rPr lang="hr-HR" i="1" dirty="0">
+                        <a:latin typeface="Cambria Math" panose="02040503050406030204" pitchFamily="18" charset="0"/>
+                      </a:rPr>
+                      <m:t>→</m:t>
+                    </m:r>
+                    <m:r>
+                      <a:rPr lang="en-US" i="1" dirty="0">
+                        <a:latin typeface="Cambria Math" panose="02040503050406030204" pitchFamily="18" charset="0"/>
+                      </a:rPr>
+                      <m:t>𝑌</m:t>
+                    </m:r>
+                  </m:oMath>
+                </a14:m>
+                <a:r>
+                  <a:rPr lang="hr-HR" dirty="0" smtClean="0"/>
+                  <a:t> uče i njegov inverz </a:t>
+                </a:r>
+                <a14:m>
+                  <m:oMath xmlns:m="http://schemas.openxmlformats.org/officeDocument/2006/math">
+                    <m:r>
+                      <a:rPr lang="en-US" i="1" dirty="0">
+                        <a:latin typeface="Cambria Math" panose="02040503050406030204" pitchFamily="18" charset="0"/>
+                      </a:rPr>
+                      <m:t>𝐹</m:t>
+                    </m:r>
+                    <m:r>
+                      <a:rPr lang="hr-HR" i="1" dirty="0">
+                        <a:latin typeface="Cambria Math" panose="02040503050406030204" pitchFamily="18" charset="0"/>
+                      </a:rPr>
+                      <m:t>: </m:t>
+                    </m:r>
+                    <m:r>
+                      <a:rPr lang="en-US" i="1" dirty="0">
+                        <a:latin typeface="Cambria Math" panose="02040503050406030204" pitchFamily="18" charset="0"/>
+                      </a:rPr>
+                      <m:t>𝑌</m:t>
+                    </m:r>
+                    <m:r>
+                      <a:rPr lang="hr-HR" i="1" dirty="0">
+                        <a:latin typeface="Cambria Math" panose="02040503050406030204" pitchFamily="18" charset="0"/>
+                      </a:rPr>
+                      <m:t>→</m:t>
+                    </m:r>
+                    <m:r>
+                      <a:rPr lang="en-US" i="1" dirty="0">
+                        <a:latin typeface="Cambria Math" panose="02040503050406030204" pitchFamily="18" charset="0"/>
+                      </a:rPr>
+                      <m:t>𝑋</m:t>
+                    </m:r>
+                  </m:oMath>
+                </a14:m>
+                <a:endParaRPr lang="en-US" dirty="0"/>
+              </a:p>
+              <a:p>
+                <a:endParaRPr lang="hr-HR" dirty="0" smtClean="0"/>
+              </a:p>
+              <a:p>
+                <a:r>
+                  <a:rPr lang="hr-HR" dirty="0" smtClean="0"/>
+                  <a:t>Uvjet </a:t>
+                </a:r>
+                <a:r>
+                  <a:rPr lang="en-US" dirty="0" err="1" smtClean="0"/>
+                  <a:t>cikličke</a:t>
+                </a:r>
+                <a:r>
+                  <a:rPr lang="en-US" dirty="0" smtClean="0"/>
+                  <a:t> </a:t>
+                </a:r>
+                <a:r>
+                  <a:rPr lang="en-US" dirty="0" err="1"/>
+                  <a:t>dosljednosti</a:t>
+                </a:r>
+                <a:r>
+                  <a:rPr lang="hr-HR" dirty="0" smtClean="0"/>
+                  <a:t> </a:t>
+                </a:r>
+                <a14:m>
+                  <m:oMath xmlns:m="http://schemas.openxmlformats.org/officeDocument/2006/math">
+                    <m:r>
+                      <a:rPr lang="hr-HR" i="1" dirty="0" smtClean="0">
+                        <a:latin typeface="Cambria Math" panose="02040503050406030204" pitchFamily="18" charset="0"/>
+                      </a:rPr>
+                      <m:t>𝑥</m:t>
+                    </m:r>
+                    <m:r>
+                      <a:rPr lang="hr-HR" b="0" i="1" dirty="0" smtClean="0">
+                        <a:latin typeface="Cambria Math" panose="02040503050406030204" pitchFamily="18" charset="0"/>
+                      </a:rPr>
+                      <m:t> →</m:t>
+                    </m:r>
+                    <m:r>
+                      <a:rPr lang="hr-HR" b="0" i="1" dirty="0" smtClean="0">
+                        <a:latin typeface="Cambria Math" panose="02040503050406030204" pitchFamily="18" charset="0"/>
+                      </a:rPr>
+                      <m:t>𝐺</m:t>
+                    </m:r>
+                    <m:d>
+                      <m:dPr>
+                        <m:ctrlPr>
+                          <a:rPr lang="hr-HR" b="0" i="1" dirty="0" smtClean="0">
+                            <a:latin typeface="Cambria Math" panose="02040503050406030204" pitchFamily="18" charset="0"/>
+                          </a:rPr>
+                        </m:ctrlPr>
+                      </m:dPr>
+                      <m:e>
+                        <m:r>
+                          <a:rPr lang="hr-HR" b="0" i="1" dirty="0" smtClean="0">
+                            <a:latin typeface="Cambria Math" panose="02040503050406030204" pitchFamily="18" charset="0"/>
+                          </a:rPr>
+                          <m:t>𝑥</m:t>
+                        </m:r>
+                      </m:e>
+                    </m:d>
+                    <m:r>
+                      <a:rPr lang="hr-HR" b="0" i="1" dirty="0" smtClean="0">
+                        <a:latin typeface="Cambria Math" panose="02040503050406030204" pitchFamily="18" charset="0"/>
+                      </a:rPr>
+                      <m:t>→</m:t>
+                    </m:r>
+                    <m:r>
+                      <a:rPr lang="en-US" i="1" dirty="0">
+                        <a:latin typeface="Cambria Math" panose="02040503050406030204" pitchFamily="18" charset="0"/>
+                      </a:rPr>
+                      <m:t>𝐹</m:t>
+                    </m:r>
+                    <m:r>
+                      <a:rPr lang="en-US" i="1" dirty="0">
+                        <a:latin typeface="Cambria Math" panose="02040503050406030204" pitchFamily="18" charset="0"/>
+                      </a:rPr>
+                      <m:t>(</m:t>
+                    </m:r>
+                    <m:r>
+                      <a:rPr lang="en-US" i="1" dirty="0">
+                        <a:latin typeface="Cambria Math" panose="02040503050406030204" pitchFamily="18" charset="0"/>
+                      </a:rPr>
+                      <m:t>𝐺</m:t>
+                    </m:r>
+                    <m:r>
+                      <a:rPr lang="en-US" i="1" dirty="0">
+                        <a:latin typeface="Cambria Math" panose="02040503050406030204" pitchFamily="18" charset="0"/>
+                      </a:rPr>
+                      <m:t>(</m:t>
+                    </m:r>
+                    <m:r>
+                      <a:rPr lang="hr-HR" b="0" i="1" dirty="0" smtClean="0">
+                        <a:latin typeface="Cambria Math" panose="02040503050406030204" pitchFamily="18" charset="0"/>
+                      </a:rPr>
+                      <m:t>𝑥</m:t>
+                    </m:r>
+                    <m:r>
+                      <a:rPr lang="en-US" i="1" dirty="0">
+                        <a:latin typeface="Cambria Math" panose="02040503050406030204" pitchFamily="18" charset="0"/>
+                      </a:rPr>
+                      <m:t>))≈</m:t>
+                    </m:r>
+                    <m:r>
+                      <a:rPr lang="hr-HR" b="0" i="1" dirty="0" smtClean="0">
+                        <a:latin typeface="Cambria Math" panose="02040503050406030204" pitchFamily="18" charset="0"/>
+                      </a:rPr>
+                      <m:t>𝑥</m:t>
+                    </m:r>
+                  </m:oMath>
+                </a14:m>
+                <a:endParaRPr lang="hr-HR" dirty="0" smtClean="0"/>
+              </a:p>
+              <a:p>
+                <a:endParaRPr lang="hr-HR" dirty="0" smtClean="0"/>
+              </a:p>
+            </p:txBody>
+          </p:sp>
+        </mc:Choice>
+        <mc:Fallback>
+          <p:sp>
+            <p:nvSpPr>
+              <p:cNvPr id="3" name="Content Placeholder 2"/>
+              <p:cNvSpPr>
+                <a:spLocks noGrp="1" noRot="1" noChangeAspect="1" noMove="1" noResize="1" noEditPoints="1" noAdjustHandles="1" noChangeArrowheads="1" noChangeShapeType="1" noTextEdit="1"/>
+              </p:cNvSpPr>
+              <p:nvPr>
+                <p:ph idx="1"/>
+              </p:nvPr>
+            </p:nvSpPr>
+            <p:spPr>
+              <a:blipFill>
+                <a:blip r:embed="rId2"/>
+                <a:stretch>
+                  <a:fillRect l="-341" t="-872"/>
+                </a:stretch>
+              </a:blipFill>
+            </p:spPr>
+            <p:txBody>
+              <a:bodyPr/>
+              <a:lstStyle/>
+              <a:p>
+                <a:r>
+                  <a:rPr lang="hr-HR">
+                    <a:noFill/>
+                  </a:rPr>
+                  <a:t> </a:t>
+                </a:r>
+              </a:p>
+            </p:txBody>
+          </p:sp>
+        </mc:Fallback>
+      </mc:AlternateContent>
       <p:sp>
         <p:nvSpPr>
           <p:cNvPr id="4" name="TextBox 3"/>
@@ -7186,8 +7382,8 @@
         </p:nvSpPr>
         <p:spPr>
           <a:xfrm>
-            <a:off x="1103312" y="6155681"/>
-            <a:ext cx="9961123" cy="584775"/>
+            <a:off x="646111" y="6444688"/>
+            <a:ext cx="10864738" cy="338554"/>
           </a:xfrm>
           <a:prstGeom prst="rect">
             <a:avLst/>
@@ -7202,55 +7398,83 @@
           <a:p>
             <a:r>
               <a:rPr lang="en-US" sz="1600" dirty="0" smtClean="0"/>
-              <a:t>Jun-Yan </a:t>
+              <a:t>Unpaired </a:t>
             </a:r>
             <a:r>
               <a:rPr lang="en-US" sz="1600" dirty="0"/>
-              <a:t>Zhu, </a:t>
-            </a:r>
-            <a:r>
-              <a:rPr lang="en-US" sz="1600" dirty="0" err="1"/>
-              <a:t>Taesung</a:t>
+              <a:t>image-to-image translation using cycle-consistent adversarial networks. </a:t>
+            </a:r>
+            <a:r>
+              <a:rPr lang="en-US" sz="1600" dirty="0" smtClean="0"/>
+              <a:t>arXiv:1703.10593</a:t>
             </a:r>
             <a:r>
               <a:rPr lang="en-US" sz="1600" dirty="0"/>
-              <a:t> Park, Phillip </a:t>
-            </a:r>
-            <a:r>
-              <a:rPr lang="en-US" sz="1600" dirty="0" err="1"/>
-              <a:t>Isola</a:t>
-            </a:r>
-            <a:r>
-              <a:rPr lang="en-US" sz="1600" dirty="0"/>
-              <a:t>, </a:t>
-            </a:r>
-            <a:r>
-              <a:rPr lang="en-US" sz="1600" dirty="0" err="1"/>
-              <a:t>i</a:t>
-            </a:r>
-            <a:r>
-              <a:rPr lang="en-US" sz="1600" dirty="0"/>
-              <a:t> Alexei A </a:t>
-            </a:r>
-            <a:r>
-              <a:rPr lang="en-US" sz="1600" dirty="0" err="1"/>
-              <a:t>Efros</a:t>
-            </a:r>
-            <a:r>
-              <a:rPr lang="en-US" sz="1600" dirty="0"/>
-              <a:t>. Unpaired image-to-image translation using cycle-consistent adversarial networks. </a:t>
-            </a:r>
-            <a:r>
-              <a:rPr lang="en-US" sz="1600" dirty="0" err="1"/>
-              <a:t>arXiv</a:t>
-            </a:r>
-            <a:r>
-              <a:rPr lang="en-US" sz="1600" dirty="0"/>
-              <a:t> pre-print arXiv:1703.10593, 2017.</a:t>
-            </a:r>
-          </a:p>
-        </p:txBody>
-      </p:sp>
+              <a:t>, 2017.</a:t>
+            </a:r>
+          </a:p>
+        </p:txBody>
+      </p:sp>
+      <p:pic>
+        <p:nvPicPr>
+          <p:cNvPr id="5" name="Picture 4"/>
+          <p:cNvPicPr>
+            <a:picLocks noChangeAspect="1"/>
+          </p:cNvPicPr>
+          <p:nvPr/>
+        </p:nvPicPr>
+        <p:blipFill>
+          <a:blip r:embed="rId3">
+            <a:extLst>
+              <a:ext uri="{28A0092B-C50C-407E-A947-70E740481C1C}">
+                <a14:useLocalDpi xmlns:a14="http://schemas.microsoft.com/office/drawing/2010/main" val="0"/>
+              </a:ext>
+            </a:extLst>
+          </a:blip>
+          <a:stretch>
+            <a:fillRect/>
+          </a:stretch>
+        </p:blipFill>
+        <p:spPr>
+          <a:xfrm>
+            <a:off x="646111" y="3547205"/>
+            <a:ext cx="5399089" cy="2701194"/>
+          </a:xfrm>
+          <a:prstGeom prst="rect">
+            <a:avLst/>
+          </a:prstGeom>
+        </p:spPr>
+      </p:pic>
+      <p:pic>
+        <p:nvPicPr>
+          <p:cNvPr id="6" name="Picture 5"/>
+          <p:cNvPicPr>
+            <a:picLocks noChangeAspect="1"/>
+          </p:cNvPicPr>
+          <p:nvPr/>
+        </p:nvPicPr>
+        <p:blipFill>
+          <a:blip r:embed="rId4">
+            <a:extLst>
+              <a:ext uri="{28A0092B-C50C-407E-A947-70E740481C1C}">
+                <a14:useLocalDpi xmlns:a14="http://schemas.microsoft.com/office/drawing/2010/main" val="0"/>
+              </a:ext>
+            </a:extLst>
+          </a:blip>
+          <a:stretch>
+            <a:fillRect/>
+          </a:stretch>
+        </p:blipFill>
+        <p:spPr>
+          <a:xfrm>
+            <a:off x="6337300" y="3552966"/>
+            <a:ext cx="5246640" cy="2695433"/>
+          </a:xfrm>
+          <a:prstGeom prst="rect">
+            <a:avLst/>
+          </a:prstGeom>
+        </p:spPr>
+      </p:pic>
     </p:spTree>
     <p:extLst>
       <p:ext uri="{BB962C8B-B14F-4D97-AF65-F5344CB8AC3E}">
@@ -7312,8 +7536,8 @@
         </p:blipFill>
         <p:spPr>
           <a:xfrm>
-            <a:off x="3679556" y="1396536"/>
-            <a:ext cx="4637618" cy="5203769"/>
+            <a:off x="6613256" y="1396537"/>
+            <a:ext cx="4537344" cy="5091254"/>
           </a:xfrm>
         </p:spPr>
       </p:pic>
@@ -7359,14 +7583,14 @@
       </p:sp>
       <p:sp>
         <p:nvSpPr>
-          <p:cNvPr id="5" name="TextBox 4"/>
+          <p:cNvPr id="6" name="TextBox 5"/>
           <p:cNvSpPr txBox="1"/>
           <p:nvPr/>
         </p:nvSpPr>
         <p:spPr>
           <a:xfrm>
-            <a:off x="1103312" y="6155681"/>
-            <a:ext cx="9961123" cy="584775"/>
+            <a:off x="646111" y="6444688"/>
+            <a:ext cx="10864738" cy="338554"/>
           </a:xfrm>
           <a:prstGeom prst="rect">
             <a:avLst/>
@@ -7381,52 +7605,294 @@
           <a:p>
             <a:r>
               <a:rPr lang="en-US" sz="1600" dirty="0" smtClean="0"/>
-              <a:t>Jun-Yan </a:t>
+              <a:t>Unpaired </a:t>
             </a:r>
             <a:r>
               <a:rPr lang="en-US" sz="1600" dirty="0"/>
-              <a:t>Zhu, </a:t>
-            </a:r>
-            <a:r>
-              <a:rPr lang="en-US" sz="1600" dirty="0" err="1"/>
-              <a:t>Taesung</a:t>
+              <a:t>image-to-image translation using cycle-consistent adversarial networks. </a:t>
+            </a:r>
+            <a:r>
+              <a:rPr lang="en-US" sz="1600" dirty="0" smtClean="0"/>
+              <a:t>arXiv:1703.10593</a:t>
             </a:r>
             <a:r>
               <a:rPr lang="en-US" sz="1600" dirty="0"/>
-              <a:t> Park, Phillip </a:t>
-            </a:r>
-            <a:r>
-              <a:rPr lang="en-US" sz="1600" dirty="0" err="1"/>
-              <a:t>Isola</a:t>
-            </a:r>
-            <a:r>
-              <a:rPr lang="en-US" sz="1600" dirty="0"/>
-              <a:t>, </a:t>
-            </a:r>
-            <a:r>
-              <a:rPr lang="en-US" sz="1600" dirty="0" err="1"/>
-              <a:t>i</a:t>
-            </a:r>
-            <a:r>
-              <a:rPr lang="en-US" sz="1600" dirty="0"/>
-              <a:t> Alexei A </a:t>
-            </a:r>
-            <a:r>
-              <a:rPr lang="en-US" sz="1600" dirty="0" err="1"/>
-              <a:t>Efros</a:t>
-            </a:r>
-            <a:r>
-              <a:rPr lang="en-US" sz="1600" dirty="0"/>
-              <a:t>. Unpaired image-to-image translation using cycle-consistent adversarial networks. </a:t>
-            </a:r>
-            <a:r>
-              <a:rPr lang="en-US" sz="1600" dirty="0" err="1"/>
-              <a:t>arXiv</a:t>
-            </a:r>
-            <a:r>
-              <a:rPr lang="en-US" sz="1600" dirty="0"/>
-              <a:t> pre-print arXiv:1703.10593, 2017.</a:t>
-            </a:r>
+              <a:t>, 2017.</a:t>
+            </a:r>
+          </a:p>
+        </p:txBody>
+      </p:sp>
+      <p:sp>
+        <p:nvSpPr>
+          <p:cNvPr id="7" name="Content Placeholder 2"/>
+          <p:cNvSpPr txBox="1">
+            <a:spLocks/>
+          </p:cNvSpPr>
+          <p:nvPr/>
+        </p:nvSpPr>
+        <p:spPr>
+          <a:xfrm>
+            <a:off x="1103312" y="2052918"/>
+            <a:ext cx="8946541" cy="4195481"/>
+          </a:xfrm>
+          <a:prstGeom prst="rect">
+            <a:avLst/>
+          </a:prstGeom>
+        </p:spPr>
+        <p:txBody>
+          <a:bodyPr vert="horz" lIns="91440" tIns="45720" rIns="91440" bIns="45720" rtlCol="0">
+            <a:normAutofit/>
+          </a:bodyPr>
+          <a:lstStyle>
+            <a:lvl1pPr marL="342900" indent="-342900" algn="l" defTabSz="457200" rtl="0" eaLnBrk="1" latinLnBrk="0" hangingPunct="1">
+              <a:spcBef>
+                <a:spcPts val="1000"/>
+              </a:spcBef>
+              <a:spcAft>
+                <a:spcPts val="0"/>
+              </a:spcAft>
+              <a:buClr>
+                <a:schemeClr val="accent1"/>
+              </a:buClr>
+              <a:buSzPct val="80000"/>
+              <a:buFont typeface="Wingdings 3" charset="2"/>
+              <a:buChar char=""/>
+              <a:defRPr sz="2000" b="0" i="0" kern="1200">
+                <a:solidFill>
+                  <a:schemeClr val="tx1"/>
+                </a:solidFill>
+                <a:latin typeface="+mj-lt"/>
+                <a:ea typeface="+mj-ea"/>
+                <a:cs typeface="+mj-cs"/>
+              </a:defRPr>
+            </a:lvl1pPr>
+            <a:lvl2pPr marL="742950" indent="-285750" algn="l" defTabSz="457200" rtl="0" eaLnBrk="1" latinLnBrk="0" hangingPunct="1">
+              <a:spcBef>
+                <a:spcPts val="1000"/>
+              </a:spcBef>
+              <a:spcAft>
+                <a:spcPts val="0"/>
+              </a:spcAft>
+              <a:buClr>
+                <a:schemeClr val="accent1"/>
+              </a:buClr>
+              <a:buSzPct val="80000"/>
+              <a:buFont typeface="Wingdings 3" charset="2"/>
+              <a:buChar char=""/>
+              <a:defRPr sz="1800" b="0" i="0" kern="1200">
+                <a:solidFill>
+                  <a:schemeClr val="tx1"/>
+                </a:solidFill>
+                <a:latin typeface="+mj-lt"/>
+                <a:ea typeface="+mj-ea"/>
+                <a:cs typeface="+mj-cs"/>
+              </a:defRPr>
+            </a:lvl2pPr>
+            <a:lvl3pPr marL="1143000" indent="-228600" algn="l" defTabSz="457200" rtl="0" eaLnBrk="1" latinLnBrk="0" hangingPunct="1">
+              <a:spcBef>
+                <a:spcPts val="1000"/>
+              </a:spcBef>
+              <a:spcAft>
+                <a:spcPts val="0"/>
+              </a:spcAft>
+              <a:buClr>
+                <a:schemeClr val="accent1"/>
+              </a:buClr>
+              <a:buSzPct val="80000"/>
+              <a:buFont typeface="Wingdings 3" charset="2"/>
+              <a:buChar char=""/>
+              <a:defRPr sz="1600" b="0" i="0" kern="1200">
+                <a:solidFill>
+                  <a:schemeClr val="tx1"/>
+                </a:solidFill>
+                <a:latin typeface="+mj-lt"/>
+                <a:ea typeface="+mj-ea"/>
+                <a:cs typeface="+mj-cs"/>
+              </a:defRPr>
+            </a:lvl3pPr>
+            <a:lvl4pPr marL="1600200" indent="-228600" algn="l" defTabSz="457200" rtl="0" eaLnBrk="1" latinLnBrk="0" hangingPunct="1">
+              <a:spcBef>
+                <a:spcPts val="1000"/>
+              </a:spcBef>
+              <a:spcAft>
+                <a:spcPts val="0"/>
+              </a:spcAft>
+              <a:buClr>
+                <a:schemeClr val="accent1"/>
+              </a:buClr>
+              <a:buSzPct val="80000"/>
+              <a:buFont typeface="Wingdings 3" charset="2"/>
+              <a:buChar char=""/>
+              <a:defRPr sz="1400" b="0" i="0" kern="1200">
+                <a:solidFill>
+                  <a:schemeClr val="tx1"/>
+                </a:solidFill>
+                <a:latin typeface="+mj-lt"/>
+                <a:ea typeface="+mj-ea"/>
+                <a:cs typeface="+mj-cs"/>
+              </a:defRPr>
+            </a:lvl4pPr>
+            <a:lvl5pPr marL="2057400" indent="-228600" algn="l" defTabSz="457200" rtl="0" eaLnBrk="1" latinLnBrk="0" hangingPunct="1">
+              <a:spcBef>
+                <a:spcPts val="1000"/>
+              </a:spcBef>
+              <a:spcAft>
+                <a:spcPts val="0"/>
+              </a:spcAft>
+              <a:buClr>
+                <a:schemeClr val="accent1"/>
+              </a:buClr>
+              <a:buSzPct val="80000"/>
+              <a:buFont typeface="Wingdings 3" charset="2"/>
+              <a:buChar char=""/>
+              <a:defRPr sz="1400" b="0" i="0" kern="1200">
+                <a:solidFill>
+                  <a:schemeClr val="tx1"/>
+                </a:solidFill>
+                <a:latin typeface="+mj-lt"/>
+                <a:ea typeface="+mj-ea"/>
+                <a:cs typeface="+mj-cs"/>
+              </a:defRPr>
+            </a:lvl5pPr>
+            <a:lvl6pPr marL="2514600" indent="-228600" algn="l" defTabSz="457200" rtl="0" eaLnBrk="1" latinLnBrk="0" hangingPunct="1">
+              <a:spcBef>
+                <a:spcPts val="1000"/>
+              </a:spcBef>
+              <a:spcAft>
+                <a:spcPts val="0"/>
+              </a:spcAft>
+              <a:buClr>
+                <a:schemeClr val="accent1"/>
+              </a:buClr>
+              <a:buSzPct val="80000"/>
+              <a:buFont typeface="Wingdings 3" charset="2"/>
+              <a:buChar char=""/>
+              <a:defRPr sz="1400" b="0" i="0" kern="1200">
+                <a:solidFill>
+                  <a:schemeClr val="tx1"/>
+                </a:solidFill>
+                <a:latin typeface="+mj-lt"/>
+                <a:ea typeface="+mj-ea"/>
+                <a:cs typeface="+mj-cs"/>
+              </a:defRPr>
+            </a:lvl6pPr>
+            <a:lvl7pPr marL="2971800" indent="-228600" algn="l" defTabSz="457200" rtl="0" eaLnBrk="1" latinLnBrk="0" hangingPunct="1">
+              <a:spcBef>
+                <a:spcPts val="1000"/>
+              </a:spcBef>
+              <a:spcAft>
+                <a:spcPts val="0"/>
+              </a:spcAft>
+              <a:buClr>
+                <a:schemeClr val="accent1"/>
+              </a:buClr>
+              <a:buSzPct val="80000"/>
+              <a:buFont typeface="Wingdings 3" charset="2"/>
+              <a:buChar char=""/>
+              <a:defRPr sz="1400" b="0" i="0" kern="1200">
+                <a:solidFill>
+                  <a:schemeClr val="tx1"/>
+                </a:solidFill>
+                <a:latin typeface="+mj-lt"/>
+                <a:ea typeface="+mj-ea"/>
+                <a:cs typeface="+mj-cs"/>
+              </a:defRPr>
+            </a:lvl7pPr>
+            <a:lvl8pPr marL="3429000" indent="-228600" algn="l" defTabSz="457200" rtl="0" eaLnBrk="1" latinLnBrk="0" hangingPunct="1">
+              <a:spcBef>
+                <a:spcPts val="1000"/>
+              </a:spcBef>
+              <a:spcAft>
+                <a:spcPts val="0"/>
+              </a:spcAft>
+              <a:buClr>
+                <a:schemeClr val="accent1"/>
+              </a:buClr>
+              <a:buSzPct val="80000"/>
+              <a:buFont typeface="Wingdings 3" charset="2"/>
+              <a:buChar char=""/>
+              <a:defRPr sz="1400" b="0" i="0" kern="1200">
+                <a:solidFill>
+                  <a:schemeClr val="tx1"/>
+                </a:solidFill>
+                <a:latin typeface="+mj-lt"/>
+                <a:ea typeface="+mj-ea"/>
+                <a:cs typeface="+mj-cs"/>
+              </a:defRPr>
+            </a:lvl8pPr>
+            <a:lvl9pPr marL="3886200" indent="-228600" algn="l" defTabSz="457200" rtl="0" eaLnBrk="1" latinLnBrk="0" hangingPunct="1">
+              <a:spcBef>
+                <a:spcPts val="1000"/>
+              </a:spcBef>
+              <a:spcAft>
+                <a:spcPts val="0"/>
+              </a:spcAft>
+              <a:buClr>
+                <a:schemeClr val="accent1"/>
+              </a:buClr>
+              <a:buSzPct val="80000"/>
+              <a:buFont typeface="Wingdings 3" charset="2"/>
+              <a:buChar char=""/>
+              <a:defRPr sz="1400" b="0" i="0" kern="1200">
+                <a:solidFill>
+                  <a:schemeClr val="tx1"/>
+                </a:solidFill>
+                <a:latin typeface="+mj-lt"/>
+                <a:ea typeface="+mj-ea"/>
+                <a:cs typeface="+mj-cs"/>
+              </a:defRPr>
+            </a:lvl9pPr>
+          </a:lstStyle>
+          <a:p>
+            <a:r>
+              <a:rPr lang="hr-HR" smtClean="0"/>
+              <a:t>Standardni gubitak GANa:</a:t>
+            </a:r>
+          </a:p>
+          <a:p>
+            <a:endParaRPr lang="hr-HR" smtClean="0"/>
+          </a:p>
+          <a:p>
+            <a:r>
+              <a:rPr lang="hr-HR" smtClean="0"/>
+              <a:t>Proširuju gubitkom cikličke dosljednosti:</a:t>
+            </a:r>
+          </a:p>
+          <a:p>
+            <a:endParaRPr lang="hr-HR" smtClean="0"/>
+          </a:p>
+          <a:p>
+            <a:r>
+              <a:rPr lang="hr-HR" smtClean="0"/>
+              <a:t>Gubitak CycleGANa: </a:t>
+            </a:r>
+          </a:p>
+          <a:p>
+            <a:endParaRPr lang="hr-HR" smtClean="0"/>
+          </a:p>
+          <a:p>
+            <a:r>
+              <a:rPr lang="hr-HR" smtClean="0"/>
+              <a:t>Pretvaraju problem u nadzirano učenje</a:t>
+            </a:r>
+          </a:p>
+          <a:p>
+            <a:pPr lvl="1"/>
+            <a:r>
+              <a:rPr lang="hr-HR" smtClean="0"/>
+              <a:t>Umjesto parova primjera </a:t>
+            </a:r>
+            <a:r>
+              <a:rPr lang="mr-IN" smtClean="0"/>
+              <a:t>–</a:t>
+            </a:r>
+            <a:r>
+              <a:rPr lang="hr-HR" smtClean="0"/>
+              <a:t> nadziranje zajedničkim značajkama cijelih setova</a:t>
+            </a:r>
+          </a:p>
+          <a:p>
+            <a:endParaRPr lang="hr-HR" dirty="0" smtClean="0"/>
           </a:p>
         </p:txBody>
       </p:sp>
@@ -7518,55 +7984,54 @@
           <a:lstStyle/>
           <a:p>
             <a:r>
+              <a:rPr lang="hr-HR" dirty="0"/>
+              <a:t>Standardni gubitak GANa</a:t>
+            </a:r>
+            <a:r>
               <a:rPr lang="hr-HR" dirty="0" smtClean="0"/>
-              <a:t>Pretvaraju problem u nadzirano </a:t>
-            </a:r>
+              <a:t>:</a:t>
+            </a:r>
+          </a:p>
+          <a:p>
+            <a:endParaRPr lang="hr-HR" dirty="0" smtClean="0"/>
+          </a:p>
+          <a:p>
+            <a:endParaRPr lang="hr-HR" dirty="0" smtClean="0"/>
+          </a:p>
+          <a:p>
             <a:r>
               <a:rPr lang="hr-HR" dirty="0" smtClean="0"/>
-              <a:t>učenje</a:t>
-            </a:r>
-          </a:p>
-          <a:p>
-            <a:pPr lvl="1"/>
+              <a:t>Proširuju gubitkom cikličke dosljednosti:</a:t>
+            </a:r>
+          </a:p>
+          <a:p>
+            <a:endParaRPr lang="hr-HR" dirty="0" smtClean="0"/>
+          </a:p>
+          <a:p>
+            <a:endParaRPr lang="hr-HR" dirty="0"/>
+          </a:p>
+          <a:p>
             <a:r>
               <a:rPr lang="hr-HR" dirty="0" smtClean="0"/>
-              <a:t>TODO </a:t>
-            </a:r>
-            <a:r>
-              <a:rPr lang="hr-HR" dirty="0" err="1" smtClean="0"/>
-              <a:t>loss</a:t>
+              <a:t>Gubitak CycleGANa: </a:t>
             </a:r>
             <a:endParaRPr lang="hr-HR" dirty="0" smtClean="0"/>
           </a:p>
           <a:p>
             <a:endParaRPr lang="hr-HR" dirty="0" smtClean="0"/>
           </a:p>
-          <a:p>
-            <a:r>
-              <a:rPr lang="hr-HR" dirty="0" smtClean="0"/>
-              <a:t>Umjesto parova primjera </a:t>
-            </a:r>
-            <a:r>
-              <a:rPr lang="mr-IN" dirty="0" smtClean="0"/>
-              <a:t>–</a:t>
-            </a:r>
-            <a:r>
-              <a:rPr lang="hr-HR" dirty="0" smtClean="0"/>
-              <a:t> nadziranje zajedničkim značajkama cijelih setova</a:t>
-            </a:r>
-          </a:p>
-        </p:txBody>
-      </p:sp>
-      <p:sp>
-        <p:nvSpPr>
-          <p:cNvPr id="4" name="TextBox 3"/>
+        </p:txBody>
+      </p:sp>
+      <p:sp>
+        <p:nvSpPr>
+          <p:cNvPr id="5" name="TextBox 4"/>
           <p:cNvSpPr txBox="1"/>
           <p:nvPr/>
         </p:nvSpPr>
         <p:spPr>
           <a:xfrm>
-            <a:off x="1103312" y="6155681"/>
-            <a:ext cx="9961123" cy="584775"/>
+            <a:off x="646111" y="6444688"/>
+            <a:ext cx="10864738" cy="338554"/>
           </a:xfrm>
           <a:prstGeom prst="rect">
             <a:avLst/>
@@ -7581,55 +8046,95 @@
           <a:p>
             <a:r>
               <a:rPr lang="en-US" sz="1600" dirty="0" smtClean="0"/>
-              <a:t>Jun-Yan </a:t>
+              <a:t>Unpaired </a:t>
             </a:r>
             <a:r>
               <a:rPr lang="en-US" sz="1600" dirty="0"/>
-              <a:t>Zhu, </a:t>
-            </a:r>
-            <a:r>
-              <a:rPr lang="en-US" sz="1600" dirty="0" err="1"/>
-              <a:t>Taesung</a:t>
+              <a:t>image-to-image translation using cycle-consistent adversarial networks. </a:t>
+            </a:r>
+            <a:r>
+              <a:rPr lang="en-US" sz="1600" dirty="0" smtClean="0"/>
+              <a:t>arXiv:1703.10593</a:t>
             </a:r>
             <a:r>
               <a:rPr lang="en-US" sz="1600" dirty="0"/>
-              <a:t> Park, Phillip </a:t>
-            </a:r>
-            <a:r>
-              <a:rPr lang="en-US" sz="1600" dirty="0" err="1"/>
-              <a:t>Isola</a:t>
-            </a:r>
-            <a:r>
-              <a:rPr lang="en-US" sz="1600" dirty="0"/>
-              <a:t>, </a:t>
-            </a:r>
-            <a:r>
-              <a:rPr lang="en-US" sz="1600" dirty="0" err="1"/>
-              <a:t>i</a:t>
-            </a:r>
-            <a:r>
-              <a:rPr lang="en-US" sz="1600" dirty="0"/>
-              <a:t> Alexei A </a:t>
-            </a:r>
-            <a:r>
-              <a:rPr lang="en-US" sz="1600" dirty="0" err="1"/>
-              <a:t>Efros</a:t>
-            </a:r>
-            <a:r>
-              <a:rPr lang="en-US" sz="1600" dirty="0"/>
-              <a:t>. Unpaired image-to-image translation using cycle-consistent adversarial networks. </a:t>
-            </a:r>
-            <a:r>
-              <a:rPr lang="en-US" sz="1600" dirty="0" err="1"/>
-              <a:t>arXiv</a:t>
-            </a:r>
-            <a:r>
-              <a:rPr lang="en-US" sz="1600" dirty="0"/>
-              <a:t> pre-print arXiv:1703.10593, 2017.</a:t>
-            </a:r>
-          </a:p>
-        </p:txBody>
-      </p:sp>
+              <a:t>, 2017.</a:t>
+            </a:r>
+          </a:p>
+        </p:txBody>
+      </p:sp>
+      <p:pic>
+        <p:nvPicPr>
+          <p:cNvPr id="6" name="Picture 5"/>
+          <p:cNvPicPr>
+            <a:picLocks noChangeAspect="1"/>
+          </p:cNvPicPr>
+          <p:nvPr/>
+        </p:nvPicPr>
+        <p:blipFill>
+          <a:blip r:embed="rId2"/>
+          <a:stretch>
+            <a:fillRect/>
+          </a:stretch>
+        </p:blipFill>
+        <p:spPr>
+          <a:xfrm>
+            <a:off x="2610034" y="2586818"/>
+            <a:ext cx="5476875" cy="762000"/>
+          </a:xfrm>
+          <a:prstGeom prst="rect">
+            <a:avLst/>
+          </a:prstGeom>
+        </p:spPr>
+      </p:pic>
+      <p:pic>
+        <p:nvPicPr>
+          <p:cNvPr id="8" name="Picture 7"/>
+          <p:cNvPicPr>
+            <a:picLocks noChangeAspect="1"/>
+          </p:cNvPicPr>
+          <p:nvPr/>
+        </p:nvPicPr>
+        <p:blipFill>
+          <a:blip r:embed="rId3"/>
+          <a:stretch>
+            <a:fillRect/>
+          </a:stretch>
+        </p:blipFill>
+        <p:spPr>
+          <a:xfrm>
+            <a:off x="2610034" y="5114924"/>
+            <a:ext cx="4476750" cy="1133475"/>
+          </a:xfrm>
+          <a:prstGeom prst="rect">
+            <a:avLst/>
+          </a:prstGeom>
+        </p:spPr>
+      </p:pic>
+      <p:pic>
+        <p:nvPicPr>
+          <p:cNvPr id="9" name="Picture 8"/>
+          <p:cNvPicPr>
+            <a:picLocks noChangeAspect="1"/>
+          </p:cNvPicPr>
+          <p:nvPr/>
+        </p:nvPicPr>
+        <p:blipFill>
+          <a:blip r:embed="rId4"/>
+          <a:stretch>
+            <a:fillRect/>
+          </a:stretch>
+        </p:blipFill>
+        <p:spPr>
+          <a:xfrm>
+            <a:off x="2610034" y="3894821"/>
+            <a:ext cx="4171950" cy="676275"/>
+          </a:xfrm>
+          <a:prstGeom prst="rect">
+            <a:avLst/>
+          </a:prstGeom>
+        </p:spPr>
+      </p:pic>
     </p:spTree>
     <p:extLst>
       <p:ext uri="{BB962C8B-B14F-4D97-AF65-F5344CB8AC3E}">
@@ -7683,19 +8188,11 @@
           <a:lstStyle/>
           <a:p>
             <a:r>
-              <a:rPr lang="en-US" dirty="0" err="1" smtClean="0"/>
-              <a:t>Unimodalna</a:t>
-            </a:r>
-            <a:r>
-              <a:rPr lang="en-US" dirty="0" smtClean="0"/>
-              <a:t> </a:t>
-            </a:r>
-            <a:r>
-              <a:rPr lang="en-US" dirty="0" err="1" smtClean="0"/>
-              <a:t>nenadzirana</a:t>
-            </a:r>
-            <a:r>
-              <a:rPr lang="en-US" dirty="0" smtClean="0"/>
+              <a:rPr lang="hr-HR" dirty="0" smtClean="0"/>
+              <a:t>Nenadzirana</a:t>
+            </a:r>
+            <a:r>
+              <a:rPr lang="hr-HR" dirty="0"/>
               <a:t> </a:t>
             </a:r>
             <a:r>
@@ -7704,7 +8201,19 @@
             </a:r>
             <a:r>
               <a:rPr lang="en-US" dirty="0" smtClean="0"/>
-              <a:t> (UNIT)</a:t>
+              <a:t> </a:t>
+            </a:r>
+            <a:r>
+              <a:rPr lang="hr-HR" dirty="0" smtClean="0"/>
+              <a:t>slika </a:t>
+            </a:r>
+            <a:r>
+              <a:rPr lang="en-US" dirty="0" smtClean="0"/>
+              <a:t>(UNIT</a:t>
+            </a:r>
+            <a:r>
+              <a:rPr lang="en-US" dirty="0" smtClean="0"/>
+              <a:t>)</a:t>
             </a:r>
             <a:endParaRPr lang="en-US" dirty="0"/>
           </a:p>
@@ -7712,96 +8221,14 @@
       </p:sp>
       <p:sp>
         <p:nvSpPr>
-          <p:cNvPr id="3" name="Content Placeholder 2"/>
-          <p:cNvSpPr>
-            <a:spLocks noGrp="1"/>
-          </p:cNvSpPr>
-          <p:nvPr>
-            <p:ph idx="1"/>
-          </p:nvPr>
-        </p:nvSpPr>
-        <p:spPr/>
-        <p:txBody>
-          <a:bodyPr/>
-          <a:lstStyle/>
-          <a:p>
-            <a:r>
-              <a:rPr lang="hr-HR" dirty="0" smtClean="0"/>
-              <a:t>Cilj translacije slike s gledišta modeliranja vjerojatnosti</a:t>
-            </a:r>
-          </a:p>
-          <a:p>
-            <a:pPr lvl="1"/>
-            <a:r>
-              <a:rPr lang="en-US" dirty="0" smtClean="0"/>
-              <a:t>O</a:t>
-            </a:r>
-            <a:r>
-              <a:rPr lang="hr-HR" dirty="0" err="1" smtClean="0"/>
-              <a:t>drediti</a:t>
-            </a:r>
-            <a:r>
-              <a:rPr lang="hr-HR" dirty="0" smtClean="0"/>
-              <a:t> združenu distribuciju više različitih domena</a:t>
-            </a:r>
-          </a:p>
-          <a:p>
-            <a:endParaRPr lang="hr-HR" dirty="0"/>
-          </a:p>
-          <a:p>
-            <a:r>
-              <a:rPr lang="hr-HR" dirty="0" smtClean="0"/>
-              <a:t>Kod nenadziranog učenja</a:t>
-            </a:r>
-          </a:p>
-          <a:p>
-            <a:pPr lvl="1"/>
-            <a:r>
-              <a:rPr lang="en-US" dirty="0" smtClean="0"/>
-              <a:t>I</a:t>
-            </a:r>
-            <a:r>
-              <a:rPr lang="hr-HR" dirty="0" err="1" smtClean="0"/>
-              <a:t>zvorni</a:t>
-            </a:r>
-            <a:r>
-              <a:rPr lang="hr-HR" dirty="0" smtClean="0"/>
-              <a:t> i ciljni skupovi uzorkovani iz marginalnih distribucija</a:t>
-            </a:r>
-          </a:p>
-          <a:p>
-            <a:pPr lvl="1"/>
-            <a:r>
-              <a:rPr lang="hr-HR" dirty="0" smtClean="0"/>
-              <a:t>Združenih distribucija ima beskonačno mnogo</a:t>
-            </a:r>
-            <a:endParaRPr lang="hr-HR" dirty="0"/>
-          </a:p>
-          <a:p>
-            <a:pPr lvl="1"/>
-            <a:endParaRPr lang="hr-HR" dirty="0" smtClean="0"/>
-          </a:p>
-          <a:p>
-            <a:r>
-              <a:rPr lang="hr-HR" dirty="0"/>
-              <a:t>Preslikavanje obje domene na prostor zajedničkih latentnih varijabli</a:t>
-            </a:r>
-          </a:p>
-          <a:p>
-            <a:endParaRPr lang="hr-HR" dirty="0" smtClean="0"/>
-          </a:p>
-        </p:txBody>
-      </p:sp>
-      <p:sp>
-        <p:nvSpPr>
-          <p:cNvPr id="4" name="TextBox 3"/>
+          <p:cNvPr id="5" name="TextBox 4"/>
           <p:cNvSpPr txBox="1"/>
           <p:nvPr/>
         </p:nvSpPr>
         <p:spPr>
           <a:xfrm>
-            <a:off x="1103312" y="6155681"/>
-            <a:ext cx="9961123" cy="584775"/>
+            <a:off x="646111" y="6444688"/>
+            <a:ext cx="10864738" cy="338554"/>
           </a:xfrm>
           <a:prstGeom prst="rect">
             <a:avLst/>
@@ -7815,56 +8242,53 @@
           <a:lstStyle/>
           <a:p>
             <a:r>
-              <a:rPr lang="en-US" sz="1600" smtClean="0"/>
-              <a:t>Ming-Yu </a:t>
-            </a:r>
-            <a:r>
               <a:rPr lang="en-US" sz="1600" dirty="0"/>
-              <a:t>Liu, Thomas </a:t>
-            </a:r>
-            <a:r>
-              <a:rPr lang="en-US" sz="1600" dirty="0" err="1"/>
-              <a:t>Breuel</a:t>
+              <a:t>Unsupervised </a:t>
+            </a:r>
+            <a:r>
+              <a:rPr lang="en-US" sz="1600" dirty="0" smtClean="0"/>
+              <a:t>image-to-image</a:t>
+            </a:r>
+            <a:r>
+              <a:rPr lang="hr-HR" sz="1600" dirty="0" smtClean="0"/>
+              <a:t> </a:t>
+            </a:r>
+            <a:r>
+              <a:rPr lang="en-US" sz="1600" dirty="0" smtClean="0"/>
+              <a:t>translation </a:t>
             </a:r>
             <a:r>
               <a:rPr lang="en-US" sz="1600" dirty="0"/>
-              <a:t>, </a:t>
-            </a:r>
-            <a:r>
-              <a:rPr lang="en-US" sz="1600" dirty="0" err="1"/>
-              <a:t>i</a:t>
-            </a:r>
-            <a:r>
-              <a:rPr lang="en-US" sz="1600" dirty="0"/>
-              <a:t> Jan </a:t>
-            </a:r>
-            <a:r>
-              <a:rPr lang="en-US" sz="1600" dirty="0" err="1"/>
-              <a:t>Kautz</a:t>
-            </a:r>
-            <a:r>
-              <a:rPr lang="en-US" sz="1600" dirty="0"/>
-              <a:t>. Unsupervised image-to-</a:t>
-            </a:r>
-            <a:r>
-              <a:rPr lang="en-US" sz="1600" dirty="0" err="1"/>
-              <a:t>imagetranslation</a:t>
-            </a:r>
-            <a:r>
-              <a:rPr lang="en-US" sz="1600" dirty="0"/>
-              <a:t> networks. U Advances in Neural Information Processing </a:t>
-            </a:r>
-            <a:r>
-              <a:rPr lang="en-US" sz="1600" dirty="0" err="1"/>
-              <a:t>Systems,stranice</a:t>
-            </a:r>
-            <a:r>
-              <a:rPr lang="en-US" sz="1600" dirty="0"/>
-              <a:t> 700–708, 2017.</a:t>
-            </a:r>
-          </a:p>
-        </p:txBody>
-      </p:sp>
+              <a:t>networks, 2017.</a:t>
+            </a:r>
+            <a:endParaRPr lang="en-US" sz="1600" dirty="0"/>
+          </a:p>
+        </p:txBody>
+      </p:sp>
+      <p:pic>
+        <p:nvPicPr>
+          <p:cNvPr id="10" name="Picture 9"/>
+          <p:cNvPicPr>
+            <a:picLocks noChangeAspect="1"/>
+          </p:cNvPicPr>
+          <p:nvPr/>
+        </p:nvPicPr>
+        <p:blipFill>
+          <a:blip r:embed="rId2"/>
+          <a:stretch>
+            <a:fillRect/>
+          </a:stretch>
+        </p:blipFill>
+        <p:spPr>
+          <a:xfrm>
+            <a:off x="2433637" y="1624012"/>
+            <a:ext cx="7243763" cy="4540721"/>
+          </a:xfrm>
+          <a:prstGeom prst="rect">
+            <a:avLst/>
+          </a:prstGeom>
+        </p:spPr>
+      </p:pic>
     </p:spTree>
     <p:extLst>
       <p:ext uri="{BB962C8B-B14F-4D97-AF65-F5344CB8AC3E}">
@@ -7918,19 +8342,11 @@
           <a:lstStyle/>
           <a:p>
             <a:r>
-              <a:rPr lang="en-US" dirty="0" err="1" smtClean="0"/>
-              <a:t>Unimodalna</a:t>
-            </a:r>
-            <a:r>
-              <a:rPr lang="en-US" dirty="0" smtClean="0"/>
-              <a:t> </a:t>
-            </a:r>
-            <a:r>
-              <a:rPr lang="en-US" dirty="0" err="1" smtClean="0"/>
-              <a:t>nenadzirana</a:t>
-            </a:r>
-            <a:r>
-              <a:rPr lang="en-US" dirty="0" smtClean="0"/>
+              <a:rPr lang="hr-HR" dirty="0" smtClean="0"/>
+              <a:t>Nenadzirana</a:t>
+            </a:r>
+            <a:r>
+              <a:rPr lang="hr-HR" dirty="0"/>
               <a:t> </a:t>
             </a:r>
             <a:r>
@@ -7939,7 +8355,19 @@
             </a:r>
             <a:r>
               <a:rPr lang="en-US" dirty="0" smtClean="0"/>
-              <a:t> (UNIT)</a:t>
+              <a:t> </a:t>
+            </a:r>
+            <a:r>
+              <a:rPr lang="hr-HR" dirty="0" smtClean="0"/>
+              <a:t>slika </a:t>
+            </a:r>
+            <a:r>
+              <a:rPr lang="en-US" dirty="0" smtClean="0"/>
+              <a:t>(UNIT</a:t>
+            </a:r>
+            <a:r>
+              <a:rPr lang="en-US" dirty="0" smtClean="0"/>
+              <a:t>)</a:t>
             </a:r>
             <a:endParaRPr lang="en-US" dirty="0"/>
           </a:p>
@@ -7962,143 +8390,149 @@
           <a:p>
             <a:r>
               <a:rPr lang="hr-HR" dirty="0" smtClean="0"/>
-              <a:t>Ostvarenje umreženim GAN-om i varijacijskim </a:t>
-            </a:r>
-            <a:r>
-              <a:rPr lang="hr-HR" dirty="0" err="1" smtClean="0"/>
-              <a:t>autoenkoderom</a:t>
+              <a:t>Cilj translacije slike s gledišta modeliranja vjerojatnosti</a:t>
+            </a:r>
+          </a:p>
+          <a:p>
+            <a:pPr lvl="1"/>
+            <a:r>
+              <a:rPr lang="en-US" dirty="0" smtClean="0"/>
+              <a:t>O</a:t>
+            </a:r>
+            <a:r>
+              <a:rPr lang="hr-HR" dirty="0" smtClean="0"/>
+              <a:t>drediti združenu distribuciju više različitih </a:t>
+            </a:r>
+            <a:r>
+              <a:rPr lang="hr-HR" dirty="0" smtClean="0"/>
+              <a:t>domena</a:t>
             </a:r>
             <a:endParaRPr lang="hr-HR" dirty="0" smtClean="0"/>
           </a:p>
-          <a:p>
-            <a:pPr lvl="1"/>
-            <a:r>
-              <a:rPr lang="hr-HR" dirty="0" smtClean="0"/>
-              <a:t>GAN stvara latentni prostor</a:t>
-            </a:r>
-          </a:p>
-          <a:p>
-            <a:pPr lvl="1"/>
-            <a:r>
-              <a:rPr lang="hr-HR" dirty="0" smtClean="0"/>
-              <a:t>VAE određuje relacije između domena</a:t>
-            </a:r>
-          </a:p>
-          <a:p>
-            <a:pPr marL="457200" lvl="1" indent="0">
-              <a:buNone/>
-            </a:pPr>
-            <a:endParaRPr lang="hr-HR" dirty="0" smtClean="0"/>
+        </p:txBody>
+      </p:sp>
+      <p:sp>
+        <p:nvSpPr>
+          <p:cNvPr id="5" name="TextBox 4"/>
+          <p:cNvSpPr txBox="1"/>
+          <p:nvPr/>
+        </p:nvSpPr>
+        <p:spPr>
+          <a:xfrm>
+            <a:off x="646111" y="6444688"/>
+            <a:ext cx="10864738" cy="338554"/>
+          </a:xfrm>
+          <a:prstGeom prst="rect">
+            <a:avLst/>
+          </a:prstGeom>
+          <a:noFill/>
+        </p:spPr>
+        <p:txBody>
+          <a:bodyPr wrap="square" rtlCol="0">
+            <a:spAutoFit/>
+          </a:bodyPr>
+          <a:lstStyle/>
+          <a:p>
+            <a:r>
+              <a:rPr lang="en-US" sz="1600" dirty="0"/>
+              <a:t>Unsupervised </a:t>
+            </a:r>
+            <a:r>
+              <a:rPr lang="en-US" sz="1600" dirty="0" smtClean="0"/>
+              <a:t>image-to-image</a:t>
+            </a:r>
+            <a:r>
+              <a:rPr lang="hr-HR" sz="1600" dirty="0" smtClean="0"/>
+              <a:t> </a:t>
+            </a:r>
+            <a:r>
+              <a:rPr lang="en-US" sz="1600" dirty="0" smtClean="0"/>
+              <a:t>translation </a:t>
+            </a:r>
+            <a:r>
+              <a:rPr lang="en-US" sz="1600" dirty="0"/>
+              <a:t>networks, 2017.</a:t>
+            </a:r>
+            <a:endParaRPr lang="en-US" sz="1600" dirty="0"/>
           </a:p>
         </p:txBody>
       </p:sp>
       <p:pic>
         <p:nvPicPr>
-          <p:cNvPr id="4" name="Picture 3"/>
+          <p:cNvPr id="6" name="Picture 5"/>
           <p:cNvPicPr>
             <a:picLocks noChangeAspect="1"/>
           </p:cNvPicPr>
           <p:nvPr/>
         </p:nvPicPr>
         <p:blipFill>
-          <a:blip r:embed="rId2">
-            <a:extLst>
-              <a:ext uri="{28A0092B-C50C-407E-A947-70E740481C1C}">
-                <a14:useLocalDpi xmlns:a14="http://schemas.microsoft.com/office/drawing/2010/main" val="0"/>
-              </a:ext>
-            </a:extLst>
-          </a:blip>
+          <a:blip r:embed="rId2"/>
           <a:stretch>
             <a:fillRect/>
           </a:stretch>
         </p:blipFill>
         <p:spPr>
           <a:xfrm>
-            <a:off x="1303730" y="3440587"/>
-            <a:ext cx="9456128" cy="3007482"/>
+            <a:off x="720725" y="3160945"/>
+            <a:ext cx="5267325" cy="1266825"/>
           </a:xfrm>
           <a:prstGeom prst="rect">
             <a:avLst/>
           </a:prstGeom>
         </p:spPr>
       </p:pic>
-      <p:sp>
-        <p:nvSpPr>
-          <p:cNvPr id="5" name="TextBox 4"/>
-          <p:cNvSpPr txBox="1"/>
+      <p:pic>
+        <p:nvPicPr>
+          <p:cNvPr id="7" name="Picture 6"/>
+          <p:cNvPicPr>
+            <a:picLocks noChangeAspect="1"/>
+          </p:cNvPicPr>
           <p:nvPr/>
-        </p:nvSpPr>
+        </p:nvPicPr>
+        <p:blipFill>
+          <a:blip r:embed="rId3"/>
+          <a:stretch>
+            <a:fillRect/>
+          </a:stretch>
+        </p:blipFill>
         <p:spPr>
           <a:xfrm>
-            <a:off x="1103312" y="6155681"/>
-            <a:ext cx="9961123" cy="584775"/>
+            <a:off x="6083300" y="3160945"/>
+            <a:ext cx="5062480" cy="1256105"/>
           </a:xfrm>
           <a:prstGeom prst="rect">
             <a:avLst/>
           </a:prstGeom>
-          <a:noFill/>
         </p:spPr>
-        <p:txBody>
-          <a:bodyPr wrap="square" rtlCol="0">
-            <a:spAutoFit/>
-          </a:bodyPr>
-          <a:lstStyle/>
-          <a:p>
-            <a:r>
-              <a:rPr lang="en-US" sz="1600" smtClean="0"/>
-              <a:t>Ming-Yu </a:t>
-            </a:r>
-            <a:r>
-              <a:rPr lang="en-US" sz="1600" dirty="0"/>
-              <a:t>Liu, Thomas </a:t>
-            </a:r>
-            <a:r>
-              <a:rPr lang="en-US" sz="1600" dirty="0" err="1"/>
-              <a:t>Breuel</a:t>
-            </a:r>
-            <a:r>
-              <a:rPr lang="en-US" sz="1600" dirty="0"/>
-              <a:t>, </a:t>
-            </a:r>
-            <a:r>
-              <a:rPr lang="en-US" sz="1600" dirty="0" err="1"/>
-              <a:t>i</a:t>
-            </a:r>
-            <a:r>
-              <a:rPr lang="en-US" sz="1600" dirty="0"/>
-              <a:t> Jan </a:t>
-            </a:r>
-            <a:r>
-              <a:rPr lang="en-US" sz="1600" dirty="0" err="1"/>
-              <a:t>Kautz</a:t>
-            </a:r>
-            <a:r>
-              <a:rPr lang="en-US" sz="1600" dirty="0"/>
-              <a:t>. Unsupervised image-to-</a:t>
-            </a:r>
-            <a:r>
-              <a:rPr lang="en-US" sz="1600" dirty="0" err="1"/>
-              <a:t>imagetranslation</a:t>
-            </a:r>
-            <a:r>
-              <a:rPr lang="en-US" sz="1600" dirty="0"/>
-              <a:t> networks. U Advances in Neural Information Processing </a:t>
-            </a:r>
-            <a:r>
-              <a:rPr lang="en-US" sz="1600" dirty="0" err="1"/>
-              <a:t>Systems,stranice</a:t>
-            </a:r>
-            <a:r>
-              <a:rPr lang="en-US" sz="1600" dirty="0"/>
-              <a:t> 700–708, 2017.</a:t>
-            </a:r>
-          </a:p>
-        </p:txBody>
-      </p:sp>
+      </p:pic>
+      <p:pic>
+        <p:nvPicPr>
+          <p:cNvPr id="8" name="Picture 7"/>
+          <p:cNvPicPr>
+            <a:picLocks noChangeAspect="1"/>
+          </p:cNvPicPr>
+          <p:nvPr/>
+        </p:nvPicPr>
+        <p:blipFill>
+          <a:blip r:embed="rId4"/>
+          <a:stretch>
+            <a:fillRect/>
+          </a:stretch>
+        </p:blipFill>
+        <p:spPr>
+          <a:xfrm>
+            <a:off x="720725" y="4624059"/>
+            <a:ext cx="10425055" cy="1365312"/>
+          </a:xfrm>
+          <a:prstGeom prst="rect">
+            <a:avLst/>
+          </a:prstGeom>
+        </p:spPr>
+      </p:pic>
     </p:spTree>
     <p:extLst>
       <p:ext uri="{BB962C8B-B14F-4D97-AF65-F5344CB8AC3E}">
-        <p14:creationId xmlns:p14="http://schemas.microsoft.com/office/powerpoint/2010/main" val="1446841711"/>
+        <p14:creationId xmlns:p14="http://schemas.microsoft.com/office/powerpoint/2010/main" val="911720489"/>
       </p:ext>
     </p:extLst>
   </p:cSld>
@@ -8148,19 +8582,11 @@
           <a:lstStyle/>
           <a:p>
             <a:r>
-              <a:rPr lang="en-US" dirty="0" err="1" smtClean="0"/>
-              <a:t>Multimodalna</a:t>
-            </a:r>
-            <a:r>
-              <a:rPr lang="en-US" dirty="0" smtClean="0"/>
-              <a:t> </a:t>
-            </a:r>
-            <a:r>
-              <a:rPr lang="en-US" dirty="0" err="1" smtClean="0"/>
-              <a:t>nenadzirana</a:t>
-            </a:r>
-            <a:r>
-              <a:rPr lang="en-US" dirty="0" smtClean="0"/>
+              <a:rPr lang="hr-HR" dirty="0" smtClean="0"/>
+              <a:t>Nenadzirana</a:t>
+            </a:r>
+            <a:r>
+              <a:rPr lang="hr-HR" dirty="0"/>
               <a:t> </a:t>
             </a:r>
             <a:r>
@@ -8169,7 +8595,19 @@
             </a:r>
             <a:r>
               <a:rPr lang="en-US" dirty="0" smtClean="0"/>
-              <a:t> (MUNIT)</a:t>
+              <a:t> </a:t>
+            </a:r>
+            <a:r>
+              <a:rPr lang="hr-HR" dirty="0" smtClean="0"/>
+              <a:t>slika </a:t>
+            </a:r>
+            <a:r>
+              <a:rPr lang="en-US" dirty="0" smtClean="0"/>
+              <a:t>(UNIT</a:t>
+            </a:r>
+            <a:r>
+              <a:rPr lang="en-US" dirty="0" smtClean="0"/>
+              <a:t>)</a:t>
             </a:r>
             <a:endParaRPr lang="en-US" dirty="0"/>
           </a:p>
@@ -8191,68 +8629,54 @@
           <a:lstStyle/>
           <a:p>
             <a:r>
+              <a:rPr lang="en-US" dirty="0" smtClean="0"/>
+              <a:t>I</a:t>
+            </a:r>
+            <a:r>
+              <a:rPr lang="hr-HR" dirty="0"/>
+              <a:t>zvorni i ciljni skupovi uzorkovani iz marginalnih distribucija</a:t>
+            </a:r>
+          </a:p>
+          <a:p>
+            <a:endParaRPr lang="hr-HR" dirty="0" smtClean="0"/>
+          </a:p>
+          <a:p>
+            <a:r>
               <a:rPr lang="hr-HR" dirty="0" smtClean="0"/>
-              <a:t>Modeli prethodnih poglavlja nisu generičko rješenje</a:t>
-            </a:r>
-          </a:p>
-          <a:p>
-            <a:endParaRPr lang="hr-HR" dirty="0" smtClean="0"/>
-          </a:p>
-          <a:p>
+              <a:t>Združenih </a:t>
+            </a:r>
+            <a:r>
+              <a:rPr lang="hr-HR" dirty="0"/>
+              <a:t>distribucija ima beskonačno </a:t>
+            </a:r>
             <a:r>
               <a:rPr lang="hr-HR" dirty="0" smtClean="0"/>
-              <a:t>Kružni GAN-ovi vrše determinističko preslikavanje</a:t>
-            </a:r>
-          </a:p>
-          <a:p>
-            <a:endParaRPr lang="hr-HR" dirty="0" smtClean="0"/>
+              <a:t>mnogo</a:t>
+            </a:r>
+            <a:endParaRPr lang="hr-HR" dirty="0"/>
+          </a:p>
+          <a:p>
+            <a:endParaRPr lang="hr-HR" dirty="0"/>
           </a:p>
           <a:p>
             <a:r>
               <a:rPr lang="hr-HR" dirty="0" smtClean="0"/>
-              <a:t>UNIT uče </a:t>
-            </a:r>
-            <a:r>
-              <a:rPr lang="hr-HR" dirty="0" err="1" smtClean="0"/>
-              <a:t>unimodalno</a:t>
-            </a:r>
-            <a:r>
-              <a:rPr lang="hr-HR" dirty="0" smtClean="0"/>
-              <a:t> preslikavanje</a:t>
-            </a:r>
-          </a:p>
-          <a:p>
-            <a:endParaRPr lang="en-US" dirty="0" smtClean="0"/>
-          </a:p>
-          <a:p>
-            <a:r>
-              <a:rPr lang="en-US" dirty="0" smtClean="0"/>
-              <a:t>V</a:t>
-            </a:r>
-            <a:r>
-              <a:rPr lang="hr-HR" dirty="0" err="1" smtClean="0"/>
-              <a:t>rlo</a:t>
-            </a:r>
-            <a:r>
-              <a:rPr lang="hr-HR" dirty="0" smtClean="0"/>
-              <a:t> teško ostvaruju raznolikost</a:t>
-            </a:r>
-          </a:p>
-          <a:p>
+              <a:t>Potrebno dodatno ograničenje</a:t>
+            </a:r>
             <a:endParaRPr lang="hr-HR" dirty="0"/>
           </a:p>
         </p:txBody>
       </p:sp>
       <p:sp>
         <p:nvSpPr>
-          <p:cNvPr id="4" name="TextBox 3"/>
+          <p:cNvPr id="5" name="TextBox 4"/>
           <p:cNvSpPr txBox="1"/>
           <p:nvPr/>
         </p:nvSpPr>
         <p:spPr>
           <a:xfrm>
-            <a:off x="1103312" y="6155681"/>
-            <a:ext cx="9961123" cy="584775"/>
+            <a:off x="646111" y="6444688"/>
+            <a:ext cx="10864738" cy="338554"/>
           </a:xfrm>
           <a:prstGeom prst="rect">
             <a:avLst/>
@@ -8266,68 +8690,33 @@
           <a:lstStyle/>
           <a:p>
             <a:r>
-              <a:rPr lang="en-US" sz="1600" smtClean="0"/>
-              <a:t>X</a:t>
-            </a:r>
-            <a:r>
-              <a:rPr lang="en-US" sz="1600" smtClean="0"/>
-              <a:t>un</a:t>
+              <a:rPr lang="en-US" sz="1600" dirty="0"/>
+              <a:t>Unsupervised </a:t>
             </a:r>
             <a:r>
               <a:rPr lang="en-US" sz="1600" dirty="0" smtClean="0"/>
-              <a:t> </a:t>
+              <a:t>image-to-image</a:t>
+            </a:r>
+            <a:r>
+              <a:rPr lang="hr-HR" sz="1600" dirty="0" smtClean="0"/>
+              <a:t> </a:t>
+            </a:r>
+            <a:r>
+              <a:rPr lang="en-US" sz="1600" dirty="0" smtClean="0"/>
+              <a:t>translation </a:t>
             </a:r>
             <a:r>
               <a:rPr lang="en-US" sz="1600" dirty="0"/>
-              <a:t>Huang, Ming-Yu Liu, Serge </a:t>
-            </a:r>
-            <a:r>
-              <a:rPr lang="en-US" sz="1600" dirty="0" err="1"/>
-              <a:t>Belongie</a:t>
-            </a:r>
-            <a:r>
-              <a:rPr lang="en-US" sz="1600" dirty="0"/>
-              <a:t>, </a:t>
-            </a:r>
-            <a:r>
-              <a:rPr lang="en-US" sz="1600" dirty="0" err="1"/>
-              <a:t>i</a:t>
-            </a:r>
-            <a:r>
-              <a:rPr lang="en-US" sz="1600" dirty="0"/>
-              <a:t> Jan </a:t>
-            </a:r>
-            <a:r>
-              <a:rPr lang="en-US" sz="1600" dirty="0" err="1"/>
-              <a:t>Kautz</a:t>
-            </a:r>
-            <a:r>
-              <a:rPr lang="en-US" sz="1600" dirty="0"/>
-              <a:t>. Multimodal </a:t>
-            </a:r>
-            <a:r>
-              <a:rPr lang="en-US" sz="1600" dirty="0" err="1"/>
-              <a:t>unsu-pervised</a:t>
-            </a:r>
-            <a:r>
-              <a:rPr lang="en-US" sz="1600" dirty="0"/>
-              <a:t> image-to-image translation. </a:t>
-            </a:r>
-            <a:r>
-              <a:rPr lang="en-US" sz="1600" dirty="0" err="1"/>
-              <a:t>arXiv</a:t>
-            </a:r>
-            <a:r>
-              <a:rPr lang="en-US" sz="1600" dirty="0"/>
-              <a:t> preprint arXiv:1804.04732, 2018.</a:t>
-            </a:r>
+              <a:t>networks, 2017.</a:t>
+            </a:r>
+            <a:endParaRPr lang="en-US" sz="1600" dirty="0"/>
           </a:p>
         </p:txBody>
       </p:sp>
     </p:spTree>
     <p:extLst>
       <p:ext uri="{BB962C8B-B14F-4D97-AF65-F5344CB8AC3E}">
-        <p14:creationId xmlns:p14="http://schemas.microsoft.com/office/powerpoint/2010/main" val="984007413"/>
+        <p14:creationId xmlns:p14="http://schemas.microsoft.com/office/powerpoint/2010/main" val="961071737"/>
       </p:ext>
     </p:extLst>
   </p:cSld>
@@ -8377,19 +8766,11 @@
           <a:lstStyle/>
           <a:p>
             <a:r>
-              <a:rPr lang="en-US" dirty="0" err="1" smtClean="0"/>
-              <a:t>Multimodalna</a:t>
-            </a:r>
-            <a:r>
-              <a:rPr lang="en-US" dirty="0" smtClean="0"/>
-              <a:t> </a:t>
-            </a:r>
-            <a:r>
-              <a:rPr lang="en-US" dirty="0" err="1" smtClean="0"/>
-              <a:t>nenadzirana</a:t>
-            </a:r>
-            <a:r>
-              <a:rPr lang="en-US" dirty="0" smtClean="0"/>
+              <a:rPr lang="hr-HR" dirty="0" smtClean="0"/>
+              <a:t>Nenadzirana</a:t>
+            </a:r>
+            <a:r>
+              <a:rPr lang="hr-HR" dirty="0"/>
               <a:t> </a:t>
             </a:r>
             <a:r>
@@ -8398,7 +8779,19 @@
             </a:r>
             <a:r>
               <a:rPr lang="en-US" dirty="0" smtClean="0"/>
-              <a:t> (MUNIT)</a:t>
+              <a:t> </a:t>
+            </a:r>
+            <a:r>
+              <a:rPr lang="hr-HR" dirty="0" smtClean="0"/>
+              <a:t>slika </a:t>
+            </a:r>
+            <a:r>
+              <a:rPr lang="en-US" dirty="0" smtClean="0"/>
+              <a:t>(UNIT</a:t>
+            </a:r>
+            <a:r>
+              <a:rPr lang="en-US" dirty="0" smtClean="0"/>
+              <a:t>)</a:t>
             </a:r>
             <a:endParaRPr lang="en-US" dirty="0"/>
           </a:p>
@@ -8421,127 +8814,28 @@
           <a:p>
             <a:r>
               <a:rPr lang="hr-HR" dirty="0" smtClean="0"/>
-              <a:t>Rastavljanje slike na</a:t>
-            </a:r>
-          </a:p>
-          <a:p>
-            <a:pPr lvl="1"/>
-            <a:r>
-              <a:rPr lang="en-US" dirty="0" smtClean="0"/>
-              <a:t>D</a:t>
-            </a:r>
-            <a:r>
-              <a:rPr lang="hr-HR" dirty="0" err="1" smtClean="0"/>
-              <a:t>omenski</a:t>
-            </a:r>
-            <a:r>
-              <a:rPr lang="hr-HR" dirty="0" smtClean="0"/>
-              <a:t> </a:t>
-            </a:r>
-            <a:r>
-              <a:rPr lang="hr-HR" dirty="0" err="1" smtClean="0"/>
-              <a:t>invarijantne</a:t>
-            </a:r>
-            <a:r>
-              <a:rPr lang="hr-HR" dirty="0" smtClean="0"/>
-              <a:t> značajke</a:t>
-            </a:r>
-          </a:p>
-          <a:p>
-            <a:pPr lvl="1"/>
-            <a:r>
-              <a:rPr lang="en-US" dirty="0" err="1" smtClean="0"/>
-              <a:t>Značajke</a:t>
-            </a:r>
-            <a:r>
-              <a:rPr lang="en-US" dirty="0" smtClean="0"/>
-              <a:t> </a:t>
-            </a:r>
-            <a:r>
-              <a:rPr lang="en-US" dirty="0" err="1" smtClean="0"/>
-              <a:t>koje</a:t>
-            </a:r>
-            <a:r>
-              <a:rPr lang="en-US" dirty="0" smtClean="0"/>
-              <a:t> </a:t>
-            </a:r>
-            <a:r>
-              <a:rPr lang="en-US" dirty="0" err="1" smtClean="0"/>
-              <a:t>sadrže</a:t>
-            </a:r>
-            <a:r>
-              <a:rPr lang="en-US" dirty="0" smtClean="0"/>
-              <a:t> </a:t>
-            </a:r>
-            <a:r>
-              <a:rPr lang="en-US" dirty="0" err="1" smtClean="0"/>
-              <a:t>specifična</a:t>
-            </a:r>
-            <a:r>
-              <a:rPr lang="en-US" dirty="0" smtClean="0"/>
-              <a:t> </a:t>
-            </a:r>
-            <a:r>
-              <a:rPr lang="en-US" dirty="0" err="1" smtClean="0"/>
-              <a:t>svojstva</a:t>
-            </a:r>
-            <a:endParaRPr lang="en-US" dirty="0" smtClean="0"/>
-          </a:p>
-          <a:p>
-            <a:endParaRPr lang="hr-HR" dirty="0"/>
-          </a:p>
-          <a:p>
-            <a:r>
-              <a:rPr lang="hr-HR" dirty="0" smtClean="0"/>
-              <a:t>Sadržaj slike </a:t>
-            </a:r>
-            <a:r>
-              <a:rPr lang="mr-IN" dirty="0" smtClean="0"/>
-              <a:t>–</a:t>
-            </a:r>
-            <a:r>
-              <a:rPr lang="hr-HR" dirty="0" smtClean="0"/>
-              <a:t> prostorna struktura</a:t>
-            </a:r>
-          </a:p>
-          <a:p>
-            <a:endParaRPr lang="hr-HR" dirty="0"/>
-          </a:p>
-          <a:p>
-            <a:r>
-              <a:rPr lang="hr-HR" dirty="0" smtClean="0"/>
-              <a:t>Stil slike </a:t>
-            </a:r>
-            <a:r>
-              <a:rPr lang="mr-IN" dirty="0" smtClean="0"/>
-              <a:t>–</a:t>
-            </a:r>
-            <a:r>
-              <a:rPr lang="hr-HR" dirty="0" smtClean="0"/>
-              <a:t> </a:t>
-            </a:r>
-            <a:r>
-              <a:rPr lang="hr-HR" dirty="0" err="1" smtClean="0"/>
-              <a:t>rendering</a:t>
-            </a:r>
-            <a:r>
-              <a:rPr lang="hr-HR" dirty="0" smtClean="0"/>
-              <a:t> sadržaja slike</a:t>
-            </a:r>
-            <a:endParaRPr lang="hr-HR" dirty="0"/>
-          </a:p>
-        </p:txBody>
-      </p:sp>
-      <p:sp>
-        <p:nvSpPr>
-          <p:cNvPr id="4" name="TextBox 3"/>
+              <a:t>Preslikavanje </a:t>
+            </a:r>
+            <a:r>
+              <a:rPr lang="hr-HR" dirty="0"/>
+              <a:t>obje domene na prostor zajedničkih latentnih varijabli</a:t>
+            </a:r>
+          </a:p>
+          <a:p>
+            <a:endParaRPr lang="hr-HR" dirty="0" smtClean="0"/>
+          </a:p>
+        </p:txBody>
+      </p:sp>
+      <p:sp>
+        <p:nvSpPr>
+          <p:cNvPr id="5" name="TextBox 4"/>
           <p:cNvSpPr txBox="1"/>
           <p:nvPr/>
         </p:nvSpPr>
         <p:spPr>
           <a:xfrm>
-            <a:off x="1103312" y="6155681"/>
-            <a:ext cx="9961123" cy="584775"/>
+            <a:off x="646111" y="6444688"/>
+            <a:ext cx="10864738" cy="338554"/>
           </a:xfrm>
           <a:prstGeom prst="rect">
             <a:avLst/>
@@ -8555,68 +8849,57 @@
           <a:lstStyle/>
           <a:p>
             <a:r>
-              <a:rPr lang="en-US" sz="1600" smtClean="0"/>
-              <a:t>X</a:t>
-            </a:r>
-            <a:r>
-              <a:rPr lang="en-US" sz="1600" smtClean="0"/>
-              <a:t>un</a:t>
+              <a:rPr lang="en-US" sz="1600" dirty="0"/>
+              <a:t>Unsupervised </a:t>
             </a:r>
             <a:r>
               <a:rPr lang="en-US" sz="1600" dirty="0" smtClean="0"/>
-              <a:t> </a:t>
+              <a:t>image-to-image</a:t>
+            </a:r>
+            <a:r>
+              <a:rPr lang="hr-HR" sz="1600" dirty="0" smtClean="0"/>
+              <a:t> </a:t>
+            </a:r>
+            <a:r>
+              <a:rPr lang="en-US" sz="1600" dirty="0" smtClean="0"/>
+              <a:t>translation </a:t>
             </a:r>
             <a:r>
               <a:rPr lang="en-US" sz="1600" dirty="0"/>
-              <a:t>Huang, Ming-Yu Liu, Serge </a:t>
-            </a:r>
-            <a:r>
-              <a:rPr lang="en-US" sz="1600" dirty="0" err="1"/>
-              <a:t>Belongie</a:t>
-            </a:r>
-            <a:r>
-              <a:rPr lang="en-US" sz="1600" dirty="0"/>
-              <a:t>, </a:t>
-            </a:r>
-            <a:r>
-              <a:rPr lang="en-US" sz="1600" dirty="0" err="1"/>
-              <a:t>i</a:t>
-            </a:r>
-            <a:r>
-              <a:rPr lang="en-US" sz="1600" dirty="0"/>
-              <a:t> Jan </a:t>
-            </a:r>
-            <a:r>
-              <a:rPr lang="en-US" sz="1600" dirty="0" err="1"/>
-              <a:t>Kautz</a:t>
-            </a:r>
-            <a:r>
-              <a:rPr lang="en-US" sz="1600" dirty="0"/>
-              <a:t>. Multimodal </a:t>
-            </a:r>
-            <a:r>
-              <a:rPr lang="en-US" sz="1600" dirty="0" err="1"/>
-              <a:t>unsu-pervised</a:t>
-            </a:r>
-            <a:r>
-              <a:rPr lang="en-US" sz="1600" dirty="0"/>
-              <a:t> image-to-image translation. </a:t>
-            </a:r>
-            <a:r>
-              <a:rPr lang="en-US" sz="1600" dirty="0" err="1"/>
-              <a:t>arXiv</a:t>
-            </a:r>
-            <a:r>
-              <a:rPr lang="en-US" sz="1600" dirty="0"/>
-              <a:t> preprint arXiv:1804.04732, 2018.</a:t>
-            </a:r>
-          </a:p>
-        </p:txBody>
-      </p:sp>
+              <a:t>networks, 2017.</a:t>
+            </a:r>
+            <a:endParaRPr lang="en-US" sz="1600" dirty="0"/>
+          </a:p>
+        </p:txBody>
+      </p:sp>
+      <p:pic>
+        <p:nvPicPr>
+          <p:cNvPr id="4" name="Picture 3"/>
+          <p:cNvPicPr>
+            <a:picLocks noChangeAspect="1"/>
+          </p:cNvPicPr>
+          <p:nvPr/>
+        </p:nvPicPr>
+        <p:blipFill>
+          <a:blip r:embed="rId2"/>
+          <a:stretch>
+            <a:fillRect/>
+          </a:stretch>
+        </p:blipFill>
+        <p:spPr>
+          <a:xfrm>
+            <a:off x="3395605" y="2616200"/>
+            <a:ext cx="5399418" cy="3632199"/>
+          </a:xfrm>
+          <a:prstGeom prst="rect">
+            <a:avLst/>
+          </a:prstGeom>
+        </p:spPr>
+      </p:pic>
     </p:spTree>
     <p:extLst>
       <p:ext uri="{BB962C8B-B14F-4D97-AF65-F5344CB8AC3E}">
-        <p14:creationId xmlns:p14="http://schemas.microsoft.com/office/powerpoint/2010/main" val="1738961816"/>
+        <p14:creationId xmlns:p14="http://schemas.microsoft.com/office/powerpoint/2010/main" val="361139838"/>
       </p:ext>
     </p:extLst>
   </p:cSld>
@@ -8859,42 +9142,83 @@
           <a:lstStyle/>
           <a:p>
             <a:r>
-              <a:rPr lang="en-US" dirty="0" err="1" smtClean="0"/>
-              <a:t>Multimodalna</a:t>
-            </a:r>
-            <a:r>
-              <a:rPr lang="en-US" dirty="0" smtClean="0"/>
-              <a:t> </a:t>
-            </a:r>
-            <a:r>
-              <a:rPr lang="en-US" dirty="0" err="1" smtClean="0"/>
-              <a:t>nenadzirana</a:t>
-            </a:r>
-            <a:r>
-              <a:rPr lang="en-US" dirty="0" smtClean="0"/>
-              <a:t> </a:t>
-            </a:r>
-            <a:r>
-              <a:rPr lang="en-US" dirty="0" err="1" smtClean="0"/>
+              <a:rPr lang="hr-HR" dirty="0"/>
+              <a:t>Nenadzirana </a:t>
+            </a:r>
+            <a:r>
+              <a:rPr lang="en-US" dirty="0" err="1"/>
               <a:t>translacija</a:t>
             </a:r>
             <a:r>
-              <a:rPr lang="en-US" dirty="0" smtClean="0"/>
-              <a:t> (MUNIT)</a:t>
+              <a:rPr lang="en-US" dirty="0"/>
+              <a:t> </a:t>
+            </a:r>
+            <a:r>
+              <a:rPr lang="hr-HR" dirty="0"/>
+              <a:t>slika </a:t>
+            </a:r>
+            <a:r>
+              <a:rPr lang="en-US" dirty="0"/>
+              <a:t>(UNIT)</a:t>
             </a:r>
             <a:endParaRPr lang="en-US" dirty="0"/>
+          </a:p>
+        </p:txBody>
+      </p:sp>
+      <p:sp>
+        <p:nvSpPr>
+          <p:cNvPr id="3" name="Content Placeholder 2"/>
+          <p:cNvSpPr>
+            <a:spLocks noGrp="1"/>
+          </p:cNvSpPr>
+          <p:nvPr>
+            <p:ph idx="1"/>
+          </p:nvPr>
+        </p:nvSpPr>
+        <p:spPr/>
+        <p:txBody>
+          <a:bodyPr/>
+          <a:lstStyle/>
+          <a:p>
+            <a:r>
+              <a:rPr lang="hr-HR" dirty="0" smtClean="0"/>
+              <a:t>Ostvarenje umreženim GAN-om i varijacijskim </a:t>
+            </a:r>
+            <a:r>
+              <a:rPr lang="hr-HR" dirty="0" err="1" smtClean="0"/>
+              <a:t>autoenkoderom</a:t>
+            </a:r>
+            <a:endParaRPr lang="hr-HR" dirty="0" smtClean="0"/>
+          </a:p>
+          <a:p>
+            <a:pPr lvl="1"/>
+            <a:r>
+              <a:rPr lang="hr-HR" dirty="0" smtClean="0"/>
+              <a:t>GAN stvara latentni prostor</a:t>
+            </a:r>
+          </a:p>
+          <a:p>
+            <a:pPr lvl="1"/>
+            <a:r>
+              <a:rPr lang="hr-HR" dirty="0" smtClean="0"/>
+              <a:t>VAE određuje relacije između domena</a:t>
+            </a:r>
+          </a:p>
+          <a:p>
+            <a:pPr marL="457200" lvl="1" indent="0">
+              <a:buNone/>
+            </a:pPr>
+            <a:endParaRPr lang="hr-HR" dirty="0" smtClean="0"/>
           </a:p>
         </p:txBody>
       </p:sp>
       <p:pic>
         <p:nvPicPr>
-          <p:cNvPr id="4" name="Content Placeholder 3"/>
+          <p:cNvPr id="4" name="Picture 3"/>
           <p:cNvPicPr>
-            <a:picLocks noGrp="1" noChangeAspect="1"/>
+            <a:picLocks noChangeAspect="1"/>
           </p:cNvPicPr>
-          <p:nvPr>
-            <p:ph idx="1"/>
-          </p:nvPr>
+          <p:nvPr/>
         </p:nvPicPr>
         <p:blipFill>
           <a:blip r:embed="rId2">
@@ -8910,21 +9234,24 @@
         </p:blipFill>
         <p:spPr>
           <a:xfrm>
-            <a:off x="1264720" y="1996752"/>
-            <a:ext cx="9076313" cy="4533282"/>
+            <a:off x="1303730" y="3440587"/>
+            <a:ext cx="9456128" cy="3007482"/>
           </a:xfrm>
+          <a:prstGeom prst="rect">
+            <a:avLst/>
+          </a:prstGeom>
         </p:spPr>
       </p:pic>
       <p:sp>
         <p:nvSpPr>
-          <p:cNvPr id="5" name="TextBox 4"/>
+          <p:cNvPr id="6" name="TextBox 5"/>
           <p:cNvSpPr txBox="1"/>
           <p:nvPr/>
         </p:nvSpPr>
         <p:spPr>
           <a:xfrm>
-            <a:off x="1103312" y="6155681"/>
-            <a:ext cx="9961123" cy="584775"/>
+            <a:off x="646111" y="6444688"/>
+            <a:ext cx="10864738" cy="338554"/>
           </a:xfrm>
           <a:prstGeom prst="rect">
             <a:avLst/>
@@ -8938,68 +9265,33 @@
           <a:lstStyle/>
           <a:p>
             <a:r>
-              <a:rPr lang="en-US" sz="1600" smtClean="0"/>
-              <a:t>X</a:t>
-            </a:r>
-            <a:r>
-              <a:rPr lang="en-US" sz="1600" smtClean="0"/>
-              <a:t>un</a:t>
+              <a:rPr lang="en-US" sz="1600" dirty="0"/>
+              <a:t>Unsupervised </a:t>
             </a:r>
             <a:r>
               <a:rPr lang="en-US" sz="1600" dirty="0" smtClean="0"/>
-              <a:t> </a:t>
+              <a:t>image-to-image</a:t>
+            </a:r>
+            <a:r>
+              <a:rPr lang="hr-HR" sz="1600" dirty="0" smtClean="0"/>
+              <a:t> </a:t>
+            </a:r>
+            <a:r>
+              <a:rPr lang="en-US" sz="1600" dirty="0" smtClean="0"/>
+              <a:t>translation </a:t>
             </a:r>
             <a:r>
               <a:rPr lang="en-US" sz="1600" dirty="0"/>
-              <a:t>Huang, Ming-Yu Liu, Serge </a:t>
-            </a:r>
-            <a:r>
-              <a:rPr lang="en-US" sz="1600" dirty="0" err="1"/>
-              <a:t>Belongie</a:t>
-            </a:r>
-            <a:r>
-              <a:rPr lang="en-US" sz="1600" dirty="0"/>
-              <a:t>, </a:t>
-            </a:r>
-            <a:r>
-              <a:rPr lang="en-US" sz="1600" dirty="0" err="1"/>
-              <a:t>i</a:t>
-            </a:r>
-            <a:r>
-              <a:rPr lang="en-US" sz="1600" dirty="0"/>
-              <a:t> Jan </a:t>
-            </a:r>
-            <a:r>
-              <a:rPr lang="en-US" sz="1600" dirty="0" err="1"/>
-              <a:t>Kautz</a:t>
-            </a:r>
-            <a:r>
-              <a:rPr lang="en-US" sz="1600" dirty="0"/>
-              <a:t>. Multimodal </a:t>
-            </a:r>
-            <a:r>
-              <a:rPr lang="en-US" sz="1600" dirty="0" err="1"/>
-              <a:t>unsu-pervised</a:t>
-            </a:r>
-            <a:r>
-              <a:rPr lang="en-US" sz="1600" dirty="0"/>
-              <a:t> image-to-image translation. </a:t>
-            </a:r>
-            <a:r>
-              <a:rPr lang="en-US" sz="1600" dirty="0" err="1"/>
-              <a:t>arXiv</a:t>
-            </a:r>
-            <a:r>
-              <a:rPr lang="en-US" sz="1600" dirty="0"/>
-              <a:t> preprint arXiv:1804.04732, 2018.</a:t>
-            </a:r>
+              <a:t>networks, 2017.</a:t>
+            </a:r>
+            <a:endParaRPr lang="en-US" sz="1600" dirty="0"/>
           </a:p>
         </p:txBody>
       </p:sp>
     </p:spTree>
     <p:extLst>
       <p:ext uri="{BB962C8B-B14F-4D97-AF65-F5344CB8AC3E}">
-        <p14:creationId xmlns:p14="http://schemas.microsoft.com/office/powerpoint/2010/main" val="1785648072"/>
+        <p14:creationId xmlns:p14="http://schemas.microsoft.com/office/powerpoint/2010/main" val="1446841711"/>
       </p:ext>
     </p:extLst>
   </p:cSld>
@@ -9050,7 +9342,27 @@
           <a:p>
             <a:r>
               <a:rPr lang="en-US" dirty="0" err="1" smtClean="0"/>
-              <a:t>Zaključak</a:t>
+              <a:t>Multimodalna</a:t>
+            </a:r>
+            <a:r>
+              <a:rPr lang="en-US" dirty="0" smtClean="0"/>
+              <a:t> </a:t>
+            </a:r>
+            <a:r>
+              <a:rPr lang="en-US" dirty="0" err="1" smtClean="0"/>
+              <a:t>nenadzirana</a:t>
+            </a:r>
+            <a:r>
+              <a:rPr lang="en-US" dirty="0" smtClean="0"/>
+              <a:t> </a:t>
+            </a:r>
+            <a:r>
+              <a:rPr lang="en-US" dirty="0" err="1" smtClean="0"/>
+              <a:t>translacija</a:t>
+            </a:r>
+            <a:r>
+              <a:rPr lang="en-US" dirty="0" smtClean="0"/>
+              <a:t> (MUNIT)</a:t>
             </a:r>
             <a:endParaRPr lang="en-US" dirty="0"/>
           </a:p>
@@ -9072,224 +9384,108 @@
           <a:lstStyle/>
           <a:p>
             <a:r>
-              <a:rPr lang="en-US" dirty="0" smtClean="0"/>
-              <a:t>GAN-</a:t>
-            </a:r>
-            <a:r>
-              <a:rPr lang="en-US" dirty="0" err="1" smtClean="0"/>
-              <a:t>ovi</a:t>
-            </a:r>
+              <a:rPr lang="hr-HR" dirty="0" smtClean="0"/>
+              <a:t>Modeli prethodnih poglavlja nisu generičko rješenje</a:t>
+            </a:r>
+          </a:p>
+          <a:p>
+            <a:endParaRPr lang="hr-HR" dirty="0" smtClean="0"/>
+          </a:p>
+          <a:p>
+            <a:r>
+              <a:rPr lang="hr-HR" dirty="0" smtClean="0"/>
+              <a:t>Kružni GAN-ovi vrše determinističko preslikavanje</a:t>
+            </a:r>
+          </a:p>
+          <a:p>
+            <a:endParaRPr lang="hr-HR" dirty="0" smtClean="0"/>
+          </a:p>
+          <a:p>
+            <a:r>
+              <a:rPr lang="hr-HR" dirty="0" smtClean="0"/>
+              <a:t>UNIT uče </a:t>
+            </a:r>
+            <a:r>
+              <a:rPr lang="hr-HR" dirty="0" err="1" smtClean="0"/>
+              <a:t>unimodalno</a:t>
+            </a:r>
+            <a:r>
+              <a:rPr lang="hr-HR" dirty="0" smtClean="0"/>
+              <a:t> preslikavanje</a:t>
+            </a:r>
+          </a:p>
+          <a:p>
             <a:endParaRPr lang="en-US" dirty="0" smtClean="0"/>
           </a:p>
           <a:p>
-            <a:pPr lvl="1"/>
-            <a:r>
-              <a:rPr lang="en-US" dirty="0" err="1" smtClean="0"/>
-              <a:t>Učenje</a:t>
-            </a:r>
-            <a:r>
-              <a:rPr lang="en-US" dirty="0" smtClean="0"/>
-              <a:t> </a:t>
-            </a:r>
-            <a:r>
-              <a:rPr lang="en-US" dirty="0" err="1" smtClean="0"/>
-              <a:t>prirodnih</a:t>
-            </a:r>
-            <a:r>
-              <a:rPr lang="en-US" dirty="0" smtClean="0"/>
-              <a:t> </a:t>
-            </a:r>
-            <a:r>
-              <a:rPr lang="en-US" dirty="0" err="1" smtClean="0"/>
-              <a:t>značajki</a:t>
-            </a:r>
-            <a:endParaRPr lang="en-US" dirty="0"/>
-          </a:p>
-          <a:p>
-            <a:pPr lvl="1"/>
-            <a:r>
-              <a:rPr lang="en-US" dirty="0" err="1" smtClean="0"/>
-              <a:t>Vrlo</a:t>
-            </a:r>
-            <a:r>
-              <a:rPr lang="en-US" dirty="0" smtClean="0"/>
-              <a:t> </a:t>
-            </a:r>
-            <a:r>
-              <a:rPr lang="en-US" dirty="0" err="1" smtClean="0"/>
-              <a:t>samostalni</a:t>
-            </a:r>
-            <a:r>
-              <a:rPr lang="en-US" dirty="0" smtClean="0"/>
-              <a:t> </a:t>
-            </a:r>
-            <a:r>
-              <a:rPr lang="en-US" dirty="0" err="1" smtClean="0"/>
-              <a:t>tokom</a:t>
-            </a:r>
-            <a:r>
-              <a:rPr lang="en-US" dirty="0" smtClean="0"/>
-              <a:t> </a:t>
-            </a:r>
-            <a:r>
-              <a:rPr lang="en-US" dirty="0" err="1" smtClean="0"/>
-              <a:t>generacije</a:t>
-            </a:r>
-            <a:endParaRPr lang="en-US" dirty="0" smtClean="0"/>
-          </a:p>
-          <a:p>
-            <a:pPr lvl="1"/>
-            <a:endParaRPr lang="en-US" dirty="0"/>
-          </a:p>
-          <a:p>
-            <a:r>
-              <a:rPr lang="en-US" dirty="0" err="1" smtClean="0"/>
-              <a:t>Uvjetovani</a:t>
-            </a:r>
-            <a:r>
-              <a:rPr lang="en-US" dirty="0" smtClean="0"/>
-              <a:t> GAN-</a:t>
-            </a:r>
-            <a:r>
-              <a:rPr lang="en-US" dirty="0" err="1" smtClean="0"/>
-              <a:t>ovi</a:t>
-            </a:r>
-            <a:endParaRPr lang="en-US" dirty="0" smtClean="0"/>
-          </a:p>
-          <a:p>
-            <a:pPr lvl="1"/>
-            <a:r>
-              <a:rPr lang="en-US" dirty="0" err="1" smtClean="0"/>
-              <a:t>Mreža</a:t>
-            </a:r>
-            <a:r>
-              <a:rPr lang="en-US" dirty="0" smtClean="0"/>
-              <a:t> </a:t>
-            </a:r>
-            <a:r>
-              <a:rPr lang="en-US" dirty="0" err="1" smtClean="0"/>
-              <a:t>samostalno</a:t>
-            </a:r>
-            <a:r>
-              <a:rPr lang="en-US" dirty="0" smtClean="0"/>
-              <a:t> </a:t>
-            </a:r>
-            <a:r>
-              <a:rPr lang="en-US" dirty="0" err="1" smtClean="0"/>
-              <a:t>može</a:t>
-            </a:r>
-            <a:r>
-              <a:rPr lang="en-US" dirty="0" smtClean="0"/>
-              <a:t> </a:t>
-            </a:r>
-            <a:r>
-              <a:rPr lang="en-US" dirty="0" err="1" smtClean="0"/>
-              <a:t>naučiti</a:t>
-            </a:r>
-            <a:r>
-              <a:rPr lang="en-US" dirty="0" smtClean="0"/>
-              <a:t> </a:t>
-            </a:r>
-            <a:r>
-              <a:rPr lang="en-US" dirty="0" err="1" smtClean="0"/>
-              <a:t>funkciju</a:t>
-            </a:r>
-            <a:r>
-              <a:rPr lang="en-US" dirty="0" smtClean="0"/>
-              <a:t> </a:t>
-            </a:r>
-            <a:r>
-              <a:rPr lang="en-US" dirty="0" err="1" smtClean="0"/>
-              <a:t>gubitka</a:t>
-            </a:r>
-            <a:endParaRPr lang="en-US" dirty="0" smtClean="0"/>
-          </a:p>
-          <a:p>
-            <a:pPr lvl="1"/>
-            <a:r>
-              <a:rPr lang="en-US" dirty="0" err="1" smtClean="0"/>
-              <a:t>Uklanja</a:t>
-            </a:r>
-            <a:r>
-              <a:rPr lang="en-US" dirty="0" smtClean="0"/>
-              <a:t> </a:t>
-            </a:r>
-            <a:r>
-              <a:rPr lang="en-US" dirty="0" err="1" smtClean="0"/>
-              <a:t>potrebu</a:t>
-            </a:r>
-            <a:r>
-              <a:rPr lang="en-US" dirty="0" smtClean="0"/>
-              <a:t> </a:t>
-            </a:r>
-            <a:r>
-              <a:rPr lang="en-US" dirty="0" err="1" smtClean="0"/>
-              <a:t>za</a:t>
-            </a:r>
-            <a:r>
-              <a:rPr lang="en-US" dirty="0" smtClean="0"/>
-              <a:t> </a:t>
-            </a:r>
-            <a:r>
-              <a:rPr lang="en-US" dirty="0" err="1" smtClean="0"/>
-              <a:t>inženjerskim</a:t>
-            </a:r>
-            <a:r>
-              <a:rPr lang="en-US" dirty="0" smtClean="0"/>
-              <a:t> </a:t>
-            </a:r>
-            <a:r>
-              <a:rPr lang="en-US" dirty="0" err="1" smtClean="0"/>
-              <a:t>radom</a:t>
-            </a:r>
-            <a:r>
-              <a:rPr lang="en-US" dirty="0" smtClean="0"/>
-              <a:t> </a:t>
-            </a:r>
-            <a:r>
-              <a:rPr lang="mr-IN" dirty="0" smtClean="0"/>
-              <a:t>–</a:t>
-            </a:r>
-            <a:r>
-              <a:rPr lang="en-US" dirty="0" smtClean="0"/>
-              <a:t> </a:t>
-            </a:r>
-            <a:r>
-              <a:rPr lang="en-US" dirty="0" err="1" smtClean="0"/>
-              <a:t>korak</a:t>
-            </a:r>
-            <a:r>
-              <a:rPr lang="en-US" dirty="0" smtClean="0"/>
-              <a:t> </a:t>
-            </a:r>
-            <a:r>
-              <a:rPr lang="en-US" dirty="0" err="1" smtClean="0"/>
-              <a:t>prema</a:t>
-            </a:r>
-            <a:r>
-              <a:rPr lang="en-US" dirty="0" smtClean="0"/>
-              <a:t> </a:t>
-            </a:r>
-            <a:r>
-              <a:rPr lang="en-US" dirty="0" err="1" smtClean="0"/>
-              <a:t>široj</a:t>
-            </a:r>
-            <a:r>
-              <a:rPr lang="en-US" dirty="0" smtClean="0"/>
-              <a:t> </a:t>
-            </a:r>
-            <a:r>
-              <a:rPr lang="en-US" dirty="0" err="1" smtClean="0"/>
-              <a:t>adaptaciji</a:t>
-            </a:r>
-            <a:endParaRPr lang="en-US" dirty="0" smtClean="0"/>
+            <a:r>
+              <a:rPr lang="en-US" dirty="0" smtClean="0"/>
+              <a:t>V</a:t>
+            </a:r>
+            <a:r>
+              <a:rPr lang="hr-HR" dirty="0" err="1" smtClean="0"/>
+              <a:t>rlo</a:t>
+            </a:r>
+            <a:r>
+              <a:rPr lang="hr-HR" dirty="0" smtClean="0"/>
+              <a:t> teško ostvaruju raznolikost</a:t>
+            </a:r>
+          </a:p>
+          <a:p>
+            <a:endParaRPr lang="hr-HR" dirty="0"/>
+          </a:p>
+        </p:txBody>
+      </p:sp>
+      <p:sp>
+        <p:nvSpPr>
+          <p:cNvPr id="5" name="TextBox 4"/>
+          <p:cNvSpPr txBox="1"/>
+          <p:nvPr/>
+        </p:nvSpPr>
+        <p:spPr>
+          <a:xfrm>
+            <a:off x="646111" y="6444688"/>
+            <a:ext cx="10864738" cy="338554"/>
+          </a:xfrm>
+          <a:prstGeom prst="rect">
+            <a:avLst/>
+          </a:prstGeom>
+          <a:noFill/>
+        </p:spPr>
+        <p:txBody>
+          <a:bodyPr wrap="square" rtlCol="0">
+            <a:spAutoFit/>
+          </a:bodyPr>
+          <a:lstStyle/>
+          <a:p>
+            <a:r>
+              <a:rPr lang="en-US" sz="1600" dirty="0"/>
+              <a:t>Multimodal </a:t>
+            </a:r>
+            <a:r>
+              <a:rPr lang="en-US" sz="1600" dirty="0" smtClean="0"/>
+              <a:t>unsupervised </a:t>
+            </a:r>
+            <a:r>
+              <a:rPr lang="en-US" sz="1600" dirty="0"/>
+              <a:t>image-to-image translation. </a:t>
+            </a:r>
+            <a:r>
+              <a:rPr lang="en-US" sz="1600" dirty="0" smtClean="0"/>
+              <a:t> arXiv:1804.04732</a:t>
+            </a:r>
+            <a:r>
+              <a:rPr lang="en-US" sz="1600" dirty="0"/>
+              <a:t>, 2018.</a:t>
+            </a:r>
+            <a:endParaRPr lang="en-US" sz="1600" dirty="0"/>
           </a:p>
         </p:txBody>
       </p:sp>
     </p:spTree>
     <p:extLst>
       <p:ext uri="{BB962C8B-B14F-4D97-AF65-F5344CB8AC3E}">
-        <p14:creationId xmlns:p14="http://schemas.microsoft.com/office/powerpoint/2010/main" val="1343267494"/>
+        <p14:creationId xmlns:p14="http://schemas.microsoft.com/office/powerpoint/2010/main" val="984007413"/>
       </p:ext>
     </p:extLst>
   </p:cSld>
@@ -9340,6 +9536,673 @@
           <a:p>
             <a:r>
               <a:rPr lang="en-US" dirty="0" err="1" smtClean="0"/>
+              <a:t>Multimodalna</a:t>
+            </a:r>
+            <a:r>
+              <a:rPr lang="en-US" dirty="0" smtClean="0"/>
+              <a:t> </a:t>
+            </a:r>
+            <a:r>
+              <a:rPr lang="en-US" dirty="0" err="1" smtClean="0"/>
+              <a:t>nenadzirana</a:t>
+            </a:r>
+            <a:r>
+              <a:rPr lang="en-US" dirty="0" smtClean="0"/>
+              <a:t> </a:t>
+            </a:r>
+            <a:r>
+              <a:rPr lang="en-US" dirty="0" err="1" smtClean="0"/>
+              <a:t>translacija</a:t>
+            </a:r>
+            <a:r>
+              <a:rPr lang="en-US" dirty="0" smtClean="0"/>
+              <a:t> (MUNIT)</a:t>
+            </a:r>
+            <a:endParaRPr lang="en-US" dirty="0"/>
+          </a:p>
+        </p:txBody>
+      </p:sp>
+      <p:sp>
+        <p:nvSpPr>
+          <p:cNvPr id="3" name="Content Placeholder 2"/>
+          <p:cNvSpPr>
+            <a:spLocks noGrp="1"/>
+          </p:cNvSpPr>
+          <p:nvPr>
+            <p:ph idx="1"/>
+          </p:nvPr>
+        </p:nvSpPr>
+        <p:spPr/>
+        <p:txBody>
+          <a:bodyPr/>
+          <a:lstStyle/>
+          <a:p>
+            <a:r>
+              <a:rPr lang="hr-HR" dirty="0" smtClean="0"/>
+              <a:t>Rastavljanje slike na</a:t>
+            </a:r>
+          </a:p>
+          <a:p>
+            <a:pPr lvl="1"/>
+            <a:r>
+              <a:rPr lang="en-US" dirty="0" smtClean="0"/>
+              <a:t>D</a:t>
+            </a:r>
+            <a:r>
+              <a:rPr lang="hr-HR" dirty="0" err="1" smtClean="0"/>
+              <a:t>omenski</a:t>
+            </a:r>
+            <a:r>
+              <a:rPr lang="hr-HR" dirty="0" smtClean="0"/>
+              <a:t> </a:t>
+            </a:r>
+            <a:r>
+              <a:rPr lang="hr-HR" dirty="0" err="1" smtClean="0"/>
+              <a:t>invarijantne</a:t>
+            </a:r>
+            <a:r>
+              <a:rPr lang="hr-HR" dirty="0" smtClean="0"/>
+              <a:t> značajke</a:t>
+            </a:r>
+          </a:p>
+          <a:p>
+            <a:pPr lvl="1"/>
+            <a:r>
+              <a:rPr lang="en-US" dirty="0" err="1" smtClean="0"/>
+              <a:t>Značajke</a:t>
+            </a:r>
+            <a:r>
+              <a:rPr lang="en-US" dirty="0" smtClean="0"/>
+              <a:t> </a:t>
+            </a:r>
+            <a:r>
+              <a:rPr lang="en-US" dirty="0" err="1" smtClean="0"/>
+              <a:t>koje</a:t>
+            </a:r>
+            <a:r>
+              <a:rPr lang="en-US" dirty="0" smtClean="0"/>
+              <a:t> </a:t>
+            </a:r>
+            <a:r>
+              <a:rPr lang="en-US" dirty="0" err="1" smtClean="0"/>
+              <a:t>sadrže</a:t>
+            </a:r>
+            <a:r>
+              <a:rPr lang="en-US" dirty="0" smtClean="0"/>
+              <a:t> </a:t>
+            </a:r>
+            <a:r>
+              <a:rPr lang="en-US" dirty="0" err="1" smtClean="0"/>
+              <a:t>specifična</a:t>
+            </a:r>
+            <a:r>
+              <a:rPr lang="en-US" dirty="0" smtClean="0"/>
+              <a:t> </a:t>
+            </a:r>
+            <a:r>
+              <a:rPr lang="en-US" dirty="0" err="1" smtClean="0"/>
+              <a:t>svojstva</a:t>
+            </a:r>
+            <a:endParaRPr lang="en-US" dirty="0" smtClean="0"/>
+          </a:p>
+          <a:p>
+            <a:endParaRPr lang="hr-HR" dirty="0"/>
+          </a:p>
+          <a:p>
+            <a:r>
+              <a:rPr lang="hr-HR" dirty="0" smtClean="0"/>
+              <a:t>Sadržaj slike </a:t>
+            </a:r>
+            <a:r>
+              <a:rPr lang="mr-IN" dirty="0" smtClean="0"/>
+              <a:t>–</a:t>
+            </a:r>
+            <a:r>
+              <a:rPr lang="hr-HR" dirty="0" smtClean="0"/>
+              <a:t> prostorna struktura</a:t>
+            </a:r>
+          </a:p>
+          <a:p>
+            <a:endParaRPr lang="hr-HR" dirty="0"/>
+          </a:p>
+          <a:p>
+            <a:r>
+              <a:rPr lang="hr-HR" dirty="0" smtClean="0"/>
+              <a:t>Stil slike </a:t>
+            </a:r>
+            <a:r>
+              <a:rPr lang="mr-IN" dirty="0" smtClean="0"/>
+              <a:t>–</a:t>
+            </a:r>
+            <a:r>
+              <a:rPr lang="hr-HR" dirty="0" smtClean="0"/>
+              <a:t> </a:t>
+            </a:r>
+            <a:r>
+              <a:rPr lang="hr-HR" dirty="0" err="1" smtClean="0"/>
+              <a:t>rendering</a:t>
+            </a:r>
+            <a:r>
+              <a:rPr lang="hr-HR" dirty="0" smtClean="0"/>
+              <a:t> sadržaja slike</a:t>
+            </a:r>
+            <a:endParaRPr lang="hr-HR" dirty="0"/>
+          </a:p>
+        </p:txBody>
+      </p:sp>
+      <p:sp>
+        <p:nvSpPr>
+          <p:cNvPr id="5" name="TextBox 4"/>
+          <p:cNvSpPr txBox="1"/>
+          <p:nvPr/>
+        </p:nvSpPr>
+        <p:spPr>
+          <a:xfrm>
+            <a:off x="646111" y="6444688"/>
+            <a:ext cx="10864738" cy="338554"/>
+          </a:xfrm>
+          <a:prstGeom prst="rect">
+            <a:avLst/>
+          </a:prstGeom>
+          <a:noFill/>
+        </p:spPr>
+        <p:txBody>
+          <a:bodyPr wrap="square" rtlCol="0">
+            <a:spAutoFit/>
+          </a:bodyPr>
+          <a:lstStyle/>
+          <a:p>
+            <a:r>
+              <a:rPr lang="en-US" sz="1600" dirty="0"/>
+              <a:t>Multimodal unsupervised image-to-image translation.  arXiv:1804.04732, 2018.</a:t>
+            </a:r>
+            <a:endParaRPr lang="en-US" sz="1600" dirty="0"/>
+          </a:p>
+        </p:txBody>
+      </p:sp>
+    </p:spTree>
+    <p:extLst>
+      <p:ext uri="{BB962C8B-B14F-4D97-AF65-F5344CB8AC3E}">
+        <p14:creationId xmlns:p14="http://schemas.microsoft.com/office/powerpoint/2010/main" val="1738961816"/>
+      </p:ext>
+    </p:extLst>
+  </p:cSld>
+  <p:clrMapOvr>
+    <a:masterClrMapping/>
+  </p:clrMapOvr>
+  <p:timing>
+    <p:tnLst>
+      <p:par>
+        <p:cTn id="1" dur="indefinite" restart="never" nodeType="tmRoot"/>
+      </p:par>
+    </p:tnLst>
+  </p:timing>
+</p:sld>
+</file>
+
+<file path=ppt/slides/slide23.xml><?xml version="1.0" encoding="utf-8"?>
+<p:sld xmlns:a="http://schemas.openxmlformats.org/drawingml/2006/main" xmlns:r="http://schemas.openxmlformats.org/officeDocument/2006/relationships" xmlns:p="http://schemas.openxmlformats.org/presentationml/2006/main">
+  <p:cSld>
+    <p:spTree>
+      <p:nvGrpSpPr>
+        <p:cNvPr id="1" name=""/>
+        <p:cNvGrpSpPr/>
+        <p:nvPr/>
+      </p:nvGrpSpPr>
+      <p:grpSpPr>
+        <a:xfrm>
+          <a:off x="0" y="0"/>
+          <a:ext cx="0" cy="0"/>
+          <a:chOff x="0" y="0"/>
+          <a:chExt cx="0" cy="0"/>
+        </a:xfrm>
+      </p:grpSpPr>
+      <p:sp>
+        <p:nvSpPr>
+          <p:cNvPr id="2" name="Title 1"/>
+          <p:cNvSpPr>
+            <a:spLocks noGrp="1"/>
+          </p:cNvSpPr>
+          <p:nvPr>
+            <p:ph type="title"/>
+          </p:nvPr>
+        </p:nvSpPr>
+        <p:spPr/>
+        <p:txBody>
+          <a:bodyPr/>
+          <a:lstStyle/>
+          <a:p>
+            <a:r>
+              <a:rPr lang="en-US" dirty="0" err="1" smtClean="0"/>
+              <a:t>Multimodalna</a:t>
+            </a:r>
+            <a:r>
+              <a:rPr lang="en-US" dirty="0" smtClean="0"/>
+              <a:t> </a:t>
+            </a:r>
+            <a:r>
+              <a:rPr lang="en-US" dirty="0" err="1" smtClean="0"/>
+              <a:t>nenadzirana</a:t>
+            </a:r>
+            <a:r>
+              <a:rPr lang="en-US" dirty="0" smtClean="0"/>
+              <a:t> </a:t>
+            </a:r>
+            <a:r>
+              <a:rPr lang="en-US" dirty="0" err="1" smtClean="0"/>
+              <a:t>translacija</a:t>
+            </a:r>
+            <a:r>
+              <a:rPr lang="en-US" dirty="0" smtClean="0"/>
+              <a:t> (MUNIT)</a:t>
+            </a:r>
+            <a:endParaRPr lang="en-US" dirty="0"/>
+          </a:p>
+        </p:txBody>
+      </p:sp>
+      <p:pic>
+        <p:nvPicPr>
+          <p:cNvPr id="4" name="Content Placeholder 3"/>
+          <p:cNvPicPr>
+            <a:picLocks noGrp="1" noChangeAspect="1"/>
+          </p:cNvPicPr>
+          <p:nvPr>
+            <p:ph idx="1"/>
+          </p:nvPr>
+        </p:nvPicPr>
+        <p:blipFill>
+          <a:blip r:embed="rId2">
+            <a:extLst>
+              <a:ext uri="{28A0092B-C50C-407E-A947-70E740481C1C}">
+                <a14:useLocalDpi xmlns:a14="http://schemas.microsoft.com/office/drawing/2010/main" val="0"/>
+              </a:ext>
+            </a:extLst>
+          </a:blip>
+          <a:stretch>
+            <a:fillRect/>
+          </a:stretch>
+        </p:blipFill>
+        <p:spPr>
+          <a:xfrm>
+            <a:off x="1264720" y="1996752"/>
+            <a:ext cx="9076313" cy="4447936"/>
+          </a:xfrm>
+        </p:spPr>
+      </p:pic>
+      <p:sp>
+        <p:nvSpPr>
+          <p:cNvPr id="6" name="TextBox 5"/>
+          <p:cNvSpPr txBox="1"/>
+          <p:nvPr/>
+        </p:nvSpPr>
+        <p:spPr>
+          <a:xfrm>
+            <a:off x="646111" y="6444688"/>
+            <a:ext cx="10864738" cy="338554"/>
+          </a:xfrm>
+          <a:prstGeom prst="rect">
+            <a:avLst/>
+          </a:prstGeom>
+          <a:noFill/>
+        </p:spPr>
+        <p:txBody>
+          <a:bodyPr wrap="square" rtlCol="0">
+            <a:spAutoFit/>
+          </a:bodyPr>
+          <a:lstStyle/>
+          <a:p>
+            <a:r>
+              <a:rPr lang="en-US" sz="1600" dirty="0"/>
+              <a:t>Multimodal unsupervised image-to-image translation.  arXiv:1804.04732, 2018.</a:t>
+            </a:r>
+            <a:endParaRPr lang="en-US" sz="1600" dirty="0"/>
+          </a:p>
+        </p:txBody>
+      </p:sp>
+    </p:spTree>
+    <p:extLst>
+      <p:ext uri="{BB962C8B-B14F-4D97-AF65-F5344CB8AC3E}">
+        <p14:creationId xmlns:p14="http://schemas.microsoft.com/office/powerpoint/2010/main" val="1785648072"/>
+      </p:ext>
+    </p:extLst>
+  </p:cSld>
+  <p:clrMapOvr>
+    <a:masterClrMapping/>
+  </p:clrMapOvr>
+  <p:timing>
+    <p:tnLst>
+      <p:par>
+        <p:cTn id="1" dur="indefinite" restart="never" nodeType="tmRoot"/>
+      </p:par>
+    </p:tnLst>
+  </p:timing>
+</p:sld>
+</file>
+
+<file path=ppt/slides/slide24.xml><?xml version="1.0" encoding="utf-8"?>
+<p:sld xmlns:a="http://schemas.openxmlformats.org/drawingml/2006/main" xmlns:r="http://schemas.openxmlformats.org/officeDocument/2006/relationships" xmlns:p="http://schemas.openxmlformats.org/presentationml/2006/main">
+  <p:cSld>
+    <p:spTree>
+      <p:nvGrpSpPr>
+        <p:cNvPr id="1" name=""/>
+        <p:cNvGrpSpPr/>
+        <p:nvPr/>
+      </p:nvGrpSpPr>
+      <p:grpSpPr>
+        <a:xfrm>
+          <a:off x="0" y="0"/>
+          <a:ext cx="0" cy="0"/>
+          <a:chOff x="0" y="0"/>
+          <a:chExt cx="0" cy="0"/>
+        </a:xfrm>
+      </p:grpSpPr>
+      <p:sp>
+        <p:nvSpPr>
+          <p:cNvPr id="2" name="Title 1"/>
+          <p:cNvSpPr>
+            <a:spLocks noGrp="1"/>
+          </p:cNvSpPr>
+          <p:nvPr>
+            <p:ph type="title"/>
+          </p:nvPr>
+        </p:nvSpPr>
+        <p:spPr/>
+        <p:txBody>
+          <a:bodyPr/>
+          <a:lstStyle/>
+          <a:p>
+            <a:r>
+              <a:rPr lang="en-US" dirty="0" err="1" smtClean="0"/>
+              <a:t>Zaključak</a:t>
+            </a:r>
+            <a:endParaRPr lang="en-US" dirty="0"/>
+          </a:p>
+        </p:txBody>
+      </p:sp>
+      <p:sp>
+        <p:nvSpPr>
+          <p:cNvPr id="3" name="Content Placeholder 2"/>
+          <p:cNvSpPr>
+            <a:spLocks noGrp="1"/>
+          </p:cNvSpPr>
+          <p:nvPr>
+            <p:ph idx="1"/>
+          </p:nvPr>
+        </p:nvSpPr>
+        <p:spPr/>
+        <p:txBody>
+          <a:bodyPr/>
+          <a:lstStyle/>
+          <a:p>
+            <a:r>
+              <a:rPr lang="en-US" dirty="0" smtClean="0"/>
+              <a:t>GAN-</a:t>
+            </a:r>
+            <a:r>
+              <a:rPr lang="en-US" dirty="0" err="1" smtClean="0"/>
+              <a:t>ovi</a:t>
+            </a:r>
+            <a:endParaRPr lang="en-US" dirty="0" smtClean="0"/>
+          </a:p>
+          <a:p>
+            <a:pPr lvl="1"/>
+            <a:r>
+              <a:rPr lang="en-US" dirty="0" err="1" smtClean="0"/>
+              <a:t>Učenje</a:t>
+            </a:r>
+            <a:r>
+              <a:rPr lang="en-US" dirty="0" smtClean="0"/>
+              <a:t> </a:t>
+            </a:r>
+            <a:r>
+              <a:rPr lang="en-US" dirty="0" err="1" smtClean="0"/>
+              <a:t>prirodnih</a:t>
+            </a:r>
+            <a:r>
+              <a:rPr lang="en-US" dirty="0" smtClean="0"/>
+              <a:t> </a:t>
+            </a:r>
+            <a:r>
+              <a:rPr lang="en-US" dirty="0" err="1" smtClean="0"/>
+              <a:t>značajki</a:t>
+            </a:r>
+            <a:endParaRPr lang="en-US" dirty="0"/>
+          </a:p>
+          <a:p>
+            <a:pPr lvl="1"/>
+            <a:r>
+              <a:rPr lang="en-US" dirty="0" err="1" smtClean="0"/>
+              <a:t>Vrlo</a:t>
+            </a:r>
+            <a:r>
+              <a:rPr lang="en-US" dirty="0" smtClean="0"/>
+              <a:t> </a:t>
+            </a:r>
+            <a:r>
+              <a:rPr lang="en-US" dirty="0" err="1" smtClean="0"/>
+              <a:t>samostalni</a:t>
+            </a:r>
+            <a:r>
+              <a:rPr lang="en-US" dirty="0" smtClean="0"/>
+              <a:t> </a:t>
+            </a:r>
+            <a:r>
+              <a:rPr lang="en-US" dirty="0" err="1" smtClean="0"/>
+              <a:t>tokom</a:t>
+            </a:r>
+            <a:r>
+              <a:rPr lang="en-US" dirty="0" smtClean="0"/>
+              <a:t> </a:t>
+            </a:r>
+            <a:r>
+              <a:rPr lang="en-US" dirty="0" err="1" smtClean="0"/>
+              <a:t>generacije</a:t>
+            </a:r>
+            <a:endParaRPr lang="en-US" dirty="0" smtClean="0"/>
+          </a:p>
+          <a:p>
+            <a:pPr lvl="1"/>
+            <a:endParaRPr lang="en-US" dirty="0"/>
+          </a:p>
+          <a:p>
+            <a:r>
+              <a:rPr lang="en-US" dirty="0" err="1" smtClean="0"/>
+              <a:t>Uvjetovani</a:t>
+            </a:r>
+            <a:r>
+              <a:rPr lang="en-US" dirty="0" smtClean="0"/>
+              <a:t> GAN-</a:t>
+            </a:r>
+            <a:r>
+              <a:rPr lang="en-US" dirty="0" err="1" smtClean="0"/>
+              <a:t>ovi</a:t>
+            </a:r>
+            <a:endParaRPr lang="en-US" dirty="0" smtClean="0"/>
+          </a:p>
+          <a:p>
+            <a:pPr lvl="1"/>
+            <a:r>
+              <a:rPr lang="en-US" dirty="0" err="1" smtClean="0"/>
+              <a:t>Mreža</a:t>
+            </a:r>
+            <a:r>
+              <a:rPr lang="en-US" dirty="0" smtClean="0"/>
+              <a:t> </a:t>
+            </a:r>
+            <a:r>
+              <a:rPr lang="en-US" dirty="0" err="1" smtClean="0"/>
+              <a:t>samostalno</a:t>
+            </a:r>
+            <a:r>
+              <a:rPr lang="en-US" dirty="0" smtClean="0"/>
+              <a:t> </a:t>
+            </a:r>
+            <a:r>
+              <a:rPr lang="en-US" dirty="0" err="1" smtClean="0"/>
+              <a:t>može</a:t>
+            </a:r>
+            <a:r>
+              <a:rPr lang="en-US" dirty="0" smtClean="0"/>
+              <a:t> </a:t>
+            </a:r>
+            <a:r>
+              <a:rPr lang="en-US" dirty="0" err="1" smtClean="0"/>
+              <a:t>naučiti</a:t>
+            </a:r>
+            <a:r>
+              <a:rPr lang="en-US" dirty="0" smtClean="0"/>
+              <a:t> </a:t>
+            </a:r>
+            <a:r>
+              <a:rPr lang="en-US" dirty="0" err="1" smtClean="0"/>
+              <a:t>funkciju</a:t>
+            </a:r>
+            <a:r>
+              <a:rPr lang="en-US" dirty="0" smtClean="0"/>
+              <a:t> </a:t>
+            </a:r>
+            <a:r>
+              <a:rPr lang="en-US" dirty="0" err="1" smtClean="0"/>
+              <a:t>gubitka</a:t>
+            </a:r>
+            <a:endParaRPr lang="en-US" dirty="0" smtClean="0"/>
+          </a:p>
+          <a:p>
+            <a:pPr lvl="1"/>
+            <a:r>
+              <a:rPr lang="en-US" dirty="0" err="1" smtClean="0"/>
+              <a:t>Uklanja</a:t>
+            </a:r>
+            <a:r>
+              <a:rPr lang="en-US" dirty="0" smtClean="0"/>
+              <a:t> </a:t>
+            </a:r>
+            <a:r>
+              <a:rPr lang="en-US" dirty="0" err="1" smtClean="0"/>
+              <a:t>potrebu</a:t>
+            </a:r>
+            <a:r>
+              <a:rPr lang="en-US" dirty="0" smtClean="0"/>
+              <a:t> </a:t>
+            </a:r>
+            <a:r>
+              <a:rPr lang="en-US" dirty="0" err="1" smtClean="0"/>
+              <a:t>za</a:t>
+            </a:r>
+            <a:r>
+              <a:rPr lang="en-US" dirty="0" smtClean="0"/>
+              <a:t> </a:t>
+            </a:r>
+            <a:r>
+              <a:rPr lang="en-US" dirty="0" err="1" smtClean="0"/>
+              <a:t>inženjerskim</a:t>
+            </a:r>
+            <a:r>
+              <a:rPr lang="en-US" dirty="0" smtClean="0"/>
+              <a:t> </a:t>
+            </a:r>
+            <a:r>
+              <a:rPr lang="en-US" dirty="0" err="1" smtClean="0"/>
+              <a:t>radom</a:t>
+            </a:r>
+            <a:r>
+              <a:rPr lang="en-US" dirty="0" smtClean="0"/>
+              <a:t> </a:t>
+            </a:r>
+            <a:r>
+              <a:rPr lang="mr-IN" dirty="0" smtClean="0"/>
+              <a:t>–</a:t>
+            </a:r>
+            <a:r>
+              <a:rPr lang="en-US" dirty="0" smtClean="0"/>
+              <a:t> </a:t>
+            </a:r>
+            <a:r>
+              <a:rPr lang="en-US" dirty="0" err="1" smtClean="0"/>
+              <a:t>korak</a:t>
+            </a:r>
+            <a:r>
+              <a:rPr lang="en-US" dirty="0" smtClean="0"/>
+              <a:t> </a:t>
+            </a:r>
+            <a:r>
+              <a:rPr lang="en-US" dirty="0" err="1" smtClean="0"/>
+              <a:t>prema</a:t>
+            </a:r>
+            <a:r>
+              <a:rPr lang="en-US" dirty="0" smtClean="0"/>
+              <a:t> </a:t>
+            </a:r>
+            <a:r>
+              <a:rPr lang="en-US" dirty="0" err="1" smtClean="0"/>
+              <a:t>široj</a:t>
+            </a:r>
+            <a:r>
+              <a:rPr lang="en-US" dirty="0" smtClean="0"/>
+              <a:t> </a:t>
+            </a:r>
+            <a:r>
+              <a:rPr lang="en-US" dirty="0" err="1" smtClean="0"/>
+              <a:t>adaptaciji</a:t>
+            </a:r>
+            <a:endParaRPr lang="en-US" dirty="0" smtClean="0"/>
+          </a:p>
+        </p:txBody>
+      </p:sp>
+    </p:spTree>
+    <p:extLst>
+      <p:ext uri="{BB962C8B-B14F-4D97-AF65-F5344CB8AC3E}">
+        <p14:creationId xmlns:p14="http://schemas.microsoft.com/office/powerpoint/2010/main" val="1343267494"/>
+      </p:ext>
+    </p:extLst>
+  </p:cSld>
+  <p:clrMapOvr>
+    <a:masterClrMapping/>
+  </p:clrMapOvr>
+  <p:timing>
+    <p:tnLst>
+      <p:par>
+        <p:cTn id="1" dur="indefinite" restart="never" nodeType="tmRoot"/>
+      </p:par>
+    </p:tnLst>
+  </p:timing>
+</p:sld>
+</file>
+
+<file path=ppt/slides/slide25.xml><?xml version="1.0" encoding="utf-8"?>
+<p:sld xmlns:a="http://schemas.openxmlformats.org/drawingml/2006/main" xmlns:r="http://schemas.openxmlformats.org/officeDocument/2006/relationships" xmlns:p="http://schemas.openxmlformats.org/presentationml/2006/main">
+  <p:cSld>
+    <p:spTree>
+      <p:nvGrpSpPr>
+        <p:cNvPr id="1" name=""/>
+        <p:cNvGrpSpPr/>
+        <p:nvPr/>
+      </p:nvGrpSpPr>
+      <p:grpSpPr>
+        <a:xfrm>
+          <a:off x="0" y="0"/>
+          <a:ext cx="0" cy="0"/>
+          <a:chOff x="0" y="0"/>
+          <a:chExt cx="0" cy="0"/>
+        </a:xfrm>
+      </p:grpSpPr>
+      <p:sp>
+        <p:nvSpPr>
+          <p:cNvPr id="2" name="Title 1"/>
+          <p:cNvSpPr>
+            <a:spLocks noGrp="1"/>
+          </p:cNvSpPr>
+          <p:nvPr>
+            <p:ph type="title"/>
+          </p:nvPr>
+        </p:nvSpPr>
+        <p:spPr/>
+        <p:txBody>
+          <a:bodyPr/>
+          <a:lstStyle/>
+          <a:p>
+            <a:r>
+              <a:rPr lang="en-US" dirty="0" err="1" smtClean="0"/>
               <a:t>Zaključak</a:t>
             </a:r>
             <a:endParaRPr lang="en-US" dirty="0"/>
@@ -9471,7 +10334,7 @@
 </p:sld>
 </file>
 
-<file path=ppt/slides/slide23.xml><?xml version="1.0" encoding="utf-8"?>
+<file path=ppt/slides/slide26.xml><?xml version="1.0" encoding="utf-8"?>
 <p:sld xmlns:a="http://schemas.openxmlformats.org/drawingml/2006/main" xmlns:r="http://schemas.openxmlformats.org/officeDocument/2006/relationships" xmlns:p="http://schemas.openxmlformats.org/presentationml/2006/main">
   <p:cSld>
     <p:spTree>
@@ -10510,6 +11373,15 @@
           <a:lstStyle/>
           <a:p>
             <a:r>
+              <a:rPr lang="hr-HR" dirty="0" smtClean="0"/>
+              <a:t>Mreže s ciljem postizanja čim veće sličnosti ulaza i izlaza</a:t>
+            </a:r>
+          </a:p>
+          <a:p>
+            <a:endParaRPr lang="hr-HR" dirty="0" smtClean="0"/>
+          </a:p>
+          <a:p>
+            <a:r>
               <a:rPr lang="en-US" dirty="0" err="1" smtClean="0"/>
               <a:t>Dvodjela</a:t>
             </a:r>
@@ -10612,72 +11484,9 @@
             <a:endParaRPr lang="en-US" dirty="0"/>
           </a:p>
           <a:p>
-            <a:endParaRPr lang="en-US" dirty="0" smtClean="0"/>
-          </a:p>
-          <a:p>
-            <a:r>
-              <a:rPr lang="en-US" dirty="0" err="1" smtClean="0"/>
-              <a:t>Cilj</a:t>
-            </a:r>
-            <a:r>
-              <a:rPr lang="en-US" dirty="0" smtClean="0"/>
-              <a:t>: </a:t>
-            </a:r>
-            <a:r>
-              <a:rPr lang="en-US" dirty="0" err="1" smtClean="0"/>
-              <a:t>postići</a:t>
-            </a:r>
-            <a:r>
-              <a:rPr lang="en-US" dirty="0" smtClean="0"/>
-              <a:t> </a:t>
-            </a:r>
-            <a:r>
-              <a:rPr lang="en-US" dirty="0" err="1" smtClean="0"/>
-              <a:t>ćim</a:t>
-            </a:r>
-            <a:r>
-              <a:rPr lang="en-US" dirty="0" smtClean="0"/>
-              <a:t> </a:t>
-            </a:r>
-            <a:r>
-              <a:rPr lang="en-US" dirty="0" err="1" smtClean="0"/>
-              <a:t>veću</a:t>
-            </a:r>
-            <a:r>
-              <a:rPr lang="en-US" dirty="0" smtClean="0"/>
-              <a:t> </a:t>
-            </a:r>
-            <a:r>
-              <a:rPr lang="en-US" dirty="0" err="1" smtClean="0"/>
-              <a:t>sličnost</a:t>
-            </a:r>
-            <a:r>
-              <a:rPr lang="en-US" dirty="0" smtClean="0"/>
-              <a:t> </a:t>
-            </a:r>
-            <a:r>
-              <a:rPr lang="en-US" dirty="0" err="1" smtClean="0"/>
-              <a:t>ulaza</a:t>
-            </a:r>
-            <a:r>
-              <a:rPr lang="en-US" dirty="0" smtClean="0"/>
-              <a:t> </a:t>
-            </a:r>
-            <a:r>
-              <a:rPr lang="en-US" dirty="0" err="1" smtClean="0"/>
-              <a:t>i</a:t>
-            </a:r>
-            <a:r>
-              <a:rPr lang="en-US" dirty="0" smtClean="0"/>
-              <a:t> </a:t>
-            </a:r>
-            <a:r>
-              <a:rPr lang="en-US" dirty="0" err="1" smtClean="0"/>
-              <a:t>izlaza</a:t>
-            </a:r>
-            <a:endParaRPr lang="en-US" dirty="0" smtClean="0"/>
-          </a:p>
-          <a:p>
+            <a:pPr marL="0" indent="0">
+              <a:buNone/>
+            </a:pPr>
             <a:endParaRPr lang="en-US" dirty="0" smtClean="0"/>
           </a:p>
           <a:p>
@@ -10714,7 +11523,7 @@
         </p:blipFill>
         <p:spPr>
           <a:xfrm>
-            <a:off x="4020502" y="4474725"/>
+            <a:off x="3652202" y="4474725"/>
             <a:ext cx="7853464" cy="2012750"/>
           </a:xfrm>
           <a:prstGeom prst="rect">
@@ -10826,7 +11635,6 @@
               <a:rPr lang="hr-HR" dirty="0" smtClean="0"/>
               <a:t> distribuciju podataka</a:t>
             </a:r>
-            <a:endParaRPr lang="hr-HR" dirty="0" smtClean="0"/>
           </a:p>
           <a:p>
             <a:endParaRPr lang="en-US" dirty="0" smtClean="0"/>
@@ -10855,7 +11663,7 @@
         </p:blipFill>
         <p:spPr>
           <a:xfrm>
-            <a:off x="1805492" y="3035856"/>
+            <a:off x="1957892" y="3035856"/>
             <a:ext cx="8244361" cy="3225810"/>
           </a:xfrm>
           <a:prstGeom prst="rect">

--- a/kvukic-seminar-presentation-2018.pptx
+++ b/kvukic-seminar-presentation-2018.pptx
@@ -9,12 +9,12 @@
     <p:sldId id="263" r:id="rId3"/>
     <p:sldId id="257" r:id="rId4"/>
     <p:sldId id="265" r:id="rId5"/>
-    <p:sldId id="266" r:id="rId6"/>
-    <p:sldId id="267" r:id="rId7"/>
-    <p:sldId id="269" r:id="rId8"/>
-    <p:sldId id="271" r:id="rId9"/>
-    <p:sldId id="258" r:id="rId10"/>
-    <p:sldId id="272" r:id="rId11"/>
+    <p:sldId id="267" r:id="rId6"/>
+    <p:sldId id="269" r:id="rId7"/>
+    <p:sldId id="271" r:id="rId8"/>
+    <p:sldId id="258" r:id="rId9"/>
+    <p:sldId id="272" r:id="rId10"/>
+    <p:sldId id="286" r:id="rId11"/>
     <p:sldId id="259" r:id="rId12"/>
     <p:sldId id="273" r:id="rId13"/>
     <p:sldId id="264" r:id="rId14"/>
@@ -28,9 +28,10 @@
     <p:sldId id="278" r:id="rId22"/>
     <p:sldId id="279" r:id="rId23"/>
     <p:sldId id="280" r:id="rId24"/>
-    <p:sldId id="261" r:id="rId25"/>
-    <p:sldId id="281" r:id="rId26"/>
-    <p:sldId id="282" r:id="rId27"/>
+    <p:sldId id="287" r:id="rId25"/>
+    <p:sldId id="261" r:id="rId26"/>
+    <p:sldId id="281" r:id="rId27"/>
+    <p:sldId id="282" r:id="rId28"/>
   </p:sldIdLst>
   <p:sldSz cx="12192000" cy="6858000"/>
   <p:notesSz cx="6858000" cy="9144000"/>
@@ -320,7 +321,7 @@
           <a:p>
             <a:fld id="{4E6B89DE-2E6D-7646-A583-92A7E558AB0E}" type="datetimeFigureOut">
               <a:rPr lang="en-US" smtClean="0"/>
-              <a:t>6/6/2018</a:t>
+              <a:t>6/6/18</a:t>
             </a:fld>
             <a:endParaRPr lang="en-US"/>
           </a:p>
@@ -595,7 +596,7 @@
           <a:p>
             <a:fld id="{4E6B89DE-2E6D-7646-A583-92A7E558AB0E}" type="datetimeFigureOut">
               <a:rPr lang="en-US" smtClean="0"/>
-              <a:t>6/6/2018</a:t>
+              <a:t>6/6/18</a:t>
             </a:fld>
             <a:endParaRPr lang="en-US"/>
           </a:p>
@@ -789,7 +790,7 @@
           <a:p>
             <a:fld id="{4E6B89DE-2E6D-7646-A583-92A7E558AB0E}" type="datetimeFigureOut">
               <a:rPr lang="en-US" smtClean="0"/>
-              <a:t>6/6/2018</a:t>
+              <a:t>6/6/18</a:t>
             </a:fld>
             <a:endParaRPr lang="en-US"/>
           </a:p>
@@ -1057,7 +1058,7 @@
           <a:p>
             <a:fld id="{4E6B89DE-2E6D-7646-A583-92A7E558AB0E}" type="datetimeFigureOut">
               <a:rPr lang="en-US" smtClean="0"/>
-              <a:t>6/6/2018</a:t>
+              <a:t>6/6/18</a:t>
             </a:fld>
             <a:endParaRPr lang="en-US"/>
           </a:p>
@@ -1389,7 +1390,7 @@
           <a:p>
             <a:fld id="{4E6B89DE-2E6D-7646-A583-92A7E558AB0E}" type="datetimeFigureOut">
               <a:rPr lang="en-US" smtClean="0"/>
-              <a:t>6/6/2018</a:t>
+              <a:t>6/6/18</a:t>
             </a:fld>
             <a:endParaRPr lang="en-US"/>
           </a:p>
@@ -1999,7 +2000,7 @@
           <a:p>
             <a:fld id="{4E6B89DE-2E6D-7646-A583-92A7E558AB0E}" type="datetimeFigureOut">
               <a:rPr lang="en-US" smtClean="0"/>
-              <a:t>6/6/2018</a:t>
+              <a:t>6/6/18</a:t>
             </a:fld>
             <a:endParaRPr lang="en-US"/>
           </a:p>
@@ -2846,7 +2847,7 @@
           <a:p>
             <a:fld id="{4E6B89DE-2E6D-7646-A583-92A7E558AB0E}" type="datetimeFigureOut">
               <a:rPr lang="en-US" smtClean="0"/>
-              <a:t>6/6/2018</a:t>
+              <a:t>6/6/18</a:t>
             </a:fld>
             <a:endParaRPr lang="en-US"/>
           </a:p>
@@ -3016,7 +3017,7 @@
           <a:p>
             <a:fld id="{4E6B89DE-2E6D-7646-A583-92A7E558AB0E}" type="datetimeFigureOut">
               <a:rPr lang="en-US" smtClean="0"/>
-              <a:t>6/6/2018</a:t>
+              <a:t>6/6/18</a:t>
             </a:fld>
             <a:endParaRPr lang="en-US"/>
           </a:p>
@@ -3196,7 +3197,7 @@
           <a:p>
             <a:fld id="{4E6B89DE-2E6D-7646-A583-92A7E558AB0E}" type="datetimeFigureOut">
               <a:rPr lang="en-US" smtClean="0"/>
-              <a:t>6/6/2018</a:t>
+              <a:t>6/6/18</a:t>
             </a:fld>
             <a:endParaRPr lang="en-US"/>
           </a:p>
@@ -3366,7 +3367,7 @@
           <a:p>
             <a:fld id="{4E6B89DE-2E6D-7646-A583-92A7E558AB0E}" type="datetimeFigureOut">
               <a:rPr lang="en-US" smtClean="0"/>
-              <a:t>6/6/2018</a:t>
+              <a:t>6/6/18</a:t>
             </a:fld>
             <a:endParaRPr lang="en-US"/>
           </a:p>
@@ -3610,7 +3611,7 @@
           <a:p>
             <a:fld id="{4E6B89DE-2E6D-7646-A583-92A7E558AB0E}" type="datetimeFigureOut">
               <a:rPr lang="en-US" smtClean="0"/>
-              <a:t>6/6/2018</a:t>
+              <a:t>6/6/18</a:t>
             </a:fld>
             <a:endParaRPr lang="en-US"/>
           </a:p>
@@ -3902,7 +3903,7 @@
           <a:p>
             <a:fld id="{4E6B89DE-2E6D-7646-A583-92A7E558AB0E}" type="datetimeFigureOut">
               <a:rPr lang="en-US" smtClean="0"/>
-              <a:t>6/6/2018</a:t>
+              <a:t>6/6/18</a:t>
             </a:fld>
             <a:endParaRPr lang="en-US"/>
           </a:p>
@@ -4340,7 +4341,7 @@
           <a:p>
             <a:fld id="{4E6B89DE-2E6D-7646-A583-92A7E558AB0E}" type="datetimeFigureOut">
               <a:rPr lang="en-US" smtClean="0"/>
-              <a:t>6/6/2018</a:t>
+              <a:t>6/6/18</a:t>
             </a:fld>
             <a:endParaRPr lang="en-US"/>
           </a:p>
@@ -4458,7 +4459,7 @@
           <a:p>
             <a:fld id="{4E6B89DE-2E6D-7646-A583-92A7E558AB0E}" type="datetimeFigureOut">
               <a:rPr lang="en-US" smtClean="0"/>
-              <a:t>6/6/2018</a:t>
+              <a:t>6/6/18</a:t>
             </a:fld>
             <a:endParaRPr lang="en-US"/>
           </a:p>
@@ -4553,7 +4554,7 @@
           <a:p>
             <a:fld id="{4E6B89DE-2E6D-7646-A583-92A7E558AB0E}" type="datetimeFigureOut">
               <a:rPr lang="en-US" smtClean="0"/>
-              <a:t>6/6/2018</a:t>
+              <a:t>6/6/18</a:t>
             </a:fld>
             <a:endParaRPr lang="en-US"/>
           </a:p>
@@ -4832,7 +4833,7 @@
           <a:p>
             <a:fld id="{4E6B89DE-2E6D-7646-A583-92A7E558AB0E}" type="datetimeFigureOut">
               <a:rPr lang="en-US" smtClean="0"/>
-              <a:t>6/6/2018</a:t>
+              <a:t>6/6/18</a:t>
             </a:fld>
             <a:endParaRPr lang="en-US"/>
           </a:p>
@@ -5107,7 +5108,7 @@
           <a:p>
             <a:fld id="{4E6B89DE-2E6D-7646-A583-92A7E558AB0E}" type="datetimeFigureOut">
               <a:rPr lang="en-US" smtClean="0"/>
-              <a:t>6/6/2018</a:t>
+              <a:t>6/6/18</a:t>
             </a:fld>
             <a:endParaRPr lang="en-US"/>
           </a:p>
@@ -5536,7 +5537,7 @@
           <a:p>
             <a:fld id="{4E6B89DE-2E6D-7646-A583-92A7E558AB0E}" type="datetimeFigureOut">
               <a:rPr lang="en-US" smtClean="0"/>
-              <a:t>6/6/2018</a:t>
+              <a:t>6/6/18</a:t>
             </a:fld>
             <a:endParaRPr lang="en-US"/>
           </a:p>
@@ -6241,57 +6242,177 @@
       </p:grpSpPr>
       <p:sp>
         <p:nvSpPr>
-          <p:cNvPr id="2" name="Title 1"/>
-          <p:cNvSpPr>
-            <a:spLocks noGrp="1"/>
-          </p:cNvSpPr>
-          <p:nvPr>
-            <p:ph type="title"/>
-          </p:nvPr>
-        </p:nvSpPr>
-        <p:spPr/>
+          <p:cNvPr id="3" name="Content Placeholder 2"/>
+          <p:cNvSpPr>
+            <a:spLocks noGrp="1"/>
+          </p:cNvSpPr>
+          <p:nvPr>
+            <p:ph idx="1"/>
+          </p:nvPr>
+        </p:nvSpPr>
+        <p:spPr>
+          <a:xfrm>
+            <a:off x="1046162" y="1814793"/>
+            <a:ext cx="8946541" cy="4195481"/>
+          </a:xfrm>
+        </p:spPr>
         <p:txBody>
           <a:bodyPr/>
           <a:lstStyle/>
           <a:p>
             <a:r>
               <a:rPr lang="en-US" dirty="0" err="1" smtClean="0"/>
-              <a:t>Uvjetne</a:t>
-            </a:r>
-            <a:r>
-              <a:rPr lang="en-US" dirty="0" smtClean="0"/>
-              <a:t> </a:t>
-            </a:r>
-            <a:r>
-              <a:rPr lang="en-US" dirty="0" err="1" smtClean="0"/>
-              <a:t>generativne</a:t>
-            </a:r>
-            <a:r>
-              <a:rPr lang="en-US" dirty="0" smtClean="0"/>
-              <a:t> </a:t>
-            </a:r>
-            <a:r>
-              <a:rPr lang="en-US" dirty="0" err="1" smtClean="0"/>
-              <a:t>mreže</a:t>
-            </a:r>
+              <a:t>Funkcija</a:t>
+            </a:r>
+            <a:r>
+              <a:rPr lang="en-US" dirty="0" smtClean="0"/>
+              <a:t> </a:t>
+            </a:r>
+            <a:r>
+              <a:rPr lang="en-US" dirty="0" err="1" smtClean="0"/>
+              <a:t>gubitka</a:t>
+            </a:r>
+            <a:r>
+              <a:rPr lang="en-US" dirty="0" smtClean="0"/>
+              <a:t> </a:t>
+            </a:r>
+            <a:r>
+              <a:rPr lang="en-US" dirty="0" err="1" smtClean="0"/>
+              <a:t>standardnog</a:t>
+            </a:r>
+            <a:r>
+              <a:rPr lang="en-US" dirty="0" smtClean="0"/>
+              <a:t> </a:t>
+            </a:r>
+            <a:r>
+              <a:rPr lang="en-US" dirty="0" err="1" smtClean="0"/>
+              <a:t>GANa</a:t>
+            </a:r>
+            <a:r>
+              <a:rPr lang="en-US" dirty="0" smtClean="0"/>
+              <a:t>:</a:t>
+            </a:r>
+          </a:p>
+          <a:p>
             <a:endParaRPr lang="en-US" dirty="0"/>
           </a:p>
-        </p:txBody>
-      </p:sp>
-      <p:sp>
-        <p:nvSpPr>
-          <p:cNvPr id="3" name="Content Placeholder 2"/>
-          <p:cNvSpPr>
-            <a:spLocks noGrp="1"/>
-          </p:cNvSpPr>
-          <p:nvPr>
-            <p:ph idx="1"/>
-          </p:nvPr>
-        </p:nvSpPr>
+          <a:p>
+            <a:endParaRPr lang="en-US" dirty="0" smtClean="0"/>
+          </a:p>
+          <a:p>
+            <a:endParaRPr lang="en-US" dirty="0"/>
+          </a:p>
+          <a:p>
+            <a:endParaRPr lang="en-US" dirty="0" smtClean="0"/>
+          </a:p>
+          <a:p>
+            <a:endParaRPr lang="en-US" dirty="0" smtClean="0"/>
+          </a:p>
+          <a:p>
+            <a:r>
+              <a:rPr lang="en-US" dirty="0" err="1" smtClean="0"/>
+              <a:t>Funkcija</a:t>
+            </a:r>
+            <a:r>
+              <a:rPr lang="en-US" dirty="0" smtClean="0"/>
+              <a:t> </a:t>
+            </a:r>
+            <a:r>
+              <a:rPr lang="en-US" dirty="0" err="1"/>
+              <a:t>gubitka</a:t>
+            </a:r>
+            <a:r>
+              <a:rPr lang="en-US" dirty="0"/>
+              <a:t> </a:t>
+            </a:r>
+            <a:r>
+              <a:rPr lang="en-US" dirty="0" err="1" smtClean="0"/>
+              <a:t>uvjetovanog</a:t>
+            </a:r>
+            <a:r>
+              <a:rPr lang="en-US" dirty="0" smtClean="0"/>
+              <a:t> </a:t>
+            </a:r>
+            <a:r>
+              <a:rPr lang="en-US" dirty="0" err="1" smtClean="0"/>
+              <a:t>GANa</a:t>
+            </a:r>
+            <a:r>
+              <a:rPr lang="en-US" dirty="0"/>
+              <a:t>:</a:t>
+            </a:r>
+          </a:p>
+          <a:p>
+            <a:endParaRPr lang="en-US" dirty="0" smtClean="0"/>
+          </a:p>
+          <a:p>
+            <a:pPr lvl="1"/>
+            <a:endParaRPr lang="en-US" dirty="0"/>
+          </a:p>
+        </p:txBody>
+      </p:sp>
+      <p:pic>
+        <p:nvPicPr>
+          <p:cNvPr id="4" name="Picture 3"/>
+          <p:cNvPicPr>
+            <a:picLocks noChangeAspect="1"/>
+          </p:cNvPicPr>
+          <p:nvPr/>
+        </p:nvPicPr>
+        <p:blipFill>
+          <a:blip r:embed="rId2"/>
+          <a:stretch>
+            <a:fillRect/>
+          </a:stretch>
+        </p:blipFill>
         <p:spPr>
           <a:xfrm>
-            <a:off x="1103312" y="2052918"/>
-            <a:ext cx="8946541" cy="3694739"/>
+            <a:off x="2894852" y="2347448"/>
+            <a:ext cx="5334000" cy="1447800"/>
+          </a:xfrm>
+          <a:prstGeom prst="rect">
+            <a:avLst/>
+          </a:prstGeom>
+        </p:spPr>
+      </p:pic>
+      <p:pic>
+        <p:nvPicPr>
+          <p:cNvPr id="7" name="Picture 6"/>
+          <p:cNvPicPr>
+            <a:picLocks noChangeAspect="1"/>
+          </p:cNvPicPr>
+          <p:nvPr/>
+        </p:nvPicPr>
+        <p:blipFill>
+          <a:blip r:embed="rId3"/>
+          <a:stretch>
+            <a:fillRect/>
+          </a:stretch>
+        </p:blipFill>
+        <p:spPr>
+          <a:xfrm>
+            <a:off x="2710702" y="4946087"/>
+            <a:ext cx="5702300" cy="1447800"/>
+          </a:xfrm>
+          <a:prstGeom prst="rect">
+            <a:avLst/>
+          </a:prstGeom>
+        </p:spPr>
+      </p:pic>
+      <p:sp>
+        <p:nvSpPr>
+          <p:cNvPr id="10" name="Title 1"/>
+          <p:cNvSpPr>
+            <a:spLocks noGrp="1"/>
+          </p:cNvSpPr>
+          <p:nvPr>
+            <p:ph type="title"/>
+          </p:nvPr>
+        </p:nvSpPr>
+        <p:spPr>
+          <a:xfrm>
+            <a:off x="646111" y="452718"/>
+            <a:ext cx="9404723" cy="1400530"/>
           </a:xfrm>
         </p:spPr>
         <p:txBody>
@@ -6299,39 +6420,63 @@
           <a:lstStyle/>
           <a:p>
             <a:r>
-              <a:rPr lang="hr-HR" dirty="0" smtClean="0"/>
-              <a:t>Funkcija gubitka</a:t>
-            </a:r>
-          </a:p>
-          <a:p>
-            <a:pPr lvl="1"/>
-            <a:r>
-              <a:rPr lang="hr-HR" dirty="0" smtClean="0"/>
-              <a:t>Obični GAN - jesu li generirani podatci različiti od stvarnih</a:t>
-            </a:r>
-          </a:p>
-          <a:p>
-            <a:pPr lvl="1"/>
-            <a:r>
-              <a:rPr lang="hr-HR" dirty="0" smtClean="0"/>
-              <a:t>Uvjetovani GAN </a:t>
-            </a:r>
-            <a:r>
-              <a:rPr lang="mr-IN" dirty="0" smtClean="0"/>
-              <a:t>–</a:t>
-            </a:r>
-            <a:r>
-              <a:rPr lang="hr-HR" dirty="0" smtClean="0"/>
-              <a:t> dodatno pokušavaju svrstati podatke u klase</a:t>
+              <a:rPr lang="en-US" dirty="0" err="1" smtClean="0"/>
+              <a:t>Uvjetne</a:t>
+            </a:r>
+            <a:r>
+              <a:rPr lang="en-US" dirty="0" smtClean="0"/>
+              <a:t> </a:t>
+            </a:r>
+            <a:r>
+              <a:rPr lang="en-US" dirty="0" err="1" smtClean="0"/>
+              <a:t>generativne</a:t>
+            </a:r>
+            <a:r>
+              <a:rPr lang="en-US" dirty="0" smtClean="0"/>
+              <a:t> </a:t>
+            </a:r>
+            <a:r>
+              <a:rPr lang="en-US" dirty="0" err="1" smtClean="0"/>
+              <a:t>mreže</a:t>
             </a:r>
             <a:endParaRPr lang="en-US" dirty="0"/>
+          </a:p>
+        </p:txBody>
+      </p:sp>
+      <p:sp>
+        <p:nvSpPr>
+          <p:cNvPr id="11" name="TextBox 10"/>
+          <p:cNvSpPr txBox="1"/>
+          <p:nvPr/>
+        </p:nvSpPr>
+        <p:spPr>
+          <a:xfrm>
+            <a:off x="646111" y="6444688"/>
+            <a:ext cx="10864738" cy="338554"/>
+          </a:xfrm>
+          <a:prstGeom prst="rect">
+            <a:avLst/>
+          </a:prstGeom>
+          <a:noFill/>
+        </p:spPr>
+        <p:txBody>
+          <a:bodyPr wrap="square" rtlCol="0">
+            <a:spAutoFit/>
+          </a:bodyPr>
+          <a:lstStyle/>
+          <a:p>
+            <a:r>
+              <a:rPr lang="en-US" sz="1600" dirty="0"/>
+              <a:t>Conditional generative adversarial nets.  arXiv:1411.1784, 2014.</a:t>
+            </a:r>
+            <a:endParaRPr lang="en-US" sz="1600" dirty="0"/>
           </a:p>
         </p:txBody>
       </p:sp>
     </p:spTree>
     <p:extLst>
       <p:ext uri="{BB962C8B-B14F-4D97-AF65-F5344CB8AC3E}">
-        <p14:creationId xmlns:p14="http://schemas.microsoft.com/office/powerpoint/2010/main" val="2139513934"/>
+        <p14:creationId xmlns:p14="http://schemas.microsoft.com/office/powerpoint/2010/main" val="111106915"/>
       </p:ext>
     </p:extLst>
   </p:cSld>
@@ -6641,8 +6786,8 @@
           </a:p>
         </p:txBody>
       </p:sp>
-      <mc:AlternateContent xmlns:mc="http://schemas.openxmlformats.org/markup-compatibility/2006">
-        <mc:Choice xmlns:a14="http://schemas.microsoft.com/office/drawing/2010/main" Requires="a14">
+      <mc:AlternateContent xmlns:mc="http://schemas.openxmlformats.org/markup-compatibility/2006" xmlns:a14="http://schemas.microsoft.com/office/drawing/2010/main">
+        <mc:Choice Requires="a14">
           <p:sp>
             <p:nvSpPr>
               <p:cNvPr id="3" name="Content Placeholder 2"/>
@@ -6660,11 +6805,7 @@
               <a:p>
                 <a:r>
                   <a:rPr lang="en-US" dirty="0" smtClean="0"/>
-                  <a:t>Pri</a:t>
-                </a:r>
-                <a:r>
-                  <a:rPr lang="en-US" dirty="0" smtClean="0"/>
-                  <a:t> </a:t>
+                  <a:t>Pri </a:t>
                 </a:r>
                 <a:r>
                   <a:rPr lang="en-US" dirty="0" err="1" smtClean="0"/>
@@ -6801,8 +6942,8 @@
                     <m:d>
                       <m:dPr>
                         <m:ctrlPr>
-                          <a:rPr lang="hr-HR" b="0" i="0" dirty="0" smtClean="0">
-                            <a:latin typeface="Cambria Math" panose="02040503050406030204" pitchFamily="18" charset="0"/>
+                          <a:rPr lang="hr-HR" b="0" i="1" dirty="0" smtClean="0">
+                            <a:latin typeface="Cambria Math" charset="0"/>
                           </a:rPr>
                         </m:ctrlPr>
                       </m:dPr>
@@ -6981,11 +7122,7 @@
                 </a:r>
                 <a:r>
                   <a:rPr lang="en-US" dirty="0" smtClean="0"/>
-                  <a:t> </a:t>
-                </a:r>
-                <a:r>
-                  <a:rPr lang="en-US" dirty="0" smtClean="0"/>
-                  <a:t>je </a:t>
+                  <a:t> je </a:t>
                 </a:r>
                 <a:r>
                   <a:rPr lang="en-US" dirty="0" err="1" smtClean="0"/>
@@ -7018,7 +7155,7 @@
             </p:txBody>
           </p:sp>
         </mc:Choice>
-        <mc:Fallback>
+        <mc:Fallback xmlns="">
           <p:sp>
             <p:nvSpPr>
               <p:cNvPr id="3" name="Content Placeholder 2"/>
@@ -7124,8 +7261,8 @@
           </a:p>
         </p:txBody>
       </p:sp>
-      <mc:AlternateContent xmlns:mc="http://schemas.openxmlformats.org/markup-compatibility/2006">
-        <mc:Choice xmlns:a14="http://schemas.microsoft.com/office/drawing/2010/main" Requires="a14">
+      <mc:AlternateContent xmlns:mc="http://schemas.openxmlformats.org/markup-compatibility/2006" xmlns:a14="http://schemas.microsoft.com/office/drawing/2010/main">
+        <mc:Choice Requires="a14">
           <p:sp>
             <p:nvSpPr>
               <p:cNvPr id="3" name="Content Placeholder 2"/>
@@ -7269,7 +7406,7 @@
                       <m:dPr>
                         <m:ctrlPr>
                           <a:rPr lang="hr-HR" b="0" i="1" dirty="0" smtClean="0">
-                            <a:latin typeface="Cambria Math" panose="02040503050406030204" pitchFamily="18" charset="0"/>
+                            <a:latin typeface="Cambria Math" charset="0"/>
                           </a:rPr>
                         </m:ctrlPr>
                       </m:dPr>
@@ -7340,7 +7477,7 @@
             </p:txBody>
           </p:sp>
         </mc:Choice>
-        <mc:Fallback>
+        <mc:Fallback xmlns="">
           <p:sp>
             <p:nvSpPr>
               <p:cNvPr id="3" name="Content Placeholder 2"/>
@@ -7632,8 +7769,8 @@
         </p:nvSpPr>
         <p:spPr>
           <a:xfrm>
-            <a:off x="1103312" y="2052918"/>
-            <a:ext cx="8946541" cy="4195481"/>
+            <a:off x="1103313" y="2052918"/>
+            <a:ext cx="5509944" cy="4195481"/>
           </a:xfrm>
           <a:prstGeom prst="rect">
             <a:avLst/>
@@ -7845,50 +7982,31 @@
           </a:lstStyle>
           <a:p>
             <a:r>
-              <a:rPr lang="hr-HR" smtClean="0"/>
-              <a:t>Standardni gubitak GANa:</a:t>
-            </a:r>
-          </a:p>
-          <a:p>
-            <a:endParaRPr lang="hr-HR" smtClean="0"/>
-          </a:p>
-          <a:p>
-            <a:r>
-              <a:rPr lang="hr-HR" smtClean="0"/>
-              <a:t>Proširuju gubitkom cikličke dosljednosti:</a:t>
-            </a:r>
-          </a:p>
-          <a:p>
-            <a:endParaRPr lang="hr-HR" smtClean="0"/>
-          </a:p>
-          <a:p>
-            <a:r>
-              <a:rPr lang="hr-HR" smtClean="0"/>
-              <a:t>Gubitak CycleGANa: </a:t>
-            </a:r>
-          </a:p>
-          <a:p>
-            <a:endParaRPr lang="hr-HR" smtClean="0"/>
-          </a:p>
-          <a:p>
-            <a:r>
-              <a:rPr lang="hr-HR" smtClean="0"/>
-              <a:t>Pretvaraju problem u nadzirano učenje</a:t>
+              <a:rPr lang="hr-HR" dirty="0" smtClean="0"/>
+              <a:t>Pretvaraju </a:t>
+            </a:r>
+            <a:r>
+              <a:rPr lang="hr-HR" dirty="0" smtClean="0"/>
+              <a:t>problem u nadzirano učenje</a:t>
             </a:r>
           </a:p>
           <a:p>
             <a:pPr lvl="1"/>
             <a:r>
-              <a:rPr lang="hr-HR" smtClean="0"/>
+              <a:rPr lang="hr-HR" dirty="0" smtClean="0"/>
               <a:t>Umjesto parova primjera </a:t>
             </a:r>
             <a:r>
-              <a:rPr lang="mr-IN" smtClean="0"/>
+              <a:rPr lang="mr-IN" dirty="0" smtClean="0"/>
               <a:t>–</a:t>
             </a:r>
             <a:r>
-              <a:rPr lang="hr-HR" smtClean="0"/>
-              <a:t> nadziranje zajedničkim značajkama cijelih setova</a:t>
+              <a:rPr lang="hr-HR" dirty="0" smtClean="0"/>
+              <a:t> </a:t>
+            </a:r>
+            <a:r>
+              <a:rPr lang="hr-HR" dirty="0" smtClean="0"/>
+              <a:t>nadziranje zajedničkim značajkama cijelih setova</a:t>
             </a:r>
           </a:p>
           <a:p>
@@ -8015,7 +8133,6 @@
               <a:rPr lang="hr-HR" dirty="0" smtClean="0"/>
               <a:t>Gubitak CycleGANa: </a:t>
             </a:r>
-            <a:endParaRPr lang="hr-HR" dirty="0" smtClean="0"/>
           </a:p>
           <a:p>
             <a:endParaRPr lang="hr-HR" dirty="0" smtClean="0"/>
@@ -8209,11 +8326,7 @@
             </a:r>
             <a:r>
               <a:rPr lang="en-US" dirty="0" smtClean="0"/>
-              <a:t>(UNIT</a:t>
-            </a:r>
-            <a:r>
-              <a:rPr lang="en-US" dirty="0" smtClean="0"/>
-              <a:t>)</a:t>
+              <a:t>(UNIT)</a:t>
             </a:r>
             <a:endParaRPr lang="en-US" dirty="0"/>
           </a:p>
@@ -8258,10 +8371,25 @@
               <a:t>translation </a:t>
             </a:r>
             <a:r>
+              <a:rPr lang="en-US" sz="1600" dirty="0" smtClean="0"/>
+              <a:t>networks</a:t>
+            </a:r>
+            <a:r>
               <a:rPr lang="en-US" sz="1600" dirty="0"/>
-              <a:t>networks, 2017.</a:t>
-            </a:r>
-            <a:endParaRPr lang="en-US" sz="1600" dirty="0"/>
+              <a:t>.</a:t>
+            </a:r>
+            <a:r>
+              <a:rPr lang="is-IS" sz="1600" dirty="0" smtClean="0"/>
+              <a:t> arXiv:1703.00848,</a:t>
+            </a:r>
+            <a:r>
+              <a:rPr lang="en-US" sz="1600" dirty="0" smtClean="0"/>
+              <a:t> 2017</a:t>
+            </a:r>
+            <a:r>
+              <a:rPr lang="en-US" sz="1600" dirty="0"/>
+              <a:t>.</a:t>
+            </a:r>
           </a:p>
         </p:txBody>
       </p:sp>
@@ -8363,11 +8491,7 @@
             </a:r>
             <a:r>
               <a:rPr lang="en-US" dirty="0" smtClean="0"/>
-              <a:t>(UNIT</a:t>
-            </a:r>
-            <a:r>
-              <a:rPr lang="en-US" dirty="0" smtClean="0"/>
-              <a:t>)</a:t>
+              <a:t>(UNIT)</a:t>
             </a:r>
             <a:endParaRPr lang="en-US" dirty="0"/>
           </a:p>
@@ -8401,13 +8525,8 @@
             </a:r>
             <a:r>
               <a:rPr lang="hr-HR" dirty="0" smtClean="0"/>
-              <a:t>drediti združenu distribuciju više različitih </a:t>
-            </a:r>
-            <a:r>
-              <a:rPr lang="hr-HR" dirty="0" smtClean="0"/>
-              <a:t>domena</a:t>
-            </a:r>
-            <a:endParaRPr lang="hr-HR" dirty="0" smtClean="0"/>
+              <a:t>drediti združenu distribuciju više različitih domena</a:t>
+            </a:r>
           </a:p>
         </p:txBody>
       </p:sp>
@@ -8435,23 +8554,23 @@
           <a:p>
             <a:r>
               <a:rPr lang="en-US" sz="1600" dirty="0"/>
-              <a:t>Unsupervised </a:t>
-            </a:r>
-            <a:r>
-              <a:rPr lang="en-US" sz="1600" dirty="0" smtClean="0"/>
-              <a:t>image-to-image</a:t>
-            </a:r>
-            <a:r>
-              <a:rPr lang="hr-HR" sz="1600" dirty="0" smtClean="0"/>
-              <a:t> </a:t>
-            </a:r>
-            <a:r>
-              <a:rPr lang="en-US" sz="1600" dirty="0" smtClean="0"/>
-              <a:t>translation </a:t>
+              <a:t>Unsupervised image-to-image</a:t>
+            </a:r>
+            <a:r>
+              <a:rPr lang="hr-HR" sz="1600" dirty="0"/>
+              <a:t> </a:t>
             </a:r>
             <a:r>
               <a:rPr lang="en-US" sz="1600" dirty="0"/>
-              <a:t>networks, 2017.</a:t>
+              <a:t>translation networks.</a:t>
+            </a:r>
+            <a:r>
+              <a:rPr lang="is-IS" sz="1600" dirty="0"/>
+              <a:t> arXiv:1703.00848,</a:t>
+            </a:r>
+            <a:r>
+              <a:rPr lang="en-US" sz="1600" dirty="0"/>
+              <a:t> 2017.</a:t>
             </a:r>
             <a:endParaRPr lang="en-US" sz="1600" dirty="0"/>
           </a:p>
@@ -8603,11 +8722,7 @@
             </a:r>
             <a:r>
               <a:rPr lang="en-US" dirty="0" smtClean="0"/>
-              <a:t>(UNIT</a:t>
-            </a:r>
-            <a:r>
-              <a:rPr lang="en-US" dirty="0" smtClean="0"/>
-              <a:t>)</a:t>
+              <a:t>(UNIT)</a:t>
             </a:r>
             <a:endParaRPr lang="en-US" dirty="0"/>
           </a:p>
@@ -8691,23 +8806,23 @@
           <a:p>
             <a:r>
               <a:rPr lang="en-US" sz="1600" dirty="0"/>
-              <a:t>Unsupervised </a:t>
-            </a:r>
-            <a:r>
-              <a:rPr lang="en-US" sz="1600" dirty="0" smtClean="0"/>
-              <a:t>image-to-image</a:t>
-            </a:r>
-            <a:r>
-              <a:rPr lang="hr-HR" sz="1600" dirty="0" smtClean="0"/>
-              <a:t> </a:t>
-            </a:r>
-            <a:r>
-              <a:rPr lang="en-US" sz="1600" dirty="0" smtClean="0"/>
-              <a:t>translation </a:t>
+              <a:t>Unsupervised image-to-image</a:t>
+            </a:r>
+            <a:r>
+              <a:rPr lang="hr-HR" sz="1600" dirty="0"/>
+              <a:t> </a:t>
             </a:r>
             <a:r>
               <a:rPr lang="en-US" sz="1600" dirty="0"/>
-              <a:t>networks, 2017.</a:t>
+              <a:t>translation networks.</a:t>
+            </a:r>
+            <a:r>
+              <a:rPr lang="is-IS" sz="1600" dirty="0"/>
+              <a:t> arXiv:1703.00848,</a:t>
+            </a:r>
+            <a:r>
+              <a:rPr lang="en-US" sz="1600" dirty="0"/>
+              <a:t> 2017.</a:t>
             </a:r>
             <a:endParaRPr lang="en-US" sz="1600" dirty="0"/>
           </a:p>
@@ -8787,11 +8902,7 @@
             </a:r>
             <a:r>
               <a:rPr lang="en-US" dirty="0" smtClean="0"/>
-              <a:t>(UNIT</a:t>
-            </a:r>
-            <a:r>
-              <a:rPr lang="en-US" dirty="0" smtClean="0"/>
-              <a:t>)</a:t>
+              <a:t>(UNIT)</a:t>
             </a:r>
             <a:endParaRPr lang="en-US" dirty="0"/>
           </a:p>
@@ -8850,23 +8961,23 @@
           <a:p>
             <a:r>
               <a:rPr lang="en-US" sz="1600" dirty="0"/>
-              <a:t>Unsupervised </a:t>
-            </a:r>
-            <a:r>
-              <a:rPr lang="en-US" sz="1600" dirty="0" smtClean="0"/>
-              <a:t>image-to-image</a:t>
-            </a:r>
-            <a:r>
-              <a:rPr lang="hr-HR" sz="1600" dirty="0" smtClean="0"/>
-              <a:t> </a:t>
-            </a:r>
-            <a:r>
-              <a:rPr lang="en-US" sz="1600" dirty="0" smtClean="0"/>
-              <a:t>translation </a:t>
+              <a:t>Unsupervised image-to-image</a:t>
+            </a:r>
+            <a:r>
+              <a:rPr lang="hr-HR" sz="1600" dirty="0"/>
+              <a:t> </a:t>
             </a:r>
             <a:r>
               <a:rPr lang="en-US" sz="1600" dirty="0"/>
-              <a:t>networks, 2017.</a:t>
+              <a:t>translation networks.</a:t>
+            </a:r>
+            <a:r>
+              <a:rPr lang="is-IS" sz="1600" dirty="0"/>
+              <a:t> arXiv:1703.00848,</a:t>
+            </a:r>
+            <a:r>
+              <a:rPr lang="en-US" sz="1600" dirty="0"/>
+              <a:t> 2017.</a:t>
             </a:r>
             <a:endParaRPr lang="en-US" sz="1600" dirty="0"/>
           </a:p>
@@ -9161,7 +9272,6 @@
               <a:rPr lang="en-US" dirty="0"/>
               <a:t>(UNIT)</a:t>
             </a:r>
-            <a:endParaRPr lang="en-US" dirty="0"/>
           </a:p>
         </p:txBody>
       </p:sp>
@@ -9266,23 +9376,23 @@
           <a:p>
             <a:r>
               <a:rPr lang="en-US" sz="1600" dirty="0"/>
-              <a:t>Unsupervised </a:t>
-            </a:r>
-            <a:r>
-              <a:rPr lang="en-US" sz="1600" dirty="0" smtClean="0"/>
-              <a:t>image-to-image</a:t>
-            </a:r>
-            <a:r>
-              <a:rPr lang="hr-HR" sz="1600" dirty="0" smtClean="0"/>
-              <a:t> </a:t>
-            </a:r>
-            <a:r>
-              <a:rPr lang="en-US" sz="1600" dirty="0" smtClean="0"/>
-              <a:t>translation </a:t>
+              <a:t>Unsupervised image-to-image</a:t>
+            </a:r>
+            <a:r>
+              <a:rPr lang="hr-HR" sz="1600" dirty="0"/>
+              <a:t> </a:t>
             </a:r>
             <a:r>
               <a:rPr lang="en-US" sz="1600" dirty="0"/>
-              <a:t>networks, 2017.</a:t>
+              <a:t>translation networks.</a:t>
+            </a:r>
+            <a:r>
+              <a:rPr lang="is-IS" sz="1600" dirty="0"/>
+              <a:t> arXiv:1703.00848,</a:t>
+            </a:r>
+            <a:r>
+              <a:rPr lang="en-US" sz="1600" dirty="0"/>
+              <a:t> 2017.</a:t>
             </a:r>
             <a:endParaRPr lang="en-US" sz="1600" dirty="0"/>
           </a:p>
@@ -9478,7 +9588,6 @@
               <a:rPr lang="en-US" sz="1600" dirty="0"/>
               <a:t>, 2018.</a:t>
             </a:r>
-            <a:endParaRPr lang="en-US" sz="1600" dirty="0"/>
           </a:p>
         </p:txBody>
       </p:sp>
@@ -9579,8 +9688,13 @@
           <a:p>
             <a:r>
               <a:rPr lang="hr-HR" dirty="0" smtClean="0"/>
-              <a:t>Rastavljanje slike na</a:t>
-            </a:r>
+              <a:t>Rastavljanje </a:t>
+            </a:r>
+            <a:r>
+              <a:rPr lang="hr-HR" dirty="0" smtClean="0"/>
+              <a:t>podataka na</a:t>
+            </a:r>
+            <a:endParaRPr lang="hr-HR" dirty="0" smtClean="0"/>
           </a:p>
           <a:p>
             <a:pPr lvl="1"/>
@@ -9646,36 +9760,50 @@
             <a:endParaRPr lang="en-US" dirty="0" smtClean="0"/>
           </a:p>
           <a:p>
+            <a:endParaRPr lang="hr-HR" dirty="0" smtClean="0"/>
+          </a:p>
+          <a:p>
+            <a:r>
+              <a:rPr lang="hr-HR" dirty="0" smtClean="0"/>
+              <a:t>Na primjeru slika</a:t>
+            </a:r>
             <a:endParaRPr lang="hr-HR" dirty="0"/>
           </a:p>
           <a:p>
+            <a:pPr lvl="1"/>
+            <a:r>
+              <a:rPr lang="hr-HR" dirty="0" err="1" smtClean="0"/>
+              <a:t>Invarijantno</a:t>
+            </a:r>
             <a:r>
               <a:rPr lang="hr-HR" dirty="0" smtClean="0"/>
-              <a:t>Sadržaj slike </a:t>
-            </a:r>
-            <a:r>
-              <a:rPr lang="mr-IN" dirty="0" smtClean="0"/>
-              <a:t>–</a:t>
+              <a:t> - sadržaj slike ( </a:t>
             </a:r>
             <a:r>
               <a:rPr lang="hr-HR" dirty="0" smtClean="0"/>
-              <a:t> prostorna struktura</a:t>
-            </a:r>
-          </a:p>
-          <a:p>
-            <a:endParaRPr lang="hr-HR" dirty="0"/>
-          </a:p>
-          <a:p>
+              <a:t>prostorna </a:t>
+            </a:r>
             <a:r>
               <a:rPr lang="hr-HR" dirty="0" smtClean="0"/>
-              <a:t>Stil slike </a:t>
-            </a:r>
-            <a:r>
-              <a:rPr lang="mr-IN" dirty="0" smtClean="0"/>
-              <a:t>–</a:t>
-            </a:r>
+              <a:t>struktura )</a:t>
+            </a:r>
+          </a:p>
+          <a:p>
+            <a:pPr lvl="1"/>
             <a:r>
               <a:rPr lang="hr-HR" dirty="0" smtClean="0"/>
+              <a:t>Specifično - stil </a:t>
+            </a:r>
+            <a:r>
+              <a:rPr lang="hr-HR" dirty="0" smtClean="0"/>
+              <a:t>slike </a:t>
+            </a:r>
+            <a:r>
+              <a:rPr lang="hr-HR" dirty="0" smtClean="0"/>
+              <a:t>(</a:t>
+            </a:r>
+            <a:r>
+              <a:rPr lang="hr-HR" dirty="0"/>
               <a:t> </a:t>
             </a:r>
             <a:r>
@@ -9684,7 +9812,15 @@
             </a:r>
             <a:r>
               <a:rPr lang="hr-HR" dirty="0" smtClean="0"/>
-              <a:t> sadržaja slike</a:t>
+              <a:t> </a:t>
+            </a:r>
+            <a:r>
+              <a:rPr lang="hr-HR" dirty="0" smtClean="0"/>
+              <a:t>sadržaja </a:t>
+            </a:r>
+            <a:r>
+              <a:rPr lang="hr-HR" dirty="0" smtClean="0"/>
+              <a:t>slike )</a:t>
             </a:r>
             <a:endParaRPr lang="hr-HR" dirty="0"/>
           </a:p>
@@ -9716,7 +9852,6 @@
               <a:rPr lang="en-US" sz="1600" dirty="0"/>
               <a:t>Multimodal unsupervised image-to-image translation.  arXiv:1804.04732, 2018.</a:t>
             </a:r>
-            <a:endParaRPr lang="en-US" sz="1600" dirty="0"/>
           </a:p>
         </p:txBody>
       </p:sp>
@@ -9800,35 +9935,6 @@
           </a:p>
         </p:txBody>
       </p:sp>
-      <p:pic>
-        <p:nvPicPr>
-          <p:cNvPr id="4" name="Content Placeholder 3"/>
-          <p:cNvPicPr>
-            <a:picLocks noGrp="1" noChangeAspect="1"/>
-          </p:cNvPicPr>
-          <p:nvPr>
-            <p:ph idx="1"/>
-          </p:nvPr>
-        </p:nvPicPr>
-        <p:blipFill>
-          <a:blip r:embed="rId2">
-            <a:extLst>
-              <a:ext uri="{28A0092B-C50C-407E-A947-70E740481C1C}">
-                <a14:useLocalDpi xmlns:a14="http://schemas.microsoft.com/office/drawing/2010/main" val="0"/>
-              </a:ext>
-            </a:extLst>
-          </a:blip>
-          <a:stretch>
-            <a:fillRect/>
-          </a:stretch>
-        </p:blipFill>
-        <p:spPr>
-          <a:xfrm>
-            <a:off x="1264720" y="1996752"/>
-            <a:ext cx="9076313" cy="4447936"/>
-          </a:xfrm>
-        </p:spPr>
-      </p:pic>
       <p:sp>
         <p:nvSpPr>
           <p:cNvPr id="6" name="TextBox 5"/>
@@ -9855,10 +9961,57 @@
               <a:rPr lang="en-US" sz="1600" dirty="0"/>
               <a:t>Multimodal unsupervised image-to-image translation.  arXiv:1804.04732, 2018.</a:t>
             </a:r>
-            <a:endParaRPr lang="en-US" sz="1600" dirty="0"/>
-          </a:p>
-        </p:txBody>
-      </p:sp>
+          </a:p>
+        </p:txBody>
+      </p:sp>
+      <p:pic>
+        <p:nvPicPr>
+          <p:cNvPr id="5" name="Picture 4"/>
+          <p:cNvPicPr>
+            <a:picLocks noChangeAspect="1"/>
+          </p:cNvPicPr>
+          <p:nvPr/>
+        </p:nvPicPr>
+        <p:blipFill>
+          <a:blip r:embed="rId2"/>
+          <a:stretch>
+            <a:fillRect/>
+          </a:stretch>
+        </p:blipFill>
+        <p:spPr>
+          <a:xfrm>
+            <a:off x="646111" y="2738162"/>
+            <a:ext cx="4710612" cy="2619740"/>
+          </a:xfrm>
+          <a:prstGeom prst="rect">
+            <a:avLst/>
+          </a:prstGeom>
+        </p:spPr>
+      </p:pic>
+      <p:pic>
+        <p:nvPicPr>
+          <p:cNvPr id="7" name="Picture 6"/>
+          <p:cNvPicPr>
+            <a:picLocks noChangeAspect="1"/>
+          </p:cNvPicPr>
+          <p:nvPr/>
+        </p:nvPicPr>
+        <p:blipFill>
+          <a:blip r:embed="rId3"/>
+          <a:stretch>
+            <a:fillRect/>
+          </a:stretch>
+        </p:blipFill>
+        <p:spPr>
+          <a:xfrm>
+            <a:off x="5649039" y="3085502"/>
+            <a:ext cx="6032933" cy="2126932"/>
+          </a:xfrm>
+          <a:prstGeom prst="rect">
+            <a:avLst/>
+          </a:prstGeom>
+        </p:spPr>
+      </p:pic>
     </p:spTree>
     <p:extLst>
       <p:ext uri="{BB962C8B-B14F-4D97-AF65-F5344CB8AC3E}">
@@ -9913,246 +10066,94 @@
           <a:p>
             <a:r>
               <a:rPr lang="en-US" dirty="0" err="1" smtClean="0"/>
-              <a:t>Zaključak</a:t>
+              <a:t>Multimodalna</a:t>
+            </a:r>
+            <a:r>
+              <a:rPr lang="en-US" dirty="0" smtClean="0"/>
+              <a:t> </a:t>
+            </a:r>
+            <a:r>
+              <a:rPr lang="en-US" dirty="0" err="1" smtClean="0"/>
+              <a:t>nenadzirana</a:t>
+            </a:r>
+            <a:r>
+              <a:rPr lang="en-US" dirty="0" smtClean="0"/>
+              <a:t> </a:t>
+            </a:r>
+            <a:r>
+              <a:rPr lang="en-US" dirty="0" err="1" smtClean="0"/>
+              <a:t>translacija</a:t>
+            </a:r>
+            <a:r>
+              <a:rPr lang="en-US" dirty="0" smtClean="0"/>
+              <a:t> (MUNIT)</a:t>
             </a:r>
             <a:endParaRPr lang="en-US" dirty="0"/>
           </a:p>
         </p:txBody>
       </p:sp>
-      <p:sp>
-        <p:nvSpPr>
-          <p:cNvPr id="3" name="Content Placeholder 2"/>
-          <p:cNvSpPr>
-            <a:spLocks noGrp="1"/>
-          </p:cNvSpPr>
+      <p:pic>
+        <p:nvPicPr>
+          <p:cNvPr id="4" name="Content Placeholder 3"/>
+          <p:cNvPicPr>
+            <a:picLocks noGrp="1" noChangeAspect="1"/>
+          </p:cNvPicPr>
           <p:nvPr>
             <p:ph idx="1"/>
           </p:nvPr>
-        </p:nvSpPr>
-        <p:spPr/>
-        <p:txBody>
-          <a:bodyPr/>
+        </p:nvPicPr>
+        <p:blipFill>
+          <a:blip r:embed="rId2">
+            <a:extLst>
+              <a:ext uri="{28A0092B-C50C-407E-A947-70E740481C1C}">
+                <a14:useLocalDpi xmlns:a14="http://schemas.microsoft.com/office/drawing/2010/main" val="0"/>
+              </a:ext>
+            </a:extLst>
+          </a:blip>
+          <a:stretch>
+            <a:fillRect/>
+          </a:stretch>
+        </p:blipFill>
+        <p:spPr>
+          <a:xfrm>
+            <a:off x="1264720" y="1996752"/>
+            <a:ext cx="9076313" cy="4447936"/>
+          </a:xfrm>
+        </p:spPr>
+      </p:pic>
+      <p:sp>
+        <p:nvSpPr>
+          <p:cNvPr id="6" name="TextBox 5"/>
+          <p:cNvSpPr txBox="1"/>
+          <p:nvPr/>
+        </p:nvSpPr>
+        <p:spPr>
+          <a:xfrm>
+            <a:off x="646111" y="6444688"/>
+            <a:ext cx="10864738" cy="338554"/>
+          </a:xfrm>
+          <a:prstGeom prst="rect">
+            <a:avLst/>
+          </a:prstGeom>
+          <a:noFill/>
+        </p:spPr>
+        <p:txBody>
+          <a:bodyPr wrap="square" rtlCol="0">
+            <a:spAutoFit/>
+          </a:bodyPr>
           <a:lstStyle/>
           <a:p>
             <a:r>
-              <a:rPr lang="en-US" dirty="0" smtClean="0"/>
-              <a:t>GAN-</a:t>
-            </a:r>
-            <a:r>
-              <a:rPr lang="en-US" dirty="0" err="1" smtClean="0"/>
-              <a:t>ovi</a:t>
-            </a:r>
-            <a:endParaRPr lang="en-US" dirty="0" smtClean="0"/>
-          </a:p>
-          <a:p>
-            <a:pPr lvl="1"/>
-            <a:r>
-              <a:rPr lang="en-US" dirty="0" err="1" smtClean="0"/>
-              <a:t>Učenje</a:t>
-            </a:r>
-            <a:r>
-              <a:rPr lang="en-US" dirty="0" smtClean="0"/>
-              <a:t> </a:t>
-            </a:r>
-            <a:r>
-              <a:rPr lang="en-US" dirty="0" err="1" smtClean="0"/>
-              <a:t>prirodnih</a:t>
-            </a:r>
-            <a:r>
-              <a:rPr lang="en-US" dirty="0" smtClean="0"/>
-              <a:t> </a:t>
-            </a:r>
-            <a:r>
-              <a:rPr lang="en-US" dirty="0" err="1" smtClean="0"/>
-              <a:t>značajki</a:t>
-            </a:r>
-            <a:endParaRPr lang="en-US" dirty="0"/>
-          </a:p>
-          <a:p>
-            <a:pPr lvl="1"/>
-            <a:r>
-              <a:rPr lang="en-US" dirty="0" err="1" smtClean="0"/>
-              <a:t>Vrlo</a:t>
-            </a:r>
-            <a:r>
-              <a:rPr lang="en-US" dirty="0" smtClean="0"/>
-              <a:t> </a:t>
-            </a:r>
-            <a:r>
-              <a:rPr lang="en-US" dirty="0" err="1" smtClean="0"/>
-              <a:t>samostalni</a:t>
-            </a:r>
-            <a:r>
-              <a:rPr lang="en-US" dirty="0" smtClean="0"/>
-              <a:t> </a:t>
-            </a:r>
-            <a:r>
-              <a:rPr lang="en-US" dirty="0" err="1" smtClean="0"/>
-              <a:t>tokom</a:t>
-            </a:r>
-            <a:r>
-              <a:rPr lang="en-US" dirty="0" smtClean="0"/>
-              <a:t> </a:t>
-            </a:r>
-            <a:r>
-              <a:rPr lang="en-US" dirty="0" err="1" smtClean="0"/>
-              <a:t>generacije</a:t>
-            </a:r>
-            <a:endParaRPr lang="en-US" dirty="0" smtClean="0"/>
-          </a:p>
-          <a:p>
-            <a:pPr lvl="1"/>
-            <a:endParaRPr lang="en-US" dirty="0"/>
-          </a:p>
-          <a:p>
-            <a:r>
-              <a:rPr lang="en-US" dirty="0" err="1" smtClean="0"/>
-              <a:t>Uvjetovani</a:t>
-            </a:r>
-            <a:r>
-              <a:rPr lang="en-US" dirty="0" smtClean="0"/>
-              <a:t> GAN-</a:t>
-            </a:r>
-            <a:r>
-              <a:rPr lang="en-US" dirty="0" err="1" smtClean="0"/>
-              <a:t>ovi</a:t>
-            </a:r>
-            <a:endParaRPr lang="en-US" dirty="0" smtClean="0"/>
-          </a:p>
-          <a:p>
-            <a:pPr lvl="1"/>
-            <a:r>
-              <a:rPr lang="en-US" dirty="0" err="1" smtClean="0"/>
-              <a:t>Mreža</a:t>
-            </a:r>
-            <a:r>
-              <a:rPr lang="en-US" dirty="0" smtClean="0"/>
-              <a:t> </a:t>
-            </a:r>
-            <a:r>
-              <a:rPr lang="en-US" dirty="0" err="1" smtClean="0"/>
-              <a:t>samostalno</a:t>
-            </a:r>
-            <a:r>
-              <a:rPr lang="en-US" dirty="0" smtClean="0"/>
-              <a:t> </a:t>
-            </a:r>
-            <a:r>
-              <a:rPr lang="en-US" dirty="0" err="1" smtClean="0"/>
-              <a:t>može</a:t>
-            </a:r>
-            <a:r>
-              <a:rPr lang="en-US" dirty="0" smtClean="0"/>
-              <a:t> </a:t>
-            </a:r>
-            <a:r>
-              <a:rPr lang="en-US" dirty="0" err="1" smtClean="0"/>
-              <a:t>naučiti</a:t>
-            </a:r>
-            <a:r>
-              <a:rPr lang="en-US" dirty="0" smtClean="0"/>
-              <a:t> </a:t>
-            </a:r>
-            <a:r>
-              <a:rPr lang="en-US" dirty="0" err="1" smtClean="0"/>
-              <a:t>funkciju</a:t>
-            </a:r>
-            <a:r>
-              <a:rPr lang="en-US" dirty="0" smtClean="0"/>
-              <a:t> </a:t>
-            </a:r>
-            <a:r>
-              <a:rPr lang="en-US" dirty="0" err="1" smtClean="0"/>
-              <a:t>gubitka</a:t>
-            </a:r>
-            <a:endParaRPr lang="en-US" dirty="0" smtClean="0"/>
-          </a:p>
-          <a:p>
-            <a:pPr lvl="1"/>
-            <a:r>
-              <a:rPr lang="en-US" dirty="0" err="1" smtClean="0"/>
-              <a:t>Uklanja</a:t>
-            </a:r>
-            <a:r>
-              <a:rPr lang="en-US" dirty="0" smtClean="0"/>
-              <a:t> </a:t>
-            </a:r>
-            <a:r>
-              <a:rPr lang="en-US" dirty="0" err="1" smtClean="0"/>
-              <a:t>potrebu</a:t>
-            </a:r>
-            <a:r>
-              <a:rPr lang="en-US" dirty="0" smtClean="0"/>
-              <a:t> </a:t>
-            </a:r>
-            <a:r>
-              <a:rPr lang="en-US" dirty="0" err="1" smtClean="0"/>
-              <a:t>za</a:t>
-            </a:r>
-            <a:r>
-              <a:rPr lang="en-US" dirty="0" smtClean="0"/>
-              <a:t> </a:t>
-            </a:r>
-            <a:r>
-              <a:rPr lang="en-US" dirty="0" err="1" smtClean="0"/>
-              <a:t>inženjerskim</a:t>
-            </a:r>
-            <a:r>
-              <a:rPr lang="en-US" dirty="0" smtClean="0"/>
-              <a:t> </a:t>
-            </a:r>
-            <a:r>
-              <a:rPr lang="en-US" dirty="0" err="1" smtClean="0"/>
-              <a:t>radom</a:t>
-            </a:r>
-            <a:r>
-              <a:rPr lang="en-US" dirty="0" smtClean="0"/>
-              <a:t> </a:t>
-            </a:r>
-            <a:r>
-              <a:rPr lang="mr-IN" dirty="0" smtClean="0"/>
-              <a:t>–</a:t>
-            </a:r>
-            <a:r>
-              <a:rPr lang="en-US" dirty="0" smtClean="0"/>
-              <a:t> </a:t>
-            </a:r>
-            <a:r>
-              <a:rPr lang="en-US" dirty="0" err="1" smtClean="0"/>
-              <a:t>korak</a:t>
-            </a:r>
-            <a:r>
-              <a:rPr lang="en-US" dirty="0" smtClean="0"/>
-              <a:t> </a:t>
-            </a:r>
-            <a:r>
-              <a:rPr lang="en-US" dirty="0" err="1" smtClean="0"/>
-              <a:t>prema</a:t>
-            </a:r>
-            <a:r>
-              <a:rPr lang="en-US" dirty="0" smtClean="0"/>
-              <a:t> </a:t>
-            </a:r>
-            <a:r>
-              <a:rPr lang="en-US" dirty="0" err="1" smtClean="0"/>
-              <a:t>široj</a:t>
-            </a:r>
-            <a:r>
-              <a:rPr lang="en-US" dirty="0" smtClean="0"/>
-              <a:t> </a:t>
-            </a:r>
-            <a:r>
-              <a:rPr lang="en-US" dirty="0" err="1" smtClean="0"/>
-              <a:t>adaptaciji</a:t>
-            </a:r>
-            <a:endParaRPr lang="en-US" dirty="0" smtClean="0"/>
+              <a:rPr lang="en-US" sz="1600" dirty="0"/>
+              <a:t>Multimodal unsupervised image-to-image translation.  arXiv:1804.04732, 2018.</a:t>
+            </a:r>
           </a:p>
         </p:txBody>
       </p:sp>
     </p:spTree>
     <p:extLst>
       <p:ext uri="{BB962C8B-B14F-4D97-AF65-F5344CB8AC3E}">
-        <p14:creationId xmlns:p14="http://schemas.microsoft.com/office/powerpoint/2010/main" val="1343267494"/>
+        <p14:creationId xmlns:p14="http://schemas.microsoft.com/office/powerpoint/2010/main" val="875460859"/>
       </p:ext>
     </p:extLst>
   </p:cSld>
@@ -10225,6 +10226,296 @@
           <a:lstStyle/>
           <a:p>
             <a:r>
+              <a:rPr lang="en-US" dirty="0" smtClean="0"/>
+              <a:t>GAN-</a:t>
+            </a:r>
+            <a:r>
+              <a:rPr lang="en-US" dirty="0" err="1" smtClean="0"/>
+              <a:t>ovi</a:t>
+            </a:r>
+            <a:endParaRPr lang="en-US" dirty="0" smtClean="0"/>
+          </a:p>
+          <a:p>
+            <a:pPr lvl="1"/>
+            <a:r>
+              <a:rPr lang="en-US" dirty="0" err="1" smtClean="0"/>
+              <a:t>Učenje</a:t>
+            </a:r>
+            <a:r>
+              <a:rPr lang="en-US" dirty="0" smtClean="0"/>
+              <a:t> </a:t>
+            </a:r>
+            <a:r>
+              <a:rPr lang="en-US" dirty="0" err="1" smtClean="0"/>
+              <a:t>prirodnih</a:t>
+            </a:r>
+            <a:r>
+              <a:rPr lang="en-US" dirty="0" smtClean="0"/>
+              <a:t> </a:t>
+            </a:r>
+            <a:r>
+              <a:rPr lang="en-US" dirty="0" err="1" smtClean="0"/>
+              <a:t>značajki</a:t>
+            </a:r>
+            <a:endParaRPr lang="en-US" dirty="0"/>
+          </a:p>
+          <a:p>
+            <a:pPr lvl="1"/>
+            <a:r>
+              <a:rPr lang="en-US" dirty="0" err="1" smtClean="0"/>
+              <a:t>Vrlo</a:t>
+            </a:r>
+            <a:r>
+              <a:rPr lang="en-US" dirty="0" smtClean="0"/>
+              <a:t> </a:t>
+            </a:r>
+            <a:r>
+              <a:rPr lang="en-US" dirty="0" err="1" smtClean="0"/>
+              <a:t>samostalni</a:t>
+            </a:r>
+            <a:r>
+              <a:rPr lang="en-US" dirty="0" smtClean="0"/>
+              <a:t> </a:t>
+            </a:r>
+            <a:r>
+              <a:rPr lang="en-US" dirty="0" err="1" smtClean="0"/>
+              <a:t>tokom</a:t>
+            </a:r>
+            <a:r>
+              <a:rPr lang="en-US" dirty="0" smtClean="0"/>
+              <a:t> </a:t>
+            </a:r>
+            <a:r>
+              <a:rPr lang="en-US" dirty="0" err="1" smtClean="0"/>
+              <a:t>generacije</a:t>
+            </a:r>
+            <a:endParaRPr lang="en-US" dirty="0" smtClean="0"/>
+          </a:p>
+          <a:p>
+            <a:pPr lvl="1"/>
+            <a:endParaRPr lang="en-US" dirty="0"/>
+          </a:p>
+          <a:p>
+            <a:r>
+              <a:rPr lang="en-US" dirty="0" err="1" smtClean="0"/>
+              <a:t>Uvjetovani</a:t>
+            </a:r>
+            <a:r>
+              <a:rPr lang="en-US" dirty="0" smtClean="0"/>
+              <a:t> GAN-</a:t>
+            </a:r>
+            <a:r>
+              <a:rPr lang="en-US" dirty="0" err="1" smtClean="0"/>
+              <a:t>ovi</a:t>
+            </a:r>
+            <a:endParaRPr lang="en-US" dirty="0" smtClean="0"/>
+          </a:p>
+          <a:p>
+            <a:pPr lvl="1"/>
+            <a:r>
+              <a:rPr lang="en-US" dirty="0" err="1" smtClean="0"/>
+              <a:t>Mreža</a:t>
+            </a:r>
+            <a:r>
+              <a:rPr lang="en-US" dirty="0" smtClean="0"/>
+              <a:t> </a:t>
+            </a:r>
+            <a:r>
+              <a:rPr lang="en-US" dirty="0" err="1" smtClean="0"/>
+              <a:t>samostalno</a:t>
+            </a:r>
+            <a:r>
+              <a:rPr lang="en-US" dirty="0" smtClean="0"/>
+              <a:t> </a:t>
+            </a:r>
+            <a:r>
+              <a:rPr lang="en-US" dirty="0" err="1" smtClean="0"/>
+              <a:t>može</a:t>
+            </a:r>
+            <a:r>
+              <a:rPr lang="en-US" dirty="0" smtClean="0"/>
+              <a:t> </a:t>
+            </a:r>
+            <a:r>
+              <a:rPr lang="en-US" dirty="0" err="1" smtClean="0"/>
+              <a:t>naučiti</a:t>
+            </a:r>
+            <a:r>
+              <a:rPr lang="en-US" dirty="0" smtClean="0"/>
+              <a:t> </a:t>
+            </a:r>
+            <a:r>
+              <a:rPr lang="en-US" dirty="0" err="1" smtClean="0"/>
+              <a:t>funkciju</a:t>
+            </a:r>
+            <a:r>
+              <a:rPr lang="en-US" dirty="0" smtClean="0"/>
+              <a:t> </a:t>
+            </a:r>
+            <a:r>
+              <a:rPr lang="en-US" dirty="0" err="1" smtClean="0"/>
+              <a:t>gubitka</a:t>
+            </a:r>
+            <a:endParaRPr lang="en-US" dirty="0" smtClean="0"/>
+          </a:p>
+          <a:p>
+            <a:pPr lvl="1"/>
+            <a:r>
+              <a:rPr lang="en-US" dirty="0" err="1" smtClean="0"/>
+              <a:t>Uklanja</a:t>
+            </a:r>
+            <a:r>
+              <a:rPr lang="en-US" dirty="0" smtClean="0"/>
+              <a:t> </a:t>
+            </a:r>
+            <a:r>
+              <a:rPr lang="en-US" dirty="0" err="1" smtClean="0"/>
+              <a:t>potrebu</a:t>
+            </a:r>
+            <a:r>
+              <a:rPr lang="en-US" dirty="0" smtClean="0"/>
+              <a:t> </a:t>
+            </a:r>
+            <a:r>
+              <a:rPr lang="en-US" dirty="0" err="1" smtClean="0"/>
+              <a:t>za</a:t>
+            </a:r>
+            <a:r>
+              <a:rPr lang="en-US" dirty="0" smtClean="0"/>
+              <a:t> </a:t>
+            </a:r>
+            <a:r>
+              <a:rPr lang="en-US" dirty="0" err="1" smtClean="0"/>
+              <a:t>inženjerskim</a:t>
+            </a:r>
+            <a:r>
+              <a:rPr lang="en-US" dirty="0" smtClean="0"/>
+              <a:t> </a:t>
+            </a:r>
+            <a:r>
+              <a:rPr lang="en-US" dirty="0" err="1" smtClean="0"/>
+              <a:t>radom</a:t>
+            </a:r>
+            <a:r>
+              <a:rPr lang="en-US" dirty="0" smtClean="0"/>
+              <a:t> </a:t>
+            </a:r>
+            <a:r>
+              <a:rPr lang="mr-IN" dirty="0" smtClean="0"/>
+              <a:t>–</a:t>
+            </a:r>
+            <a:r>
+              <a:rPr lang="en-US" dirty="0" smtClean="0"/>
+              <a:t> </a:t>
+            </a:r>
+            <a:r>
+              <a:rPr lang="en-US" dirty="0" err="1" smtClean="0"/>
+              <a:t>korak</a:t>
+            </a:r>
+            <a:r>
+              <a:rPr lang="en-US" dirty="0" smtClean="0"/>
+              <a:t> </a:t>
+            </a:r>
+            <a:r>
+              <a:rPr lang="en-US" dirty="0" err="1" smtClean="0"/>
+              <a:t>prema</a:t>
+            </a:r>
+            <a:r>
+              <a:rPr lang="en-US" dirty="0" smtClean="0"/>
+              <a:t> </a:t>
+            </a:r>
+            <a:r>
+              <a:rPr lang="en-US" dirty="0" err="1" smtClean="0"/>
+              <a:t>široj</a:t>
+            </a:r>
+            <a:r>
+              <a:rPr lang="en-US" dirty="0" smtClean="0"/>
+              <a:t> </a:t>
+            </a:r>
+            <a:r>
+              <a:rPr lang="en-US" dirty="0" err="1" smtClean="0"/>
+              <a:t>adaptaciji</a:t>
+            </a:r>
+            <a:endParaRPr lang="en-US" dirty="0" smtClean="0"/>
+          </a:p>
+        </p:txBody>
+      </p:sp>
+    </p:spTree>
+    <p:extLst>
+      <p:ext uri="{BB962C8B-B14F-4D97-AF65-F5344CB8AC3E}">
+        <p14:creationId xmlns:p14="http://schemas.microsoft.com/office/powerpoint/2010/main" val="1343267494"/>
+      </p:ext>
+    </p:extLst>
+  </p:cSld>
+  <p:clrMapOvr>
+    <a:masterClrMapping/>
+  </p:clrMapOvr>
+  <p:timing>
+    <p:tnLst>
+      <p:par>
+        <p:cTn id="1" dur="indefinite" restart="never" nodeType="tmRoot"/>
+      </p:par>
+    </p:tnLst>
+  </p:timing>
+</p:sld>
+</file>
+
+<file path=ppt/slides/slide26.xml><?xml version="1.0" encoding="utf-8"?>
+<p:sld xmlns:a="http://schemas.openxmlformats.org/drawingml/2006/main" xmlns:r="http://schemas.openxmlformats.org/officeDocument/2006/relationships" xmlns:p="http://schemas.openxmlformats.org/presentationml/2006/main">
+  <p:cSld>
+    <p:spTree>
+      <p:nvGrpSpPr>
+        <p:cNvPr id="1" name=""/>
+        <p:cNvGrpSpPr/>
+        <p:nvPr/>
+      </p:nvGrpSpPr>
+      <p:grpSpPr>
+        <a:xfrm>
+          <a:off x="0" y="0"/>
+          <a:ext cx="0" cy="0"/>
+          <a:chOff x="0" y="0"/>
+          <a:chExt cx="0" cy="0"/>
+        </a:xfrm>
+      </p:grpSpPr>
+      <p:sp>
+        <p:nvSpPr>
+          <p:cNvPr id="2" name="Title 1"/>
+          <p:cNvSpPr>
+            <a:spLocks noGrp="1"/>
+          </p:cNvSpPr>
+          <p:nvPr>
+            <p:ph type="title"/>
+          </p:nvPr>
+        </p:nvSpPr>
+        <p:spPr/>
+        <p:txBody>
+          <a:bodyPr/>
+          <a:lstStyle/>
+          <a:p>
+            <a:r>
+              <a:rPr lang="en-US" dirty="0" err="1" smtClean="0"/>
+              <a:t>Zaključak</a:t>
+            </a:r>
+            <a:endParaRPr lang="en-US" dirty="0"/>
+          </a:p>
+        </p:txBody>
+      </p:sp>
+      <p:sp>
+        <p:nvSpPr>
+          <p:cNvPr id="3" name="Content Placeholder 2"/>
+          <p:cNvSpPr>
+            <a:spLocks noGrp="1"/>
+          </p:cNvSpPr>
+          <p:nvPr>
+            <p:ph idx="1"/>
+          </p:nvPr>
+        </p:nvSpPr>
+        <p:spPr/>
+        <p:txBody>
+          <a:bodyPr/>
+          <a:lstStyle/>
+          <a:p>
+            <a:r>
               <a:rPr lang="hr-HR" dirty="0" smtClean="0"/>
               <a:t>Kružni GAN-ovi</a:t>
             </a:r>
@@ -10334,7 +10625,7 @@
 </p:sld>
 </file>
 
-<file path=ppt/slides/slide26.xml><?xml version="1.0" encoding="utf-8"?>
+<file path=ppt/slides/slide27.xml><?xml version="1.0" encoding="utf-8"?>
 <p:sld xmlns:a="http://schemas.openxmlformats.org/drawingml/2006/main" xmlns:r="http://schemas.openxmlformats.org/officeDocument/2006/relationships" xmlns:p="http://schemas.openxmlformats.org/presentationml/2006/main">
   <p:cSld>
     <p:spTree>
@@ -10549,349 +10840,422 @@
           </a:p>
         </p:txBody>
       </p:sp>
-      <p:sp>
-        <p:nvSpPr>
-          <p:cNvPr id="3" name="Content Placeholder 2"/>
-          <p:cNvSpPr>
-            <a:spLocks noGrp="1"/>
-          </p:cNvSpPr>
-          <p:nvPr>
-            <p:ph idx="1"/>
-          </p:nvPr>
-        </p:nvSpPr>
-        <p:spPr/>
-        <p:txBody>
-          <a:bodyPr>
-            <a:normAutofit fontScale="92500" lnSpcReduction="20000"/>
-          </a:bodyPr>
-          <a:lstStyle/>
-          <a:p>
-            <a:r>
-              <a:rPr lang="en-US" dirty="0" err="1" smtClean="0"/>
-              <a:t>Diskriminativni</a:t>
-            </a:r>
-            <a:endParaRPr lang="en-US" dirty="0" smtClean="0"/>
-          </a:p>
-          <a:p>
-            <a:pPr lvl="1"/>
-            <a:r>
-              <a:rPr lang="en-US" dirty="0" err="1" smtClean="0"/>
-              <a:t>Modeliranje</a:t>
-            </a:r>
-            <a:r>
-              <a:rPr lang="en-US" dirty="0" smtClean="0"/>
-              <a:t> </a:t>
-            </a:r>
-            <a:r>
-              <a:rPr lang="en-US" dirty="0" err="1" smtClean="0"/>
-              <a:t>pomoću</a:t>
-            </a:r>
-            <a:r>
-              <a:rPr lang="en-US" dirty="0" smtClean="0"/>
-              <a:t> </a:t>
-            </a:r>
-            <a:r>
-              <a:rPr lang="en-US" dirty="0" err="1" smtClean="0"/>
-              <a:t>ulaznih</a:t>
-            </a:r>
-            <a:r>
-              <a:rPr lang="en-US" dirty="0" smtClean="0"/>
-              <a:t> </a:t>
-            </a:r>
-            <a:r>
-              <a:rPr lang="en-US" dirty="0" err="1" smtClean="0"/>
-              <a:t>varijabli</a:t>
-            </a:r>
-            <a:endParaRPr lang="en-US" dirty="0" smtClean="0"/>
-          </a:p>
-          <a:p>
-            <a:pPr lvl="1"/>
-            <a:r>
-              <a:rPr lang="en-US" dirty="0" err="1" smtClean="0"/>
-              <a:t>Učenje</a:t>
-            </a:r>
-            <a:r>
-              <a:rPr lang="en-US" dirty="0" smtClean="0"/>
-              <a:t> </a:t>
-            </a:r>
-            <a:r>
-              <a:rPr lang="en-US" dirty="0" err="1" smtClean="0"/>
-              <a:t>uvjetne</a:t>
-            </a:r>
-            <a:r>
-              <a:rPr lang="en-US" dirty="0" smtClean="0"/>
-              <a:t> </a:t>
-            </a:r>
-            <a:r>
-              <a:rPr lang="en-US" dirty="0" err="1" smtClean="0"/>
-              <a:t>vjerojatnosti</a:t>
-            </a:r>
-            <a:r>
-              <a:rPr lang="en-US" dirty="0" smtClean="0"/>
-              <a:t> p(Y|X)</a:t>
-            </a:r>
-            <a:endParaRPr lang="en-US" dirty="0"/>
-          </a:p>
-          <a:p>
-            <a:pPr lvl="1"/>
-            <a:r>
-              <a:rPr lang="en-US" dirty="0" smtClean="0"/>
-              <a:t>Ne </a:t>
-            </a:r>
-            <a:r>
-              <a:rPr lang="en-US" dirty="0" err="1" smtClean="0"/>
-              <a:t>stvaraju</a:t>
-            </a:r>
-            <a:r>
-              <a:rPr lang="en-US" dirty="0" smtClean="0"/>
-              <a:t> </a:t>
-            </a:r>
-            <a:r>
-              <a:rPr lang="en-US" dirty="0" err="1" smtClean="0"/>
-              <a:t>puno</a:t>
-            </a:r>
-            <a:r>
-              <a:rPr lang="en-US" dirty="0" smtClean="0"/>
-              <a:t> </a:t>
-            </a:r>
-            <a:r>
-              <a:rPr lang="en-US" dirty="0" err="1" smtClean="0"/>
-              <a:t>pretpostavki</a:t>
-            </a:r>
-            <a:r>
-              <a:rPr lang="en-US" dirty="0" smtClean="0"/>
-              <a:t> o </a:t>
-            </a:r>
-            <a:r>
-              <a:rPr lang="en-US" dirty="0" err="1" smtClean="0"/>
-              <a:t>distribuciji</a:t>
-            </a:r>
-            <a:endParaRPr lang="en-US" dirty="0" smtClean="0"/>
-          </a:p>
-          <a:p>
-            <a:pPr lvl="1"/>
-            <a:r>
-              <a:rPr lang="en-US" dirty="0" err="1" smtClean="0"/>
-              <a:t>Znaju</a:t>
-            </a:r>
-            <a:r>
-              <a:rPr lang="en-US" dirty="0" smtClean="0"/>
-              <a:t> </a:t>
-            </a:r>
-            <a:r>
-              <a:rPr lang="en-US" dirty="0" err="1" smtClean="0"/>
-              <a:t>klasificirati</a:t>
-            </a:r>
-            <a:r>
-              <a:rPr lang="en-US" dirty="0" smtClean="0"/>
-              <a:t> </a:t>
-            </a:r>
-            <a:r>
-              <a:rPr lang="en-US" dirty="0" err="1" smtClean="0"/>
-              <a:t>nove</a:t>
-            </a:r>
-            <a:r>
-              <a:rPr lang="en-US" dirty="0" smtClean="0"/>
-              <a:t> </a:t>
-            </a:r>
-            <a:r>
-              <a:rPr lang="en-US" dirty="0" err="1" smtClean="0"/>
-              <a:t>primjere</a:t>
-            </a:r>
-            <a:endParaRPr lang="en-US" dirty="0"/>
-          </a:p>
-          <a:p>
-            <a:r>
-              <a:rPr lang="en-US" dirty="0" err="1" smtClean="0"/>
-              <a:t>Generativni</a:t>
-            </a:r>
-            <a:endParaRPr lang="en-US" dirty="0" smtClean="0"/>
-          </a:p>
-          <a:p>
-            <a:pPr lvl="1"/>
-            <a:r>
-              <a:rPr lang="en-US" dirty="0" err="1" smtClean="0"/>
-              <a:t>Uče</a:t>
-            </a:r>
-            <a:r>
-              <a:rPr lang="en-US" dirty="0" smtClean="0"/>
-              <a:t> </a:t>
-            </a:r>
-            <a:r>
-              <a:rPr lang="en-US" dirty="0" err="1" smtClean="0"/>
-              <a:t>distribuciju</a:t>
-            </a:r>
-            <a:r>
-              <a:rPr lang="en-US" dirty="0" smtClean="0"/>
-              <a:t> </a:t>
-            </a:r>
-            <a:r>
-              <a:rPr lang="en-US" dirty="0" err="1" smtClean="0"/>
-              <a:t>podataka</a:t>
-            </a:r>
-            <a:r>
-              <a:rPr lang="en-US" dirty="0" smtClean="0"/>
-              <a:t> </a:t>
-            </a:r>
-            <a:r>
-              <a:rPr lang="en-US" dirty="0" err="1" smtClean="0"/>
-              <a:t>pojedinih</a:t>
-            </a:r>
-            <a:r>
-              <a:rPr lang="en-US" dirty="0" smtClean="0"/>
-              <a:t> </a:t>
-            </a:r>
-            <a:r>
-              <a:rPr lang="en-US" dirty="0" err="1" smtClean="0"/>
-              <a:t>klasa</a:t>
-            </a:r>
-            <a:r>
-              <a:rPr lang="en-US" dirty="0" smtClean="0"/>
-              <a:t> p(X|Y)</a:t>
-            </a:r>
-            <a:endParaRPr lang="en-US" dirty="0"/>
-          </a:p>
-          <a:p>
-            <a:pPr lvl="1"/>
-            <a:r>
-              <a:rPr lang="en-US" dirty="0" err="1" smtClean="0"/>
-              <a:t>Razne</a:t>
-            </a:r>
-            <a:r>
-              <a:rPr lang="en-US" dirty="0" smtClean="0"/>
-              <a:t> </a:t>
-            </a:r>
-            <a:r>
-              <a:rPr lang="en-US" dirty="0" err="1" smtClean="0"/>
-              <a:t>varijante</a:t>
-            </a:r>
-            <a:r>
-              <a:rPr lang="en-US" dirty="0" smtClean="0"/>
-              <a:t> </a:t>
-            </a:r>
-            <a:r>
-              <a:rPr lang="en-US" dirty="0" err="1" smtClean="0"/>
-              <a:t>mogu</a:t>
-            </a:r>
-            <a:endParaRPr lang="en-US" dirty="0" smtClean="0"/>
-          </a:p>
-          <a:p>
-            <a:pPr lvl="2"/>
-            <a:r>
-              <a:rPr lang="en-US" dirty="0" err="1"/>
-              <a:t>U</a:t>
-            </a:r>
-            <a:r>
-              <a:rPr lang="en-US" dirty="0" err="1" smtClean="0"/>
-              <a:t>zorkovati</a:t>
-            </a:r>
-            <a:r>
-              <a:rPr lang="en-US" dirty="0" smtClean="0"/>
-              <a:t> </a:t>
-            </a:r>
-            <a:r>
-              <a:rPr lang="en-US" dirty="0" err="1" smtClean="0"/>
-              <a:t>nove</a:t>
-            </a:r>
-            <a:r>
-              <a:rPr lang="en-US" dirty="0" smtClean="0"/>
-              <a:t> </a:t>
-            </a:r>
-            <a:r>
-              <a:rPr lang="en-US" dirty="0" err="1" smtClean="0"/>
-              <a:t>primjere</a:t>
-            </a:r>
-            <a:endParaRPr lang="en-US" dirty="0"/>
-          </a:p>
-          <a:p>
-            <a:pPr lvl="2"/>
-            <a:r>
-              <a:rPr lang="en-US" dirty="0" err="1" smtClean="0"/>
-              <a:t>Naučiti</a:t>
-            </a:r>
-            <a:r>
-              <a:rPr lang="en-US" dirty="0" smtClean="0"/>
-              <a:t> </a:t>
-            </a:r>
-            <a:r>
-              <a:rPr lang="en-US" dirty="0" err="1" smtClean="0"/>
-              <a:t>distribuciju</a:t>
-            </a:r>
-            <a:r>
-              <a:rPr lang="en-US" dirty="0" smtClean="0"/>
-              <a:t> </a:t>
-            </a:r>
-            <a:r>
-              <a:rPr lang="en-US" dirty="0" err="1" smtClean="0"/>
-              <a:t>podataka</a:t>
-            </a:r>
-            <a:endParaRPr lang="en-US" dirty="0" smtClean="0"/>
-          </a:p>
-          <a:p>
-            <a:pPr lvl="2"/>
-            <a:r>
-              <a:rPr lang="en-US" dirty="0" err="1" smtClean="0"/>
-              <a:t>Identificirati</a:t>
-            </a:r>
-            <a:r>
-              <a:rPr lang="en-US" dirty="0" smtClean="0"/>
-              <a:t> </a:t>
-            </a:r>
-            <a:r>
-              <a:rPr lang="en-US" dirty="0" err="1" smtClean="0"/>
-              <a:t>bitne</a:t>
-            </a:r>
-            <a:r>
-              <a:rPr lang="en-US" dirty="0" smtClean="0"/>
-              <a:t> </a:t>
-            </a:r>
-            <a:r>
-              <a:rPr lang="en-US" dirty="0" err="1" smtClean="0"/>
-              <a:t>značajke</a:t>
-            </a:r>
-            <a:endParaRPr lang="en-US" dirty="0"/>
-          </a:p>
-          <a:p>
-            <a:r>
-              <a:rPr lang="en-US" dirty="0" err="1" smtClean="0"/>
-              <a:t>Generativni</a:t>
-            </a:r>
-            <a:r>
-              <a:rPr lang="en-US" dirty="0" smtClean="0"/>
-              <a:t> </a:t>
-            </a:r>
-            <a:r>
-              <a:rPr lang="en-US" dirty="0" err="1" smtClean="0"/>
-              <a:t>modeli</a:t>
-            </a:r>
-            <a:r>
-              <a:rPr lang="en-US" dirty="0" smtClean="0"/>
-              <a:t> </a:t>
-            </a:r>
-            <a:r>
-              <a:rPr lang="en-US" dirty="0" err="1" smtClean="0"/>
-              <a:t>su</a:t>
-            </a:r>
-            <a:r>
-              <a:rPr lang="en-US" dirty="0" smtClean="0"/>
-              <a:t> </a:t>
-            </a:r>
-            <a:r>
-              <a:rPr lang="en-US" dirty="0" err="1" smtClean="0"/>
-              <a:t>puno</a:t>
-            </a:r>
-            <a:r>
-              <a:rPr lang="en-US" dirty="0" smtClean="0"/>
-              <a:t> </a:t>
-            </a:r>
-            <a:r>
-              <a:rPr lang="en-US" dirty="0" err="1" smtClean="0"/>
-              <a:t>složeniji</a:t>
-            </a:r>
-            <a:endParaRPr lang="en-US" dirty="0" smtClean="0"/>
-          </a:p>
-        </p:txBody>
-      </p:sp>
+      <mc:AlternateContent xmlns:mc="http://schemas.openxmlformats.org/markup-compatibility/2006">
+        <mc:Choice xmlns:a14="http://schemas.microsoft.com/office/drawing/2010/main" Requires="a14">
+          <p:sp>
+            <p:nvSpPr>
+              <p:cNvPr id="3" name="Content Placeholder 2"/>
+              <p:cNvSpPr>
+                <a:spLocks noGrp="1"/>
+              </p:cNvSpPr>
+              <p:nvPr>
+                <p:ph idx="1"/>
+              </p:nvPr>
+            </p:nvSpPr>
+            <p:spPr/>
+            <p:txBody>
+              <a:bodyPr>
+                <a:normAutofit fontScale="92500" lnSpcReduction="20000"/>
+              </a:bodyPr>
+              <a:lstStyle/>
+              <a:p>
+                <a:r>
+                  <a:rPr lang="en-US" dirty="0" err="1" smtClean="0"/>
+                  <a:t>Diskriminativni</a:t>
+                </a:r>
+                <a:endParaRPr lang="en-US" dirty="0" smtClean="0"/>
+              </a:p>
+              <a:p>
+                <a:pPr lvl="1"/>
+                <a:r>
+                  <a:rPr lang="en-US" dirty="0" err="1" smtClean="0"/>
+                  <a:t>Modeliranje</a:t>
+                </a:r>
+                <a:r>
+                  <a:rPr lang="en-US" dirty="0" smtClean="0"/>
+                  <a:t> </a:t>
+                </a:r>
+                <a:r>
+                  <a:rPr lang="en-US" dirty="0" err="1" smtClean="0"/>
+                  <a:t>pomoću</a:t>
+                </a:r>
+                <a:r>
+                  <a:rPr lang="en-US" dirty="0" smtClean="0"/>
+                  <a:t> </a:t>
+                </a:r>
+                <a:r>
+                  <a:rPr lang="en-US" dirty="0" err="1" smtClean="0"/>
+                  <a:t>ulaznih</a:t>
+                </a:r>
+                <a:r>
+                  <a:rPr lang="en-US" dirty="0" smtClean="0"/>
+                  <a:t> </a:t>
+                </a:r>
+                <a:r>
+                  <a:rPr lang="en-US" dirty="0" err="1" smtClean="0"/>
+                  <a:t>varijabli</a:t>
+                </a:r>
+                <a:endParaRPr lang="en-US" dirty="0" smtClean="0"/>
+              </a:p>
+              <a:p>
+                <a:pPr lvl="1"/>
+                <a:r>
+                  <a:rPr lang="en-US" dirty="0" err="1" smtClean="0"/>
+                  <a:t>Učenje</a:t>
+                </a:r>
+                <a:r>
+                  <a:rPr lang="en-US" dirty="0" smtClean="0"/>
+                  <a:t> </a:t>
+                </a:r>
+                <a:r>
+                  <a:rPr lang="en-US" dirty="0" err="1" smtClean="0"/>
+                  <a:t>uvjetne</a:t>
+                </a:r>
+                <a:r>
+                  <a:rPr lang="en-US" dirty="0" smtClean="0"/>
+                  <a:t> </a:t>
+                </a:r>
+                <a:r>
+                  <a:rPr lang="en-US" dirty="0" err="1" smtClean="0"/>
+                  <a:t>vjerojatnosti</a:t>
+                </a:r>
+                <a:r>
+                  <a:rPr lang="en-US" dirty="0" smtClean="0"/>
+                  <a:t> </a:t>
+                </a:r>
+                <a14:m>
+                  <m:oMath xmlns:m="http://schemas.openxmlformats.org/officeDocument/2006/math">
+                    <m:r>
+                      <a:rPr lang="en-US" i="1" dirty="0" smtClean="0">
+                        <a:latin typeface="Cambria Math" charset="0"/>
+                      </a:rPr>
+                      <m:t>𝑝</m:t>
+                    </m:r>
+                    <m:r>
+                      <a:rPr lang="en-US" i="1" dirty="0" smtClean="0">
+                        <a:latin typeface="Cambria Math" charset="0"/>
+                      </a:rPr>
+                      <m:t>(</m:t>
+                    </m:r>
+                    <m:r>
+                      <a:rPr lang="en-US" i="1" dirty="0" smtClean="0">
+                        <a:latin typeface="Cambria Math" charset="0"/>
+                      </a:rPr>
+                      <m:t>𝑌</m:t>
+                    </m:r>
+                    <m:r>
+                      <a:rPr lang="en-US" i="1" dirty="0" smtClean="0">
+                        <a:latin typeface="Cambria Math" charset="0"/>
+                      </a:rPr>
+                      <m:t>|</m:t>
+                    </m:r>
+                    <m:r>
+                      <a:rPr lang="en-US" i="1" dirty="0" smtClean="0">
+                        <a:latin typeface="Cambria Math" charset="0"/>
+                      </a:rPr>
+                      <m:t>𝑋</m:t>
+                    </m:r>
+                    <m:r>
+                      <a:rPr lang="en-US" i="1" dirty="0" smtClean="0">
+                        <a:latin typeface="Cambria Math" charset="0"/>
+                      </a:rPr>
+                      <m:t>)</m:t>
+                    </m:r>
+                  </m:oMath>
+                </a14:m>
+                <a:endParaRPr lang="en-US" dirty="0"/>
+              </a:p>
+              <a:p>
+                <a:pPr lvl="1"/>
+                <a:r>
+                  <a:rPr lang="en-US" dirty="0" smtClean="0"/>
+                  <a:t>Ne </a:t>
+                </a:r>
+                <a:r>
+                  <a:rPr lang="en-US" dirty="0" err="1" smtClean="0"/>
+                  <a:t>stvaraju</a:t>
+                </a:r>
+                <a:r>
+                  <a:rPr lang="en-US" dirty="0" smtClean="0"/>
+                  <a:t> </a:t>
+                </a:r>
+                <a:r>
+                  <a:rPr lang="en-US" dirty="0" err="1" smtClean="0"/>
+                  <a:t>puno</a:t>
+                </a:r>
+                <a:r>
+                  <a:rPr lang="en-US" dirty="0" smtClean="0"/>
+                  <a:t> </a:t>
+                </a:r>
+                <a:r>
+                  <a:rPr lang="en-US" dirty="0" err="1" smtClean="0"/>
+                  <a:t>pretpostavki</a:t>
+                </a:r>
+                <a:r>
+                  <a:rPr lang="en-US" dirty="0" smtClean="0"/>
+                  <a:t> o </a:t>
+                </a:r>
+                <a:r>
+                  <a:rPr lang="en-US" dirty="0" err="1" smtClean="0"/>
+                  <a:t>distribuciji</a:t>
+                </a:r>
+                <a:endParaRPr lang="en-US" dirty="0" smtClean="0"/>
+              </a:p>
+              <a:p>
+                <a:pPr lvl="1"/>
+                <a:r>
+                  <a:rPr lang="en-US" dirty="0" err="1" smtClean="0"/>
+                  <a:t>Vrše</a:t>
+                </a:r>
+                <a:r>
+                  <a:rPr lang="en-US" dirty="0" smtClean="0"/>
+                  <a:t> </a:t>
+                </a:r>
+                <a:r>
+                  <a:rPr lang="en-US" dirty="0" err="1" smtClean="0"/>
+                  <a:t>klasifikaciju</a:t>
+                </a:r>
+                <a:r>
+                  <a:rPr lang="en-US" dirty="0" smtClean="0"/>
+                  <a:t> </a:t>
+                </a:r>
+                <a:r>
+                  <a:rPr lang="en-US" dirty="0" err="1" smtClean="0"/>
+                  <a:t>podataka</a:t>
+                </a:r>
+                <a:endParaRPr lang="en-US" dirty="0" smtClean="0"/>
+              </a:p>
+              <a:p>
+                <a:endParaRPr lang="en-US" dirty="0"/>
+              </a:p>
+              <a:p>
+                <a:r>
+                  <a:rPr lang="en-US" dirty="0" err="1" smtClean="0"/>
+                  <a:t>Generativni</a:t>
+                </a:r>
+                <a:endParaRPr lang="en-US" dirty="0" smtClean="0"/>
+              </a:p>
+              <a:p>
+                <a:pPr lvl="1"/>
+                <a:r>
+                  <a:rPr lang="en-US" dirty="0" err="1" smtClean="0"/>
+                  <a:t>Uče</a:t>
+                </a:r>
+                <a:r>
+                  <a:rPr lang="en-US" dirty="0" smtClean="0"/>
+                  <a:t> </a:t>
+                </a:r>
+                <a:r>
+                  <a:rPr lang="en-US" dirty="0" err="1" smtClean="0"/>
+                  <a:t>distribuciju</a:t>
+                </a:r>
+                <a:r>
+                  <a:rPr lang="en-US" dirty="0" smtClean="0"/>
+                  <a:t> </a:t>
+                </a:r>
+                <a:r>
+                  <a:rPr lang="en-US" dirty="0" err="1" smtClean="0"/>
+                  <a:t>podataka</a:t>
+                </a:r>
+                <a:r>
+                  <a:rPr lang="en-US" dirty="0" smtClean="0"/>
+                  <a:t> </a:t>
+                </a:r>
+                <a:r>
+                  <a:rPr lang="en-US" dirty="0" err="1" smtClean="0"/>
+                  <a:t>pojedinih</a:t>
+                </a:r>
+                <a:r>
+                  <a:rPr lang="en-US" dirty="0" smtClean="0"/>
+                  <a:t> </a:t>
+                </a:r>
+                <a:r>
+                  <a:rPr lang="en-US" dirty="0" err="1" smtClean="0"/>
+                  <a:t>klasa</a:t>
+                </a:r>
+                <a:r>
+                  <a:rPr lang="en-US" dirty="0" smtClean="0"/>
+                  <a:t> </a:t>
+                </a:r>
+                <a14:m>
+                  <m:oMath xmlns:m="http://schemas.openxmlformats.org/officeDocument/2006/math">
+                    <m:r>
+                      <a:rPr lang="en-US" i="1" dirty="0" smtClean="0">
+                        <a:latin typeface="Cambria Math" charset="0"/>
+                      </a:rPr>
+                      <m:t>𝑝</m:t>
+                    </m:r>
+                    <m:r>
+                      <a:rPr lang="en-US" i="1" dirty="0" smtClean="0">
+                        <a:latin typeface="Cambria Math" charset="0"/>
+                      </a:rPr>
+                      <m:t>(</m:t>
+                    </m:r>
+                    <m:r>
+                      <a:rPr lang="en-US" i="1" dirty="0" smtClean="0">
+                        <a:latin typeface="Cambria Math" charset="0"/>
+                      </a:rPr>
+                      <m:t>𝑋</m:t>
+                    </m:r>
+                    <m:r>
+                      <a:rPr lang="en-US" i="1" dirty="0" smtClean="0">
+                        <a:latin typeface="Cambria Math" charset="0"/>
+                      </a:rPr>
+                      <m:t>|</m:t>
+                    </m:r>
+                    <m:r>
+                      <a:rPr lang="en-US" i="1" dirty="0" smtClean="0">
+                        <a:latin typeface="Cambria Math" charset="0"/>
+                      </a:rPr>
+                      <m:t>𝑌</m:t>
+                    </m:r>
+                    <m:r>
+                      <a:rPr lang="en-US" i="1" dirty="0" smtClean="0">
+                        <a:latin typeface="Cambria Math" charset="0"/>
+                      </a:rPr>
+                      <m:t>)</m:t>
+                    </m:r>
+                  </m:oMath>
+                </a14:m>
+                <a:endParaRPr lang="en-US" dirty="0"/>
+              </a:p>
+              <a:p>
+                <a:pPr lvl="1"/>
+                <a:r>
+                  <a:rPr lang="en-US" dirty="0" err="1" smtClean="0"/>
+                  <a:t>Razne</a:t>
+                </a:r>
+                <a:r>
+                  <a:rPr lang="en-US" dirty="0" smtClean="0"/>
+                  <a:t> </a:t>
+                </a:r>
+                <a:r>
+                  <a:rPr lang="en-US" dirty="0" err="1" smtClean="0"/>
+                  <a:t>varijante</a:t>
+                </a:r>
+                <a:r>
+                  <a:rPr lang="en-US" dirty="0" smtClean="0"/>
+                  <a:t> </a:t>
+                </a:r>
+                <a:r>
+                  <a:rPr lang="en-US" dirty="0" err="1" smtClean="0"/>
+                  <a:t>mogu</a:t>
+                </a:r>
+                <a:endParaRPr lang="en-US" dirty="0" smtClean="0"/>
+              </a:p>
+              <a:p>
+                <a:pPr lvl="2"/>
+                <a:r>
+                  <a:rPr lang="en-US" dirty="0" err="1"/>
+                  <a:t>U</a:t>
+                </a:r>
+                <a:r>
+                  <a:rPr lang="en-US" dirty="0" err="1" smtClean="0"/>
+                  <a:t>zorkovati</a:t>
+                </a:r>
+                <a:r>
+                  <a:rPr lang="en-US" dirty="0" smtClean="0"/>
+                  <a:t> </a:t>
+                </a:r>
+                <a:r>
+                  <a:rPr lang="en-US" dirty="0" err="1" smtClean="0"/>
+                  <a:t>nove</a:t>
+                </a:r>
+                <a:r>
+                  <a:rPr lang="en-US" dirty="0" smtClean="0"/>
+                  <a:t> </a:t>
+                </a:r>
+                <a:r>
+                  <a:rPr lang="en-US" dirty="0" err="1" smtClean="0"/>
+                  <a:t>primjere</a:t>
+                </a:r>
+                <a:endParaRPr lang="en-US" dirty="0"/>
+              </a:p>
+              <a:p>
+                <a:pPr lvl="2"/>
+                <a:r>
+                  <a:rPr lang="en-US" dirty="0" err="1" smtClean="0"/>
+                  <a:t>Naučiti</a:t>
+                </a:r>
+                <a:r>
+                  <a:rPr lang="en-US" dirty="0" smtClean="0"/>
+                  <a:t> </a:t>
+                </a:r>
+                <a:r>
+                  <a:rPr lang="en-US" dirty="0" err="1" smtClean="0"/>
+                  <a:t>distribuciju</a:t>
+                </a:r>
+                <a:r>
+                  <a:rPr lang="en-US" dirty="0" smtClean="0"/>
+                  <a:t> </a:t>
+                </a:r>
+                <a:r>
+                  <a:rPr lang="en-US" dirty="0" err="1" smtClean="0"/>
+                  <a:t>podataka</a:t>
+                </a:r>
+                <a:endParaRPr lang="en-US" dirty="0" smtClean="0"/>
+              </a:p>
+              <a:p>
+                <a:pPr lvl="2"/>
+                <a:r>
+                  <a:rPr lang="en-US" dirty="0" err="1" smtClean="0"/>
+                  <a:t>Identificirati</a:t>
+                </a:r>
+                <a:r>
+                  <a:rPr lang="en-US" dirty="0" smtClean="0"/>
+                  <a:t> </a:t>
+                </a:r>
+                <a:r>
+                  <a:rPr lang="en-US" dirty="0" err="1" smtClean="0"/>
+                  <a:t>bitne</a:t>
+                </a:r>
+                <a:r>
+                  <a:rPr lang="en-US" dirty="0" smtClean="0"/>
+                  <a:t> </a:t>
+                </a:r>
+                <a:r>
+                  <a:rPr lang="en-US" dirty="0" err="1" smtClean="0"/>
+                  <a:t>značajke</a:t>
+                </a:r>
+                <a:endParaRPr lang="en-US" dirty="0"/>
+              </a:p>
+            </p:txBody>
+          </p:sp>
+        </mc:Choice>
+        <mc:Fallback>
+          <p:sp>
+            <p:nvSpPr>
+              <p:cNvPr id="3" name="Content Placeholder 2"/>
+              <p:cNvSpPr>
+                <a:spLocks noGrp="1" noRot="1" noChangeAspect="1" noMove="1" noResize="1" noEditPoints="1" noAdjustHandles="1" noChangeArrowheads="1" noChangeShapeType="1" noTextEdit="1"/>
+              </p:cNvSpPr>
+              <p:nvPr>
+                <p:ph idx="1"/>
+              </p:nvPr>
+            </p:nvSpPr>
+            <p:spPr>
+              <a:blipFill rotWithShape="0">
+                <a:blip r:embed="rId2"/>
+                <a:stretch>
+                  <a:fillRect l="-272" t="-2180"/>
+                </a:stretch>
+              </a:blipFill>
+            </p:spPr>
+            <p:txBody>
+              <a:bodyPr/>
+              <a:lstStyle/>
+              <a:p>
+                <a:r>
+                  <a:rPr lang="en-US">
+                    <a:noFill/>
+                  </a:rPr>
+                  <a:t> </a:t>
+                </a:r>
+              </a:p>
+            </p:txBody>
+          </p:sp>
+        </mc:Fallback>
+      </mc:AlternateContent>
     </p:spTree>
     <p:extLst>
       <p:ext uri="{BB962C8B-B14F-4D97-AF65-F5344CB8AC3E}">
@@ -10975,7 +11339,12 @@
             <p:ph idx="1"/>
           </p:nvPr>
         </p:nvSpPr>
-        <p:spPr/>
+        <p:spPr>
+          <a:xfrm>
+            <a:off x="1046162" y="1814793"/>
+            <a:ext cx="8946541" cy="4195481"/>
+          </a:xfrm>
+        </p:spPr>
         <p:txBody>
           <a:bodyPr/>
           <a:lstStyle/>
@@ -11097,6 +11466,10 @@
               <a:rPr lang="en-US" dirty="0" smtClean="0"/>
               <a:t>Generator (G) </a:t>
             </a:r>
+            <a:endParaRPr lang="en-US" dirty="0" smtClean="0"/>
+          </a:p>
+          <a:p>
+            <a:pPr lvl="1"/>
             <a:r>
               <a:rPr lang="en-US" dirty="0" err="1" smtClean="0"/>
               <a:t>stvara</a:t>
@@ -11144,6 +11517,10 @@
               <a:rPr lang="en-US" dirty="0" smtClean="0"/>
               <a:t> (D) </a:t>
             </a:r>
+            <a:endParaRPr lang="en-US" dirty="0" smtClean="0"/>
+          </a:p>
+          <a:p>
+            <a:pPr lvl="1"/>
             <a:r>
               <a:rPr lang="en-US" dirty="0" err="1" smtClean="0"/>
               <a:t>provjerava</a:t>
@@ -11181,6 +11558,54 @@
           </a:p>
         </p:txBody>
       </p:sp>
+      <p:pic>
+        <p:nvPicPr>
+          <p:cNvPr id="5" name="Picture 4"/>
+          <p:cNvPicPr>
+            <a:picLocks noChangeAspect="1"/>
+          </p:cNvPicPr>
+          <p:nvPr/>
+        </p:nvPicPr>
+        <p:blipFill>
+          <a:blip r:embed="rId2"/>
+          <a:stretch>
+            <a:fillRect/>
+          </a:stretch>
+        </p:blipFill>
+        <p:spPr>
+          <a:xfrm>
+            <a:off x="6200775" y="4152460"/>
+            <a:ext cx="5857875" cy="2566647"/>
+          </a:xfrm>
+          <a:prstGeom prst="rect">
+            <a:avLst/>
+          </a:prstGeom>
+        </p:spPr>
+      </p:pic>
+      <p:pic>
+        <p:nvPicPr>
+          <p:cNvPr id="6" name="Picture 5"/>
+          <p:cNvPicPr>
+            <a:picLocks noChangeAspect="1"/>
+          </p:cNvPicPr>
+          <p:nvPr/>
+        </p:nvPicPr>
+        <p:blipFill>
+          <a:blip r:embed="rId3"/>
+          <a:stretch>
+            <a:fillRect/>
+          </a:stretch>
+        </p:blipFill>
+        <p:spPr>
+          <a:xfrm>
+            <a:off x="6754812" y="2589927"/>
+            <a:ext cx="4749800" cy="393700"/>
+          </a:xfrm>
+          <a:prstGeom prst="rect">
+            <a:avLst/>
+          </a:prstGeom>
+        </p:spPr>
+      </p:pic>
     </p:spTree>
     <p:extLst>
       <p:ext uri="{BB962C8B-B14F-4D97-AF65-F5344CB8AC3E}">
@@ -11202,108 +11627,6 @@
 </file>
 
 <file path=ppt/slides/slide5.xml><?xml version="1.0" encoding="utf-8"?>
-<p:sld xmlns:a="http://schemas.openxmlformats.org/drawingml/2006/main" xmlns:r="http://schemas.openxmlformats.org/officeDocument/2006/relationships" xmlns:p="http://schemas.openxmlformats.org/presentationml/2006/main">
-  <p:cSld>
-    <p:spTree>
-      <p:nvGrpSpPr>
-        <p:cNvPr id="1" name=""/>
-        <p:cNvGrpSpPr/>
-        <p:nvPr/>
-      </p:nvGrpSpPr>
-      <p:grpSpPr>
-        <a:xfrm>
-          <a:off x="0" y="0"/>
-          <a:ext cx="0" cy="0"/>
-          <a:chOff x="0" y="0"/>
-          <a:chExt cx="0" cy="0"/>
-        </a:xfrm>
-      </p:grpSpPr>
-      <p:sp>
-        <p:nvSpPr>
-          <p:cNvPr id="2" name="Title 1"/>
-          <p:cNvSpPr>
-            <a:spLocks noGrp="1"/>
-          </p:cNvSpPr>
-          <p:nvPr>
-            <p:ph type="title"/>
-          </p:nvPr>
-        </p:nvSpPr>
-        <p:spPr>
-          <a:xfrm>
-            <a:off x="667883" y="821094"/>
-            <a:ext cx="7415538" cy="778740"/>
-          </a:xfrm>
-        </p:spPr>
-        <p:txBody>
-          <a:bodyPr/>
-          <a:lstStyle/>
-          <a:p>
-            <a:r>
-              <a:rPr lang="en-US" sz="3200" dirty="0" err="1" smtClean="0"/>
-              <a:t>Suparnički</a:t>
-            </a:r>
-            <a:r>
-              <a:rPr lang="en-US" sz="3200" dirty="0" smtClean="0"/>
-              <a:t> </a:t>
-            </a:r>
-            <a:r>
-              <a:rPr lang="en-US" sz="3200" dirty="0" err="1" smtClean="0"/>
-              <a:t>modeli</a:t>
-            </a:r>
-            <a:endParaRPr lang="en-US" sz="3200" dirty="0"/>
-          </a:p>
-        </p:txBody>
-      </p:sp>
-      <p:pic>
-        <p:nvPicPr>
-          <p:cNvPr id="5" name="Content Placeholder 4"/>
-          <p:cNvPicPr>
-            <a:picLocks noGrp="1" noChangeAspect="1"/>
-          </p:cNvPicPr>
-          <p:nvPr>
-            <p:ph idx="1"/>
-          </p:nvPr>
-        </p:nvPicPr>
-        <p:blipFill>
-          <a:blip r:embed="rId2">
-            <a:extLst>
-              <a:ext uri="{28A0092B-C50C-407E-A947-70E740481C1C}">
-                <a14:useLocalDpi xmlns:a14="http://schemas.microsoft.com/office/drawing/2010/main" val="0"/>
-              </a:ext>
-            </a:extLst>
-          </a:blip>
-          <a:stretch>
-            <a:fillRect/>
-          </a:stretch>
-        </p:blipFill>
-        <p:spPr>
-          <a:xfrm>
-            <a:off x="764447" y="2179529"/>
-            <a:ext cx="9607105" cy="3518960"/>
-          </a:xfrm>
-        </p:spPr>
-      </p:pic>
-    </p:spTree>
-    <p:extLst>
-      <p:ext uri="{BB962C8B-B14F-4D97-AF65-F5344CB8AC3E}">
-        <p14:creationId xmlns:p14="http://schemas.microsoft.com/office/powerpoint/2010/main" val="1011479014"/>
-      </p:ext>
-    </p:extLst>
-  </p:cSld>
-  <p:clrMapOvr>
-    <a:masterClrMapping/>
-  </p:clrMapOvr>
-  <p:timing>
-    <p:tnLst>
-      <p:par>
-        <p:cTn id="1" dur="indefinite" restart="never" nodeType="tmRoot"/>
-      </p:par>
-    </p:tnLst>
-  </p:timing>
-</p:sld>
-</file>
-
-<file path=ppt/slides/slide6.xml><?xml version="1.0" encoding="utf-8"?>
 <p:sld xmlns:a="http://schemas.openxmlformats.org/drawingml/2006/main" xmlns:r="http://schemas.openxmlformats.org/officeDocument/2006/relationships" xmlns:p="http://schemas.openxmlformats.org/presentationml/2006/main">
   <p:cSld>
     <p:spTree>
@@ -11551,7 +11874,7 @@
 </p:sld>
 </file>
 
-<file path=ppt/slides/slide7.xml><?xml version="1.0" encoding="utf-8"?>
+<file path=ppt/slides/slide6.xml><?xml version="1.0" encoding="utf-8"?>
 <p:sld xmlns:a="http://schemas.openxmlformats.org/drawingml/2006/main" xmlns:r="http://schemas.openxmlformats.org/officeDocument/2006/relationships" xmlns:p="http://schemas.openxmlformats.org/presentationml/2006/main">
   <p:cSld>
     <p:spTree>
@@ -11629,11 +11952,19 @@
             </a:r>
             <a:r>
               <a:rPr lang="hr-HR" dirty="0" err="1" smtClean="0"/>
-              <a:t>gausovu</a:t>
+              <a:t>G</a:t>
+            </a:r>
+            <a:r>
+              <a:rPr lang="hr-HR" dirty="0" err="1" smtClean="0"/>
+              <a:t>ausovu</a:t>
             </a:r>
             <a:r>
               <a:rPr lang="hr-HR" dirty="0" smtClean="0"/>
-              <a:t> distribuciju podataka</a:t>
+              <a:t> </a:t>
+            </a:r>
+            <a:r>
+              <a:rPr lang="hr-HR" dirty="0" smtClean="0"/>
+              <a:t>distribuciju podataka</a:t>
             </a:r>
           </a:p>
           <a:p>
@@ -11691,6 +12022,175 @@
 </p:sld>
 </file>
 
+<file path=ppt/slides/slide7.xml><?xml version="1.0" encoding="utf-8"?>
+<p:sld xmlns:a="http://schemas.openxmlformats.org/drawingml/2006/main" xmlns:r="http://schemas.openxmlformats.org/officeDocument/2006/relationships" xmlns:p="http://schemas.openxmlformats.org/presentationml/2006/main">
+  <p:cSld>
+    <p:spTree>
+      <p:nvGrpSpPr>
+        <p:cNvPr id="1" name=""/>
+        <p:cNvGrpSpPr/>
+        <p:nvPr/>
+      </p:nvGrpSpPr>
+      <p:grpSpPr>
+        <a:xfrm>
+          <a:off x="0" y="0"/>
+          <a:ext cx="0" cy="0"/>
+          <a:chOff x="0" y="0"/>
+          <a:chExt cx="0" cy="0"/>
+        </a:xfrm>
+      </p:grpSpPr>
+      <p:sp>
+        <p:nvSpPr>
+          <p:cNvPr id="2" name="Title 1"/>
+          <p:cNvSpPr>
+            <a:spLocks noGrp="1"/>
+          </p:cNvSpPr>
+          <p:nvPr>
+            <p:ph type="title"/>
+          </p:nvPr>
+        </p:nvSpPr>
+        <p:spPr>
+          <a:xfrm>
+            <a:off x="667883" y="821094"/>
+            <a:ext cx="7415538" cy="778740"/>
+          </a:xfrm>
+        </p:spPr>
+        <p:txBody>
+          <a:bodyPr/>
+          <a:lstStyle/>
+          <a:p>
+            <a:r>
+              <a:rPr lang="en-US" sz="3200" dirty="0" err="1" smtClean="0"/>
+              <a:t>Varijacijski</a:t>
+            </a:r>
+            <a:r>
+              <a:rPr lang="en-US" sz="3200" dirty="0" smtClean="0"/>
+              <a:t> </a:t>
+            </a:r>
+            <a:r>
+              <a:rPr lang="en-US" sz="3200" dirty="0" err="1" smtClean="0"/>
+              <a:t>autoenkoderi</a:t>
+            </a:r>
+            <a:r>
+              <a:rPr lang="en-US" sz="3200" dirty="0" smtClean="0"/>
+              <a:t> (VAE)</a:t>
+            </a:r>
+            <a:endParaRPr lang="en-US" sz="3200" dirty="0"/>
+          </a:p>
+        </p:txBody>
+      </p:sp>
+      <p:sp>
+        <p:nvSpPr>
+          <p:cNvPr id="3" name="Content Placeholder 2"/>
+          <p:cNvSpPr>
+            <a:spLocks noGrp="1"/>
+          </p:cNvSpPr>
+          <p:nvPr>
+            <p:ph idx="1"/>
+          </p:nvPr>
+        </p:nvSpPr>
+        <p:spPr/>
+        <p:txBody>
+          <a:bodyPr/>
+          <a:lstStyle/>
+          <a:p>
+            <a:r>
+              <a:rPr lang="hr-HR" dirty="0" smtClean="0"/>
+              <a:t>Prednosti:</a:t>
+            </a:r>
+          </a:p>
+          <a:p>
+            <a:pPr lvl="1"/>
+            <a:r>
+              <a:rPr lang="en-US" dirty="0" err="1"/>
+              <a:t>K</a:t>
+            </a:r>
+            <a:r>
+              <a:rPr lang="en-US" dirty="0" err="1" smtClean="0"/>
+              <a:t>ontrola</a:t>
+            </a:r>
+            <a:r>
+              <a:rPr lang="en-US" dirty="0" smtClean="0"/>
+              <a:t> </a:t>
+            </a:r>
+            <a:r>
+              <a:rPr lang="en-US" dirty="0" err="1"/>
+              <a:t>nad</a:t>
+            </a:r>
+            <a:r>
+              <a:rPr lang="en-US" dirty="0"/>
+              <a:t> </a:t>
+            </a:r>
+            <a:r>
+              <a:rPr lang="en-US" dirty="0" err="1"/>
+              <a:t>generiranim</a:t>
+            </a:r>
+            <a:r>
+              <a:rPr lang="en-US" dirty="0"/>
+              <a:t> </a:t>
+            </a:r>
+            <a:r>
+              <a:rPr lang="en-US" dirty="0" err="1"/>
+              <a:t>podatcima</a:t>
+            </a:r>
+            <a:endParaRPr lang="en-US" dirty="0"/>
+          </a:p>
+          <a:p>
+            <a:pPr lvl="1"/>
+            <a:endParaRPr lang="hr-HR" dirty="0" smtClean="0"/>
+          </a:p>
+          <a:p>
+            <a:r>
+              <a:rPr lang="hr-HR" dirty="0" smtClean="0"/>
+              <a:t>Nedostatci:</a:t>
+            </a:r>
+          </a:p>
+          <a:p>
+            <a:pPr lvl="1"/>
+            <a:r>
+              <a:rPr lang="hr-HR" dirty="0" smtClean="0"/>
+              <a:t>Uzorkovani podatci puni anomalija</a:t>
+            </a:r>
+          </a:p>
+          <a:p>
+            <a:pPr lvl="1"/>
+            <a:endParaRPr lang="hr-HR" dirty="0"/>
+          </a:p>
+          <a:p>
+            <a:r>
+              <a:rPr lang="hr-HR" dirty="0" smtClean="0"/>
+              <a:t>Primjena:</a:t>
+            </a:r>
+          </a:p>
+          <a:p>
+            <a:pPr lvl="1"/>
+            <a:r>
+              <a:rPr lang="hr-HR" dirty="0" smtClean="0"/>
+              <a:t>Kompresija podataka, video igre</a:t>
+            </a:r>
+          </a:p>
+        </p:txBody>
+      </p:sp>
+    </p:spTree>
+    <p:extLst>
+      <p:ext uri="{BB962C8B-B14F-4D97-AF65-F5344CB8AC3E}">
+        <p14:creationId xmlns:p14="http://schemas.microsoft.com/office/powerpoint/2010/main" val="464793620"/>
+      </p:ext>
+    </p:extLst>
+  </p:cSld>
+  <p:clrMapOvr>
+    <a:masterClrMapping/>
+  </p:clrMapOvr>
+  <p:timing>
+    <p:tnLst>
+      <p:par>
+        <p:cTn id="1" dur="indefinite" restart="never" nodeType="tmRoot"/>
+      </p:par>
+    </p:tnLst>
+  </p:timing>
+</p:sld>
+</file>
+
 <file path=ppt/slides/slide8.xml><?xml version="1.0" encoding="utf-8"?>
 <p:sld xmlns:a="http://schemas.openxmlformats.org/drawingml/2006/main" xmlns:r="http://schemas.openxmlformats.org/officeDocument/2006/relationships" xmlns:p="http://schemas.openxmlformats.org/presentationml/2006/main">
   <p:cSld>
@@ -11718,132 +12218,299 @@
             <p:ph type="title"/>
           </p:nvPr>
         </p:nvSpPr>
+        <p:spPr/>
+        <p:txBody>
+          <a:bodyPr/>
+          <a:lstStyle/>
+          <a:p>
+            <a:r>
+              <a:rPr lang="en-US" dirty="0" err="1" smtClean="0"/>
+              <a:t>Uvjetne</a:t>
+            </a:r>
+            <a:r>
+              <a:rPr lang="en-US" dirty="0" smtClean="0"/>
+              <a:t> </a:t>
+            </a:r>
+            <a:r>
+              <a:rPr lang="en-US" dirty="0" err="1" smtClean="0"/>
+              <a:t>generativne</a:t>
+            </a:r>
+            <a:r>
+              <a:rPr lang="en-US" dirty="0" smtClean="0"/>
+              <a:t> </a:t>
+            </a:r>
+            <a:r>
+              <a:rPr lang="en-US" dirty="0" err="1" smtClean="0"/>
+              <a:t>mreže</a:t>
+            </a:r>
+            <a:endParaRPr lang="en-US" dirty="0"/>
+          </a:p>
+        </p:txBody>
+      </p:sp>
+      <p:sp>
+        <p:nvSpPr>
+          <p:cNvPr id="3" name="Content Placeholder 2"/>
+          <p:cNvSpPr>
+            <a:spLocks noGrp="1"/>
+          </p:cNvSpPr>
+          <p:nvPr>
+            <p:ph idx="1"/>
+          </p:nvPr>
+        </p:nvSpPr>
         <p:spPr>
           <a:xfrm>
-            <a:off x="667883" y="821094"/>
-            <a:ext cx="7415538" cy="778740"/>
+            <a:off x="1103312" y="1853248"/>
+            <a:ext cx="8946541" cy="1380747"/>
           </a:xfrm>
         </p:spPr>
         <p:txBody>
-          <a:bodyPr/>
+          <a:bodyPr>
+            <a:normAutofit fontScale="92500"/>
+          </a:bodyPr>
           <a:lstStyle/>
           <a:p>
             <a:r>
-              <a:rPr lang="en-US" sz="3200" dirty="0" err="1" smtClean="0"/>
-              <a:t>Varijacijski</a:t>
-            </a:r>
-            <a:r>
-              <a:rPr lang="en-US" sz="3200" dirty="0" smtClean="0"/>
-              <a:t> </a:t>
-            </a:r>
-            <a:r>
-              <a:rPr lang="en-US" sz="3200" dirty="0" err="1" smtClean="0"/>
-              <a:t>autoenkoderi</a:t>
-            </a:r>
-            <a:r>
-              <a:rPr lang="en-US" sz="3200" dirty="0" smtClean="0"/>
-              <a:t> (VAE)</a:t>
-            </a:r>
-            <a:endParaRPr lang="en-US" sz="3200" dirty="0"/>
-          </a:p>
-        </p:txBody>
-      </p:sp>
-      <p:sp>
-        <p:nvSpPr>
-          <p:cNvPr id="3" name="Content Placeholder 2"/>
-          <p:cNvSpPr>
-            <a:spLocks noGrp="1"/>
-          </p:cNvSpPr>
-          <p:nvPr>
-            <p:ph idx="1"/>
-          </p:nvPr>
-        </p:nvSpPr>
-        <p:spPr/>
-        <p:txBody>
-          <a:bodyPr/>
+              <a:rPr lang="en-US" dirty="0" err="1" smtClean="0"/>
+              <a:t>Nastale</a:t>
+            </a:r>
+            <a:r>
+              <a:rPr lang="en-US" dirty="0" smtClean="0"/>
+              <a:t> </a:t>
+            </a:r>
+            <a:r>
+              <a:rPr lang="en-US" dirty="0" err="1" smtClean="0"/>
+              <a:t>iz</a:t>
+            </a:r>
+            <a:r>
+              <a:rPr lang="en-US" dirty="0" smtClean="0"/>
+              <a:t> </a:t>
+            </a:r>
+            <a:r>
+              <a:rPr lang="en-US" dirty="0" err="1" smtClean="0"/>
+              <a:t>potrebe</a:t>
+            </a:r>
+            <a:r>
+              <a:rPr lang="en-US" dirty="0" smtClean="0"/>
+              <a:t> </a:t>
+            </a:r>
+            <a:r>
+              <a:rPr lang="en-US" dirty="0" err="1" smtClean="0"/>
+              <a:t>za</a:t>
+            </a:r>
+            <a:r>
+              <a:rPr lang="en-US" dirty="0" smtClean="0"/>
+              <a:t> </a:t>
+            </a:r>
+            <a:r>
+              <a:rPr lang="en-US" dirty="0" err="1" smtClean="0"/>
+              <a:t>većom</a:t>
+            </a:r>
+            <a:r>
+              <a:rPr lang="en-US" dirty="0" smtClean="0"/>
+              <a:t> </a:t>
+            </a:r>
+            <a:r>
+              <a:rPr lang="en-US" dirty="0" err="1" smtClean="0"/>
+              <a:t>kontrolom</a:t>
+            </a:r>
+            <a:r>
+              <a:rPr lang="en-US" dirty="0" smtClean="0"/>
+              <a:t> </a:t>
+            </a:r>
+            <a:r>
+              <a:rPr lang="en-US" dirty="0" err="1" smtClean="0"/>
+              <a:t>generativnog</a:t>
+            </a:r>
+            <a:r>
+              <a:rPr lang="en-US" dirty="0" smtClean="0"/>
+              <a:t> </a:t>
+            </a:r>
+            <a:r>
+              <a:rPr lang="en-US" dirty="0" err="1" smtClean="0"/>
+              <a:t>procesa</a:t>
+            </a:r>
+            <a:r>
+              <a:rPr lang="en-US" dirty="0" smtClean="0"/>
+              <a:t> </a:t>
+            </a:r>
+            <a:r>
+              <a:rPr lang="en-US" dirty="0" err="1" smtClean="0"/>
+              <a:t>GANova</a:t>
+            </a:r>
+            <a:endParaRPr lang="en-US" dirty="0" smtClean="0"/>
+          </a:p>
+          <a:p>
+            <a:r>
+              <a:rPr lang="en-US" dirty="0" err="1" smtClean="0"/>
+              <a:t>Ideja</a:t>
+            </a:r>
+            <a:r>
+              <a:rPr lang="en-US" dirty="0" smtClean="0"/>
+              <a:t>: </a:t>
+            </a:r>
+            <a:r>
+              <a:rPr lang="en-US" dirty="0" err="1" smtClean="0"/>
+              <a:t>postavljanje</a:t>
+            </a:r>
+            <a:r>
+              <a:rPr lang="en-US" dirty="0" smtClean="0"/>
+              <a:t> </a:t>
+            </a:r>
+            <a:r>
+              <a:rPr lang="en-US" dirty="0" err="1" smtClean="0"/>
+              <a:t>uvjeta</a:t>
+            </a:r>
+            <a:r>
+              <a:rPr lang="en-US" dirty="0" smtClean="0"/>
+              <a:t> </a:t>
+            </a:r>
+            <a:r>
+              <a:rPr lang="en-US" dirty="0" err="1" smtClean="0"/>
+              <a:t>na</a:t>
+            </a:r>
+            <a:r>
+              <a:rPr lang="en-US" dirty="0" smtClean="0"/>
+              <a:t> </a:t>
+            </a:r>
+            <a:r>
+              <a:rPr lang="en-US" dirty="0" err="1" smtClean="0"/>
+              <a:t>ulaz</a:t>
+            </a:r>
+            <a:r>
+              <a:rPr lang="en-US" dirty="0" smtClean="0"/>
+              <a:t> </a:t>
+            </a:r>
+            <a:r>
+              <a:rPr lang="en-US" dirty="0" err="1" smtClean="0"/>
+              <a:t>modela</a:t>
+            </a:r>
+            <a:endParaRPr lang="en-US" dirty="0" smtClean="0"/>
+          </a:p>
+          <a:p>
+            <a:pPr lvl="1"/>
+            <a:r>
+              <a:rPr lang="en-US" dirty="0" err="1" smtClean="0"/>
+              <a:t>Oznake</a:t>
+            </a:r>
+            <a:r>
+              <a:rPr lang="en-US" dirty="0" smtClean="0"/>
+              <a:t> </a:t>
+            </a:r>
+            <a:r>
+              <a:rPr lang="en-US" dirty="0" err="1" smtClean="0"/>
+              <a:t>klasa</a:t>
+            </a:r>
+            <a:r>
+              <a:rPr lang="en-US" dirty="0" smtClean="0"/>
+              <a:t>, </a:t>
+            </a:r>
+            <a:r>
+              <a:rPr lang="en-US" dirty="0" err="1" smtClean="0"/>
+              <a:t>skice</a:t>
+            </a:r>
+            <a:r>
+              <a:rPr lang="en-US" dirty="0" smtClean="0"/>
+              <a:t>, </a:t>
+            </a:r>
+            <a:r>
+              <a:rPr lang="en-US" dirty="0" err="1" smtClean="0"/>
+              <a:t>dubinske</a:t>
+            </a:r>
+            <a:r>
+              <a:rPr lang="en-US" dirty="0" smtClean="0"/>
+              <a:t> </a:t>
+            </a:r>
+            <a:r>
+              <a:rPr lang="en-US" dirty="0" err="1" smtClean="0"/>
+              <a:t>mape</a:t>
+            </a:r>
+            <a:r>
+              <a:rPr lang="mr-IN" dirty="0" smtClean="0"/>
+              <a:t>…</a:t>
+            </a:r>
+            <a:endParaRPr lang="hr-HR" dirty="0" smtClean="0"/>
+          </a:p>
+          <a:p>
+            <a:endParaRPr lang="en-US" dirty="0"/>
+          </a:p>
+        </p:txBody>
+      </p:sp>
+      <p:pic>
+        <p:nvPicPr>
+          <p:cNvPr id="4" name="Picture 3"/>
+          <p:cNvPicPr>
+            <a:picLocks noChangeAspect="1"/>
+          </p:cNvPicPr>
+          <p:nvPr/>
+        </p:nvPicPr>
+        <p:blipFill>
+          <a:blip r:embed="rId2">
+            <a:extLst>
+              <a:ext uri="{28A0092B-C50C-407E-A947-70E740481C1C}">
+                <a14:useLocalDpi xmlns:a14="http://schemas.microsoft.com/office/drawing/2010/main" val="0"/>
+              </a:ext>
+            </a:extLst>
+          </a:blip>
+          <a:stretch>
+            <a:fillRect/>
+          </a:stretch>
+        </p:blipFill>
+        <p:spPr>
+          <a:xfrm>
+            <a:off x="1759523" y="3221081"/>
+            <a:ext cx="8637913" cy="3171532"/>
+          </a:xfrm>
+          <a:prstGeom prst="rect">
+            <a:avLst/>
+          </a:prstGeom>
+        </p:spPr>
+      </p:pic>
+      <p:sp>
+        <p:nvSpPr>
+          <p:cNvPr id="5" name="TextBox 4"/>
+          <p:cNvSpPr txBox="1"/>
+          <p:nvPr/>
+        </p:nvSpPr>
+        <p:spPr>
+          <a:xfrm>
+            <a:off x="646111" y="6444688"/>
+            <a:ext cx="10864738" cy="338554"/>
+          </a:xfrm>
+          <a:prstGeom prst="rect">
+            <a:avLst/>
+          </a:prstGeom>
+          <a:noFill/>
+        </p:spPr>
+        <p:txBody>
+          <a:bodyPr wrap="square" rtlCol="0">
+            <a:spAutoFit/>
+          </a:bodyPr>
           <a:lstStyle/>
           <a:p>
             <a:r>
-              <a:rPr lang="hr-HR" dirty="0" smtClean="0"/>
-              <a:t>Prednosti:</a:t>
-            </a:r>
-          </a:p>
-          <a:p>
-            <a:pPr lvl="1"/>
-            <a:r>
-              <a:rPr lang="en-US" dirty="0" err="1"/>
-              <a:t>K</a:t>
-            </a:r>
-            <a:r>
-              <a:rPr lang="en-US" dirty="0" err="1" smtClean="0"/>
-              <a:t>ontrola</a:t>
-            </a:r>
-            <a:r>
-              <a:rPr lang="en-US" dirty="0" smtClean="0"/>
-              <a:t> </a:t>
-            </a:r>
-            <a:r>
-              <a:rPr lang="en-US" dirty="0" err="1"/>
-              <a:t>nad</a:t>
-            </a:r>
-            <a:r>
-              <a:rPr lang="en-US" dirty="0"/>
-              <a:t> </a:t>
-            </a:r>
-            <a:r>
-              <a:rPr lang="en-US" dirty="0" err="1"/>
-              <a:t>generiranim</a:t>
-            </a:r>
-            <a:r>
-              <a:rPr lang="en-US" dirty="0"/>
-              <a:t> </a:t>
-            </a:r>
-            <a:r>
-              <a:rPr lang="en-US" dirty="0" err="1"/>
-              <a:t>podatcima</a:t>
-            </a:r>
-            <a:endParaRPr lang="en-US" dirty="0"/>
-          </a:p>
-          <a:p>
-            <a:pPr lvl="1"/>
-            <a:endParaRPr lang="hr-HR" dirty="0" smtClean="0"/>
-          </a:p>
-          <a:p>
-            <a:r>
-              <a:rPr lang="hr-HR" dirty="0" smtClean="0"/>
-              <a:t>Nedostatci:</a:t>
-            </a:r>
-          </a:p>
-          <a:p>
-            <a:pPr lvl="1"/>
-            <a:r>
-              <a:rPr lang="hr-HR" dirty="0" smtClean="0"/>
-              <a:t>Uzorkovani podatci puni anomalija</a:t>
-            </a:r>
-          </a:p>
-          <a:p>
-            <a:pPr lvl="1"/>
-            <a:endParaRPr lang="hr-HR" dirty="0"/>
-          </a:p>
-          <a:p>
-            <a:r>
-              <a:rPr lang="hr-HR" dirty="0" smtClean="0"/>
-              <a:t>Primjena:</a:t>
-            </a:r>
-          </a:p>
-          <a:p>
-            <a:pPr lvl="1"/>
-            <a:r>
-              <a:rPr lang="hr-HR" dirty="0" smtClean="0"/>
-              <a:t>Kompresija podataka, video igre</a:t>
-            </a:r>
+              <a:rPr lang="en-US" sz="1600" dirty="0" smtClean="0"/>
+              <a:t>Conditional </a:t>
+            </a:r>
+            <a:r>
+              <a:rPr lang="en-US" sz="1600" dirty="0"/>
+              <a:t>generative adversarial nets</a:t>
+            </a:r>
+            <a:r>
+              <a:rPr lang="en-US" sz="1600" dirty="0" smtClean="0"/>
+              <a:t>.  arXiv:1411.1784</a:t>
+            </a:r>
+            <a:r>
+              <a:rPr lang="en-US" sz="1600" dirty="0"/>
+              <a:t>, 2014.</a:t>
+            </a:r>
+            <a:endParaRPr lang="en-US" sz="1600" dirty="0"/>
           </a:p>
         </p:txBody>
       </p:sp>
     </p:spTree>
     <p:extLst>
       <p:ext uri="{BB962C8B-B14F-4D97-AF65-F5344CB8AC3E}">
-        <p14:creationId xmlns:p14="http://schemas.microsoft.com/office/powerpoint/2010/main" val="464793620"/>
+        <p14:creationId xmlns:p14="http://schemas.microsoft.com/office/powerpoint/2010/main" val="1743734005"/>
       </p:ext>
     </p:extLst>
   </p:cSld>
@@ -11928,8 +12595,8 @@
         </p:nvSpPr>
         <p:spPr>
           <a:xfrm>
-            <a:off x="1103312" y="1853248"/>
-            <a:ext cx="8946541" cy="1380747"/>
+            <a:off x="1103312" y="2052918"/>
+            <a:ext cx="8946541" cy="3694739"/>
           </a:xfrm>
         </p:spPr>
         <p:txBody>
@@ -11937,197 +12604,81 @@
           <a:lstStyle/>
           <a:p>
             <a:r>
-              <a:rPr lang="en-US" dirty="0" err="1" smtClean="0"/>
-              <a:t>Nastale</a:t>
-            </a:r>
-            <a:r>
-              <a:rPr lang="en-US" dirty="0" smtClean="0"/>
-              <a:t> </a:t>
-            </a:r>
-            <a:r>
-              <a:rPr lang="en-US" dirty="0" err="1" smtClean="0"/>
-              <a:t>iz</a:t>
-            </a:r>
-            <a:r>
-              <a:rPr lang="en-US" dirty="0" smtClean="0"/>
-              <a:t> </a:t>
-            </a:r>
-            <a:r>
-              <a:rPr lang="en-US" dirty="0" err="1" smtClean="0"/>
-              <a:t>potrebe</a:t>
-            </a:r>
-            <a:r>
-              <a:rPr lang="en-US" dirty="0" smtClean="0"/>
-              <a:t> </a:t>
-            </a:r>
-            <a:r>
-              <a:rPr lang="en-US" dirty="0" err="1" smtClean="0"/>
-              <a:t>za</a:t>
-            </a:r>
-            <a:r>
-              <a:rPr lang="en-US" dirty="0" smtClean="0"/>
-              <a:t> </a:t>
-            </a:r>
-            <a:r>
-              <a:rPr lang="en-US" dirty="0" err="1" smtClean="0"/>
-              <a:t>većom</a:t>
-            </a:r>
-            <a:r>
-              <a:rPr lang="en-US" dirty="0" smtClean="0"/>
-              <a:t> </a:t>
-            </a:r>
-            <a:r>
-              <a:rPr lang="en-US" dirty="0" err="1" smtClean="0"/>
-              <a:t>kontrolom</a:t>
-            </a:r>
-            <a:r>
-              <a:rPr lang="en-US" dirty="0" smtClean="0"/>
-              <a:t> </a:t>
-            </a:r>
-            <a:r>
-              <a:rPr lang="en-US" dirty="0" err="1" smtClean="0"/>
-              <a:t>generativnog</a:t>
-            </a:r>
-            <a:r>
-              <a:rPr lang="en-US" dirty="0" smtClean="0"/>
-              <a:t> </a:t>
-            </a:r>
-            <a:r>
-              <a:rPr lang="en-US" dirty="0" err="1" smtClean="0"/>
-              <a:t>procesa</a:t>
-            </a:r>
-            <a:endParaRPr lang="en-US" dirty="0" smtClean="0"/>
-          </a:p>
-          <a:p>
-            <a:r>
-              <a:rPr lang="en-US" dirty="0" err="1" smtClean="0"/>
-              <a:t>Ideja</a:t>
-            </a:r>
-            <a:r>
-              <a:rPr lang="en-US" dirty="0" smtClean="0"/>
-              <a:t>: </a:t>
-            </a:r>
-            <a:r>
-              <a:rPr lang="en-US" dirty="0" err="1" smtClean="0"/>
-              <a:t>postavljanje</a:t>
-            </a:r>
-            <a:r>
-              <a:rPr lang="en-US" dirty="0" smtClean="0"/>
-              <a:t> </a:t>
-            </a:r>
-            <a:r>
-              <a:rPr lang="en-US" dirty="0" err="1" smtClean="0"/>
-              <a:t>uvjeta</a:t>
-            </a:r>
-            <a:r>
-              <a:rPr lang="en-US" dirty="0" smtClean="0"/>
-              <a:t> </a:t>
-            </a:r>
-            <a:r>
-              <a:rPr lang="en-US" dirty="0" err="1" smtClean="0"/>
-              <a:t>na</a:t>
-            </a:r>
-            <a:r>
-              <a:rPr lang="en-US" dirty="0" smtClean="0"/>
-              <a:t> </a:t>
-            </a:r>
-            <a:r>
-              <a:rPr lang="en-US" dirty="0" err="1" smtClean="0"/>
-              <a:t>ulaz</a:t>
-            </a:r>
-            <a:r>
-              <a:rPr lang="en-US" dirty="0" smtClean="0"/>
-              <a:t> </a:t>
-            </a:r>
-            <a:r>
-              <a:rPr lang="en-US" dirty="0" err="1" smtClean="0"/>
-              <a:t>modela</a:t>
-            </a:r>
-            <a:endParaRPr lang="en-US" dirty="0" smtClean="0"/>
+              <a:rPr lang="hr-HR" dirty="0" smtClean="0"/>
+              <a:t>Funkcija gubitka</a:t>
+            </a:r>
           </a:p>
           <a:p>
             <a:pPr lvl="1"/>
             <a:r>
-              <a:rPr lang="en-US" dirty="0" err="1" smtClean="0"/>
-              <a:t>Oznake</a:t>
-            </a:r>
-            <a:r>
-              <a:rPr lang="en-US" dirty="0" smtClean="0"/>
-              <a:t> </a:t>
-            </a:r>
-            <a:r>
-              <a:rPr lang="en-US" dirty="0" err="1" smtClean="0"/>
-              <a:t>klasa</a:t>
-            </a:r>
-            <a:r>
-              <a:rPr lang="en-US" dirty="0" smtClean="0"/>
-              <a:t>, </a:t>
-            </a:r>
-            <a:r>
-              <a:rPr lang="en-US" dirty="0" err="1" smtClean="0"/>
-              <a:t>skice</a:t>
-            </a:r>
-            <a:r>
-              <a:rPr lang="en-US" dirty="0" smtClean="0"/>
-              <a:t>, </a:t>
-            </a:r>
-            <a:r>
-              <a:rPr lang="en-US" dirty="0" err="1" smtClean="0"/>
-              <a:t>dubinske</a:t>
-            </a:r>
-            <a:r>
-              <a:rPr lang="en-US" dirty="0" smtClean="0"/>
-              <a:t> </a:t>
-            </a:r>
-            <a:r>
-              <a:rPr lang="en-US" dirty="0" err="1" smtClean="0"/>
-              <a:t>mape</a:t>
+              <a:rPr lang="hr-HR" dirty="0" smtClean="0"/>
+              <a:t>Obični GAN - jesu li generirani podatci različiti od stvarnih</a:t>
+            </a:r>
+          </a:p>
+          <a:p>
+            <a:pPr lvl="1"/>
+            <a:r>
+              <a:rPr lang="hr-HR" dirty="0" smtClean="0"/>
+              <a:t>Uvjetovani GAN </a:t>
             </a:r>
             <a:r>
               <a:rPr lang="mr-IN" dirty="0" smtClean="0"/>
-              <a:t>…</a:t>
-            </a:r>
-            <a:endParaRPr lang="hr-HR" dirty="0" smtClean="0"/>
-          </a:p>
-          <a:p>
+              <a:t>–</a:t>
+            </a:r>
+            <a:r>
+              <a:rPr lang="hr-HR" dirty="0" smtClean="0"/>
+              <a:t> dodatno pokušavaju svrstati podatke u klase</a:t>
+            </a:r>
             <a:endParaRPr lang="en-US" dirty="0"/>
           </a:p>
         </p:txBody>
       </p:sp>
-      <p:pic>
-        <p:nvPicPr>
-          <p:cNvPr id="4" name="Picture 3"/>
-          <p:cNvPicPr>
-            <a:picLocks noChangeAspect="1"/>
-          </p:cNvPicPr>
+      <p:sp>
+        <p:nvSpPr>
+          <p:cNvPr id="4" name="TextBox 3"/>
+          <p:cNvSpPr txBox="1"/>
           <p:nvPr/>
-        </p:nvPicPr>
-        <p:blipFill>
-          <a:blip r:embed="rId2">
-            <a:extLst>
-              <a:ext uri="{28A0092B-C50C-407E-A947-70E740481C1C}">
-                <a14:useLocalDpi xmlns:a14="http://schemas.microsoft.com/office/drawing/2010/main" val="0"/>
-              </a:ext>
-            </a:extLst>
-          </a:blip>
-          <a:stretch>
-            <a:fillRect/>
-          </a:stretch>
-        </p:blipFill>
+        </p:nvSpPr>
         <p:spPr>
           <a:xfrm>
-            <a:off x="1103312" y="3253778"/>
-            <a:ext cx="9403742" cy="3452717"/>
+            <a:off x="646111" y="6444688"/>
+            <a:ext cx="10864738" cy="338554"/>
           </a:xfrm>
           <a:prstGeom prst="rect">
             <a:avLst/>
           </a:prstGeom>
+          <a:noFill/>
         </p:spPr>
-      </p:pic>
+        <p:txBody>
+          <a:bodyPr wrap="square" rtlCol="0">
+            <a:spAutoFit/>
+          </a:bodyPr>
+          <a:lstStyle/>
+          <a:p>
+            <a:r>
+              <a:rPr lang="en-US" sz="1600" dirty="0" smtClean="0"/>
+              <a:t>Conditional </a:t>
+            </a:r>
+            <a:r>
+              <a:rPr lang="en-US" sz="1600" dirty="0"/>
+              <a:t>generative adversarial nets</a:t>
+            </a:r>
+            <a:r>
+              <a:rPr lang="en-US" sz="1600" dirty="0" smtClean="0"/>
+              <a:t>.  arXiv:1411.1784</a:t>
+            </a:r>
+            <a:r>
+              <a:rPr lang="en-US" sz="1600" dirty="0"/>
+              <a:t>, 2014.</a:t>
+            </a:r>
+            <a:endParaRPr lang="en-US" sz="1600" dirty="0"/>
+          </a:p>
+        </p:txBody>
+      </p:sp>
     </p:spTree>
     <p:extLst>
       <p:ext uri="{BB962C8B-B14F-4D97-AF65-F5344CB8AC3E}">
-        <p14:creationId xmlns:p14="http://schemas.microsoft.com/office/powerpoint/2010/main" val="1743734005"/>
+        <p14:creationId xmlns:p14="http://schemas.microsoft.com/office/powerpoint/2010/main" val="2139513934"/>
       </p:ext>
     </p:extLst>
   </p:cSld>

--- a/kvukic-seminar-presentation-2018.pptx
+++ b/kvukic-seminar-presentation-2018.pptx
@@ -9,12 +9,12 @@
     <p:sldId id="263" r:id="rId3"/>
     <p:sldId id="257" r:id="rId4"/>
     <p:sldId id="265" r:id="rId5"/>
-    <p:sldId id="267" r:id="rId6"/>
-    <p:sldId id="269" r:id="rId7"/>
-    <p:sldId id="271" r:id="rId8"/>
-    <p:sldId id="258" r:id="rId9"/>
-    <p:sldId id="272" r:id="rId10"/>
-    <p:sldId id="286" r:id="rId11"/>
+    <p:sldId id="288" r:id="rId6"/>
+    <p:sldId id="267" r:id="rId7"/>
+    <p:sldId id="269" r:id="rId8"/>
+    <p:sldId id="271" r:id="rId9"/>
+    <p:sldId id="258" r:id="rId10"/>
+    <p:sldId id="272" r:id="rId11"/>
     <p:sldId id="259" r:id="rId12"/>
     <p:sldId id="273" r:id="rId13"/>
     <p:sldId id="264" r:id="rId14"/>
@@ -6242,6 +6242,45 @@
       </p:grpSpPr>
       <p:sp>
         <p:nvSpPr>
+          <p:cNvPr id="2" name="Title 1"/>
+          <p:cNvSpPr>
+            <a:spLocks noGrp="1"/>
+          </p:cNvSpPr>
+          <p:nvPr>
+            <p:ph type="title"/>
+          </p:nvPr>
+        </p:nvSpPr>
+        <p:spPr/>
+        <p:txBody>
+          <a:bodyPr/>
+          <a:lstStyle/>
+          <a:p>
+            <a:r>
+              <a:rPr lang="en-US" dirty="0" err="1" smtClean="0"/>
+              <a:t>Uvjetne</a:t>
+            </a:r>
+            <a:r>
+              <a:rPr lang="en-US" dirty="0" smtClean="0"/>
+              <a:t> </a:t>
+            </a:r>
+            <a:r>
+              <a:rPr lang="en-US" dirty="0" err="1" smtClean="0"/>
+              <a:t>generativne</a:t>
+            </a:r>
+            <a:r>
+              <a:rPr lang="en-US" dirty="0" smtClean="0"/>
+              <a:t> </a:t>
+            </a:r>
+            <a:r>
+              <a:rPr lang="en-US" dirty="0" err="1" smtClean="0"/>
+              <a:t>mreže</a:t>
+            </a:r>
+            <a:endParaRPr lang="en-US" dirty="0"/>
+          </a:p>
+        </p:txBody>
+      </p:sp>
+      <p:sp>
+        <p:nvSpPr>
           <p:cNvPr id="3" name="Content Placeholder 2"/>
           <p:cNvSpPr>
             <a:spLocks noGrp="1"/>
@@ -6252,8 +6291,8 @@
         </p:nvSpPr>
         <p:spPr>
           <a:xfrm>
-            <a:off x="1046162" y="1814793"/>
-            <a:ext cx="8946541" cy="4195481"/>
+            <a:off x="1103312" y="2052918"/>
+            <a:ext cx="8946541" cy="3694739"/>
           </a:xfrm>
         </p:spPr>
         <p:txBody>
@@ -6261,99 +6300,100 @@
           <a:lstStyle/>
           <a:p>
             <a:r>
-              <a:rPr lang="en-US" dirty="0" err="1" smtClean="0"/>
-              <a:t>Funkcija</a:t>
-            </a:r>
-            <a:r>
-              <a:rPr lang="en-US" dirty="0" smtClean="0"/>
-              <a:t> </a:t>
-            </a:r>
-            <a:r>
-              <a:rPr lang="en-US" dirty="0" err="1" smtClean="0"/>
-              <a:t>gubitka</a:t>
-            </a:r>
-            <a:r>
-              <a:rPr lang="en-US" dirty="0" smtClean="0"/>
-              <a:t> </a:t>
-            </a:r>
-            <a:r>
-              <a:rPr lang="en-US" dirty="0" err="1" smtClean="0"/>
-              <a:t>standardnog</a:t>
-            </a:r>
-            <a:r>
-              <a:rPr lang="en-US" dirty="0" smtClean="0"/>
-              <a:t> </a:t>
-            </a:r>
-            <a:r>
-              <a:rPr lang="en-US" dirty="0" err="1" smtClean="0"/>
-              <a:t>GANa</a:t>
-            </a:r>
-            <a:r>
-              <a:rPr lang="en-US" dirty="0" smtClean="0"/>
-              <a:t>:</a:t>
-            </a:r>
-          </a:p>
-          <a:p>
+              <a:rPr lang="hr-HR" dirty="0" smtClean="0"/>
+              <a:t>Funkcija gubitka</a:t>
+            </a:r>
+          </a:p>
+          <a:p>
+            <a:pPr lvl="1"/>
+            <a:r>
+              <a:rPr lang="hr-HR" dirty="0" smtClean="0"/>
+              <a:t>Obični GAN - jesu li generirani podatci različiti od </a:t>
+            </a:r>
+            <a:r>
+              <a:rPr lang="hr-HR" dirty="0" smtClean="0"/>
+              <a:t>stvarnih</a:t>
+            </a:r>
+          </a:p>
+          <a:p>
+            <a:pPr lvl="1"/>
+            <a:endParaRPr lang="hr-HR" dirty="0"/>
+          </a:p>
+          <a:p>
+            <a:pPr lvl="1"/>
+            <a:endParaRPr lang="hr-HR" dirty="0" smtClean="0"/>
+          </a:p>
+          <a:p>
+            <a:pPr lvl="1"/>
+            <a:endParaRPr lang="hr-HR" dirty="0" smtClean="0"/>
+          </a:p>
+          <a:p>
+            <a:pPr lvl="1"/>
+            <a:r>
+              <a:rPr lang="hr-HR" dirty="0" smtClean="0"/>
+              <a:t>Uvjetovani </a:t>
+            </a:r>
+            <a:r>
+              <a:rPr lang="hr-HR" dirty="0" smtClean="0"/>
+              <a:t>GAN </a:t>
+            </a:r>
+            <a:r>
+              <a:rPr lang="mr-IN" dirty="0" smtClean="0"/>
+              <a:t>–</a:t>
+            </a:r>
+            <a:r>
+              <a:rPr lang="hr-HR" dirty="0" smtClean="0"/>
+              <a:t> dodatno pokušavaju svrstati podatke u klase</a:t>
+            </a:r>
             <a:endParaRPr lang="en-US" dirty="0"/>
           </a:p>
-          <a:p>
-            <a:endParaRPr lang="en-US" dirty="0" smtClean="0"/>
-          </a:p>
-          <a:p>
-            <a:endParaRPr lang="en-US" dirty="0"/>
-          </a:p>
-          <a:p>
-            <a:endParaRPr lang="en-US" dirty="0" smtClean="0"/>
-          </a:p>
-          <a:p>
-            <a:endParaRPr lang="en-US" dirty="0" smtClean="0"/>
-          </a:p>
-          <a:p>
-            <a:r>
-              <a:rPr lang="en-US" dirty="0" err="1" smtClean="0"/>
-              <a:t>Funkcija</a:t>
-            </a:r>
-            <a:r>
-              <a:rPr lang="en-US" dirty="0" smtClean="0"/>
-              <a:t> </a:t>
-            </a:r>
-            <a:r>
-              <a:rPr lang="en-US" dirty="0" err="1"/>
-              <a:t>gubitka</a:t>
-            </a:r>
-            <a:r>
-              <a:rPr lang="en-US" dirty="0"/>
-              <a:t> </a:t>
-            </a:r>
-            <a:r>
-              <a:rPr lang="en-US" dirty="0" err="1" smtClean="0"/>
-              <a:t>uvjetovanog</a:t>
-            </a:r>
-            <a:r>
-              <a:rPr lang="en-US" dirty="0" smtClean="0"/>
-              <a:t> </a:t>
-            </a:r>
-            <a:r>
-              <a:rPr lang="en-US" dirty="0" err="1" smtClean="0"/>
-              <a:t>GANa</a:t>
-            </a:r>
-            <a:r>
-              <a:rPr lang="en-US" dirty="0"/>
-              <a:t>:</a:t>
-            </a:r>
-          </a:p>
-          <a:p>
-            <a:endParaRPr lang="en-US" dirty="0" smtClean="0"/>
-          </a:p>
-          <a:p>
-            <a:pPr lvl="1"/>
-            <a:endParaRPr lang="en-US" dirty="0"/>
+        </p:txBody>
+      </p:sp>
+      <p:sp>
+        <p:nvSpPr>
+          <p:cNvPr id="4" name="TextBox 3"/>
+          <p:cNvSpPr txBox="1"/>
+          <p:nvPr/>
+        </p:nvSpPr>
+        <p:spPr>
+          <a:xfrm>
+            <a:off x="646111" y="6444688"/>
+            <a:ext cx="10864738" cy="338554"/>
+          </a:xfrm>
+          <a:prstGeom prst="rect">
+            <a:avLst/>
+          </a:prstGeom>
+          <a:noFill/>
+        </p:spPr>
+        <p:txBody>
+          <a:bodyPr wrap="square" rtlCol="0">
+            <a:spAutoFit/>
+          </a:bodyPr>
+          <a:lstStyle/>
+          <a:p>
+            <a:r>
+              <a:rPr lang="en-US" sz="1600" dirty="0" smtClean="0"/>
+              <a:t>Conditional </a:t>
+            </a:r>
+            <a:r>
+              <a:rPr lang="en-US" sz="1600" dirty="0"/>
+              <a:t>generative adversarial nets</a:t>
+            </a:r>
+            <a:r>
+              <a:rPr lang="en-US" sz="1600" dirty="0" smtClean="0"/>
+              <a:t>.  arXiv:1411.1784</a:t>
+            </a:r>
+            <a:r>
+              <a:rPr lang="en-US" sz="1600" dirty="0"/>
+              <a:t>, 2014.</a:t>
+            </a:r>
+            <a:endParaRPr lang="en-US" sz="1600" dirty="0"/>
           </a:p>
         </p:txBody>
       </p:sp>
       <p:pic>
         <p:nvPicPr>
-          <p:cNvPr id="4" name="Picture 3"/>
+          <p:cNvPr id="5" name="Picture 4"/>
           <p:cNvPicPr>
             <a:picLocks noChangeAspect="1"/>
           </p:cNvPicPr>
@@ -6367,8 +6407,8 @@
         </p:blipFill>
         <p:spPr>
           <a:xfrm>
-            <a:off x="2894852" y="2347448"/>
-            <a:ext cx="5334000" cy="1447800"/>
+            <a:off x="1103312" y="3094705"/>
+            <a:ext cx="10420930" cy="534798"/>
           </a:xfrm>
           <a:prstGeom prst="rect">
             <a:avLst/>
@@ -6377,7 +6417,7 @@
       </p:pic>
       <p:pic>
         <p:nvPicPr>
-          <p:cNvPr id="7" name="Picture 6"/>
+          <p:cNvPr id="6" name="Picture 5"/>
           <p:cNvPicPr>
             <a:picLocks noChangeAspect="1"/>
           </p:cNvPicPr>
@@ -6391,92 +6431,18 @@
         </p:blipFill>
         <p:spPr>
           <a:xfrm>
-            <a:off x="2710702" y="4946087"/>
-            <a:ext cx="5702300" cy="1447800"/>
+            <a:off x="1103312" y="4611430"/>
+            <a:ext cx="10407537" cy="504521"/>
           </a:xfrm>
           <a:prstGeom prst="rect">
             <a:avLst/>
           </a:prstGeom>
         </p:spPr>
       </p:pic>
-      <p:sp>
-        <p:nvSpPr>
-          <p:cNvPr id="10" name="Title 1"/>
-          <p:cNvSpPr>
-            <a:spLocks noGrp="1"/>
-          </p:cNvSpPr>
-          <p:nvPr>
-            <p:ph type="title"/>
-          </p:nvPr>
-        </p:nvSpPr>
-        <p:spPr>
-          <a:xfrm>
-            <a:off x="646111" y="452718"/>
-            <a:ext cx="9404723" cy="1400530"/>
-          </a:xfrm>
-        </p:spPr>
-        <p:txBody>
-          <a:bodyPr/>
-          <a:lstStyle/>
-          <a:p>
-            <a:r>
-              <a:rPr lang="en-US" dirty="0" err="1" smtClean="0"/>
-              <a:t>Uvjetne</a:t>
-            </a:r>
-            <a:r>
-              <a:rPr lang="en-US" dirty="0" smtClean="0"/>
-              <a:t> </a:t>
-            </a:r>
-            <a:r>
-              <a:rPr lang="en-US" dirty="0" err="1" smtClean="0"/>
-              <a:t>generativne</a:t>
-            </a:r>
-            <a:r>
-              <a:rPr lang="en-US" dirty="0" smtClean="0"/>
-              <a:t> </a:t>
-            </a:r>
-            <a:r>
-              <a:rPr lang="en-US" dirty="0" err="1" smtClean="0"/>
-              <a:t>mreže</a:t>
-            </a:r>
-            <a:endParaRPr lang="en-US" dirty="0"/>
-          </a:p>
-        </p:txBody>
-      </p:sp>
-      <p:sp>
-        <p:nvSpPr>
-          <p:cNvPr id="11" name="TextBox 10"/>
-          <p:cNvSpPr txBox="1"/>
-          <p:nvPr/>
-        </p:nvSpPr>
-        <p:spPr>
-          <a:xfrm>
-            <a:off x="646111" y="6444688"/>
-            <a:ext cx="10864738" cy="338554"/>
-          </a:xfrm>
-          <a:prstGeom prst="rect">
-            <a:avLst/>
-          </a:prstGeom>
-          <a:noFill/>
-        </p:spPr>
-        <p:txBody>
-          <a:bodyPr wrap="square" rtlCol="0">
-            <a:spAutoFit/>
-          </a:bodyPr>
-          <a:lstStyle/>
-          <a:p>
-            <a:r>
-              <a:rPr lang="en-US" sz="1600" dirty="0"/>
-              <a:t>Conditional generative adversarial nets.  arXiv:1411.1784, 2014.</a:t>
-            </a:r>
-            <a:endParaRPr lang="en-US" sz="1600" dirty="0"/>
-          </a:p>
-        </p:txBody>
-      </p:sp>
     </p:spTree>
     <p:extLst>
       <p:ext uri="{BB962C8B-B14F-4D97-AF65-F5344CB8AC3E}">
-        <p14:creationId xmlns:p14="http://schemas.microsoft.com/office/powerpoint/2010/main" val="111106915"/>
+        <p14:creationId xmlns:p14="http://schemas.microsoft.com/office/powerpoint/2010/main" val="2139513934"/>
       </p:ext>
     </p:extLst>
   </p:cSld>
@@ -7673,7 +7639,7 @@
         </p:blipFill>
         <p:spPr>
           <a:xfrm>
-            <a:off x="6613256" y="1396537"/>
+            <a:off x="6613257" y="1353434"/>
             <a:ext cx="4537344" cy="5091254"/>
           </a:xfrm>
         </p:spPr>
@@ -9121,6 +9087,46 @@
           <a:p>
             <a:r>
               <a:rPr lang="en-US" dirty="0" err="1" smtClean="0"/>
+              <a:t>Translacija</a:t>
+            </a:r>
+            <a:r>
+              <a:rPr lang="en-US" dirty="0" smtClean="0"/>
+              <a:t> s </a:t>
+            </a:r>
+            <a:r>
+              <a:rPr lang="en-US" dirty="0" err="1" smtClean="0"/>
+              <a:t>označenim</a:t>
+            </a:r>
+            <a:r>
+              <a:rPr lang="en-US" dirty="0" smtClean="0"/>
+              <a:t> </a:t>
+            </a:r>
+            <a:r>
+              <a:rPr lang="en-US" dirty="0" err="1" smtClean="0"/>
+              <a:t>primjerima</a:t>
+            </a:r>
+            <a:r>
+              <a:rPr lang="en-US" dirty="0" smtClean="0"/>
+              <a:t> </a:t>
+            </a:r>
+            <a:r>
+              <a:rPr lang="en-US" dirty="0" err="1" smtClean="0"/>
+              <a:t>za</a:t>
+            </a:r>
+            <a:r>
+              <a:rPr lang="en-US" dirty="0" smtClean="0"/>
+              <a:t> </a:t>
+            </a:r>
+            <a:r>
+              <a:rPr lang="en-US" dirty="0" err="1" smtClean="0"/>
+              <a:t>učenje</a:t>
+            </a:r>
+            <a:endParaRPr lang="en-US" dirty="0" smtClean="0"/>
+          </a:p>
+          <a:p>
+            <a:pPr lvl="1"/>
+            <a:r>
+              <a:rPr lang="en-US" dirty="0" err="1" smtClean="0"/>
               <a:t>Uvjetne</a:t>
             </a:r>
             <a:r>
@@ -10226,8 +10232,12 @@
           <a:lstStyle/>
           <a:p>
             <a:r>
-              <a:rPr lang="en-US" dirty="0" smtClean="0"/>
-              <a:t>GAN-</a:t>
+              <a:rPr lang="en-US" dirty="0" err="1" smtClean="0"/>
+              <a:t>Osnovni</a:t>
+            </a:r>
+            <a:r>
+              <a:rPr lang="en-US" dirty="0" smtClean="0"/>
+              <a:t> GAN-</a:t>
             </a:r>
             <a:r>
               <a:rPr lang="en-US" dirty="0" err="1" smtClean="0"/>
@@ -10263,15 +10273,11 @@
             <a:pPr lvl="1"/>
             <a:r>
               <a:rPr lang="en-US" dirty="0" err="1" smtClean="0"/>
-              <a:t>Vrlo</a:t>
-            </a:r>
-            <a:r>
-              <a:rPr lang="en-US" dirty="0" smtClean="0"/>
-              <a:t> </a:t>
-            </a:r>
-            <a:r>
-              <a:rPr lang="en-US" dirty="0" err="1" smtClean="0"/>
-              <a:t>samostalni</a:t>
+              <a:t>S</a:t>
+            </a:r>
+            <a:r>
+              <a:rPr lang="en-US" dirty="0" err="1" smtClean="0"/>
+              <a:t>amostalni</a:t>
             </a:r>
             <a:r>
               <a:rPr lang="en-US" dirty="0" smtClean="0"/>
@@ -10860,7 +10866,7 @@
               <a:lstStyle/>
               <a:p>
                 <a:r>
-                  <a:rPr lang="en-US" dirty="0" err="1" smtClean="0"/>
+                  <a:rPr lang="en-US" dirty="0" smtClean="0"/>
                   <a:t>Diskriminativni</a:t>
                 </a:r>
                 <a:endParaRPr lang="en-US" dirty="0" smtClean="0"/>
@@ -11038,7 +11044,7 @@
               <a:p>
                 <a:pPr lvl="1"/>
                 <a:r>
-                  <a:rPr lang="en-US" dirty="0" err="1" smtClean="0"/>
+                  <a:rPr lang="en-US" dirty="0" smtClean="0"/>
                   <a:t>Uče</a:t>
                 </a:r>
                 <a:r>
@@ -11342,11 +11348,13 @@
         <p:spPr>
           <a:xfrm>
             <a:off x="1046162" y="1814793"/>
-            <a:ext cx="8946541" cy="4195481"/>
+            <a:ext cx="8946541" cy="4488730"/>
           </a:xfrm>
         </p:spPr>
         <p:txBody>
-          <a:bodyPr/>
+          <a:bodyPr>
+            <a:normAutofit/>
+          </a:bodyPr>
           <a:lstStyle/>
           <a:p>
             <a:r>
@@ -11454,6 +11462,39 @@
               <a:t>prve</a:t>
             </a:r>
             <a:endParaRPr lang="en-US" dirty="0"/>
+          </a:p>
+          <a:p>
+            <a:pPr lvl="1"/>
+            <a:endParaRPr lang="en-US" dirty="0" smtClean="0"/>
+          </a:p>
+          <a:p>
+            <a:r>
+              <a:rPr lang="en-US" dirty="0" err="1"/>
+              <a:t>Nenadzirani</a:t>
+            </a:r>
+            <a:endParaRPr lang="en-US" dirty="0"/>
+          </a:p>
+          <a:p>
+            <a:pPr lvl="1"/>
+            <a:endParaRPr lang="en-US" dirty="0" smtClean="0"/>
+          </a:p>
+          <a:p>
+            <a:r>
+              <a:rPr lang="en-US" dirty="0" err="1" smtClean="0"/>
+              <a:t>Kod</a:t>
+            </a:r>
+            <a:r>
+              <a:rPr lang="en-US" dirty="0" smtClean="0"/>
+              <a:t> GAN-ova:</a:t>
+            </a:r>
+          </a:p>
+          <a:p>
+            <a:pPr lvl="1"/>
+            <a:endParaRPr lang="en-US" dirty="0"/>
+          </a:p>
+          <a:p>
+            <a:pPr lvl="1"/>
+            <a:endParaRPr lang="en-US" dirty="0" smtClean="0"/>
           </a:p>
           <a:p>
             <a:pPr marL="0" indent="0">
@@ -11462,96 +11503,10 @@
             <a:endParaRPr lang="en-US" dirty="0" smtClean="0"/>
           </a:p>
           <a:p>
-            <a:r>
-              <a:rPr lang="en-US" dirty="0" smtClean="0"/>
-              <a:t>Generator (G) </a:t>
-            </a:r>
+            <a:pPr marL="0" indent="0">
+              <a:buNone/>
+            </a:pPr>
             <a:endParaRPr lang="en-US" dirty="0" smtClean="0"/>
-          </a:p>
-          <a:p>
-            <a:pPr lvl="1"/>
-            <a:r>
-              <a:rPr lang="en-US" dirty="0" err="1" smtClean="0"/>
-              <a:t>stvara</a:t>
-            </a:r>
-            <a:r>
-              <a:rPr lang="en-US" dirty="0" smtClean="0"/>
-              <a:t> </a:t>
-            </a:r>
-            <a:r>
-              <a:rPr lang="en-US" dirty="0" err="1" smtClean="0"/>
-              <a:t>nove</a:t>
-            </a:r>
-            <a:r>
-              <a:rPr lang="en-US" dirty="0" smtClean="0"/>
-              <a:t> </a:t>
-            </a:r>
-            <a:r>
-              <a:rPr lang="en-US" dirty="0" err="1" smtClean="0"/>
-              <a:t>podatke</a:t>
-            </a:r>
-            <a:r>
-              <a:rPr lang="en-US" dirty="0" smtClean="0"/>
-              <a:t> </a:t>
-            </a:r>
-            <a:r>
-              <a:rPr lang="en-US" dirty="0" err="1" smtClean="0"/>
-              <a:t>slične</a:t>
-            </a:r>
-            <a:r>
-              <a:rPr lang="en-US" dirty="0" smtClean="0"/>
-              <a:t> </a:t>
-            </a:r>
-            <a:r>
-              <a:rPr lang="en-US" dirty="0" err="1" smtClean="0"/>
-              <a:t>stvarnima</a:t>
-            </a:r>
-            <a:endParaRPr lang="en-US" dirty="0" smtClean="0"/>
-          </a:p>
-          <a:p>
-            <a:r>
-              <a:rPr lang="en-US" dirty="0" err="1" smtClean="0"/>
-              <a:t>Diskriminator</a:t>
-            </a:r>
-            <a:r>
-              <a:rPr lang="en-US" dirty="0" smtClean="0"/>
-              <a:t> (D) </a:t>
-            </a:r>
-            <a:endParaRPr lang="en-US" dirty="0" smtClean="0"/>
-          </a:p>
-          <a:p>
-            <a:pPr lvl="1"/>
-            <a:r>
-              <a:rPr lang="en-US" dirty="0" err="1" smtClean="0"/>
-              <a:t>provjerava</a:t>
-            </a:r>
-            <a:r>
-              <a:rPr lang="en-US" dirty="0" smtClean="0"/>
-              <a:t> </a:t>
-            </a:r>
-            <a:r>
-              <a:rPr lang="en-US" dirty="0" err="1" smtClean="0"/>
-              <a:t>njihovu</a:t>
-            </a:r>
-            <a:r>
-              <a:rPr lang="en-US" dirty="0" smtClean="0"/>
-              <a:t> </a:t>
-            </a:r>
-            <a:r>
-              <a:rPr lang="en-US" dirty="0" err="1" smtClean="0"/>
-              <a:t>autentičnost</a:t>
-            </a:r>
-            <a:endParaRPr lang="en-US" dirty="0" smtClean="0"/>
-          </a:p>
-          <a:p>
-            <a:endParaRPr lang="en-US" dirty="0"/>
-          </a:p>
-          <a:p>
-            <a:r>
-              <a:rPr lang="en-US" dirty="0" err="1"/>
-              <a:t>Nenadzirani</a:t>
-            </a:r>
-            <a:endParaRPr lang="en-US" dirty="0"/>
           </a:p>
           <a:p>
             <a:endParaRPr lang="en-US" dirty="0"/>
@@ -11560,7 +11515,7 @@
       </p:sp>
       <p:pic>
         <p:nvPicPr>
-          <p:cNvPr id="5" name="Picture 4"/>
+          <p:cNvPr id="7" name="Picture 6"/>
           <p:cNvPicPr>
             <a:picLocks noChangeAspect="1"/>
           </p:cNvPicPr>
@@ -11574,32 +11529,8 @@
         </p:blipFill>
         <p:spPr>
           <a:xfrm>
-            <a:off x="6200775" y="4152460"/>
-            <a:ext cx="5857875" cy="2566647"/>
-          </a:xfrm>
-          <a:prstGeom prst="rect">
-            <a:avLst/>
-          </a:prstGeom>
-        </p:spPr>
-      </p:pic>
-      <p:pic>
-        <p:nvPicPr>
-          <p:cNvPr id="6" name="Picture 5"/>
-          <p:cNvPicPr>
-            <a:picLocks noChangeAspect="1"/>
-          </p:cNvPicPr>
-          <p:nvPr/>
-        </p:nvPicPr>
-        <p:blipFill>
-          <a:blip r:embed="rId3"/>
-          <a:stretch>
-            <a:fillRect/>
-          </a:stretch>
-        </p:blipFill>
-        <p:spPr>
-          <a:xfrm>
-            <a:off x="6754812" y="2589927"/>
-            <a:ext cx="4749800" cy="393700"/>
+            <a:off x="1664982" y="4993014"/>
+            <a:ext cx="7708900" cy="431800"/>
           </a:xfrm>
           <a:prstGeom prst="rect">
             <a:avLst/>
@@ -11627,6 +11558,218 @@
 </file>
 
 <file path=ppt/slides/slide5.xml><?xml version="1.0" encoding="utf-8"?>
+<p:sld xmlns:a="http://schemas.openxmlformats.org/drawingml/2006/main" xmlns:r="http://schemas.openxmlformats.org/officeDocument/2006/relationships" xmlns:p="http://schemas.openxmlformats.org/presentationml/2006/main">
+  <p:cSld>
+    <p:spTree>
+      <p:nvGrpSpPr>
+        <p:cNvPr id="1" name=""/>
+        <p:cNvGrpSpPr/>
+        <p:nvPr/>
+      </p:nvGrpSpPr>
+      <p:grpSpPr>
+        <a:xfrm>
+          <a:off x="0" y="0"/>
+          <a:ext cx="0" cy="0"/>
+          <a:chOff x="0" y="0"/>
+          <a:chExt cx="0" cy="0"/>
+        </a:xfrm>
+      </p:grpSpPr>
+      <p:sp>
+        <p:nvSpPr>
+          <p:cNvPr id="2" name="Title 1"/>
+          <p:cNvSpPr>
+            <a:spLocks noGrp="1"/>
+          </p:cNvSpPr>
+          <p:nvPr>
+            <p:ph type="title"/>
+          </p:nvPr>
+        </p:nvSpPr>
+        <p:spPr>
+          <a:xfrm>
+            <a:off x="667883" y="821094"/>
+            <a:ext cx="7415538" cy="778740"/>
+          </a:xfrm>
+        </p:spPr>
+        <p:txBody>
+          <a:bodyPr/>
+          <a:lstStyle/>
+          <a:p>
+            <a:r>
+              <a:rPr lang="en-US" sz="3200" dirty="0" err="1" smtClean="0"/>
+              <a:t>Suparnički</a:t>
+            </a:r>
+            <a:r>
+              <a:rPr lang="en-US" sz="3200" dirty="0" smtClean="0"/>
+              <a:t> </a:t>
+            </a:r>
+            <a:r>
+              <a:rPr lang="en-US" sz="3200" dirty="0" err="1" smtClean="0"/>
+              <a:t>modeli</a:t>
+            </a:r>
+            <a:endParaRPr lang="en-US" sz="3200" dirty="0"/>
+          </a:p>
+        </p:txBody>
+      </p:sp>
+      <p:sp>
+        <p:nvSpPr>
+          <p:cNvPr id="3" name="Content Placeholder 2"/>
+          <p:cNvSpPr>
+            <a:spLocks noGrp="1"/>
+          </p:cNvSpPr>
+          <p:nvPr>
+            <p:ph idx="1"/>
+          </p:nvPr>
+        </p:nvSpPr>
+        <p:spPr>
+          <a:xfrm>
+            <a:off x="1046162" y="1814793"/>
+            <a:ext cx="8946541" cy="4488730"/>
+          </a:xfrm>
+        </p:spPr>
+        <p:txBody>
+          <a:bodyPr>
+            <a:normAutofit/>
+          </a:bodyPr>
+          <a:lstStyle/>
+          <a:p>
+            <a:r>
+              <a:rPr lang="en-US" dirty="0" smtClean="0"/>
+              <a:t>Generator </a:t>
+            </a:r>
+            <a:r>
+              <a:rPr lang="en-US" dirty="0" smtClean="0"/>
+              <a:t>(G) </a:t>
+            </a:r>
+            <a:endParaRPr lang="en-US" dirty="0" smtClean="0"/>
+          </a:p>
+          <a:p>
+            <a:pPr lvl="1"/>
+            <a:r>
+              <a:rPr lang="en-US" dirty="0" err="1" smtClean="0"/>
+              <a:t>stvara</a:t>
+            </a:r>
+            <a:r>
+              <a:rPr lang="en-US" dirty="0" smtClean="0"/>
+              <a:t> </a:t>
+            </a:r>
+            <a:r>
+              <a:rPr lang="en-US" dirty="0" err="1" smtClean="0"/>
+              <a:t>nove</a:t>
+            </a:r>
+            <a:r>
+              <a:rPr lang="en-US" dirty="0" smtClean="0"/>
+              <a:t> </a:t>
+            </a:r>
+            <a:r>
+              <a:rPr lang="en-US" dirty="0" err="1" smtClean="0"/>
+              <a:t>podatke</a:t>
+            </a:r>
+            <a:r>
+              <a:rPr lang="en-US" dirty="0" smtClean="0"/>
+              <a:t> </a:t>
+            </a:r>
+            <a:r>
+              <a:rPr lang="en-US" dirty="0" err="1" smtClean="0"/>
+              <a:t>slične</a:t>
+            </a:r>
+            <a:r>
+              <a:rPr lang="en-US" dirty="0" smtClean="0"/>
+              <a:t> </a:t>
+            </a:r>
+            <a:r>
+              <a:rPr lang="en-US" dirty="0" err="1" smtClean="0"/>
+              <a:t>stvarnima</a:t>
+            </a:r>
+            <a:endParaRPr lang="en-US" dirty="0" smtClean="0"/>
+          </a:p>
+          <a:p>
+            <a:r>
+              <a:rPr lang="en-US" dirty="0" err="1" smtClean="0"/>
+              <a:t>Diskriminator</a:t>
+            </a:r>
+            <a:r>
+              <a:rPr lang="en-US" dirty="0" smtClean="0"/>
+              <a:t> (D) </a:t>
+            </a:r>
+            <a:endParaRPr lang="en-US" dirty="0" smtClean="0"/>
+          </a:p>
+          <a:p>
+            <a:pPr lvl="1"/>
+            <a:r>
+              <a:rPr lang="en-US" dirty="0" err="1" smtClean="0"/>
+              <a:t>provjerava</a:t>
+            </a:r>
+            <a:r>
+              <a:rPr lang="en-US" dirty="0" smtClean="0"/>
+              <a:t> </a:t>
+            </a:r>
+            <a:r>
+              <a:rPr lang="en-US" dirty="0" err="1" smtClean="0"/>
+              <a:t>njihovu</a:t>
+            </a:r>
+            <a:r>
+              <a:rPr lang="en-US" dirty="0" smtClean="0"/>
+              <a:t> </a:t>
+            </a:r>
+            <a:r>
+              <a:rPr lang="en-US" dirty="0" err="1" smtClean="0"/>
+              <a:t>autentičnost</a:t>
+            </a:r>
+            <a:endParaRPr lang="en-US" dirty="0" smtClean="0"/>
+          </a:p>
+          <a:p>
+            <a:endParaRPr lang="en-US" dirty="0"/>
+          </a:p>
+          <a:p>
+            <a:endParaRPr lang="en-US" dirty="0"/>
+          </a:p>
+        </p:txBody>
+      </p:sp>
+      <p:pic>
+        <p:nvPicPr>
+          <p:cNvPr id="5" name="Picture 4"/>
+          <p:cNvPicPr>
+            <a:picLocks noChangeAspect="1"/>
+          </p:cNvPicPr>
+          <p:nvPr/>
+        </p:nvPicPr>
+        <p:blipFill>
+          <a:blip r:embed="rId2"/>
+          <a:stretch>
+            <a:fillRect/>
+          </a:stretch>
+        </p:blipFill>
+        <p:spPr>
+          <a:xfrm>
+            <a:off x="3170041" y="3736876"/>
+            <a:ext cx="5857875" cy="2566647"/>
+          </a:xfrm>
+          <a:prstGeom prst="rect">
+            <a:avLst/>
+          </a:prstGeom>
+        </p:spPr>
+      </p:pic>
+    </p:spTree>
+    <p:extLst>
+      <p:ext uri="{BB962C8B-B14F-4D97-AF65-F5344CB8AC3E}">
+        <p14:creationId xmlns:p14="http://schemas.microsoft.com/office/powerpoint/2010/main" val="1079807932"/>
+      </p:ext>
+    </p:extLst>
+  </p:cSld>
+  <p:clrMapOvr>
+    <a:masterClrMapping/>
+  </p:clrMapOvr>
+  <p:timing>
+    <p:tnLst>
+      <p:par>
+        <p:cTn id="1" dur="indefinite" restart="never" nodeType="tmRoot"/>
+      </p:par>
+    </p:tnLst>
+  </p:timing>
+</p:sld>
+</file>
+
+<file path=ppt/slides/slide6.xml><?xml version="1.0" encoding="utf-8"?>
 <p:sld xmlns:a="http://schemas.openxmlformats.org/drawingml/2006/main" xmlns:r="http://schemas.openxmlformats.org/officeDocument/2006/relationships" xmlns:p="http://schemas.openxmlformats.org/presentationml/2006/main">
   <p:cSld>
     <p:spTree>
@@ -11874,7 +12017,7 @@
 </p:sld>
 </file>
 
-<file path=ppt/slides/slide6.xml><?xml version="1.0" encoding="utf-8"?>
+<file path=ppt/slides/slide7.xml><?xml version="1.0" encoding="utf-8"?>
 <p:sld xmlns:a="http://schemas.openxmlformats.org/drawingml/2006/main" xmlns:r="http://schemas.openxmlformats.org/officeDocument/2006/relationships" xmlns:p="http://schemas.openxmlformats.org/presentationml/2006/main">
   <p:cSld>
     <p:spTree>
@@ -12022,175 +12165,6 @@
 </p:sld>
 </file>
 
-<file path=ppt/slides/slide7.xml><?xml version="1.0" encoding="utf-8"?>
-<p:sld xmlns:a="http://schemas.openxmlformats.org/drawingml/2006/main" xmlns:r="http://schemas.openxmlformats.org/officeDocument/2006/relationships" xmlns:p="http://schemas.openxmlformats.org/presentationml/2006/main">
-  <p:cSld>
-    <p:spTree>
-      <p:nvGrpSpPr>
-        <p:cNvPr id="1" name=""/>
-        <p:cNvGrpSpPr/>
-        <p:nvPr/>
-      </p:nvGrpSpPr>
-      <p:grpSpPr>
-        <a:xfrm>
-          <a:off x="0" y="0"/>
-          <a:ext cx="0" cy="0"/>
-          <a:chOff x="0" y="0"/>
-          <a:chExt cx="0" cy="0"/>
-        </a:xfrm>
-      </p:grpSpPr>
-      <p:sp>
-        <p:nvSpPr>
-          <p:cNvPr id="2" name="Title 1"/>
-          <p:cNvSpPr>
-            <a:spLocks noGrp="1"/>
-          </p:cNvSpPr>
-          <p:nvPr>
-            <p:ph type="title"/>
-          </p:nvPr>
-        </p:nvSpPr>
-        <p:spPr>
-          <a:xfrm>
-            <a:off x="667883" y="821094"/>
-            <a:ext cx="7415538" cy="778740"/>
-          </a:xfrm>
-        </p:spPr>
-        <p:txBody>
-          <a:bodyPr/>
-          <a:lstStyle/>
-          <a:p>
-            <a:r>
-              <a:rPr lang="en-US" sz="3200" dirty="0" err="1" smtClean="0"/>
-              <a:t>Varijacijski</a:t>
-            </a:r>
-            <a:r>
-              <a:rPr lang="en-US" sz="3200" dirty="0" smtClean="0"/>
-              <a:t> </a:t>
-            </a:r>
-            <a:r>
-              <a:rPr lang="en-US" sz="3200" dirty="0" err="1" smtClean="0"/>
-              <a:t>autoenkoderi</a:t>
-            </a:r>
-            <a:r>
-              <a:rPr lang="en-US" sz="3200" dirty="0" smtClean="0"/>
-              <a:t> (VAE)</a:t>
-            </a:r>
-            <a:endParaRPr lang="en-US" sz="3200" dirty="0"/>
-          </a:p>
-        </p:txBody>
-      </p:sp>
-      <p:sp>
-        <p:nvSpPr>
-          <p:cNvPr id="3" name="Content Placeholder 2"/>
-          <p:cNvSpPr>
-            <a:spLocks noGrp="1"/>
-          </p:cNvSpPr>
-          <p:nvPr>
-            <p:ph idx="1"/>
-          </p:nvPr>
-        </p:nvSpPr>
-        <p:spPr/>
-        <p:txBody>
-          <a:bodyPr/>
-          <a:lstStyle/>
-          <a:p>
-            <a:r>
-              <a:rPr lang="hr-HR" dirty="0" smtClean="0"/>
-              <a:t>Prednosti:</a:t>
-            </a:r>
-          </a:p>
-          <a:p>
-            <a:pPr lvl="1"/>
-            <a:r>
-              <a:rPr lang="en-US" dirty="0" err="1"/>
-              <a:t>K</a:t>
-            </a:r>
-            <a:r>
-              <a:rPr lang="en-US" dirty="0" err="1" smtClean="0"/>
-              <a:t>ontrola</a:t>
-            </a:r>
-            <a:r>
-              <a:rPr lang="en-US" dirty="0" smtClean="0"/>
-              <a:t> </a:t>
-            </a:r>
-            <a:r>
-              <a:rPr lang="en-US" dirty="0" err="1"/>
-              <a:t>nad</a:t>
-            </a:r>
-            <a:r>
-              <a:rPr lang="en-US" dirty="0"/>
-              <a:t> </a:t>
-            </a:r>
-            <a:r>
-              <a:rPr lang="en-US" dirty="0" err="1"/>
-              <a:t>generiranim</a:t>
-            </a:r>
-            <a:r>
-              <a:rPr lang="en-US" dirty="0"/>
-              <a:t> </a:t>
-            </a:r>
-            <a:r>
-              <a:rPr lang="en-US" dirty="0" err="1"/>
-              <a:t>podatcima</a:t>
-            </a:r>
-            <a:endParaRPr lang="en-US" dirty="0"/>
-          </a:p>
-          <a:p>
-            <a:pPr lvl="1"/>
-            <a:endParaRPr lang="hr-HR" dirty="0" smtClean="0"/>
-          </a:p>
-          <a:p>
-            <a:r>
-              <a:rPr lang="hr-HR" dirty="0" smtClean="0"/>
-              <a:t>Nedostatci:</a:t>
-            </a:r>
-          </a:p>
-          <a:p>
-            <a:pPr lvl="1"/>
-            <a:r>
-              <a:rPr lang="hr-HR" dirty="0" smtClean="0"/>
-              <a:t>Uzorkovani podatci puni anomalija</a:t>
-            </a:r>
-          </a:p>
-          <a:p>
-            <a:pPr lvl="1"/>
-            <a:endParaRPr lang="hr-HR" dirty="0"/>
-          </a:p>
-          <a:p>
-            <a:r>
-              <a:rPr lang="hr-HR" dirty="0" smtClean="0"/>
-              <a:t>Primjena:</a:t>
-            </a:r>
-          </a:p>
-          <a:p>
-            <a:pPr lvl="1"/>
-            <a:r>
-              <a:rPr lang="hr-HR" dirty="0" smtClean="0"/>
-              <a:t>Kompresija podataka, video igre</a:t>
-            </a:r>
-          </a:p>
-        </p:txBody>
-      </p:sp>
-    </p:spTree>
-    <p:extLst>
-      <p:ext uri="{BB962C8B-B14F-4D97-AF65-F5344CB8AC3E}">
-        <p14:creationId xmlns:p14="http://schemas.microsoft.com/office/powerpoint/2010/main" val="464793620"/>
-      </p:ext>
-    </p:extLst>
-  </p:cSld>
-  <p:clrMapOvr>
-    <a:masterClrMapping/>
-  </p:clrMapOvr>
-  <p:timing>
-    <p:tnLst>
-      <p:par>
-        <p:cTn id="1" dur="indefinite" restart="never" nodeType="tmRoot"/>
-      </p:par>
-    </p:tnLst>
-  </p:timing>
-</p:sld>
-</file>
-
 <file path=ppt/slides/slide8.xml><?xml version="1.0" encoding="utf-8"?>
 <p:sld xmlns:a="http://schemas.openxmlformats.org/drawingml/2006/main" xmlns:r="http://schemas.openxmlformats.org/officeDocument/2006/relationships" xmlns:p="http://schemas.openxmlformats.org/presentationml/2006/main">
   <p:cSld>
@@ -12218,299 +12192,132 @@
             <p:ph type="title"/>
           </p:nvPr>
         </p:nvSpPr>
-        <p:spPr/>
+        <p:spPr>
+          <a:xfrm>
+            <a:off x="667883" y="821094"/>
+            <a:ext cx="7415538" cy="778740"/>
+          </a:xfrm>
+        </p:spPr>
         <p:txBody>
           <a:bodyPr/>
           <a:lstStyle/>
           <a:p>
             <a:r>
-              <a:rPr lang="en-US" dirty="0" err="1" smtClean="0"/>
-              <a:t>Uvjetne</a:t>
-            </a:r>
-            <a:r>
-              <a:rPr lang="en-US" dirty="0" smtClean="0"/>
-              <a:t> </a:t>
-            </a:r>
-            <a:r>
-              <a:rPr lang="en-US" dirty="0" err="1" smtClean="0"/>
-              <a:t>generativne</a:t>
-            </a:r>
-            <a:r>
-              <a:rPr lang="en-US" dirty="0" smtClean="0"/>
-              <a:t> </a:t>
-            </a:r>
-            <a:r>
-              <a:rPr lang="en-US" dirty="0" err="1" smtClean="0"/>
-              <a:t>mreže</a:t>
+              <a:rPr lang="en-US" sz="3200" dirty="0" err="1" smtClean="0"/>
+              <a:t>Varijacijski</a:t>
+            </a:r>
+            <a:r>
+              <a:rPr lang="en-US" sz="3200" dirty="0" smtClean="0"/>
+              <a:t> </a:t>
+            </a:r>
+            <a:r>
+              <a:rPr lang="en-US" sz="3200" dirty="0" err="1" smtClean="0"/>
+              <a:t>autoenkoderi</a:t>
+            </a:r>
+            <a:r>
+              <a:rPr lang="en-US" sz="3200" dirty="0" smtClean="0"/>
+              <a:t> (VAE)</a:t>
+            </a:r>
+            <a:endParaRPr lang="en-US" sz="3200" dirty="0"/>
+          </a:p>
+        </p:txBody>
+      </p:sp>
+      <p:sp>
+        <p:nvSpPr>
+          <p:cNvPr id="3" name="Content Placeholder 2"/>
+          <p:cNvSpPr>
+            <a:spLocks noGrp="1"/>
+          </p:cNvSpPr>
+          <p:nvPr>
+            <p:ph idx="1"/>
+          </p:nvPr>
+        </p:nvSpPr>
+        <p:spPr/>
+        <p:txBody>
+          <a:bodyPr/>
+          <a:lstStyle/>
+          <a:p>
+            <a:r>
+              <a:rPr lang="hr-HR" dirty="0" smtClean="0"/>
+              <a:t>Prednosti:</a:t>
+            </a:r>
+          </a:p>
+          <a:p>
+            <a:pPr lvl="1"/>
+            <a:r>
+              <a:rPr lang="en-US" dirty="0" err="1"/>
+              <a:t>K</a:t>
+            </a:r>
+            <a:r>
+              <a:rPr lang="en-US" dirty="0" err="1" smtClean="0"/>
+              <a:t>ontrola</a:t>
+            </a:r>
+            <a:r>
+              <a:rPr lang="en-US" dirty="0" smtClean="0"/>
+              <a:t> </a:t>
+            </a:r>
+            <a:r>
+              <a:rPr lang="en-US" dirty="0" err="1"/>
+              <a:t>nad</a:t>
+            </a:r>
+            <a:r>
+              <a:rPr lang="en-US" dirty="0"/>
+              <a:t> </a:t>
+            </a:r>
+            <a:r>
+              <a:rPr lang="en-US" dirty="0" err="1"/>
+              <a:t>generiranim</a:t>
+            </a:r>
+            <a:r>
+              <a:rPr lang="en-US" dirty="0"/>
+              <a:t> </a:t>
+            </a:r>
+            <a:r>
+              <a:rPr lang="en-US" dirty="0" err="1"/>
+              <a:t>podatcima</a:t>
             </a:r>
             <a:endParaRPr lang="en-US" dirty="0"/>
           </a:p>
-        </p:txBody>
-      </p:sp>
-      <p:sp>
-        <p:nvSpPr>
-          <p:cNvPr id="3" name="Content Placeholder 2"/>
-          <p:cNvSpPr>
-            <a:spLocks noGrp="1"/>
-          </p:cNvSpPr>
-          <p:nvPr>
-            <p:ph idx="1"/>
-          </p:nvPr>
-        </p:nvSpPr>
-        <p:spPr>
-          <a:xfrm>
-            <a:off x="1103312" y="1853248"/>
-            <a:ext cx="8946541" cy="1380747"/>
-          </a:xfrm>
-        </p:spPr>
-        <p:txBody>
-          <a:bodyPr>
-            <a:normAutofit fontScale="92500"/>
-          </a:bodyPr>
-          <a:lstStyle/>
-          <a:p>
-            <a:r>
-              <a:rPr lang="en-US" dirty="0" err="1" smtClean="0"/>
-              <a:t>Nastale</a:t>
-            </a:r>
-            <a:r>
-              <a:rPr lang="en-US" dirty="0" smtClean="0"/>
-              <a:t> </a:t>
-            </a:r>
-            <a:r>
-              <a:rPr lang="en-US" dirty="0" err="1" smtClean="0"/>
-              <a:t>iz</a:t>
-            </a:r>
-            <a:r>
-              <a:rPr lang="en-US" dirty="0" smtClean="0"/>
-              <a:t> </a:t>
-            </a:r>
-            <a:r>
-              <a:rPr lang="en-US" dirty="0" err="1" smtClean="0"/>
-              <a:t>potrebe</a:t>
-            </a:r>
-            <a:r>
-              <a:rPr lang="en-US" dirty="0" smtClean="0"/>
-              <a:t> </a:t>
-            </a:r>
-            <a:r>
-              <a:rPr lang="en-US" dirty="0" err="1" smtClean="0"/>
-              <a:t>za</a:t>
-            </a:r>
-            <a:r>
-              <a:rPr lang="en-US" dirty="0" smtClean="0"/>
-              <a:t> </a:t>
-            </a:r>
-            <a:r>
-              <a:rPr lang="en-US" dirty="0" err="1" smtClean="0"/>
-              <a:t>većom</a:t>
-            </a:r>
-            <a:r>
-              <a:rPr lang="en-US" dirty="0" smtClean="0"/>
-              <a:t> </a:t>
-            </a:r>
-            <a:r>
-              <a:rPr lang="en-US" dirty="0" err="1" smtClean="0"/>
-              <a:t>kontrolom</a:t>
-            </a:r>
-            <a:r>
-              <a:rPr lang="en-US" dirty="0" smtClean="0"/>
-              <a:t> </a:t>
-            </a:r>
-            <a:r>
-              <a:rPr lang="en-US" dirty="0" err="1" smtClean="0"/>
-              <a:t>generativnog</a:t>
-            </a:r>
-            <a:r>
-              <a:rPr lang="en-US" dirty="0" smtClean="0"/>
-              <a:t> </a:t>
-            </a:r>
-            <a:r>
-              <a:rPr lang="en-US" dirty="0" err="1" smtClean="0"/>
-              <a:t>procesa</a:t>
-            </a:r>
-            <a:r>
-              <a:rPr lang="en-US" dirty="0" smtClean="0"/>
-              <a:t> </a:t>
-            </a:r>
-            <a:r>
-              <a:rPr lang="en-US" dirty="0" err="1" smtClean="0"/>
-              <a:t>GANova</a:t>
-            </a:r>
-            <a:endParaRPr lang="en-US" dirty="0" smtClean="0"/>
-          </a:p>
-          <a:p>
-            <a:r>
-              <a:rPr lang="en-US" dirty="0" err="1" smtClean="0"/>
-              <a:t>Ideja</a:t>
-            </a:r>
-            <a:r>
-              <a:rPr lang="en-US" dirty="0" smtClean="0"/>
-              <a:t>: </a:t>
-            </a:r>
-            <a:r>
-              <a:rPr lang="en-US" dirty="0" err="1" smtClean="0"/>
-              <a:t>postavljanje</a:t>
-            </a:r>
-            <a:r>
-              <a:rPr lang="en-US" dirty="0" smtClean="0"/>
-              <a:t> </a:t>
-            </a:r>
-            <a:r>
-              <a:rPr lang="en-US" dirty="0" err="1" smtClean="0"/>
-              <a:t>uvjeta</a:t>
-            </a:r>
-            <a:r>
-              <a:rPr lang="en-US" dirty="0" smtClean="0"/>
-              <a:t> </a:t>
-            </a:r>
-            <a:r>
-              <a:rPr lang="en-US" dirty="0" err="1" smtClean="0"/>
-              <a:t>na</a:t>
-            </a:r>
-            <a:r>
-              <a:rPr lang="en-US" dirty="0" smtClean="0"/>
-              <a:t> </a:t>
-            </a:r>
-            <a:r>
-              <a:rPr lang="en-US" dirty="0" err="1" smtClean="0"/>
-              <a:t>ulaz</a:t>
-            </a:r>
-            <a:r>
-              <a:rPr lang="en-US" dirty="0" smtClean="0"/>
-              <a:t> </a:t>
-            </a:r>
-            <a:r>
-              <a:rPr lang="en-US" dirty="0" err="1" smtClean="0"/>
-              <a:t>modela</a:t>
-            </a:r>
-            <a:endParaRPr lang="en-US" dirty="0" smtClean="0"/>
-          </a:p>
           <a:p>
             <a:pPr lvl="1"/>
-            <a:r>
-              <a:rPr lang="en-US" dirty="0" err="1" smtClean="0"/>
-              <a:t>Oznake</a:t>
-            </a:r>
-            <a:r>
-              <a:rPr lang="en-US" dirty="0" smtClean="0"/>
-              <a:t> </a:t>
-            </a:r>
-            <a:r>
-              <a:rPr lang="en-US" dirty="0" err="1" smtClean="0"/>
-              <a:t>klasa</a:t>
-            </a:r>
-            <a:r>
-              <a:rPr lang="en-US" dirty="0" smtClean="0"/>
-              <a:t>, </a:t>
-            </a:r>
-            <a:r>
-              <a:rPr lang="en-US" dirty="0" err="1" smtClean="0"/>
-              <a:t>skice</a:t>
-            </a:r>
-            <a:r>
-              <a:rPr lang="en-US" dirty="0" smtClean="0"/>
-              <a:t>, </a:t>
-            </a:r>
-            <a:r>
-              <a:rPr lang="en-US" dirty="0" err="1" smtClean="0"/>
-              <a:t>dubinske</a:t>
-            </a:r>
-            <a:r>
-              <a:rPr lang="en-US" dirty="0" smtClean="0"/>
-              <a:t> </a:t>
-            </a:r>
-            <a:r>
-              <a:rPr lang="en-US" dirty="0" err="1" smtClean="0"/>
-              <a:t>mape</a:t>
-            </a:r>
-            <a:r>
-              <a:rPr lang="mr-IN" dirty="0" smtClean="0"/>
-              <a:t>…</a:t>
-            </a:r>
             <a:endParaRPr lang="hr-HR" dirty="0" smtClean="0"/>
           </a:p>
           <a:p>
-            <a:endParaRPr lang="en-US" dirty="0"/>
-          </a:p>
-        </p:txBody>
-      </p:sp>
-      <p:pic>
-        <p:nvPicPr>
-          <p:cNvPr id="4" name="Picture 3"/>
-          <p:cNvPicPr>
-            <a:picLocks noChangeAspect="1"/>
-          </p:cNvPicPr>
-          <p:nvPr/>
-        </p:nvPicPr>
-        <p:blipFill>
-          <a:blip r:embed="rId2">
-            <a:extLst>
-              <a:ext uri="{28A0092B-C50C-407E-A947-70E740481C1C}">
-                <a14:useLocalDpi xmlns:a14="http://schemas.microsoft.com/office/drawing/2010/main" val="0"/>
-              </a:ext>
-            </a:extLst>
-          </a:blip>
-          <a:stretch>
-            <a:fillRect/>
-          </a:stretch>
-        </p:blipFill>
-        <p:spPr>
-          <a:xfrm>
-            <a:off x="1759523" y="3221081"/>
-            <a:ext cx="8637913" cy="3171532"/>
-          </a:xfrm>
-          <a:prstGeom prst="rect">
-            <a:avLst/>
-          </a:prstGeom>
-        </p:spPr>
-      </p:pic>
-      <p:sp>
-        <p:nvSpPr>
-          <p:cNvPr id="5" name="TextBox 4"/>
-          <p:cNvSpPr txBox="1"/>
-          <p:nvPr/>
-        </p:nvSpPr>
-        <p:spPr>
-          <a:xfrm>
-            <a:off x="646111" y="6444688"/>
-            <a:ext cx="10864738" cy="338554"/>
-          </a:xfrm>
-          <a:prstGeom prst="rect">
-            <a:avLst/>
-          </a:prstGeom>
-          <a:noFill/>
-        </p:spPr>
-        <p:txBody>
-          <a:bodyPr wrap="square" rtlCol="0">
-            <a:spAutoFit/>
-          </a:bodyPr>
-          <a:lstStyle/>
-          <a:p>
-            <a:r>
-              <a:rPr lang="en-US" sz="1600" dirty="0" smtClean="0"/>
-              <a:t>Conditional </a:t>
-            </a:r>
-            <a:r>
-              <a:rPr lang="en-US" sz="1600" dirty="0"/>
-              <a:t>generative adversarial nets</a:t>
-            </a:r>
-            <a:r>
-              <a:rPr lang="en-US" sz="1600" dirty="0" smtClean="0"/>
-              <a:t>.  arXiv:1411.1784</a:t>
-            </a:r>
-            <a:r>
-              <a:rPr lang="en-US" sz="1600" dirty="0"/>
-              <a:t>, 2014.</a:t>
-            </a:r>
-            <a:endParaRPr lang="en-US" sz="1600" dirty="0"/>
+            <a:r>
+              <a:rPr lang="hr-HR" dirty="0" smtClean="0"/>
+              <a:t>Nedostatci:</a:t>
+            </a:r>
+          </a:p>
+          <a:p>
+            <a:pPr lvl="1"/>
+            <a:r>
+              <a:rPr lang="hr-HR" dirty="0" smtClean="0"/>
+              <a:t>Uzorkovani podatci puni anomalija</a:t>
+            </a:r>
+          </a:p>
+          <a:p>
+            <a:pPr lvl="1"/>
+            <a:endParaRPr lang="hr-HR" dirty="0"/>
+          </a:p>
+          <a:p>
+            <a:r>
+              <a:rPr lang="hr-HR" dirty="0" smtClean="0"/>
+              <a:t>Primjena:</a:t>
+            </a:r>
+          </a:p>
+          <a:p>
+            <a:pPr lvl="1"/>
+            <a:r>
+              <a:rPr lang="hr-HR" dirty="0" smtClean="0"/>
+              <a:t>Kompresija podataka, video igre</a:t>
+            </a:r>
           </a:p>
         </p:txBody>
       </p:sp>
     </p:spTree>
     <p:extLst>
       <p:ext uri="{BB962C8B-B14F-4D97-AF65-F5344CB8AC3E}">
-        <p14:creationId xmlns:p14="http://schemas.microsoft.com/office/powerpoint/2010/main" val="1743734005"/>
+        <p14:creationId xmlns:p14="http://schemas.microsoft.com/office/powerpoint/2010/main" val="464793620"/>
       </p:ext>
     </p:extLst>
   </p:cSld>
@@ -12595,47 +12402,215 @@
         </p:nvSpPr>
         <p:spPr>
           <a:xfrm>
-            <a:off x="1103312" y="2052918"/>
-            <a:ext cx="8946541" cy="3694739"/>
+            <a:off x="1103312" y="1853248"/>
+            <a:ext cx="8946541" cy="1380747"/>
           </a:xfrm>
         </p:spPr>
         <p:txBody>
-          <a:bodyPr/>
+          <a:bodyPr>
+            <a:normAutofit fontScale="92500"/>
+          </a:bodyPr>
           <a:lstStyle/>
           <a:p>
             <a:r>
-              <a:rPr lang="hr-HR" dirty="0" smtClean="0"/>
-              <a:t>Funkcija gubitka</a:t>
-            </a:r>
+              <a:rPr lang="en-US" dirty="0" err="1" smtClean="0"/>
+              <a:t>Nastale</a:t>
+            </a:r>
+            <a:r>
+              <a:rPr lang="en-US" dirty="0" smtClean="0"/>
+              <a:t> </a:t>
+            </a:r>
+            <a:r>
+              <a:rPr lang="en-US" dirty="0" err="1" smtClean="0"/>
+              <a:t>iz</a:t>
+            </a:r>
+            <a:r>
+              <a:rPr lang="en-US" dirty="0" smtClean="0"/>
+              <a:t> </a:t>
+            </a:r>
+            <a:r>
+              <a:rPr lang="en-US" dirty="0" err="1" smtClean="0"/>
+              <a:t>potrebe</a:t>
+            </a:r>
+            <a:r>
+              <a:rPr lang="en-US" dirty="0" smtClean="0"/>
+              <a:t> </a:t>
+            </a:r>
+            <a:r>
+              <a:rPr lang="en-US" dirty="0" err="1" smtClean="0"/>
+              <a:t>za</a:t>
+            </a:r>
+            <a:r>
+              <a:rPr lang="en-US" dirty="0" smtClean="0"/>
+              <a:t> </a:t>
+            </a:r>
+            <a:r>
+              <a:rPr lang="en-US" dirty="0" err="1" smtClean="0"/>
+              <a:t>većom</a:t>
+            </a:r>
+            <a:r>
+              <a:rPr lang="en-US" dirty="0" smtClean="0"/>
+              <a:t> </a:t>
+            </a:r>
+            <a:r>
+              <a:rPr lang="en-US" dirty="0" err="1" smtClean="0"/>
+              <a:t>kontrolom</a:t>
+            </a:r>
+            <a:r>
+              <a:rPr lang="en-US" dirty="0" smtClean="0"/>
+              <a:t> </a:t>
+            </a:r>
+            <a:r>
+              <a:rPr lang="en-US" dirty="0" err="1" smtClean="0"/>
+              <a:t>generativnog</a:t>
+            </a:r>
+            <a:r>
+              <a:rPr lang="en-US" dirty="0" smtClean="0"/>
+              <a:t> </a:t>
+            </a:r>
+            <a:r>
+              <a:rPr lang="en-US" dirty="0" err="1" smtClean="0"/>
+              <a:t>procesa</a:t>
+            </a:r>
+            <a:r>
+              <a:rPr lang="en-US" dirty="0" smtClean="0"/>
+              <a:t> </a:t>
+            </a:r>
+            <a:r>
+              <a:rPr lang="en-US" dirty="0" err="1" smtClean="0"/>
+              <a:t>GANova</a:t>
+            </a:r>
+            <a:endParaRPr lang="en-US" dirty="0" smtClean="0"/>
+          </a:p>
+          <a:p>
+            <a:r>
+              <a:rPr lang="en-US" dirty="0" err="1" smtClean="0"/>
+              <a:t>Ideja</a:t>
+            </a:r>
+            <a:r>
+              <a:rPr lang="en-US" dirty="0" smtClean="0"/>
+              <a:t>: </a:t>
+            </a:r>
+            <a:r>
+              <a:rPr lang="en-US" dirty="0" err="1" smtClean="0"/>
+              <a:t>postavljanje</a:t>
+            </a:r>
+            <a:r>
+              <a:rPr lang="en-US" dirty="0" smtClean="0"/>
+              <a:t> </a:t>
+            </a:r>
+            <a:r>
+              <a:rPr lang="en-US" dirty="0" err="1" smtClean="0"/>
+              <a:t>uvjeta</a:t>
+            </a:r>
+            <a:r>
+              <a:rPr lang="en-US" dirty="0" smtClean="0"/>
+              <a:t> </a:t>
+            </a:r>
+            <a:r>
+              <a:rPr lang="en-US" dirty="0" err="1" smtClean="0"/>
+              <a:t>na</a:t>
+            </a:r>
+            <a:r>
+              <a:rPr lang="en-US" dirty="0" smtClean="0"/>
+              <a:t> </a:t>
+            </a:r>
+            <a:r>
+              <a:rPr lang="en-US" dirty="0" err="1" smtClean="0"/>
+              <a:t>ulaz</a:t>
+            </a:r>
+            <a:r>
+              <a:rPr lang="en-US" dirty="0" smtClean="0"/>
+              <a:t> </a:t>
+            </a:r>
+            <a:r>
+              <a:rPr lang="en-US" dirty="0" err="1" smtClean="0"/>
+              <a:t>modela</a:t>
+            </a:r>
+            <a:endParaRPr lang="en-US" dirty="0" smtClean="0"/>
           </a:p>
           <a:p>
             <a:pPr lvl="1"/>
             <a:r>
-              <a:rPr lang="hr-HR" dirty="0" smtClean="0"/>
-              <a:t>Obični GAN - jesu li generirani podatci različiti od stvarnih</a:t>
-            </a:r>
-          </a:p>
-          <a:p>
-            <a:pPr lvl="1"/>
-            <a:r>
-              <a:rPr lang="hr-HR" dirty="0" smtClean="0"/>
-              <a:t>Uvjetovani GAN </a:t>
+              <a:rPr lang="en-US" dirty="0" err="1" smtClean="0"/>
+              <a:t>Oznake</a:t>
+            </a:r>
+            <a:r>
+              <a:rPr lang="en-US" dirty="0" smtClean="0"/>
+              <a:t> </a:t>
+            </a:r>
+            <a:r>
+              <a:rPr lang="en-US" dirty="0" err="1" smtClean="0"/>
+              <a:t>klasa</a:t>
+            </a:r>
+            <a:r>
+              <a:rPr lang="en-US" dirty="0" smtClean="0"/>
+              <a:t>, </a:t>
+            </a:r>
+            <a:r>
+              <a:rPr lang="en-US" dirty="0" err="1" smtClean="0"/>
+              <a:t>skice</a:t>
+            </a:r>
+            <a:r>
+              <a:rPr lang="en-US" dirty="0" smtClean="0"/>
+              <a:t>, </a:t>
+            </a:r>
+            <a:r>
+              <a:rPr lang="en-US" dirty="0" err="1" smtClean="0"/>
+              <a:t>dubinske</a:t>
+            </a:r>
+            <a:r>
+              <a:rPr lang="en-US" dirty="0" smtClean="0"/>
+              <a:t> </a:t>
+            </a:r>
+            <a:r>
+              <a:rPr lang="en-US" dirty="0" err="1" smtClean="0"/>
+              <a:t>mape</a:t>
             </a:r>
             <a:r>
               <a:rPr lang="mr-IN" dirty="0" smtClean="0"/>
-              <a:t>–</a:t>
-            </a:r>
-            <a:r>
-              <a:rPr lang="hr-HR" dirty="0" smtClean="0"/>
-              <a:t> dodatno pokušavaju svrstati podatke u klase</a:t>
-            </a:r>
+              <a:t>…</a:t>
+            </a:r>
+            <a:endParaRPr lang="hr-HR" dirty="0" smtClean="0"/>
+          </a:p>
+          <a:p>
             <a:endParaRPr lang="en-US" dirty="0"/>
           </a:p>
         </p:txBody>
       </p:sp>
-      <p:sp>
-        <p:nvSpPr>
-          <p:cNvPr id="4" name="TextBox 3"/>
+      <p:pic>
+        <p:nvPicPr>
+          <p:cNvPr id="4" name="Picture 3"/>
+          <p:cNvPicPr>
+            <a:picLocks noChangeAspect="1"/>
+          </p:cNvPicPr>
+          <p:nvPr/>
+        </p:nvPicPr>
+        <p:blipFill>
+          <a:blip r:embed="rId2">
+            <a:extLst>
+              <a:ext uri="{28A0092B-C50C-407E-A947-70E740481C1C}">
+                <a14:useLocalDpi xmlns:a14="http://schemas.microsoft.com/office/drawing/2010/main" val="0"/>
+              </a:ext>
+            </a:extLst>
+          </a:blip>
+          <a:stretch>
+            <a:fillRect/>
+          </a:stretch>
+        </p:blipFill>
+        <p:spPr>
+          <a:xfrm>
+            <a:off x="1759523" y="3221081"/>
+            <a:ext cx="8637913" cy="3171532"/>
+          </a:xfrm>
+          <a:prstGeom prst="rect">
+            <a:avLst/>
+          </a:prstGeom>
+        </p:spPr>
+      </p:pic>
+      <p:sp>
+        <p:nvSpPr>
+          <p:cNvPr id="5" name="TextBox 4"/>
           <p:cNvSpPr txBox="1"/>
           <p:nvPr/>
         </p:nvSpPr>
@@ -12678,7 +12653,7 @@
     </p:spTree>
     <p:extLst>
       <p:ext uri="{BB962C8B-B14F-4D97-AF65-F5344CB8AC3E}">
-        <p14:creationId xmlns:p14="http://schemas.microsoft.com/office/powerpoint/2010/main" val="2139513934"/>
+        <p14:creationId xmlns:p14="http://schemas.microsoft.com/office/powerpoint/2010/main" val="1743734005"/>
       </p:ext>
     </p:extLst>
   </p:cSld>

--- a/kvukic-seminar-presentation-2018.pptx
+++ b/kvukic-seminar-presentation-2018.pptx
@@ -6257,7 +6257,7 @@
           <a:p>
             <a:r>
               <a:rPr lang="en-US" dirty="0" err="1" smtClean="0"/>
-              <a:t>Uvjetne</a:t>
+              <a:t>Uvjetovane</a:t>
             </a:r>
             <a:r>
               <a:rPr lang="en-US" dirty="0" smtClean="0"/>
@@ -8069,7 +8069,11 @@
           <a:p>
             <a:r>
               <a:rPr lang="hr-HR" dirty="0"/>
-              <a:t>Standardni gubitak GANa</a:t>
+              <a:t>Standardni gubitak </a:t>
+            </a:r>
+            <a:r>
+              <a:rPr lang="hr-HR" dirty="0" smtClean="0"/>
+              <a:t>GAN-a</a:t>
             </a:r>
             <a:r>
               <a:rPr lang="hr-HR" dirty="0" smtClean="0"/>
@@ -8097,7 +8101,19 @@
           <a:p>
             <a:r>
               <a:rPr lang="hr-HR" dirty="0" smtClean="0"/>
-              <a:t>Gubitak CycleGANa: </a:t>
+              <a:t>Gubitak </a:t>
+            </a:r>
+            <a:r>
+              <a:rPr lang="hr-HR" dirty="0" err="1" smtClean="0"/>
+              <a:t>CycleGAN</a:t>
+            </a:r>
+            <a:r>
+              <a:rPr lang="hr-HR" dirty="0" smtClean="0"/>
+              <a:t>-a</a:t>
+            </a:r>
+            <a:r>
+              <a:rPr lang="hr-HR" dirty="0" smtClean="0"/>
+              <a:t>: </a:t>
             </a:r>
           </a:p>
           <a:p>
@@ -8710,6 +8726,17 @@
           <a:lstStyle/>
           <a:p>
             <a:r>
+              <a:rPr lang="en-US" dirty="0" err="1" smtClean="0"/>
+              <a:t>Pretpostavka</a:t>
+            </a:r>
+            <a:r>
+              <a:rPr lang="en-US" dirty="0" smtClean="0"/>
+              <a:t>:</a:t>
+            </a:r>
+          </a:p>
+          <a:p>
+            <a:pPr lvl="1"/>
+            <a:r>
               <a:rPr lang="en-US" dirty="0" smtClean="0"/>
               <a:t>I</a:t>
             </a:r>
@@ -8722,6 +8749,13 @@
             <a:endParaRPr lang="hr-HR" dirty="0" smtClean="0"/>
           </a:p>
           <a:p>
+            <a:r>
+              <a:rPr lang="hr-HR" dirty="0" smtClean="0"/>
+              <a:t>Problem:</a:t>
+            </a:r>
+          </a:p>
+          <a:p>
+            <a:pPr lvl="1"/>
             <a:r>
               <a:rPr lang="hr-HR" dirty="0" smtClean="0"/>
               <a:t>Združenih </a:t>
@@ -9126,19 +9160,19 @@
           <a:p>
             <a:pPr lvl="1"/>
             <a:r>
-              <a:rPr lang="en-US" dirty="0" err="1" smtClean="0"/>
-              <a:t>Uvjetne</a:t>
-            </a:r>
-            <a:r>
-              <a:rPr lang="en-US" dirty="0" smtClean="0"/>
-              <a:t> </a:t>
-            </a:r>
-            <a:r>
-              <a:rPr lang="en-US" dirty="0" err="1" smtClean="0"/>
+              <a:rPr lang="en-US" dirty="0" err="1"/>
+              <a:t>Uvjetovane</a:t>
+            </a:r>
+            <a:r>
+              <a:rPr lang="en-US" dirty="0"/>
+              <a:t> </a:t>
+            </a:r>
+            <a:r>
+              <a:rPr lang="en-US" dirty="0" err="1"/>
               <a:t>generativne</a:t>
             </a:r>
             <a:r>
-              <a:rPr lang="en-US" dirty="0" smtClean="0"/>
+              <a:rPr lang="en-US" dirty="0"/>
               <a:t> </a:t>
             </a:r>
             <a:r>
@@ -9310,15 +9344,28 @@
             <a:pPr lvl="1"/>
             <a:r>
               <a:rPr lang="hr-HR" dirty="0" smtClean="0"/>
-              <a:t>GAN stvara latentni prostor</a:t>
+              <a:t>VAE stvara </a:t>
+            </a:r>
+            <a:r>
+              <a:rPr lang="hr-HR" dirty="0" smtClean="0"/>
+              <a:t>latentni prostor</a:t>
             </a:r>
           </a:p>
           <a:p>
             <a:pPr lvl="1"/>
             <a:r>
               <a:rPr lang="hr-HR" dirty="0" smtClean="0"/>
-              <a:t>VAE određuje relacije između domena</a:t>
-            </a:r>
+              <a:t>GAN </a:t>
+            </a:r>
+            <a:r>
+              <a:rPr lang="hr-HR" dirty="0" err="1" smtClean="0"/>
+              <a:t>mapira</a:t>
+            </a:r>
+            <a:r>
+              <a:rPr lang="hr-HR" dirty="0" smtClean="0"/>
+              <a:t> latentni prostor u prostor slika</a:t>
+            </a:r>
+            <a:endParaRPr lang="hr-HR" dirty="0" smtClean="0"/>
           </a:p>
           <a:p>
             <a:pPr marL="457200" lvl="1" indent="0">
@@ -9328,9 +9375,55 @@
           </a:p>
         </p:txBody>
       </p:sp>
+      <p:sp>
+        <p:nvSpPr>
+          <p:cNvPr id="6" name="TextBox 5"/>
+          <p:cNvSpPr txBox="1"/>
+          <p:nvPr/>
+        </p:nvSpPr>
+        <p:spPr>
+          <a:xfrm>
+            <a:off x="646111" y="6444688"/>
+            <a:ext cx="10864738" cy="338554"/>
+          </a:xfrm>
+          <a:prstGeom prst="rect">
+            <a:avLst/>
+          </a:prstGeom>
+          <a:noFill/>
+        </p:spPr>
+        <p:txBody>
+          <a:bodyPr wrap="square" rtlCol="0">
+            <a:spAutoFit/>
+          </a:bodyPr>
+          <a:lstStyle/>
+          <a:p>
+            <a:r>
+              <a:rPr lang="en-US" sz="1600" dirty="0"/>
+              <a:t>Unsupervised image-to-image</a:t>
+            </a:r>
+            <a:r>
+              <a:rPr lang="hr-HR" sz="1600" dirty="0"/>
+              <a:t> </a:t>
+            </a:r>
+            <a:r>
+              <a:rPr lang="en-US" sz="1600" dirty="0"/>
+              <a:t>translation networks.</a:t>
+            </a:r>
+            <a:r>
+              <a:rPr lang="is-IS" sz="1600" dirty="0"/>
+              <a:t> arXiv:1703.00848,</a:t>
+            </a:r>
+            <a:r>
+              <a:rPr lang="en-US" sz="1600" dirty="0"/>
+              <a:t> 2017.</a:t>
+            </a:r>
+            <a:endParaRPr lang="en-US" sz="1600" dirty="0"/>
+          </a:p>
+        </p:txBody>
+      </p:sp>
       <p:pic>
         <p:nvPicPr>
-          <p:cNvPr id="4" name="Picture 3"/>
+          <p:cNvPr id="5" name="Picture 4"/>
           <p:cNvPicPr>
             <a:picLocks noChangeAspect="1"/>
           </p:cNvPicPr>
@@ -9350,60 +9443,38 @@
         </p:blipFill>
         <p:spPr>
           <a:xfrm>
-            <a:off x="1303730" y="3440587"/>
-            <a:ext cx="9456128" cy="3007482"/>
+            <a:off x="5457614" y="3929606"/>
+            <a:ext cx="4592239" cy="2062120"/>
           </a:xfrm>
           <a:prstGeom prst="rect">
             <a:avLst/>
           </a:prstGeom>
         </p:spPr>
       </p:pic>
-      <p:sp>
-        <p:nvSpPr>
-          <p:cNvPr id="6" name="TextBox 5"/>
-          <p:cNvSpPr txBox="1"/>
+      <p:pic>
+        <p:nvPicPr>
+          <p:cNvPr id="7" name="Picture 6"/>
+          <p:cNvPicPr>
+            <a:picLocks noChangeAspect="1"/>
+          </p:cNvPicPr>
           <p:nvPr/>
-        </p:nvSpPr>
+        </p:nvPicPr>
+        <p:blipFill>
+          <a:blip r:embed="rId3"/>
+          <a:stretch>
+            <a:fillRect/>
+          </a:stretch>
+        </p:blipFill>
         <p:spPr>
           <a:xfrm>
-            <a:off x="646111" y="6444688"/>
-            <a:ext cx="10864738" cy="338554"/>
+            <a:off x="1435100" y="3721099"/>
+            <a:ext cx="3378200" cy="2527300"/>
           </a:xfrm>
           <a:prstGeom prst="rect">
             <a:avLst/>
           </a:prstGeom>
-          <a:noFill/>
         </p:spPr>
-        <p:txBody>
-          <a:bodyPr wrap="square" rtlCol="0">
-            <a:spAutoFit/>
-          </a:bodyPr>
-          <a:lstStyle/>
-          <a:p>
-            <a:r>
-              <a:rPr lang="en-US" sz="1600" dirty="0"/>
-              <a:t>Unsupervised image-to-image</a:t>
-            </a:r>
-            <a:r>
-              <a:rPr lang="hr-HR" sz="1600" dirty="0"/>
-              <a:t> </a:t>
-            </a:r>
-            <a:r>
-              <a:rPr lang="en-US" sz="1600" dirty="0"/>
-              <a:t>translation networks.</a:t>
-            </a:r>
-            <a:r>
-              <a:rPr lang="is-IS" sz="1600" dirty="0"/>
-              <a:t> arXiv:1703.00848,</a:t>
-            </a:r>
-            <a:r>
-              <a:rPr lang="en-US" sz="1600" dirty="0"/>
-              <a:t> 2017.</a:t>
-            </a:r>
-            <a:endParaRPr lang="en-US" sz="1600" dirty="0"/>
-          </a:p>
-        </p:txBody>
-      </p:sp>
+      </p:pic>
     </p:spTree>
     <p:extLst>
       <p:ext uri="{BB962C8B-B14F-4D97-AF65-F5344CB8AC3E}">
@@ -10232,12 +10303,8 @@
           <a:lstStyle/>
           <a:p>
             <a:r>
-              <a:rPr lang="en-US" dirty="0" err="1" smtClean="0"/>
-              <a:t>Osnovni</a:t>
-            </a:r>
-            <a:r>
-              <a:rPr lang="en-US" dirty="0" smtClean="0"/>
-              <a:t> GAN-</a:t>
+              <a:rPr lang="en-US" dirty="0" smtClean="0"/>
+              <a:t>GAN-</a:t>
             </a:r>
             <a:r>
               <a:rPr lang="en-US" dirty="0" err="1" smtClean="0"/>
@@ -10320,47 +10387,31 @@
             <a:pPr lvl="1"/>
             <a:r>
               <a:rPr lang="en-US" dirty="0" err="1" smtClean="0"/>
-              <a:t>Mreža</a:t>
-            </a:r>
-            <a:r>
-              <a:rPr lang="en-US" dirty="0" smtClean="0"/>
-              <a:t> </a:t>
-            </a:r>
-            <a:r>
-              <a:rPr lang="en-US" dirty="0" err="1" smtClean="0"/>
-              <a:t>samostalno</a:t>
-            </a:r>
-            <a:r>
-              <a:rPr lang="en-US" dirty="0" smtClean="0"/>
-              <a:t> </a:t>
-            </a:r>
-            <a:r>
-              <a:rPr lang="en-US" dirty="0" err="1" smtClean="0"/>
-              <a:t>može</a:t>
-            </a:r>
-            <a:r>
-              <a:rPr lang="en-US" dirty="0" smtClean="0"/>
-              <a:t> </a:t>
-            </a:r>
-            <a:r>
-              <a:rPr lang="en-US" dirty="0" err="1" smtClean="0"/>
-              <a:t>naučiti</a:t>
-            </a:r>
-            <a:r>
-              <a:rPr lang="en-US" dirty="0" smtClean="0"/>
-              <a:t> </a:t>
-            </a:r>
-            <a:r>
-              <a:rPr lang="en-US" dirty="0" err="1" smtClean="0"/>
-              <a:t>funkciju</a:t>
-            </a:r>
-            <a:r>
-              <a:rPr lang="en-US" dirty="0" smtClean="0"/>
-              <a:t> </a:t>
-            </a:r>
-            <a:r>
-              <a:rPr lang="en-US" dirty="0" err="1" smtClean="0"/>
-              <a:t>gubitka</a:t>
+              <a:t>Omogućuje</a:t>
+            </a:r>
+            <a:r>
+              <a:rPr lang="en-US" dirty="0" smtClean="0"/>
+              <a:t> </a:t>
+            </a:r>
+            <a:r>
+              <a:rPr lang="en-US" dirty="0" err="1" smtClean="0"/>
+              <a:t>kontrolu</a:t>
+            </a:r>
+            <a:r>
+              <a:rPr lang="en-US" dirty="0" smtClean="0"/>
+              <a:t> </a:t>
+            </a:r>
+            <a:r>
+              <a:rPr lang="en-US" dirty="0" err="1" smtClean="0"/>
+              <a:t>generativnog</a:t>
+            </a:r>
+            <a:r>
+              <a:rPr lang="en-US" dirty="0" smtClean="0"/>
+              <a:t> </a:t>
+            </a:r>
+            <a:r>
+              <a:rPr lang="en-US" dirty="0" err="1" smtClean="0"/>
+              <a:t>procesa</a:t>
             </a:r>
             <a:endParaRPr lang="en-US" dirty="0" smtClean="0"/>
           </a:p>
@@ -10368,79 +10419,23 @@
             <a:pPr lvl="1"/>
             <a:r>
               <a:rPr lang="en-US" dirty="0" err="1" smtClean="0"/>
-              <a:t>Uklanja</a:t>
-            </a:r>
-            <a:r>
-              <a:rPr lang="en-US" dirty="0" smtClean="0"/>
-              <a:t> </a:t>
-            </a:r>
-            <a:r>
-              <a:rPr lang="en-US" dirty="0" err="1" smtClean="0"/>
-              <a:t>potrebu</a:t>
-            </a:r>
-            <a:r>
-              <a:rPr lang="en-US" dirty="0" smtClean="0"/>
-              <a:t> </a:t>
-            </a:r>
-            <a:r>
-              <a:rPr lang="en-US" dirty="0" err="1" smtClean="0"/>
-              <a:t>za</a:t>
-            </a:r>
-            <a:r>
-              <a:rPr lang="en-US" dirty="0" smtClean="0"/>
-              <a:t> </a:t>
-            </a:r>
-            <a:r>
-              <a:rPr lang="en-US" dirty="0" err="1" smtClean="0"/>
-              <a:t>inženjerskim</a:t>
-            </a:r>
-            <a:r>
-              <a:rPr lang="en-US" dirty="0" smtClean="0"/>
-              <a:t> </a:t>
-            </a:r>
-            <a:r>
-              <a:rPr lang="en-US" dirty="0" err="1" smtClean="0"/>
-              <a:t>radom</a:t>
-            </a:r>
-            <a:r>
-              <a:rPr lang="en-US" dirty="0" smtClean="0"/>
-              <a:t> </a:t>
-            </a:r>
-            <a:r>
-              <a:rPr lang="mr-IN" dirty="0" smtClean="0"/>
-              <a:t>–</a:t>
-            </a:r>
-            <a:r>
-              <a:rPr lang="en-US" dirty="0" smtClean="0"/>
-              <a:t> </a:t>
-            </a:r>
-            <a:r>
-              <a:rPr lang="en-US" dirty="0" err="1" smtClean="0"/>
-              <a:t>korak</a:t>
-            </a:r>
-            <a:r>
-              <a:rPr lang="en-US" dirty="0" smtClean="0"/>
-              <a:t> </a:t>
-            </a:r>
-            <a:r>
-              <a:rPr lang="en-US" dirty="0" err="1" smtClean="0"/>
-              <a:t>prema</a:t>
-            </a:r>
-            <a:r>
-              <a:rPr lang="en-US" dirty="0" smtClean="0"/>
-              <a:t> </a:t>
-            </a:r>
-            <a:r>
-              <a:rPr lang="en-US" dirty="0" err="1" smtClean="0"/>
-              <a:t>široj</a:t>
-            </a:r>
-            <a:r>
-              <a:rPr lang="en-US" dirty="0" smtClean="0"/>
-              <a:t> </a:t>
-            </a:r>
-            <a:r>
-              <a:rPr lang="en-US" dirty="0" err="1" smtClean="0"/>
-              <a:t>adaptaciji</a:t>
+              <a:t>Zahtijeva</a:t>
+            </a:r>
+            <a:r>
+              <a:rPr lang="en-US" dirty="0" smtClean="0"/>
+              <a:t> </a:t>
+            </a:r>
+            <a:r>
+              <a:rPr lang="en-US" dirty="0" err="1" smtClean="0"/>
+              <a:t>označene</a:t>
+            </a:r>
+            <a:r>
+              <a:rPr lang="en-US" dirty="0" smtClean="0"/>
+              <a:t> </a:t>
+            </a:r>
+            <a:r>
+              <a:rPr lang="en-US" dirty="0" err="1" smtClean="0"/>
+              <a:t>podatke</a:t>
             </a:r>
             <a:endParaRPr lang="en-US" dirty="0" smtClean="0"/>
           </a:p>
@@ -10538,70 +10533,209 @@
             </a:r>
             <a:r>
               <a:rPr lang="hr-HR" dirty="0" smtClean="0"/>
-              <a:t> usporedni s nadziranim modelima</a:t>
+              <a:t> usporedni s nadziranim </a:t>
+            </a:r>
+            <a:r>
+              <a:rPr lang="hr-HR" dirty="0" smtClean="0"/>
+              <a:t>modelima</a:t>
             </a:r>
           </a:p>
           <a:p>
             <a:pPr lvl="1"/>
             <a:r>
-              <a:rPr lang="en-US" dirty="0" smtClean="0"/>
-              <a:t>V</a:t>
+              <a:rPr lang="hr-HR" dirty="0" smtClean="0"/>
+              <a:t>Omogućuje dvosmjernu translaciju</a:t>
+            </a:r>
+            <a:endParaRPr lang="hr-HR" dirty="0" smtClean="0"/>
+          </a:p>
+          <a:p>
+            <a:pPr lvl="1"/>
+            <a:r>
+              <a:rPr lang="en-US" dirty="0" err="1" smtClean="0"/>
+              <a:t>Moguć</a:t>
+            </a:r>
+            <a:r>
+              <a:rPr lang="en-US" dirty="0" smtClean="0"/>
+              <a:t> </a:t>
+            </a:r>
+            <a:r>
+              <a:rPr lang="en-US" dirty="0" err="1" smtClean="0"/>
+              <a:t>prijenos</a:t>
+            </a:r>
+            <a:r>
+              <a:rPr lang="en-US" dirty="0" smtClean="0"/>
+              <a:t> </a:t>
+            </a:r>
+            <a:r>
+              <a:rPr lang="en-US" dirty="0" err="1" smtClean="0"/>
+              <a:t>stila</a:t>
+            </a:r>
+            <a:r>
+              <a:rPr lang="en-US" dirty="0" smtClean="0"/>
+              <a:t> </a:t>
+            </a:r>
+            <a:r>
+              <a:rPr lang="en-US" dirty="0" err="1" smtClean="0"/>
+              <a:t>cijelih</a:t>
+            </a:r>
+            <a:r>
+              <a:rPr lang="en-US" dirty="0" smtClean="0"/>
+              <a:t> </a:t>
+            </a:r>
+            <a:r>
+              <a:rPr lang="en-US" dirty="0" err="1" smtClean="0"/>
+              <a:t>kolekcija</a:t>
+            </a:r>
+            <a:endParaRPr lang="en-US" dirty="0" smtClean="0"/>
+          </a:p>
+          <a:p>
+            <a:pPr lvl="1"/>
+            <a:r>
+              <a:rPr lang="en-US" dirty="0" err="1" smtClean="0"/>
+              <a:t>Realističan</a:t>
+            </a:r>
+            <a:r>
+              <a:rPr lang="en-US" dirty="0" smtClean="0"/>
+              <a:t> </a:t>
+            </a:r>
+            <a:r>
+              <a:rPr lang="en-US" dirty="0" err="1" smtClean="0"/>
+              <a:t>izlaz</a:t>
+            </a:r>
+            <a:r>
+              <a:rPr lang="en-US" dirty="0" smtClean="0"/>
+              <a:t> </a:t>
+            </a:r>
+            <a:r>
+              <a:rPr lang="en-US" dirty="0" err="1" smtClean="0"/>
+              <a:t>i</a:t>
+            </a:r>
+            <a:r>
+              <a:rPr lang="en-US" dirty="0" smtClean="0"/>
+              <a:t> </a:t>
+            </a:r>
+            <a:r>
+              <a:rPr lang="en-US" dirty="0" err="1" smtClean="0"/>
+              <a:t>kod</a:t>
+            </a:r>
+            <a:r>
+              <a:rPr lang="en-US" dirty="0" smtClean="0"/>
+              <a:t> </a:t>
+            </a:r>
+            <a:r>
+              <a:rPr lang="en-US" dirty="0" err="1" smtClean="0"/>
+              <a:t>vrlo</a:t>
+            </a:r>
+            <a:r>
+              <a:rPr lang="en-US" dirty="0" smtClean="0"/>
+              <a:t> </a:t>
+            </a:r>
+            <a:r>
+              <a:rPr lang="en-US" dirty="0" err="1" smtClean="0"/>
+              <a:t>različitih</a:t>
+            </a:r>
+            <a:r>
+              <a:rPr lang="en-US" dirty="0" smtClean="0"/>
+              <a:t> </a:t>
+            </a:r>
+            <a:r>
+              <a:rPr lang="en-US" dirty="0" err="1" smtClean="0"/>
+              <a:t>podataka</a:t>
+            </a:r>
+            <a:r>
+              <a:rPr lang="en-US" dirty="0" smtClean="0"/>
+              <a:t> </a:t>
+            </a:r>
+          </a:p>
+          <a:p>
+            <a:pPr lvl="2"/>
+            <a:r>
+              <a:rPr lang="en-US" dirty="0" err="1" smtClean="0"/>
+              <a:t>Npr</a:t>
+            </a:r>
+            <a:r>
+              <a:rPr lang="en-US" dirty="0" smtClean="0"/>
+              <a:t>. </a:t>
+            </a:r>
+            <a:r>
+              <a:rPr lang="en-US" dirty="0" err="1" smtClean="0"/>
+              <a:t>skica</a:t>
+            </a:r>
+            <a:r>
+              <a:rPr lang="en-US" dirty="0" smtClean="0"/>
+              <a:t> </a:t>
+            </a:r>
+            <a:r>
+              <a:rPr lang="en-US" dirty="0" err="1" smtClean="0"/>
+              <a:t>mape</a:t>
+            </a:r>
+            <a:r>
+              <a:rPr lang="en-US" dirty="0" smtClean="0"/>
+              <a:t> -&gt; </a:t>
+            </a:r>
+            <a:r>
+              <a:rPr lang="en-US" dirty="0" err="1" smtClean="0"/>
+              <a:t>slika</a:t>
+            </a:r>
+            <a:r>
+              <a:rPr lang="en-US" dirty="0" smtClean="0"/>
+              <a:t> </a:t>
+            </a:r>
+            <a:r>
+              <a:rPr lang="en-US" dirty="0" err="1" smtClean="0"/>
+              <a:t>iz</a:t>
+            </a:r>
+            <a:r>
+              <a:rPr lang="en-US" dirty="0" smtClean="0"/>
+              <a:t> </a:t>
+            </a:r>
+            <a:r>
+              <a:rPr lang="en-US" dirty="0" err="1" smtClean="0"/>
+              <a:t>zraka</a:t>
+            </a:r>
+            <a:endParaRPr lang="en-US" dirty="0" smtClean="0"/>
+          </a:p>
+          <a:p>
+            <a:pPr lvl="1"/>
+            <a:r>
+              <a:rPr lang="hr-HR" dirty="0" smtClean="0"/>
+              <a:t>Zakazuju kod nestrukturiranih </a:t>
+            </a:r>
+            <a:r>
+              <a:rPr lang="hr-HR" dirty="0" smtClean="0"/>
+              <a:t>podataka</a:t>
+            </a:r>
+          </a:p>
+          <a:p>
+            <a:pPr lvl="2"/>
+            <a:r>
+              <a:rPr lang="en-US" dirty="0" smtClean="0"/>
+              <a:t>N</a:t>
+            </a:r>
+            <a:r>
+              <a:rPr lang="hr-HR" dirty="0" smtClean="0"/>
+              <a:t>pr. </a:t>
+            </a:r>
+            <a:r>
+              <a:rPr lang="en-US" dirty="0" smtClean="0"/>
+              <a:t>d</a:t>
             </a:r>
             <a:r>
               <a:rPr lang="hr-HR" dirty="0" err="1" smtClean="0"/>
-              <a:t>rlo</a:t>
+              <a:t>rvo</a:t>
             </a:r>
             <a:r>
               <a:rPr lang="hr-HR" dirty="0" smtClean="0"/>
-              <a:t> svestrani</a:t>
+              <a:t> ispred zgrade</a:t>
             </a:r>
           </a:p>
           <a:p>
             <a:pPr lvl="1"/>
             <a:r>
-              <a:rPr lang="en-US" dirty="0" err="1" smtClean="0"/>
-              <a:t>Moguć</a:t>
-            </a:r>
-            <a:r>
-              <a:rPr lang="en-US" dirty="0" smtClean="0"/>
-              <a:t> </a:t>
-            </a:r>
-            <a:r>
-              <a:rPr lang="en-US" dirty="0" err="1" smtClean="0"/>
-              <a:t>prijenos</a:t>
-            </a:r>
-            <a:r>
-              <a:rPr lang="en-US" dirty="0" smtClean="0"/>
-              <a:t> </a:t>
-            </a:r>
-            <a:r>
-              <a:rPr lang="en-US" dirty="0" err="1" smtClean="0"/>
-              <a:t>stila</a:t>
-            </a:r>
-            <a:r>
-              <a:rPr lang="en-US" dirty="0" smtClean="0"/>
-              <a:t> </a:t>
-            </a:r>
-            <a:r>
-              <a:rPr lang="en-US" dirty="0" err="1" smtClean="0"/>
-              <a:t>cijelih</a:t>
-            </a:r>
-            <a:r>
-              <a:rPr lang="en-US" dirty="0" smtClean="0"/>
-              <a:t> </a:t>
-            </a:r>
-            <a:r>
-              <a:rPr lang="en-US" dirty="0" err="1" smtClean="0"/>
-              <a:t>kolekcija</a:t>
-            </a:r>
-            <a:endParaRPr lang="en-US" dirty="0" smtClean="0"/>
-          </a:p>
-          <a:p>
-            <a:pPr lvl="1"/>
-            <a:r>
               <a:rPr lang="hr-HR" dirty="0" smtClean="0"/>
-              <a:t>Zakazuju kod nestrukturiranih podataka</a:t>
-            </a:r>
+              <a:t>Dobar kod izmjene stila, loš kod izmjene strukture</a:t>
+            </a:r>
+            <a:endParaRPr lang="hr-HR" dirty="0" smtClean="0"/>
           </a:p>
           <a:p>
             <a:pPr marL="457200" lvl="1" indent="0">
@@ -10706,12 +10840,12 @@
               <a:t> na ideje kružnih </a:t>
             </a:r>
             <a:r>
-              <a:rPr lang="hr-HR" dirty="0" err="1" smtClean="0"/>
-              <a:t>GANova</a:t>
-            </a:r>
-            <a:r>
               <a:rPr lang="hr-HR" dirty="0" smtClean="0"/>
-              <a:t> i UNIT modela</a:t>
+              <a:t>GAN-ova </a:t>
+            </a:r>
+            <a:r>
+              <a:rPr lang="hr-HR" dirty="0" smtClean="0"/>
+              <a:t>i UNIT modela</a:t>
             </a:r>
           </a:p>
           <a:p>
@@ -10744,8 +10878,13 @@
             </a:r>
             <a:r>
               <a:rPr lang="hr-HR" dirty="0" smtClean="0"/>
-              <a:t> latentnog prostora na sadržajni i stilistički omogućuje visoku preciznost</a:t>
-            </a:r>
+              <a:t> latentnog prostora na sadržajni i stilistički omogućuje visoku </a:t>
+            </a:r>
+            <a:r>
+              <a:rPr lang="hr-HR" dirty="0" smtClean="0"/>
+              <a:t>preciznost generacije</a:t>
+            </a:r>
+            <a:endParaRPr lang="hr-HR" dirty="0" smtClean="0"/>
           </a:p>
           <a:p>
             <a:pPr lvl="1"/>
@@ -12367,19 +12506,19 @@
           <a:lstStyle/>
           <a:p>
             <a:r>
-              <a:rPr lang="en-US" dirty="0" err="1" smtClean="0"/>
-              <a:t>Uvjetne</a:t>
-            </a:r>
-            <a:r>
-              <a:rPr lang="en-US" dirty="0" smtClean="0"/>
-              <a:t> </a:t>
-            </a:r>
-            <a:r>
-              <a:rPr lang="en-US" dirty="0" err="1" smtClean="0"/>
+              <a:rPr lang="en-US" dirty="0" err="1"/>
+              <a:t>Uvjetovane</a:t>
+            </a:r>
+            <a:r>
+              <a:rPr lang="en-US" dirty="0"/>
+              <a:t> </a:t>
+            </a:r>
+            <a:r>
+              <a:rPr lang="en-US" dirty="0" err="1"/>
               <a:t>generativne</a:t>
             </a:r>
             <a:r>
-              <a:rPr lang="en-US" dirty="0" smtClean="0"/>
+              <a:rPr lang="en-US" dirty="0"/>
               <a:t> </a:t>
             </a:r>
             <a:r>

--- a/kvukic-seminar-presentation-2018.pptx
+++ b/kvukic-seminar-presentation-2018.pptx
@@ -9529,27 +9529,23 @@
           <a:p>
             <a:r>
               <a:rPr lang="en-US" dirty="0" err="1" smtClean="0"/>
-              <a:t>Multimodalna</a:t>
-            </a:r>
-            <a:r>
-              <a:rPr lang="en-US" dirty="0" smtClean="0"/>
-              <a:t> </a:t>
-            </a:r>
-            <a:r>
-              <a:rPr lang="en-US" dirty="0" err="1" smtClean="0"/>
-              <a:t>nenadzirana</a:t>
-            </a:r>
-            <a:r>
-              <a:rPr lang="en-US" dirty="0" smtClean="0"/>
-              <a:t> </a:t>
-            </a:r>
-            <a:r>
-              <a:rPr lang="en-US" dirty="0" err="1" smtClean="0"/>
-              <a:t>translacija</a:t>
-            </a:r>
-            <a:r>
-              <a:rPr lang="en-US" dirty="0" smtClean="0"/>
-              <a:t> (MUNIT)</a:t>
+              <a:t>Problemi</a:t>
+            </a:r>
+            <a:r>
+              <a:rPr lang="en-US" dirty="0" smtClean="0"/>
+              <a:t> </a:t>
+            </a:r>
+            <a:r>
+              <a:rPr lang="en-US" dirty="0" err="1" smtClean="0"/>
+              <a:t>navedenih</a:t>
+            </a:r>
+            <a:r>
+              <a:rPr lang="en-US" dirty="0" smtClean="0"/>
+              <a:t> </a:t>
+            </a:r>
+            <a:r>
+              <a:rPr lang="en-US" dirty="0" err="1" smtClean="0"/>
+              <a:t>modela</a:t>
             </a:r>
             <a:endParaRPr lang="en-US" dirty="0"/>
           </a:p>
@@ -9571,8 +9567,16 @@
           <a:lstStyle/>
           <a:p>
             <a:r>
+              <a:rPr lang="hr-HR" dirty="0"/>
+              <a:t>N</a:t>
+            </a:r>
+            <a:r>
               <a:rPr lang="hr-HR" dirty="0" smtClean="0"/>
-              <a:t>Modeli prethodnih poglavlja nisu generičko rješenje</a:t>
+              <a:t>isu </a:t>
+            </a:r>
+            <a:r>
+              <a:rPr lang="hr-HR" dirty="0" smtClean="0"/>
+              <a:t>generičko rješenje</a:t>
             </a:r>
           </a:p>
           <a:p>
@@ -9620,51 +9624,6 @@
           </a:p>
           <a:p>
             <a:endParaRPr lang="hr-HR" dirty="0"/>
-          </a:p>
-        </p:txBody>
-      </p:sp>
-      <p:sp>
-        <p:nvSpPr>
-          <p:cNvPr id="5" name="TextBox 4"/>
-          <p:cNvSpPr txBox="1"/>
-          <p:nvPr/>
-        </p:nvSpPr>
-        <p:spPr>
-          <a:xfrm>
-            <a:off x="646111" y="6444688"/>
-            <a:ext cx="10864738" cy="338554"/>
-          </a:xfrm>
-          <a:prstGeom prst="rect">
-            <a:avLst/>
-          </a:prstGeom>
-          <a:noFill/>
-        </p:spPr>
-        <p:txBody>
-          <a:bodyPr wrap="square" rtlCol="0">
-            <a:spAutoFit/>
-          </a:bodyPr>
-          <a:lstStyle/>
-          <a:p>
-            <a:r>
-              <a:rPr lang="en-US" sz="1600" dirty="0"/>
-              <a:t>Multimodal </a:t>
-            </a:r>
-            <a:r>
-              <a:rPr lang="en-US" sz="1600" dirty="0" smtClean="0"/>
-              <a:t>unsupervised </a:t>
-            </a:r>
-            <a:r>
-              <a:rPr lang="en-US" sz="1600" dirty="0"/>
-              <a:t>image-to-image translation. </a:t>
-            </a:r>
-            <a:r>
-              <a:rPr lang="en-US" sz="1600" dirty="0" smtClean="0"/>
-              <a:t> arXiv:1804.04732</a:t>
-            </a:r>
-            <a:r>
-              <a:rPr lang="en-US" sz="1600" dirty="0"/>
-              <a:t>, 2018.</a:t>
-            </a:r>
           </a:p>
         </p:txBody>
       </p:sp>

--- a/kvukic-seminar-presentation-2018.pptx
+++ b/kvukic-seminar-presentation-2018.pptx
@@ -321,7 +321,7 @@
           <a:p>
             <a:fld id="{4E6B89DE-2E6D-7646-A583-92A7E558AB0E}" type="datetimeFigureOut">
               <a:rPr lang="en-US" smtClean="0"/>
-              <a:t>6/6/18</a:t>
+              <a:t>6/13/18</a:t>
             </a:fld>
             <a:endParaRPr lang="en-US"/>
           </a:p>
@@ -596,7 +596,7 @@
           <a:p>
             <a:fld id="{4E6B89DE-2E6D-7646-A583-92A7E558AB0E}" type="datetimeFigureOut">
               <a:rPr lang="en-US" smtClean="0"/>
-              <a:t>6/6/18</a:t>
+              <a:t>6/13/18</a:t>
             </a:fld>
             <a:endParaRPr lang="en-US"/>
           </a:p>
@@ -790,7 +790,7 @@
           <a:p>
             <a:fld id="{4E6B89DE-2E6D-7646-A583-92A7E558AB0E}" type="datetimeFigureOut">
               <a:rPr lang="en-US" smtClean="0"/>
-              <a:t>6/6/18</a:t>
+              <a:t>6/13/18</a:t>
             </a:fld>
             <a:endParaRPr lang="en-US"/>
           </a:p>
@@ -1058,7 +1058,7 @@
           <a:p>
             <a:fld id="{4E6B89DE-2E6D-7646-A583-92A7E558AB0E}" type="datetimeFigureOut">
               <a:rPr lang="en-US" smtClean="0"/>
-              <a:t>6/6/18</a:t>
+              <a:t>6/13/18</a:t>
             </a:fld>
             <a:endParaRPr lang="en-US"/>
           </a:p>
@@ -1390,7 +1390,7 @@
           <a:p>
             <a:fld id="{4E6B89DE-2E6D-7646-A583-92A7E558AB0E}" type="datetimeFigureOut">
               <a:rPr lang="en-US" smtClean="0"/>
-              <a:t>6/6/18</a:t>
+              <a:t>6/13/18</a:t>
             </a:fld>
             <a:endParaRPr lang="en-US"/>
           </a:p>
@@ -2000,7 +2000,7 @@
           <a:p>
             <a:fld id="{4E6B89DE-2E6D-7646-A583-92A7E558AB0E}" type="datetimeFigureOut">
               <a:rPr lang="en-US" smtClean="0"/>
-              <a:t>6/6/18</a:t>
+              <a:t>6/13/18</a:t>
             </a:fld>
             <a:endParaRPr lang="en-US"/>
           </a:p>
@@ -2847,7 +2847,7 @@
           <a:p>
             <a:fld id="{4E6B89DE-2E6D-7646-A583-92A7E558AB0E}" type="datetimeFigureOut">
               <a:rPr lang="en-US" smtClean="0"/>
-              <a:t>6/6/18</a:t>
+              <a:t>6/13/18</a:t>
             </a:fld>
             <a:endParaRPr lang="en-US"/>
           </a:p>
@@ -3017,7 +3017,7 @@
           <a:p>
             <a:fld id="{4E6B89DE-2E6D-7646-A583-92A7E558AB0E}" type="datetimeFigureOut">
               <a:rPr lang="en-US" smtClean="0"/>
-              <a:t>6/6/18</a:t>
+              <a:t>6/13/18</a:t>
             </a:fld>
             <a:endParaRPr lang="en-US"/>
           </a:p>
@@ -3197,7 +3197,7 @@
           <a:p>
             <a:fld id="{4E6B89DE-2E6D-7646-A583-92A7E558AB0E}" type="datetimeFigureOut">
               <a:rPr lang="en-US" smtClean="0"/>
-              <a:t>6/6/18</a:t>
+              <a:t>6/13/18</a:t>
             </a:fld>
             <a:endParaRPr lang="en-US"/>
           </a:p>
@@ -3367,7 +3367,7 @@
           <a:p>
             <a:fld id="{4E6B89DE-2E6D-7646-A583-92A7E558AB0E}" type="datetimeFigureOut">
               <a:rPr lang="en-US" smtClean="0"/>
-              <a:t>6/6/18</a:t>
+              <a:t>6/13/18</a:t>
             </a:fld>
             <a:endParaRPr lang="en-US"/>
           </a:p>
@@ -3611,7 +3611,7 @@
           <a:p>
             <a:fld id="{4E6B89DE-2E6D-7646-A583-92A7E558AB0E}" type="datetimeFigureOut">
               <a:rPr lang="en-US" smtClean="0"/>
-              <a:t>6/6/18</a:t>
+              <a:t>6/13/18</a:t>
             </a:fld>
             <a:endParaRPr lang="en-US"/>
           </a:p>
@@ -3903,7 +3903,7 @@
           <a:p>
             <a:fld id="{4E6B89DE-2E6D-7646-A583-92A7E558AB0E}" type="datetimeFigureOut">
               <a:rPr lang="en-US" smtClean="0"/>
-              <a:t>6/6/18</a:t>
+              <a:t>6/13/18</a:t>
             </a:fld>
             <a:endParaRPr lang="en-US"/>
           </a:p>
@@ -4341,7 +4341,7 @@
           <a:p>
             <a:fld id="{4E6B89DE-2E6D-7646-A583-92A7E558AB0E}" type="datetimeFigureOut">
               <a:rPr lang="en-US" smtClean="0"/>
-              <a:t>6/6/18</a:t>
+              <a:t>6/13/18</a:t>
             </a:fld>
             <a:endParaRPr lang="en-US"/>
           </a:p>
@@ -4459,7 +4459,7 @@
           <a:p>
             <a:fld id="{4E6B89DE-2E6D-7646-A583-92A7E558AB0E}" type="datetimeFigureOut">
               <a:rPr lang="en-US" smtClean="0"/>
-              <a:t>6/6/18</a:t>
+              <a:t>6/13/18</a:t>
             </a:fld>
             <a:endParaRPr lang="en-US"/>
           </a:p>
@@ -4554,7 +4554,7 @@
           <a:p>
             <a:fld id="{4E6B89DE-2E6D-7646-A583-92A7E558AB0E}" type="datetimeFigureOut">
               <a:rPr lang="en-US" smtClean="0"/>
-              <a:t>6/6/18</a:t>
+              <a:t>6/13/18</a:t>
             </a:fld>
             <a:endParaRPr lang="en-US"/>
           </a:p>
@@ -4833,7 +4833,7 @@
           <a:p>
             <a:fld id="{4E6B89DE-2E6D-7646-A583-92A7E558AB0E}" type="datetimeFigureOut">
               <a:rPr lang="en-US" smtClean="0"/>
-              <a:t>6/6/18</a:t>
+              <a:t>6/13/18</a:t>
             </a:fld>
             <a:endParaRPr lang="en-US"/>
           </a:p>
@@ -5108,7 +5108,7 @@
           <a:p>
             <a:fld id="{4E6B89DE-2E6D-7646-A583-92A7E558AB0E}" type="datetimeFigureOut">
               <a:rPr lang="en-US" smtClean="0"/>
-              <a:t>6/6/18</a:t>
+              <a:t>6/13/18</a:t>
             </a:fld>
             <a:endParaRPr lang="en-US"/>
           </a:p>
@@ -5537,7 +5537,7 @@
           <a:p>
             <a:fld id="{4E6B89DE-2E6D-7646-A583-92A7E558AB0E}" type="datetimeFigureOut">
               <a:rPr lang="en-US" smtClean="0"/>
-              <a:t>6/6/18</a:t>
+              <a:t>6/13/18</a:t>
             </a:fld>
             <a:endParaRPr lang="en-US"/>
           </a:p>
@@ -6308,11 +6308,7 @@
             <a:pPr lvl="1"/>
             <a:r>
               <a:rPr lang="hr-HR" dirty="0" smtClean="0"/>
-              <a:t>Obični GAN - jesu li generirani podatci različiti od </a:t>
-            </a:r>
-            <a:r>
-              <a:rPr lang="hr-HR" dirty="0" smtClean="0"/>
-              <a:t>stvarnih</a:t>
+              <a:t>Obični GAN - jesu li generirani podatci različiti od stvarnih</a:t>
             </a:r>
           </a:p>
           <a:p>
@@ -6331,11 +6327,7 @@
             <a:pPr lvl="1"/>
             <a:r>
               <a:rPr lang="hr-HR" dirty="0" smtClean="0"/>
-              <a:t>Uvjetovani </a:t>
-            </a:r>
-            <a:r>
-              <a:rPr lang="hr-HR" dirty="0" smtClean="0"/>
-              <a:t>GAN </a:t>
+              <a:t>Uvjetovani GAN </a:t>
             </a:r>
             <a:r>
               <a:rPr lang="mr-IN" dirty="0" smtClean="0"/>
@@ -6387,7 +6379,6 @@
               <a:rPr lang="en-US" sz="1600" dirty="0"/>
               <a:t>, 2014.</a:t>
             </a:r>
-            <a:endParaRPr lang="en-US" sz="1600" dirty="0"/>
           </a:p>
         </p:txBody>
       </p:sp>
@@ -7949,11 +7940,7 @@
           <a:p>
             <a:r>
               <a:rPr lang="hr-HR" dirty="0" smtClean="0"/>
-              <a:t>Pretvaraju </a:t>
-            </a:r>
-            <a:r>
-              <a:rPr lang="hr-HR" dirty="0" smtClean="0"/>
-              <a:t>problem u nadzirano učenje</a:t>
+              <a:t>Pretvaraju problem u nadzirano učenje</a:t>
             </a:r>
           </a:p>
           <a:p>
@@ -7968,11 +7955,7 @@
             </a:r>
             <a:r>
               <a:rPr lang="hr-HR" dirty="0" smtClean="0"/>
-              <a:t> </a:t>
-            </a:r>
-            <a:r>
-              <a:rPr lang="hr-HR" dirty="0" smtClean="0"/>
-              <a:t>nadziranje zajedničkim značajkama cijelih setova</a:t>
+              <a:t> nadziranje zajedničkim značajkama cijelih setova</a:t>
             </a:r>
           </a:p>
           <a:p>
@@ -8073,11 +8056,7 @@
             </a:r>
             <a:r>
               <a:rPr lang="hr-HR" dirty="0" smtClean="0"/>
-              <a:t>GAN-a</a:t>
-            </a:r>
-            <a:r>
-              <a:rPr lang="hr-HR" dirty="0" smtClean="0"/>
-              <a:t>:</a:t>
+              <a:t>GAN-a:</a:t>
             </a:r>
           </a:p>
           <a:p>
@@ -8109,11 +8088,7 @@
             </a:r>
             <a:r>
               <a:rPr lang="hr-HR" dirty="0" smtClean="0"/>
-              <a:t>-a</a:t>
-            </a:r>
-            <a:r>
-              <a:rPr lang="hr-HR" dirty="0" smtClean="0"/>
-              <a:t>: </a:t>
+              <a:t>-a: </a:t>
             </a:r>
           </a:p>
           <a:p>
@@ -8350,11 +8325,7 @@
             </a:r>
             <a:r>
               <a:rPr lang="en-US" sz="1600" dirty="0" smtClean="0"/>
-              <a:t>translation </a:t>
-            </a:r>
-            <a:r>
-              <a:rPr lang="en-US" sz="1600" dirty="0" smtClean="0"/>
-              <a:t>networks</a:t>
+              <a:t>translation networks</a:t>
             </a:r>
             <a:r>
               <a:rPr lang="en-US" sz="1600" dirty="0"/>
@@ -8554,7 +8525,6 @@
               <a:rPr lang="en-US" sz="1600" dirty="0"/>
               <a:t> 2017.</a:t>
             </a:r>
-            <a:endParaRPr lang="en-US" sz="1600" dirty="0"/>
           </a:p>
         </p:txBody>
       </p:sp>
@@ -8824,7 +8794,6 @@
               <a:rPr lang="en-US" sz="1600" dirty="0"/>
               <a:t> 2017.</a:t>
             </a:r>
-            <a:endParaRPr lang="en-US" sz="1600" dirty="0"/>
           </a:p>
         </p:txBody>
       </p:sp>
@@ -8979,7 +8948,6 @@
               <a:rPr lang="en-US" sz="1600" dirty="0"/>
               <a:t> 2017.</a:t>
             </a:r>
-            <a:endParaRPr lang="en-US" sz="1600" dirty="0"/>
           </a:p>
         </p:txBody>
       </p:sp>
@@ -9344,11 +9312,7 @@
             <a:pPr lvl="1"/>
             <a:r>
               <a:rPr lang="hr-HR" dirty="0" smtClean="0"/>
-              <a:t>VAE stvara </a:t>
-            </a:r>
-            <a:r>
-              <a:rPr lang="hr-HR" dirty="0" smtClean="0"/>
-              <a:t>latentni prostor</a:t>
+              <a:t>VAE stvara latentni prostor</a:t>
             </a:r>
           </a:p>
           <a:p>
@@ -9365,7 +9329,6 @@
               <a:rPr lang="hr-HR" dirty="0" smtClean="0"/>
               <a:t> latentni prostor u prostor slika</a:t>
             </a:r>
-            <a:endParaRPr lang="hr-HR" dirty="0" smtClean="0"/>
           </a:p>
           <a:p>
             <a:pPr marL="457200" lvl="1" indent="0">
@@ -9417,7 +9380,6 @@
               <a:rPr lang="en-US" sz="1600" dirty="0"/>
               <a:t> 2017.</a:t>
             </a:r>
-            <a:endParaRPr lang="en-US" sz="1600" dirty="0"/>
           </a:p>
         </p:txBody>
       </p:sp>
@@ -9572,11 +9534,7 @@
             </a:r>
             <a:r>
               <a:rPr lang="hr-HR" dirty="0" smtClean="0"/>
-              <a:t>isu </a:t>
-            </a:r>
-            <a:r>
-              <a:rPr lang="hr-HR" dirty="0" smtClean="0"/>
-              <a:t>generičko rješenje</a:t>
+              <a:t>isu generičko rješenje</a:t>
             </a:r>
           </a:p>
           <a:p>
@@ -9724,13 +9682,8 @@
           <a:p>
             <a:r>
               <a:rPr lang="hr-HR" dirty="0" smtClean="0"/>
-              <a:t>Rastavljanje </a:t>
-            </a:r>
-            <a:r>
-              <a:rPr lang="hr-HR" dirty="0" smtClean="0"/>
-              <a:t>podataka na</a:t>
-            </a:r>
-            <a:endParaRPr lang="hr-HR" dirty="0" smtClean="0"/>
+              <a:t>Rastavljanje podataka na</a:t>
+            </a:r>
           </a:p>
           <a:p>
             <a:pPr lvl="1"/>
@@ -9813,30 +9766,14 @@
             </a:r>
             <a:r>
               <a:rPr lang="hr-HR" dirty="0" smtClean="0"/>
-              <a:t> - sadržaj slike ( </a:t>
-            </a:r>
+              <a:t> - sadržaj slike ( prostorna struktura )</a:t>
+            </a:r>
+          </a:p>
+          <a:p>
+            <a:pPr lvl="1"/>
             <a:r>
               <a:rPr lang="hr-HR" dirty="0" smtClean="0"/>
-              <a:t>prostorna </a:t>
-            </a:r>
-            <a:r>
-              <a:rPr lang="hr-HR" dirty="0" smtClean="0"/>
-              <a:t>struktura )</a:t>
-            </a:r>
-          </a:p>
-          <a:p>
-            <a:pPr lvl="1"/>
-            <a:r>
-              <a:rPr lang="hr-HR" dirty="0" smtClean="0"/>
-              <a:t>Specifično - stil </a:t>
-            </a:r>
-            <a:r>
-              <a:rPr lang="hr-HR" dirty="0" smtClean="0"/>
-              <a:t>slike </a:t>
-            </a:r>
-            <a:r>
-              <a:rPr lang="hr-HR" dirty="0" smtClean="0"/>
-              <a:t>(</a:t>
+              <a:t>Specifično - stil slike (</a:t>
             </a:r>
             <a:r>
               <a:rPr lang="hr-HR" dirty="0"/>
@@ -9848,15 +9785,7 @@
             </a:r>
             <a:r>
               <a:rPr lang="hr-HR" dirty="0" smtClean="0"/>
-              <a:t> </a:t>
-            </a:r>
-            <a:r>
-              <a:rPr lang="hr-HR" dirty="0" smtClean="0"/>
-              <a:t>sadržaja </a:t>
-            </a:r>
-            <a:r>
-              <a:rPr lang="hr-HR" dirty="0" smtClean="0"/>
-              <a:t>slike )</a:t>
+              <a:t> sadržaja slike )</a:t>
             </a:r>
             <a:endParaRPr lang="hr-HR" dirty="0"/>
           </a:p>
@@ -10299,11 +10228,7 @@
             <a:pPr lvl="1"/>
             <a:r>
               <a:rPr lang="en-US" dirty="0" err="1" smtClean="0"/>
-              <a:t>S</a:t>
-            </a:r>
-            <a:r>
-              <a:rPr lang="en-US" dirty="0" err="1" smtClean="0"/>
-              <a:t>amostalni</a:t>
+              <a:t>Samostalni</a:t>
             </a:r>
             <a:r>
               <a:rPr lang="en-US" dirty="0" smtClean="0"/>
@@ -10492,11 +10417,7 @@
             </a:r>
             <a:r>
               <a:rPr lang="hr-HR" dirty="0" smtClean="0"/>
-              <a:t> usporedni s nadziranim </a:t>
-            </a:r>
-            <a:r>
-              <a:rPr lang="hr-HR" dirty="0" smtClean="0"/>
-              <a:t>modelima</a:t>
+              <a:t> usporedni s nadziranim modelima</a:t>
             </a:r>
           </a:p>
           <a:p>
@@ -10505,7 +10426,6 @@
               <a:rPr lang="hr-HR" dirty="0" smtClean="0"/>
               <a:t>Omogućuje dvosmjernu translaciju</a:t>
             </a:r>
-            <a:endParaRPr lang="hr-HR" dirty="0" smtClean="0"/>
           </a:p>
           <a:p>
             <a:pPr lvl="1"/>
@@ -10658,11 +10578,7 @@
             <a:pPr lvl="1"/>
             <a:r>
               <a:rPr lang="hr-HR" dirty="0" smtClean="0"/>
-              <a:t>Zakazuju kod nestrukturiranih </a:t>
-            </a:r>
-            <a:r>
-              <a:rPr lang="hr-HR" dirty="0" smtClean="0"/>
-              <a:t>podataka</a:t>
+              <a:t>Zakazuju kod nestrukturiranih podataka</a:t>
             </a:r>
           </a:p>
           <a:p>
@@ -10694,7 +10610,6 @@
               <a:rPr lang="hr-HR" dirty="0" smtClean="0"/>
               <a:t>Dobar kod izmjene stila, loš kod izmjene strukture</a:t>
             </a:r>
-            <a:endParaRPr lang="hr-HR" dirty="0" smtClean="0"/>
           </a:p>
           <a:p>
             <a:pPr marL="457200" lvl="1" indent="0">
@@ -10796,15 +10711,7 @@
             </a:r>
             <a:r>
               <a:rPr lang="hr-HR" dirty="0" smtClean="0"/>
-              <a:t> na ideje kružnih </a:t>
-            </a:r>
-            <a:r>
-              <a:rPr lang="hr-HR" dirty="0" smtClean="0"/>
-              <a:t>GAN-ova </a:t>
-            </a:r>
-            <a:r>
-              <a:rPr lang="hr-HR" dirty="0" smtClean="0"/>
-              <a:t>i UNIT modela</a:t>
+              <a:t> na ideje kružnih GAN-ova i UNIT modela</a:t>
             </a:r>
           </a:p>
           <a:p>
@@ -10837,13 +10744,8 @@
             </a:r>
             <a:r>
               <a:rPr lang="hr-HR" dirty="0" smtClean="0"/>
-              <a:t> latentnog prostora na sadržajni i stilistički omogućuje visoku </a:t>
-            </a:r>
-            <a:r>
-              <a:rPr lang="hr-HR" dirty="0" smtClean="0"/>
-              <a:t>preciznost generacije</a:t>
-            </a:r>
-            <a:endParaRPr lang="hr-HR" dirty="0" smtClean="0"/>
+              <a:t> latentnog prostora na sadržajni i stilistički omogućuje visoku preciznost generacije</a:t>
+            </a:r>
           </a:p>
           <a:p>
             <a:pPr lvl="1"/>
@@ -10944,8 +10846,8 @@
           </a:p>
         </p:txBody>
       </p:sp>
-      <mc:AlternateContent xmlns:mc="http://schemas.openxmlformats.org/markup-compatibility/2006">
-        <mc:Choice xmlns:a14="http://schemas.microsoft.com/office/drawing/2010/main" Requires="a14">
+      <mc:AlternateContent xmlns:mc="http://schemas.openxmlformats.org/markup-compatibility/2006" xmlns:a14="http://schemas.microsoft.com/office/drawing/2010/main">
+        <mc:Choice Requires="a14">
           <p:sp>
             <p:nvSpPr>
               <p:cNvPr id="3" name="Content Placeholder 2"/>
@@ -10967,7 +10869,6 @@
                   <a:rPr lang="en-US" dirty="0" smtClean="0"/>
                   <a:t>Diskriminativni</a:t>
                 </a:r>
-                <a:endParaRPr lang="en-US" dirty="0" smtClean="0"/>
               </a:p>
               <a:p>
                 <a:pPr lvl="1"/>
@@ -11143,11 +11044,7 @@
                 <a:pPr lvl="1"/>
                 <a:r>
                   <a:rPr lang="en-US" dirty="0" smtClean="0"/>
-                  <a:t>Uče</a:t>
-                </a:r>
-                <a:r>
-                  <a:rPr lang="en-US" dirty="0" smtClean="0"/>
-                  <a:t> </a:t>
+                  <a:t>Uče </a:t>
                 </a:r>
                 <a:r>
                   <a:rPr lang="en-US" dirty="0" err="1" smtClean="0"/>
@@ -11326,7 +11223,7 @@
             </p:txBody>
           </p:sp>
         </mc:Choice>
-        <mc:Fallback>
+        <mc:Fallback xmlns="">
           <p:sp>
             <p:nvSpPr>
               <p:cNvPr id="3" name="Content Placeholder 2"/>
@@ -11732,55 +11629,50 @@
           <a:p>
             <a:r>
               <a:rPr lang="en-US" dirty="0" smtClean="0"/>
-              <a:t>Generator </a:t>
-            </a:r>
-            <a:r>
-              <a:rPr lang="en-US" dirty="0" smtClean="0"/>
-              <a:t>(G) </a:t>
+              <a:t>Generator (G) </a:t>
+            </a:r>
+          </a:p>
+          <a:p>
+            <a:pPr lvl="1"/>
+            <a:r>
+              <a:rPr lang="en-US" dirty="0" err="1" smtClean="0"/>
+              <a:t>stvara</a:t>
+            </a:r>
+            <a:r>
+              <a:rPr lang="en-US" dirty="0" smtClean="0"/>
+              <a:t> </a:t>
+            </a:r>
+            <a:r>
+              <a:rPr lang="en-US" dirty="0" err="1" smtClean="0"/>
+              <a:t>nove</a:t>
+            </a:r>
+            <a:r>
+              <a:rPr lang="en-US" dirty="0" smtClean="0"/>
+              <a:t> </a:t>
+            </a:r>
+            <a:r>
+              <a:rPr lang="en-US" dirty="0" err="1" smtClean="0"/>
+              <a:t>podatke</a:t>
+            </a:r>
+            <a:r>
+              <a:rPr lang="en-US" dirty="0" smtClean="0"/>
+              <a:t> </a:t>
+            </a:r>
+            <a:r>
+              <a:rPr lang="en-US" dirty="0" err="1" smtClean="0"/>
+              <a:t>slične</a:t>
+            </a:r>
+            <a:r>
+              <a:rPr lang="en-US" dirty="0" smtClean="0"/>
+              <a:t> </a:t>
+            </a:r>
+            <a:r>
+              <a:rPr lang="en-US" dirty="0" err="1" smtClean="0"/>
+              <a:t>stvarnima</a:t>
             </a:r>
             <a:endParaRPr lang="en-US" dirty="0" smtClean="0"/>
           </a:p>
           <a:p>
-            <a:pPr lvl="1"/>
-            <a:r>
-              <a:rPr lang="en-US" dirty="0" err="1" smtClean="0"/>
-              <a:t>stvara</a:t>
-            </a:r>
-            <a:r>
-              <a:rPr lang="en-US" dirty="0" smtClean="0"/>
-              <a:t> </a:t>
-            </a:r>
-            <a:r>
-              <a:rPr lang="en-US" dirty="0" err="1" smtClean="0"/>
-              <a:t>nove</a:t>
-            </a:r>
-            <a:r>
-              <a:rPr lang="en-US" dirty="0" smtClean="0"/>
-              <a:t> </a:t>
-            </a:r>
-            <a:r>
-              <a:rPr lang="en-US" dirty="0" err="1" smtClean="0"/>
-              <a:t>podatke</a:t>
-            </a:r>
-            <a:r>
-              <a:rPr lang="en-US" dirty="0" smtClean="0"/>
-              <a:t> </a:t>
-            </a:r>
-            <a:r>
-              <a:rPr lang="en-US" dirty="0" err="1" smtClean="0"/>
-              <a:t>slične</a:t>
-            </a:r>
-            <a:r>
-              <a:rPr lang="en-US" dirty="0" smtClean="0"/>
-              <a:t> </a:t>
-            </a:r>
-            <a:r>
-              <a:rPr lang="en-US" dirty="0" err="1" smtClean="0"/>
-              <a:t>stvarnima</a:t>
-            </a:r>
-            <a:endParaRPr lang="en-US" dirty="0" smtClean="0"/>
-          </a:p>
-          <a:p>
             <a:r>
               <a:rPr lang="en-US" dirty="0" err="1" smtClean="0"/>
               <a:t>Diskriminator</a:t>
@@ -11789,7 +11681,6 @@
               <a:rPr lang="en-US" dirty="0" smtClean="0"/>
               <a:t> (D) </a:t>
             </a:r>
-            <a:endParaRPr lang="en-US" dirty="0" smtClean="0"/>
           </a:p>
           <a:p>
             <a:pPr lvl="1"/>
@@ -12193,19 +12084,11 @@
             </a:r>
             <a:r>
               <a:rPr lang="hr-HR" dirty="0" err="1" smtClean="0"/>
-              <a:t>G</a:t>
-            </a:r>
-            <a:r>
-              <a:rPr lang="hr-HR" dirty="0" err="1" smtClean="0"/>
-              <a:t>ausovu</a:t>
+              <a:t>Gausovu</a:t>
             </a:r>
             <a:r>
               <a:rPr lang="hr-HR" dirty="0" smtClean="0"/>
-              <a:t> </a:t>
-            </a:r>
-            <a:r>
-              <a:rPr lang="hr-HR" dirty="0" smtClean="0"/>
-              <a:t>distribuciju podataka</a:t>
+              <a:t> distribuciju podataka</a:t>
             </a:r>
           </a:p>
           <a:p>
@@ -12744,7 +12627,6 @@
               <a:rPr lang="en-US" sz="1600" dirty="0"/>
               <a:t>, 2014.</a:t>
             </a:r>
-            <a:endParaRPr lang="en-US" sz="1600" dirty="0"/>
           </a:p>
         </p:txBody>
       </p:sp>
